--- a/PP.pptx
+++ b/PP.pptx
@@ -7,7 +7,7 @@
   <p:sldIdLst>
     <p:sldId id="257" r:id="rId2"/>
     <p:sldId id="258" r:id="rId3"/>
-    <p:sldId id="262" r:id="rId4"/>
+    <p:sldId id="274" r:id="rId4"/>
     <p:sldId id="263" r:id="rId5"/>
     <p:sldId id="261" r:id="rId6"/>
     <p:sldId id="260" r:id="rId7"/>
@@ -5177,24 +5177,24 @@
       </p:grpSpPr>
       <p:sp>
         <p:nvSpPr>
-          <p:cNvPr id="3" name="Inhaltsplatzhalter 2">
-            <a:extLst>
-              <a:ext uri="{FF2B5EF4-FFF2-40B4-BE49-F238E27FC236}">
-                <a16:creationId xmlns:a16="http://schemas.microsoft.com/office/drawing/2014/main" id="{EF2F12AA-717C-400F-AC63-EA5D78A3C047}"/>
-              </a:ext>
-            </a:extLst>
-          </p:cNvPr>
-          <p:cNvSpPr>
-            <a:spLocks noGrp="1"/>
-          </p:cNvSpPr>
-          <p:nvPr>
-            <p:ph idx="1"/>
+          <p:cNvPr id="2" name="Titel 1">
+            <a:extLst>
+              <a:ext uri="{FF2B5EF4-FFF2-40B4-BE49-F238E27FC236}">
+                <a16:creationId xmlns:a16="http://schemas.microsoft.com/office/drawing/2014/main" id="{A345EDC5-18B4-4B25-B937-30BC851F6DA7}"/>
+              </a:ext>
+            </a:extLst>
+          </p:cNvPr>
+          <p:cNvSpPr>
+            <a:spLocks noGrp="1"/>
+          </p:cNvSpPr>
+          <p:nvPr>
+            <p:ph type="ctrTitle"/>
           </p:nvPr>
         </p:nvSpPr>
         <p:spPr>
           <a:xfrm>
-            <a:off x="2332358" y="1871109"/>
-            <a:ext cx="7527284" cy="3115781"/>
+            <a:off x="1443790" y="55562"/>
+            <a:ext cx="9144000" cy="2005849"/>
           </a:xfrm>
         </p:spPr>
         <p:txBody>
@@ -5203,192 +5203,66 @@
           </a:bodyPr>
           <a:lstStyle/>
           <a:p>
-            <a:pPr marL="0" indent="0" algn="ctr">
-              <a:buNone/>
-            </a:pPr>
-            <a:r>
-              <a:rPr lang="de-DE" dirty="0"/>
-              <a:t>Christian Grimm untersucht in seiner Doktorarbeit für das Risikomanagement einer (Rück)Versicherung, wie oft Erdbeben ähnlich starke Nachbeben triggern. Denn sie stellen einen Schadenmultiplikator für die Versicherung darstellen.</a:t>
-            </a:r>
-          </a:p>
-          <a:p>
-            <a:pPr marL="0" indent="0">
-              <a:buNone/>
-            </a:pPr>
-            <a:endParaRPr lang="de-DE" dirty="0"/>
-          </a:p>
-          <a:p>
-            <a:pPr marL="0" indent="0">
-              <a:buNone/>
-            </a:pPr>
-            <a:endParaRPr lang="de-DE" dirty="0"/>
-          </a:p>
-        </p:txBody>
-      </p:sp>
-      <p:sp>
-        <p:nvSpPr>
-          <p:cNvPr id="4" name="Foliennummernplatzhalter 3">
-            <a:extLst>
-              <a:ext uri="{FF2B5EF4-FFF2-40B4-BE49-F238E27FC236}">
-                <a16:creationId xmlns:a16="http://schemas.microsoft.com/office/drawing/2014/main" id="{38F51045-17B2-4CC8-80FB-808D3D232D7E}"/>
-              </a:ext>
-            </a:extLst>
-          </p:cNvPr>
-          <p:cNvSpPr>
-            <a:spLocks noGrp="1"/>
-          </p:cNvSpPr>
-          <p:nvPr>
-            <p:ph type="sldNum" sz="quarter" idx="12"/>
-          </p:nvPr>
-        </p:nvSpPr>
-        <p:spPr/>
-        <p:txBody>
-          <a:bodyPr/>
-          <a:lstStyle/>
-          <a:p>
-            <a:fld id="{5C76D808-3489-4ED6-8F45-9C53BCBA6C6D}" type="slidenum">
-              <a:rPr lang="es-ES" b="1" smtClean="0"/>
-              <a:t>3</a:t>
-            </a:fld>
-            <a:endParaRPr lang="es-ES" b="1" dirty="0"/>
-          </a:p>
-        </p:txBody>
-      </p:sp>
-      <p:sp>
-        <p:nvSpPr>
-          <p:cNvPr id="6" name="AutoShape 2" descr="Bildergebnis für mexiko  flagge">
-            <a:extLst>
-              <a:ext uri="{FF2B5EF4-FFF2-40B4-BE49-F238E27FC236}">
-                <a16:creationId xmlns:a16="http://schemas.microsoft.com/office/drawing/2014/main" id="{857C175E-0782-4771-83B5-FE30477F5ADE}"/>
-              </a:ext>
-            </a:extLst>
-          </p:cNvPr>
-          <p:cNvSpPr>
-            <a:spLocks noChangeAspect="1" noChangeArrowheads="1"/>
-          </p:cNvSpPr>
-          <p:nvPr/>
-        </p:nvSpPr>
-        <p:spPr bwMode="auto">
-          <a:xfrm>
-            <a:off x="5943600" y="3276600"/>
-            <a:ext cx="304800" cy="304800"/>
-          </a:xfrm>
-          <a:prstGeom prst="rect">
-            <a:avLst/>
-          </a:prstGeom>
-          <a:noFill/>
-          <a:extLst>
-            <a:ext uri="{909E8E84-426E-40DD-AFC4-6F175D3DCCD1}">
-              <a14:hiddenFill xmlns:a14="http://schemas.microsoft.com/office/drawing/2010/main">
-                <a:solidFill>
-                  <a:srgbClr val="FFFFFF"/>
-                </a:solidFill>
-              </a14:hiddenFill>
-            </a:ext>
-          </a:extLst>
-        </p:spPr>
-        <p:txBody>
-          <a:bodyPr vert="horz" wrap="square" lIns="91440" tIns="45720" rIns="91440" bIns="45720" numCol="1" anchor="t" anchorCtr="0" compatLnSpc="1">
-            <a:prstTxWarp prst="textNoShape">
-              <a:avLst/>
-            </a:prstTxWarp>
-          </a:bodyPr>
-          <a:lstStyle/>
-          <a:p>
-            <a:endParaRPr lang="es-ES"/>
-          </a:p>
-        </p:txBody>
-      </p:sp>
-      <p:sp>
-        <p:nvSpPr>
-          <p:cNvPr id="9" name="Titel 26">
-            <a:extLst>
-              <a:ext uri="{FF2B5EF4-FFF2-40B4-BE49-F238E27FC236}">
-                <a16:creationId xmlns:a16="http://schemas.microsoft.com/office/drawing/2014/main" id="{2EB3946F-2FEF-7647-9117-E92EBCA1223B}"/>
-              </a:ext>
-            </a:extLst>
-          </p:cNvPr>
-          <p:cNvSpPr txBox="1">
-            <a:spLocks/>
-          </p:cNvSpPr>
-          <p:nvPr/>
-        </p:nvSpPr>
-        <p:spPr>
-          <a:xfrm>
-            <a:off x="838200" y="0"/>
-            <a:ext cx="10515600" cy="1325563"/>
-          </a:xfrm>
-          <a:prstGeom prst="rect">
-            <a:avLst/>
-          </a:prstGeom>
-        </p:spPr>
-        <p:txBody>
-          <a:bodyPr vert="horz" lIns="91440" tIns="45720" rIns="91440" bIns="45720" rtlCol="0" anchor="ctr">
-            <a:normAutofit/>
-          </a:bodyPr>
-          <a:lstStyle>
-            <a:lvl1pPr algn="l" defTabSz="914400" rtl="0" eaLnBrk="1" latinLnBrk="0" hangingPunct="1">
-              <a:lnSpc>
-                <a:spcPct val="90000"/>
-              </a:lnSpc>
-              <a:spcBef>
-                <a:spcPct val="0"/>
-              </a:spcBef>
-              <a:buNone/>
-              <a:defRPr sz="4400" kern="1200">
-                <a:solidFill>
-                  <a:schemeClr val="tx1"/>
-                </a:solidFill>
-                <a:latin typeface="+mj-lt"/>
-                <a:ea typeface="+mj-ea"/>
-                <a:cs typeface="+mj-cs"/>
-              </a:defRPr>
-            </a:lvl1pPr>
-          </a:lstStyle>
-          <a:p>
-            <a:pPr algn="ctr"/>
-            <a:r>
-              <a:rPr lang="es-ES" sz="3600" u="sng" dirty="0">
+            <a:r>
+              <a:rPr lang="es-ES" sz="4000" u="sng" dirty="0">
                 <a:latin typeface="Arial" panose="020B0604020202020204" pitchFamily="34" charset="0"/>
                 <a:cs typeface="Arial" panose="020B0604020202020204" pitchFamily="34" charset="0"/>
               </a:rPr>
               <a:t>Hintergrund und Inhalt des Projektes</a:t>
             </a:r>
-          </a:p>
-        </p:txBody>
-      </p:sp>
-      <p:sp>
-        <p:nvSpPr>
-          <p:cNvPr id="7" name="Fußzeilenplatzhalter 4">
-            <a:extLst>
-              <a:ext uri="{FF2B5EF4-FFF2-40B4-BE49-F238E27FC236}">
-                <a16:creationId xmlns:a16="http://schemas.microsoft.com/office/drawing/2014/main" id="{00D96A0B-DFF8-4590-A342-4EE02B81294A}"/>
-              </a:ext>
-            </a:extLst>
-          </p:cNvPr>
-          <p:cNvSpPr>
-            <a:spLocks noGrp="1"/>
-          </p:cNvSpPr>
-          <p:nvPr>
-            <p:ph type="ftr" sz="quarter" idx="11"/>
-          </p:nvPr>
-        </p:nvSpPr>
-        <p:spPr>
-          <a:xfrm>
-            <a:off x="117806" y="6356350"/>
-            <a:ext cx="4050287" cy="365125"/>
-          </a:xfrm>
-        </p:spPr>
-        <p:txBody>
-          <a:bodyPr/>
-          <a:lstStyle/>
-          <a:p>
-            <a:r>
-              <a:rPr lang="es-ES" dirty="0">
+            <a:br>
+              <a:rPr lang="es-ES" sz="6000" u="sng" dirty="0">
                 <a:latin typeface="Arial" panose="020B0604020202020204" pitchFamily="34" charset="0"/>
                 <a:cs typeface="Arial" panose="020B0604020202020204" pitchFamily="34" charset="0"/>
               </a:rPr>
-              <a:t>Getriggerte Erdbeben – Orzelek, Reichmeier, Riedlberger</a:t>
+            </a:br>
+            <a:endParaRPr lang="de-DE" dirty="0"/>
+          </a:p>
+        </p:txBody>
+      </p:sp>
+      <p:sp>
+        <p:nvSpPr>
+          <p:cNvPr id="3" name="Untertitel 2">
+            <a:extLst>
+              <a:ext uri="{FF2B5EF4-FFF2-40B4-BE49-F238E27FC236}">
+                <a16:creationId xmlns:a16="http://schemas.microsoft.com/office/drawing/2014/main" id="{8EA8996C-9003-4B22-BCB6-280688238FEE}"/>
+              </a:ext>
+            </a:extLst>
+          </p:cNvPr>
+          <p:cNvSpPr>
+            <a:spLocks noGrp="1"/>
+          </p:cNvSpPr>
+          <p:nvPr>
+            <p:ph type="subTitle" idx="1"/>
+          </p:nvPr>
+        </p:nvSpPr>
+        <p:spPr>
+          <a:xfrm>
+            <a:off x="449179" y="1981785"/>
+            <a:ext cx="9144000" cy="1655762"/>
+          </a:xfrm>
+        </p:spPr>
+        <p:txBody>
+          <a:bodyPr/>
+          <a:lstStyle/>
+          <a:p>
+            <a:pPr marL="342900" indent="-342900" algn="l">
+              <a:buFont typeface="Arial" panose="020B0604020202020204" pitchFamily="34" charset="0"/>
+              <a:buChar char="•"/>
+            </a:pPr>
+            <a:r>
+              <a:rPr lang="de-DE" dirty="0"/>
+              <a:t>Risikomanagement einer (Rück)Versicherung</a:t>
+            </a:r>
+          </a:p>
+          <a:p>
+            <a:pPr marL="342900" indent="-342900" algn="l">
+              <a:buFont typeface="Arial" panose="020B0604020202020204" pitchFamily="34" charset="0"/>
+              <a:buChar char="•"/>
+            </a:pPr>
+            <a:r>
+              <a:rPr lang="de-DE" dirty="0"/>
+              <a:t>Nachbeben stellen zusätzliches Risiko dar: Schadensmultiplikator</a:t>
             </a:r>
           </a:p>
         </p:txBody>
@@ -5396,7 +5270,7 @@
     </p:spTree>
     <p:extLst>
       <p:ext uri="{BB962C8B-B14F-4D97-AF65-F5344CB8AC3E}">
-        <p14:creationId xmlns:p14="http://schemas.microsoft.com/office/powerpoint/2010/main" val="1072445958"/>
+        <p14:creationId xmlns:p14="http://schemas.microsoft.com/office/powerpoint/2010/main" val="418127603"/>
       </p:ext>
     </p:extLst>
   </p:cSld>

--- a/PP.pptx
+++ b/PP.pptx
@@ -7,19 +7,23 @@
   <p:sldIdLst>
     <p:sldId id="257" r:id="rId2"/>
     <p:sldId id="258" r:id="rId3"/>
-    <p:sldId id="274" r:id="rId4"/>
-    <p:sldId id="263" r:id="rId5"/>
-    <p:sldId id="261" r:id="rId6"/>
-    <p:sldId id="260" r:id="rId7"/>
-    <p:sldId id="268" r:id="rId8"/>
-    <p:sldId id="271" r:id="rId9"/>
-    <p:sldId id="269" r:id="rId10"/>
-    <p:sldId id="272" r:id="rId11"/>
-    <p:sldId id="270" r:id="rId12"/>
-    <p:sldId id="273" r:id="rId13"/>
-    <p:sldId id="264" r:id="rId14"/>
-    <p:sldId id="267" r:id="rId15"/>
-    <p:sldId id="259" r:id="rId16"/>
+    <p:sldId id="262" r:id="rId4"/>
+    <p:sldId id="277" r:id="rId5"/>
+    <p:sldId id="263" r:id="rId6"/>
+    <p:sldId id="279" r:id="rId7"/>
+    <p:sldId id="274" r:id="rId8"/>
+    <p:sldId id="261" r:id="rId9"/>
+    <p:sldId id="260" r:id="rId10"/>
+    <p:sldId id="268" r:id="rId11"/>
+    <p:sldId id="272" r:id="rId12"/>
+    <p:sldId id="276" r:id="rId13"/>
+    <p:sldId id="269" r:id="rId14"/>
+    <p:sldId id="271" r:id="rId15"/>
+    <p:sldId id="270" r:id="rId16"/>
+    <p:sldId id="273" r:id="rId17"/>
+    <p:sldId id="264" r:id="rId18"/>
+    <p:sldId id="267" r:id="rId19"/>
+    <p:sldId id="259" r:id="rId20"/>
   </p:sldIdLst>
   <p:sldSz cx="12192000" cy="6858000"/>
   <p:notesSz cx="6858000" cy="9144000"/>
@@ -286,7 +290,7 @@
           <a:p>
             <a:fld id="{6652AED0-8AA7-4156-AC4D-3923CE798F0C}" type="datetimeFigureOut">
               <a:rPr lang="es-ES" smtClean="0"/>
-              <a:t>08/03/2021</a:t>
+              <a:t>11/03/2021</a:t>
             </a:fld>
             <a:endParaRPr lang="es-ES"/>
           </a:p>
@@ -486,7 +490,7 @@
           <a:p>
             <a:fld id="{6652AED0-8AA7-4156-AC4D-3923CE798F0C}" type="datetimeFigureOut">
               <a:rPr lang="es-ES" smtClean="0"/>
-              <a:t>08/03/2021</a:t>
+              <a:t>11/03/2021</a:t>
             </a:fld>
             <a:endParaRPr lang="es-ES"/>
           </a:p>
@@ -696,7 +700,7 @@
           <a:p>
             <a:fld id="{6652AED0-8AA7-4156-AC4D-3923CE798F0C}" type="datetimeFigureOut">
               <a:rPr lang="es-ES" smtClean="0"/>
-              <a:t>08/03/2021</a:t>
+              <a:t>11/03/2021</a:t>
             </a:fld>
             <a:endParaRPr lang="es-ES"/>
           </a:p>
@@ -896,7 +900,7 @@
           <a:p>
             <a:fld id="{6652AED0-8AA7-4156-AC4D-3923CE798F0C}" type="datetimeFigureOut">
               <a:rPr lang="es-ES" smtClean="0"/>
-              <a:t>08/03/2021</a:t>
+              <a:t>11/03/2021</a:t>
             </a:fld>
             <a:endParaRPr lang="es-ES"/>
           </a:p>
@@ -1172,7 +1176,7 @@
           <a:p>
             <a:fld id="{6652AED0-8AA7-4156-AC4D-3923CE798F0C}" type="datetimeFigureOut">
               <a:rPr lang="es-ES" smtClean="0"/>
-              <a:t>08/03/2021</a:t>
+              <a:t>11/03/2021</a:t>
             </a:fld>
             <a:endParaRPr lang="es-ES"/>
           </a:p>
@@ -1440,7 +1444,7 @@
           <a:p>
             <a:fld id="{6652AED0-8AA7-4156-AC4D-3923CE798F0C}" type="datetimeFigureOut">
               <a:rPr lang="es-ES" smtClean="0"/>
-              <a:t>08/03/2021</a:t>
+              <a:t>11/03/2021</a:t>
             </a:fld>
             <a:endParaRPr lang="es-ES"/>
           </a:p>
@@ -1855,7 +1859,7 @@
           <a:p>
             <a:fld id="{6652AED0-8AA7-4156-AC4D-3923CE798F0C}" type="datetimeFigureOut">
               <a:rPr lang="es-ES" smtClean="0"/>
-              <a:t>08/03/2021</a:t>
+              <a:t>11/03/2021</a:t>
             </a:fld>
             <a:endParaRPr lang="es-ES"/>
           </a:p>
@@ -1997,7 +2001,7 @@
           <a:p>
             <a:fld id="{6652AED0-8AA7-4156-AC4D-3923CE798F0C}" type="datetimeFigureOut">
               <a:rPr lang="es-ES" smtClean="0"/>
-              <a:t>08/03/2021</a:t>
+              <a:t>11/03/2021</a:t>
             </a:fld>
             <a:endParaRPr lang="es-ES"/>
           </a:p>
@@ -2110,7 +2114,7 @@
           <a:p>
             <a:fld id="{6652AED0-8AA7-4156-AC4D-3923CE798F0C}" type="datetimeFigureOut">
               <a:rPr lang="es-ES" smtClean="0"/>
-              <a:t>08/03/2021</a:t>
+              <a:t>11/03/2021</a:t>
             </a:fld>
             <a:endParaRPr lang="es-ES"/>
           </a:p>
@@ -2423,7 +2427,7 @@
           <a:p>
             <a:fld id="{6652AED0-8AA7-4156-AC4D-3923CE798F0C}" type="datetimeFigureOut">
               <a:rPr lang="es-ES" smtClean="0"/>
-              <a:t>08/03/2021</a:t>
+              <a:t>11/03/2021</a:t>
             </a:fld>
             <a:endParaRPr lang="es-ES"/>
           </a:p>
@@ -2712,7 +2716,7 @@
           <a:p>
             <a:fld id="{6652AED0-8AA7-4156-AC4D-3923CE798F0C}" type="datetimeFigureOut">
               <a:rPr lang="es-ES" smtClean="0"/>
-              <a:t>08/03/2021</a:t>
+              <a:t>11/03/2021</a:t>
             </a:fld>
             <a:endParaRPr lang="es-ES"/>
           </a:p>
@@ -2955,7 +2959,7 @@
           <a:p>
             <a:fld id="{6652AED0-8AA7-4156-AC4D-3923CE798F0C}" type="datetimeFigureOut">
               <a:rPr lang="es-ES" smtClean="0"/>
-              <a:t>08/03/2021</a:t>
+              <a:t>11/03/2021</a:t>
             </a:fld>
             <a:endParaRPr lang="es-ES"/>
           </a:p>
@@ -3390,7 +3394,7 @@
         </p:nvSpPr>
         <p:spPr>
           <a:xfrm>
-            <a:off x="592770" y="1208612"/>
+            <a:off x="592770" y="1502526"/>
             <a:ext cx="11006459" cy="1580186"/>
           </a:xfrm>
         </p:spPr>
@@ -3428,7 +3432,7 @@
         </p:nvSpPr>
         <p:spPr>
           <a:xfrm>
-            <a:off x="2868485" y="4988220"/>
+            <a:off x="5048833" y="5021575"/>
             <a:ext cx="6550396" cy="661168"/>
           </a:xfrm>
         </p:spPr>
@@ -3438,6 +3442,13 @@
           </a:bodyPr>
           <a:lstStyle/>
           <a:p>
+            <a:endParaRPr lang="es-ES" sz="2000" dirty="0">
+              <a:latin typeface="Arial" panose="020B0604020202020204" pitchFamily="34" charset="0"/>
+              <a:cs typeface="Arial" panose="020B0604020202020204" pitchFamily="34" charset="0"/>
+            </a:endParaRPr>
+          </a:p>
+          <a:p>
+            <a:pPr algn="r"/>
             <a:r>
               <a:rPr lang="es-ES" sz="2000" dirty="0">
                 <a:latin typeface="Arial" panose="020B0604020202020204" pitchFamily="34" charset="0"/>
@@ -3487,8 +3498,8 @@
         </p:nvSpPr>
         <p:spPr>
           <a:xfrm>
-            <a:off x="3927967" y="5991283"/>
-            <a:ext cx="7853741" cy="369332"/>
+            <a:off x="3063240" y="5791228"/>
+            <a:ext cx="8718468" cy="400110"/>
           </a:xfrm>
           <a:prstGeom prst="rect">
             <a:avLst/>
@@ -3502,7 +3513,7 @@
           <a:lstStyle/>
           <a:p>
             <a:r>
-              <a:rPr lang="es-ES" dirty="0">
+              <a:rPr lang="es-ES" sz="2000" dirty="0">
                 <a:latin typeface="Arial" panose="020B0604020202020204" pitchFamily="34" charset="0"/>
                 <a:cs typeface="Arial" panose="020B0604020202020204" pitchFamily="34" charset="0"/>
               </a:rPr>
@@ -3563,8 +3574,8 @@
         </p:nvSpPr>
         <p:spPr>
           <a:xfrm>
-            <a:off x="8724360" y="6299823"/>
-            <a:ext cx="3057348" cy="369332"/>
+            <a:off x="8353697" y="6207927"/>
+            <a:ext cx="3428011" cy="400110"/>
           </a:xfrm>
           <a:prstGeom prst="rect">
             <a:avLst/>
@@ -3578,7 +3589,7 @@
           <a:lstStyle/>
           <a:p>
             <a:r>
-              <a:rPr lang="es-ES" dirty="0">
+              <a:rPr lang="es-ES" sz="2000" dirty="0">
                 <a:latin typeface="Arial" panose="020B0604020202020204" pitchFamily="34" charset="0"/>
                 <a:cs typeface="Arial" panose="020B0604020202020204" pitchFamily="34" charset="0"/>
               </a:rPr>
@@ -3625,102 +3636,37 @@
           </a:p>
         </p:txBody>
       </p:sp>
-      <p:pic>
-        <p:nvPicPr>
-          <p:cNvPr id="10" name="Picture 2">
-            <a:extLst>
-              <a:ext uri="{FF2B5EF4-FFF2-40B4-BE49-F238E27FC236}">
-                <a16:creationId xmlns:a16="http://schemas.microsoft.com/office/drawing/2014/main" id="{74AD30C1-358A-46E0-96DF-9E5F5E2016E9}"/>
-              </a:ext>
-            </a:extLst>
-          </p:cNvPr>
-          <p:cNvPicPr>
-            <a:picLocks noChangeAspect="1" noChangeArrowheads="1"/>
-          </p:cNvPicPr>
+      <p:sp>
+        <p:nvSpPr>
+          <p:cNvPr id="7" name="Textfeld 6">
+            <a:extLst>
+              <a:ext uri="{FF2B5EF4-FFF2-40B4-BE49-F238E27FC236}">
+                <a16:creationId xmlns:a16="http://schemas.microsoft.com/office/drawing/2014/main" id="{6BDE546F-EA1D-451A-B84C-8B1D50502CAF}"/>
+              </a:ext>
+            </a:extLst>
+          </p:cNvPr>
+          <p:cNvSpPr txBox="1"/>
           <p:nvPr/>
-        </p:nvPicPr>
-        <p:blipFill rotWithShape="1">
-          <a:blip r:embed="rId2">
-            <a:extLst>
-              <a:ext uri="{28A0092B-C50C-407E-A947-70E740481C1C}">
-                <a14:useLocalDpi xmlns:a14="http://schemas.microsoft.com/office/drawing/2010/main" val="0"/>
-              </a:ext>
-            </a:extLst>
-          </a:blip>
-          <a:srcRect t="75856" r="6142" b="5113"/>
-          <a:stretch/>
-        </p:blipFill>
-        <p:spPr bwMode="auto">
-          <a:xfrm>
-            <a:off x="2922890" y="2954300"/>
-            <a:ext cx="6170622" cy="1638067"/>
+        </p:nvSpPr>
+        <p:spPr>
+          <a:xfrm>
+            <a:off x="5132424" y="3332129"/>
+            <a:ext cx="1927149" cy="400110"/>
           </a:xfrm>
           <a:prstGeom prst="rect">
             <a:avLst/>
           </a:prstGeom>
           <a:noFill/>
-          <a:extLst>
-            <a:ext uri="{909E8E84-426E-40DD-AFC4-6F175D3DCCD1}">
-              <a14:hiddenFill xmlns:a14="http://schemas.microsoft.com/office/drawing/2010/main">
-                <a:solidFill>
-                  <a:srgbClr val="FFFFFF"/>
-                </a:solidFill>
-              </a14:hiddenFill>
-            </a:ext>
-          </a:extLst>
         </p:spPr>
-      </p:pic>
-      <p:sp>
-        <p:nvSpPr>
-          <p:cNvPr id="11" name="Rechteck 10">
-            <a:extLst>
-              <a:ext uri="{FF2B5EF4-FFF2-40B4-BE49-F238E27FC236}">
-                <a16:creationId xmlns:a16="http://schemas.microsoft.com/office/drawing/2014/main" id="{DC351AF1-8425-4A65-80BC-E1D176D392FF}"/>
-              </a:ext>
-            </a:extLst>
-          </p:cNvPr>
-          <p:cNvSpPr/>
-          <p:nvPr/>
-        </p:nvSpPr>
-        <p:spPr>
-          <a:xfrm>
-            <a:off x="6423763" y="3923933"/>
-            <a:ext cx="2669749" cy="668434"/>
-          </a:xfrm>
-          <a:prstGeom prst="rect">
-            <a:avLst/>
-          </a:prstGeom>
-          <a:solidFill>
-            <a:srgbClr val="DFE1E0"/>
-          </a:solidFill>
-          <a:ln>
-            <a:noFill/>
-          </a:ln>
-        </p:spPr>
-        <p:style>
-          <a:lnRef idx="2">
-            <a:schemeClr val="accent1">
-              <a:shade val="50000"/>
-            </a:schemeClr>
-          </a:lnRef>
-          <a:fillRef idx="1">
-            <a:schemeClr val="accent1"/>
-          </a:fillRef>
-          <a:effectRef idx="0">
-            <a:schemeClr val="accent1"/>
-          </a:effectRef>
-          <a:fontRef idx="minor">
-            <a:schemeClr val="lt1"/>
-          </a:fontRef>
-        </p:style>
-        <p:txBody>
-          <a:bodyPr rtlCol="0" anchor="ctr"/>
-          <a:lstStyle/>
-          <a:p>
-            <a:pPr algn="ctr"/>
-            <a:r>
-              <a:rPr lang="es-ES" dirty="0"/>
-              <a:t>Erdbeben</a:t>
+        <p:txBody>
+          <a:bodyPr wrap="square" rtlCol="0">
+            <a:spAutoFit/>
+          </a:bodyPr>
+          <a:lstStyle/>
+          <a:p>
+            <a:r>
+              <a:rPr lang="es-ES" sz="2000" dirty="0"/>
+              <a:t>Zwischenvortrag</a:t>
             </a:r>
           </a:p>
         </p:txBody>
@@ -3773,8 +3719,8 @@
         </p:nvSpPr>
         <p:spPr>
           <a:xfrm>
-            <a:off x="2332358" y="1871109"/>
-            <a:ext cx="7527284" cy="3115781"/>
+            <a:off x="1002052" y="1844675"/>
+            <a:ext cx="11065988" cy="4351338"/>
           </a:xfrm>
         </p:spPr>
         <p:txBody>
@@ -3783,16 +3729,55 @@
           </a:bodyPr>
           <a:lstStyle/>
           <a:p>
+            <a:r>
+              <a:rPr lang="es-ES" dirty="0">
+                <a:latin typeface="Arial" panose="020B0604020202020204" pitchFamily="34" charset="0"/>
+                <a:cs typeface="Arial" panose="020B0604020202020204" pitchFamily="34" charset="0"/>
+              </a:rPr>
+              <a:t>Hintergrund und Inhalt des Projektes</a:t>
+            </a:r>
+          </a:p>
+          <a:p>
+            <a:r>
+              <a:rPr lang="es-ES" dirty="0">
+                <a:latin typeface="Arial" panose="020B0604020202020204" pitchFamily="34" charset="0"/>
+                <a:cs typeface="Arial" panose="020B0604020202020204" pitchFamily="34" charset="0"/>
+              </a:rPr>
+              <a:t>Fragestellung</a:t>
+            </a:r>
+          </a:p>
+          <a:p>
+            <a:r>
+              <a:rPr lang="es-ES" b="1" dirty="0">
+                <a:latin typeface="Arial" panose="020B0604020202020204" pitchFamily="34" charset="0"/>
+                <a:cs typeface="Arial" panose="020B0604020202020204" pitchFamily="34" charset="0"/>
+              </a:rPr>
+              <a:t>Konzept der Methodik</a:t>
+            </a:r>
+          </a:p>
+          <a:p>
+            <a:r>
+              <a:rPr lang="es-ES" dirty="0">
+                <a:latin typeface="Arial" panose="020B0604020202020204" pitchFamily="34" charset="0"/>
+                <a:cs typeface="Arial" panose="020B0604020202020204" pitchFamily="34" charset="0"/>
+              </a:rPr>
+              <a:t>Erste Ergebnisse und Erfahrungen</a:t>
+            </a:r>
+          </a:p>
+          <a:p>
+            <a:r>
+              <a:rPr lang="es-ES" dirty="0">
+                <a:latin typeface="Arial" panose="020B0604020202020204" pitchFamily="34" charset="0"/>
+                <a:cs typeface="Arial" panose="020B0604020202020204" pitchFamily="34" charset="0"/>
+              </a:rPr>
+              <a:t>Fragen und Anregungen = Diskussion</a:t>
+            </a:r>
+          </a:p>
+          <a:p>
             <a:pPr marL="0" indent="0">
               <a:buNone/>
             </a:pPr>
-            <a:endParaRPr lang="de-DE" dirty="0"/>
-          </a:p>
-          <a:p>
-            <a:pPr marL="0" indent="0">
-              <a:buNone/>
-            </a:pPr>
-            <a:endParaRPr lang="de-DE" dirty="0"/>
+            <a:endParaRPr lang="es-ES" dirty="0"/>
           </a:p>
         </p:txBody>
       </p:sp>
@@ -3886,7 +3871,7 @@
         </p:nvSpPr>
         <p:spPr>
           <a:xfrm>
-            <a:off x="838200" y="0"/>
+            <a:off x="838200" y="-140245"/>
             <a:ext cx="10515600" cy="1325563"/>
           </a:xfrm>
           <a:prstGeom prst="rect">
@@ -3919,21 +3904,25 @@
           <a:p>
             <a:pPr algn="ctr"/>
             <a:r>
-              <a:rPr lang="es-ES" sz="3600" u="sng" dirty="0">
+              <a:rPr lang="es-ES" sz="3600" u="sng" dirty="0" err="1">
                 <a:latin typeface="Arial" panose="020B0604020202020204" pitchFamily="34" charset="0"/>
                 <a:cs typeface="Arial" panose="020B0604020202020204" pitchFamily="34" charset="0"/>
               </a:rPr>
-              <a:t>Konzept der Methodik</a:t>
-            </a:r>
-          </a:p>
-        </p:txBody>
-      </p:sp>
-      <p:sp>
-        <p:nvSpPr>
-          <p:cNvPr id="7" name="Fußzeilenplatzhalter 4">
-            <a:extLst>
-              <a:ext uri="{FF2B5EF4-FFF2-40B4-BE49-F238E27FC236}">
-                <a16:creationId xmlns:a16="http://schemas.microsoft.com/office/drawing/2014/main" id="{00D96A0B-DFF8-4590-A342-4EE02B81294A}"/>
+              <a:t>Gliederung</a:t>
+            </a:r>
+            <a:endParaRPr lang="es-ES" sz="3600" u="sng" dirty="0">
+              <a:latin typeface="Arial" panose="020B0604020202020204" pitchFamily="34" charset="0"/>
+              <a:cs typeface="Arial" panose="020B0604020202020204" pitchFamily="34" charset="0"/>
+            </a:endParaRPr>
+          </a:p>
+        </p:txBody>
+      </p:sp>
+      <p:sp>
+        <p:nvSpPr>
+          <p:cNvPr id="10" name="Fußzeilenplatzhalter 4">
+            <a:extLst>
+              <a:ext uri="{FF2B5EF4-FFF2-40B4-BE49-F238E27FC236}">
+                <a16:creationId xmlns:a16="http://schemas.microsoft.com/office/drawing/2014/main" id="{CA3F2EDC-1E9F-40FC-ABFA-3C46B88C1DC8}"/>
               </a:ext>
             </a:extLst>
           </p:cNvPr>
@@ -3967,7 +3956,7 @@
     </p:spTree>
     <p:extLst>
       <p:ext uri="{BB962C8B-B14F-4D97-AF65-F5344CB8AC3E}">
-        <p14:creationId xmlns:p14="http://schemas.microsoft.com/office/powerpoint/2010/main" val="2483198659"/>
+        <p14:creationId xmlns:p14="http://schemas.microsoft.com/office/powerpoint/2010/main" val="1471043058"/>
       </p:ext>
     </p:extLst>
   </p:cSld>
@@ -4012,8 +4001,8 @@
         </p:nvSpPr>
         <p:spPr>
           <a:xfrm>
-            <a:off x="1002052" y="1844675"/>
-            <a:ext cx="11065988" cy="4351338"/>
+            <a:off x="2332358" y="1871109"/>
+            <a:ext cx="7527284" cy="3115781"/>
           </a:xfrm>
         </p:spPr>
         <p:txBody>
@@ -4022,55 +4011,16 @@
           </a:bodyPr>
           <a:lstStyle/>
           <a:p>
-            <a:r>
-              <a:rPr lang="es-ES" dirty="0">
-                <a:latin typeface="Arial" panose="020B0604020202020204" pitchFamily="34" charset="0"/>
-                <a:cs typeface="Arial" panose="020B0604020202020204" pitchFamily="34" charset="0"/>
-              </a:rPr>
-              <a:t>Hintergrund und Inhalt des Projektes</a:t>
-            </a:r>
-          </a:p>
-          <a:p>
-            <a:r>
-              <a:rPr lang="es-ES" dirty="0">
-                <a:latin typeface="Arial" panose="020B0604020202020204" pitchFamily="34" charset="0"/>
-                <a:cs typeface="Arial" panose="020B0604020202020204" pitchFamily="34" charset="0"/>
-              </a:rPr>
-              <a:t>Fragestellung</a:t>
-            </a:r>
-          </a:p>
-          <a:p>
-            <a:r>
-              <a:rPr lang="es-ES" dirty="0">
-                <a:latin typeface="Arial" panose="020B0604020202020204" pitchFamily="34" charset="0"/>
-                <a:cs typeface="Arial" panose="020B0604020202020204" pitchFamily="34" charset="0"/>
-              </a:rPr>
-              <a:t>Erste Ergebnisse und Erfahrungen</a:t>
-            </a:r>
-          </a:p>
-          <a:p>
-            <a:r>
-              <a:rPr lang="es-ES" dirty="0">
-                <a:latin typeface="Arial" panose="020B0604020202020204" pitchFamily="34" charset="0"/>
-                <a:cs typeface="Arial" panose="020B0604020202020204" pitchFamily="34" charset="0"/>
-              </a:rPr>
-              <a:t>Konzept der Methodik</a:t>
-            </a:r>
-          </a:p>
-          <a:p>
-            <a:r>
-              <a:rPr lang="es-ES" b="1" dirty="0">
-                <a:latin typeface="Arial" panose="020B0604020202020204" pitchFamily="34" charset="0"/>
-                <a:cs typeface="Arial" panose="020B0604020202020204" pitchFamily="34" charset="0"/>
-              </a:rPr>
-              <a:t>Fragen und Anregungen = Diskussion</a:t>
-            </a:r>
-          </a:p>
-          <a:p>
             <a:pPr marL="0" indent="0">
               <a:buNone/>
             </a:pPr>
-            <a:endParaRPr lang="es-ES" dirty="0"/>
+            <a:endParaRPr lang="de-DE" dirty="0"/>
+          </a:p>
+          <a:p>
+            <a:pPr marL="0" indent="0">
+              <a:buNone/>
+            </a:pPr>
+            <a:endParaRPr lang="de-DE" dirty="0"/>
           </a:p>
         </p:txBody>
       </p:sp>
@@ -4164,7 +4114,7 @@
         </p:nvSpPr>
         <p:spPr>
           <a:xfrm>
-            <a:off x="838200" y="-140245"/>
+            <a:off x="838200" y="-140246"/>
             <a:ext cx="10515600" cy="1325563"/>
           </a:xfrm>
           <a:prstGeom prst="rect">
@@ -4197,25 +4147,21 @@
           <a:p>
             <a:pPr algn="ctr"/>
             <a:r>
-              <a:rPr lang="es-ES" sz="3600" u="sng" dirty="0" err="1">
+              <a:rPr lang="es-ES" sz="3600" u="sng" dirty="0">
                 <a:latin typeface="Arial" panose="020B0604020202020204" pitchFamily="34" charset="0"/>
                 <a:cs typeface="Arial" panose="020B0604020202020204" pitchFamily="34" charset="0"/>
               </a:rPr>
-              <a:t>Gliederung</a:t>
-            </a:r>
-            <a:endParaRPr lang="es-ES" sz="3600" u="sng" dirty="0">
-              <a:latin typeface="Arial" panose="020B0604020202020204" pitchFamily="34" charset="0"/>
-              <a:cs typeface="Arial" panose="020B0604020202020204" pitchFamily="34" charset="0"/>
-            </a:endParaRPr>
-          </a:p>
-        </p:txBody>
-      </p:sp>
-      <p:sp>
-        <p:nvSpPr>
-          <p:cNvPr id="10" name="Fußzeilenplatzhalter 4">
-            <a:extLst>
-              <a:ext uri="{FF2B5EF4-FFF2-40B4-BE49-F238E27FC236}">
-                <a16:creationId xmlns:a16="http://schemas.microsoft.com/office/drawing/2014/main" id="{CA3F2EDC-1E9F-40FC-ABFA-3C46B88C1DC8}"/>
+              <a:t>Konzept der Methodik</a:t>
+            </a:r>
+          </a:p>
+        </p:txBody>
+      </p:sp>
+      <p:sp>
+        <p:nvSpPr>
+          <p:cNvPr id="7" name="Fußzeilenplatzhalter 4">
+            <a:extLst>
+              <a:ext uri="{FF2B5EF4-FFF2-40B4-BE49-F238E27FC236}">
+                <a16:creationId xmlns:a16="http://schemas.microsoft.com/office/drawing/2014/main" id="{00D96A0B-DFF8-4590-A342-4EE02B81294A}"/>
               </a:ext>
             </a:extLst>
           </p:cNvPr>
@@ -4246,10 +4192,167 @@
           </a:p>
         </p:txBody>
       </p:sp>
+      <p:sp>
+        <p:nvSpPr>
+          <p:cNvPr id="2" name="Textfeld 1">
+            <a:extLst>
+              <a:ext uri="{FF2B5EF4-FFF2-40B4-BE49-F238E27FC236}">
+                <a16:creationId xmlns:a16="http://schemas.microsoft.com/office/drawing/2014/main" id="{FBC09E3C-B24F-44E8-A8FE-9DE4A3E580EC}"/>
+              </a:ext>
+            </a:extLst>
+          </p:cNvPr>
+          <p:cNvSpPr txBox="1"/>
+          <p:nvPr/>
+        </p:nvSpPr>
+        <p:spPr>
+          <a:xfrm>
+            <a:off x="953589" y="1626326"/>
+            <a:ext cx="9535885" cy="3785652"/>
+          </a:xfrm>
+          <a:prstGeom prst="rect">
+            <a:avLst/>
+          </a:prstGeom>
+          <a:noFill/>
+        </p:spPr>
+        <p:txBody>
+          <a:bodyPr wrap="square" rtlCol="0">
+            <a:spAutoFit/>
+          </a:bodyPr>
+          <a:lstStyle/>
+          <a:p>
+            <a:r>
+              <a:rPr lang="es-ES" sz="2000" b="1" u="sng" dirty="0">
+                <a:sym typeface="Wingdings" panose="05000000000000000000" pitchFamily="2" charset="2"/>
+              </a:rPr>
+              <a:t>Quantilsregression:</a:t>
+            </a:r>
+          </a:p>
+          <a:p>
+            <a:r>
+              <a:rPr lang="es-ES" sz="2000" dirty="0">
+                <a:sym typeface="Wingdings" panose="05000000000000000000" pitchFamily="2" charset="2"/>
+              </a:rPr>
+              <a:t>Ist eine Erwerterung der linearen Regression</a:t>
+            </a:r>
+          </a:p>
+          <a:p>
+            <a:r>
+              <a:rPr lang="es-ES" sz="2000" dirty="0">
+                <a:sym typeface="Wingdings" panose="05000000000000000000" pitchFamily="2" charset="2"/>
+              </a:rPr>
+              <a:t>Sie schätz den bedingten Median (oder andere Quantile) der Kovariablen</a:t>
+            </a:r>
+          </a:p>
+          <a:p>
+            <a:endParaRPr lang="es-ES" sz="2000" dirty="0">
+              <a:sym typeface="Wingdings" panose="05000000000000000000" pitchFamily="2" charset="2"/>
+            </a:endParaRPr>
+          </a:p>
+          <a:p>
+            <a:r>
+              <a:rPr lang="es-ES" sz="2000" u="sng" dirty="0">
+                <a:sym typeface="Wingdings" panose="05000000000000000000" pitchFamily="2" charset="2"/>
+              </a:rPr>
+              <a:t>Vorteile:</a:t>
+            </a:r>
+          </a:p>
+          <a:p>
+            <a:pPr marL="342900" indent="-342900">
+              <a:buFont typeface="Arial" panose="020B0604020202020204" pitchFamily="34" charset="0"/>
+              <a:buChar char="•"/>
+            </a:pPr>
+            <a:r>
+              <a:rPr lang="es-ES" sz="2000" dirty="0">
+                <a:sym typeface="Wingdings" panose="05000000000000000000" pitchFamily="2" charset="2"/>
+              </a:rPr>
+              <a:t>Robust gegenüber Ausreisern</a:t>
+            </a:r>
+          </a:p>
+          <a:p>
+            <a:pPr marL="342900" indent="-342900">
+              <a:buFont typeface="Arial" panose="020B0604020202020204" pitchFamily="34" charset="0"/>
+              <a:buChar char="•"/>
+            </a:pPr>
+            <a:r>
+              <a:rPr lang="es-ES" sz="2000" dirty="0">
+                <a:sym typeface="Wingdings" panose="05000000000000000000" pitchFamily="2" charset="2"/>
+              </a:rPr>
+              <a:t>Effekte der Kovariablen auf die gesammte Verteilung der Response zu modelieren  vollständigeres Bild als bei Erwartungswert</a:t>
+            </a:r>
+          </a:p>
+          <a:p>
+            <a:pPr marL="342900" indent="-342900">
+              <a:buFont typeface="Arial" panose="020B0604020202020204" pitchFamily="34" charset="0"/>
+              <a:buChar char="•"/>
+            </a:pPr>
+            <a:r>
+              <a:rPr lang="de-DE" sz="2000" dirty="0">
+                <a:solidFill>
+                  <a:srgbClr val="202122"/>
+                </a:solidFill>
+                <a:latin typeface="Arial" panose="020B0604020202020204" pitchFamily="34" charset="0"/>
+              </a:rPr>
+              <a:t>Verteilungsfrei</a:t>
+            </a:r>
+          </a:p>
+          <a:p>
+            <a:pPr marL="342900" indent="-342900">
+              <a:buFont typeface="Arial" panose="020B0604020202020204" pitchFamily="34" charset="0"/>
+              <a:buChar char="•"/>
+            </a:pPr>
+            <a:r>
+              <a:rPr lang="de-DE" sz="2000" dirty="0">
+                <a:solidFill>
+                  <a:srgbClr val="202122"/>
+                </a:solidFill>
+                <a:latin typeface="Arial" panose="020B0604020202020204" pitchFamily="34" charset="0"/>
+              </a:rPr>
+              <a:t>Verzicht auf Bedingung der </a:t>
+            </a:r>
+            <a:r>
+              <a:rPr lang="de-DE" sz="2000" dirty="0" err="1">
+                <a:solidFill>
+                  <a:srgbClr val="202122"/>
+                </a:solidFill>
+                <a:latin typeface="Arial" panose="020B0604020202020204" pitchFamily="34" charset="0"/>
+              </a:rPr>
+              <a:t>Homoskedaszitiät</a:t>
+            </a:r>
+            <a:endParaRPr lang="de-DE" sz="2000" dirty="0">
+              <a:solidFill>
+                <a:srgbClr val="202122"/>
+              </a:solidFill>
+              <a:latin typeface="Arial" panose="020B0604020202020204" pitchFamily="34" charset="0"/>
+            </a:endParaRPr>
+          </a:p>
+          <a:p>
+            <a:pPr marL="342900" indent="-342900">
+              <a:buFont typeface="Arial" panose="020B0604020202020204" pitchFamily="34" charset="0"/>
+              <a:buChar char="•"/>
+            </a:pPr>
+            <a:r>
+              <a:rPr lang="de-DE" sz="2000" dirty="0">
+                <a:solidFill>
+                  <a:srgbClr val="202122"/>
+                </a:solidFill>
+                <a:latin typeface="Arial" panose="020B0604020202020204" pitchFamily="34" charset="0"/>
+              </a:rPr>
+              <a:t>Keine Verteilungsannahme für die Zufallsfehler</a:t>
+            </a:r>
+          </a:p>
+          <a:p>
+            <a:pPr marL="342900" indent="-342900">
+              <a:buFontTx/>
+              <a:buChar char="-"/>
+            </a:pPr>
+            <a:endParaRPr lang="es-ES" sz="2000" dirty="0"/>
+          </a:p>
+        </p:txBody>
+      </p:sp>
     </p:spTree>
     <p:extLst>
       <p:ext uri="{BB962C8B-B14F-4D97-AF65-F5344CB8AC3E}">
-        <p14:creationId xmlns:p14="http://schemas.microsoft.com/office/powerpoint/2010/main" val="1763848810"/>
+        <p14:creationId xmlns:p14="http://schemas.microsoft.com/office/powerpoint/2010/main" val="2483198659"/>
       </p:ext>
     </p:extLst>
   </p:cSld>
@@ -4407,7 +4510,7 @@
         </p:nvSpPr>
         <p:spPr>
           <a:xfrm>
-            <a:off x="838200" y="0"/>
+            <a:off x="990600" y="-56099"/>
             <a:ext cx="10515600" cy="1325563"/>
           </a:xfrm>
           <a:prstGeom prst="rect">
@@ -4444,7 +4547,7 @@
                 <a:latin typeface="Arial" panose="020B0604020202020204" pitchFamily="34" charset="0"/>
                 <a:cs typeface="Arial" panose="020B0604020202020204" pitchFamily="34" charset="0"/>
               </a:rPr>
-              <a:t>Fragen und Anregungen</a:t>
+              <a:t>Konzept der Methodik</a:t>
             </a:r>
           </a:p>
         </p:txBody>
@@ -4485,10 +4588,104 @@
           </a:p>
         </p:txBody>
       </p:sp>
+      <p:sp>
+        <p:nvSpPr>
+          <p:cNvPr id="2" name="Textfeld 1">
+            <a:extLst>
+              <a:ext uri="{FF2B5EF4-FFF2-40B4-BE49-F238E27FC236}">
+                <a16:creationId xmlns:a16="http://schemas.microsoft.com/office/drawing/2014/main" id="{FBC09E3C-B24F-44E8-A8FE-9DE4A3E580EC}"/>
+              </a:ext>
+            </a:extLst>
+          </p:cNvPr>
+          <p:cNvSpPr txBox="1"/>
+          <p:nvPr/>
+        </p:nvSpPr>
+        <p:spPr>
+          <a:xfrm>
+            <a:off x="953589" y="1626326"/>
+            <a:ext cx="9535885" cy="2246769"/>
+          </a:xfrm>
+          <a:prstGeom prst="rect">
+            <a:avLst/>
+          </a:prstGeom>
+          <a:noFill/>
+        </p:spPr>
+        <p:txBody>
+          <a:bodyPr wrap="square" rtlCol="0">
+            <a:spAutoFit/>
+          </a:bodyPr>
+          <a:lstStyle/>
+          <a:p>
+            <a:r>
+              <a:rPr lang="es-ES" sz="2000" b="1" u="sng" dirty="0">
+                <a:sym typeface="Wingdings" panose="05000000000000000000" pitchFamily="2" charset="2"/>
+              </a:rPr>
+              <a:t>Unser Vorgehen:</a:t>
+            </a:r>
+          </a:p>
+          <a:p>
+            <a:pPr marL="342900" indent="-342900">
+              <a:buFont typeface="Arial" panose="020B0604020202020204" pitchFamily="34" charset="0"/>
+              <a:buChar char="•"/>
+            </a:pPr>
+            <a:r>
+              <a:rPr lang="es-ES" sz="2000" dirty="0">
+                <a:sym typeface="Wingdings" panose="05000000000000000000" pitchFamily="2" charset="2"/>
+              </a:rPr>
+              <a:t>Datensatz aufbereitet...</a:t>
+            </a:r>
+          </a:p>
+          <a:p>
+            <a:endParaRPr lang="es-ES" sz="2000" b="1" u="sng" dirty="0">
+              <a:sym typeface="Wingdings" panose="05000000000000000000" pitchFamily="2" charset="2"/>
+            </a:endParaRPr>
+          </a:p>
+          <a:p>
+            <a:endParaRPr lang="es-ES" sz="2000" b="1" u="sng" dirty="0">
+              <a:sym typeface="Wingdings" panose="05000000000000000000" pitchFamily="2" charset="2"/>
+            </a:endParaRPr>
+          </a:p>
+          <a:p>
+            <a:r>
+              <a:rPr lang="es-ES" sz="2000" b="1" u="sng" dirty="0">
+                <a:sym typeface="Wingdings" panose="05000000000000000000" pitchFamily="2" charset="2"/>
+              </a:rPr>
+              <a:t>Quantilsregression:</a:t>
+            </a:r>
+          </a:p>
+          <a:p>
+            <a:endParaRPr lang="es-ES" sz="2000" b="1" u="sng" dirty="0">
+              <a:sym typeface="Wingdings" panose="05000000000000000000" pitchFamily="2" charset="2"/>
+            </a:endParaRPr>
+          </a:p>
+          <a:p>
+            <a:pPr marL="342900" indent="-342900">
+              <a:buFont typeface="Arial" panose="020B0604020202020204" pitchFamily="34" charset="0"/>
+              <a:buChar char="•"/>
+            </a:pPr>
+            <a:r>
+              <a:rPr lang="es-ES" sz="2000" dirty="0"/>
+              <a:t>Erstellt in R mit dem Paket </a:t>
+            </a:r>
+            <a:r>
+              <a:rPr lang="es-ES" sz="2000" b="1" i="1" dirty="0"/>
+              <a:t>quantreg</a:t>
+            </a:r>
+            <a:r>
+              <a:rPr lang="es-ES" sz="2000" dirty="0"/>
+              <a:t> und der Funktion </a:t>
+            </a:r>
+            <a:r>
+              <a:rPr lang="es-ES" sz="2000" b="1" i="1" dirty="0"/>
+              <a:t>rq</a:t>
+            </a:r>
+          </a:p>
+        </p:txBody>
+      </p:sp>
     </p:spTree>
     <p:extLst>
       <p:ext uri="{BB962C8B-B14F-4D97-AF65-F5344CB8AC3E}">
-        <p14:creationId xmlns:p14="http://schemas.microsoft.com/office/powerpoint/2010/main" val="3774258167"/>
+        <p14:creationId xmlns:p14="http://schemas.microsoft.com/office/powerpoint/2010/main" val="323745129"/>
       </p:ext>
     </p:extLst>
   </p:cSld>
@@ -4517,10 +4714,90 @@
       </p:grpSpPr>
       <p:sp>
         <p:nvSpPr>
+          <p:cNvPr id="3" name="Inhaltsplatzhalter 2">
+            <a:extLst>
+              <a:ext uri="{FF2B5EF4-FFF2-40B4-BE49-F238E27FC236}">
+                <a16:creationId xmlns:a16="http://schemas.microsoft.com/office/drawing/2014/main" id="{EF2F12AA-717C-400F-AC63-EA5D78A3C047}"/>
+              </a:ext>
+            </a:extLst>
+          </p:cNvPr>
+          <p:cNvSpPr>
+            <a:spLocks noGrp="1"/>
+          </p:cNvSpPr>
+          <p:nvPr>
+            <p:ph idx="1"/>
+          </p:nvPr>
+        </p:nvSpPr>
+        <p:spPr>
+          <a:xfrm>
+            <a:off x="1002052" y="1844675"/>
+            <a:ext cx="11065988" cy="4351338"/>
+          </a:xfrm>
+        </p:spPr>
+        <p:txBody>
+          <a:bodyPr>
+            <a:normAutofit/>
+          </a:bodyPr>
+          <a:lstStyle/>
+          <a:p>
+            <a:r>
+              <a:rPr lang="es-ES" dirty="0">
+                <a:latin typeface="Arial" panose="020B0604020202020204" pitchFamily="34" charset="0"/>
+                <a:cs typeface="Arial" panose="020B0604020202020204" pitchFamily="34" charset="0"/>
+              </a:rPr>
+              <a:t>Hintergrund und Inhalt des Projektes</a:t>
+            </a:r>
+          </a:p>
+          <a:p>
+            <a:r>
+              <a:rPr lang="es-ES" dirty="0">
+                <a:latin typeface="Arial" panose="020B0604020202020204" pitchFamily="34" charset="0"/>
+                <a:cs typeface="Arial" panose="020B0604020202020204" pitchFamily="34" charset="0"/>
+              </a:rPr>
+              <a:t>Fragestellung</a:t>
+            </a:r>
+          </a:p>
+          <a:p>
+            <a:r>
+              <a:rPr lang="es-ES" dirty="0">
+                <a:latin typeface="Arial" panose="020B0604020202020204" pitchFamily="34" charset="0"/>
+                <a:cs typeface="Arial" panose="020B0604020202020204" pitchFamily="34" charset="0"/>
+              </a:rPr>
+              <a:t>Konzept der Methodik</a:t>
+            </a:r>
+          </a:p>
+          <a:p>
+            <a:r>
+              <a:rPr lang="es-ES" b="1" dirty="0">
+                <a:latin typeface="Arial" panose="020B0604020202020204" pitchFamily="34" charset="0"/>
+                <a:cs typeface="Arial" panose="020B0604020202020204" pitchFamily="34" charset="0"/>
+              </a:rPr>
+              <a:t>Erste Ergebnisse und Erfahrungen</a:t>
+            </a:r>
+          </a:p>
+          <a:p>
+            <a:r>
+              <a:rPr lang="es-ES" dirty="0">
+                <a:latin typeface="Arial" panose="020B0604020202020204" pitchFamily="34" charset="0"/>
+                <a:cs typeface="Arial" panose="020B0604020202020204" pitchFamily="34" charset="0"/>
+              </a:rPr>
+              <a:t>Fragen und Anregungen = Diskussion</a:t>
+            </a:r>
+          </a:p>
+          <a:p>
+            <a:pPr marL="0" indent="0">
+              <a:buNone/>
+            </a:pPr>
+            <a:endParaRPr lang="es-ES" dirty="0"/>
+          </a:p>
+        </p:txBody>
+      </p:sp>
+      <p:sp>
+        <p:nvSpPr>
           <p:cNvPr id="4" name="Foliennummernplatzhalter 3">
             <a:extLst>
               <a:ext uri="{FF2B5EF4-FFF2-40B4-BE49-F238E27FC236}">
-                <a16:creationId xmlns:a16="http://schemas.microsoft.com/office/drawing/2014/main" id="{1EBBF429-5D0D-4D24-8F6A-EB726CCA6871}"/>
+                <a16:creationId xmlns:a16="http://schemas.microsoft.com/office/drawing/2014/main" id="{38F51045-17B2-4CC8-80FB-808D3D232D7E}"/>
               </a:ext>
             </a:extLst>
           </p:cNvPr>
@@ -4544,41 +4821,119 @@
           </a:p>
         </p:txBody>
       </p:sp>
-      <p:pic>
-        <p:nvPicPr>
-          <p:cNvPr id="5" name="Grafik 4">
-            <a:extLst>
-              <a:ext uri="{FF2B5EF4-FFF2-40B4-BE49-F238E27FC236}">
-                <a16:creationId xmlns:a16="http://schemas.microsoft.com/office/drawing/2014/main" id="{C9408D68-BFE2-481B-A870-C98F97E042C7}"/>
-              </a:ext>
-            </a:extLst>
-          </p:cNvPr>
-          <p:cNvPicPr>
-            <a:picLocks noChangeAspect="1"/>
-          </p:cNvPicPr>
+      <p:sp>
+        <p:nvSpPr>
+          <p:cNvPr id="6" name="AutoShape 2" descr="Bildergebnis für mexiko  flagge">
+            <a:extLst>
+              <a:ext uri="{FF2B5EF4-FFF2-40B4-BE49-F238E27FC236}">
+                <a16:creationId xmlns:a16="http://schemas.microsoft.com/office/drawing/2014/main" id="{857C175E-0782-4771-83B5-FE30477F5ADE}"/>
+              </a:ext>
+            </a:extLst>
+          </p:cNvPr>
+          <p:cNvSpPr>
+            <a:spLocks noChangeAspect="1" noChangeArrowheads="1"/>
+          </p:cNvSpPr>
           <p:nvPr/>
-        </p:nvPicPr>
-        <p:blipFill rotWithShape="1">
-          <a:blip r:embed="rId2"/>
-          <a:srcRect l="25143" r="21756"/>
-          <a:stretch/>
-        </p:blipFill>
+        </p:nvSpPr>
+        <p:spPr bwMode="auto">
+          <a:xfrm>
+            <a:off x="5943600" y="3276600"/>
+            <a:ext cx="304800" cy="304800"/>
+          </a:xfrm>
+          <a:prstGeom prst="rect">
+            <a:avLst/>
+          </a:prstGeom>
+          <a:noFill/>
+          <a:extLst>
+            <a:ext uri="{909E8E84-426E-40DD-AFC4-6F175D3DCCD1}">
+              <a14:hiddenFill xmlns:a14="http://schemas.microsoft.com/office/drawing/2010/main">
+                <a:solidFill>
+                  <a:srgbClr val="FFFFFF"/>
+                </a:solidFill>
+              </a14:hiddenFill>
+            </a:ext>
+          </a:extLst>
+        </p:spPr>
+        <p:txBody>
+          <a:bodyPr vert="horz" wrap="square" lIns="91440" tIns="45720" rIns="91440" bIns="45720" numCol="1" anchor="t" anchorCtr="0" compatLnSpc="1">
+            <a:prstTxWarp prst="textNoShape">
+              <a:avLst/>
+            </a:prstTxWarp>
+          </a:bodyPr>
+          <a:lstStyle/>
+          <a:p>
+            <a:endParaRPr lang="es-ES"/>
+          </a:p>
+        </p:txBody>
+      </p:sp>
+      <p:sp>
+        <p:nvSpPr>
+          <p:cNvPr id="9" name="Titel 26">
+            <a:extLst>
+              <a:ext uri="{FF2B5EF4-FFF2-40B4-BE49-F238E27FC236}">
+                <a16:creationId xmlns:a16="http://schemas.microsoft.com/office/drawing/2014/main" id="{2EB3946F-2FEF-7647-9117-E92EBCA1223B}"/>
+              </a:ext>
+            </a:extLst>
+          </p:cNvPr>
+          <p:cNvSpPr txBox="1">
+            <a:spLocks/>
+          </p:cNvSpPr>
+          <p:nvPr/>
+        </p:nvSpPr>
         <p:spPr>
           <a:xfrm>
-            <a:off x="4045524" y="853896"/>
-            <a:ext cx="4240289" cy="4958618"/>
+            <a:off x="838200" y="-140245"/>
+            <a:ext cx="10515600" cy="1325563"/>
           </a:xfrm>
           <a:prstGeom prst="rect">
             <a:avLst/>
           </a:prstGeom>
         </p:spPr>
-      </p:pic>
-      <p:sp>
-        <p:nvSpPr>
-          <p:cNvPr id="6" name="Fußzeilenplatzhalter 4">
-            <a:extLst>
-              <a:ext uri="{FF2B5EF4-FFF2-40B4-BE49-F238E27FC236}">
-                <a16:creationId xmlns:a16="http://schemas.microsoft.com/office/drawing/2014/main" id="{467E54F3-6625-480B-969F-63214D9D176B}"/>
+        <p:txBody>
+          <a:bodyPr vert="horz" lIns="91440" tIns="45720" rIns="91440" bIns="45720" rtlCol="0" anchor="ctr">
+            <a:normAutofit/>
+          </a:bodyPr>
+          <a:lstStyle>
+            <a:lvl1pPr algn="l" defTabSz="914400" rtl="0" eaLnBrk="1" latinLnBrk="0" hangingPunct="1">
+              <a:lnSpc>
+                <a:spcPct val="90000"/>
+              </a:lnSpc>
+              <a:spcBef>
+                <a:spcPct val="0"/>
+              </a:spcBef>
+              <a:buNone/>
+              <a:defRPr sz="4400" kern="1200">
+                <a:solidFill>
+                  <a:schemeClr val="tx1"/>
+                </a:solidFill>
+                <a:latin typeface="+mj-lt"/>
+                <a:ea typeface="+mj-ea"/>
+                <a:cs typeface="+mj-cs"/>
+              </a:defRPr>
+            </a:lvl1pPr>
+          </a:lstStyle>
+          <a:p>
+            <a:pPr algn="ctr"/>
+            <a:r>
+              <a:rPr lang="es-ES" sz="3600" u="sng" dirty="0" err="1">
+                <a:latin typeface="Arial" panose="020B0604020202020204" pitchFamily="34" charset="0"/>
+                <a:cs typeface="Arial" panose="020B0604020202020204" pitchFamily="34" charset="0"/>
+              </a:rPr>
+              <a:t>Gliederung</a:t>
+            </a:r>
+            <a:endParaRPr lang="es-ES" sz="3600" u="sng" dirty="0">
+              <a:latin typeface="Arial" panose="020B0604020202020204" pitchFamily="34" charset="0"/>
+              <a:cs typeface="Arial" panose="020B0604020202020204" pitchFamily="34" charset="0"/>
+            </a:endParaRPr>
+          </a:p>
+        </p:txBody>
+      </p:sp>
+      <p:sp>
+        <p:nvSpPr>
+          <p:cNvPr id="10" name="Fußzeilenplatzhalter 4">
+            <a:extLst>
+              <a:ext uri="{FF2B5EF4-FFF2-40B4-BE49-F238E27FC236}">
+                <a16:creationId xmlns:a16="http://schemas.microsoft.com/office/drawing/2014/main" id="{CA3F2EDC-1E9F-40FC-ABFA-3C46B88C1DC8}"/>
               </a:ext>
             </a:extLst>
           </p:cNvPr>
@@ -4612,7 +4967,7 @@
     </p:spTree>
     <p:extLst>
       <p:ext uri="{BB962C8B-B14F-4D97-AF65-F5344CB8AC3E}">
-        <p14:creationId xmlns:p14="http://schemas.microsoft.com/office/powerpoint/2010/main" val="3472446521"/>
+        <p14:creationId xmlns:p14="http://schemas.microsoft.com/office/powerpoint/2010/main" val="3640284442"/>
       </p:ext>
     </p:extLst>
   </p:cSld>
@@ -4641,6 +4996,936 @@
       </p:grpSpPr>
       <p:sp>
         <p:nvSpPr>
+          <p:cNvPr id="3" name="Inhaltsplatzhalter 2">
+            <a:extLst>
+              <a:ext uri="{FF2B5EF4-FFF2-40B4-BE49-F238E27FC236}">
+                <a16:creationId xmlns:a16="http://schemas.microsoft.com/office/drawing/2014/main" id="{EF2F12AA-717C-400F-AC63-EA5D78A3C047}"/>
+              </a:ext>
+            </a:extLst>
+          </p:cNvPr>
+          <p:cNvSpPr>
+            <a:spLocks noGrp="1"/>
+          </p:cNvSpPr>
+          <p:nvPr>
+            <p:ph idx="1"/>
+          </p:nvPr>
+        </p:nvSpPr>
+        <p:spPr>
+          <a:xfrm>
+            <a:off x="2332358" y="1871109"/>
+            <a:ext cx="7527284" cy="3115781"/>
+          </a:xfrm>
+        </p:spPr>
+        <p:txBody>
+          <a:bodyPr>
+            <a:normAutofit/>
+          </a:bodyPr>
+          <a:lstStyle/>
+          <a:p>
+            <a:pPr marL="0" indent="0">
+              <a:buNone/>
+            </a:pPr>
+            <a:endParaRPr lang="de-DE" dirty="0"/>
+          </a:p>
+          <a:p>
+            <a:pPr marL="0" indent="0">
+              <a:buNone/>
+            </a:pPr>
+            <a:endParaRPr lang="de-DE" dirty="0"/>
+          </a:p>
+        </p:txBody>
+      </p:sp>
+      <p:sp>
+        <p:nvSpPr>
+          <p:cNvPr id="4" name="Foliennummernplatzhalter 3">
+            <a:extLst>
+              <a:ext uri="{FF2B5EF4-FFF2-40B4-BE49-F238E27FC236}">
+                <a16:creationId xmlns:a16="http://schemas.microsoft.com/office/drawing/2014/main" id="{38F51045-17B2-4CC8-80FB-808D3D232D7E}"/>
+              </a:ext>
+            </a:extLst>
+          </p:cNvPr>
+          <p:cNvSpPr>
+            <a:spLocks noGrp="1"/>
+          </p:cNvSpPr>
+          <p:nvPr>
+            <p:ph type="sldNum" sz="quarter" idx="12"/>
+          </p:nvPr>
+        </p:nvSpPr>
+        <p:spPr/>
+        <p:txBody>
+          <a:bodyPr/>
+          <a:lstStyle/>
+          <a:p>
+            <a:fld id="{5C76D808-3489-4ED6-8F45-9C53BCBA6C6D}" type="slidenum">
+              <a:rPr lang="es-ES" b="1" smtClean="0"/>
+              <a:t>14</a:t>
+            </a:fld>
+            <a:endParaRPr lang="es-ES" b="1" dirty="0"/>
+          </a:p>
+        </p:txBody>
+      </p:sp>
+      <p:sp>
+        <p:nvSpPr>
+          <p:cNvPr id="6" name="AutoShape 2" descr="Bildergebnis für mexiko  flagge">
+            <a:extLst>
+              <a:ext uri="{FF2B5EF4-FFF2-40B4-BE49-F238E27FC236}">
+                <a16:creationId xmlns:a16="http://schemas.microsoft.com/office/drawing/2014/main" id="{857C175E-0782-4771-83B5-FE30477F5ADE}"/>
+              </a:ext>
+            </a:extLst>
+          </p:cNvPr>
+          <p:cNvSpPr>
+            <a:spLocks noChangeAspect="1" noChangeArrowheads="1"/>
+          </p:cNvSpPr>
+          <p:nvPr/>
+        </p:nvSpPr>
+        <p:spPr bwMode="auto">
+          <a:xfrm>
+            <a:off x="5943600" y="3276600"/>
+            <a:ext cx="304800" cy="304800"/>
+          </a:xfrm>
+          <a:prstGeom prst="rect">
+            <a:avLst/>
+          </a:prstGeom>
+          <a:noFill/>
+          <a:extLst>
+            <a:ext uri="{909E8E84-426E-40DD-AFC4-6F175D3DCCD1}">
+              <a14:hiddenFill xmlns:a14="http://schemas.microsoft.com/office/drawing/2010/main">
+                <a:solidFill>
+                  <a:srgbClr val="FFFFFF"/>
+                </a:solidFill>
+              </a14:hiddenFill>
+            </a:ext>
+          </a:extLst>
+        </p:spPr>
+        <p:txBody>
+          <a:bodyPr vert="horz" wrap="square" lIns="91440" tIns="45720" rIns="91440" bIns="45720" numCol="1" anchor="t" anchorCtr="0" compatLnSpc="1">
+            <a:prstTxWarp prst="textNoShape">
+              <a:avLst/>
+            </a:prstTxWarp>
+          </a:bodyPr>
+          <a:lstStyle/>
+          <a:p>
+            <a:endParaRPr lang="es-ES"/>
+          </a:p>
+        </p:txBody>
+      </p:sp>
+      <p:sp>
+        <p:nvSpPr>
+          <p:cNvPr id="9" name="Titel 26">
+            <a:extLst>
+              <a:ext uri="{FF2B5EF4-FFF2-40B4-BE49-F238E27FC236}">
+                <a16:creationId xmlns:a16="http://schemas.microsoft.com/office/drawing/2014/main" id="{2EB3946F-2FEF-7647-9117-E92EBCA1223B}"/>
+              </a:ext>
+            </a:extLst>
+          </p:cNvPr>
+          <p:cNvSpPr txBox="1">
+            <a:spLocks/>
+          </p:cNvSpPr>
+          <p:nvPr/>
+        </p:nvSpPr>
+        <p:spPr>
+          <a:xfrm>
+            <a:off x="838200" y="0"/>
+            <a:ext cx="10515600" cy="1325563"/>
+          </a:xfrm>
+          <a:prstGeom prst="rect">
+            <a:avLst/>
+          </a:prstGeom>
+        </p:spPr>
+        <p:txBody>
+          <a:bodyPr vert="horz" lIns="91440" tIns="45720" rIns="91440" bIns="45720" rtlCol="0" anchor="ctr">
+            <a:normAutofit/>
+          </a:bodyPr>
+          <a:lstStyle>
+            <a:lvl1pPr algn="l" defTabSz="914400" rtl="0" eaLnBrk="1" latinLnBrk="0" hangingPunct="1">
+              <a:lnSpc>
+                <a:spcPct val="90000"/>
+              </a:lnSpc>
+              <a:spcBef>
+                <a:spcPct val="0"/>
+              </a:spcBef>
+              <a:buNone/>
+              <a:defRPr sz="4400" kern="1200">
+                <a:solidFill>
+                  <a:schemeClr val="tx1"/>
+                </a:solidFill>
+                <a:latin typeface="+mj-lt"/>
+                <a:ea typeface="+mj-ea"/>
+                <a:cs typeface="+mj-cs"/>
+              </a:defRPr>
+            </a:lvl1pPr>
+          </a:lstStyle>
+          <a:p>
+            <a:pPr algn="ctr"/>
+            <a:r>
+              <a:rPr lang="es-ES" sz="3600" u="sng" dirty="0">
+                <a:latin typeface="Arial" panose="020B0604020202020204" pitchFamily="34" charset="0"/>
+                <a:cs typeface="Arial" panose="020B0604020202020204" pitchFamily="34" charset="0"/>
+              </a:rPr>
+              <a:t>Erste Ergebnisse und Erfahrungen</a:t>
+            </a:r>
+          </a:p>
+        </p:txBody>
+      </p:sp>
+      <p:sp>
+        <p:nvSpPr>
+          <p:cNvPr id="7" name="Fußzeilenplatzhalter 4">
+            <a:extLst>
+              <a:ext uri="{FF2B5EF4-FFF2-40B4-BE49-F238E27FC236}">
+                <a16:creationId xmlns:a16="http://schemas.microsoft.com/office/drawing/2014/main" id="{00D96A0B-DFF8-4590-A342-4EE02B81294A}"/>
+              </a:ext>
+            </a:extLst>
+          </p:cNvPr>
+          <p:cNvSpPr>
+            <a:spLocks noGrp="1"/>
+          </p:cNvSpPr>
+          <p:nvPr>
+            <p:ph type="ftr" sz="quarter" idx="11"/>
+          </p:nvPr>
+        </p:nvSpPr>
+        <p:spPr>
+          <a:xfrm>
+            <a:off x="117806" y="6356350"/>
+            <a:ext cx="4050287" cy="365125"/>
+          </a:xfrm>
+        </p:spPr>
+        <p:txBody>
+          <a:bodyPr/>
+          <a:lstStyle/>
+          <a:p>
+            <a:r>
+              <a:rPr lang="es-ES" dirty="0">
+                <a:latin typeface="Arial" panose="020B0604020202020204" pitchFamily="34" charset="0"/>
+                <a:cs typeface="Arial" panose="020B0604020202020204" pitchFamily="34" charset="0"/>
+              </a:rPr>
+              <a:t>Getriggerte Erdbeben – Orzelek, Reichmeier, Riedlberger</a:t>
+            </a:r>
+          </a:p>
+        </p:txBody>
+      </p:sp>
+    </p:spTree>
+    <p:extLst>
+      <p:ext uri="{BB962C8B-B14F-4D97-AF65-F5344CB8AC3E}">
+        <p14:creationId xmlns:p14="http://schemas.microsoft.com/office/powerpoint/2010/main" val="234327054"/>
+      </p:ext>
+    </p:extLst>
+  </p:cSld>
+  <p:clrMapOvr>
+    <a:masterClrMapping/>
+  </p:clrMapOvr>
+</p:sld>
+</file>
+
+<file path=ppt/slides/slide15.xml><?xml version="1.0" encoding="utf-8"?>
+<p:sld xmlns:a="http://schemas.openxmlformats.org/drawingml/2006/main" xmlns:r="http://schemas.openxmlformats.org/officeDocument/2006/relationships" xmlns:p="http://schemas.openxmlformats.org/presentationml/2006/main">
+  <p:cSld>
+    <p:spTree>
+      <p:nvGrpSpPr>
+        <p:cNvPr id="1" name=""/>
+        <p:cNvGrpSpPr/>
+        <p:nvPr/>
+      </p:nvGrpSpPr>
+      <p:grpSpPr>
+        <a:xfrm>
+          <a:off x="0" y="0"/>
+          <a:ext cx="0" cy="0"/>
+          <a:chOff x="0" y="0"/>
+          <a:chExt cx="0" cy="0"/>
+        </a:xfrm>
+      </p:grpSpPr>
+      <p:sp>
+        <p:nvSpPr>
+          <p:cNvPr id="3" name="Inhaltsplatzhalter 2">
+            <a:extLst>
+              <a:ext uri="{FF2B5EF4-FFF2-40B4-BE49-F238E27FC236}">
+                <a16:creationId xmlns:a16="http://schemas.microsoft.com/office/drawing/2014/main" id="{EF2F12AA-717C-400F-AC63-EA5D78A3C047}"/>
+              </a:ext>
+            </a:extLst>
+          </p:cNvPr>
+          <p:cNvSpPr>
+            <a:spLocks noGrp="1"/>
+          </p:cNvSpPr>
+          <p:nvPr>
+            <p:ph idx="1"/>
+          </p:nvPr>
+        </p:nvSpPr>
+        <p:spPr>
+          <a:xfrm>
+            <a:off x="1002052" y="1844675"/>
+            <a:ext cx="11065988" cy="4351338"/>
+          </a:xfrm>
+        </p:spPr>
+        <p:txBody>
+          <a:bodyPr>
+            <a:normAutofit/>
+          </a:bodyPr>
+          <a:lstStyle/>
+          <a:p>
+            <a:r>
+              <a:rPr lang="es-ES" dirty="0">
+                <a:latin typeface="Arial" panose="020B0604020202020204" pitchFamily="34" charset="0"/>
+                <a:cs typeface="Arial" panose="020B0604020202020204" pitchFamily="34" charset="0"/>
+              </a:rPr>
+              <a:t>Hintergrund und Inhalt des Projektes</a:t>
+            </a:r>
+          </a:p>
+          <a:p>
+            <a:r>
+              <a:rPr lang="es-ES" dirty="0">
+                <a:latin typeface="Arial" panose="020B0604020202020204" pitchFamily="34" charset="0"/>
+                <a:cs typeface="Arial" panose="020B0604020202020204" pitchFamily="34" charset="0"/>
+              </a:rPr>
+              <a:t>Fragestellung</a:t>
+            </a:r>
+          </a:p>
+          <a:p>
+            <a:r>
+              <a:rPr lang="es-ES" dirty="0">
+                <a:latin typeface="Arial" panose="020B0604020202020204" pitchFamily="34" charset="0"/>
+                <a:cs typeface="Arial" panose="020B0604020202020204" pitchFamily="34" charset="0"/>
+              </a:rPr>
+              <a:t>Konzept der Methodik</a:t>
+            </a:r>
+          </a:p>
+          <a:p>
+            <a:r>
+              <a:rPr lang="es-ES" dirty="0">
+                <a:latin typeface="Arial" panose="020B0604020202020204" pitchFamily="34" charset="0"/>
+                <a:cs typeface="Arial" panose="020B0604020202020204" pitchFamily="34" charset="0"/>
+              </a:rPr>
+              <a:t>Erste Ergebnisse und Erfahrungen</a:t>
+            </a:r>
+          </a:p>
+          <a:p>
+            <a:r>
+              <a:rPr lang="es-ES" b="1" dirty="0">
+                <a:latin typeface="Arial" panose="020B0604020202020204" pitchFamily="34" charset="0"/>
+                <a:cs typeface="Arial" panose="020B0604020202020204" pitchFamily="34" charset="0"/>
+              </a:rPr>
+              <a:t>Fragen und Anregungen = Diskussion</a:t>
+            </a:r>
+          </a:p>
+          <a:p>
+            <a:pPr marL="0" indent="0">
+              <a:buNone/>
+            </a:pPr>
+            <a:endParaRPr lang="es-ES" dirty="0"/>
+          </a:p>
+        </p:txBody>
+      </p:sp>
+      <p:sp>
+        <p:nvSpPr>
+          <p:cNvPr id="4" name="Foliennummernplatzhalter 3">
+            <a:extLst>
+              <a:ext uri="{FF2B5EF4-FFF2-40B4-BE49-F238E27FC236}">
+                <a16:creationId xmlns:a16="http://schemas.microsoft.com/office/drawing/2014/main" id="{38F51045-17B2-4CC8-80FB-808D3D232D7E}"/>
+              </a:ext>
+            </a:extLst>
+          </p:cNvPr>
+          <p:cNvSpPr>
+            <a:spLocks noGrp="1"/>
+          </p:cNvSpPr>
+          <p:nvPr>
+            <p:ph type="sldNum" sz="quarter" idx="12"/>
+          </p:nvPr>
+        </p:nvSpPr>
+        <p:spPr/>
+        <p:txBody>
+          <a:bodyPr/>
+          <a:lstStyle/>
+          <a:p>
+            <a:fld id="{5C76D808-3489-4ED6-8F45-9C53BCBA6C6D}" type="slidenum">
+              <a:rPr lang="es-ES" b="1" smtClean="0"/>
+              <a:t>15</a:t>
+            </a:fld>
+            <a:endParaRPr lang="es-ES" b="1" dirty="0"/>
+          </a:p>
+        </p:txBody>
+      </p:sp>
+      <p:sp>
+        <p:nvSpPr>
+          <p:cNvPr id="6" name="AutoShape 2" descr="Bildergebnis für mexiko  flagge">
+            <a:extLst>
+              <a:ext uri="{FF2B5EF4-FFF2-40B4-BE49-F238E27FC236}">
+                <a16:creationId xmlns:a16="http://schemas.microsoft.com/office/drawing/2014/main" id="{857C175E-0782-4771-83B5-FE30477F5ADE}"/>
+              </a:ext>
+            </a:extLst>
+          </p:cNvPr>
+          <p:cNvSpPr>
+            <a:spLocks noChangeAspect="1" noChangeArrowheads="1"/>
+          </p:cNvSpPr>
+          <p:nvPr/>
+        </p:nvSpPr>
+        <p:spPr bwMode="auto">
+          <a:xfrm>
+            <a:off x="5943600" y="3276600"/>
+            <a:ext cx="304800" cy="304800"/>
+          </a:xfrm>
+          <a:prstGeom prst="rect">
+            <a:avLst/>
+          </a:prstGeom>
+          <a:noFill/>
+          <a:extLst>
+            <a:ext uri="{909E8E84-426E-40DD-AFC4-6F175D3DCCD1}">
+              <a14:hiddenFill xmlns:a14="http://schemas.microsoft.com/office/drawing/2010/main">
+                <a:solidFill>
+                  <a:srgbClr val="FFFFFF"/>
+                </a:solidFill>
+              </a14:hiddenFill>
+            </a:ext>
+          </a:extLst>
+        </p:spPr>
+        <p:txBody>
+          <a:bodyPr vert="horz" wrap="square" lIns="91440" tIns="45720" rIns="91440" bIns="45720" numCol="1" anchor="t" anchorCtr="0" compatLnSpc="1">
+            <a:prstTxWarp prst="textNoShape">
+              <a:avLst/>
+            </a:prstTxWarp>
+          </a:bodyPr>
+          <a:lstStyle/>
+          <a:p>
+            <a:endParaRPr lang="es-ES"/>
+          </a:p>
+        </p:txBody>
+      </p:sp>
+      <p:sp>
+        <p:nvSpPr>
+          <p:cNvPr id="9" name="Titel 26">
+            <a:extLst>
+              <a:ext uri="{FF2B5EF4-FFF2-40B4-BE49-F238E27FC236}">
+                <a16:creationId xmlns:a16="http://schemas.microsoft.com/office/drawing/2014/main" id="{2EB3946F-2FEF-7647-9117-E92EBCA1223B}"/>
+              </a:ext>
+            </a:extLst>
+          </p:cNvPr>
+          <p:cNvSpPr txBox="1">
+            <a:spLocks/>
+          </p:cNvSpPr>
+          <p:nvPr/>
+        </p:nvSpPr>
+        <p:spPr>
+          <a:xfrm>
+            <a:off x="838200" y="-140245"/>
+            <a:ext cx="10515600" cy="1325563"/>
+          </a:xfrm>
+          <a:prstGeom prst="rect">
+            <a:avLst/>
+          </a:prstGeom>
+        </p:spPr>
+        <p:txBody>
+          <a:bodyPr vert="horz" lIns="91440" tIns="45720" rIns="91440" bIns="45720" rtlCol="0" anchor="ctr">
+            <a:normAutofit/>
+          </a:bodyPr>
+          <a:lstStyle>
+            <a:lvl1pPr algn="l" defTabSz="914400" rtl="0" eaLnBrk="1" latinLnBrk="0" hangingPunct="1">
+              <a:lnSpc>
+                <a:spcPct val="90000"/>
+              </a:lnSpc>
+              <a:spcBef>
+                <a:spcPct val="0"/>
+              </a:spcBef>
+              <a:buNone/>
+              <a:defRPr sz="4400" kern="1200">
+                <a:solidFill>
+                  <a:schemeClr val="tx1"/>
+                </a:solidFill>
+                <a:latin typeface="+mj-lt"/>
+                <a:ea typeface="+mj-ea"/>
+                <a:cs typeface="+mj-cs"/>
+              </a:defRPr>
+            </a:lvl1pPr>
+          </a:lstStyle>
+          <a:p>
+            <a:pPr algn="ctr"/>
+            <a:r>
+              <a:rPr lang="es-ES" sz="3600" u="sng" dirty="0" err="1">
+                <a:latin typeface="Arial" panose="020B0604020202020204" pitchFamily="34" charset="0"/>
+                <a:cs typeface="Arial" panose="020B0604020202020204" pitchFamily="34" charset="0"/>
+              </a:rPr>
+              <a:t>Gliederung</a:t>
+            </a:r>
+            <a:endParaRPr lang="es-ES" sz="3600" u="sng" dirty="0">
+              <a:latin typeface="Arial" panose="020B0604020202020204" pitchFamily="34" charset="0"/>
+              <a:cs typeface="Arial" panose="020B0604020202020204" pitchFamily="34" charset="0"/>
+            </a:endParaRPr>
+          </a:p>
+        </p:txBody>
+      </p:sp>
+      <p:sp>
+        <p:nvSpPr>
+          <p:cNvPr id="10" name="Fußzeilenplatzhalter 4">
+            <a:extLst>
+              <a:ext uri="{FF2B5EF4-FFF2-40B4-BE49-F238E27FC236}">
+                <a16:creationId xmlns:a16="http://schemas.microsoft.com/office/drawing/2014/main" id="{CA3F2EDC-1E9F-40FC-ABFA-3C46B88C1DC8}"/>
+              </a:ext>
+            </a:extLst>
+          </p:cNvPr>
+          <p:cNvSpPr>
+            <a:spLocks noGrp="1"/>
+          </p:cNvSpPr>
+          <p:nvPr>
+            <p:ph type="ftr" sz="quarter" idx="11"/>
+          </p:nvPr>
+        </p:nvSpPr>
+        <p:spPr>
+          <a:xfrm>
+            <a:off x="117806" y="6356350"/>
+            <a:ext cx="4050287" cy="365125"/>
+          </a:xfrm>
+        </p:spPr>
+        <p:txBody>
+          <a:bodyPr/>
+          <a:lstStyle/>
+          <a:p>
+            <a:r>
+              <a:rPr lang="es-ES" dirty="0">
+                <a:latin typeface="Arial" panose="020B0604020202020204" pitchFamily="34" charset="0"/>
+                <a:cs typeface="Arial" panose="020B0604020202020204" pitchFamily="34" charset="0"/>
+              </a:rPr>
+              <a:t>Getriggerte Erdbeben – Orzelek, Reichmeier, Riedlberger</a:t>
+            </a:r>
+          </a:p>
+        </p:txBody>
+      </p:sp>
+    </p:spTree>
+    <p:extLst>
+      <p:ext uri="{BB962C8B-B14F-4D97-AF65-F5344CB8AC3E}">
+        <p14:creationId xmlns:p14="http://schemas.microsoft.com/office/powerpoint/2010/main" val="1763848810"/>
+      </p:ext>
+    </p:extLst>
+  </p:cSld>
+  <p:clrMapOvr>
+    <a:masterClrMapping/>
+  </p:clrMapOvr>
+</p:sld>
+</file>
+
+<file path=ppt/slides/slide16.xml><?xml version="1.0" encoding="utf-8"?>
+<p:sld xmlns:a="http://schemas.openxmlformats.org/drawingml/2006/main" xmlns:r="http://schemas.openxmlformats.org/officeDocument/2006/relationships" xmlns:p="http://schemas.openxmlformats.org/presentationml/2006/main">
+  <p:cSld>
+    <p:spTree>
+      <p:nvGrpSpPr>
+        <p:cNvPr id="1" name=""/>
+        <p:cNvGrpSpPr/>
+        <p:nvPr/>
+      </p:nvGrpSpPr>
+      <p:grpSpPr>
+        <a:xfrm>
+          <a:off x="0" y="0"/>
+          <a:ext cx="0" cy="0"/>
+          <a:chOff x="0" y="0"/>
+          <a:chExt cx="0" cy="0"/>
+        </a:xfrm>
+      </p:grpSpPr>
+      <p:sp>
+        <p:nvSpPr>
+          <p:cNvPr id="3" name="Inhaltsplatzhalter 2">
+            <a:extLst>
+              <a:ext uri="{FF2B5EF4-FFF2-40B4-BE49-F238E27FC236}">
+                <a16:creationId xmlns:a16="http://schemas.microsoft.com/office/drawing/2014/main" id="{EF2F12AA-717C-400F-AC63-EA5D78A3C047}"/>
+              </a:ext>
+            </a:extLst>
+          </p:cNvPr>
+          <p:cNvSpPr>
+            <a:spLocks noGrp="1"/>
+          </p:cNvSpPr>
+          <p:nvPr>
+            <p:ph idx="1"/>
+          </p:nvPr>
+        </p:nvSpPr>
+        <p:spPr>
+          <a:xfrm>
+            <a:off x="2332358" y="1871109"/>
+            <a:ext cx="7527284" cy="3115781"/>
+          </a:xfrm>
+        </p:spPr>
+        <p:txBody>
+          <a:bodyPr>
+            <a:normAutofit/>
+          </a:bodyPr>
+          <a:lstStyle/>
+          <a:p>
+            <a:pPr marL="0" indent="0">
+              <a:buNone/>
+            </a:pPr>
+            <a:endParaRPr lang="de-DE" dirty="0"/>
+          </a:p>
+          <a:p>
+            <a:pPr marL="0" indent="0">
+              <a:buNone/>
+            </a:pPr>
+            <a:endParaRPr lang="de-DE" dirty="0"/>
+          </a:p>
+        </p:txBody>
+      </p:sp>
+      <p:sp>
+        <p:nvSpPr>
+          <p:cNvPr id="4" name="Foliennummernplatzhalter 3">
+            <a:extLst>
+              <a:ext uri="{FF2B5EF4-FFF2-40B4-BE49-F238E27FC236}">
+                <a16:creationId xmlns:a16="http://schemas.microsoft.com/office/drawing/2014/main" id="{38F51045-17B2-4CC8-80FB-808D3D232D7E}"/>
+              </a:ext>
+            </a:extLst>
+          </p:cNvPr>
+          <p:cNvSpPr>
+            <a:spLocks noGrp="1"/>
+          </p:cNvSpPr>
+          <p:nvPr>
+            <p:ph type="sldNum" sz="quarter" idx="12"/>
+          </p:nvPr>
+        </p:nvSpPr>
+        <p:spPr/>
+        <p:txBody>
+          <a:bodyPr/>
+          <a:lstStyle/>
+          <a:p>
+            <a:fld id="{5C76D808-3489-4ED6-8F45-9C53BCBA6C6D}" type="slidenum">
+              <a:rPr lang="es-ES" b="1" smtClean="0"/>
+              <a:t>16</a:t>
+            </a:fld>
+            <a:endParaRPr lang="es-ES" b="1" dirty="0"/>
+          </a:p>
+        </p:txBody>
+      </p:sp>
+      <p:sp>
+        <p:nvSpPr>
+          <p:cNvPr id="6" name="AutoShape 2" descr="Bildergebnis für mexiko  flagge">
+            <a:extLst>
+              <a:ext uri="{FF2B5EF4-FFF2-40B4-BE49-F238E27FC236}">
+                <a16:creationId xmlns:a16="http://schemas.microsoft.com/office/drawing/2014/main" id="{857C175E-0782-4771-83B5-FE30477F5ADE}"/>
+              </a:ext>
+            </a:extLst>
+          </p:cNvPr>
+          <p:cNvSpPr>
+            <a:spLocks noChangeAspect="1" noChangeArrowheads="1"/>
+          </p:cNvSpPr>
+          <p:nvPr/>
+        </p:nvSpPr>
+        <p:spPr bwMode="auto">
+          <a:xfrm>
+            <a:off x="5943600" y="3276600"/>
+            <a:ext cx="304800" cy="304800"/>
+          </a:xfrm>
+          <a:prstGeom prst="rect">
+            <a:avLst/>
+          </a:prstGeom>
+          <a:noFill/>
+          <a:extLst>
+            <a:ext uri="{909E8E84-426E-40DD-AFC4-6F175D3DCCD1}">
+              <a14:hiddenFill xmlns:a14="http://schemas.microsoft.com/office/drawing/2010/main">
+                <a:solidFill>
+                  <a:srgbClr val="FFFFFF"/>
+                </a:solidFill>
+              </a14:hiddenFill>
+            </a:ext>
+          </a:extLst>
+        </p:spPr>
+        <p:txBody>
+          <a:bodyPr vert="horz" wrap="square" lIns="91440" tIns="45720" rIns="91440" bIns="45720" numCol="1" anchor="t" anchorCtr="0" compatLnSpc="1">
+            <a:prstTxWarp prst="textNoShape">
+              <a:avLst/>
+            </a:prstTxWarp>
+          </a:bodyPr>
+          <a:lstStyle/>
+          <a:p>
+            <a:endParaRPr lang="es-ES"/>
+          </a:p>
+        </p:txBody>
+      </p:sp>
+      <p:sp>
+        <p:nvSpPr>
+          <p:cNvPr id="9" name="Titel 26">
+            <a:extLst>
+              <a:ext uri="{FF2B5EF4-FFF2-40B4-BE49-F238E27FC236}">
+                <a16:creationId xmlns:a16="http://schemas.microsoft.com/office/drawing/2014/main" id="{2EB3946F-2FEF-7647-9117-E92EBCA1223B}"/>
+              </a:ext>
+            </a:extLst>
+          </p:cNvPr>
+          <p:cNvSpPr txBox="1">
+            <a:spLocks/>
+          </p:cNvSpPr>
+          <p:nvPr/>
+        </p:nvSpPr>
+        <p:spPr>
+          <a:xfrm>
+            <a:off x="838200" y="0"/>
+            <a:ext cx="10515600" cy="1325563"/>
+          </a:xfrm>
+          <a:prstGeom prst="rect">
+            <a:avLst/>
+          </a:prstGeom>
+        </p:spPr>
+        <p:txBody>
+          <a:bodyPr vert="horz" lIns="91440" tIns="45720" rIns="91440" bIns="45720" rtlCol="0" anchor="ctr">
+            <a:normAutofit/>
+          </a:bodyPr>
+          <a:lstStyle>
+            <a:lvl1pPr algn="l" defTabSz="914400" rtl="0" eaLnBrk="1" latinLnBrk="0" hangingPunct="1">
+              <a:lnSpc>
+                <a:spcPct val="90000"/>
+              </a:lnSpc>
+              <a:spcBef>
+                <a:spcPct val="0"/>
+              </a:spcBef>
+              <a:buNone/>
+              <a:defRPr sz="4400" kern="1200">
+                <a:solidFill>
+                  <a:schemeClr val="tx1"/>
+                </a:solidFill>
+                <a:latin typeface="+mj-lt"/>
+                <a:ea typeface="+mj-ea"/>
+                <a:cs typeface="+mj-cs"/>
+              </a:defRPr>
+            </a:lvl1pPr>
+          </a:lstStyle>
+          <a:p>
+            <a:pPr algn="ctr"/>
+            <a:r>
+              <a:rPr lang="es-ES" sz="3600" u="sng" dirty="0">
+                <a:latin typeface="Arial" panose="020B0604020202020204" pitchFamily="34" charset="0"/>
+                <a:cs typeface="Arial" panose="020B0604020202020204" pitchFamily="34" charset="0"/>
+              </a:rPr>
+              <a:t>Fragen und Anregungen</a:t>
+            </a:r>
+          </a:p>
+        </p:txBody>
+      </p:sp>
+      <p:sp>
+        <p:nvSpPr>
+          <p:cNvPr id="7" name="Fußzeilenplatzhalter 4">
+            <a:extLst>
+              <a:ext uri="{FF2B5EF4-FFF2-40B4-BE49-F238E27FC236}">
+                <a16:creationId xmlns:a16="http://schemas.microsoft.com/office/drawing/2014/main" id="{00D96A0B-DFF8-4590-A342-4EE02B81294A}"/>
+              </a:ext>
+            </a:extLst>
+          </p:cNvPr>
+          <p:cNvSpPr>
+            <a:spLocks noGrp="1"/>
+          </p:cNvSpPr>
+          <p:nvPr>
+            <p:ph type="ftr" sz="quarter" idx="11"/>
+          </p:nvPr>
+        </p:nvSpPr>
+        <p:spPr>
+          <a:xfrm>
+            <a:off x="117806" y="6356350"/>
+            <a:ext cx="4050287" cy="365125"/>
+          </a:xfrm>
+        </p:spPr>
+        <p:txBody>
+          <a:bodyPr/>
+          <a:lstStyle/>
+          <a:p>
+            <a:r>
+              <a:rPr lang="es-ES" dirty="0">
+                <a:latin typeface="Arial" panose="020B0604020202020204" pitchFamily="34" charset="0"/>
+                <a:cs typeface="Arial" panose="020B0604020202020204" pitchFamily="34" charset="0"/>
+              </a:rPr>
+              <a:t>Getriggerte Erdbeben – Orzelek, Reichmeier, Riedlberger</a:t>
+            </a:r>
+          </a:p>
+        </p:txBody>
+      </p:sp>
+      <p:sp>
+        <p:nvSpPr>
+          <p:cNvPr id="2" name="Textfeld 1">
+            <a:extLst>
+              <a:ext uri="{FF2B5EF4-FFF2-40B4-BE49-F238E27FC236}">
+                <a16:creationId xmlns:a16="http://schemas.microsoft.com/office/drawing/2014/main" id="{3F28F378-2C0F-4B27-B9A9-D0E0DA43BBC5}"/>
+              </a:ext>
+            </a:extLst>
+          </p:cNvPr>
+          <p:cNvSpPr txBox="1"/>
+          <p:nvPr/>
+        </p:nvSpPr>
+        <p:spPr>
+          <a:xfrm>
+            <a:off x="891961" y="1497821"/>
+            <a:ext cx="10305232" cy="646331"/>
+          </a:xfrm>
+          <a:prstGeom prst="rect">
+            <a:avLst/>
+          </a:prstGeom>
+          <a:noFill/>
+        </p:spPr>
+        <p:txBody>
+          <a:bodyPr wrap="square" rtlCol="0">
+            <a:spAutoFit/>
+          </a:bodyPr>
+          <a:lstStyle/>
+          <a:p>
+            <a:pPr marL="285750" indent="-285750">
+              <a:buFont typeface="Arial" panose="020B0604020202020204" pitchFamily="34" charset="0"/>
+              <a:buChar char="•"/>
+            </a:pPr>
+            <a:r>
+              <a:rPr lang="es-ES" dirty="0"/>
+              <a:t>Wie finden Sie unsere Herangehenweise?</a:t>
+            </a:r>
+          </a:p>
+          <a:p>
+            <a:pPr marL="285750" indent="-285750">
+              <a:buFont typeface="Arial" panose="020B0604020202020204" pitchFamily="34" charset="0"/>
+              <a:buChar char="•"/>
+            </a:pPr>
+            <a:endParaRPr lang="es-ES" dirty="0"/>
+          </a:p>
+        </p:txBody>
+      </p:sp>
+    </p:spTree>
+    <p:extLst>
+      <p:ext uri="{BB962C8B-B14F-4D97-AF65-F5344CB8AC3E}">
+        <p14:creationId xmlns:p14="http://schemas.microsoft.com/office/powerpoint/2010/main" val="3774258167"/>
+      </p:ext>
+    </p:extLst>
+  </p:cSld>
+  <p:clrMapOvr>
+    <a:masterClrMapping/>
+  </p:clrMapOvr>
+</p:sld>
+</file>
+
+<file path=ppt/slides/slide17.xml><?xml version="1.0" encoding="utf-8"?>
+<p:sld xmlns:a="http://schemas.openxmlformats.org/drawingml/2006/main" xmlns:r="http://schemas.openxmlformats.org/officeDocument/2006/relationships" xmlns:p="http://schemas.openxmlformats.org/presentationml/2006/main">
+  <p:cSld>
+    <p:spTree>
+      <p:nvGrpSpPr>
+        <p:cNvPr id="1" name=""/>
+        <p:cNvGrpSpPr/>
+        <p:nvPr/>
+      </p:nvGrpSpPr>
+      <p:grpSpPr>
+        <a:xfrm>
+          <a:off x="0" y="0"/>
+          <a:ext cx="0" cy="0"/>
+          <a:chOff x="0" y="0"/>
+          <a:chExt cx="0" cy="0"/>
+        </a:xfrm>
+      </p:grpSpPr>
+      <p:sp>
+        <p:nvSpPr>
+          <p:cNvPr id="4" name="Foliennummernplatzhalter 3">
+            <a:extLst>
+              <a:ext uri="{FF2B5EF4-FFF2-40B4-BE49-F238E27FC236}">
+                <a16:creationId xmlns:a16="http://schemas.microsoft.com/office/drawing/2014/main" id="{1EBBF429-5D0D-4D24-8F6A-EB726CCA6871}"/>
+              </a:ext>
+            </a:extLst>
+          </p:cNvPr>
+          <p:cNvSpPr>
+            <a:spLocks noGrp="1"/>
+          </p:cNvSpPr>
+          <p:nvPr>
+            <p:ph type="sldNum" sz="quarter" idx="12"/>
+          </p:nvPr>
+        </p:nvSpPr>
+        <p:spPr/>
+        <p:txBody>
+          <a:bodyPr/>
+          <a:lstStyle/>
+          <a:p>
+            <a:fld id="{5C76D808-3489-4ED6-8F45-9C53BCBA6C6D}" type="slidenum">
+              <a:rPr lang="es-ES" b="1" smtClean="0"/>
+              <a:t>17</a:t>
+            </a:fld>
+            <a:endParaRPr lang="es-ES" b="1" dirty="0"/>
+          </a:p>
+        </p:txBody>
+      </p:sp>
+      <p:pic>
+        <p:nvPicPr>
+          <p:cNvPr id="5" name="Grafik 4">
+            <a:extLst>
+              <a:ext uri="{FF2B5EF4-FFF2-40B4-BE49-F238E27FC236}">
+                <a16:creationId xmlns:a16="http://schemas.microsoft.com/office/drawing/2014/main" id="{C9408D68-BFE2-481B-A870-C98F97E042C7}"/>
+              </a:ext>
+            </a:extLst>
+          </p:cNvPr>
+          <p:cNvPicPr>
+            <a:picLocks noChangeAspect="1"/>
+          </p:cNvPicPr>
+          <p:nvPr/>
+        </p:nvPicPr>
+        <p:blipFill rotWithShape="1">
+          <a:blip r:embed="rId2"/>
+          <a:srcRect l="25143" r="21756"/>
+          <a:stretch/>
+        </p:blipFill>
+        <p:spPr>
+          <a:xfrm>
+            <a:off x="4045524" y="853896"/>
+            <a:ext cx="4240289" cy="4958618"/>
+          </a:xfrm>
+          <a:prstGeom prst="rect">
+            <a:avLst/>
+          </a:prstGeom>
+        </p:spPr>
+      </p:pic>
+      <p:sp>
+        <p:nvSpPr>
+          <p:cNvPr id="6" name="Fußzeilenplatzhalter 4">
+            <a:extLst>
+              <a:ext uri="{FF2B5EF4-FFF2-40B4-BE49-F238E27FC236}">
+                <a16:creationId xmlns:a16="http://schemas.microsoft.com/office/drawing/2014/main" id="{467E54F3-6625-480B-969F-63214D9D176B}"/>
+              </a:ext>
+            </a:extLst>
+          </p:cNvPr>
+          <p:cNvSpPr>
+            <a:spLocks noGrp="1"/>
+          </p:cNvSpPr>
+          <p:nvPr>
+            <p:ph type="ftr" sz="quarter" idx="11"/>
+          </p:nvPr>
+        </p:nvSpPr>
+        <p:spPr>
+          <a:xfrm>
+            <a:off x="117806" y="6356350"/>
+            <a:ext cx="4050287" cy="365125"/>
+          </a:xfrm>
+        </p:spPr>
+        <p:txBody>
+          <a:bodyPr/>
+          <a:lstStyle/>
+          <a:p>
+            <a:r>
+              <a:rPr lang="es-ES" dirty="0">
+                <a:latin typeface="Arial" panose="020B0604020202020204" pitchFamily="34" charset="0"/>
+                <a:cs typeface="Arial" panose="020B0604020202020204" pitchFamily="34" charset="0"/>
+              </a:rPr>
+              <a:t>Getriggerte Erdbeben – Orzelek, Reichmeier, Riedlberger</a:t>
+            </a:r>
+          </a:p>
+        </p:txBody>
+      </p:sp>
+    </p:spTree>
+    <p:extLst>
+      <p:ext uri="{BB962C8B-B14F-4D97-AF65-F5344CB8AC3E}">
+        <p14:creationId xmlns:p14="http://schemas.microsoft.com/office/powerpoint/2010/main" val="3472446521"/>
+      </p:ext>
+    </p:extLst>
+  </p:cSld>
+  <p:clrMapOvr>
+    <a:masterClrMapping/>
+  </p:clrMapOvr>
+</p:sld>
+</file>
+
+<file path=ppt/slides/slide18.xml><?xml version="1.0" encoding="utf-8"?>
+<p:sld xmlns:a="http://schemas.openxmlformats.org/drawingml/2006/main" xmlns:r="http://schemas.openxmlformats.org/officeDocument/2006/relationships" xmlns:p="http://schemas.openxmlformats.org/presentationml/2006/main">
+  <p:cSld>
+    <p:spTree>
+      <p:nvGrpSpPr>
+        <p:cNvPr id="1" name=""/>
+        <p:cNvGrpSpPr/>
+        <p:nvPr/>
+      </p:nvGrpSpPr>
+      <p:grpSpPr>
+        <a:xfrm>
+          <a:off x="0" y="0"/>
+          <a:ext cx="0" cy="0"/>
+          <a:chOff x="0" y="0"/>
+          <a:chExt cx="0" cy="0"/>
+        </a:xfrm>
+      </p:grpSpPr>
+      <p:sp>
+        <p:nvSpPr>
           <p:cNvPr id="5" name="Titel 4">
             <a:extLst>
               <a:ext uri="{FF2B5EF4-FFF2-40B4-BE49-F238E27FC236}">
@@ -4699,7 +5984,7 @@
           <a:p>
             <a:fld id="{5C76D808-3489-4ED6-8F45-9C53BCBA6C6D}" type="slidenum">
               <a:rPr lang="es-ES" b="1" smtClean="0"/>
-              <a:t>14</a:t>
+              <a:t>18</a:t>
             </a:fld>
             <a:endParaRPr lang="es-ES" b="1" dirty="0"/>
           </a:p>
@@ -4754,7 +6039,7 @@
 </p:sld>
 </file>
 
-<file path=ppt/slides/slide15.xml><?xml version="1.0" encoding="utf-8"?>
+<file path=ppt/slides/slide19.xml><?xml version="1.0" encoding="utf-8"?>
 <p:sld xmlns:a="http://schemas.openxmlformats.org/drawingml/2006/main" xmlns:r="http://schemas.openxmlformats.org/officeDocument/2006/relationships" xmlns:p="http://schemas.openxmlformats.org/presentationml/2006/main">
   <p:cSld>
     <p:spTree>
@@ -4944,7 +6229,7 @@
                 <a:latin typeface="Arial" panose="020B0604020202020204" pitchFamily="34" charset="0"/>
                 <a:cs typeface="Arial" panose="020B0604020202020204" pitchFamily="34" charset="0"/>
               </a:rPr>
-              <a:t>Erste Ergebnisse und Erfahrungen</a:t>
+              <a:t>Konzept der Methodik</a:t>
             </a:r>
           </a:p>
           <a:p>
@@ -4953,7 +6238,7 @@
                 <a:latin typeface="Arial" panose="020B0604020202020204" pitchFamily="34" charset="0"/>
                 <a:cs typeface="Arial" panose="020B0604020202020204" pitchFamily="34" charset="0"/>
               </a:rPr>
-              <a:t>Konzept der Methodik</a:t>
+              <a:t>Erste Ergebnisse und Erfahrungen</a:t>
             </a:r>
           </a:p>
           <a:p>
@@ -5177,10 +6462,10 @@
       </p:grpSpPr>
       <p:sp>
         <p:nvSpPr>
-          <p:cNvPr id="2" name="Titel 1">
-            <a:extLst>
-              <a:ext uri="{FF2B5EF4-FFF2-40B4-BE49-F238E27FC236}">
-                <a16:creationId xmlns:a16="http://schemas.microsoft.com/office/drawing/2014/main" id="{A345EDC5-18B4-4B25-B937-30BC851F6DA7}"/>
+          <p:cNvPr id="3" name="Inhaltsplatzhalter 2">
+            <a:extLst>
+              <a:ext uri="{FF2B5EF4-FFF2-40B4-BE49-F238E27FC236}">
+                <a16:creationId xmlns:a16="http://schemas.microsoft.com/office/drawing/2014/main" id="{EF2F12AA-717C-400F-AC63-EA5D78A3C047}"/>
               </a:ext>
             </a:extLst>
           </p:cNvPr>
@@ -5188,13 +6473,13 @@
             <a:spLocks noGrp="1"/>
           </p:cNvSpPr>
           <p:nvPr>
-            <p:ph type="ctrTitle"/>
+            <p:ph idx="1"/>
           </p:nvPr>
         </p:nvSpPr>
         <p:spPr>
           <a:xfrm>
-            <a:off x="1443790" y="55562"/>
-            <a:ext cx="9144000" cy="2005849"/>
+            <a:off x="1022422" y="1871109"/>
+            <a:ext cx="9676680" cy="3115781"/>
           </a:xfrm>
         </p:spPr>
         <p:txBody>
@@ -5204,65 +6489,214 @@
           <a:lstStyle/>
           <a:p>
             <a:r>
-              <a:rPr lang="es-ES" sz="4000" u="sng" dirty="0">
+              <a:rPr lang="de-DE" dirty="0"/>
+              <a:t>Die Doktorarbeit des Projektpartners, in Kooperation mit der Munich RE untersucht unter anderem wie oft Erdbeben ähnlich starke Nachbeben triggern</a:t>
+            </a:r>
+          </a:p>
+          <a:p>
+            <a:r>
+              <a:rPr lang="de-DE" dirty="0"/>
+              <a:t>“Erdbeben-</a:t>
+            </a:r>
+            <a:r>
+              <a:rPr lang="de-DE" dirty="0" err="1"/>
+              <a:t>Doublets</a:t>
+            </a:r>
+            <a:r>
+              <a:rPr lang="de-DE" dirty="0"/>
+              <a:t>“ sind für (Rück)Versicherungen interessant, um Schäden abzuschätzen</a:t>
+            </a:r>
+          </a:p>
+          <a:p>
+            <a:r>
+              <a:rPr lang="de-DE" dirty="0"/>
+              <a:t>Sie stellen einen Schadenmultiplikator für das Risikomanagement dar</a:t>
+            </a:r>
+          </a:p>
+          <a:p>
+            <a:pPr marL="0" indent="0" algn="ctr">
+              <a:buNone/>
+            </a:pPr>
+            <a:endParaRPr lang="de-DE" dirty="0"/>
+          </a:p>
+          <a:p>
+            <a:pPr marL="0" indent="0">
+              <a:buNone/>
+            </a:pPr>
+            <a:endParaRPr lang="de-DE" dirty="0"/>
+          </a:p>
+          <a:p>
+            <a:pPr marL="0" indent="0">
+              <a:buNone/>
+            </a:pPr>
+            <a:endParaRPr lang="de-DE" dirty="0"/>
+          </a:p>
+        </p:txBody>
+      </p:sp>
+      <p:sp>
+        <p:nvSpPr>
+          <p:cNvPr id="4" name="Foliennummernplatzhalter 3">
+            <a:extLst>
+              <a:ext uri="{FF2B5EF4-FFF2-40B4-BE49-F238E27FC236}">
+                <a16:creationId xmlns:a16="http://schemas.microsoft.com/office/drawing/2014/main" id="{38F51045-17B2-4CC8-80FB-808D3D232D7E}"/>
+              </a:ext>
+            </a:extLst>
+          </p:cNvPr>
+          <p:cNvSpPr>
+            <a:spLocks noGrp="1"/>
+          </p:cNvSpPr>
+          <p:nvPr>
+            <p:ph type="sldNum" sz="quarter" idx="12"/>
+          </p:nvPr>
+        </p:nvSpPr>
+        <p:spPr/>
+        <p:txBody>
+          <a:bodyPr/>
+          <a:lstStyle/>
+          <a:p>
+            <a:fld id="{5C76D808-3489-4ED6-8F45-9C53BCBA6C6D}" type="slidenum">
+              <a:rPr lang="es-ES" b="1" smtClean="0"/>
+              <a:t>3</a:t>
+            </a:fld>
+            <a:endParaRPr lang="es-ES" b="1" dirty="0"/>
+          </a:p>
+        </p:txBody>
+      </p:sp>
+      <p:sp>
+        <p:nvSpPr>
+          <p:cNvPr id="6" name="AutoShape 2" descr="Bildergebnis für mexiko  flagge">
+            <a:extLst>
+              <a:ext uri="{FF2B5EF4-FFF2-40B4-BE49-F238E27FC236}">
+                <a16:creationId xmlns:a16="http://schemas.microsoft.com/office/drawing/2014/main" id="{857C175E-0782-4771-83B5-FE30477F5ADE}"/>
+              </a:ext>
+            </a:extLst>
+          </p:cNvPr>
+          <p:cNvSpPr>
+            <a:spLocks noChangeAspect="1" noChangeArrowheads="1"/>
+          </p:cNvSpPr>
+          <p:nvPr/>
+        </p:nvSpPr>
+        <p:spPr bwMode="auto">
+          <a:xfrm>
+            <a:off x="5943600" y="3276600"/>
+            <a:ext cx="304800" cy="304800"/>
+          </a:xfrm>
+          <a:prstGeom prst="rect">
+            <a:avLst/>
+          </a:prstGeom>
+          <a:noFill/>
+          <a:extLst>
+            <a:ext uri="{909E8E84-426E-40DD-AFC4-6F175D3DCCD1}">
+              <a14:hiddenFill xmlns:a14="http://schemas.microsoft.com/office/drawing/2010/main">
+                <a:solidFill>
+                  <a:srgbClr val="FFFFFF"/>
+                </a:solidFill>
+              </a14:hiddenFill>
+            </a:ext>
+          </a:extLst>
+        </p:spPr>
+        <p:txBody>
+          <a:bodyPr vert="horz" wrap="square" lIns="91440" tIns="45720" rIns="91440" bIns="45720" numCol="1" anchor="t" anchorCtr="0" compatLnSpc="1">
+            <a:prstTxWarp prst="textNoShape">
+              <a:avLst/>
+            </a:prstTxWarp>
+          </a:bodyPr>
+          <a:lstStyle/>
+          <a:p>
+            <a:endParaRPr lang="es-ES"/>
+          </a:p>
+        </p:txBody>
+      </p:sp>
+      <p:sp>
+        <p:nvSpPr>
+          <p:cNvPr id="9" name="Titel 26">
+            <a:extLst>
+              <a:ext uri="{FF2B5EF4-FFF2-40B4-BE49-F238E27FC236}">
+                <a16:creationId xmlns:a16="http://schemas.microsoft.com/office/drawing/2014/main" id="{2EB3946F-2FEF-7647-9117-E92EBCA1223B}"/>
+              </a:ext>
+            </a:extLst>
+          </p:cNvPr>
+          <p:cNvSpPr txBox="1">
+            <a:spLocks/>
+          </p:cNvSpPr>
+          <p:nvPr/>
+        </p:nvSpPr>
+        <p:spPr>
+          <a:xfrm>
+            <a:off x="838200" y="0"/>
+            <a:ext cx="10515600" cy="1325563"/>
+          </a:xfrm>
+          <a:prstGeom prst="rect">
+            <a:avLst/>
+          </a:prstGeom>
+        </p:spPr>
+        <p:txBody>
+          <a:bodyPr vert="horz" lIns="91440" tIns="45720" rIns="91440" bIns="45720" rtlCol="0" anchor="ctr">
+            <a:normAutofit/>
+          </a:bodyPr>
+          <a:lstStyle>
+            <a:lvl1pPr algn="l" defTabSz="914400" rtl="0" eaLnBrk="1" latinLnBrk="0" hangingPunct="1">
+              <a:lnSpc>
+                <a:spcPct val="90000"/>
+              </a:lnSpc>
+              <a:spcBef>
+                <a:spcPct val="0"/>
+              </a:spcBef>
+              <a:buNone/>
+              <a:defRPr sz="4400" kern="1200">
+                <a:solidFill>
+                  <a:schemeClr val="tx1"/>
+                </a:solidFill>
+                <a:latin typeface="+mj-lt"/>
+                <a:ea typeface="+mj-ea"/>
+                <a:cs typeface="+mj-cs"/>
+              </a:defRPr>
+            </a:lvl1pPr>
+          </a:lstStyle>
+          <a:p>
+            <a:pPr algn="ctr"/>
+            <a:r>
+              <a:rPr lang="es-ES" sz="3600" u="sng" dirty="0">
                 <a:latin typeface="Arial" panose="020B0604020202020204" pitchFamily="34" charset="0"/>
                 <a:cs typeface="Arial" panose="020B0604020202020204" pitchFamily="34" charset="0"/>
               </a:rPr>
               <a:t>Hintergrund und Inhalt des Projektes</a:t>
             </a:r>
-            <a:br>
-              <a:rPr lang="es-ES" sz="6000" u="sng" dirty="0">
+          </a:p>
+        </p:txBody>
+      </p:sp>
+      <p:sp>
+        <p:nvSpPr>
+          <p:cNvPr id="7" name="Fußzeilenplatzhalter 4">
+            <a:extLst>
+              <a:ext uri="{FF2B5EF4-FFF2-40B4-BE49-F238E27FC236}">
+                <a16:creationId xmlns:a16="http://schemas.microsoft.com/office/drawing/2014/main" id="{00D96A0B-DFF8-4590-A342-4EE02B81294A}"/>
+              </a:ext>
+            </a:extLst>
+          </p:cNvPr>
+          <p:cNvSpPr>
+            <a:spLocks noGrp="1"/>
+          </p:cNvSpPr>
+          <p:nvPr>
+            <p:ph type="ftr" sz="quarter" idx="11"/>
+          </p:nvPr>
+        </p:nvSpPr>
+        <p:spPr>
+          <a:xfrm>
+            <a:off x="117806" y="6356350"/>
+            <a:ext cx="4050287" cy="365125"/>
+          </a:xfrm>
+        </p:spPr>
+        <p:txBody>
+          <a:bodyPr/>
+          <a:lstStyle/>
+          <a:p>
+            <a:r>
+              <a:rPr lang="es-ES" dirty="0">
                 <a:latin typeface="Arial" panose="020B0604020202020204" pitchFamily="34" charset="0"/>
                 <a:cs typeface="Arial" panose="020B0604020202020204" pitchFamily="34" charset="0"/>
               </a:rPr>
-            </a:br>
-            <a:endParaRPr lang="de-DE" dirty="0"/>
-          </a:p>
-        </p:txBody>
-      </p:sp>
-      <p:sp>
-        <p:nvSpPr>
-          <p:cNvPr id="3" name="Untertitel 2">
-            <a:extLst>
-              <a:ext uri="{FF2B5EF4-FFF2-40B4-BE49-F238E27FC236}">
-                <a16:creationId xmlns:a16="http://schemas.microsoft.com/office/drawing/2014/main" id="{8EA8996C-9003-4B22-BCB6-280688238FEE}"/>
-              </a:ext>
-            </a:extLst>
-          </p:cNvPr>
-          <p:cNvSpPr>
-            <a:spLocks noGrp="1"/>
-          </p:cNvSpPr>
-          <p:nvPr>
-            <p:ph type="subTitle" idx="1"/>
-          </p:nvPr>
-        </p:nvSpPr>
-        <p:spPr>
-          <a:xfrm>
-            <a:off x="449179" y="1981785"/>
-            <a:ext cx="9144000" cy="1655762"/>
-          </a:xfrm>
-        </p:spPr>
-        <p:txBody>
-          <a:bodyPr/>
-          <a:lstStyle/>
-          <a:p>
-            <a:pPr marL="342900" indent="-342900" algn="l">
-              <a:buFont typeface="Arial" panose="020B0604020202020204" pitchFamily="34" charset="0"/>
-              <a:buChar char="•"/>
-            </a:pPr>
-            <a:r>
-              <a:rPr lang="de-DE" dirty="0"/>
-              <a:t>Risikomanagement einer (Rück)Versicherung</a:t>
-            </a:r>
-          </a:p>
-          <a:p>
-            <a:pPr marL="342900" indent="-342900" algn="l">
-              <a:buFont typeface="Arial" panose="020B0604020202020204" pitchFamily="34" charset="0"/>
-              <a:buChar char="•"/>
-            </a:pPr>
-            <a:r>
-              <a:rPr lang="de-DE" dirty="0"/>
-              <a:t>Nachbeben stellen zusätzliches Risiko dar: Schadensmultiplikator</a:t>
+              <a:t>Getriggerte Erdbeben – Orzelek, Reichmeier, Riedlberger</a:t>
             </a:r>
           </a:p>
         </p:txBody>
@@ -5270,7 +6704,7 @@
     </p:spTree>
     <p:extLst>
       <p:ext uri="{BB962C8B-B14F-4D97-AF65-F5344CB8AC3E}">
-        <p14:creationId xmlns:p14="http://schemas.microsoft.com/office/powerpoint/2010/main" val="418127603"/>
+        <p14:creationId xmlns:p14="http://schemas.microsoft.com/office/powerpoint/2010/main" val="1072445958"/>
       </p:ext>
     </p:extLst>
   </p:cSld>
@@ -5299,209 +6733,6 @@
       </p:grpSpPr>
       <p:sp>
         <p:nvSpPr>
-          <p:cNvPr id="3" name="Inhaltsplatzhalter 2">
-            <a:extLst>
-              <a:ext uri="{FF2B5EF4-FFF2-40B4-BE49-F238E27FC236}">
-                <a16:creationId xmlns:a16="http://schemas.microsoft.com/office/drawing/2014/main" id="{EF2F12AA-717C-400F-AC63-EA5D78A3C047}"/>
-              </a:ext>
-            </a:extLst>
-          </p:cNvPr>
-          <p:cNvSpPr>
-            <a:spLocks noGrp="1"/>
-          </p:cNvSpPr>
-          <p:nvPr>
-            <p:ph idx="1"/>
-          </p:nvPr>
-        </p:nvSpPr>
-        <p:spPr>
-          <a:xfrm>
-            <a:off x="410606" y="1405731"/>
-            <a:ext cx="11065988" cy="4478966"/>
-          </a:xfrm>
-        </p:spPr>
-        <p:txBody>
-          <a:bodyPr>
-            <a:normAutofit fontScale="62500" lnSpcReduction="20000"/>
-          </a:bodyPr>
-          <a:lstStyle/>
-          <a:p>
-            <a:pPr marL="0" indent="0">
-              <a:buNone/>
-            </a:pPr>
-            <a:r>
-              <a:rPr lang="de-DE" u="sng" dirty="0"/>
-              <a:t>Erklärung der Thematik: </a:t>
-            </a:r>
-          </a:p>
-          <a:p>
-            <a:pPr marL="0" indent="0">
-              <a:buNone/>
-            </a:pPr>
-            <a:r>
-              <a:rPr lang="de-DE" dirty="0"/>
-              <a:t>• Magnituden: Maß für die freigesetzte Energie bei Erdbeben </a:t>
-            </a:r>
-          </a:p>
-          <a:p>
-            <a:pPr marL="0" indent="0">
-              <a:buNone/>
-            </a:pPr>
-            <a:r>
-              <a:rPr lang="de-DE" dirty="0"/>
-              <a:t>• Shortterm-</a:t>
-            </a:r>
-            <a:r>
-              <a:rPr lang="de-DE" dirty="0" err="1"/>
-              <a:t>incompleteness</a:t>
-            </a:r>
-            <a:r>
-              <a:rPr lang="de-DE" dirty="0"/>
-              <a:t>: nicht vollständig erfasste Erdbeben nach einem starken Erdbeben </a:t>
-            </a:r>
-          </a:p>
-          <a:p>
-            <a:pPr marL="0" indent="0">
-              <a:buNone/>
-            </a:pPr>
-            <a:r>
-              <a:rPr lang="de-DE" dirty="0"/>
-              <a:t>• Hauptbeben: stärkstes Erdbeben eines Erdbebenclusters </a:t>
-            </a:r>
-          </a:p>
-          <a:p>
-            <a:pPr marL="0" indent="0">
-              <a:buNone/>
-            </a:pPr>
-            <a:r>
-              <a:rPr lang="de-DE" dirty="0"/>
-              <a:t>• Single-Events: Erdbeben, die kein weiteres Erdbeben triggern und nicht getriggert wurden </a:t>
-            </a:r>
-          </a:p>
-          <a:p>
-            <a:pPr marL="0" indent="0">
-              <a:buNone/>
-            </a:pPr>
-            <a:r>
-              <a:rPr lang="de-DE" dirty="0"/>
-              <a:t>• Gutenberg-Richter-Gesetz: Abschätzung der Anzahl an Erdbeben mit einer bestimmten Magnitude </a:t>
-            </a:r>
-          </a:p>
-          <a:p>
-            <a:pPr marL="0" indent="0">
-              <a:buNone/>
-            </a:pPr>
-            <a:endParaRPr lang="de-DE" dirty="0"/>
-          </a:p>
-          <a:p>
-            <a:pPr marL="0" indent="0">
-              <a:buNone/>
-            </a:pPr>
-            <a:r>
-              <a:rPr lang="de-DE" u="sng" dirty="0"/>
-              <a:t>Erklärung der relevantesten Variablen des Datensatzes: </a:t>
-            </a:r>
-          </a:p>
-          <a:p>
-            <a:pPr marL="0" indent="0">
-              <a:buNone/>
-            </a:pPr>
-            <a:r>
-              <a:rPr lang="de-DE" dirty="0"/>
-              <a:t>• Keine Erdbeben mit Magnitude kleiner als 4.0 im Japandatensatz </a:t>
-            </a:r>
-          </a:p>
-          <a:p>
-            <a:pPr marL="0" indent="0">
-              <a:buNone/>
-            </a:pPr>
-            <a:r>
-              <a:rPr lang="de-DE" dirty="0"/>
-              <a:t>• t: Tagesabstände zum ersten Erdbeben des Datensatzes </a:t>
-            </a:r>
-          </a:p>
-          <a:p>
-            <a:pPr marL="0" indent="0">
-              <a:buNone/>
-            </a:pPr>
-            <a:r>
-              <a:rPr lang="de-DE" dirty="0"/>
-              <a:t>• „</a:t>
-            </a:r>
-            <a:r>
-              <a:rPr lang="de-DE" dirty="0" err="1"/>
-              <a:t>isBlind</a:t>
-            </a:r>
-            <a:r>
-              <a:rPr lang="de-DE" dirty="0"/>
-              <a:t>“: Erdbeben, die während der Shortterm-</a:t>
-            </a:r>
-            <a:r>
-              <a:rPr lang="de-DE" dirty="0" err="1"/>
-              <a:t>incompleteness</a:t>
-            </a:r>
-            <a:r>
-              <a:rPr lang="de-DE" dirty="0"/>
-              <a:t> aufgetreten sind </a:t>
-            </a:r>
-          </a:p>
-          <a:p>
-            <a:pPr marL="0" indent="0">
-              <a:buNone/>
-            </a:pPr>
-            <a:r>
-              <a:rPr lang="de-DE" dirty="0"/>
-              <a:t>• „</a:t>
-            </a:r>
-            <a:r>
-              <a:rPr lang="de-DE" dirty="0" err="1"/>
-              <a:t>distanceMeasure</a:t>
-            </a:r>
-            <a:r>
-              <a:rPr lang="de-DE" dirty="0"/>
-              <a:t>“: räumliche- und zeitliche Distanzrelation zwischen Erbeben </a:t>
-            </a:r>
-          </a:p>
-          <a:p>
-            <a:pPr marL="0" indent="0">
-              <a:buNone/>
-            </a:pPr>
-            <a:r>
-              <a:rPr lang="de-DE" dirty="0"/>
-              <a:t>• „TriggeredFrom“: </a:t>
-            </a:r>
-            <a:r>
-              <a:rPr lang="de-DE" dirty="0" err="1"/>
-              <a:t>EventID</a:t>
-            </a:r>
-            <a:r>
-              <a:rPr lang="de-DE" dirty="0"/>
-              <a:t> des triggernden Erdbeben, falls distanceMeasure kleiner 10-5 </a:t>
-            </a:r>
-            <a:r>
-              <a:rPr lang="de-DE" sz="1900" u="none" strike="noStrike" dirty="0">
-                <a:effectLst/>
-                <a:uFill>
-                  <a:solidFill>
-                    <a:srgbClr val="000000"/>
-                  </a:solidFill>
-                </a:uFill>
-                <a:latin typeface="Arial" panose="020B0604020202020204" pitchFamily="34" charset="0"/>
-                <a:ea typeface="Arial" panose="020B0604020202020204" pitchFamily="34" charset="0"/>
-                <a:cs typeface="Arial" panose="020B0604020202020204" pitchFamily="34" charset="0"/>
-              </a:rPr>
-              <a:t>(der Schwellenwert nachträglich auf 0.5 geändert)</a:t>
-            </a:r>
-          </a:p>
-          <a:p>
-            <a:pPr marL="0" indent="0">
-              <a:buNone/>
-            </a:pPr>
-            <a:endParaRPr lang="de-DE" dirty="0"/>
-          </a:p>
-        </p:txBody>
-      </p:sp>
-      <p:sp>
-        <p:nvSpPr>
           <p:cNvPr id="4" name="Foliennummernplatzhalter 3">
             <a:extLst>
               <a:ext uri="{FF2B5EF4-FFF2-40B4-BE49-F238E27FC236}">
@@ -5545,8 +6776,8 @@
         </p:nvSpPr>
         <p:spPr bwMode="auto">
           <a:xfrm>
-            <a:off x="5943600" y="3276600"/>
-            <a:ext cx="304800" cy="304800"/>
+            <a:off x="5945776" y="3278776"/>
+            <a:ext cx="302623" cy="302623"/>
           </a:xfrm>
           <a:prstGeom prst="rect">
             <a:avLst/>
@@ -5668,10 +6899,139 @@
           </a:p>
         </p:txBody>
       </p:sp>
+      <p:pic>
+        <p:nvPicPr>
+          <p:cNvPr id="1026" name="Picture 2" descr="Erdbeben - Definition, Entstehung und Arten - Geographie">
+            <a:extLst>
+              <a:ext uri="{FF2B5EF4-FFF2-40B4-BE49-F238E27FC236}">
+                <a16:creationId xmlns:a16="http://schemas.microsoft.com/office/drawing/2014/main" id="{4143DF21-DF62-49FD-92F0-26D47A637728}"/>
+              </a:ext>
+            </a:extLst>
+          </p:cNvPr>
+          <p:cNvPicPr>
+            <a:picLocks noChangeAspect="1" noChangeArrowheads="1"/>
+          </p:cNvPicPr>
+          <p:nvPr/>
+        </p:nvPicPr>
+        <p:blipFill rotWithShape="1">
+          <a:blip r:embed="rId2">
+            <a:extLst>
+              <a:ext uri="{28A0092B-C50C-407E-A947-70E740481C1C}">
+                <a14:useLocalDpi xmlns:a14="http://schemas.microsoft.com/office/drawing/2010/main" val="0"/>
+              </a:ext>
+            </a:extLst>
+          </a:blip>
+          <a:srcRect t="1953" b="38615"/>
+          <a:stretch/>
+        </p:blipFill>
+        <p:spPr bwMode="auto">
+          <a:xfrm>
+            <a:off x="737485" y="1610916"/>
+            <a:ext cx="4807699" cy="3761184"/>
+          </a:xfrm>
+          <a:prstGeom prst="rect">
+            <a:avLst/>
+          </a:prstGeom>
+          <a:noFill/>
+          <a:extLst>
+            <a:ext uri="{909E8E84-426E-40DD-AFC4-6F175D3DCCD1}">
+              <a14:hiddenFill xmlns:a14="http://schemas.microsoft.com/office/drawing/2010/main">
+                <a:solidFill>
+                  <a:srgbClr val="FFFFFF"/>
+                </a:solidFill>
+              </a14:hiddenFill>
+            </a:ext>
+          </a:extLst>
+        </p:spPr>
+      </p:pic>
+      <p:cxnSp>
+        <p:nvCxnSpPr>
+          <p:cNvPr id="1025" name="Gerade Verbindung mit Pfeil 1024">
+            <a:extLst>
+              <a:ext uri="{FF2B5EF4-FFF2-40B4-BE49-F238E27FC236}">
+                <a16:creationId xmlns:a16="http://schemas.microsoft.com/office/drawing/2014/main" id="{3F33A6BD-E1AE-4CCE-AE82-F531B8C6918E}"/>
+              </a:ext>
+            </a:extLst>
+          </p:cNvPr>
+          <p:cNvCxnSpPr/>
+          <p:nvPr/>
+        </p:nvCxnSpPr>
+        <p:spPr>
+          <a:xfrm>
+            <a:off x="6248399" y="-786936"/>
+            <a:ext cx="41367" cy="9696"/>
+          </a:xfrm>
+          <a:prstGeom prst="straightConnector1">
+            <a:avLst/>
+          </a:prstGeom>
+          <a:ln>
+            <a:tailEnd type="triangle"/>
+          </a:ln>
+        </p:spPr>
+        <p:style>
+          <a:lnRef idx="1">
+            <a:schemeClr val="accent1"/>
+          </a:lnRef>
+          <a:fillRef idx="0">
+            <a:schemeClr val="accent1"/>
+          </a:fillRef>
+          <a:effectRef idx="0">
+            <a:schemeClr val="accent1"/>
+          </a:effectRef>
+          <a:fontRef idx="minor">
+            <a:schemeClr val="tx1"/>
+          </a:fontRef>
+        </p:style>
+      </p:cxnSp>
+      <p:pic>
+        <p:nvPicPr>
+          <p:cNvPr id="47" name="Picture 2" descr="Erdbeben - Definition, Entstehung und Arten - Geographie">
+            <a:extLst>
+              <a:ext uri="{FF2B5EF4-FFF2-40B4-BE49-F238E27FC236}">
+                <a16:creationId xmlns:a16="http://schemas.microsoft.com/office/drawing/2014/main" id="{6EEF2A51-92C6-419F-8522-5BDFD1C490BF}"/>
+              </a:ext>
+            </a:extLst>
+          </p:cNvPr>
+          <p:cNvPicPr>
+            <a:picLocks noChangeAspect="1" noChangeArrowheads="1"/>
+          </p:cNvPicPr>
+          <p:nvPr/>
+        </p:nvPicPr>
+        <p:blipFill rotWithShape="1">
+          <a:blip r:embed="rId2">
+            <a:extLst>
+              <a:ext uri="{28A0092B-C50C-407E-A947-70E740481C1C}">
+                <a14:useLocalDpi xmlns:a14="http://schemas.microsoft.com/office/drawing/2010/main" val="0"/>
+              </a:ext>
+            </a:extLst>
+          </a:blip>
+          <a:srcRect l="-344" t="63755" r="344" b="-2926"/>
+          <a:stretch/>
+        </p:blipFill>
+        <p:spPr bwMode="auto">
+          <a:xfrm>
+            <a:off x="6849547" y="2221706"/>
+            <a:ext cx="4682847" cy="2414588"/>
+          </a:xfrm>
+          <a:prstGeom prst="rect">
+            <a:avLst/>
+          </a:prstGeom>
+          <a:noFill/>
+          <a:extLst>
+            <a:ext uri="{909E8E84-426E-40DD-AFC4-6F175D3DCCD1}">
+              <a14:hiddenFill xmlns:a14="http://schemas.microsoft.com/office/drawing/2010/main">
+                <a:solidFill>
+                  <a:srgbClr val="FFFFFF"/>
+                </a:solidFill>
+              </a14:hiddenFill>
+            </a:ext>
+          </a:extLst>
+        </p:spPr>
+      </p:pic>
     </p:spTree>
     <p:extLst>
       <p:ext uri="{BB962C8B-B14F-4D97-AF65-F5344CB8AC3E}">
-        <p14:creationId xmlns:p14="http://schemas.microsoft.com/office/powerpoint/2010/main" val="72194258"/>
+        <p14:creationId xmlns:p14="http://schemas.microsoft.com/office/powerpoint/2010/main" val="2065335144"/>
       </p:ext>
     </p:extLst>
   </p:cSld>
@@ -5716,8 +7076,8 @@
         </p:nvSpPr>
         <p:spPr>
           <a:xfrm>
-            <a:off x="1002052" y="1844675"/>
-            <a:ext cx="11065988" cy="4351338"/>
+            <a:off x="410605" y="1405730"/>
+            <a:ext cx="11566351" cy="4950619"/>
           </a:xfrm>
         </p:spPr>
         <p:txBody>
@@ -5726,55 +7086,145 @@
           </a:bodyPr>
           <a:lstStyle/>
           <a:p>
-            <a:r>
-              <a:rPr lang="es-ES" dirty="0">
-                <a:latin typeface="Arial" panose="020B0604020202020204" pitchFamily="34" charset="0"/>
-                <a:cs typeface="Arial" panose="020B0604020202020204" pitchFamily="34" charset="0"/>
-              </a:rPr>
-              <a:t>Hintergrund und Inhalt des Projektes</a:t>
-            </a:r>
-          </a:p>
-          <a:p>
-            <a:r>
-              <a:rPr lang="es-ES" b="1" dirty="0">
-                <a:latin typeface="Arial" panose="020B0604020202020204" pitchFamily="34" charset="0"/>
-                <a:cs typeface="Arial" panose="020B0604020202020204" pitchFamily="34" charset="0"/>
-              </a:rPr>
-              <a:t>Fragestellung</a:t>
-            </a:r>
-          </a:p>
-          <a:p>
-            <a:r>
-              <a:rPr lang="es-ES" dirty="0">
-                <a:latin typeface="Arial" panose="020B0604020202020204" pitchFamily="34" charset="0"/>
-                <a:cs typeface="Arial" panose="020B0604020202020204" pitchFamily="34" charset="0"/>
-              </a:rPr>
-              <a:t>Erste Ergebnisse und Erfahrungen</a:t>
-            </a:r>
-          </a:p>
-          <a:p>
-            <a:r>
-              <a:rPr lang="es-ES" dirty="0">
-                <a:latin typeface="Arial" panose="020B0604020202020204" pitchFamily="34" charset="0"/>
-                <a:cs typeface="Arial" panose="020B0604020202020204" pitchFamily="34" charset="0"/>
-              </a:rPr>
-              <a:t>Konzept der Methodik</a:t>
-            </a:r>
-          </a:p>
-          <a:p>
-            <a:r>
-              <a:rPr lang="es-ES" dirty="0">
-                <a:latin typeface="Arial" panose="020B0604020202020204" pitchFamily="34" charset="0"/>
-                <a:cs typeface="Arial" panose="020B0604020202020204" pitchFamily="34" charset="0"/>
-              </a:rPr>
-              <a:t>Fragen und Anregungen = Diskussion</a:t>
-            </a:r>
-          </a:p>
-          <a:p>
             <a:pPr marL="0" indent="0">
               <a:buNone/>
             </a:pPr>
-            <a:endParaRPr lang="es-ES" dirty="0"/>
+            <a:r>
+              <a:rPr lang="de-DE" sz="2000" u="sng" dirty="0"/>
+              <a:t>Erklärung der Thematik: </a:t>
+            </a:r>
+          </a:p>
+          <a:p>
+            <a:pPr marL="0" indent="0">
+              <a:buNone/>
+            </a:pPr>
+            <a:endParaRPr lang="de-DE" sz="2000" u="sng" dirty="0"/>
+          </a:p>
+          <a:p>
+            <a:pPr>
+              <a:lnSpc>
+                <a:spcPct val="120000"/>
+              </a:lnSpc>
+            </a:pPr>
+            <a:r>
+              <a:rPr lang="de-DE" sz="2000" b="1" dirty="0">
+                <a:solidFill>
+                  <a:srgbClr val="202124"/>
+                </a:solidFill>
+              </a:rPr>
+              <a:t>Magnitude</a:t>
+            </a:r>
+            <a:r>
+              <a:rPr lang="de-DE" sz="2000" dirty="0">
+                <a:solidFill>
+                  <a:srgbClr val="202124"/>
+                </a:solidFill>
+              </a:rPr>
+              <a:t>: Maß für freigesetzte Energie die bei Erdbeben entsteht </a:t>
+            </a:r>
+          </a:p>
+          <a:p>
+            <a:pPr>
+              <a:lnSpc>
+                <a:spcPct val="120000"/>
+              </a:lnSpc>
+            </a:pPr>
+            <a:r>
+              <a:rPr lang="de-DE" sz="2000" dirty="0">
+                <a:solidFill>
+                  <a:srgbClr val="202124"/>
+                </a:solidFill>
+              </a:rPr>
+              <a:t>Erbeben treten oft in </a:t>
+            </a:r>
+            <a:r>
+              <a:rPr lang="de-DE" sz="2000" b="1" dirty="0">
+                <a:solidFill>
+                  <a:srgbClr val="202124"/>
+                </a:solidFill>
+              </a:rPr>
+              <a:t>Clustern</a:t>
+            </a:r>
+            <a:r>
+              <a:rPr lang="de-DE" sz="2000" dirty="0">
+                <a:solidFill>
+                  <a:srgbClr val="202124"/>
+                </a:solidFill>
+              </a:rPr>
+              <a:t> auf</a:t>
+            </a:r>
+          </a:p>
+          <a:p>
+            <a:pPr>
+              <a:lnSpc>
+                <a:spcPct val="120000"/>
+              </a:lnSpc>
+            </a:pPr>
+            <a:r>
+              <a:rPr lang="de-DE" sz="2000" b="1" dirty="0"/>
+              <a:t>Hauptbeben</a:t>
+            </a:r>
+            <a:r>
+              <a:rPr lang="de-DE" sz="2000" dirty="0"/>
+              <a:t> ist das stärkstes Erdbeben eines Erdbebenclusters </a:t>
+            </a:r>
+          </a:p>
+          <a:p>
+            <a:pPr>
+              <a:lnSpc>
+                <a:spcPct val="120000"/>
+              </a:lnSpc>
+            </a:pPr>
+            <a:r>
+              <a:rPr lang="de-DE" sz="2000" b="1" dirty="0"/>
+              <a:t>Shortterm-</a:t>
+            </a:r>
+            <a:r>
+              <a:rPr lang="de-DE" sz="2000" b="1" dirty="0" err="1"/>
+              <a:t>incompleteness</a:t>
+            </a:r>
+            <a:r>
+              <a:rPr lang="de-DE" sz="2000" dirty="0"/>
+              <a:t>: nicht vollständig erfasste Erdbeben nach einem starken Erdbeben (n= 616) Japan</a:t>
+            </a:r>
+          </a:p>
+          <a:p>
+            <a:pPr>
+              <a:lnSpc>
+                <a:spcPct val="120000"/>
+              </a:lnSpc>
+            </a:pPr>
+            <a:r>
+              <a:rPr lang="de-DE" sz="2000" b="1" dirty="0"/>
+              <a:t>Single-Events</a:t>
+            </a:r>
+            <a:r>
+              <a:rPr lang="de-DE" sz="2000" dirty="0"/>
+              <a:t>: Erdbeben, die kein weiteres Erdbeben triggern und nicht getriggert wurden (n= 4975) Japan</a:t>
+            </a:r>
+          </a:p>
+          <a:p>
+            <a:pPr>
+              <a:lnSpc>
+                <a:spcPct val="120000"/>
+              </a:lnSpc>
+            </a:pPr>
+            <a:r>
+              <a:rPr lang="de-DE" sz="1300" dirty="0"/>
+              <a:t>Gutenberg-Richter-Gesetz: Abschätzung der Anzahl an Erdbeben mit einer bestimmten Magnitude </a:t>
+            </a:r>
+          </a:p>
+          <a:p>
+            <a:pPr marL="0" indent="0">
+              <a:buNone/>
+            </a:pPr>
+            <a:endParaRPr lang="de-DE" dirty="0"/>
+          </a:p>
+          <a:p>
+            <a:pPr marL="0" indent="0">
+              <a:buNone/>
+            </a:pPr>
+            <a:endParaRPr lang="de-DE" dirty="0"/>
           </a:p>
         </p:txBody>
       </p:sp>
@@ -5823,8 +7273,8 @@
         </p:nvSpPr>
         <p:spPr bwMode="auto">
           <a:xfrm>
-            <a:off x="5943600" y="3276600"/>
-            <a:ext cx="304800" cy="304800"/>
+            <a:off x="5945776" y="3278776"/>
+            <a:ext cx="302623" cy="302623"/>
           </a:xfrm>
           <a:prstGeom prst="rect">
             <a:avLst/>
@@ -5868,7 +7318,7 @@
         </p:nvSpPr>
         <p:spPr>
           <a:xfrm>
-            <a:off x="838200" y="-140245"/>
+            <a:off x="838200" y="0"/>
             <a:ext cx="10515600" cy="1325563"/>
           </a:xfrm>
           <a:prstGeom prst="rect">
@@ -5901,25 +7351,21 @@
           <a:p>
             <a:pPr algn="ctr"/>
             <a:r>
-              <a:rPr lang="es-ES" sz="3600" u="sng" dirty="0" err="1">
+              <a:rPr lang="es-ES" sz="3600" u="sng" dirty="0">
                 <a:latin typeface="Arial" panose="020B0604020202020204" pitchFamily="34" charset="0"/>
                 <a:cs typeface="Arial" panose="020B0604020202020204" pitchFamily="34" charset="0"/>
               </a:rPr>
-              <a:t>Gliederung</a:t>
-            </a:r>
-            <a:endParaRPr lang="es-ES" sz="3600" u="sng" dirty="0">
-              <a:latin typeface="Arial" panose="020B0604020202020204" pitchFamily="34" charset="0"/>
-              <a:cs typeface="Arial" panose="020B0604020202020204" pitchFamily="34" charset="0"/>
-            </a:endParaRPr>
-          </a:p>
-        </p:txBody>
-      </p:sp>
-      <p:sp>
-        <p:nvSpPr>
-          <p:cNvPr id="10" name="Fußzeilenplatzhalter 4">
-            <a:extLst>
-              <a:ext uri="{FF2B5EF4-FFF2-40B4-BE49-F238E27FC236}">
-                <a16:creationId xmlns:a16="http://schemas.microsoft.com/office/drawing/2014/main" id="{CA3F2EDC-1E9F-40FC-ABFA-3C46B88C1DC8}"/>
+              <a:t>Hintergrund und Inhalt des Projektes</a:t>
+            </a:r>
+          </a:p>
+        </p:txBody>
+      </p:sp>
+      <p:sp>
+        <p:nvSpPr>
+          <p:cNvPr id="7" name="Fußzeilenplatzhalter 4">
+            <a:extLst>
+              <a:ext uri="{FF2B5EF4-FFF2-40B4-BE49-F238E27FC236}">
+                <a16:creationId xmlns:a16="http://schemas.microsoft.com/office/drawing/2014/main" id="{43BA6792-790F-48E5-A873-086A5823D09A}"/>
               </a:ext>
             </a:extLst>
           </p:cNvPr>
@@ -5953,7 +7399,7 @@
     </p:spTree>
     <p:extLst>
       <p:ext uri="{BB962C8B-B14F-4D97-AF65-F5344CB8AC3E}">
-        <p14:creationId xmlns:p14="http://schemas.microsoft.com/office/powerpoint/2010/main" val="432243120"/>
+        <p14:creationId xmlns:p14="http://schemas.microsoft.com/office/powerpoint/2010/main" val="72194258"/>
       </p:ext>
     </p:extLst>
   </p:cSld>
@@ -5982,10 +7428,46 @@
       </p:grpSpPr>
       <p:sp>
         <p:nvSpPr>
-          <p:cNvPr id="3" name="Foliennummernplatzhalter 2">
-            <a:extLst>
-              <a:ext uri="{FF2B5EF4-FFF2-40B4-BE49-F238E27FC236}">
-                <a16:creationId xmlns:a16="http://schemas.microsoft.com/office/drawing/2014/main" id="{D23D1CC6-5366-4CFD-9779-1EB3AE161A1A}"/>
+          <p:cNvPr id="7" name="Fußzeilenplatzhalter 4">
+            <a:extLst>
+              <a:ext uri="{FF2B5EF4-FFF2-40B4-BE49-F238E27FC236}">
+                <a16:creationId xmlns:a16="http://schemas.microsoft.com/office/drawing/2014/main" id="{43BA6792-790F-48E5-A873-086A5823D09A}"/>
+              </a:ext>
+            </a:extLst>
+          </p:cNvPr>
+          <p:cNvSpPr>
+            <a:spLocks noGrp="1"/>
+          </p:cNvSpPr>
+          <p:nvPr>
+            <p:ph type="ftr" sz="quarter" idx="11"/>
+          </p:nvPr>
+        </p:nvSpPr>
+        <p:spPr>
+          <a:xfrm>
+            <a:off x="84140" y="6373153"/>
+            <a:ext cx="4114800" cy="365125"/>
+          </a:xfrm>
+        </p:spPr>
+        <p:txBody>
+          <a:bodyPr/>
+          <a:lstStyle/>
+          <a:p>
+            <a:r>
+              <a:rPr lang="es-ES" dirty="0">
+                <a:latin typeface="Arial" panose="020B0604020202020204" pitchFamily="34" charset="0"/>
+                <a:cs typeface="Arial" panose="020B0604020202020204" pitchFamily="34" charset="0"/>
+              </a:rPr>
+              <a:t>Getriggerte Erdbeben – Orzelek, Reichmeier, Riedlberger</a:t>
+            </a:r>
+          </a:p>
+        </p:txBody>
+      </p:sp>
+      <p:sp>
+        <p:nvSpPr>
+          <p:cNvPr id="4" name="Foliennummernplatzhalter 3">
+            <a:extLst>
+              <a:ext uri="{FF2B5EF4-FFF2-40B4-BE49-F238E27FC236}">
+                <a16:creationId xmlns:a16="http://schemas.microsoft.com/office/drawing/2014/main" id="{38F51045-17B2-4CC8-80FB-808D3D232D7E}"/>
               </a:ext>
             </a:extLst>
           </p:cNvPr>
@@ -5996,10 +7478,2807 @@
             <p:ph type="sldNum" sz="quarter" idx="12"/>
           </p:nvPr>
         </p:nvSpPr>
+        <p:spPr/>
+        <p:txBody>
+          <a:bodyPr/>
+          <a:lstStyle/>
+          <a:p>
+            <a:fld id="{5C76D808-3489-4ED6-8F45-9C53BCBA6C6D}" type="slidenum">
+              <a:rPr lang="es-ES" b="1" smtClean="0"/>
+              <a:t>6</a:t>
+            </a:fld>
+            <a:endParaRPr lang="es-ES" b="1" dirty="0"/>
+          </a:p>
+        </p:txBody>
+      </p:sp>
+      <p:sp>
+        <p:nvSpPr>
+          <p:cNvPr id="6" name="AutoShape 2" descr="Bildergebnis für mexiko  flagge">
+            <a:extLst>
+              <a:ext uri="{FF2B5EF4-FFF2-40B4-BE49-F238E27FC236}">
+                <a16:creationId xmlns:a16="http://schemas.microsoft.com/office/drawing/2014/main" id="{857C175E-0782-4771-83B5-FE30477F5ADE}"/>
+              </a:ext>
+            </a:extLst>
+          </p:cNvPr>
+          <p:cNvSpPr>
+            <a:spLocks noChangeAspect="1" noChangeArrowheads="1"/>
+          </p:cNvSpPr>
+          <p:nvPr/>
+        </p:nvSpPr>
+        <p:spPr bwMode="auto">
+          <a:xfrm>
+            <a:off x="5945776" y="3278776"/>
+            <a:ext cx="302623" cy="302623"/>
+          </a:xfrm>
+          <a:prstGeom prst="rect">
+            <a:avLst/>
+          </a:prstGeom>
+          <a:noFill/>
+          <a:extLst>
+            <a:ext uri="{909E8E84-426E-40DD-AFC4-6F175D3DCCD1}">
+              <a14:hiddenFill xmlns:a14="http://schemas.microsoft.com/office/drawing/2010/main">
+                <a:solidFill>
+                  <a:srgbClr val="FFFFFF"/>
+                </a:solidFill>
+              </a14:hiddenFill>
+            </a:ext>
+          </a:extLst>
+        </p:spPr>
+        <p:txBody>
+          <a:bodyPr vert="horz" wrap="square" lIns="91440" tIns="45720" rIns="91440" bIns="45720" numCol="1" anchor="t" anchorCtr="0" compatLnSpc="1">
+            <a:prstTxWarp prst="textNoShape">
+              <a:avLst/>
+            </a:prstTxWarp>
+          </a:bodyPr>
+          <a:lstStyle/>
+          <a:p>
+            <a:endParaRPr lang="es-ES"/>
+          </a:p>
+        </p:txBody>
+      </p:sp>
+      <p:sp>
+        <p:nvSpPr>
+          <p:cNvPr id="9" name="Titel 26">
+            <a:extLst>
+              <a:ext uri="{FF2B5EF4-FFF2-40B4-BE49-F238E27FC236}">
+                <a16:creationId xmlns:a16="http://schemas.microsoft.com/office/drawing/2014/main" id="{2EB3946F-2FEF-7647-9117-E92EBCA1223B}"/>
+              </a:ext>
+            </a:extLst>
+          </p:cNvPr>
+          <p:cNvSpPr txBox="1">
+            <a:spLocks/>
+          </p:cNvSpPr>
+          <p:nvPr/>
+        </p:nvSpPr>
         <p:spPr>
           <a:xfrm>
-            <a:off x="8610600" y="6356350"/>
-            <a:ext cx="2743200" cy="365125"/>
+            <a:off x="838200" y="0"/>
+            <a:ext cx="10515600" cy="1325563"/>
+          </a:xfrm>
+          <a:prstGeom prst="rect">
+            <a:avLst/>
+          </a:prstGeom>
+        </p:spPr>
+        <p:txBody>
+          <a:bodyPr vert="horz" lIns="91440" tIns="45720" rIns="91440" bIns="45720" rtlCol="0" anchor="ctr">
+            <a:normAutofit/>
+          </a:bodyPr>
+          <a:lstStyle>
+            <a:lvl1pPr algn="l" defTabSz="914400" rtl="0" eaLnBrk="1" latinLnBrk="0" hangingPunct="1">
+              <a:lnSpc>
+                <a:spcPct val="90000"/>
+              </a:lnSpc>
+              <a:spcBef>
+                <a:spcPct val="0"/>
+              </a:spcBef>
+              <a:buNone/>
+              <a:defRPr sz="4400" kern="1200">
+                <a:solidFill>
+                  <a:schemeClr val="tx1"/>
+                </a:solidFill>
+                <a:latin typeface="+mj-lt"/>
+                <a:ea typeface="+mj-ea"/>
+                <a:cs typeface="+mj-cs"/>
+              </a:defRPr>
+            </a:lvl1pPr>
+          </a:lstStyle>
+          <a:p>
+            <a:pPr algn="ctr"/>
+            <a:r>
+              <a:rPr lang="es-ES" sz="3600" u="sng" dirty="0">
+                <a:latin typeface="Arial" panose="020B0604020202020204" pitchFamily="34" charset="0"/>
+                <a:cs typeface="Arial" panose="020B0604020202020204" pitchFamily="34" charset="0"/>
+              </a:rPr>
+              <a:t>Hintergrund und Inhalt des Projektes</a:t>
+            </a:r>
+          </a:p>
+        </p:txBody>
+      </p:sp>
+      <p:cxnSp>
+        <p:nvCxnSpPr>
+          <p:cNvPr id="21" name="Gerade Verbindung mit Pfeil 20">
+            <a:extLst>
+              <a:ext uri="{FF2B5EF4-FFF2-40B4-BE49-F238E27FC236}">
+                <a16:creationId xmlns:a16="http://schemas.microsoft.com/office/drawing/2014/main" id="{97AAA95F-E84B-450C-8977-3AC041D205D1}"/>
+              </a:ext>
+            </a:extLst>
+          </p:cNvPr>
+          <p:cNvCxnSpPr>
+            <a:cxnSpLocks/>
+          </p:cNvCxnSpPr>
+          <p:nvPr/>
+        </p:nvCxnSpPr>
+        <p:spPr>
+          <a:xfrm>
+            <a:off x="6086891" y="1014824"/>
+            <a:ext cx="9109" cy="265974"/>
+          </a:xfrm>
+          <a:prstGeom prst="straightConnector1">
+            <a:avLst/>
+          </a:prstGeom>
+          <a:ln>
+            <a:solidFill>
+              <a:schemeClr val="accent2">
+                <a:lumMod val="75000"/>
+              </a:schemeClr>
+            </a:solidFill>
+            <a:tailEnd type="triangle"/>
+          </a:ln>
+        </p:spPr>
+        <p:style>
+          <a:lnRef idx="1">
+            <a:schemeClr val="accent1"/>
+          </a:lnRef>
+          <a:fillRef idx="0">
+            <a:schemeClr val="accent1"/>
+          </a:fillRef>
+          <a:effectRef idx="0">
+            <a:schemeClr val="accent1"/>
+          </a:effectRef>
+          <a:fontRef idx="minor">
+            <a:schemeClr val="tx1"/>
+          </a:fontRef>
+        </p:style>
+      </p:cxnSp>
+      <p:cxnSp>
+        <p:nvCxnSpPr>
+          <p:cNvPr id="1025" name="Gerade Verbindung mit Pfeil 1024">
+            <a:extLst>
+              <a:ext uri="{FF2B5EF4-FFF2-40B4-BE49-F238E27FC236}">
+                <a16:creationId xmlns:a16="http://schemas.microsoft.com/office/drawing/2014/main" id="{3F33A6BD-E1AE-4CCE-AE82-F531B8C6918E}"/>
+              </a:ext>
+            </a:extLst>
+          </p:cNvPr>
+          <p:cNvCxnSpPr/>
+          <p:nvPr/>
+        </p:nvCxnSpPr>
+        <p:spPr>
+          <a:xfrm>
+            <a:off x="6248399" y="-786936"/>
+            <a:ext cx="41367" cy="9696"/>
+          </a:xfrm>
+          <a:prstGeom prst="straightConnector1">
+            <a:avLst/>
+          </a:prstGeom>
+          <a:ln>
+            <a:tailEnd type="triangle"/>
+          </a:ln>
+        </p:spPr>
+        <p:style>
+          <a:lnRef idx="1">
+            <a:schemeClr val="accent1"/>
+          </a:lnRef>
+          <a:fillRef idx="0">
+            <a:schemeClr val="accent1"/>
+          </a:fillRef>
+          <a:effectRef idx="0">
+            <a:schemeClr val="accent1"/>
+          </a:effectRef>
+          <a:fontRef idx="minor">
+            <a:schemeClr val="tx1"/>
+          </a:fontRef>
+        </p:style>
+      </p:cxnSp>
+      <p:grpSp>
+        <p:nvGrpSpPr>
+          <p:cNvPr id="26" name="Gruppieren 25">
+            <a:extLst>
+              <a:ext uri="{FF2B5EF4-FFF2-40B4-BE49-F238E27FC236}">
+                <a16:creationId xmlns:a16="http://schemas.microsoft.com/office/drawing/2014/main" id="{6C0EC595-94A5-4EEB-A6F0-316C9CDB789A}"/>
+              </a:ext>
+            </a:extLst>
+          </p:cNvPr>
+          <p:cNvGrpSpPr/>
+          <p:nvPr/>
+        </p:nvGrpSpPr>
+        <p:grpSpPr>
+          <a:xfrm>
+            <a:off x="5630385" y="1325563"/>
+            <a:ext cx="931229" cy="512444"/>
+            <a:chOff x="5630385" y="1325563"/>
+            <a:chExt cx="931229" cy="512444"/>
+          </a:xfrm>
+        </p:grpSpPr>
+        <p:sp>
+          <p:nvSpPr>
+            <p:cNvPr id="1042" name="Textfeld 1041">
+              <a:extLst>
+                <a:ext uri="{FF2B5EF4-FFF2-40B4-BE49-F238E27FC236}">
+                  <a16:creationId xmlns:a16="http://schemas.microsoft.com/office/drawing/2014/main" id="{7E4D95E2-F5EF-4098-944E-854956B706E3}"/>
+                </a:ext>
+              </a:extLst>
+            </p:cNvPr>
+            <p:cNvSpPr txBox="1"/>
+            <p:nvPr/>
+          </p:nvSpPr>
+          <p:spPr>
+            <a:xfrm>
+              <a:off x="5731990" y="1391675"/>
+              <a:ext cx="728019" cy="338554"/>
+            </a:xfrm>
+            <a:prstGeom prst="rect">
+              <a:avLst/>
+            </a:prstGeom>
+            <a:noFill/>
+          </p:spPr>
+          <p:txBody>
+            <a:bodyPr wrap="square" rtlCol="0">
+              <a:spAutoFit/>
+            </a:bodyPr>
+            <a:lstStyle/>
+            <a:p>
+              <a:r>
+                <a:rPr lang="es-ES" sz="1600" dirty="0"/>
+                <a:t>Mag:5</a:t>
+              </a:r>
+            </a:p>
+          </p:txBody>
+        </p:sp>
+        <p:sp>
+          <p:nvSpPr>
+            <p:cNvPr id="24" name="Rechteck: abgerundete Ecken 23">
+              <a:extLst>
+                <a:ext uri="{FF2B5EF4-FFF2-40B4-BE49-F238E27FC236}">
+                  <a16:creationId xmlns:a16="http://schemas.microsoft.com/office/drawing/2014/main" id="{579F60DF-EDDC-4A0B-8AF0-B93AAAD89426}"/>
+                </a:ext>
+              </a:extLst>
+            </p:cNvPr>
+            <p:cNvSpPr/>
+            <p:nvPr/>
+          </p:nvSpPr>
+          <p:spPr>
+            <a:xfrm>
+              <a:off x="5630385" y="1325563"/>
+              <a:ext cx="931229" cy="512444"/>
+            </a:xfrm>
+            <a:prstGeom prst="roundRect">
+              <a:avLst/>
+            </a:prstGeom>
+            <a:noFill/>
+            <a:ln>
+              <a:solidFill>
+                <a:schemeClr val="accent4">
+                  <a:lumMod val="50000"/>
+                </a:schemeClr>
+              </a:solidFill>
+            </a:ln>
+          </p:spPr>
+          <p:style>
+            <a:lnRef idx="2">
+              <a:schemeClr val="accent1">
+                <a:shade val="50000"/>
+              </a:schemeClr>
+            </a:lnRef>
+            <a:fillRef idx="1">
+              <a:schemeClr val="accent1"/>
+            </a:fillRef>
+            <a:effectRef idx="0">
+              <a:schemeClr val="accent1"/>
+            </a:effectRef>
+            <a:fontRef idx="minor">
+              <a:schemeClr val="lt1"/>
+            </a:fontRef>
+          </p:style>
+          <p:txBody>
+            <a:bodyPr rtlCol="0" anchor="ctr"/>
+            <a:lstStyle/>
+            <a:p>
+              <a:pPr algn="ctr"/>
+              <a:endParaRPr lang="es-ES"/>
+            </a:p>
+          </p:txBody>
+        </p:sp>
+      </p:grpSp>
+      <p:grpSp>
+        <p:nvGrpSpPr>
+          <p:cNvPr id="51" name="Gruppieren 50">
+            <a:extLst>
+              <a:ext uri="{FF2B5EF4-FFF2-40B4-BE49-F238E27FC236}">
+                <a16:creationId xmlns:a16="http://schemas.microsoft.com/office/drawing/2014/main" id="{D9BFFBFE-EC45-42B9-9587-6863B40769F5}"/>
+              </a:ext>
+            </a:extLst>
+          </p:cNvPr>
+          <p:cNvGrpSpPr/>
+          <p:nvPr/>
+        </p:nvGrpSpPr>
+        <p:grpSpPr>
+          <a:xfrm>
+            <a:off x="5630385" y="2039882"/>
+            <a:ext cx="931229" cy="512444"/>
+            <a:chOff x="5630385" y="1325563"/>
+            <a:chExt cx="931229" cy="512444"/>
+          </a:xfrm>
+        </p:grpSpPr>
+        <p:sp>
+          <p:nvSpPr>
+            <p:cNvPr id="54" name="Textfeld 53">
+              <a:extLst>
+                <a:ext uri="{FF2B5EF4-FFF2-40B4-BE49-F238E27FC236}">
+                  <a16:creationId xmlns:a16="http://schemas.microsoft.com/office/drawing/2014/main" id="{67DFEE13-C999-414E-9C49-DE30F314EC0A}"/>
+                </a:ext>
+              </a:extLst>
+            </p:cNvPr>
+            <p:cNvSpPr txBox="1"/>
+            <p:nvPr/>
+          </p:nvSpPr>
+          <p:spPr>
+            <a:xfrm>
+              <a:off x="5731990" y="1391675"/>
+              <a:ext cx="728019" cy="338554"/>
+            </a:xfrm>
+            <a:prstGeom prst="rect">
+              <a:avLst/>
+            </a:prstGeom>
+            <a:noFill/>
+          </p:spPr>
+          <p:txBody>
+            <a:bodyPr wrap="square" rtlCol="0">
+              <a:spAutoFit/>
+            </a:bodyPr>
+            <a:lstStyle/>
+            <a:p>
+              <a:r>
+                <a:rPr lang="es-ES" sz="1600" dirty="0"/>
+                <a:t>Mag:4</a:t>
+              </a:r>
+            </a:p>
+          </p:txBody>
+        </p:sp>
+        <p:sp>
+          <p:nvSpPr>
+            <p:cNvPr id="57" name="Rechteck: abgerundete Ecken 56">
+              <a:extLst>
+                <a:ext uri="{FF2B5EF4-FFF2-40B4-BE49-F238E27FC236}">
+                  <a16:creationId xmlns:a16="http://schemas.microsoft.com/office/drawing/2014/main" id="{97D8E4F1-6585-4444-8D06-CC8B22C377D4}"/>
+                </a:ext>
+              </a:extLst>
+            </p:cNvPr>
+            <p:cNvSpPr/>
+            <p:nvPr/>
+          </p:nvSpPr>
+          <p:spPr>
+            <a:xfrm>
+              <a:off x="5630385" y="1325563"/>
+              <a:ext cx="931229" cy="512444"/>
+            </a:xfrm>
+            <a:prstGeom prst="roundRect">
+              <a:avLst/>
+            </a:prstGeom>
+            <a:noFill/>
+            <a:ln>
+              <a:solidFill>
+                <a:schemeClr val="accent4">
+                  <a:lumMod val="50000"/>
+                </a:schemeClr>
+              </a:solidFill>
+            </a:ln>
+          </p:spPr>
+          <p:style>
+            <a:lnRef idx="2">
+              <a:schemeClr val="accent1">
+                <a:shade val="50000"/>
+              </a:schemeClr>
+            </a:lnRef>
+            <a:fillRef idx="1">
+              <a:schemeClr val="accent1"/>
+            </a:fillRef>
+            <a:effectRef idx="0">
+              <a:schemeClr val="accent1"/>
+            </a:effectRef>
+            <a:fontRef idx="minor">
+              <a:schemeClr val="lt1"/>
+            </a:fontRef>
+          </p:style>
+          <p:txBody>
+            <a:bodyPr rtlCol="0" anchor="ctr"/>
+            <a:lstStyle/>
+            <a:p>
+              <a:pPr algn="ctr"/>
+              <a:endParaRPr lang="es-ES"/>
+            </a:p>
+          </p:txBody>
+        </p:sp>
+      </p:grpSp>
+      <p:grpSp>
+        <p:nvGrpSpPr>
+          <p:cNvPr id="58" name="Gruppieren 57">
+            <a:extLst>
+              <a:ext uri="{FF2B5EF4-FFF2-40B4-BE49-F238E27FC236}">
+                <a16:creationId xmlns:a16="http://schemas.microsoft.com/office/drawing/2014/main" id="{F176C605-11A5-4EEC-8620-3AC687471215}"/>
+              </a:ext>
+            </a:extLst>
+          </p:cNvPr>
+          <p:cNvGrpSpPr/>
+          <p:nvPr/>
+        </p:nvGrpSpPr>
+        <p:grpSpPr>
+          <a:xfrm>
+            <a:off x="5630385" y="2757971"/>
+            <a:ext cx="931229" cy="512444"/>
+            <a:chOff x="5630385" y="1325563"/>
+            <a:chExt cx="931229" cy="512444"/>
+          </a:xfrm>
+        </p:grpSpPr>
+        <p:sp>
+          <p:nvSpPr>
+            <p:cNvPr id="59" name="Textfeld 58">
+              <a:extLst>
+                <a:ext uri="{FF2B5EF4-FFF2-40B4-BE49-F238E27FC236}">
+                  <a16:creationId xmlns:a16="http://schemas.microsoft.com/office/drawing/2014/main" id="{BCCE9262-8637-43BC-A34C-400448A1DDE2}"/>
+                </a:ext>
+              </a:extLst>
+            </p:cNvPr>
+            <p:cNvSpPr txBox="1"/>
+            <p:nvPr/>
+          </p:nvSpPr>
+          <p:spPr>
+            <a:xfrm>
+              <a:off x="5731990" y="1391675"/>
+              <a:ext cx="728019" cy="338554"/>
+            </a:xfrm>
+            <a:prstGeom prst="rect">
+              <a:avLst/>
+            </a:prstGeom>
+            <a:noFill/>
+          </p:spPr>
+          <p:txBody>
+            <a:bodyPr wrap="square" rtlCol="0">
+              <a:spAutoFit/>
+            </a:bodyPr>
+            <a:lstStyle/>
+            <a:p>
+              <a:r>
+                <a:rPr lang="es-ES" sz="1600" dirty="0"/>
+                <a:t>Mag:4</a:t>
+              </a:r>
+            </a:p>
+          </p:txBody>
+        </p:sp>
+        <p:sp>
+          <p:nvSpPr>
+            <p:cNvPr id="63" name="Rechteck: abgerundete Ecken 62">
+              <a:extLst>
+                <a:ext uri="{FF2B5EF4-FFF2-40B4-BE49-F238E27FC236}">
+                  <a16:creationId xmlns:a16="http://schemas.microsoft.com/office/drawing/2014/main" id="{9C359C30-3785-4B49-89B3-99997A67C29A}"/>
+                </a:ext>
+              </a:extLst>
+            </p:cNvPr>
+            <p:cNvSpPr/>
+            <p:nvPr/>
+          </p:nvSpPr>
+          <p:spPr>
+            <a:xfrm>
+              <a:off x="5630385" y="1325563"/>
+              <a:ext cx="931229" cy="512444"/>
+            </a:xfrm>
+            <a:prstGeom prst="roundRect">
+              <a:avLst/>
+            </a:prstGeom>
+            <a:noFill/>
+            <a:ln>
+              <a:solidFill>
+                <a:schemeClr val="accent4">
+                  <a:lumMod val="50000"/>
+                </a:schemeClr>
+              </a:solidFill>
+            </a:ln>
+          </p:spPr>
+          <p:style>
+            <a:lnRef idx="2">
+              <a:schemeClr val="accent1">
+                <a:shade val="50000"/>
+              </a:schemeClr>
+            </a:lnRef>
+            <a:fillRef idx="1">
+              <a:schemeClr val="accent1"/>
+            </a:fillRef>
+            <a:effectRef idx="0">
+              <a:schemeClr val="accent1"/>
+            </a:effectRef>
+            <a:fontRef idx="minor">
+              <a:schemeClr val="lt1"/>
+            </a:fontRef>
+          </p:style>
+          <p:txBody>
+            <a:bodyPr rtlCol="0" anchor="ctr"/>
+            <a:lstStyle/>
+            <a:p>
+              <a:pPr algn="ctr"/>
+              <a:endParaRPr lang="es-ES"/>
+            </a:p>
+          </p:txBody>
+        </p:sp>
+      </p:grpSp>
+      <p:grpSp>
+        <p:nvGrpSpPr>
+          <p:cNvPr id="65" name="Gruppieren 64">
+            <a:extLst>
+              <a:ext uri="{FF2B5EF4-FFF2-40B4-BE49-F238E27FC236}">
+                <a16:creationId xmlns:a16="http://schemas.microsoft.com/office/drawing/2014/main" id="{908888B9-21C4-4152-90D4-C4774E4D2E20}"/>
+              </a:ext>
+            </a:extLst>
+          </p:cNvPr>
+          <p:cNvGrpSpPr/>
+          <p:nvPr/>
+        </p:nvGrpSpPr>
+        <p:grpSpPr>
+          <a:xfrm>
+            <a:off x="3941862" y="3518366"/>
+            <a:ext cx="931229" cy="512444"/>
+            <a:chOff x="5630385" y="1325563"/>
+            <a:chExt cx="931229" cy="512444"/>
+          </a:xfrm>
+        </p:grpSpPr>
+        <p:sp>
+          <p:nvSpPr>
+            <p:cNvPr id="66" name="Textfeld 65">
+              <a:extLst>
+                <a:ext uri="{FF2B5EF4-FFF2-40B4-BE49-F238E27FC236}">
+                  <a16:creationId xmlns:a16="http://schemas.microsoft.com/office/drawing/2014/main" id="{44F64A74-D87A-4A5E-9D43-1A7BD982A0DE}"/>
+                </a:ext>
+              </a:extLst>
+            </p:cNvPr>
+            <p:cNvSpPr txBox="1"/>
+            <p:nvPr/>
+          </p:nvSpPr>
+          <p:spPr>
+            <a:xfrm>
+              <a:off x="5731990" y="1391675"/>
+              <a:ext cx="728019" cy="338554"/>
+            </a:xfrm>
+            <a:prstGeom prst="rect">
+              <a:avLst/>
+            </a:prstGeom>
+            <a:noFill/>
+          </p:spPr>
+          <p:txBody>
+            <a:bodyPr wrap="square" rtlCol="0">
+              <a:spAutoFit/>
+            </a:bodyPr>
+            <a:lstStyle/>
+            <a:p>
+              <a:r>
+                <a:rPr lang="es-ES" sz="1600" dirty="0"/>
+                <a:t>Mag:8</a:t>
+              </a:r>
+            </a:p>
+          </p:txBody>
+        </p:sp>
+        <p:sp>
+          <p:nvSpPr>
+            <p:cNvPr id="70" name="Rechteck: abgerundete Ecken 69">
+              <a:extLst>
+                <a:ext uri="{FF2B5EF4-FFF2-40B4-BE49-F238E27FC236}">
+                  <a16:creationId xmlns:a16="http://schemas.microsoft.com/office/drawing/2014/main" id="{355D1C96-9802-4407-A2E8-85B3DE40AB12}"/>
+                </a:ext>
+              </a:extLst>
+            </p:cNvPr>
+            <p:cNvSpPr/>
+            <p:nvPr/>
+          </p:nvSpPr>
+          <p:spPr>
+            <a:xfrm>
+              <a:off x="5630385" y="1325563"/>
+              <a:ext cx="931229" cy="512444"/>
+            </a:xfrm>
+            <a:prstGeom prst="roundRect">
+              <a:avLst/>
+            </a:prstGeom>
+            <a:noFill/>
+            <a:ln>
+              <a:solidFill>
+                <a:schemeClr val="accent4">
+                  <a:lumMod val="50000"/>
+                </a:schemeClr>
+              </a:solidFill>
+            </a:ln>
+          </p:spPr>
+          <p:style>
+            <a:lnRef idx="2">
+              <a:schemeClr val="accent1">
+                <a:shade val="50000"/>
+              </a:schemeClr>
+            </a:lnRef>
+            <a:fillRef idx="1">
+              <a:schemeClr val="accent1"/>
+            </a:fillRef>
+            <a:effectRef idx="0">
+              <a:schemeClr val="accent1"/>
+            </a:effectRef>
+            <a:fontRef idx="minor">
+              <a:schemeClr val="lt1"/>
+            </a:fontRef>
+          </p:style>
+          <p:txBody>
+            <a:bodyPr rtlCol="0" anchor="ctr"/>
+            <a:lstStyle/>
+            <a:p>
+              <a:pPr algn="ctr"/>
+              <a:endParaRPr lang="es-ES"/>
+            </a:p>
+          </p:txBody>
+        </p:sp>
+      </p:grpSp>
+      <p:grpSp>
+        <p:nvGrpSpPr>
+          <p:cNvPr id="73" name="Gruppieren 72">
+            <a:extLst>
+              <a:ext uri="{FF2B5EF4-FFF2-40B4-BE49-F238E27FC236}">
+                <a16:creationId xmlns:a16="http://schemas.microsoft.com/office/drawing/2014/main" id="{757388AF-B2ED-4471-A1DC-40D76A978CF2}"/>
+              </a:ext>
+            </a:extLst>
+          </p:cNvPr>
+          <p:cNvGrpSpPr/>
+          <p:nvPr/>
+        </p:nvGrpSpPr>
+        <p:grpSpPr>
+          <a:xfrm>
+            <a:off x="5255027" y="3496004"/>
+            <a:ext cx="931229" cy="512444"/>
+            <a:chOff x="5630385" y="1325563"/>
+            <a:chExt cx="931229" cy="512444"/>
+          </a:xfrm>
+        </p:grpSpPr>
+        <p:sp>
+          <p:nvSpPr>
+            <p:cNvPr id="74" name="Textfeld 73">
+              <a:extLst>
+                <a:ext uri="{FF2B5EF4-FFF2-40B4-BE49-F238E27FC236}">
+                  <a16:creationId xmlns:a16="http://schemas.microsoft.com/office/drawing/2014/main" id="{3852D650-FD94-45B1-8109-48732A109763}"/>
+                </a:ext>
+              </a:extLst>
+            </p:cNvPr>
+            <p:cNvSpPr txBox="1"/>
+            <p:nvPr/>
+          </p:nvSpPr>
+          <p:spPr>
+            <a:xfrm>
+              <a:off x="5731990" y="1391675"/>
+              <a:ext cx="728019" cy="338554"/>
+            </a:xfrm>
+            <a:prstGeom prst="rect">
+              <a:avLst/>
+            </a:prstGeom>
+            <a:noFill/>
+          </p:spPr>
+          <p:txBody>
+            <a:bodyPr wrap="square" rtlCol="0">
+              <a:spAutoFit/>
+            </a:bodyPr>
+            <a:lstStyle/>
+            <a:p>
+              <a:r>
+                <a:rPr lang="es-ES" sz="1600" dirty="0"/>
+                <a:t>Mag:6</a:t>
+              </a:r>
+            </a:p>
+          </p:txBody>
+        </p:sp>
+        <p:sp>
+          <p:nvSpPr>
+            <p:cNvPr id="75" name="Rechteck: abgerundete Ecken 74">
+              <a:extLst>
+                <a:ext uri="{FF2B5EF4-FFF2-40B4-BE49-F238E27FC236}">
+                  <a16:creationId xmlns:a16="http://schemas.microsoft.com/office/drawing/2014/main" id="{8474334A-FB09-4ABE-8ACA-274A724A79C9}"/>
+                </a:ext>
+              </a:extLst>
+            </p:cNvPr>
+            <p:cNvSpPr/>
+            <p:nvPr/>
+          </p:nvSpPr>
+          <p:spPr>
+            <a:xfrm>
+              <a:off x="5630385" y="1325563"/>
+              <a:ext cx="931229" cy="512444"/>
+            </a:xfrm>
+            <a:prstGeom prst="roundRect">
+              <a:avLst/>
+            </a:prstGeom>
+            <a:noFill/>
+            <a:ln>
+              <a:solidFill>
+                <a:schemeClr val="accent4">
+                  <a:lumMod val="50000"/>
+                </a:schemeClr>
+              </a:solidFill>
+            </a:ln>
+          </p:spPr>
+          <p:style>
+            <a:lnRef idx="2">
+              <a:schemeClr val="accent1">
+                <a:shade val="50000"/>
+              </a:schemeClr>
+            </a:lnRef>
+            <a:fillRef idx="1">
+              <a:schemeClr val="accent1"/>
+            </a:fillRef>
+            <a:effectRef idx="0">
+              <a:schemeClr val="accent1"/>
+            </a:effectRef>
+            <a:fontRef idx="minor">
+              <a:schemeClr val="lt1"/>
+            </a:fontRef>
+          </p:style>
+          <p:txBody>
+            <a:bodyPr rtlCol="0" anchor="ctr"/>
+            <a:lstStyle/>
+            <a:p>
+              <a:pPr algn="ctr"/>
+              <a:endParaRPr lang="es-ES"/>
+            </a:p>
+          </p:txBody>
+        </p:sp>
+      </p:grpSp>
+      <p:grpSp>
+        <p:nvGrpSpPr>
+          <p:cNvPr id="76" name="Gruppieren 75">
+            <a:extLst>
+              <a:ext uri="{FF2B5EF4-FFF2-40B4-BE49-F238E27FC236}">
+                <a16:creationId xmlns:a16="http://schemas.microsoft.com/office/drawing/2014/main" id="{906C4F9C-8EEE-4BE0-9BF4-76CA595E8D6D}"/>
+              </a:ext>
+            </a:extLst>
+          </p:cNvPr>
+          <p:cNvGrpSpPr/>
+          <p:nvPr/>
+        </p:nvGrpSpPr>
+        <p:grpSpPr>
+          <a:xfrm>
+            <a:off x="6568192" y="3489585"/>
+            <a:ext cx="931229" cy="512444"/>
+            <a:chOff x="5630385" y="1325563"/>
+            <a:chExt cx="931229" cy="512444"/>
+          </a:xfrm>
+        </p:grpSpPr>
+        <p:sp>
+          <p:nvSpPr>
+            <p:cNvPr id="77" name="Textfeld 76">
+              <a:extLst>
+                <a:ext uri="{FF2B5EF4-FFF2-40B4-BE49-F238E27FC236}">
+                  <a16:creationId xmlns:a16="http://schemas.microsoft.com/office/drawing/2014/main" id="{C1B2B1F1-9989-4AB3-BC6D-88686B19C7B5}"/>
+                </a:ext>
+              </a:extLst>
+            </p:cNvPr>
+            <p:cNvSpPr txBox="1"/>
+            <p:nvPr/>
+          </p:nvSpPr>
+          <p:spPr>
+            <a:xfrm>
+              <a:off x="5731990" y="1391675"/>
+              <a:ext cx="728019" cy="338554"/>
+            </a:xfrm>
+            <a:prstGeom prst="rect">
+              <a:avLst/>
+            </a:prstGeom>
+            <a:noFill/>
+          </p:spPr>
+          <p:txBody>
+            <a:bodyPr wrap="square" rtlCol="0">
+              <a:spAutoFit/>
+            </a:bodyPr>
+            <a:lstStyle/>
+            <a:p>
+              <a:r>
+                <a:rPr lang="es-ES" sz="1600" dirty="0"/>
+                <a:t>Mag:3</a:t>
+              </a:r>
+            </a:p>
+          </p:txBody>
+        </p:sp>
+        <p:sp>
+          <p:nvSpPr>
+            <p:cNvPr id="78" name="Rechteck: abgerundete Ecken 77">
+              <a:extLst>
+                <a:ext uri="{FF2B5EF4-FFF2-40B4-BE49-F238E27FC236}">
+                  <a16:creationId xmlns:a16="http://schemas.microsoft.com/office/drawing/2014/main" id="{809F88BF-E9B0-442A-8CBF-A53B43A22439}"/>
+                </a:ext>
+              </a:extLst>
+            </p:cNvPr>
+            <p:cNvSpPr/>
+            <p:nvPr/>
+          </p:nvSpPr>
+          <p:spPr>
+            <a:xfrm>
+              <a:off x="5630385" y="1325563"/>
+              <a:ext cx="931229" cy="512444"/>
+            </a:xfrm>
+            <a:prstGeom prst="roundRect">
+              <a:avLst/>
+            </a:prstGeom>
+            <a:noFill/>
+            <a:ln>
+              <a:solidFill>
+                <a:schemeClr val="accent4">
+                  <a:lumMod val="50000"/>
+                </a:schemeClr>
+              </a:solidFill>
+            </a:ln>
+          </p:spPr>
+          <p:style>
+            <a:lnRef idx="2">
+              <a:schemeClr val="accent1">
+                <a:shade val="50000"/>
+              </a:schemeClr>
+            </a:lnRef>
+            <a:fillRef idx="1">
+              <a:schemeClr val="accent1"/>
+            </a:fillRef>
+            <a:effectRef idx="0">
+              <a:schemeClr val="accent1"/>
+            </a:effectRef>
+            <a:fontRef idx="minor">
+              <a:schemeClr val="lt1"/>
+            </a:fontRef>
+          </p:style>
+          <p:txBody>
+            <a:bodyPr rtlCol="0" anchor="ctr"/>
+            <a:lstStyle/>
+            <a:p>
+              <a:pPr algn="ctr"/>
+              <a:endParaRPr lang="es-ES"/>
+            </a:p>
+          </p:txBody>
+        </p:sp>
+      </p:grpSp>
+      <p:grpSp>
+        <p:nvGrpSpPr>
+          <p:cNvPr id="79" name="Gruppieren 78">
+            <a:extLst>
+              <a:ext uri="{FF2B5EF4-FFF2-40B4-BE49-F238E27FC236}">
+                <a16:creationId xmlns:a16="http://schemas.microsoft.com/office/drawing/2014/main" id="{3983DA20-86F0-4DBE-AC87-4715029BD1ED}"/>
+              </a:ext>
+            </a:extLst>
+          </p:cNvPr>
+          <p:cNvGrpSpPr/>
+          <p:nvPr/>
+        </p:nvGrpSpPr>
+        <p:grpSpPr>
+          <a:xfrm>
+            <a:off x="7881357" y="3514168"/>
+            <a:ext cx="931229" cy="512444"/>
+            <a:chOff x="5630385" y="1325563"/>
+            <a:chExt cx="931229" cy="512444"/>
+          </a:xfrm>
+        </p:grpSpPr>
+        <p:sp>
+          <p:nvSpPr>
+            <p:cNvPr id="80" name="Textfeld 79">
+              <a:extLst>
+                <a:ext uri="{FF2B5EF4-FFF2-40B4-BE49-F238E27FC236}">
+                  <a16:creationId xmlns:a16="http://schemas.microsoft.com/office/drawing/2014/main" id="{7EF45EF3-BB22-4827-BF22-66AE42A28698}"/>
+                </a:ext>
+              </a:extLst>
+            </p:cNvPr>
+            <p:cNvSpPr txBox="1"/>
+            <p:nvPr/>
+          </p:nvSpPr>
+          <p:spPr>
+            <a:xfrm>
+              <a:off x="5731990" y="1391675"/>
+              <a:ext cx="728019" cy="338554"/>
+            </a:xfrm>
+            <a:prstGeom prst="rect">
+              <a:avLst/>
+            </a:prstGeom>
+            <a:noFill/>
+          </p:spPr>
+          <p:txBody>
+            <a:bodyPr wrap="square" rtlCol="0">
+              <a:spAutoFit/>
+            </a:bodyPr>
+            <a:lstStyle/>
+            <a:p>
+              <a:r>
+                <a:rPr lang="es-ES" sz="1600" dirty="0"/>
+                <a:t>Mag:4</a:t>
+              </a:r>
+            </a:p>
+          </p:txBody>
+        </p:sp>
+        <p:sp>
+          <p:nvSpPr>
+            <p:cNvPr id="81" name="Rechteck: abgerundete Ecken 80">
+              <a:extLst>
+                <a:ext uri="{FF2B5EF4-FFF2-40B4-BE49-F238E27FC236}">
+                  <a16:creationId xmlns:a16="http://schemas.microsoft.com/office/drawing/2014/main" id="{102C854C-E835-4B87-8372-C1D3716DE6E0}"/>
+                </a:ext>
+              </a:extLst>
+            </p:cNvPr>
+            <p:cNvSpPr/>
+            <p:nvPr/>
+          </p:nvSpPr>
+          <p:spPr>
+            <a:xfrm>
+              <a:off x="5630385" y="1325563"/>
+              <a:ext cx="931229" cy="512444"/>
+            </a:xfrm>
+            <a:prstGeom prst="roundRect">
+              <a:avLst/>
+            </a:prstGeom>
+            <a:noFill/>
+            <a:ln>
+              <a:solidFill>
+                <a:schemeClr val="accent4">
+                  <a:lumMod val="50000"/>
+                </a:schemeClr>
+              </a:solidFill>
+            </a:ln>
+          </p:spPr>
+          <p:style>
+            <a:lnRef idx="2">
+              <a:schemeClr val="accent1">
+                <a:shade val="50000"/>
+              </a:schemeClr>
+            </a:lnRef>
+            <a:fillRef idx="1">
+              <a:schemeClr val="accent1"/>
+            </a:fillRef>
+            <a:effectRef idx="0">
+              <a:schemeClr val="accent1"/>
+            </a:effectRef>
+            <a:fontRef idx="minor">
+              <a:schemeClr val="lt1"/>
+            </a:fontRef>
+          </p:style>
+          <p:txBody>
+            <a:bodyPr rtlCol="0" anchor="ctr"/>
+            <a:lstStyle/>
+            <a:p>
+              <a:pPr algn="ctr"/>
+              <a:endParaRPr lang="es-ES"/>
+            </a:p>
+          </p:txBody>
+        </p:sp>
+      </p:grpSp>
+      <p:grpSp>
+        <p:nvGrpSpPr>
+          <p:cNvPr id="82" name="Gruppieren 81">
+            <a:extLst>
+              <a:ext uri="{FF2B5EF4-FFF2-40B4-BE49-F238E27FC236}">
+                <a16:creationId xmlns:a16="http://schemas.microsoft.com/office/drawing/2014/main" id="{0A5B4B3B-75D0-46EC-A449-3C24759E29E3}"/>
+              </a:ext>
+            </a:extLst>
+          </p:cNvPr>
+          <p:cNvGrpSpPr/>
+          <p:nvPr/>
+        </p:nvGrpSpPr>
+        <p:grpSpPr>
+          <a:xfrm>
+            <a:off x="4715357" y="4234037"/>
+            <a:ext cx="931229" cy="512444"/>
+            <a:chOff x="5630385" y="1325563"/>
+            <a:chExt cx="931229" cy="512444"/>
+          </a:xfrm>
+        </p:grpSpPr>
+        <p:sp>
+          <p:nvSpPr>
+            <p:cNvPr id="83" name="Textfeld 82">
+              <a:extLst>
+                <a:ext uri="{FF2B5EF4-FFF2-40B4-BE49-F238E27FC236}">
+                  <a16:creationId xmlns:a16="http://schemas.microsoft.com/office/drawing/2014/main" id="{32709C37-1508-4E09-A3D4-B5377FDB2516}"/>
+                </a:ext>
+              </a:extLst>
+            </p:cNvPr>
+            <p:cNvSpPr txBox="1"/>
+            <p:nvPr/>
+          </p:nvSpPr>
+          <p:spPr>
+            <a:xfrm>
+              <a:off x="5731990" y="1391675"/>
+              <a:ext cx="728019" cy="338554"/>
+            </a:xfrm>
+            <a:prstGeom prst="rect">
+              <a:avLst/>
+            </a:prstGeom>
+            <a:noFill/>
+          </p:spPr>
+          <p:txBody>
+            <a:bodyPr wrap="square" rtlCol="0">
+              <a:spAutoFit/>
+            </a:bodyPr>
+            <a:lstStyle/>
+            <a:p>
+              <a:r>
+                <a:rPr lang="es-ES" sz="1600" dirty="0"/>
+                <a:t>Mag:5</a:t>
+              </a:r>
+            </a:p>
+          </p:txBody>
+        </p:sp>
+        <p:sp>
+          <p:nvSpPr>
+            <p:cNvPr id="84" name="Rechteck: abgerundete Ecken 83">
+              <a:extLst>
+                <a:ext uri="{FF2B5EF4-FFF2-40B4-BE49-F238E27FC236}">
+                  <a16:creationId xmlns:a16="http://schemas.microsoft.com/office/drawing/2014/main" id="{3D49EC52-DC12-4625-9635-E6E73CD071BF}"/>
+                </a:ext>
+              </a:extLst>
+            </p:cNvPr>
+            <p:cNvSpPr/>
+            <p:nvPr/>
+          </p:nvSpPr>
+          <p:spPr>
+            <a:xfrm>
+              <a:off x="5630385" y="1325563"/>
+              <a:ext cx="931229" cy="512444"/>
+            </a:xfrm>
+            <a:prstGeom prst="roundRect">
+              <a:avLst/>
+            </a:prstGeom>
+            <a:noFill/>
+            <a:ln>
+              <a:solidFill>
+                <a:schemeClr val="accent4">
+                  <a:lumMod val="50000"/>
+                </a:schemeClr>
+              </a:solidFill>
+            </a:ln>
+          </p:spPr>
+          <p:style>
+            <a:lnRef idx="2">
+              <a:schemeClr val="accent1">
+                <a:shade val="50000"/>
+              </a:schemeClr>
+            </a:lnRef>
+            <a:fillRef idx="1">
+              <a:schemeClr val="accent1"/>
+            </a:fillRef>
+            <a:effectRef idx="0">
+              <a:schemeClr val="accent1"/>
+            </a:effectRef>
+            <a:fontRef idx="minor">
+              <a:schemeClr val="lt1"/>
+            </a:fontRef>
+          </p:style>
+          <p:txBody>
+            <a:bodyPr rtlCol="0" anchor="ctr"/>
+            <a:lstStyle/>
+            <a:p>
+              <a:pPr algn="ctr"/>
+              <a:endParaRPr lang="es-ES"/>
+            </a:p>
+          </p:txBody>
+        </p:sp>
+      </p:grpSp>
+      <p:grpSp>
+        <p:nvGrpSpPr>
+          <p:cNvPr id="85" name="Gruppieren 84">
+            <a:extLst>
+              <a:ext uri="{FF2B5EF4-FFF2-40B4-BE49-F238E27FC236}">
+                <a16:creationId xmlns:a16="http://schemas.microsoft.com/office/drawing/2014/main" id="{B1B4B24A-F923-4D0E-9BE4-92F4FC0E0202}"/>
+              </a:ext>
+            </a:extLst>
+          </p:cNvPr>
+          <p:cNvGrpSpPr/>
+          <p:nvPr/>
+        </p:nvGrpSpPr>
+        <p:grpSpPr>
+          <a:xfrm>
+            <a:off x="5945776" y="4221199"/>
+            <a:ext cx="931229" cy="512444"/>
+            <a:chOff x="5630385" y="1325563"/>
+            <a:chExt cx="931229" cy="512444"/>
+          </a:xfrm>
+        </p:grpSpPr>
+        <p:sp>
+          <p:nvSpPr>
+            <p:cNvPr id="86" name="Textfeld 85">
+              <a:extLst>
+                <a:ext uri="{FF2B5EF4-FFF2-40B4-BE49-F238E27FC236}">
+                  <a16:creationId xmlns:a16="http://schemas.microsoft.com/office/drawing/2014/main" id="{65863DDA-81C6-4802-B851-C221D49E6FF9}"/>
+                </a:ext>
+              </a:extLst>
+            </p:cNvPr>
+            <p:cNvSpPr txBox="1"/>
+            <p:nvPr/>
+          </p:nvSpPr>
+          <p:spPr>
+            <a:xfrm>
+              <a:off x="5731990" y="1391675"/>
+              <a:ext cx="728019" cy="338554"/>
+            </a:xfrm>
+            <a:prstGeom prst="rect">
+              <a:avLst/>
+            </a:prstGeom>
+            <a:noFill/>
+          </p:spPr>
+          <p:txBody>
+            <a:bodyPr wrap="square" rtlCol="0">
+              <a:spAutoFit/>
+            </a:bodyPr>
+            <a:lstStyle/>
+            <a:p>
+              <a:r>
+                <a:rPr lang="es-ES" sz="1600" dirty="0"/>
+                <a:t>Mag:6</a:t>
+              </a:r>
+            </a:p>
+          </p:txBody>
+        </p:sp>
+        <p:sp>
+          <p:nvSpPr>
+            <p:cNvPr id="87" name="Rechteck: abgerundete Ecken 86">
+              <a:extLst>
+                <a:ext uri="{FF2B5EF4-FFF2-40B4-BE49-F238E27FC236}">
+                  <a16:creationId xmlns:a16="http://schemas.microsoft.com/office/drawing/2014/main" id="{33E4A21E-4A07-4D21-A7AB-8027D0DA76F3}"/>
+                </a:ext>
+              </a:extLst>
+            </p:cNvPr>
+            <p:cNvSpPr/>
+            <p:nvPr/>
+          </p:nvSpPr>
+          <p:spPr>
+            <a:xfrm>
+              <a:off x="5630385" y="1325563"/>
+              <a:ext cx="931229" cy="512444"/>
+            </a:xfrm>
+            <a:prstGeom prst="roundRect">
+              <a:avLst/>
+            </a:prstGeom>
+            <a:noFill/>
+            <a:ln>
+              <a:solidFill>
+                <a:schemeClr val="accent4">
+                  <a:lumMod val="50000"/>
+                </a:schemeClr>
+              </a:solidFill>
+            </a:ln>
+          </p:spPr>
+          <p:style>
+            <a:lnRef idx="2">
+              <a:schemeClr val="accent1">
+                <a:shade val="50000"/>
+              </a:schemeClr>
+            </a:lnRef>
+            <a:fillRef idx="1">
+              <a:schemeClr val="accent1"/>
+            </a:fillRef>
+            <a:effectRef idx="0">
+              <a:schemeClr val="accent1"/>
+            </a:effectRef>
+            <a:fontRef idx="minor">
+              <a:schemeClr val="lt1"/>
+            </a:fontRef>
+          </p:style>
+          <p:txBody>
+            <a:bodyPr rtlCol="0" anchor="ctr"/>
+            <a:lstStyle/>
+            <a:p>
+              <a:pPr algn="ctr"/>
+              <a:endParaRPr lang="es-ES"/>
+            </a:p>
+          </p:txBody>
+        </p:sp>
+      </p:grpSp>
+      <p:grpSp>
+        <p:nvGrpSpPr>
+          <p:cNvPr id="88" name="Gruppieren 87">
+            <a:extLst>
+              <a:ext uri="{FF2B5EF4-FFF2-40B4-BE49-F238E27FC236}">
+                <a16:creationId xmlns:a16="http://schemas.microsoft.com/office/drawing/2014/main" id="{BCC06188-4591-4ECB-84E9-B96BB2C92F77}"/>
+              </a:ext>
+            </a:extLst>
+          </p:cNvPr>
+          <p:cNvGrpSpPr/>
+          <p:nvPr/>
+        </p:nvGrpSpPr>
+        <p:grpSpPr>
+          <a:xfrm>
+            <a:off x="3369316" y="5661870"/>
+            <a:ext cx="931229" cy="512444"/>
+            <a:chOff x="5630385" y="1325563"/>
+            <a:chExt cx="931229" cy="512444"/>
+          </a:xfrm>
+        </p:grpSpPr>
+        <p:sp>
+          <p:nvSpPr>
+            <p:cNvPr id="89" name="Textfeld 88">
+              <a:extLst>
+                <a:ext uri="{FF2B5EF4-FFF2-40B4-BE49-F238E27FC236}">
+                  <a16:creationId xmlns:a16="http://schemas.microsoft.com/office/drawing/2014/main" id="{FD368E6D-38E0-4A47-BC9D-666762FD3DDB}"/>
+                </a:ext>
+              </a:extLst>
+            </p:cNvPr>
+            <p:cNvSpPr txBox="1"/>
+            <p:nvPr/>
+          </p:nvSpPr>
+          <p:spPr>
+            <a:xfrm>
+              <a:off x="5731990" y="1391675"/>
+              <a:ext cx="728019" cy="338554"/>
+            </a:xfrm>
+            <a:prstGeom prst="rect">
+              <a:avLst/>
+            </a:prstGeom>
+            <a:noFill/>
+          </p:spPr>
+          <p:txBody>
+            <a:bodyPr wrap="square" rtlCol="0">
+              <a:spAutoFit/>
+            </a:bodyPr>
+            <a:lstStyle/>
+            <a:p>
+              <a:r>
+                <a:rPr lang="es-ES" sz="1600" dirty="0"/>
+                <a:t>Mag:5</a:t>
+              </a:r>
+            </a:p>
+          </p:txBody>
+        </p:sp>
+        <p:sp>
+          <p:nvSpPr>
+            <p:cNvPr id="90" name="Rechteck: abgerundete Ecken 89">
+              <a:extLst>
+                <a:ext uri="{FF2B5EF4-FFF2-40B4-BE49-F238E27FC236}">
+                  <a16:creationId xmlns:a16="http://schemas.microsoft.com/office/drawing/2014/main" id="{3E5D5003-DB1D-4879-B063-424C557B6412}"/>
+                </a:ext>
+              </a:extLst>
+            </p:cNvPr>
+            <p:cNvSpPr/>
+            <p:nvPr/>
+          </p:nvSpPr>
+          <p:spPr>
+            <a:xfrm>
+              <a:off x="5630385" y="1325563"/>
+              <a:ext cx="931229" cy="512444"/>
+            </a:xfrm>
+            <a:prstGeom prst="roundRect">
+              <a:avLst/>
+            </a:prstGeom>
+            <a:noFill/>
+            <a:ln>
+              <a:solidFill>
+                <a:schemeClr val="accent4">
+                  <a:lumMod val="50000"/>
+                </a:schemeClr>
+              </a:solidFill>
+            </a:ln>
+          </p:spPr>
+          <p:style>
+            <a:lnRef idx="2">
+              <a:schemeClr val="accent1">
+                <a:shade val="50000"/>
+              </a:schemeClr>
+            </a:lnRef>
+            <a:fillRef idx="1">
+              <a:schemeClr val="accent1"/>
+            </a:fillRef>
+            <a:effectRef idx="0">
+              <a:schemeClr val="accent1"/>
+            </a:effectRef>
+            <a:fontRef idx="minor">
+              <a:schemeClr val="lt1"/>
+            </a:fontRef>
+          </p:style>
+          <p:txBody>
+            <a:bodyPr rtlCol="0" anchor="ctr"/>
+            <a:lstStyle/>
+            <a:p>
+              <a:pPr algn="ctr"/>
+              <a:endParaRPr lang="es-ES"/>
+            </a:p>
+          </p:txBody>
+        </p:sp>
+      </p:grpSp>
+      <p:grpSp>
+        <p:nvGrpSpPr>
+          <p:cNvPr id="91" name="Gruppieren 90">
+            <a:extLst>
+              <a:ext uri="{FF2B5EF4-FFF2-40B4-BE49-F238E27FC236}">
+                <a16:creationId xmlns:a16="http://schemas.microsoft.com/office/drawing/2014/main" id="{F789EBF4-2044-4353-94CF-2F8B7DCD1F93}"/>
+              </a:ext>
+            </a:extLst>
+          </p:cNvPr>
+          <p:cNvGrpSpPr/>
+          <p:nvPr/>
+        </p:nvGrpSpPr>
+        <p:grpSpPr>
+          <a:xfrm>
+            <a:off x="3369316" y="4949708"/>
+            <a:ext cx="931229" cy="512444"/>
+            <a:chOff x="5630385" y="1325563"/>
+            <a:chExt cx="931229" cy="512444"/>
+          </a:xfrm>
+        </p:grpSpPr>
+        <p:sp>
+          <p:nvSpPr>
+            <p:cNvPr id="92" name="Textfeld 91">
+              <a:extLst>
+                <a:ext uri="{FF2B5EF4-FFF2-40B4-BE49-F238E27FC236}">
+                  <a16:creationId xmlns:a16="http://schemas.microsoft.com/office/drawing/2014/main" id="{9BCD5488-3DC6-49CE-A191-49F57BF5F6BE}"/>
+                </a:ext>
+              </a:extLst>
+            </p:cNvPr>
+            <p:cNvSpPr txBox="1"/>
+            <p:nvPr/>
+          </p:nvSpPr>
+          <p:spPr>
+            <a:xfrm>
+              <a:off x="5731990" y="1391675"/>
+              <a:ext cx="728019" cy="338554"/>
+            </a:xfrm>
+            <a:prstGeom prst="rect">
+              <a:avLst/>
+            </a:prstGeom>
+            <a:noFill/>
+          </p:spPr>
+          <p:txBody>
+            <a:bodyPr wrap="square" rtlCol="0">
+              <a:spAutoFit/>
+            </a:bodyPr>
+            <a:lstStyle/>
+            <a:p>
+              <a:r>
+                <a:rPr lang="es-ES" sz="1600" dirty="0"/>
+                <a:t>Mag:7</a:t>
+              </a:r>
+            </a:p>
+          </p:txBody>
+        </p:sp>
+        <p:sp>
+          <p:nvSpPr>
+            <p:cNvPr id="93" name="Rechteck: abgerundete Ecken 92">
+              <a:extLst>
+                <a:ext uri="{FF2B5EF4-FFF2-40B4-BE49-F238E27FC236}">
+                  <a16:creationId xmlns:a16="http://schemas.microsoft.com/office/drawing/2014/main" id="{953C37D1-E2C6-4333-9378-6652DD8F2415}"/>
+                </a:ext>
+              </a:extLst>
+            </p:cNvPr>
+            <p:cNvSpPr/>
+            <p:nvPr/>
+          </p:nvSpPr>
+          <p:spPr>
+            <a:xfrm>
+              <a:off x="5630385" y="1325563"/>
+              <a:ext cx="931229" cy="512444"/>
+            </a:xfrm>
+            <a:prstGeom prst="roundRect">
+              <a:avLst/>
+            </a:prstGeom>
+            <a:noFill/>
+            <a:ln>
+              <a:solidFill>
+                <a:schemeClr val="accent4">
+                  <a:lumMod val="50000"/>
+                </a:schemeClr>
+              </a:solidFill>
+            </a:ln>
+          </p:spPr>
+          <p:style>
+            <a:lnRef idx="2">
+              <a:schemeClr val="accent1">
+                <a:shade val="50000"/>
+              </a:schemeClr>
+            </a:lnRef>
+            <a:fillRef idx="1">
+              <a:schemeClr val="accent1"/>
+            </a:fillRef>
+            <a:effectRef idx="0">
+              <a:schemeClr val="accent1"/>
+            </a:effectRef>
+            <a:fontRef idx="minor">
+              <a:schemeClr val="lt1"/>
+            </a:fontRef>
+          </p:style>
+          <p:txBody>
+            <a:bodyPr rtlCol="0" anchor="ctr"/>
+            <a:lstStyle/>
+            <a:p>
+              <a:pPr algn="ctr"/>
+              <a:endParaRPr lang="es-ES"/>
+            </a:p>
+          </p:txBody>
+        </p:sp>
+      </p:grpSp>
+      <p:grpSp>
+        <p:nvGrpSpPr>
+          <p:cNvPr id="94" name="Gruppieren 93">
+            <a:extLst>
+              <a:ext uri="{FF2B5EF4-FFF2-40B4-BE49-F238E27FC236}">
+                <a16:creationId xmlns:a16="http://schemas.microsoft.com/office/drawing/2014/main" id="{5092A157-DBD5-4A82-BC84-23D81A4E4889}"/>
+              </a:ext>
+            </a:extLst>
+          </p:cNvPr>
+          <p:cNvGrpSpPr/>
+          <p:nvPr/>
+        </p:nvGrpSpPr>
+        <p:grpSpPr>
+          <a:xfrm>
+            <a:off x="3369316" y="4234037"/>
+            <a:ext cx="931229" cy="512444"/>
+            <a:chOff x="5630385" y="1325563"/>
+            <a:chExt cx="931229" cy="512444"/>
+          </a:xfrm>
+        </p:grpSpPr>
+        <p:sp>
+          <p:nvSpPr>
+            <p:cNvPr id="95" name="Textfeld 94">
+              <a:extLst>
+                <a:ext uri="{FF2B5EF4-FFF2-40B4-BE49-F238E27FC236}">
+                  <a16:creationId xmlns:a16="http://schemas.microsoft.com/office/drawing/2014/main" id="{44C96452-5B9D-46F6-9D09-896378318BAC}"/>
+                </a:ext>
+              </a:extLst>
+            </p:cNvPr>
+            <p:cNvSpPr txBox="1"/>
+            <p:nvPr/>
+          </p:nvSpPr>
+          <p:spPr>
+            <a:xfrm>
+              <a:off x="5731990" y="1391675"/>
+              <a:ext cx="728019" cy="338554"/>
+            </a:xfrm>
+            <a:prstGeom prst="rect">
+              <a:avLst/>
+            </a:prstGeom>
+            <a:noFill/>
+          </p:spPr>
+          <p:txBody>
+            <a:bodyPr wrap="square" rtlCol="0">
+              <a:spAutoFit/>
+            </a:bodyPr>
+            <a:lstStyle/>
+            <a:p>
+              <a:r>
+                <a:rPr lang="es-ES" sz="1600" dirty="0"/>
+                <a:t>Mag:3</a:t>
+              </a:r>
+            </a:p>
+          </p:txBody>
+        </p:sp>
+        <p:sp>
+          <p:nvSpPr>
+            <p:cNvPr id="96" name="Rechteck: abgerundete Ecken 95">
+              <a:extLst>
+                <a:ext uri="{FF2B5EF4-FFF2-40B4-BE49-F238E27FC236}">
+                  <a16:creationId xmlns:a16="http://schemas.microsoft.com/office/drawing/2014/main" id="{84DC59F5-6265-46D5-90C5-92B4FB04B4F5}"/>
+                </a:ext>
+              </a:extLst>
+            </p:cNvPr>
+            <p:cNvSpPr/>
+            <p:nvPr/>
+          </p:nvSpPr>
+          <p:spPr>
+            <a:xfrm>
+              <a:off x="5630385" y="1325563"/>
+              <a:ext cx="931229" cy="512444"/>
+            </a:xfrm>
+            <a:prstGeom prst="roundRect">
+              <a:avLst/>
+            </a:prstGeom>
+            <a:noFill/>
+            <a:ln>
+              <a:solidFill>
+                <a:schemeClr val="accent4">
+                  <a:lumMod val="50000"/>
+                </a:schemeClr>
+              </a:solidFill>
+            </a:ln>
+          </p:spPr>
+          <p:style>
+            <a:lnRef idx="2">
+              <a:schemeClr val="accent1">
+                <a:shade val="50000"/>
+              </a:schemeClr>
+            </a:lnRef>
+            <a:fillRef idx="1">
+              <a:schemeClr val="accent1"/>
+            </a:fillRef>
+            <a:effectRef idx="0">
+              <a:schemeClr val="accent1"/>
+            </a:effectRef>
+            <a:fontRef idx="minor">
+              <a:schemeClr val="lt1"/>
+            </a:fontRef>
+          </p:style>
+          <p:txBody>
+            <a:bodyPr rtlCol="0" anchor="ctr"/>
+            <a:lstStyle/>
+            <a:p>
+              <a:pPr algn="ctr"/>
+              <a:endParaRPr lang="es-ES"/>
+            </a:p>
+          </p:txBody>
+        </p:sp>
+      </p:grpSp>
+      <p:cxnSp>
+        <p:nvCxnSpPr>
+          <p:cNvPr id="97" name="Gerade Verbindung mit Pfeil 96">
+            <a:extLst>
+              <a:ext uri="{FF2B5EF4-FFF2-40B4-BE49-F238E27FC236}">
+                <a16:creationId xmlns:a16="http://schemas.microsoft.com/office/drawing/2014/main" id="{E95D1EAD-B872-4229-A89D-F2ADC5C1A3BE}"/>
+              </a:ext>
+            </a:extLst>
+          </p:cNvPr>
+          <p:cNvCxnSpPr>
+            <a:cxnSpLocks/>
+          </p:cNvCxnSpPr>
+          <p:nvPr/>
+        </p:nvCxnSpPr>
+        <p:spPr>
+          <a:xfrm>
+            <a:off x="6086891" y="1767193"/>
+            <a:ext cx="9109" cy="265974"/>
+          </a:xfrm>
+          <a:prstGeom prst="straightConnector1">
+            <a:avLst/>
+          </a:prstGeom>
+          <a:ln>
+            <a:solidFill>
+              <a:schemeClr val="accent2">
+                <a:lumMod val="75000"/>
+              </a:schemeClr>
+            </a:solidFill>
+            <a:tailEnd type="triangle"/>
+          </a:ln>
+        </p:spPr>
+        <p:style>
+          <a:lnRef idx="1">
+            <a:schemeClr val="accent1"/>
+          </a:lnRef>
+          <a:fillRef idx="0">
+            <a:schemeClr val="accent1"/>
+          </a:fillRef>
+          <a:effectRef idx="0">
+            <a:schemeClr val="accent1"/>
+          </a:effectRef>
+          <a:fontRef idx="minor">
+            <a:schemeClr val="tx1"/>
+          </a:fontRef>
+        </p:style>
+      </p:cxnSp>
+      <p:cxnSp>
+        <p:nvCxnSpPr>
+          <p:cNvPr id="98" name="Gerade Verbindung mit Pfeil 97">
+            <a:extLst>
+              <a:ext uri="{FF2B5EF4-FFF2-40B4-BE49-F238E27FC236}">
+                <a16:creationId xmlns:a16="http://schemas.microsoft.com/office/drawing/2014/main" id="{03AAFF57-62CB-4A54-87CB-F32458DCF3F7}"/>
+              </a:ext>
+            </a:extLst>
+          </p:cNvPr>
+          <p:cNvCxnSpPr>
+            <a:cxnSpLocks/>
+          </p:cNvCxnSpPr>
+          <p:nvPr/>
+        </p:nvCxnSpPr>
+        <p:spPr>
+          <a:xfrm>
+            <a:off x="6082336" y="2440094"/>
+            <a:ext cx="9109" cy="265974"/>
+          </a:xfrm>
+          <a:prstGeom prst="straightConnector1">
+            <a:avLst/>
+          </a:prstGeom>
+          <a:ln>
+            <a:solidFill>
+              <a:schemeClr val="accent2">
+                <a:lumMod val="75000"/>
+              </a:schemeClr>
+            </a:solidFill>
+            <a:tailEnd type="triangle"/>
+          </a:ln>
+        </p:spPr>
+        <p:style>
+          <a:lnRef idx="1">
+            <a:schemeClr val="accent1"/>
+          </a:lnRef>
+          <a:fillRef idx="0">
+            <a:schemeClr val="accent1"/>
+          </a:fillRef>
+          <a:effectRef idx="0">
+            <a:schemeClr val="accent1"/>
+          </a:effectRef>
+          <a:fontRef idx="minor">
+            <a:schemeClr val="tx1"/>
+          </a:fontRef>
+        </p:style>
+      </p:cxnSp>
+      <p:cxnSp>
+        <p:nvCxnSpPr>
+          <p:cNvPr id="34" name="Verbinder: gewinkelt 33">
+            <a:extLst>
+              <a:ext uri="{FF2B5EF4-FFF2-40B4-BE49-F238E27FC236}">
+                <a16:creationId xmlns:a16="http://schemas.microsoft.com/office/drawing/2014/main" id="{ED80BFF9-2EEF-4F74-B53F-5E5E4471BFE4}"/>
+              </a:ext>
+            </a:extLst>
+          </p:cNvPr>
+          <p:cNvCxnSpPr>
+            <a:cxnSpLocks/>
+          </p:cNvCxnSpPr>
+          <p:nvPr/>
+        </p:nvCxnSpPr>
+        <p:spPr>
+          <a:xfrm rot="16200000" flipH="1">
+            <a:off x="6455319" y="2911097"/>
+            <a:ext cx="219170" cy="937807"/>
+          </a:xfrm>
+          <a:prstGeom prst="bentConnector3">
+            <a:avLst/>
+          </a:prstGeom>
+          <a:ln>
+            <a:solidFill>
+              <a:schemeClr val="accent2">
+                <a:lumMod val="75000"/>
+              </a:schemeClr>
+            </a:solidFill>
+            <a:tailEnd type="triangle"/>
+          </a:ln>
+        </p:spPr>
+        <p:style>
+          <a:lnRef idx="1">
+            <a:schemeClr val="accent1"/>
+          </a:lnRef>
+          <a:fillRef idx="0">
+            <a:schemeClr val="accent1"/>
+          </a:fillRef>
+          <a:effectRef idx="0">
+            <a:schemeClr val="accent1"/>
+          </a:effectRef>
+          <a:fontRef idx="minor">
+            <a:schemeClr val="tx1"/>
+          </a:fontRef>
+        </p:style>
+      </p:cxnSp>
+      <p:cxnSp>
+        <p:nvCxnSpPr>
+          <p:cNvPr id="36" name="Verbinder: gewinkelt 35">
+            <a:extLst>
+              <a:ext uri="{FF2B5EF4-FFF2-40B4-BE49-F238E27FC236}">
+                <a16:creationId xmlns:a16="http://schemas.microsoft.com/office/drawing/2014/main" id="{80B21A76-E1BD-4422-A1F1-F985A8190F89}"/>
+              </a:ext>
+            </a:extLst>
+          </p:cNvPr>
+          <p:cNvCxnSpPr>
+            <a:cxnSpLocks/>
+          </p:cNvCxnSpPr>
+          <p:nvPr/>
+        </p:nvCxnSpPr>
+        <p:spPr>
+          <a:xfrm rot="16200000" flipH="1">
+            <a:off x="7099612" y="2266807"/>
+            <a:ext cx="243753" cy="2250972"/>
+          </a:xfrm>
+          <a:prstGeom prst="bentConnector3">
+            <a:avLst/>
+          </a:prstGeom>
+          <a:ln>
+            <a:solidFill>
+              <a:schemeClr val="accent2">
+                <a:lumMod val="75000"/>
+              </a:schemeClr>
+            </a:solidFill>
+            <a:tailEnd type="triangle"/>
+          </a:ln>
+        </p:spPr>
+        <p:style>
+          <a:lnRef idx="1">
+            <a:schemeClr val="accent1"/>
+          </a:lnRef>
+          <a:fillRef idx="0">
+            <a:schemeClr val="accent1"/>
+          </a:fillRef>
+          <a:effectRef idx="0">
+            <a:schemeClr val="accent1"/>
+          </a:effectRef>
+          <a:fontRef idx="minor">
+            <a:schemeClr val="tx1"/>
+          </a:fontRef>
+        </p:style>
+      </p:cxnSp>
+      <p:cxnSp>
+        <p:nvCxnSpPr>
+          <p:cNvPr id="38" name="Verbinder: gewinkelt 37">
+            <a:extLst>
+              <a:ext uri="{FF2B5EF4-FFF2-40B4-BE49-F238E27FC236}">
+                <a16:creationId xmlns:a16="http://schemas.microsoft.com/office/drawing/2014/main" id="{AECC81C7-C460-4769-899E-9765691E6BA6}"/>
+              </a:ext>
+            </a:extLst>
+          </p:cNvPr>
+          <p:cNvCxnSpPr>
+            <a:cxnSpLocks/>
+          </p:cNvCxnSpPr>
+          <p:nvPr/>
+        </p:nvCxnSpPr>
+        <p:spPr>
+          <a:xfrm rot="5400000">
+            <a:off x="5795528" y="3195532"/>
+            <a:ext cx="225589" cy="375358"/>
+          </a:xfrm>
+          <a:prstGeom prst="bentConnector3">
+            <a:avLst/>
+          </a:prstGeom>
+          <a:ln>
+            <a:solidFill>
+              <a:schemeClr val="accent2">
+                <a:lumMod val="75000"/>
+              </a:schemeClr>
+            </a:solidFill>
+            <a:tailEnd type="triangle"/>
+          </a:ln>
+        </p:spPr>
+        <p:style>
+          <a:lnRef idx="1">
+            <a:schemeClr val="accent1"/>
+          </a:lnRef>
+          <a:fillRef idx="0">
+            <a:schemeClr val="accent1"/>
+          </a:fillRef>
+          <a:effectRef idx="0">
+            <a:schemeClr val="accent1"/>
+          </a:effectRef>
+          <a:fontRef idx="minor">
+            <a:schemeClr val="tx1"/>
+          </a:fontRef>
+        </p:style>
+      </p:cxnSp>
+      <p:cxnSp>
+        <p:nvCxnSpPr>
+          <p:cNvPr id="40" name="Verbinder: gewinkelt 39">
+            <a:extLst>
+              <a:ext uri="{FF2B5EF4-FFF2-40B4-BE49-F238E27FC236}">
+                <a16:creationId xmlns:a16="http://schemas.microsoft.com/office/drawing/2014/main" id="{E7498CCE-4246-4E9D-B1CB-02BFFC9DD2C7}"/>
+              </a:ext>
+            </a:extLst>
+          </p:cNvPr>
+          <p:cNvCxnSpPr>
+            <a:cxnSpLocks/>
+          </p:cNvCxnSpPr>
+          <p:nvPr/>
+        </p:nvCxnSpPr>
+        <p:spPr>
+          <a:xfrm rot="5400000">
+            <a:off x="5127766" y="2550131"/>
+            <a:ext cx="247951" cy="1688523"/>
+          </a:xfrm>
+          <a:prstGeom prst="bentConnector3">
+            <a:avLst/>
+          </a:prstGeom>
+          <a:ln>
+            <a:solidFill>
+              <a:schemeClr val="accent2">
+                <a:lumMod val="75000"/>
+              </a:schemeClr>
+            </a:solidFill>
+            <a:tailEnd type="triangle"/>
+          </a:ln>
+        </p:spPr>
+        <p:style>
+          <a:lnRef idx="1">
+            <a:schemeClr val="accent1"/>
+          </a:lnRef>
+          <a:fillRef idx="0">
+            <a:schemeClr val="accent1"/>
+          </a:fillRef>
+          <a:effectRef idx="0">
+            <a:schemeClr val="accent1"/>
+          </a:effectRef>
+          <a:fontRef idx="minor">
+            <a:schemeClr val="tx1"/>
+          </a:fontRef>
+        </p:style>
+      </p:cxnSp>
+      <p:cxnSp>
+        <p:nvCxnSpPr>
+          <p:cNvPr id="42" name="Verbinder: gewinkelt 41">
+            <a:extLst>
+              <a:ext uri="{FF2B5EF4-FFF2-40B4-BE49-F238E27FC236}">
+                <a16:creationId xmlns:a16="http://schemas.microsoft.com/office/drawing/2014/main" id="{4A6BAB85-4C1C-4418-A79E-25E06F2F977D}"/>
+              </a:ext>
+            </a:extLst>
+          </p:cNvPr>
+          <p:cNvCxnSpPr>
+            <a:cxnSpLocks/>
+          </p:cNvCxnSpPr>
+          <p:nvPr/>
+        </p:nvCxnSpPr>
+        <p:spPr>
+          <a:xfrm rot="5400000">
+            <a:off x="5338013" y="3851408"/>
+            <a:ext cx="225589" cy="539670"/>
+          </a:xfrm>
+          <a:prstGeom prst="bentConnector3">
+            <a:avLst/>
+          </a:prstGeom>
+          <a:ln>
+            <a:solidFill>
+              <a:schemeClr val="accent2">
+                <a:lumMod val="75000"/>
+              </a:schemeClr>
+            </a:solidFill>
+            <a:tailEnd type="triangle"/>
+          </a:ln>
+        </p:spPr>
+        <p:style>
+          <a:lnRef idx="1">
+            <a:schemeClr val="accent1"/>
+          </a:lnRef>
+          <a:fillRef idx="0">
+            <a:schemeClr val="accent1"/>
+          </a:fillRef>
+          <a:effectRef idx="0">
+            <a:schemeClr val="accent1"/>
+          </a:effectRef>
+          <a:fontRef idx="minor">
+            <a:schemeClr val="tx1"/>
+          </a:fontRef>
+        </p:style>
+      </p:cxnSp>
+      <p:cxnSp>
+        <p:nvCxnSpPr>
+          <p:cNvPr id="44" name="Verbinder: gewinkelt 43">
+            <a:extLst>
+              <a:ext uri="{FF2B5EF4-FFF2-40B4-BE49-F238E27FC236}">
+                <a16:creationId xmlns:a16="http://schemas.microsoft.com/office/drawing/2014/main" id="{FE607790-09B0-477C-A0C5-07D2970B8AC8}"/>
+              </a:ext>
+            </a:extLst>
+          </p:cNvPr>
+          <p:cNvCxnSpPr>
+            <a:stCxn id="75" idx="2"/>
+            <a:endCxn id="87" idx="0"/>
+          </p:cNvCxnSpPr>
+          <p:nvPr/>
+        </p:nvCxnSpPr>
+        <p:spPr>
+          <a:xfrm rot="16200000" flipH="1">
+            <a:off x="5959641" y="3769448"/>
+            <a:ext cx="212751" cy="690749"/>
+          </a:xfrm>
+          <a:prstGeom prst="bentConnector3">
+            <a:avLst/>
+          </a:prstGeom>
+          <a:ln>
+            <a:solidFill>
+              <a:schemeClr val="accent2">
+                <a:lumMod val="75000"/>
+              </a:schemeClr>
+            </a:solidFill>
+            <a:tailEnd type="triangle"/>
+          </a:ln>
+        </p:spPr>
+        <p:style>
+          <a:lnRef idx="1">
+            <a:schemeClr val="accent1"/>
+          </a:lnRef>
+          <a:fillRef idx="0">
+            <a:schemeClr val="accent1"/>
+          </a:fillRef>
+          <a:effectRef idx="0">
+            <a:schemeClr val="accent1"/>
+          </a:effectRef>
+          <a:fontRef idx="minor">
+            <a:schemeClr val="tx1"/>
+          </a:fontRef>
+        </p:style>
+      </p:cxnSp>
+      <p:cxnSp>
+        <p:nvCxnSpPr>
+          <p:cNvPr id="46" name="Verbinder: gewinkelt 45">
+            <a:extLst>
+              <a:ext uri="{FF2B5EF4-FFF2-40B4-BE49-F238E27FC236}">
+                <a16:creationId xmlns:a16="http://schemas.microsoft.com/office/drawing/2014/main" id="{970AD023-C987-4C9F-9E49-80839D0BFFB9}"/>
+              </a:ext>
+            </a:extLst>
+          </p:cNvPr>
+          <p:cNvCxnSpPr>
+            <a:stCxn id="70" idx="2"/>
+            <a:endCxn id="96" idx="0"/>
+          </p:cNvCxnSpPr>
+          <p:nvPr/>
+        </p:nvCxnSpPr>
+        <p:spPr>
+          <a:xfrm rot="5400000">
+            <a:off x="4019591" y="3846150"/>
+            <a:ext cx="203227" cy="572546"/>
+          </a:xfrm>
+          <a:prstGeom prst="bentConnector3">
+            <a:avLst/>
+          </a:prstGeom>
+          <a:ln>
+            <a:solidFill>
+              <a:schemeClr val="accent2">
+                <a:lumMod val="75000"/>
+              </a:schemeClr>
+            </a:solidFill>
+            <a:tailEnd type="triangle"/>
+          </a:ln>
+        </p:spPr>
+        <p:style>
+          <a:lnRef idx="1">
+            <a:schemeClr val="accent1"/>
+          </a:lnRef>
+          <a:fillRef idx="0">
+            <a:schemeClr val="accent1"/>
+          </a:fillRef>
+          <a:effectRef idx="0">
+            <a:schemeClr val="accent1"/>
+          </a:effectRef>
+          <a:fontRef idx="minor">
+            <a:schemeClr val="tx1"/>
+          </a:fontRef>
+        </p:style>
+      </p:cxnSp>
+      <p:cxnSp>
+        <p:nvCxnSpPr>
+          <p:cNvPr id="104" name="Gerade Verbindung mit Pfeil 103">
+            <a:extLst>
+              <a:ext uri="{FF2B5EF4-FFF2-40B4-BE49-F238E27FC236}">
+                <a16:creationId xmlns:a16="http://schemas.microsoft.com/office/drawing/2014/main" id="{9DB21A5D-E047-4C75-A04B-1BA2B298B2D4}"/>
+              </a:ext>
+            </a:extLst>
+          </p:cNvPr>
+          <p:cNvCxnSpPr>
+            <a:cxnSpLocks/>
+          </p:cNvCxnSpPr>
+          <p:nvPr/>
+        </p:nvCxnSpPr>
+        <p:spPr>
+          <a:xfrm>
+            <a:off x="3825821" y="4675526"/>
+            <a:ext cx="9109" cy="265974"/>
+          </a:xfrm>
+          <a:prstGeom prst="straightConnector1">
+            <a:avLst/>
+          </a:prstGeom>
+          <a:ln>
+            <a:solidFill>
+              <a:schemeClr val="accent2">
+                <a:lumMod val="75000"/>
+              </a:schemeClr>
+            </a:solidFill>
+            <a:tailEnd type="triangle"/>
+          </a:ln>
+        </p:spPr>
+        <p:style>
+          <a:lnRef idx="1">
+            <a:schemeClr val="accent1"/>
+          </a:lnRef>
+          <a:fillRef idx="0">
+            <a:schemeClr val="accent1"/>
+          </a:fillRef>
+          <a:effectRef idx="0">
+            <a:schemeClr val="accent1"/>
+          </a:effectRef>
+          <a:fontRef idx="minor">
+            <a:schemeClr val="tx1"/>
+          </a:fontRef>
+        </p:style>
+      </p:cxnSp>
+      <p:cxnSp>
+        <p:nvCxnSpPr>
+          <p:cNvPr id="105" name="Gerade Verbindung mit Pfeil 104">
+            <a:extLst>
+              <a:ext uri="{FF2B5EF4-FFF2-40B4-BE49-F238E27FC236}">
+                <a16:creationId xmlns:a16="http://schemas.microsoft.com/office/drawing/2014/main" id="{872F2C1A-2995-4561-84AD-19EA6255C105}"/>
+              </a:ext>
+            </a:extLst>
+          </p:cNvPr>
+          <p:cNvCxnSpPr>
+            <a:cxnSpLocks/>
+          </p:cNvCxnSpPr>
+          <p:nvPr/>
+        </p:nvCxnSpPr>
+        <p:spPr>
+          <a:xfrm>
+            <a:off x="3816712" y="5354230"/>
+            <a:ext cx="9109" cy="265974"/>
+          </a:xfrm>
+          <a:prstGeom prst="straightConnector1">
+            <a:avLst/>
+          </a:prstGeom>
+          <a:ln>
+            <a:solidFill>
+              <a:schemeClr val="accent2">
+                <a:lumMod val="75000"/>
+              </a:schemeClr>
+            </a:solidFill>
+            <a:tailEnd type="triangle"/>
+          </a:ln>
+        </p:spPr>
+        <p:style>
+          <a:lnRef idx="1">
+            <a:schemeClr val="accent1"/>
+          </a:lnRef>
+          <a:fillRef idx="0">
+            <a:schemeClr val="accent1"/>
+          </a:fillRef>
+          <a:effectRef idx="0">
+            <a:schemeClr val="accent1"/>
+          </a:effectRef>
+          <a:fontRef idx="minor">
+            <a:schemeClr val="tx1"/>
+          </a:fontRef>
+        </p:style>
+      </p:cxnSp>
+      <p:grpSp>
+        <p:nvGrpSpPr>
+          <p:cNvPr id="106" name="Gruppieren 105">
+            <a:extLst>
+              <a:ext uri="{FF2B5EF4-FFF2-40B4-BE49-F238E27FC236}">
+                <a16:creationId xmlns:a16="http://schemas.microsoft.com/office/drawing/2014/main" id="{15CBCD82-181E-4AC9-A1C7-2C6C449DA890}"/>
+              </a:ext>
+            </a:extLst>
+          </p:cNvPr>
+          <p:cNvGrpSpPr/>
+          <p:nvPr/>
+        </p:nvGrpSpPr>
+        <p:grpSpPr>
+          <a:xfrm>
+            <a:off x="2894592" y="1520723"/>
+            <a:ext cx="931229" cy="512444"/>
+            <a:chOff x="5630385" y="1325563"/>
+            <a:chExt cx="931229" cy="512444"/>
+          </a:xfrm>
+        </p:grpSpPr>
+        <p:sp>
+          <p:nvSpPr>
+            <p:cNvPr id="107" name="Textfeld 106">
+              <a:extLst>
+                <a:ext uri="{FF2B5EF4-FFF2-40B4-BE49-F238E27FC236}">
+                  <a16:creationId xmlns:a16="http://schemas.microsoft.com/office/drawing/2014/main" id="{F51BF73A-226A-4B96-9DAF-4107891E6EEA}"/>
+                </a:ext>
+              </a:extLst>
+            </p:cNvPr>
+            <p:cNvSpPr txBox="1"/>
+            <p:nvPr/>
+          </p:nvSpPr>
+          <p:spPr>
+            <a:xfrm>
+              <a:off x="5731990" y="1391675"/>
+              <a:ext cx="728019" cy="338554"/>
+            </a:xfrm>
+            <a:prstGeom prst="rect">
+              <a:avLst/>
+            </a:prstGeom>
+            <a:noFill/>
+          </p:spPr>
+          <p:txBody>
+            <a:bodyPr wrap="square" rtlCol="0">
+              <a:spAutoFit/>
+            </a:bodyPr>
+            <a:lstStyle/>
+            <a:p>
+              <a:r>
+                <a:rPr lang="es-ES" sz="1600" dirty="0"/>
+                <a:t>Mag:7</a:t>
+              </a:r>
+            </a:p>
+          </p:txBody>
+        </p:sp>
+        <p:sp>
+          <p:nvSpPr>
+            <p:cNvPr id="108" name="Rechteck: abgerundete Ecken 107">
+              <a:extLst>
+                <a:ext uri="{FF2B5EF4-FFF2-40B4-BE49-F238E27FC236}">
+                  <a16:creationId xmlns:a16="http://schemas.microsoft.com/office/drawing/2014/main" id="{0D2B9113-803F-44D0-ACE9-0580380B4D9B}"/>
+                </a:ext>
+              </a:extLst>
+            </p:cNvPr>
+            <p:cNvSpPr/>
+            <p:nvPr/>
+          </p:nvSpPr>
+          <p:spPr>
+            <a:xfrm>
+              <a:off x="5630385" y="1325563"/>
+              <a:ext cx="931229" cy="512444"/>
+            </a:xfrm>
+            <a:prstGeom prst="roundRect">
+              <a:avLst/>
+            </a:prstGeom>
+            <a:noFill/>
+            <a:ln>
+              <a:solidFill>
+                <a:schemeClr val="accent6">
+                  <a:lumMod val="75000"/>
+                </a:schemeClr>
+              </a:solidFill>
+            </a:ln>
+          </p:spPr>
+          <p:style>
+            <a:lnRef idx="2">
+              <a:schemeClr val="accent1">
+                <a:shade val="50000"/>
+              </a:schemeClr>
+            </a:lnRef>
+            <a:fillRef idx="1">
+              <a:schemeClr val="accent1"/>
+            </a:fillRef>
+            <a:effectRef idx="0">
+              <a:schemeClr val="accent1"/>
+            </a:effectRef>
+            <a:fontRef idx="minor">
+              <a:schemeClr val="lt1"/>
+            </a:fontRef>
+          </p:style>
+          <p:txBody>
+            <a:bodyPr rtlCol="0" anchor="ctr"/>
+            <a:lstStyle/>
+            <a:p>
+              <a:pPr algn="ctr"/>
+              <a:endParaRPr lang="es-ES"/>
+            </a:p>
+          </p:txBody>
+        </p:sp>
+      </p:grpSp>
+      <p:grpSp>
+        <p:nvGrpSpPr>
+          <p:cNvPr id="112" name="Gruppieren 111">
+            <a:extLst>
+              <a:ext uri="{FF2B5EF4-FFF2-40B4-BE49-F238E27FC236}">
+                <a16:creationId xmlns:a16="http://schemas.microsoft.com/office/drawing/2014/main" id="{EA22A653-0A2B-4A9D-A5FF-E2AE28F06086}"/>
+              </a:ext>
+            </a:extLst>
+          </p:cNvPr>
+          <p:cNvGrpSpPr/>
+          <p:nvPr/>
+        </p:nvGrpSpPr>
+        <p:grpSpPr>
+          <a:xfrm>
+            <a:off x="1598797" y="1538906"/>
+            <a:ext cx="931229" cy="512444"/>
+            <a:chOff x="5630385" y="1325563"/>
+            <a:chExt cx="931229" cy="512444"/>
+          </a:xfrm>
+        </p:grpSpPr>
+        <p:sp>
+          <p:nvSpPr>
+            <p:cNvPr id="113" name="Textfeld 112">
+              <a:extLst>
+                <a:ext uri="{FF2B5EF4-FFF2-40B4-BE49-F238E27FC236}">
+                  <a16:creationId xmlns:a16="http://schemas.microsoft.com/office/drawing/2014/main" id="{02098043-D8EC-44D2-B880-8D76008C2BC9}"/>
+                </a:ext>
+              </a:extLst>
+            </p:cNvPr>
+            <p:cNvSpPr txBox="1"/>
+            <p:nvPr/>
+          </p:nvSpPr>
+          <p:spPr>
+            <a:xfrm>
+              <a:off x="5731990" y="1391675"/>
+              <a:ext cx="728019" cy="338554"/>
+            </a:xfrm>
+            <a:prstGeom prst="rect">
+              <a:avLst/>
+            </a:prstGeom>
+            <a:noFill/>
+          </p:spPr>
+          <p:txBody>
+            <a:bodyPr wrap="square" rtlCol="0">
+              <a:spAutoFit/>
+            </a:bodyPr>
+            <a:lstStyle/>
+            <a:p>
+              <a:r>
+                <a:rPr lang="es-ES" sz="1600" dirty="0"/>
+                <a:t>Mag:5</a:t>
+              </a:r>
+            </a:p>
+          </p:txBody>
+        </p:sp>
+        <p:sp>
+          <p:nvSpPr>
+            <p:cNvPr id="114" name="Rechteck: abgerundete Ecken 113">
+              <a:extLst>
+                <a:ext uri="{FF2B5EF4-FFF2-40B4-BE49-F238E27FC236}">
+                  <a16:creationId xmlns:a16="http://schemas.microsoft.com/office/drawing/2014/main" id="{27DE390A-8314-4C45-9E93-6C2273C97DEB}"/>
+                </a:ext>
+              </a:extLst>
+            </p:cNvPr>
+            <p:cNvSpPr/>
+            <p:nvPr/>
+          </p:nvSpPr>
+          <p:spPr>
+            <a:xfrm>
+              <a:off x="5630385" y="1325563"/>
+              <a:ext cx="931229" cy="512444"/>
+            </a:xfrm>
+            <a:prstGeom prst="roundRect">
+              <a:avLst/>
+            </a:prstGeom>
+            <a:noFill/>
+            <a:ln>
+              <a:solidFill>
+                <a:schemeClr val="accent6">
+                  <a:lumMod val="75000"/>
+                </a:schemeClr>
+              </a:solidFill>
+            </a:ln>
+          </p:spPr>
+          <p:style>
+            <a:lnRef idx="2">
+              <a:schemeClr val="accent1">
+                <a:shade val="50000"/>
+              </a:schemeClr>
+            </a:lnRef>
+            <a:fillRef idx="1">
+              <a:schemeClr val="accent1"/>
+            </a:fillRef>
+            <a:effectRef idx="0">
+              <a:schemeClr val="accent1"/>
+            </a:effectRef>
+            <a:fontRef idx="minor">
+              <a:schemeClr val="lt1"/>
+            </a:fontRef>
+          </p:style>
+          <p:txBody>
+            <a:bodyPr rtlCol="0" anchor="ctr"/>
+            <a:lstStyle/>
+            <a:p>
+              <a:pPr algn="ctr"/>
+              <a:endParaRPr lang="es-ES"/>
+            </a:p>
+          </p:txBody>
+        </p:sp>
+      </p:grpSp>
+      <p:sp>
+        <p:nvSpPr>
+          <p:cNvPr id="47" name="Ellipse 46">
+            <a:extLst>
+              <a:ext uri="{FF2B5EF4-FFF2-40B4-BE49-F238E27FC236}">
+                <a16:creationId xmlns:a16="http://schemas.microsoft.com/office/drawing/2014/main" id="{CD1B768C-0727-4B11-81AC-938F7FB3FA40}"/>
+              </a:ext>
+            </a:extLst>
+          </p:cNvPr>
+          <p:cNvSpPr/>
+          <p:nvPr/>
+        </p:nvSpPr>
+        <p:spPr>
+          <a:xfrm>
+            <a:off x="3120234" y="4083115"/>
+            <a:ext cx="1411174" cy="2223926"/>
+          </a:xfrm>
+          <a:prstGeom prst="ellipse">
+            <a:avLst/>
+          </a:prstGeom>
+          <a:solidFill>
+            <a:schemeClr val="tx2">
+              <a:lumMod val="40000"/>
+              <a:lumOff val="60000"/>
+              <a:alpha val="60000"/>
+            </a:schemeClr>
+          </a:solidFill>
+        </p:spPr>
+        <p:style>
+          <a:lnRef idx="2">
+            <a:schemeClr val="accent1">
+              <a:shade val="50000"/>
+            </a:schemeClr>
+          </a:lnRef>
+          <a:fillRef idx="1">
+            <a:schemeClr val="accent1"/>
+          </a:fillRef>
+          <a:effectRef idx="0">
+            <a:schemeClr val="accent1"/>
+          </a:effectRef>
+          <a:fontRef idx="minor">
+            <a:schemeClr val="lt1"/>
+          </a:fontRef>
+        </p:style>
+        <p:txBody>
+          <a:bodyPr rtlCol="0" anchor="ctr"/>
+          <a:lstStyle/>
+          <a:p>
+            <a:pPr algn="ctr"/>
+            <a:endParaRPr lang="es-ES"/>
+          </a:p>
+        </p:txBody>
+      </p:sp>
+    </p:spTree>
+    <p:extLst>
+      <p:ext uri="{BB962C8B-B14F-4D97-AF65-F5344CB8AC3E}">
+        <p14:creationId xmlns:p14="http://schemas.microsoft.com/office/powerpoint/2010/main" val="1216470610"/>
+      </p:ext>
+    </p:extLst>
+  </p:cSld>
+  <p:clrMapOvr>
+    <a:masterClrMapping/>
+  </p:clrMapOvr>
+</p:sld>
+</file>
+
+<file path=ppt/slides/slide7.xml><?xml version="1.0" encoding="utf-8"?>
+<p:sld xmlns:a="http://schemas.openxmlformats.org/drawingml/2006/main" xmlns:r="http://schemas.openxmlformats.org/officeDocument/2006/relationships" xmlns:p="http://schemas.openxmlformats.org/presentationml/2006/main">
+  <p:cSld>
+    <p:spTree>
+      <p:nvGrpSpPr>
+        <p:cNvPr id="1" name=""/>
+        <p:cNvGrpSpPr/>
+        <p:nvPr/>
+      </p:nvGrpSpPr>
+      <p:grpSpPr>
+        <a:xfrm>
+          <a:off x="0" y="0"/>
+          <a:ext cx="0" cy="0"/>
+          <a:chOff x="0" y="0"/>
+          <a:chExt cx="0" cy="0"/>
+        </a:xfrm>
+      </p:grpSpPr>
+      <mc:AlternateContent xmlns:mc="http://schemas.openxmlformats.org/markup-compatibility/2006">
+        <mc:Choice xmlns:a14="http://schemas.microsoft.com/office/drawing/2010/main" Requires="a14">
+          <p:sp>
+            <p:nvSpPr>
+              <p:cNvPr id="3" name="Inhaltsplatzhalter 2">
+                <a:extLst>
+                  <a:ext uri="{FF2B5EF4-FFF2-40B4-BE49-F238E27FC236}">
+                    <a16:creationId xmlns:a16="http://schemas.microsoft.com/office/drawing/2014/main" id="{EF2F12AA-717C-400F-AC63-EA5D78A3C047}"/>
+                  </a:ext>
+                </a:extLst>
+              </p:cNvPr>
+              <p:cNvSpPr>
+                <a:spLocks noGrp="1"/>
+              </p:cNvSpPr>
+              <p:nvPr>
+                <p:ph idx="1"/>
+              </p:nvPr>
+            </p:nvSpPr>
+            <p:spPr>
+              <a:xfrm>
+                <a:off x="500363" y="1405731"/>
+                <a:ext cx="11065988" cy="4478966"/>
+              </a:xfrm>
+            </p:spPr>
+            <p:txBody>
+              <a:bodyPr>
+                <a:normAutofit/>
+              </a:bodyPr>
+              <a:lstStyle/>
+              <a:p>
+                <a:pPr marL="0" indent="0">
+                  <a:buNone/>
+                </a:pPr>
+                <a:r>
+                  <a:rPr lang="de-DE" sz="2000" u="sng" dirty="0"/>
+                  <a:t>Erklärung der relevantesten Variablen des Datensatzes: </a:t>
+                </a:r>
+              </a:p>
+              <a:p>
+                <a:r>
+                  <a:rPr lang="de-DE" sz="2000" b="1" dirty="0" err="1"/>
+                  <a:t>eventID</a:t>
+                </a:r>
+                <a:r>
+                  <a:rPr lang="de-DE" sz="2000" dirty="0"/>
+                  <a:t>: Zugeordnete Nummer </a:t>
+                </a:r>
+                <a14:m>
+                  <m:oMath xmlns:m="http://schemas.openxmlformats.org/officeDocument/2006/math">
+                    <m:r>
+                      <a:rPr lang="de-DE" sz="2000" i="1" smtClean="0">
+                        <a:latin typeface="Cambria Math" panose="02040503050406030204" pitchFamily="18" charset="0"/>
+                        <a:ea typeface="Cambria Math" panose="02040503050406030204" pitchFamily="18" charset="0"/>
+                      </a:rPr>
+                      <m:t>∈</m:t>
+                    </m:r>
+                  </m:oMath>
+                </a14:m>
+                <a:r>
+                  <a:rPr lang="de-DE" sz="2000" dirty="0"/>
+                  <a:t> [1 – 16687]</a:t>
+                </a:r>
+              </a:p>
+              <a:p>
+                <a:r>
+                  <a:rPr lang="de-DE" sz="2000" b="1" dirty="0"/>
+                  <a:t>t</a:t>
+                </a:r>
+                <a:r>
+                  <a:rPr lang="de-DE" sz="2000" dirty="0"/>
+                  <a:t>: Tagesabstände zum ersten Erdbeben des Datensatzes [0 – 6165]</a:t>
+                </a:r>
+              </a:p>
+              <a:p>
+                <a:r>
+                  <a:rPr lang="de-DE" sz="2000" b="1" dirty="0"/>
+                  <a:t>mag</a:t>
+                </a:r>
+                <a:r>
+                  <a:rPr lang="de-DE" sz="2000" dirty="0"/>
+                  <a:t>: Magnitude eines Erdbebens </a:t>
+                </a:r>
+                <a14:m>
+                  <m:oMath xmlns:m="http://schemas.openxmlformats.org/officeDocument/2006/math">
+                    <m:r>
+                      <a:rPr lang="de-DE" sz="2000" i="1" smtClean="0">
+                        <a:latin typeface="Cambria Math" panose="02040503050406030204" pitchFamily="18" charset="0"/>
+                        <a:ea typeface="Cambria Math" panose="02040503050406030204" pitchFamily="18" charset="0"/>
+                      </a:rPr>
+                      <m:t>∈</m:t>
+                    </m:r>
+                  </m:oMath>
+                </a14:m>
+                <a:r>
+                  <a:rPr lang="de-DE" sz="2000" dirty="0"/>
+                  <a:t> [4.0 ; 8.7]</a:t>
+                </a:r>
+              </a:p>
+              <a:p>
+                <a:r>
+                  <a:rPr lang="de-DE" sz="2000" b="1" dirty="0" err="1"/>
+                  <a:t>isBlind</a:t>
+                </a:r>
+                <a:r>
+                  <a:rPr lang="de-DE" sz="2000" dirty="0"/>
+                  <a:t>: Erdbeben, die während der Shortterm-</a:t>
+                </a:r>
+                <a:r>
+                  <a:rPr lang="de-DE" sz="2000" dirty="0" err="1"/>
+                  <a:t>incompleteness</a:t>
+                </a:r>
+                <a:r>
+                  <a:rPr lang="de-DE" sz="2000" dirty="0"/>
+                  <a:t> aufgetreten sind </a:t>
+                </a:r>
+                <a14:m>
+                  <m:oMath xmlns:m="http://schemas.openxmlformats.org/officeDocument/2006/math">
+                    <m:r>
+                      <a:rPr lang="de-DE" sz="2000" i="1" smtClean="0">
+                        <a:latin typeface="Cambria Math" panose="02040503050406030204" pitchFamily="18" charset="0"/>
+                        <a:ea typeface="Cambria Math" panose="02040503050406030204" pitchFamily="18" charset="0"/>
+                      </a:rPr>
+                      <m:t>∈</m:t>
+                    </m:r>
+                    <m:r>
+                      <a:rPr lang="de-DE" sz="2000" b="0" i="1" smtClean="0">
+                        <a:latin typeface="Cambria Math" panose="02040503050406030204" pitchFamily="18" charset="0"/>
+                        <a:ea typeface="Cambria Math" panose="02040503050406030204" pitchFamily="18" charset="0"/>
+                      </a:rPr>
+                      <m:t> </m:t>
+                    </m:r>
+                  </m:oMath>
+                </a14:m>
+                <a:r>
+                  <a:rPr lang="de-DE" sz="2000" dirty="0"/>
+                  <a:t>[TRUE ; FALSE]</a:t>
+                </a:r>
+              </a:p>
+              <a:p>
+                <a:r>
+                  <a:rPr lang="de-DE" sz="2000" b="1" dirty="0"/>
+                  <a:t>distanceMeasure</a:t>
+                </a:r>
+                <a:r>
+                  <a:rPr lang="de-DE" sz="2000" dirty="0"/>
+                  <a:t>: Wahrscheinlichkeit ob Erdbeben getriggert wurde </a:t>
+                </a:r>
+                <a14:m>
+                  <m:oMath xmlns:m="http://schemas.openxmlformats.org/officeDocument/2006/math">
+                    <m:r>
+                      <a:rPr lang="de-DE" sz="2000" i="1" smtClean="0">
+                        <a:latin typeface="Cambria Math" panose="02040503050406030204" pitchFamily="18" charset="0"/>
+                        <a:ea typeface="Cambria Math" panose="02040503050406030204" pitchFamily="18" charset="0"/>
+                      </a:rPr>
+                      <m:t>∈</m:t>
+                    </m:r>
+                    <m:r>
+                      <a:rPr lang="de-DE" sz="2000" b="0" i="1" smtClean="0">
+                        <a:latin typeface="Cambria Math" panose="02040503050406030204" pitchFamily="18" charset="0"/>
+                        <a:ea typeface="Cambria Math" panose="02040503050406030204" pitchFamily="18" charset="0"/>
+                      </a:rPr>
+                      <m:t> </m:t>
+                    </m:r>
+                  </m:oMath>
+                </a14:m>
+                <a:r>
+                  <a:rPr lang="de-DE" sz="2000" dirty="0"/>
+                  <a:t>[0 ; 1] </a:t>
+                </a:r>
+              </a:p>
+              <a:p>
+                <a:r>
+                  <a:rPr lang="de-DE" sz="2000" b="1" dirty="0"/>
+                  <a:t>TriggeredFrom</a:t>
+                </a:r>
+                <a:r>
+                  <a:rPr lang="de-DE" sz="2000" dirty="0"/>
+                  <a:t>: </a:t>
+                </a:r>
+                <a:r>
+                  <a:rPr lang="de-DE" sz="2000" dirty="0" err="1"/>
+                  <a:t>EventID</a:t>
+                </a:r>
+                <a:r>
+                  <a:rPr lang="de-DE" sz="2000" dirty="0"/>
+                  <a:t> des triggernden Erdbeben, falls distanceMeasure ≥ 0,5</a:t>
+                </a:r>
+              </a:p>
+              <a:p>
+                <a:pPr marL="0" indent="0">
+                  <a:buNone/>
+                </a:pPr>
+                <a:r>
+                  <a:rPr lang="de-DE" sz="2000" dirty="0"/>
+                  <a:t>     für -1 </a:t>
+                </a:r>
+                <a:r>
+                  <a:rPr lang="de-DE" sz="2000" dirty="0">
+                    <a:sym typeface="Wingdings" panose="05000000000000000000" pitchFamily="2" charset="2"/>
+                  </a:rPr>
+                  <a:t> Erdbeben wurde nicht getriggert</a:t>
+                </a:r>
+                <a:endParaRPr lang="de-DE" dirty="0"/>
+              </a:p>
+            </p:txBody>
+          </p:sp>
+        </mc:Choice>
+        <mc:Fallback>
+          <p:sp>
+            <p:nvSpPr>
+              <p:cNvPr id="3" name="Inhaltsplatzhalter 2">
+                <a:extLst>
+                  <a:ext uri="{FF2B5EF4-FFF2-40B4-BE49-F238E27FC236}">
+                    <a16:creationId xmlns:a16="http://schemas.microsoft.com/office/drawing/2014/main" id="{EF2F12AA-717C-400F-AC63-EA5D78A3C047}"/>
+                  </a:ext>
+                </a:extLst>
+              </p:cNvPr>
+              <p:cNvSpPr>
+                <a:spLocks noGrp="1" noRot="1" noChangeAspect="1" noMove="1" noResize="1" noEditPoints="1" noAdjustHandles="1" noChangeArrowheads="1" noChangeShapeType="1" noTextEdit="1"/>
+              </p:cNvSpPr>
+              <p:nvPr>
+                <p:ph idx="1"/>
+              </p:nvPr>
+            </p:nvSpPr>
+            <p:spPr>
+              <a:xfrm>
+                <a:off x="500363" y="1405731"/>
+                <a:ext cx="11065988" cy="4478966"/>
+              </a:xfrm>
+              <a:blipFill>
+                <a:blip r:embed="rId2"/>
+                <a:stretch>
+                  <a:fillRect l="-551" t="-1499"/>
+                </a:stretch>
+              </a:blipFill>
+            </p:spPr>
+            <p:txBody>
+              <a:bodyPr/>
+              <a:lstStyle/>
+              <a:p>
+                <a:r>
+                  <a:rPr lang="es-ES">
+                    <a:noFill/>
+                  </a:rPr>
+                  <a:t> </a:t>
+                </a:r>
+              </a:p>
+            </p:txBody>
+          </p:sp>
+        </mc:Fallback>
+      </mc:AlternateContent>
+      <p:sp>
+        <p:nvSpPr>
+          <p:cNvPr id="4" name="Foliennummernplatzhalter 3">
+            <a:extLst>
+              <a:ext uri="{FF2B5EF4-FFF2-40B4-BE49-F238E27FC236}">
+                <a16:creationId xmlns:a16="http://schemas.microsoft.com/office/drawing/2014/main" id="{38F51045-17B2-4CC8-80FB-808D3D232D7E}"/>
+              </a:ext>
+            </a:extLst>
+          </p:cNvPr>
+          <p:cNvSpPr>
+            <a:spLocks noGrp="1"/>
+          </p:cNvSpPr>
+          <p:nvPr>
+            <p:ph type="sldNum" sz="quarter" idx="12"/>
+          </p:nvPr>
+        </p:nvSpPr>
+        <p:spPr/>
+        <p:txBody>
+          <a:bodyPr/>
+          <a:lstStyle/>
+          <a:p>
+            <a:fld id="{5C76D808-3489-4ED6-8F45-9C53BCBA6C6D}" type="slidenum">
+              <a:rPr lang="es-ES" b="1" smtClean="0"/>
+              <a:t>7</a:t>
+            </a:fld>
+            <a:endParaRPr lang="es-ES" b="1" dirty="0"/>
+          </a:p>
+        </p:txBody>
+      </p:sp>
+      <p:sp>
+        <p:nvSpPr>
+          <p:cNvPr id="6" name="AutoShape 2" descr="Bildergebnis für mexiko  flagge">
+            <a:extLst>
+              <a:ext uri="{FF2B5EF4-FFF2-40B4-BE49-F238E27FC236}">
+                <a16:creationId xmlns:a16="http://schemas.microsoft.com/office/drawing/2014/main" id="{857C175E-0782-4771-83B5-FE30477F5ADE}"/>
+              </a:ext>
+            </a:extLst>
+          </p:cNvPr>
+          <p:cNvSpPr>
+            <a:spLocks noChangeAspect="1" noChangeArrowheads="1"/>
+          </p:cNvSpPr>
+          <p:nvPr/>
+        </p:nvSpPr>
+        <p:spPr bwMode="auto">
+          <a:xfrm>
+            <a:off x="5943600" y="3276600"/>
+            <a:ext cx="304800" cy="304800"/>
+          </a:xfrm>
+          <a:prstGeom prst="rect">
+            <a:avLst/>
+          </a:prstGeom>
+          <a:noFill/>
+          <a:extLst>
+            <a:ext uri="{909E8E84-426E-40DD-AFC4-6F175D3DCCD1}">
+              <a14:hiddenFill xmlns:a14="http://schemas.microsoft.com/office/drawing/2010/main">
+                <a:solidFill>
+                  <a:srgbClr val="FFFFFF"/>
+                </a:solidFill>
+              </a14:hiddenFill>
+            </a:ext>
+          </a:extLst>
+        </p:spPr>
+        <p:txBody>
+          <a:bodyPr vert="horz" wrap="square" lIns="91440" tIns="45720" rIns="91440" bIns="45720" numCol="1" anchor="t" anchorCtr="0" compatLnSpc="1">
+            <a:prstTxWarp prst="textNoShape">
+              <a:avLst/>
+            </a:prstTxWarp>
+          </a:bodyPr>
+          <a:lstStyle/>
+          <a:p>
+            <a:endParaRPr lang="es-ES"/>
+          </a:p>
+        </p:txBody>
+      </p:sp>
+      <p:sp>
+        <p:nvSpPr>
+          <p:cNvPr id="9" name="Titel 26">
+            <a:extLst>
+              <a:ext uri="{FF2B5EF4-FFF2-40B4-BE49-F238E27FC236}">
+                <a16:creationId xmlns:a16="http://schemas.microsoft.com/office/drawing/2014/main" id="{2EB3946F-2FEF-7647-9117-E92EBCA1223B}"/>
+              </a:ext>
+            </a:extLst>
+          </p:cNvPr>
+          <p:cNvSpPr txBox="1">
+            <a:spLocks/>
+          </p:cNvSpPr>
+          <p:nvPr/>
+        </p:nvSpPr>
+        <p:spPr>
+          <a:xfrm>
+            <a:off x="838200" y="0"/>
+            <a:ext cx="10515600" cy="1325563"/>
+          </a:xfrm>
+          <a:prstGeom prst="rect">
+            <a:avLst/>
+          </a:prstGeom>
+        </p:spPr>
+        <p:txBody>
+          <a:bodyPr vert="horz" lIns="91440" tIns="45720" rIns="91440" bIns="45720" rtlCol="0" anchor="ctr">
+            <a:normAutofit/>
+          </a:bodyPr>
+          <a:lstStyle>
+            <a:lvl1pPr algn="l" defTabSz="914400" rtl="0" eaLnBrk="1" latinLnBrk="0" hangingPunct="1">
+              <a:lnSpc>
+                <a:spcPct val="90000"/>
+              </a:lnSpc>
+              <a:spcBef>
+                <a:spcPct val="0"/>
+              </a:spcBef>
+              <a:buNone/>
+              <a:defRPr sz="4400" kern="1200">
+                <a:solidFill>
+                  <a:schemeClr val="tx1"/>
+                </a:solidFill>
+                <a:latin typeface="+mj-lt"/>
+                <a:ea typeface="+mj-ea"/>
+                <a:cs typeface="+mj-cs"/>
+              </a:defRPr>
+            </a:lvl1pPr>
+          </a:lstStyle>
+          <a:p>
+            <a:pPr algn="ctr"/>
+            <a:r>
+              <a:rPr lang="es-ES" sz="3600" u="sng" dirty="0">
+                <a:latin typeface="Arial" panose="020B0604020202020204" pitchFamily="34" charset="0"/>
+                <a:cs typeface="Arial" panose="020B0604020202020204" pitchFamily="34" charset="0"/>
+              </a:rPr>
+              <a:t>Hintergrund und Inhalt des Projektes</a:t>
+            </a:r>
+          </a:p>
+        </p:txBody>
+      </p:sp>
+      <p:sp>
+        <p:nvSpPr>
+          <p:cNvPr id="7" name="Fußzeilenplatzhalter 4">
+            <a:extLst>
+              <a:ext uri="{FF2B5EF4-FFF2-40B4-BE49-F238E27FC236}">
+                <a16:creationId xmlns:a16="http://schemas.microsoft.com/office/drawing/2014/main" id="{43BA6792-790F-48E5-A873-086A5823D09A}"/>
+              </a:ext>
+            </a:extLst>
+          </p:cNvPr>
+          <p:cNvSpPr>
+            <a:spLocks noGrp="1"/>
+          </p:cNvSpPr>
+          <p:nvPr>
+            <p:ph type="ftr" sz="quarter" idx="11"/>
+          </p:nvPr>
+        </p:nvSpPr>
+        <p:spPr>
+          <a:xfrm>
+            <a:off x="117806" y="6356350"/>
+            <a:ext cx="4050287" cy="365125"/>
+          </a:xfrm>
+        </p:spPr>
+        <p:txBody>
+          <a:bodyPr/>
+          <a:lstStyle/>
+          <a:p>
+            <a:r>
+              <a:rPr lang="es-ES" dirty="0">
+                <a:latin typeface="Arial" panose="020B0604020202020204" pitchFamily="34" charset="0"/>
+                <a:cs typeface="Arial" panose="020B0604020202020204" pitchFamily="34" charset="0"/>
+              </a:rPr>
+              <a:t>Getriggerte Erdbeben – Orzelek, Reichmeier, Riedlberger</a:t>
+            </a:r>
+          </a:p>
+        </p:txBody>
+      </p:sp>
+    </p:spTree>
+    <p:extLst>
+      <p:ext uri="{BB962C8B-B14F-4D97-AF65-F5344CB8AC3E}">
+        <p14:creationId xmlns:p14="http://schemas.microsoft.com/office/powerpoint/2010/main" val="1253906246"/>
+      </p:ext>
+    </p:extLst>
+  </p:cSld>
+  <p:clrMapOvr>
+    <a:masterClrMapping/>
+  </p:clrMapOvr>
+</p:sld>
+</file>
+
+<file path=ppt/slides/slide8.xml><?xml version="1.0" encoding="utf-8"?>
+<p:sld xmlns:a="http://schemas.openxmlformats.org/drawingml/2006/main" xmlns:r="http://schemas.openxmlformats.org/officeDocument/2006/relationships" xmlns:p="http://schemas.openxmlformats.org/presentationml/2006/main">
+  <p:cSld>
+    <p:spTree>
+      <p:nvGrpSpPr>
+        <p:cNvPr id="1" name=""/>
+        <p:cNvGrpSpPr/>
+        <p:nvPr/>
+      </p:nvGrpSpPr>
+      <p:grpSpPr>
+        <a:xfrm>
+          <a:off x="0" y="0"/>
+          <a:ext cx="0" cy="0"/>
+          <a:chOff x="0" y="0"/>
+          <a:chExt cx="0" cy="0"/>
+        </a:xfrm>
+      </p:grpSpPr>
+      <p:sp>
+        <p:nvSpPr>
+          <p:cNvPr id="3" name="Inhaltsplatzhalter 2">
+            <a:extLst>
+              <a:ext uri="{FF2B5EF4-FFF2-40B4-BE49-F238E27FC236}">
+                <a16:creationId xmlns:a16="http://schemas.microsoft.com/office/drawing/2014/main" id="{EF2F12AA-717C-400F-AC63-EA5D78A3C047}"/>
+              </a:ext>
+            </a:extLst>
+          </p:cNvPr>
+          <p:cNvSpPr>
+            <a:spLocks noGrp="1"/>
+          </p:cNvSpPr>
+          <p:nvPr>
+            <p:ph idx="1"/>
+          </p:nvPr>
+        </p:nvSpPr>
+        <p:spPr>
+          <a:xfrm>
+            <a:off x="1002052" y="1844675"/>
+            <a:ext cx="11065988" cy="4351338"/>
           </a:xfrm>
         </p:spPr>
         <p:txBody>
@@ -6008,10 +10287,292 @@
           </a:bodyPr>
           <a:lstStyle/>
           <a:p>
+            <a:r>
+              <a:rPr lang="es-ES" dirty="0">
+                <a:latin typeface="Arial" panose="020B0604020202020204" pitchFamily="34" charset="0"/>
+                <a:cs typeface="Arial" panose="020B0604020202020204" pitchFamily="34" charset="0"/>
+              </a:rPr>
+              <a:t>Hintergrund und Inhalt des Projektes</a:t>
+            </a:r>
+          </a:p>
+          <a:p>
+            <a:r>
+              <a:rPr lang="es-ES" b="1" dirty="0">
+                <a:latin typeface="Arial" panose="020B0604020202020204" pitchFamily="34" charset="0"/>
+                <a:cs typeface="Arial" panose="020B0604020202020204" pitchFamily="34" charset="0"/>
+              </a:rPr>
+              <a:t>Fragestellung</a:t>
+            </a:r>
+          </a:p>
+          <a:p>
+            <a:r>
+              <a:rPr lang="es-ES" dirty="0">
+                <a:latin typeface="Arial" panose="020B0604020202020204" pitchFamily="34" charset="0"/>
+                <a:cs typeface="Arial" panose="020B0604020202020204" pitchFamily="34" charset="0"/>
+              </a:rPr>
+              <a:t>Konzept der Methodik</a:t>
+            </a:r>
+          </a:p>
+          <a:p>
+            <a:r>
+              <a:rPr lang="es-ES" dirty="0">
+                <a:latin typeface="Arial" panose="020B0604020202020204" pitchFamily="34" charset="0"/>
+                <a:cs typeface="Arial" panose="020B0604020202020204" pitchFamily="34" charset="0"/>
+              </a:rPr>
+              <a:t>Erste Ergebnisse und Erfahrungen</a:t>
+            </a:r>
+          </a:p>
+          <a:p>
+            <a:r>
+              <a:rPr lang="es-ES" dirty="0">
+                <a:latin typeface="Arial" panose="020B0604020202020204" pitchFamily="34" charset="0"/>
+                <a:cs typeface="Arial" panose="020B0604020202020204" pitchFamily="34" charset="0"/>
+              </a:rPr>
+              <a:t>Fragen und Anregungen = Diskussion</a:t>
+            </a:r>
+          </a:p>
+          <a:p>
+            <a:pPr marL="0" indent="0">
+              <a:buNone/>
+            </a:pPr>
+            <a:endParaRPr lang="es-ES" dirty="0"/>
+          </a:p>
+        </p:txBody>
+      </p:sp>
+      <p:sp>
+        <p:nvSpPr>
+          <p:cNvPr id="4" name="Foliennummernplatzhalter 3">
+            <a:extLst>
+              <a:ext uri="{FF2B5EF4-FFF2-40B4-BE49-F238E27FC236}">
+                <a16:creationId xmlns:a16="http://schemas.microsoft.com/office/drawing/2014/main" id="{38F51045-17B2-4CC8-80FB-808D3D232D7E}"/>
+              </a:ext>
+            </a:extLst>
+          </p:cNvPr>
+          <p:cNvSpPr>
+            <a:spLocks noGrp="1"/>
+          </p:cNvSpPr>
+          <p:nvPr>
+            <p:ph type="sldNum" sz="quarter" idx="12"/>
+          </p:nvPr>
+        </p:nvSpPr>
+        <p:spPr/>
+        <p:txBody>
+          <a:bodyPr/>
+          <a:lstStyle/>
+          <a:p>
+            <a:fld id="{5C76D808-3489-4ED6-8F45-9C53BCBA6C6D}" type="slidenum">
+              <a:rPr lang="es-ES" b="1" smtClean="0"/>
+              <a:t>8</a:t>
+            </a:fld>
+            <a:endParaRPr lang="es-ES" b="1" dirty="0"/>
+          </a:p>
+        </p:txBody>
+      </p:sp>
+      <p:sp>
+        <p:nvSpPr>
+          <p:cNvPr id="6" name="AutoShape 2" descr="Bildergebnis für mexiko  flagge">
+            <a:extLst>
+              <a:ext uri="{FF2B5EF4-FFF2-40B4-BE49-F238E27FC236}">
+                <a16:creationId xmlns:a16="http://schemas.microsoft.com/office/drawing/2014/main" id="{857C175E-0782-4771-83B5-FE30477F5ADE}"/>
+              </a:ext>
+            </a:extLst>
+          </p:cNvPr>
+          <p:cNvSpPr>
+            <a:spLocks noChangeAspect="1" noChangeArrowheads="1"/>
+          </p:cNvSpPr>
+          <p:nvPr/>
+        </p:nvSpPr>
+        <p:spPr bwMode="auto">
+          <a:xfrm>
+            <a:off x="5943600" y="3276600"/>
+            <a:ext cx="304800" cy="304800"/>
+          </a:xfrm>
+          <a:prstGeom prst="rect">
+            <a:avLst/>
+          </a:prstGeom>
+          <a:noFill/>
+          <a:extLst>
+            <a:ext uri="{909E8E84-426E-40DD-AFC4-6F175D3DCCD1}">
+              <a14:hiddenFill xmlns:a14="http://schemas.microsoft.com/office/drawing/2010/main">
+                <a:solidFill>
+                  <a:srgbClr val="FFFFFF"/>
+                </a:solidFill>
+              </a14:hiddenFill>
+            </a:ext>
+          </a:extLst>
+        </p:spPr>
+        <p:txBody>
+          <a:bodyPr vert="horz" wrap="square" lIns="91440" tIns="45720" rIns="91440" bIns="45720" numCol="1" anchor="t" anchorCtr="0" compatLnSpc="1">
+            <a:prstTxWarp prst="textNoShape">
+              <a:avLst/>
+            </a:prstTxWarp>
+          </a:bodyPr>
+          <a:lstStyle/>
+          <a:p>
+            <a:endParaRPr lang="es-ES"/>
+          </a:p>
+        </p:txBody>
+      </p:sp>
+      <p:sp>
+        <p:nvSpPr>
+          <p:cNvPr id="9" name="Titel 26">
+            <a:extLst>
+              <a:ext uri="{FF2B5EF4-FFF2-40B4-BE49-F238E27FC236}">
+                <a16:creationId xmlns:a16="http://schemas.microsoft.com/office/drawing/2014/main" id="{2EB3946F-2FEF-7647-9117-E92EBCA1223B}"/>
+              </a:ext>
+            </a:extLst>
+          </p:cNvPr>
+          <p:cNvSpPr txBox="1">
+            <a:spLocks/>
+          </p:cNvSpPr>
+          <p:nvPr/>
+        </p:nvSpPr>
+        <p:spPr>
+          <a:xfrm>
+            <a:off x="838200" y="-140245"/>
+            <a:ext cx="10515600" cy="1325563"/>
+          </a:xfrm>
+          <a:prstGeom prst="rect">
+            <a:avLst/>
+          </a:prstGeom>
+        </p:spPr>
+        <p:txBody>
+          <a:bodyPr vert="horz" lIns="91440" tIns="45720" rIns="91440" bIns="45720" rtlCol="0" anchor="ctr">
+            <a:normAutofit/>
+          </a:bodyPr>
+          <a:lstStyle>
+            <a:lvl1pPr algn="l" defTabSz="914400" rtl="0" eaLnBrk="1" latinLnBrk="0" hangingPunct="1">
+              <a:lnSpc>
+                <a:spcPct val="90000"/>
+              </a:lnSpc>
+              <a:spcBef>
+                <a:spcPct val="0"/>
+              </a:spcBef>
+              <a:buNone/>
+              <a:defRPr sz="4400" kern="1200">
+                <a:solidFill>
+                  <a:schemeClr val="tx1"/>
+                </a:solidFill>
+                <a:latin typeface="+mj-lt"/>
+                <a:ea typeface="+mj-ea"/>
+                <a:cs typeface="+mj-cs"/>
+              </a:defRPr>
+            </a:lvl1pPr>
+          </a:lstStyle>
+          <a:p>
+            <a:pPr algn="ctr"/>
+            <a:r>
+              <a:rPr lang="es-ES" sz="3600" u="sng" dirty="0" err="1">
+                <a:latin typeface="Arial" panose="020B0604020202020204" pitchFamily="34" charset="0"/>
+                <a:cs typeface="Arial" panose="020B0604020202020204" pitchFamily="34" charset="0"/>
+              </a:rPr>
+              <a:t>Gliederung</a:t>
+            </a:r>
+            <a:endParaRPr lang="es-ES" sz="3600" u="sng" dirty="0">
+              <a:latin typeface="Arial" panose="020B0604020202020204" pitchFamily="34" charset="0"/>
+              <a:cs typeface="Arial" panose="020B0604020202020204" pitchFamily="34" charset="0"/>
+            </a:endParaRPr>
+          </a:p>
+        </p:txBody>
+      </p:sp>
+      <p:sp>
+        <p:nvSpPr>
+          <p:cNvPr id="10" name="Fußzeilenplatzhalter 4">
+            <a:extLst>
+              <a:ext uri="{FF2B5EF4-FFF2-40B4-BE49-F238E27FC236}">
+                <a16:creationId xmlns:a16="http://schemas.microsoft.com/office/drawing/2014/main" id="{CA3F2EDC-1E9F-40FC-ABFA-3C46B88C1DC8}"/>
+              </a:ext>
+            </a:extLst>
+          </p:cNvPr>
+          <p:cNvSpPr>
+            <a:spLocks noGrp="1"/>
+          </p:cNvSpPr>
+          <p:nvPr>
+            <p:ph type="ftr" sz="quarter" idx="11"/>
+          </p:nvPr>
+        </p:nvSpPr>
+        <p:spPr>
+          <a:xfrm>
+            <a:off x="117806" y="6356350"/>
+            <a:ext cx="4050287" cy="365125"/>
+          </a:xfrm>
+        </p:spPr>
+        <p:txBody>
+          <a:bodyPr/>
+          <a:lstStyle/>
+          <a:p>
+            <a:r>
+              <a:rPr lang="es-ES" dirty="0">
+                <a:latin typeface="Arial" panose="020B0604020202020204" pitchFamily="34" charset="0"/>
+                <a:cs typeface="Arial" panose="020B0604020202020204" pitchFamily="34" charset="0"/>
+              </a:rPr>
+              <a:t>Getriggerte Erdbeben – Orzelek, Reichmeier, Riedlberger</a:t>
+            </a:r>
+          </a:p>
+        </p:txBody>
+      </p:sp>
+    </p:spTree>
+    <p:extLst>
+      <p:ext uri="{BB962C8B-B14F-4D97-AF65-F5344CB8AC3E}">
+        <p14:creationId xmlns:p14="http://schemas.microsoft.com/office/powerpoint/2010/main" val="432243120"/>
+      </p:ext>
+    </p:extLst>
+  </p:cSld>
+  <p:clrMapOvr>
+    <a:masterClrMapping/>
+  </p:clrMapOvr>
+</p:sld>
+</file>
+
+<file path=ppt/slides/slide9.xml><?xml version="1.0" encoding="utf-8"?>
+<p:sld xmlns:a="http://schemas.openxmlformats.org/drawingml/2006/main" xmlns:r="http://schemas.openxmlformats.org/officeDocument/2006/relationships" xmlns:p="http://schemas.openxmlformats.org/presentationml/2006/main">
+  <p:cSld>
+    <p:spTree>
+      <p:nvGrpSpPr>
+        <p:cNvPr id="1" name=""/>
+        <p:cNvGrpSpPr/>
+        <p:nvPr/>
+      </p:nvGrpSpPr>
+      <p:grpSpPr>
+        <a:xfrm>
+          <a:off x="0" y="0"/>
+          <a:ext cx="0" cy="0"/>
+          <a:chOff x="0" y="0"/>
+          <a:chExt cx="0" cy="0"/>
+        </a:xfrm>
+      </p:grpSpPr>
+      <p:sp>
+        <p:nvSpPr>
+          <p:cNvPr id="3" name="Foliennummernplatzhalter 2">
+            <a:extLst>
+              <a:ext uri="{FF2B5EF4-FFF2-40B4-BE49-F238E27FC236}">
+                <a16:creationId xmlns:a16="http://schemas.microsoft.com/office/drawing/2014/main" id="{D23D1CC6-5366-4CFD-9779-1EB3AE161A1A}"/>
+              </a:ext>
+            </a:extLst>
+          </p:cNvPr>
+          <p:cNvSpPr>
+            <a:spLocks noGrp="1"/>
+          </p:cNvSpPr>
+          <p:nvPr>
+            <p:ph type="sldNum" sz="quarter" idx="12"/>
+          </p:nvPr>
+        </p:nvSpPr>
+        <p:spPr>
+          <a:xfrm>
+            <a:off x="8610600" y="6356350"/>
+            <a:ext cx="2743200" cy="365125"/>
+          </a:xfrm>
+        </p:spPr>
+        <p:txBody>
+          <a:bodyPr>
+            <a:normAutofit/>
+          </a:bodyPr>
+          <a:lstStyle/>
+          <a:p>
             <a:fld id="{5C76D808-3489-4ED6-8F45-9C53BCBA6C6D}" type="slidenum">
               <a:rPr lang="es-ES" b="1"/>
               <a:pPr/>
-              <a:t>6</a:t>
+              <a:t>9</a:t>
             </a:fld>
             <a:endParaRPr lang="es-ES" b="1" dirty="0"/>
           </a:p>
@@ -6541,809 +11102,6 @@
       <p:bldP spid="12" grpId="0" animBg="1"/>
     </p:bldLst>
   </p:timing>
-</p:sld>
-</file>
-
-<file path=ppt/slides/slide7.xml><?xml version="1.0" encoding="utf-8"?>
-<p:sld xmlns:a="http://schemas.openxmlformats.org/drawingml/2006/main" xmlns:r="http://schemas.openxmlformats.org/officeDocument/2006/relationships" xmlns:p="http://schemas.openxmlformats.org/presentationml/2006/main">
-  <p:cSld>
-    <p:spTree>
-      <p:nvGrpSpPr>
-        <p:cNvPr id="1" name=""/>
-        <p:cNvGrpSpPr/>
-        <p:nvPr/>
-      </p:nvGrpSpPr>
-      <p:grpSpPr>
-        <a:xfrm>
-          <a:off x="0" y="0"/>
-          <a:ext cx="0" cy="0"/>
-          <a:chOff x="0" y="0"/>
-          <a:chExt cx="0" cy="0"/>
-        </a:xfrm>
-      </p:grpSpPr>
-      <p:sp>
-        <p:nvSpPr>
-          <p:cNvPr id="3" name="Inhaltsplatzhalter 2">
-            <a:extLst>
-              <a:ext uri="{FF2B5EF4-FFF2-40B4-BE49-F238E27FC236}">
-                <a16:creationId xmlns:a16="http://schemas.microsoft.com/office/drawing/2014/main" id="{EF2F12AA-717C-400F-AC63-EA5D78A3C047}"/>
-              </a:ext>
-            </a:extLst>
-          </p:cNvPr>
-          <p:cNvSpPr>
-            <a:spLocks noGrp="1"/>
-          </p:cNvSpPr>
-          <p:nvPr>
-            <p:ph idx="1"/>
-          </p:nvPr>
-        </p:nvSpPr>
-        <p:spPr>
-          <a:xfrm>
-            <a:off x="1002052" y="1844675"/>
-            <a:ext cx="11065988" cy="4351338"/>
-          </a:xfrm>
-        </p:spPr>
-        <p:txBody>
-          <a:bodyPr>
-            <a:normAutofit/>
-          </a:bodyPr>
-          <a:lstStyle/>
-          <a:p>
-            <a:r>
-              <a:rPr lang="es-ES" dirty="0">
-                <a:latin typeface="Arial" panose="020B0604020202020204" pitchFamily="34" charset="0"/>
-                <a:cs typeface="Arial" panose="020B0604020202020204" pitchFamily="34" charset="0"/>
-              </a:rPr>
-              <a:t>Hintergrund und Inhalt des Projektes</a:t>
-            </a:r>
-          </a:p>
-          <a:p>
-            <a:r>
-              <a:rPr lang="es-ES" dirty="0">
-                <a:latin typeface="Arial" panose="020B0604020202020204" pitchFamily="34" charset="0"/>
-                <a:cs typeface="Arial" panose="020B0604020202020204" pitchFamily="34" charset="0"/>
-              </a:rPr>
-              <a:t>Fragestellung</a:t>
-            </a:r>
-          </a:p>
-          <a:p>
-            <a:r>
-              <a:rPr lang="es-ES" b="1" dirty="0">
-                <a:latin typeface="Arial" panose="020B0604020202020204" pitchFamily="34" charset="0"/>
-                <a:cs typeface="Arial" panose="020B0604020202020204" pitchFamily="34" charset="0"/>
-              </a:rPr>
-              <a:t>Erste Ergebnisse und Erfahrungen</a:t>
-            </a:r>
-          </a:p>
-          <a:p>
-            <a:r>
-              <a:rPr lang="es-ES" dirty="0">
-                <a:latin typeface="Arial" panose="020B0604020202020204" pitchFamily="34" charset="0"/>
-                <a:cs typeface="Arial" panose="020B0604020202020204" pitchFamily="34" charset="0"/>
-              </a:rPr>
-              <a:t>Konzept der Methodik</a:t>
-            </a:r>
-          </a:p>
-          <a:p>
-            <a:r>
-              <a:rPr lang="es-ES" dirty="0">
-                <a:latin typeface="Arial" panose="020B0604020202020204" pitchFamily="34" charset="0"/>
-                <a:cs typeface="Arial" panose="020B0604020202020204" pitchFamily="34" charset="0"/>
-              </a:rPr>
-              <a:t>Fragen und Anregungen = Diskussion</a:t>
-            </a:r>
-          </a:p>
-          <a:p>
-            <a:pPr marL="0" indent="0">
-              <a:buNone/>
-            </a:pPr>
-            <a:endParaRPr lang="es-ES" dirty="0"/>
-          </a:p>
-        </p:txBody>
-      </p:sp>
-      <p:sp>
-        <p:nvSpPr>
-          <p:cNvPr id="4" name="Foliennummernplatzhalter 3">
-            <a:extLst>
-              <a:ext uri="{FF2B5EF4-FFF2-40B4-BE49-F238E27FC236}">
-                <a16:creationId xmlns:a16="http://schemas.microsoft.com/office/drawing/2014/main" id="{38F51045-17B2-4CC8-80FB-808D3D232D7E}"/>
-              </a:ext>
-            </a:extLst>
-          </p:cNvPr>
-          <p:cNvSpPr>
-            <a:spLocks noGrp="1"/>
-          </p:cNvSpPr>
-          <p:nvPr>
-            <p:ph type="sldNum" sz="quarter" idx="12"/>
-          </p:nvPr>
-        </p:nvSpPr>
-        <p:spPr/>
-        <p:txBody>
-          <a:bodyPr/>
-          <a:lstStyle/>
-          <a:p>
-            <a:fld id="{5C76D808-3489-4ED6-8F45-9C53BCBA6C6D}" type="slidenum">
-              <a:rPr lang="es-ES" b="1" smtClean="0"/>
-              <a:t>7</a:t>
-            </a:fld>
-            <a:endParaRPr lang="es-ES" b="1" dirty="0"/>
-          </a:p>
-        </p:txBody>
-      </p:sp>
-      <p:sp>
-        <p:nvSpPr>
-          <p:cNvPr id="6" name="AutoShape 2" descr="Bildergebnis für mexiko  flagge">
-            <a:extLst>
-              <a:ext uri="{FF2B5EF4-FFF2-40B4-BE49-F238E27FC236}">
-                <a16:creationId xmlns:a16="http://schemas.microsoft.com/office/drawing/2014/main" id="{857C175E-0782-4771-83B5-FE30477F5ADE}"/>
-              </a:ext>
-            </a:extLst>
-          </p:cNvPr>
-          <p:cNvSpPr>
-            <a:spLocks noChangeAspect="1" noChangeArrowheads="1"/>
-          </p:cNvSpPr>
-          <p:nvPr/>
-        </p:nvSpPr>
-        <p:spPr bwMode="auto">
-          <a:xfrm>
-            <a:off x="5943600" y="3276600"/>
-            <a:ext cx="304800" cy="304800"/>
-          </a:xfrm>
-          <a:prstGeom prst="rect">
-            <a:avLst/>
-          </a:prstGeom>
-          <a:noFill/>
-          <a:extLst>
-            <a:ext uri="{909E8E84-426E-40DD-AFC4-6F175D3DCCD1}">
-              <a14:hiddenFill xmlns:a14="http://schemas.microsoft.com/office/drawing/2010/main">
-                <a:solidFill>
-                  <a:srgbClr val="FFFFFF"/>
-                </a:solidFill>
-              </a14:hiddenFill>
-            </a:ext>
-          </a:extLst>
-        </p:spPr>
-        <p:txBody>
-          <a:bodyPr vert="horz" wrap="square" lIns="91440" tIns="45720" rIns="91440" bIns="45720" numCol="1" anchor="t" anchorCtr="0" compatLnSpc="1">
-            <a:prstTxWarp prst="textNoShape">
-              <a:avLst/>
-            </a:prstTxWarp>
-          </a:bodyPr>
-          <a:lstStyle/>
-          <a:p>
-            <a:endParaRPr lang="es-ES"/>
-          </a:p>
-        </p:txBody>
-      </p:sp>
-      <p:sp>
-        <p:nvSpPr>
-          <p:cNvPr id="9" name="Titel 26">
-            <a:extLst>
-              <a:ext uri="{FF2B5EF4-FFF2-40B4-BE49-F238E27FC236}">
-                <a16:creationId xmlns:a16="http://schemas.microsoft.com/office/drawing/2014/main" id="{2EB3946F-2FEF-7647-9117-E92EBCA1223B}"/>
-              </a:ext>
-            </a:extLst>
-          </p:cNvPr>
-          <p:cNvSpPr txBox="1">
-            <a:spLocks/>
-          </p:cNvSpPr>
-          <p:nvPr/>
-        </p:nvSpPr>
-        <p:spPr>
-          <a:xfrm>
-            <a:off x="838200" y="-140245"/>
-            <a:ext cx="10515600" cy="1325563"/>
-          </a:xfrm>
-          <a:prstGeom prst="rect">
-            <a:avLst/>
-          </a:prstGeom>
-        </p:spPr>
-        <p:txBody>
-          <a:bodyPr vert="horz" lIns="91440" tIns="45720" rIns="91440" bIns="45720" rtlCol="0" anchor="ctr">
-            <a:normAutofit/>
-          </a:bodyPr>
-          <a:lstStyle>
-            <a:lvl1pPr algn="l" defTabSz="914400" rtl="0" eaLnBrk="1" latinLnBrk="0" hangingPunct="1">
-              <a:lnSpc>
-                <a:spcPct val="90000"/>
-              </a:lnSpc>
-              <a:spcBef>
-                <a:spcPct val="0"/>
-              </a:spcBef>
-              <a:buNone/>
-              <a:defRPr sz="4400" kern="1200">
-                <a:solidFill>
-                  <a:schemeClr val="tx1"/>
-                </a:solidFill>
-                <a:latin typeface="+mj-lt"/>
-                <a:ea typeface="+mj-ea"/>
-                <a:cs typeface="+mj-cs"/>
-              </a:defRPr>
-            </a:lvl1pPr>
-          </a:lstStyle>
-          <a:p>
-            <a:pPr algn="ctr"/>
-            <a:r>
-              <a:rPr lang="es-ES" sz="3600" u="sng" dirty="0" err="1">
-                <a:latin typeface="Arial" panose="020B0604020202020204" pitchFamily="34" charset="0"/>
-                <a:cs typeface="Arial" panose="020B0604020202020204" pitchFamily="34" charset="0"/>
-              </a:rPr>
-              <a:t>Gliederung</a:t>
-            </a:r>
-            <a:endParaRPr lang="es-ES" sz="3600" u="sng" dirty="0">
-              <a:latin typeface="Arial" panose="020B0604020202020204" pitchFamily="34" charset="0"/>
-              <a:cs typeface="Arial" panose="020B0604020202020204" pitchFamily="34" charset="0"/>
-            </a:endParaRPr>
-          </a:p>
-        </p:txBody>
-      </p:sp>
-      <p:sp>
-        <p:nvSpPr>
-          <p:cNvPr id="10" name="Fußzeilenplatzhalter 4">
-            <a:extLst>
-              <a:ext uri="{FF2B5EF4-FFF2-40B4-BE49-F238E27FC236}">
-                <a16:creationId xmlns:a16="http://schemas.microsoft.com/office/drawing/2014/main" id="{CA3F2EDC-1E9F-40FC-ABFA-3C46B88C1DC8}"/>
-              </a:ext>
-            </a:extLst>
-          </p:cNvPr>
-          <p:cNvSpPr>
-            <a:spLocks noGrp="1"/>
-          </p:cNvSpPr>
-          <p:nvPr>
-            <p:ph type="ftr" sz="quarter" idx="11"/>
-          </p:nvPr>
-        </p:nvSpPr>
-        <p:spPr>
-          <a:xfrm>
-            <a:off x="117806" y="6356350"/>
-            <a:ext cx="4050287" cy="365125"/>
-          </a:xfrm>
-        </p:spPr>
-        <p:txBody>
-          <a:bodyPr/>
-          <a:lstStyle/>
-          <a:p>
-            <a:r>
-              <a:rPr lang="es-ES" dirty="0">
-                <a:latin typeface="Arial" panose="020B0604020202020204" pitchFamily="34" charset="0"/>
-                <a:cs typeface="Arial" panose="020B0604020202020204" pitchFamily="34" charset="0"/>
-              </a:rPr>
-              <a:t>Getriggerte Erdbeben – Orzelek, Reichmeier, Riedlberger</a:t>
-            </a:r>
-          </a:p>
-        </p:txBody>
-      </p:sp>
-    </p:spTree>
-    <p:extLst>
-      <p:ext uri="{BB962C8B-B14F-4D97-AF65-F5344CB8AC3E}">
-        <p14:creationId xmlns:p14="http://schemas.microsoft.com/office/powerpoint/2010/main" val="1471043058"/>
-      </p:ext>
-    </p:extLst>
-  </p:cSld>
-  <p:clrMapOvr>
-    <a:masterClrMapping/>
-  </p:clrMapOvr>
-</p:sld>
-</file>
-
-<file path=ppt/slides/slide8.xml><?xml version="1.0" encoding="utf-8"?>
-<p:sld xmlns:a="http://schemas.openxmlformats.org/drawingml/2006/main" xmlns:r="http://schemas.openxmlformats.org/officeDocument/2006/relationships" xmlns:p="http://schemas.openxmlformats.org/presentationml/2006/main">
-  <p:cSld>
-    <p:spTree>
-      <p:nvGrpSpPr>
-        <p:cNvPr id="1" name=""/>
-        <p:cNvGrpSpPr/>
-        <p:nvPr/>
-      </p:nvGrpSpPr>
-      <p:grpSpPr>
-        <a:xfrm>
-          <a:off x="0" y="0"/>
-          <a:ext cx="0" cy="0"/>
-          <a:chOff x="0" y="0"/>
-          <a:chExt cx="0" cy="0"/>
-        </a:xfrm>
-      </p:grpSpPr>
-      <p:sp>
-        <p:nvSpPr>
-          <p:cNvPr id="3" name="Inhaltsplatzhalter 2">
-            <a:extLst>
-              <a:ext uri="{FF2B5EF4-FFF2-40B4-BE49-F238E27FC236}">
-                <a16:creationId xmlns:a16="http://schemas.microsoft.com/office/drawing/2014/main" id="{EF2F12AA-717C-400F-AC63-EA5D78A3C047}"/>
-              </a:ext>
-            </a:extLst>
-          </p:cNvPr>
-          <p:cNvSpPr>
-            <a:spLocks noGrp="1"/>
-          </p:cNvSpPr>
-          <p:nvPr>
-            <p:ph idx="1"/>
-          </p:nvPr>
-        </p:nvSpPr>
-        <p:spPr>
-          <a:xfrm>
-            <a:off x="2332358" y="1871109"/>
-            <a:ext cx="7527284" cy="3115781"/>
-          </a:xfrm>
-        </p:spPr>
-        <p:txBody>
-          <a:bodyPr>
-            <a:normAutofit/>
-          </a:bodyPr>
-          <a:lstStyle/>
-          <a:p>
-            <a:pPr marL="0" indent="0">
-              <a:buNone/>
-            </a:pPr>
-            <a:endParaRPr lang="de-DE" dirty="0"/>
-          </a:p>
-          <a:p>
-            <a:pPr marL="0" indent="0">
-              <a:buNone/>
-            </a:pPr>
-            <a:endParaRPr lang="de-DE" dirty="0"/>
-          </a:p>
-        </p:txBody>
-      </p:sp>
-      <p:sp>
-        <p:nvSpPr>
-          <p:cNvPr id="4" name="Foliennummernplatzhalter 3">
-            <a:extLst>
-              <a:ext uri="{FF2B5EF4-FFF2-40B4-BE49-F238E27FC236}">
-                <a16:creationId xmlns:a16="http://schemas.microsoft.com/office/drawing/2014/main" id="{38F51045-17B2-4CC8-80FB-808D3D232D7E}"/>
-              </a:ext>
-            </a:extLst>
-          </p:cNvPr>
-          <p:cNvSpPr>
-            <a:spLocks noGrp="1"/>
-          </p:cNvSpPr>
-          <p:nvPr>
-            <p:ph type="sldNum" sz="quarter" idx="12"/>
-          </p:nvPr>
-        </p:nvSpPr>
-        <p:spPr/>
-        <p:txBody>
-          <a:bodyPr/>
-          <a:lstStyle/>
-          <a:p>
-            <a:fld id="{5C76D808-3489-4ED6-8F45-9C53BCBA6C6D}" type="slidenum">
-              <a:rPr lang="es-ES" b="1" smtClean="0"/>
-              <a:t>8</a:t>
-            </a:fld>
-            <a:endParaRPr lang="es-ES" b="1" dirty="0"/>
-          </a:p>
-        </p:txBody>
-      </p:sp>
-      <p:sp>
-        <p:nvSpPr>
-          <p:cNvPr id="6" name="AutoShape 2" descr="Bildergebnis für mexiko  flagge">
-            <a:extLst>
-              <a:ext uri="{FF2B5EF4-FFF2-40B4-BE49-F238E27FC236}">
-                <a16:creationId xmlns:a16="http://schemas.microsoft.com/office/drawing/2014/main" id="{857C175E-0782-4771-83B5-FE30477F5ADE}"/>
-              </a:ext>
-            </a:extLst>
-          </p:cNvPr>
-          <p:cNvSpPr>
-            <a:spLocks noChangeAspect="1" noChangeArrowheads="1"/>
-          </p:cNvSpPr>
-          <p:nvPr/>
-        </p:nvSpPr>
-        <p:spPr bwMode="auto">
-          <a:xfrm>
-            <a:off x="5943600" y="3276600"/>
-            <a:ext cx="304800" cy="304800"/>
-          </a:xfrm>
-          <a:prstGeom prst="rect">
-            <a:avLst/>
-          </a:prstGeom>
-          <a:noFill/>
-          <a:extLst>
-            <a:ext uri="{909E8E84-426E-40DD-AFC4-6F175D3DCCD1}">
-              <a14:hiddenFill xmlns:a14="http://schemas.microsoft.com/office/drawing/2010/main">
-                <a:solidFill>
-                  <a:srgbClr val="FFFFFF"/>
-                </a:solidFill>
-              </a14:hiddenFill>
-            </a:ext>
-          </a:extLst>
-        </p:spPr>
-        <p:txBody>
-          <a:bodyPr vert="horz" wrap="square" lIns="91440" tIns="45720" rIns="91440" bIns="45720" numCol="1" anchor="t" anchorCtr="0" compatLnSpc="1">
-            <a:prstTxWarp prst="textNoShape">
-              <a:avLst/>
-            </a:prstTxWarp>
-          </a:bodyPr>
-          <a:lstStyle/>
-          <a:p>
-            <a:endParaRPr lang="es-ES"/>
-          </a:p>
-        </p:txBody>
-      </p:sp>
-      <p:sp>
-        <p:nvSpPr>
-          <p:cNvPr id="9" name="Titel 26">
-            <a:extLst>
-              <a:ext uri="{FF2B5EF4-FFF2-40B4-BE49-F238E27FC236}">
-                <a16:creationId xmlns:a16="http://schemas.microsoft.com/office/drawing/2014/main" id="{2EB3946F-2FEF-7647-9117-E92EBCA1223B}"/>
-              </a:ext>
-            </a:extLst>
-          </p:cNvPr>
-          <p:cNvSpPr txBox="1">
-            <a:spLocks/>
-          </p:cNvSpPr>
-          <p:nvPr/>
-        </p:nvSpPr>
-        <p:spPr>
-          <a:xfrm>
-            <a:off x="838200" y="0"/>
-            <a:ext cx="10515600" cy="1325563"/>
-          </a:xfrm>
-          <a:prstGeom prst="rect">
-            <a:avLst/>
-          </a:prstGeom>
-        </p:spPr>
-        <p:txBody>
-          <a:bodyPr vert="horz" lIns="91440" tIns="45720" rIns="91440" bIns="45720" rtlCol="0" anchor="ctr">
-            <a:normAutofit/>
-          </a:bodyPr>
-          <a:lstStyle>
-            <a:lvl1pPr algn="l" defTabSz="914400" rtl="0" eaLnBrk="1" latinLnBrk="0" hangingPunct="1">
-              <a:lnSpc>
-                <a:spcPct val="90000"/>
-              </a:lnSpc>
-              <a:spcBef>
-                <a:spcPct val="0"/>
-              </a:spcBef>
-              <a:buNone/>
-              <a:defRPr sz="4400" kern="1200">
-                <a:solidFill>
-                  <a:schemeClr val="tx1"/>
-                </a:solidFill>
-                <a:latin typeface="+mj-lt"/>
-                <a:ea typeface="+mj-ea"/>
-                <a:cs typeface="+mj-cs"/>
-              </a:defRPr>
-            </a:lvl1pPr>
-          </a:lstStyle>
-          <a:p>
-            <a:pPr algn="ctr"/>
-            <a:r>
-              <a:rPr lang="es-ES" sz="3600" u="sng" dirty="0">
-                <a:latin typeface="Arial" panose="020B0604020202020204" pitchFamily="34" charset="0"/>
-                <a:cs typeface="Arial" panose="020B0604020202020204" pitchFamily="34" charset="0"/>
-              </a:rPr>
-              <a:t>Erste Ergebnisse und Erfahrungen</a:t>
-            </a:r>
-          </a:p>
-        </p:txBody>
-      </p:sp>
-      <p:sp>
-        <p:nvSpPr>
-          <p:cNvPr id="7" name="Fußzeilenplatzhalter 4">
-            <a:extLst>
-              <a:ext uri="{FF2B5EF4-FFF2-40B4-BE49-F238E27FC236}">
-                <a16:creationId xmlns:a16="http://schemas.microsoft.com/office/drawing/2014/main" id="{00D96A0B-DFF8-4590-A342-4EE02B81294A}"/>
-              </a:ext>
-            </a:extLst>
-          </p:cNvPr>
-          <p:cNvSpPr>
-            <a:spLocks noGrp="1"/>
-          </p:cNvSpPr>
-          <p:nvPr>
-            <p:ph type="ftr" sz="quarter" idx="11"/>
-          </p:nvPr>
-        </p:nvSpPr>
-        <p:spPr>
-          <a:xfrm>
-            <a:off x="117806" y="6356350"/>
-            <a:ext cx="4050287" cy="365125"/>
-          </a:xfrm>
-        </p:spPr>
-        <p:txBody>
-          <a:bodyPr/>
-          <a:lstStyle/>
-          <a:p>
-            <a:r>
-              <a:rPr lang="es-ES" dirty="0">
-                <a:latin typeface="Arial" panose="020B0604020202020204" pitchFamily="34" charset="0"/>
-                <a:cs typeface="Arial" panose="020B0604020202020204" pitchFamily="34" charset="0"/>
-              </a:rPr>
-              <a:t>Getriggerte Erdbeben – Orzelek, Reichmeier, Riedlberger</a:t>
-            </a:r>
-          </a:p>
-        </p:txBody>
-      </p:sp>
-    </p:spTree>
-    <p:extLst>
-      <p:ext uri="{BB962C8B-B14F-4D97-AF65-F5344CB8AC3E}">
-        <p14:creationId xmlns:p14="http://schemas.microsoft.com/office/powerpoint/2010/main" val="234327054"/>
-      </p:ext>
-    </p:extLst>
-  </p:cSld>
-  <p:clrMapOvr>
-    <a:masterClrMapping/>
-  </p:clrMapOvr>
-</p:sld>
-</file>
-
-<file path=ppt/slides/slide9.xml><?xml version="1.0" encoding="utf-8"?>
-<p:sld xmlns:a="http://schemas.openxmlformats.org/drawingml/2006/main" xmlns:r="http://schemas.openxmlformats.org/officeDocument/2006/relationships" xmlns:p="http://schemas.openxmlformats.org/presentationml/2006/main">
-  <p:cSld>
-    <p:spTree>
-      <p:nvGrpSpPr>
-        <p:cNvPr id="1" name=""/>
-        <p:cNvGrpSpPr/>
-        <p:nvPr/>
-      </p:nvGrpSpPr>
-      <p:grpSpPr>
-        <a:xfrm>
-          <a:off x="0" y="0"/>
-          <a:ext cx="0" cy="0"/>
-          <a:chOff x="0" y="0"/>
-          <a:chExt cx="0" cy="0"/>
-        </a:xfrm>
-      </p:grpSpPr>
-      <p:sp>
-        <p:nvSpPr>
-          <p:cNvPr id="3" name="Inhaltsplatzhalter 2">
-            <a:extLst>
-              <a:ext uri="{FF2B5EF4-FFF2-40B4-BE49-F238E27FC236}">
-                <a16:creationId xmlns:a16="http://schemas.microsoft.com/office/drawing/2014/main" id="{EF2F12AA-717C-400F-AC63-EA5D78A3C047}"/>
-              </a:ext>
-            </a:extLst>
-          </p:cNvPr>
-          <p:cNvSpPr>
-            <a:spLocks noGrp="1"/>
-          </p:cNvSpPr>
-          <p:nvPr>
-            <p:ph idx="1"/>
-          </p:nvPr>
-        </p:nvSpPr>
-        <p:spPr>
-          <a:xfrm>
-            <a:off x="1002052" y="1844675"/>
-            <a:ext cx="11065988" cy="4351338"/>
-          </a:xfrm>
-        </p:spPr>
-        <p:txBody>
-          <a:bodyPr>
-            <a:normAutofit/>
-          </a:bodyPr>
-          <a:lstStyle/>
-          <a:p>
-            <a:r>
-              <a:rPr lang="es-ES" dirty="0">
-                <a:latin typeface="Arial" panose="020B0604020202020204" pitchFamily="34" charset="0"/>
-                <a:cs typeface="Arial" panose="020B0604020202020204" pitchFamily="34" charset="0"/>
-              </a:rPr>
-              <a:t>Hintergrund und Inhalt des Projektes</a:t>
-            </a:r>
-          </a:p>
-          <a:p>
-            <a:r>
-              <a:rPr lang="es-ES" dirty="0">
-                <a:latin typeface="Arial" panose="020B0604020202020204" pitchFamily="34" charset="0"/>
-                <a:cs typeface="Arial" panose="020B0604020202020204" pitchFamily="34" charset="0"/>
-              </a:rPr>
-              <a:t>Fragestellung</a:t>
-            </a:r>
-          </a:p>
-          <a:p>
-            <a:r>
-              <a:rPr lang="es-ES" dirty="0">
-                <a:latin typeface="Arial" panose="020B0604020202020204" pitchFamily="34" charset="0"/>
-                <a:cs typeface="Arial" panose="020B0604020202020204" pitchFamily="34" charset="0"/>
-              </a:rPr>
-              <a:t>Erste Ergebnisse und Erfahrungen</a:t>
-            </a:r>
-          </a:p>
-          <a:p>
-            <a:r>
-              <a:rPr lang="es-ES" b="1" dirty="0">
-                <a:latin typeface="Arial" panose="020B0604020202020204" pitchFamily="34" charset="0"/>
-                <a:cs typeface="Arial" panose="020B0604020202020204" pitchFamily="34" charset="0"/>
-              </a:rPr>
-              <a:t>Konzept der Methodik</a:t>
-            </a:r>
-          </a:p>
-          <a:p>
-            <a:r>
-              <a:rPr lang="es-ES" dirty="0">
-                <a:latin typeface="Arial" panose="020B0604020202020204" pitchFamily="34" charset="0"/>
-                <a:cs typeface="Arial" panose="020B0604020202020204" pitchFamily="34" charset="0"/>
-              </a:rPr>
-              <a:t>Fragen und Anregungen = Diskussion</a:t>
-            </a:r>
-          </a:p>
-          <a:p>
-            <a:pPr marL="0" indent="0">
-              <a:buNone/>
-            </a:pPr>
-            <a:endParaRPr lang="es-ES" dirty="0"/>
-          </a:p>
-        </p:txBody>
-      </p:sp>
-      <p:sp>
-        <p:nvSpPr>
-          <p:cNvPr id="4" name="Foliennummernplatzhalter 3">
-            <a:extLst>
-              <a:ext uri="{FF2B5EF4-FFF2-40B4-BE49-F238E27FC236}">
-                <a16:creationId xmlns:a16="http://schemas.microsoft.com/office/drawing/2014/main" id="{38F51045-17B2-4CC8-80FB-808D3D232D7E}"/>
-              </a:ext>
-            </a:extLst>
-          </p:cNvPr>
-          <p:cNvSpPr>
-            <a:spLocks noGrp="1"/>
-          </p:cNvSpPr>
-          <p:nvPr>
-            <p:ph type="sldNum" sz="quarter" idx="12"/>
-          </p:nvPr>
-        </p:nvSpPr>
-        <p:spPr/>
-        <p:txBody>
-          <a:bodyPr/>
-          <a:lstStyle/>
-          <a:p>
-            <a:fld id="{5C76D808-3489-4ED6-8F45-9C53BCBA6C6D}" type="slidenum">
-              <a:rPr lang="es-ES" b="1" smtClean="0"/>
-              <a:t>9</a:t>
-            </a:fld>
-            <a:endParaRPr lang="es-ES" b="1" dirty="0"/>
-          </a:p>
-        </p:txBody>
-      </p:sp>
-      <p:sp>
-        <p:nvSpPr>
-          <p:cNvPr id="6" name="AutoShape 2" descr="Bildergebnis für mexiko  flagge">
-            <a:extLst>
-              <a:ext uri="{FF2B5EF4-FFF2-40B4-BE49-F238E27FC236}">
-                <a16:creationId xmlns:a16="http://schemas.microsoft.com/office/drawing/2014/main" id="{857C175E-0782-4771-83B5-FE30477F5ADE}"/>
-              </a:ext>
-            </a:extLst>
-          </p:cNvPr>
-          <p:cNvSpPr>
-            <a:spLocks noChangeAspect="1" noChangeArrowheads="1"/>
-          </p:cNvSpPr>
-          <p:nvPr/>
-        </p:nvSpPr>
-        <p:spPr bwMode="auto">
-          <a:xfrm>
-            <a:off x="5943600" y="3276600"/>
-            <a:ext cx="304800" cy="304800"/>
-          </a:xfrm>
-          <a:prstGeom prst="rect">
-            <a:avLst/>
-          </a:prstGeom>
-          <a:noFill/>
-          <a:extLst>
-            <a:ext uri="{909E8E84-426E-40DD-AFC4-6F175D3DCCD1}">
-              <a14:hiddenFill xmlns:a14="http://schemas.microsoft.com/office/drawing/2010/main">
-                <a:solidFill>
-                  <a:srgbClr val="FFFFFF"/>
-                </a:solidFill>
-              </a14:hiddenFill>
-            </a:ext>
-          </a:extLst>
-        </p:spPr>
-        <p:txBody>
-          <a:bodyPr vert="horz" wrap="square" lIns="91440" tIns="45720" rIns="91440" bIns="45720" numCol="1" anchor="t" anchorCtr="0" compatLnSpc="1">
-            <a:prstTxWarp prst="textNoShape">
-              <a:avLst/>
-            </a:prstTxWarp>
-          </a:bodyPr>
-          <a:lstStyle/>
-          <a:p>
-            <a:endParaRPr lang="es-ES"/>
-          </a:p>
-        </p:txBody>
-      </p:sp>
-      <p:sp>
-        <p:nvSpPr>
-          <p:cNvPr id="9" name="Titel 26">
-            <a:extLst>
-              <a:ext uri="{FF2B5EF4-FFF2-40B4-BE49-F238E27FC236}">
-                <a16:creationId xmlns:a16="http://schemas.microsoft.com/office/drawing/2014/main" id="{2EB3946F-2FEF-7647-9117-E92EBCA1223B}"/>
-              </a:ext>
-            </a:extLst>
-          </p:cNvPr>
-          <p:cNvSpPr txBox="1">
-            <a:spLocks/>
-          </p:cNvSpPr>
-          <p:nvPr/>
-        </p:nvSpPr>
-        <p:spPr>
-          <a:xfrm>
-            <a:off x="838200" y="-140245"/>
-            <a:ext cx="10515600" cy="1325563"/>
-          </a:xfrm>
-          <a:prstGeom prst="rect">
-            <a:avLst/>
-          </a:prstGeom>
-        </p:spPr>
-        <p:txBody>
-          <a:bodyPr vert="horz" lIns="91440" tIns="45720" rIns="91440" bIns="45720" rtlCol="0" anchor="ctr">
-            <a:normAutofit/>
-          </a:bodyPr>
-          <a:lstStyle>
-            <a:lvl1pPr algn="l" defTabSz="914400" rtl="0" eaLnBrk="1" latinLnBrk="0" hangingPunct="1">
-              <a:lnSpc>
-                <a:spcPct val="90000"/>
-              </a:lnSpc>
-              <a:spcBef>
-                <a:spcPct val="0"/>
-              </a:spcBef>
-              <a:buNone/>
-              <a:defRPr sz="4400" kern="1200">
-                <a:solidFill>
-                  <a:schemeClr val="tx1"/>
-                </a:solidFill>
-                <a:latin typeface="+mj-lt"/>
-                <a:ea typeface="+mj-ea"/>
-                <a:cs typeface="+mj-cs"/>
-              </a:defRPr>
-            </a:lvl1pPr>
-          </a:lstStyle>
-          <a:p>
-            <a:pPr algn="ctr"/>
-            <a:r>
-              <a:rPr lang="es-ES" sz="3600" u="sng" dirty="0" err="1">
-                <a:latin typeface="Arial" panose="020B0604020202020204" pitchFamily="34" charset="0"/>
-                <a:cs typeface="Arial" panose="020B0604020202020204" pitchFamily="34" charset="0"/>
-              </a:rPr>
-              <a:t>Gliederung</a:t>
-            </a:r>
-            <a:endParaRPr lang="es-ES" sz="3600" u="sng" dirty="0">
-              <a:latin typeface="Arial" panose="020B0604020202020204" pitchFamily="34" charset="0"/>
-              <a:cs typeface="Arial" panose="020B0604020202020204" pitchFamily="34" charset="0"/>
-            </a:endParaRPr>
-          </a:p>
-        </p:txBody>
-      </p:sp>
-      <p:sp>
-        <p:nvSpPr>
-          <p:cNvPr id="10" name="Fußzeilenplatzhalter 4">
-            <a:extLst>
-              <a:ext uri="{FF2B5EF4-FFF2-40B4-BE49-F238E27FC236}">
-                <a16:creationId xmlns:a16="http://schemas.microsoft.com/office/drawing/2014/main" id="{CA3F2EDC-1E9F-40FC-ABFA-3C46B88C1DC8}"/>
-              </a:ext>
-            </a:extLst>
-          </p:cNvPr>
-          <p:cNvSpPr>
-            <a:spLocks noGrp="1"/>
-          </p:cNvSpPr>
-          <p:nvPr>
-            <p:ph type="ftr" sz="quarter" idx="11"/>
-          </p:nvPr>
-        </p:nvSpPr>
-        <p:spPr>
-          <a:xfrm>
-            <a:off x="117806" y="6356350"/>
-            <a:ext cx="4050287" cy="365125"/>
-          </a:xfrm>
-        </p:spPr>
-        <p:txBody>
-          <a:bodyPr/>
-          <a:lstStyle/>
-          <a:p>
-            <a:r>
-              <a:rPr lang="es-ES" dirty="0">
-                <a:latin typeface="Arial" panose="020B0604020202020204" pitchFamily="34" charset="0"/>
-                <a:cs typeface="Arial" panose="020B0604020202020204" pitchFamily="34" charset="0"/>
-              </a:rPr>
-              <a:t>Getriggerte Erdbeben – Orzelek, Reichmeier, Riedlberger</a:t>
-            </a:r>
-          </a:p>
-        </p:txBody>
-      </p:sp>
-    </p:spTree>
-    <p:extLst>
-      <p:ext uri="{BB962C8B-B14F-4D97-AF65-F5344CB8AC3E}">
-        <p14:creationId xmlns:p14="http://schemas.microsoft.com/office/powerpoint/2010/main" val="3640284442"/>
-      </p:ext>
-    </p:extLst>
-  </p:cSld>
-  <p:clrMapOvr>
-    <a:masterClrMapping/>
-  </p:clrMapOvr>
 </p:sld>
 </file>
 

--- a/PP.pptx
+++ b/PP.pptx
@@ -9,21 +9,30 @@
     <p:sldId id="258" r:id="rId3"/>
     <p:sldId id="262" r:id="rId4"/>
     <p:sldId id="277" r:id="rId5"/>
-    <p:sldId id="263" r:id="rId6"/>
-    <p:sldId id="279" r:id="rId7"/>
-    <p:sldId id="274" r:id="rId8"/>
-    <p:sldId id="261" r:id="rId9"/>
-    <p:sldId id="260" r:id="rId10"/>
-    <p:sldId id="268" r:id="rId11"/>
-    <p:sldId id="272" r:id="rId12"/>
-    <p:sldId id="276" r:id="rId13"/>
-    <p:sldId id="269" r:id="rId14"/>
-    <p:sldId id="271" r:id="rId15"/>
-    <p:sldId id="270" r:id="rId16"/>
-    <p:sldId id="273" r:id="rId17"/>
-    <p:sldId id="264" r:id="rId18"/>
-    <p:sldId id="267" r:id="rId19"/>
-    <p:sldId id="259" r:id="rId20"/>
+    <p:sldId id="279" r:id="rId6"/>
+    <p:sldId id="274" r:id="rId7"/>
+    <p:sldId id="261" r:id="rId8"/>
+    <p:sldId id="260" r:id="rId9"/>
+    <p:sldId id="269" r:id="rId10"/>
+    <p:sldId id="271" r:id="rId11"/>
+    <p:sldId id="290" r:id="rId12"/>
+    <p:sldId id="291" r:id="rId13"/>
+    <p:sldId id="283" r:id="rId14"/>
+    <p:sldId id="280" r:id="rId15"/>
+    <p:sldId id="286" r:id="rId16"/>
+    <p:sldId id="304" r:id="rId17"/>
+    <p:sldId id="270" r:id="rId18"/>
+    <p:sldId id="273" r:id="rId19"/>
+    <p:sldId id="267" r:id="rId20"/>
+    <p:sldId id="296" r:id="rId21"/>
+    <p:sldId id="288" r:id="rId22"/>
+    <p:sldId id="297" r:id="rId23"/>
+    <p:sldId id="298" r:id="rId24"/>
+    <p:sldId id="299" r:id="rId25"/>
+    <p:sldId id="300" r:id="rId26"/>
+    <p:sldId id="292" r:id="rId27"/>
+    <p:sldId id="302" r:id="rId28"/>
+    <p:sldId id="259" r:id="rId29"/>
   </p:sldIdLst>
   <p:sldSz cx="12192000" cy="6858000"/>
   <p:notesSz cx="6858000" cy="9144000"/>
@@ -125,7 +134,7 @@
   <p:extLst>
     <p:ext uri="{EFAFB233-063F-42B5-8137-9DF3F51BA10A}">
       <p15:sldGuideLst xmlns:p15="http://schemas.microsoft.com/office/powerpoint/2012/main">
-        <p15:guide id="1" orient="horz" pos="2160" userDrawn="1">
+        <p15:guide id="1" orient="horz" pos="2319" userDrawn="1">
           <p15:clr>
             <a:srgbClr val="A4A3A4"/>
           </p15:clr>
@@ -290,7 +299,7 @@
           <a:p>
             <a:fld id="{6652AED0-8AA7-4156-AC4D-3923CE798F0C}" type="datetimeFigureOut">
               <a:rPr lang="es-ES" smtClean="0"/>
-              <a:t>11/03/2021</a:t>
+              <a:t>22/03/2021</a:t>
             </a:fld>
             <a:endParaRPr lang="es-ES"/>
           </a:p>
@@ -490,7 +499,7 @@
           <a:p>
             <a:fld id="{6652AED0-8AA7-4156-AC4D-3923CE798F0C}" type="datetimeFigureOut">
               <a:rPr lang="es-ES" smtClean="0"/>
-              <a:t>11/03/2021</a:t>
+              <a:t>22/03/2021</a:t>
             </a:fld>
             <a:endParaRPr lang="es-ES"/>
           </a:p>
@@ -700,7 +709,7 @@
           <a:p>
             <a:fld id="{6652AED0-8AA7-4156-AC4D-3923CE798F0C}" type="datetimeFigureOut">
               <a:rPr lang="es-ES" smtClean="0"/>
-              <a:t>11/03/2021</a:t>
+              <a:t>22/03/2021</a:t>
             </a:fld>
             <a:endParaRPr lang="es-ES"/>
           </a:p>
@@ -900,7 +909,7 @@
           <a:p>
             <a:fld id="{6652AED0-8AA7-4156-AC4D-3923CE798F0C}" type="datetimeFigureOut">
               <a:rPr lang="es-ES" smtClean="0"/>
-              <a:t>11/03/2021</a:t>
+              <a:t>22/03/2021</a:t>
             </a:fld>
             <a:endParaRPr lang="es-ES"/>
           </a:p>
@@ -1176,7 +1185,7 @@
           <a:p>
             <a:fld id="{6652AED0-8AA7-4156-AC4D-3923CE798F0C}" type="datetimeFigureOut">
               <a:rPr lang="es-ES" smtClean="0"/>
-              <a:t>11/03/2021</a:t>
+              <a:t>22/03/2021</a:t>
             </a:fld>
             <a:endParaRPr lang="es-ES"/>
           </a:p>
@@ -1444,7 +1453,7 @@
           <a:p>
             <a:fld id="{6652AED0-8AA7-4156-AC4D-3923CE798F0C}" type="datetimeFigureOut">
               <a:rPr lang="es-ES" smtClean="0"/>
-              <a:t>11/03/2021</a:t>
+              <a:t>22/03/2021</a:t>
             </a:fld>
             <a:endParaRPr lang="es-ES"/>
           </a:p>
@@ -1859,7 +1868,7 @@
           <a:p>
             <a:fld id="{6652AED0-8AA7-4156-AC4D-3923CE798F0C}" type="datetimeFigureOut">
               <a:rPr lang="es-ES" smtClean="0"/>
-              <a:t>11/03/2021</a:t>
+              <a:t>22/03/2021</a:t>
             </a:fld>
             <a:endParaRPr lang="es-ES"/>
           </a:p>
@@ -2001,7 +2010,7 @@
           <a:p>
             <a:fld id="{6652AED0-8AA7-4156-AC4D-3923CE798F0C}" type="datetimeFigureOut">
               <a:rPr lang="es-ES" smtClean="0"/>
-              <a:t>11/03/2021</a:t>
+              <a:t>22/03/2021</a:t>
             </a:fld>
             <a:endParaRPr lang="es-ES"/>
           </a:p>
@@ -2114,7 +2123,7 @@
           <a:p>
             <a:fld id="{6652AED0-8AA7-4156-AC4D-3923CE798F0C}" type="datetimeFigureOut">
               <a:rPr lang="es-ES" smtClean="0"/>
-              <a:t>11/03/2021</a:t>
+              <a:t>22/03/2021</a:t>
             </a:fld>
             <a:endParaRPr lang="es-ES"/>
           </a:p>
@@ -2427,7 +2436,7 @@
           <a:p>
             <a:fld id="{6652AED0-8AA7-4156-AC4D-3923CE798F0C}" type="datetimeFigureOut">
               <a:rPr lang="es-ES" smtClean="0"/>
-              <a:t>11/03/2021</a:t>
+              <a:t>22/03/2021</a:t>
             </a:fld>
             <a:endParaRPr lang="es-ES"/>
           </a:p>
@@ -2716,7 +2725,7 @@
           <a:p>
             <a:fld id="{6652AED0-8AA7-4156-AC4D-3923CE798F0C}" type="datetimeFigureOut">
               <a:rPr lang="es-ES" smtClean="0"/>
-              <a:t>11/03/2021</a:t>
+              <a:t>22/03/2021</a:t>
             </a:fld>
             <a:endParaRPr lang="es-ES"/>
           </a:p>
@@ -2959,7 +2968,7 @@
           <a:p>
             <a:fld id="{6652AED0-8AA7-4156-AC4D-3923CE798F0C}" type="datetimeFigureOut">
               <a:rPr lang="es-ES" smtClean="0"/>
-              <a:t>11/03/2021</a:t>
+              <a:t>22/03/2021</a:t>
             </a:fld>
             <a:endParaRPr lang="es-ES"/>
           </a:p>
@@ -3362,6 +3371,16 @@
 <file path=ppt/slides/slide1.xml><?xml version="1.0" encoding="utf-8"?>
 <p:sld xmlns:a="http://schemas.openxmlformats.org/drawingml/2006/main" xmlns:r="http://schemas.openxmlformats.org/officeDocument/2006/relationships" xmlns:p="http://schemas.openxmlformats.org/presentationml/2006/main">
   <p:cSld>
+    <p:bg>
+      <p:bgPr>
+        <a:solidFill>
+          <a:schemeClr val="bg1">
+            <a:alpha val="37000"/>
+          </a:schemeClr>
+        </a:solidFill>
+        <a:effectLst/>
+      </p:bgPr>
+    </p:bg>
     <p:spTree>
       <p:nvGrpSpPr>
         <p:cNvPr id="1" name=""/>
@@ -3394,7 +3413,7 @@
         </p:nvSpPr>
         <p:spPr>
           <a:xfrm>
-            <a:off x="592770" y="1502526"/>
+            <a:off x="592770" y="1735354"/>
             <a:ext cx="11006459" cy="1580186"/>
           </a:xfrm>
         </p:spPr>
@@ -3432,8 +3451,8 @@
         </p:nvSpPr>
         <p:spPr>
           <a:xfrm>
-            <a:off x="5048833" y="5021575"/>
-            <a:ext cx="6550396" cy="661168"/>
+            <a:off x="4717856" y="5032794"/>
+            <a:ext cx="6920642" cy="661168"/>
           </a:xfrm>
         </p:spPr>
         <p:txBody>
@@ -3450,26 +3469,23 @@
           <a:p>
             <a:pPr algn="r"/>
             <a:r>
-              <a:rPr lang="es-ES" sz="2000" dirty="0">
-                <a:latin typeface="Arial" panose="020B0604020202020204" pitchFamily="34" charset="0"/>
+              <a:rPr lang="es-ES" dirty="0">
                 <a:cs typeface="Arial" panose="020B0604020202020204" pitchFamily="34" charset="0"/>
               </a:rPr>
               <a:t>Projektpartner: Christian Grimm</a:t>
             </a:r>
             <a:r>
-              <a:rPr lang="de-DE" sz="1600" dirty="0"/>
+              <a:rPr lang="de-DE" dirty="0"/>
               <a:t>, </a:t>
             </a:r>
             <a:r>
-              <a:rPr lang="de-DE" sz="2000" dirty="0" err="1">
-                <a:latin typeface="Arial" panose="020B0604020202020204" pitchFamily="34" charset="0"/>
+              <a:rPr lang="de-DE" dirty="0" err="1">
                 <a:cs typeface="Arial" panose="020B0604020202020204" pitchFamily="34" charset="0"/>
               </a:rPr>
               <a:t>StaBLab</a:t>
             </a:r>
             <a:r>
-              <a:rPr lang="de-DE" sz="2000" dirty="0">
-                <a:latin typeface="Arial" panose="020B0604020202020204" pitchFamily="34" charset="0"/>
+              <a:rPr lang="de-DE" dirty="0">
                 <a:cs typeface="Arial" panose="020B0604020202020204" pitchFamily="34" charset="0"/>
               </a:rPr>
               <a:t>, Munich Re </a:t>
@@ -3498,8 +3514,8 @@
         </p:nvSpPr>
         <p:spPr>
           <a:xfrm>
-            <a:off x="3063240" y="5791228"/>
-            <a:ext cx="8718468" cy="400110"/>
+            <a:off x="2355028" y="5791228"/>
+            <a:ext cx="9470464" cy="461665"/>
           </a:xfrm>
           <a:prstGeom prst="rect">
             <a:avLst/>
@@ -3513,8 +3529,7 @@
           <a:lstStyle/>
           <a:p>
             <a:r>
-              <a:rPr lang="es-ES" sz="2000" dirty="0">
-                <a:latin typeface="Arial" panose="020B0604020202020204" pitchFamily="34" charset="0"/>
+              <a:rPr lang="es-ES" sz="2400" dirty="0">
                 <a:cs typeface="Arial" panose="020B0604020202020204" pitchFamily="34" charset="0"/>
               </a:rPr>
               <a:t>Bearbeitet von Anna Orzelek, Franziska Reichmeier, Katharina Riedlberger</a:t>
@@ -3574,8 +3589,8 @@
         </p:nvSpPr>
         <p:spPr>
           <a:xfrm>
-            <a:off x="8353697" y="6207927"/>
-            <a:ext cx="3428011" cy="400110"/>
+            <a:off x="1842823" y="6143500"/>
+            <a:ext cx="9836972" cy="461665"/>
           </a:xfrm>
           <a:prstGeom prst="rect">
             <a:avLst/>
@@ -3588,9 +3603,9 @@
           </a:bodyPr>
           <a:lstStyle/>
           <a:p>
-            <a:r>
-              <a:rPr lang="es-ES" sz="2000" dirty="0">
-                <a:latin typeface="Arial" panose="020B0604020202020204" pitchFamily="34" charset="0"/>
+            <a:pPr algn="r"/>
+            <a:r>
+              <a:rPr lang="es-ES" sz="2400" dirty="0">
                 <a:cs typeface="Arial" panose="020B0604020202020204" pitchFamily="34" charset="0"/>
               </a:rPr>
               <a:t>Betreut von Dr. André Klima</a:t>
@@ -3650,8 +3665,8 @@
         </p:nvSpPr>
         <p:spPr>
           <a:xfrm>
-            <a:off x="5132424" y="3332129"/>
-            <a:ext cx="1927149" cy="400110"/>
+            <a:off x="4813877" y="3650947"/>
+            <a:ext cx="2821081" cy="523220"/>
           </a:xfrm>
           <a:prstGeom prst="rect">
             <a:avLst/>
@@ -3665,7 +3680,7 @@
           <a:lstStyle/>
           <a:p>
             <a:r>
-              <a:rPr lang="es-ES" sz="2000" dirty="0"/>
+              <a:rPr lang="es-ES" sz="2800" dirty="0"/>
               <a:t>Zwischenvortrag</a:t>
             </a:r>
           </a:p>
@@ -3703,86 +3718,6 @@
       </p:grpSpPr>
       <p:sp>
         <p:nvSpPr>
-          <p:cNvPr id="3" name="Inhaltsplatzhalter 2">
-            <a:extLst>
-              <a:ext uri="{FF2B5EF4-FFF2-40B4-BE49-F238E27FC236}">
-                <a16:creationId xmlns:a16="http://schemas.microsoft.com/office/drawing/2014/main" id="{EF2F12AA-717C-400F-AC63-EA5D78A3C047}"/>
-              </a:ext>
-            </a:extLst>
-          </p:cNvPr>
-          <p:cNvSpPr>
-            <a:spLocks noGrp="1"/>
-          </p:cNvSpPr>
-          <p:nvPr>
-            <p:ph idx="1"/>
-          </p:nvPr>
-        </p:nvSpPr>
-        <p:spPr>
-          <a:xfrm>
-            <a:off x="1002052" y="1844675"/>
-            <a:ext cx="11065988" cy="4351338"/>
-          </a:xfrm>
-        </p:spPr>
-        <p:txBody>
-          <a:bodyPr>
-            <a:normAutofit/>
-          </a:bodyPr>
-          <a:lstStyle/>
-          <a:p>
-            <a:r>
-              <a:rPr lang="es-ES" dirty="0">
-                <a:latin typeface="Arial" panose="020B0604020202020204" pitchFamily="34" charset="0"/>
-                <a:cs typeface="Arial" panose="020B0604020202020204" pitchFamily="34" charset="0"/>
-              </a:rPr>
-              <a:t>Hintergrund und Inhalt des Projektes</a:t>
-            </a:r>
-          </a:p>
-          <a:p>
-            <a:r>
-              <a:rPr lang="es-ES" dirty="0">
-                <a:latin typeface="Arial" panose="020B0604020202020204" pitchFamily="34" charset="0"/>
-                <a:cs typeface="Arial" panose="020B0604020202020204" pitchFamily="34" charset="0"/>
-              </a:rPr>
-              <a:t>Fragestellung</a:t>
-            </a:r>
-          </a:p>
-          <a:p>
-            <a:r>
-              <a:rPr lang="es-ES" b="1" dirty="0">
-                <a:latin typeface="Arial" panose="020B0604020202020204" pitchFamily="34" charset="0"/>
-                <a:cs typeface="Arial" panose="020B0604020202020204" pitchFamily="34" charset="0"/>
-              </a:rPr>
-              <a:t>Konzept der Methodik</a:t>
-            </a:r>
-          </a:p>
-          <a:p>
-            <a:r>
-              <a:rPr lang="es-ES" dirty="0">
-                <a:latin typeface="Arial" panose="020B0604020202020204" pitchFamily="34" charset="0"/>
-                <a:cs typeface="Arial" panose="020B0604020202020204" pitchFamily="34" charset="0"/>
-              </a:rPr>
-              <a:t>Erste Ergebnisse und Erfahrungen</a:t>
-            </a:r>
-          </a:p>
-          <a:p>
-            <a:r>
-              <a:rPr lang="es-ES" dirty="0">
-                <a:latin typeface="Arial" panose="020B0604020202020204" pitchFamily="34" charset="0"/>
-                <a:cs typeface="Arial" panose="020B0604020202020204" pitchFamily="34" charset="0"/>
-              </a:rPr>
-              <a:t>Fragen und Anregungen = Diskussion</a:t>
-            </a:r>
-          </a:p>
-          <a:p>
-            <a:pPr marL="0" indent="0">
-              <a:buNone/>
-            </a:pPr>
-            <a:endParaRPr lang="es-ES" dirty="0"/>
-          </a:p>
-        </p:txBody>
-      </p:sp>
-      <p:sp>
-        <p:nvSpPr>
           <p:cNvPr id="4" name="Foliennummernplatzhalter 3">
             <a:extLst>
               <a:ext uri="{FF2B5EF4-FFF2-40B4-BE49-F238E27FC236}">
@@ -3871,7 +3806,7 @@
         </p:nvSpPr>
         <p:spPr>
           <a:xfrm>
-            <a:off x="838200" y="-140245"/>
+            <a:off x="838200" y="0"/>
             <a:ext cx="10515600" cy="1325563"/>
           </a:xfrm>
           <a:prstGeom prst="rect">
@@ -3904,25 +3839,21 @@
           <a:p>
             <a:pPr algn="ctr"/>
             <a:r>
-              <a:rPr lang="es-ES" sz="3600" u="sng" dirty="0" err="1">
+              <a:rPr lang="es-ES" sz="3600" u="sng" dirty="0">
                 <a:latin typeface="Arial" panose="020B0604020202020204" pitchFamily="34" charset="0"/>
                 <a:cs typeface="Arial" panose="020B0604020202020204" pitchFamily="34" charset="0"/>
               </a:rPr>
-              <a:t>Gliederung</a:t>
-            </a:r>
-            <a:endParaRPr lang="es-ES" sz="3600" u="sng" dirty="0">
-              <a:latin typeface="Arial" panose="020B0604020202020204" pitchFamily="34" charset="0"/>
-              <a:cs typeface="Arial" panose="020B0604020202020204" pitchFamily="34" charset="0"/>
-            </a:endParaRPr>
-          </a:p>
-        </p:txBody>
-      </p:sp>
-      <p:sp>
-        <p:nvSpPr>
-          <p:cNvPr id="10" name="Fußzeilenplatzhalter 4">
-            <a:extLst>
-              <a:ext uri="{FF2B5EF4-FFF2-40B4-BE49-F238E27FC236}">
-                <a16:creationId xmlns:a16="http://schemas.microsoft.com/office/drawing/2014/main" id="{CA3F2EDC-1E9F-40FC-ABFA-3C46B88C1DC8}"/>
+              <a:t>Konzept - Erste Ergebnisse und Erfahrungen</a:t>
+            </a:r>
+          </a:p>
+        </p:txBody>
+      </p:sp>
+      <p:sp>
+        <p:nvSpPr>
+          <p:cNvPr id="7" name="Fußzeilenplatzhalter 4">
+            <a:extLst>
+              <a:ext uri="{FF2B5EF4-FFF2-40B4-BE49-F238E27FC236}">
+                <a16:creationId xmlns:a16="http://schemas.microsoft.com/office/drawing/2014/main" id="{00D96A0B-DFF8-4590-A342-4EE02B81294A}"/>
               </a:ext>
             </a:extLst>
           </p:cNvPr>
@@ -3953,10 +3884,699 @@
           </a:p>
         </p:txBody>
       </p:sp>
+      <p:sp>
+        <p:nvSpPr>
+          <p:cNvPr id="8" name="Textfeld 7">
+            <a:extLst>
+              <a:ext uri="{FF2B5EF4-FFF2-40B4-BE49-F238E27FC236}">
+                <a16:creationId xmlns:a16="http://schemas.microsoft.com/office/drawing/2014/main" id="{606EC3B3-7C55-407B-9219-764DFB52658B}"/>
+              </a:ext>
+            </a:extLst>
+          </p:cNvPr>
+          <p:cNvSpPr txBox="1"/>
+          <p:nvPr/>
+        </p:nvSpPr>
+        <p:spPr>
+          <a:xfrm>
+            <a:off x="7332029" y="1195444"/>
+            <a:ext cx="3825894" cy="2769989"/>
+          </a:xfrm>
+          <a:prstGeom prst="rect">
+            <a:avLst/>
+          </a:prstGeom>
+          <a:noFill/>
+        </p:spPr>
+        <p:txBody>
+          <a:bodyPr wrap="square" rtlCol="0">
+            <a:spAutoFit/>
+          </a:bodyPr>
+          <a:lstStyle/>
+          <a:p>
+            <a:r>
+              <a:rPr lang="es-ES" sz="2000" u="sng" dirty="0"/>
+              <a:t>Einfache lineare Regression (lm)</a:t>
+            </a:r>
+          </a:p>
+          <a:p>
+            <a:endParaRPr lang="es-ES" sz="2000" dirty="0"/>
+          </a:p>
+          <a:p>
+            <a:pPr marL="285750" indent="-285750">
+              <a:buFont typeface="Arial" panose="020B0604020202020204" pitchFamily="34" charset="0"/>
+              <a:buChar char="•"/>
+            </a:pPr>
+            <a:r>
+              <a:rPr lang="es-ES" sz="2000" dirty="0"/>
+              <a:t>Geringer positiver Einfluss</a:t>
+            </a:r>
+          </a:p>
+          <a:p>
+            <a:pPr marL="285750" indent="-285750">
+              <a:buFont typeface="Arial" panose="020B0604020202020204" pitchFamily="34" charset="0"/>
+              <a:buChar char="•"/>
+            </a:pPr>
+            <a:r>
+              <a:rPr lang="es-ES" sz="2000" dirty="0"/>
+              <a:t>signifikant</a:t>
+            </a:r>
+          </a:p>
+          <a:p>
+            <a:pPr marL="285750" indent="-285750">
+              <a:buFont typeface="Arial" panose="020B0604020202020204" pitchFamily="34" charset="0"/>
+              <a:buChar char="•"/>
+            </a:pPr>
+            <a:r>
+              <a:rPr lang="es-ES" sz="2000" dirty="0"/>
+              <a:t>R</a:t>
+            </a:r>
+            <a:r>
+              <a:rPr lang="es-ES" sz="2000" baseline="30000" dirty="0"/>
+              <a:t>2</a:t>
+            </a:r>
+            <a:r>
+              <a:rPr lang="es-ES" sz="2000" dirty="0"/>
+              <a:t> ist gering </a:t>
+            </a:r>
+            <a:r>
+              <a:rPr lang="es-ES" sz="2000" dirty="0">
+                <a:sym typeface="Wingdings" panose="05000000000000000000" pitchFamily="2" charset="2"/>
+              </a:rPr>
+              <a:t> Modell fittet nicht gut</a:t>
+            </a:r>
+          </a:p>
+          <a:p>
+            <a:endParaRPr lang="es-ES" dirty="0"/>
+          </a:p>
+          <a:p>
+            <a:endParaRPr lang="es-ES" dirty="0"/>
+          </a:p>
+          <a:p>
+            <a:endParaRPr lang="es-ES" dirty="0"/>
+          </a:p>
+        </p:txBody>
+      </p:sp>
+      <p:sp>
+        <p:nvSpPr>
+          <p:cNvPr id="2" name="Rechteck 1">
+            <a:extLst>
+              <a:ext uri="{FF2B5EF4-FFF2-40B4-BE49-F238E27FC236}">
+                <a16:creationId xmlns:a16="http://schemas.microsoft.com/office/drawing/2014/main" id="{D32204A3-CC48-48A5-81FA-616F7AED74E5}"/>
+              </a:ext>
+            </a:extLst>
+          </p:cNvPr>
+          <p:cNvSpPr/>
+          <p:nvPr/>
+        </p:nvSpPr>
+        <p:spPr>
+          <a:xfrm>
+            <a:off x="657596" y="1430385"/>
+            <a:ext cx="5670275" cy="409517"/>
+          </a:xfrm>
+          <a:prstGeom prst="rect">
+            <a:avLst/>
+          </a:prstGeom>
+          <a:solidFill>
+            <a:schemeClr val="bg1">
+              <a:lumMod val="85000"/>
+            </a:schemeClr>
+          </a:solidFill>
+          <a:ln>
+            <a:solidFill>
+              <a:schemeClr val="bg1"/>
+            </a:solidFill>
+          </a:ln>
+        </p:spPr>
+        <p:style>
+          <a:lnRef idx="2">
+            <a:schemeClr val="accent1">
+              <a:shade val="50000"/>
+            </a:schemeClr>
+          </a:lnRef>
+          <a:fillRef idx="1">
+            <a:schemeClr val="accent1"/>
+          </a:fillRef>
+          <a:effectRef idx="0">
+            <a:schemeClr val="accent1"/>
+          </a:effectRef>
+          <a:fontRef idx="minor">
+            <a:schemeClr val="lt1"/>
+          </a:fontRef>
+        </p:style>
+        <p:txBody>
+          <a:bodyPr rtlCol="0" anchor="ctr"/>
+          <a:lstStyle/>
+          <a:p>
+            <a:pPr algn="ctr"/>
+            <a:r>
+              <a:rPr lang="es-ES" dirty="0">
+                <a:solidFill>
+                  <a:schemeClr val="accent1">
+                    <a:lumMod val="75000"/>
+                  </a:schemeClr>
+                </a:solidFill>
+              </a:rPr>
+              <a:t>Getriggerte Magnitude  ~  Triggernde Magnitude</a:t>
+            </a:r>
+          </a:p>
+        </p:txBody>
+      </p:sp>
+      <p:graphicFrame>
+        <p:nvGraphicFramePr>
+          <p:cNvPr id="10" name="Tabelle 10">
+            <a:extLst>
+              <a:ext uri="{FF2B5EF4-FFF2-40B4-BE49-F238E27FC236}">
+                <a16:creationId xmlns:a16="http://schemas.microsoft.com/office/drawing/2014/main" id="{D45913D8-7B80-4D9A-83B0-2902C71C785E}"/>
+              </a:ext>
+            </a:extLst>
+          </p:cNvPr>
+          <p:cNvGraphicFramePr>
+            <a:graphicFrameLocks noGrp="1"/>
+          </p:cNvGraphicFramePr>
+          <p:nvPr>
+            <p:extLst>
+              <p:ext uri="{D42A27DB-BD31-4B8C-83A1-F6EECF244321}">
+                <p14:modId xmlns:p14="http://schemas.microsoft.com/office/powerpoint/2010/main" val="1925133047"/>
+              </p:ext>
+            </p:extLst>
+          </p:nvPr>
+        </p:nvGraphicFramePr>
+        <p:xfrm>
+          <a:off x="657594" y="1902200"/>
+          <a:ext cx="5670277" cy="761732"/>
+        </p:xfrm>
+        <a:graphic>
+          <a:graphicData uri="http://schemas.openxmlformats.org/drawingml/2006/table">
+            <a:tbl>
+              <a:tblPr firstRow="1" bandRow="1">
+                <a:tableStyleId>{5C22544A-7EE6-4342-B048-85BDC9FD1C3A}</a:tableStyleId>
+              </a:tblPr>
+              <a:tblGrid>
+                <a:gridCol w="3453922">
+                  <a:extLst>
+                    <a:ext uri="{9D8B030D-6E8A-4147-A177-3AD203B41FA5}">
+                      <a16:colId xmlns:a16="http://schemas.microsoft.com/office/drawing/2014/main" val="480744698"/>
+                    </a:ext>
+                  </a:extLst>
+                </a:gridCol>
+                <a:gridCol w="2216355">
+                  <a:extLst>
+                    <a:ext uri="{9D8B030D-6E8A-4147-A177-3AD203B41FA5}">
+                      <a16:colId xmlns:a16="http://schemas.microsoft.com/office/drawing/2014/main" val="3561967604"/>
+                    </a:ext>
+                  </a:extLst>
+                </a:gridCol>
+              </a:tblGrid>
+              <a:tr h="380866">
+                <a:tc>
+                  <a:txBody>
+                    <a:bodyPr/>
+                    <a:lstStyle/>
+                    <a:p>
+                      <a:r>
+                        <a:rPr lang="es-ES" b="0" dirty="0">
+                          <a:solidFill>
+                            <a:schemeClr val="tx1"/>
+                          </a:solidFill>
+                        </a:rPr>
+                        <a:t>Beta von triggernder Magnitude</a:t>
+                      </a:r>
+                    </a:p>
+                  </a:txBody>
+                  <a:tcPr>
+                    <a:solidFill>
+                      <a:schemeClr val="bg1">
+                        <a:lumMod val="95000"/>
+                      </a:schemeClr>
+                    </a:solidFill>
+                  </a:tcPr>
+                </a:tc>
+                <a:tc>
+                  <a:txBody>
+                    <a:bodyPr/>
+                    <a:lstStyle/>
+                    <a:p>
+                      <a:r>
+                        <a:rPr lang="es-ES" b="0" dirty="0">
+                          <a:solidFill>
+                            <a:schemeClr val="tx1"/>
+                          </a:solidFill>
+                        </a:rPr>
+                        <a:t>0.072478 ***</a:t>
+                      </a:r>
+                    </a:p>
+                  </a:txBody>
+                  <a:tcPr>
+                    <a:solidFill>
+                      <a:schemeClr val="bg1">
+                        <a:lumMod val="95000"/>
+                      </a:schemeClr>
+                    </a:solidFill>
+                  </a:tcPr>
+                </a:tc>
+                <a:extLst>
+                  <a:ext uri="{0D108BD9-81ED-4DB2-BD59-A6C34878D82A}">
+                    <a16:rowId xmlns:a16="http://schemas.microsoft.com/office/drawing/2014/main" val="1114050487"/>
+                  </a:ext>
+                </a:extLst>
+              </a:tr>
+              <a:tr h="380866">
+                <a:tc>
+                  <a:txBody>
+                    <a:bodyPr/>
+                    <a:lstStyle/>
+                    <a:p>
+                      <a:r>
+                        <a:rPr lang="es-ES" dirty="0"/>
+                        <a:t>Adjustiertes R</a:t>
+                      </a:r>
+                      <a:r>
+                        <a:rPr lang="es-ES" baseline="30000" dirty="0"/>
+                        <a:t>2</a:t>
+                      </a:r>
+                    </a:p>
+                  </a:txBody>
+                  <a:tcPr>
+                    <a:solidFill>
+                      <a:schemeClr val="bg1">
+                        <a:lumMod val="95000"/>
+                      </a:schemeClr>
+                    </a:solidFill>
+                  </a:tcPr>
+                </a:tc>
+                <a:tc>
+                  <a:txBody>
+                    <a:bodyPr/>
+                    <a:lstStyle/>
+                    <a:p>
+                      <a:r>
+                        <a:rPr lang="es-ES" dirty="0"/>
+                        <a:t>&lt; 1 </a:t>
+                      </a:r>
+                    </a:p>
+                  </a:txBody>
+                  <a:tcPr>
+                    <a:solidFill>
+                      <a:schemeClr val="bg1">
+                        <a:lumMod val="95000"/>
+                      </a:schemeClr>
+                    </a:solidFill>
+                  </a:tcPr>
+                </a:tc>
+                <a:extLst>
+                  <a:ext uri="{0D108BD9-81ED-4DB2-BD59-A6C34878D82A}">
+                    <a16:rowId xmlns:a16="http://schemas.microsoft.com/office/drawing/2014/main" val="1599703956"/>
+                  </a:ext>
+                </a:extLst>
+              </a:tr>
+            </a:tbl>
+          </a:graphicData>
+        </a:graphic>
+      </p:graphicFrame>
+      <p:sp>
+        <p:nvSpPr>
+          <p:cNvPr id="13" name="Textfeld 12">
+            <a:extLst>
+              <a:ext uri="{FF2B5EF4-FFF2-40B4-BE49-F238E27FC236}">
+                <a16:creationId xmlns:a16="http://schemas.microsoft.com/office/drawing/2014/main" id="{94A70F3C-A839-4782-9B1F-5BB9CFEAEE0D}"/>
+              </a:ext>
+            </a:extLst>
+          </p:cNvPr>
+          <p:cNvSpPr txBox="1"/>
+          <p:nvPr/>
+        </p:nvSpPr>
+        <p:spPr>
+          <a:xfrm>
+            <a:off x="7332029" y="3754341"/>
+            <a:ext cx="3724917" cy="1908215"/>
+          </a:xfrm>
+          <a:prstGeom prst="rect">
+            <a:avLst/>
+          </a:prstGeom>
+          <a:noFill/>
+        </p:spPr>
+        <p:txBody>
+          <a:bodyPr wrap="square" rtlCol="0">
+            <a:spAutoFit/>
+          </a:bodyPr>
+          <a:lstStyle/>
+          <a:p>
+            <a:r>
+              <a:rPr lang="es-ES" sz="2000" u="sng" dirty="0"/>
+              <a:t>Multiple lineare Regression (lm)</a:t>
+            </a:r>
+          </a:p>
+          <a:p>
+            <a:pPr marL="285750" indent="-285750">
+              <a:buFont typeface="Wingdings" panose="05000000000000000000" pitchFamily="2" charset="2"/>
+              <a:buChar char="à"/>
+            </a:pPr>
+            <a:r>
+              <a:rPr lang="es-ES" sz="2000" dirty="0">
+                <a:sym typeface="Wingdings" panose="05000000000000000000" pitchFamily="2" charset="2"/>
+              </a:rPr>
+              <a:t>Mit allen Kovariablen</a:t>
+            </a:r>
+          </a:p>
+          <a:p>
+            <a:endParaRPr lang="es-ES" sz="2000" dirty="0">
+              <a:sym typeface="Wingdings" panose="05000000000000000000" pitchFamily="2" charset="2"/>
+            </a:endParaRPr>
+          </a:p>
+          <a:p>
+            <a:pPr marL="285750" indent="-285750">
+              <a:buFont typeface="Arial" panose="020B0604020202020204" pitchFamily="34" charset="0"/>
+              <a:buChar char="•"/>
+            </a:pPr>
+            <a:r>
+              <a:rPr lang="es-ES" sz="2000" dirty="0">
+                <a:sym typeface="Wingdings" panose="05000000000000000000" pitchFamily="2" charset="2"/>
+              </a:rPr>
+              <a:t>R</a:t>
+            </a:r>
+            <a:r>
+              <a:rPr lang="es-ES" sz="2000" baseline="30000" dirty="0">
+                <a:sym typeface="Wingdings" panose="05000000000000000000" pitchFamily="2" charset="2"/>
+              </a:rPr>
+              <a:t>2</a:t>
+            </a:r>
+            <a:r>
+              <a:rPr lang="es-ES" sz="2000" dirty="0">
+                <a:sym typeface="Wingdings" panose="05000000000000000000" pitchFamily="2" charset="2"/>
+              </a:rPr>
+              <a:t> ist etwas besser</a:t>
+            </a:r>
+          </a:p>
+          <a:p>
+            <a:endParaRPr lang="es-ES" sz="2000" dirty="0">
+              <a:sym typeface="Wingdings" panose="05000000000000000000" pitchFamily="2" charset="2"/>
+            </a:endParaRPr>
+          </a:p>
+          <a:p>
+            <a:endParaRPr lang="es-ES" dirty="0"/>
+          </a:p>
+        </p:txBody>
+      </p:sp>
+      <p:sp>
+        <p:nvSpPr>
+          <p:cNvPr id="16" name="Rechteck 15">
+            <a:extLst>
+              <a:ext uri="{FF2B5EF4-FFF2-40B4-BE49-F238E27FC236}">
+                <a16:creationId xmlns:a16="http://schemas.microsoft.com/office/drawing/2014/main" id="{BEFB4656-AC23-41DC-9208-4FF60C2B5D4E}"/>
+              </a:ext>
+            </a:extLst>
+          </p:cNvPr>
+          <p:cNvSpPr/>
+          <p:nvPr/>
+        </p:nvSpPr>
+        <p:spPr>
+          <a:xfrm>
+            <a:off x="657594" y="3596904"/>
+            <a:ext cx="5670277" cy="932224"/>
+          </a:xfrm>
+          <a:prstGeom prst="rect">
+            <a:avLst/>
+          </a:prstGeom>
+          <a:solidFill>
+            <a:schemeClr val="bg1">
+              <a:lumMod val="85000"/>
+            </a:schemeClr>
+          </a:solidFill>
+          <a:ln>
+            <a:solidFill>
+              <a:schemeClr val="bg1"/>
+            </a:solidFill>
+          </a:ln>
+        </p:spPr>
+        <p:style>
+          <a:lnRef idx="2">
+            <a:schemeClr val="accent1">
+              <a:shade val="50000"/>
+            </a:schemeClr>
+          </a:lnRef>
+          <a:fillRef idx="1">
+            <a:schemeClr val="accent1"/>
+          </a:fillRef>
+          <a:effectRef idx="0">
+            <a:schemeClr val="accent1"/>
+          </a:effectRef>
+          <a:fontRef idx="minor">
+            <a:schemeClr val="lt1"/>
+          </a:fontRef>
+        </p:style>
+        <p:txBody>
+          <a:bodyPr rtlCol="0" anchor="ctr"/>
+          <a:lstStyle/>
+          <a:p>
+            <a:pPr algn="ctr"/>
+            <a:r>
+              <a:rPr lang="es-ES" dirty="0">
+                <a:solidFill>
+                  <a:schemeClr val="accent1">
+                    <a:lumMod val="75000"/>
+                  </a:schemeClr>
+                </a:solidFill>
+              </a:rPr>
+              <a:t>Getriggerte Magnitude  ~  Triggernde Magnitude </a:t>
+            </a:r>
+            <a:r>
+              <a:rPr lang="es-ES" dirty="0">
+                <a:solidFill>
+                  <a:schemeClr val="tx1"/>
+                </a:solidFill>
+              </a:rPr>
+              <a:t>+ </a:t>
+            </a:r>
+            <a:r>
+              <a:rPr lang="es-ES" dirty="0">
+                <a:solidFill>
+                  <a:schemeClr val="accent2">
+                    <a:lumMod val="75000"/>
+                  </a:schemeClr>
+                </a:solidFill>
+              </a:rPr>
+              <a:t>Tiefe</a:t>
+            </a:r>
+            <a:r>
+              <a:rPr lang="es-ES" dirty="0">
+                <a:solidFill>
+                  <a:schemeClr val="tx1"/>
+                </a:solidFill>
+              </a:rPr>
+              <a:t> + </a:t>
+            </a:r>
+            <a:r>
+              <a:rPr lang="es-ES" dirty="0">
+                <a:solidFill>
+                  <a:schemeClr val="accent2">
+                    <a:lumMod val="75000"/>
+                  </a:schemeClr>
+                </a:solidFill>
+              </a:rPr>
+              <a:t>dip</a:t>
+            </a:r>
+            <a:r>
+              <a:rPr lang="es-ES" dirty="0">
+                <a:solidFill>
+                  <a:schemeClr val="tx1"/>
+                </a:solidFill>
+              </a:rPr>
+              <a:t> + rake + strainRate + </a:t>
+            </a:r>
+            <a:r>
+              <a:rPr lang="es-ES" dirty="0">
+                <a:solidFill>
+                  <a:schemeClr val="accent2">
+                    <a:lumMod val="75000"/>
+                  </a:schemeClr>
+                </a:solidFill>
+              </a:rPr>
+              <a:t>heatFlow</a:t>
+            </a:r>
+            <a:r>
+              <a:rPr lang="es-ES" dirty="0">
+                <a:solidFill>
+                  <a:schemeClr val="tx1"/>
+                </a:solidFill>
+              </a:rPr>
+              <a:t> + crustalThick + </a:t>
+            </a:r>
+            <a:r>
+              <a:rPr lang="es-ES" dirty="0">
+                <a:solidFill>
+                  <a:schemeClr val="accent2">
+                    <a:lumMod val="75000"/>
+                  </a:schemeClr>
+                </a:solidFill>
+              </a:rPr>
+              <a:t>mantleThick</a:t>
+            </a:r>
+            <a:r>
+              <a:rPr lang="es-ES" dirty="0">
+                <a:solidFill>
+                  <a:schemeClr val="tx1"/>
+                </a:solidFill>
+              </a:rPr>
+              <a:t> + elevation </a:t>
+            </a:r>
+          </a:p>
+        </p:txBody>
+      </p:sp>
+      <p:graphicFrame>
+        <p:nvGraphicFramePr>
+          <p:cNvPr id="17" name="Tabelle 10">
+            <a:extLst>
+              <a:ext uri="{FF2B5EF4-FFF2-40B4-BE49-F238E27FC236}">
+                <a16:creationId xmlns:a16="http://schemas.microsoft.com/office/drawing/2014/main" id="{28A9F2DE-6075-4511-8103-809634F18A04}"/>
+              </a:ext>
+            </a:extLst>
+          </p:cNvPr>
+          <p:cNvGraphicFramePr>
+            <a:graphicFrameLocks noGrp="1"/>
+          </p:cNvGraphicFramePr>
+          <p:nvPr>
+            <p:extLst>
+              <p:ext uri="{D42A27DB-BD31-4B8C-83A1-F6EECF244321}">
+                <p14:modId xmlns:p14="http://schemas.microsoft.com/office/powerpoint/2010/main" val="427485040"/>
+              </p:ext>
+            </p:extLst>
+          </p:nvPr>
+        </p:nvGraphicFramePr>
+        <p:xfrm>
+          <a:off x="657594" y="4661647"/>
+          <a:ext cx="5670277" cy="761732"/>
+        </p:xfrm>
+        <a:graphic>
+          <a:graphicData uri="http://schemas.openxmlformats.org/drawingml/2006/table">
+            <a:tbl>
+              <a:tblPr firstRow="1" bandRow="1">
+                <a:tableStyleId>{5C22544A-7EE6-4342-B048-85BDC9FD1C3A}</a:tableStyleId>
+              </a:tblPr>
+              <a:tblGrid>
+                <a:gridCol w="3453922">
+                  <a:extLst>
+                    <a:ext uri="{9D8B030D-6E8A-4147-A177-3AD203B41FA5}">
+                      <a16:colId xmlns:a16="http://schemas.microsoft.com/office/drawing/2014/main" val="480744698"/>
+                    </a:ext>
+                  </a:extLst>
+                </a:gridCol>
+                <a:gridCol w="2216355">
+                  <a:extLst>
+                    <a:ext uri="{9D8B030D-6E8A-4147-A177-3AD203B41FA5}">
+                      <a16:colId xmlns:a16="http://schemas.microsoft.com/office/drawing/2014/main" val="3561967604"/>
+                    </a:ext>
+                  </a:extLst>
+                </a:gridCol>
+              </a:tblGrid>
+              <a:tr h="380866">
+                <a:tc>
+                  <a:txBody>
+                    <a:bodyPr/>
+                    <a:lstStyle/>
+                    <a:p>
+                      <a:r>
+                        <a:rPr lang="es-ES" b="0" dirty="0">
+                          <a:solidFill>
+                            <a:schemeClr val="tx1"/>
+                          </a:solidFill>
+                        </a:rPr>
+                        <a:t>Beta von triggernder Magnitude</a:t>
+                      </a:r>
+                    </a:p>
+                  </a:txBody>
+                  <a:tcPr>
+                    <a:solidFill>
+                      <a:schemeClr val="bg1">
+                        <a:lumMod val="95000"/>
+                      </a:schemeClr>
+                    </a:solidFill>
+                  </a:tcPr>
+                </a:tc>
+                <a:tc>
+                  <a:txBody>
+                    <a:bodyPr/>
+                    <a:lstStyle/>
+                    <a:p>
+                      <a:r>
+                        <a:rPr lang="es-ES" b="0" dirty="0">
+                          <a:solidFill>
+                            <a:schemeClr val="tx1"/>
+                          </a:solidFill>
+                        </a:rPr>
+                        <a:t>0.01622 ***</a:t>
+                      </a:r>
+                    </a:p>
+                  </a:txBody>
+                  <a:tcPr>
+                    <a:solidFill>
+                      <a:schemeClr val="bg1">
+                        <a:lumMod val="95000"/>
+                      </a:schemeClr>
+                    </a:solidFill>
+                  </a:tcPr>
+                </a:tc>
+                <a:extLst>
+                  <a:ext uri="{0D108BD9-81ED-4DB2-BD59-A6C34878D82A}">
+                    <a16:rowId xmlns:a16="http://schemas.microsoft.com/office/drawing/2014/main" val="1114050487"/>
+                  </a:ext>
+                </a:extLst>
+              </a:tr>
+              <a:tr h="380866">
+                <a:tc>
+                  <a:txBody>
+                    <a:bodyPr/>
+                    <a:lstStyle/>
+                    <a:p>
+                      <a:r>
+                        <a:rPr lang="es-ES" dirty="0"/>
+                        <a:t>Adjustiertes R</a:t>
+                      </a:r>
+                      <a:r>
+                        <a:rPr lang="es-ES" baseline="30000" dirty="0"/>
+                        <a:t>2</a:t>
+                      </a:r>
+                    </a:p>
+                  </a:txBody>
+                  <a:tcPr>
+                    <a:solidFill>
+                      <a:schemeClr val="bg1">
+                        <a:lumMod val="95000"/>
+                      </a:schemeClr>
+                    </a:solidFill>
+                  </a:tcPr>
+                </a:tc>
+                <a:tc>
+                  <a:txBody>
+                    <a:bodyPr/>
+                    <a:lstStyle/>
+                    <a:p>
+                      <a:r>
+                        <a:rPr lang="es-ES" dirty="0"/>
+                        <a:t>&lt; 1 </a:t>
+                      </a:r>
+                    </a:p>
+                  </a:txBody>
+                  <a:tcPr>
+                    <a:solidFill>
+                      <a:schemeClr val="bg1">
+                        <a:lumMod val="95000"/>
+                      </a:schemeClr>
+                    </a:solidFill>
+                  </a:tcPr>
+                </a:tc>
+                <a:extLst>
+                  <a:ext uri="{0D108BD9-81ED-4DB2-BD59-A6C34878D82A}">
+                    <a16:rowId xmlns:a16="http://schemas.microsoft.com/office/drawing/2014/main" val="1599703956"/>
+                  </a:ext>
+                </a:extLst>
+              </a:tr>
+            </a:tbl>
+          </a:graphicData>
+        </a:graphic>
+      </p:graphicFrame>
     </p:spTree>
     <p:extLst>
       <p:ext uri="{BB962C8B-B14F-4D97-AF65-F5344CB8AC3E}">
-        <p14:creationId xmlns:p14="http://schemas.microsoft.com/office/powerpoint/2010/main" val="1471043058"/>
+        <p14:creationId xmlns:p14="http://schemas.microsoft.com/office/powerpoint/2010/main" val="234327054"/>
       </p:ext>
     </p:extLst>
   </p:cSld>
@@ -3985,47 +4605,6 @@
       </p:grpSpPr>
       <p:sp>
         <p:nvSpPr>
-          <p:cNvPr id="3" name="Inhaltsplatzhalter 2">
-            <a:extLst>
-              <a:ext uri="{FF2B5EF4-FFF2-40B4-BE49-F238E27FC236}">
-                <a16:creationId xmlns:a16="http://schemas.microsoft.com/office/drawing/2014/main" id="{EF2F12AA-717C-400F-AC63-EA5D78A3C047}"/>
-              </a:ext>
-            </a:extLst>
-          </p:cNvPr>
-          <p:cNvSpPr>
-            <a:spLocks noGrp="1"/>
-          </p:cNvSpPr>
-          <p:nvPr>
-            <p:ph idx="1"/>
-          </p:nvPr>
-        </p:nvSpPr>
-        <p:spPr>
-          <a:xfrm>
-            <a:off x="2332358" y="1871109"/>
-            <a:ext cx="7527284" cy="3115781"/>
-          </a:xfrm>
-        </p:spPr>
-        <p:txBody>
-          <a:bodyPr>
-            <a:normAutofit/>
-          </a:bodyPr>
-          <a:lstStyle/>
-          <a:p>
-            <a:pPr marL="0" indent="0">
-              <a:buNone/>
-            </a:pPr>
-            <a:endParaRPr lang="de-DE" dirty="0"/>
-          </a:p>
-          <a:p>
-            <a:pPr marL="0" indent="0">
-              <a:buNone/>
-            </a:pPr>
-            <a:endParaRPr lang="de-DE" dirty="0"/>
-          </a:p>
-        </p:txBody>
-      </p:sp>
-      <p:sp>
-        <p:nvSpPr>
           <p:cNvPr id="4" name="Foliennummernplatzhalter 3">
             <a:extLst>
               <a:ext uri="{FF2B5EF4-FFF2-40B4-BE49-F238E27FC236}">
@@ -4114,7 +4693,7 @@
         </p:nvSpPr>
         <p:spPr>
           <a:xfrm>
-            <a:off x="838200" y="-140246"/>
+            <a:off x="838200" y="0"/>
             <a:ext cx="10515600" cy="1325563"/>
           </a:xfrm>
           <a:prstGeom prst="rect">
@@ -4151,7 +4730,7 @@
                 <a:latin typeface="Arial" panose="020B0604020202020204" pitchFamily="34" charset="0"/>
                 <a:cs typeface="Arial" panose="020B0604020202020204" pitchFamily="34" charset="0"/>
               </a:rPr>
-              <a:t>Konzept der Methodik</a:t>
+              <a:t>Konzept - Erste Ergebnisse und Erfahrungen</a:t>
             </a:r>
           </a:p>
         </p:txBody>
@@ -4192,12 +4771,48 @@
           </a:p>
         </p:txBody>
       </p:sp>
-      <p:sp>
-        <p:nvSpPr>
-          <p:cNvPr id="2" name="Textfeld 1">
-            <a:extLst>
-              <a:ext uri="{FF2B5EF4-FFF2-40B4-BE49-F238E27FC236}">
-                <a16:creationId xmlns:a16="http://schemas.microsoft.com/office/drawing/2014/main" id="{FBC09E3C-B24F-44E8-A8FE-9DE4A3E580EC}"/>
+      <p:pic>
+        <p:nvPicPr>
+          <p:cNvPr id="14" name="Grafik 13">
+            <a:extLst>
+              <a:ext uri="{FF2B5EF4-FFF2-40B4-BE49-F238E27FC236}">
+                <a16:creationId xmlns:a16="http://schemas.microsoft.com/office/drawing/2014/main" id="{60766AD5-FABE-418D-A079-ABD046D7E6B4}"/>
+              </a:ext>
+            </a:extLst>
+          </p:cNvPr>
+          <p:cNvPicPr>
+            <a:picLocks noChangeAspect="1"/>
+          </p:cNvPicPr>
+          <p:nvPr/>
+        </p:nvPicPr>
+        <p:blipFill>
+          <a:blip r:embed="rId2">
+            <a:extLst>
+              <a:ext uri="{28A0092B-C50C-407E-A947-70E740481C1C}">
+                <a14:useLocalDpi xmlns:a14="http://schemas.microsoft.com/office/drawing/2010/main" val="0"/>
+              </a:ext>
+            </a:extLst>
+          </a:blip>
+          <a:stretch>
+            <a:fillRect/>
+          </a:stretch>
+        </p:blipFill>
+        <p:spPr>
+          <a:xfrm>
+            <a:off x="1054846" y="1361049"/>
+            <a:ext cx="4784972" cy="4784972"/>
+          </a:xfrm>
+          <a:prstGeom prst="rect">
+            <a:avLst/>
+          </a:prstGeom>
+        </p:spPr>
+      </p:pic>
+      <p:sp>
+        <p:nvSpPr>
+          <p:cNvPr id="15" name="Textfeld 14">
+            <a:extLst>
+              <a:ext uri="{FF2B5EF4-FFF2-40B4-BE49-F238E27FC236}">
+                <a16:creationId xmlns:a16="http://schemas.microsoft.com/office/drawing/2014/main" id="{48BA1061-3D88-471B-8CAF-39440CDF452F}"/>
               </a:ext>
             </a:extLst>
           </p:cNvPr>
@@ -4206,8 +4821,8 @@
         </p:nvSpPr>
         <p:spPr>
           <a:xfrm>
-            <a:off x="953589" y="1626326"/>
-            <a:ext cx="9535885" cy="3785652"/>
+            <a:off x="6339092" y="1486601"/>
+            <a:ext cx="4908589" cy="1323439"/>
           </a:xfrm>
           <a:prstGeom prst="rect">
             <a:avLst/>
@@ -4221,138 +4836,113 @@
           <a:lstStyle/>
           <a:p>
             <a:r>
-              <a:rPr lang="es-ES" sz="2000" b="1" u="sng" dirty="0">
-                <a:sym typeface="Wingdings" panose="05000000000000000000" pitchFamily="2" charset="2"/>
-              </a:rPr>
-              <a:t>Quantilsregression:</a:t>
-            </a:r>
-          </a:p>
-          <a:p>
-            <a:r>
-              <a:rPr lang="es-ES" sz="2000" dirty="0">
-                <a:sym typeface="Wingdings" panose="05000000000000000000" pitchFamily="2" charset="2"/>
-              </a:rPr>
-              <a:t>Ist eine Erwerterung der linearen Regression</a:t>
-            </a:r>
-          </a:p>
-          <a:p>
-            <a:r>
-              <a:rPr lang="es-ES" sz="2000" dirty="0">
-                <a:sym typeface="Wingdings" panose="05000000000000000000" pitchFamily="2" charset="2"/>
-              </a:rPr>
-              <a:t>Sie schätz den bedingten Median (oder andere Quantile) der Kovariablen</a:t>
-            </a:r>
-          </a:p>
-          <a:p>
-            <a:endParaRPr lang="es-ES" sz="2000" dirty="0">
-              <a:sym typeface="Wingdings" panose="05000000000000000000" pitchFamily="2" charset="2"/>
-            </a:endParaRPr>
-          </a:p>
-          <a:p>
-            <a:r>
-              <a:rPr lang="es-ES" sz="2000" u="sng" dirty="0">
-                <a:sym typeface="Wingdings" panose="05000000000000000000" pitchFamily="2" charset="2"/>
-              </a:rPr>
-              <a:t>Vorteile:</a:t>
-            </a:r>
-          </a:p>
-          <a:p>
-            <a:pPr marL="342900" indent="-342900">
+              <a:rPr lang="es-ES" sz="2000" u="sng" dirty="0"/>
+              <a:t>Residuenplot für das multiple lineare Modell</a:t>
+            </a:r>
+          </a:p>
+          <a:p>
+            <a:endParaRPr lang="es-ES" sz="2000" dirty="0"/>
+          </a:p>
+          <a:p>
+            <a:pPr marL="285750" indent="-285750">
               <a:buFont typeface="Arial" panose="020B0604020202020204" pitchFamily="34" charset="0"/>
               <a:buChar char="•"/>
             </a:pPr>
             <a:r>
-              <a:rPr lang="es-ES" sz="2000" dirty="0">
-                <a:sym typeface="Wingdings" panose="05000000000000000000" pitchFamily="2" charset="2"/>
+              <a:rPr lang="es-ES" sz="2000" dirty="0"/>
+              <a:t>Vorallem die großen Magnituden werden unterschätzt</a:t>
+            </a:r>
+          </a:p>
+        </p:txBody>
+      </p:sp>
+      <p:sp>
+        <p:nvSpPr>
+          <p:cNvPr id="2" name="Rechteck 1">
+            <a:extLst>
+              <a:ext uri="{FF2B5EF4-FFF2-40B4-BE49-F238E27FC236}">
+                <a16:creationId xmlns:a16="http://schemas.microsoft.com/office/drawing/2014/main" id="{E28DA305-2D87-4F69-A305-5A39476E5037}"/>
+              </a:ext>
+            </a:extLst>
+          </p:cNvPr>
+          <p:cNvSpPr/>
+          <p:nvPr/>
+        </p:nvSpPr>
+        <p:spPr>
+          <a:xfrm>
+            <a:off x="6950561" y="4975907"/>
+            <a:ext cx="4908588" cy="1219405"/>
+          </a:xfrm>
+          <a:prstGeom prst="rect">
+            <a:avLst/>
+          </a:prstGeom>
+          <a:solidFill>
+            <a:schemeClr val="accent4">
+              <a:lumMod val="40000"/>
+              <a:lumOff val="60000"/>
+            </a:schemeClr>
+          </a:solidFill>
+          <a:ln>
+            <a:noFill/>
+          </a:ln>
+        </p:spPr>
+        <p:style>
+          <a:lnRef idx="2">
+            <a:schemeClr val="accent1">
+              <a:shade val="50000"/>
+            </a:schemeClr>
+          </a:lnRef>
+          <a:fillRef idx="1">
+            <a:schemeClr val="accent1"/>
+          </a:fillRef>
+          <a:effectRef idx="0">
+            <a:schemeClr val="accent1"/>
+          </a:effectRef>
+          <a:fontRef idx="minor">
+            <a:schemeClr val="lt1"/>
+          </a:fontRef>
+        </p:style>
+        <p:txBody>
+          <a:bodyPr rtlCol="0" anchor="ctr"/>
+          <a:lstStyle/>
+          <a:p>
+            <a:pPr algn="ctr"/>
+            <a:r>
+              <a:rPr lang="es-ES" dirty="0">
+                <a:solidFill>
+                  <a:schemeClr val="tx1"/>
+                </a:solidFill>
               </a:rPr>
-              <a:t>Robust gegenüber Ausreisern</a:t>
-            </a:r>
-          </a:p>
-          <a:p>
-            <a:pPr marL="342900" indent="-342900">
-              <a:buFont typeface="Arial" panose="020B0604020202020204" pitchFamily="34" charset="0"/>
-              <a:buChar char="•"/>
-            </a:pPr>
-            <a:r>
-              <a:rPr lang="es-ES" sz="2000" dirty="0">
-                <a:sym typeface="Wingdings" panose="05000000000000000000" pitchFamily="2" charset="2"/>
+              <a:t>Probleme:</a:t>
+            </a:r>
+          </a:p>
+          <a:p>
+            <a:pPr algn="ctr"/>
+            <a:r>
+              <a:rPr lang="es-ES" dirty="0">
+                <a:solidFill>
+                  <a:schemeClr val="tx1"/>
+                </a:solidFill>
               </a:rPr>
-              <a:t>Effekte der Kovariablen auf die gesammte Verteilung der Response zu modelieren  vollständigeres Bild als bei Erwartungswert</a:t>
-            </a:r>
-          </a:p>
-          <a:p>
-            <a:pPr marL="342900" indent="-342900">
-              <a:buFont typeface="Arial" panose="020B0604020202020204" pitchFamily="34" charset="0"/>
-              <a:buChar char="•"/>
-            </a:pPr>
-            <a:r>
-              <a:rPr lang="de-DE" sz="2000" dirty="0">
+              <a:t>Beobachtete Werte werden nicht gut geschätzt</a:t>
+            </a:r>
+          </a:p>
+          <a:p>
+            <a:pPr algn="ctr"/>
+            <a:r>
+              <a:rPr lang="es-ES" dirty="0">
                 <a:solidFill>
-                  <a:srgbClr val="202122"/>
+                  <a:schemeClr val="tx1"/>
                 </a:solidFill>
-                <a:latin typeface="Arial" panose="020B0604020202020204" pitchFamily="34" charset="0"/>
               </a:rPr>
-              <a:t>Verteilungsfrei</a:t>
-            </a:r>
-          </a:p>
-          <a:p>
-            <a:pPr marL="342900" indent="-342900">
-              <a:buFont typeface="Arial" panose="020B0604020202020204" pitchFamily="34" charset="0"/>
-              <a:buChar char="•"/>
-            </a:pPr>
-            <a:r>
-              <a:rPr lang="de-DE" sz="2000" dirty="0">
-                <a:solidFill>
-                  <a:srgbClr val="202122"/>
-                </a:solidFill>
-                <a:latin typeface="Arial" panose="020B0604020202020204" pitchFamily="34" charset="0"/>
-              </a:rPr>
-              <a:t>Verzicht auf Bedingung der </a:t>
-            </a:r>
-            <a:r>
-              <a:rPr lang="de-DE" sz="2000" dirty="0" err="1">
-                <a:solidFill>
-                  <a:srgbClr val="202122"/>
-                </a:solidFill>
-                <a:latin typeface="Arial" panose="020B0604020202020204" pitchFamily="34" charset="0"/>
-              </a:rPr>
-              <a:t>Homoskedaszitiät</a:t>
-            </a:r>
-            <a:endParaRPr lang="de-DE" sz="2000" dirty="0">
-              <a:solidFill>
-                <a:srgbClr val="202122"/>
-              </a:solidFill>
-              <a:latin typeface="Arial" panose="020B0604020202020204" pitchFamily="34" charset="0"/>
-            </a:endParaRPr>
-          </a:p>
-          <a:p>
-            <a:pPr marL="342900" indent="-342900">
-              <a:buFont typeface="Arial" panose="020B0604020202020204" pitchFamily="34" charset="0"/>
-              <a:buChar char="•"/>
-            </a:pPr>
-            <a:r>
-              <a:rPr lang="de-DE" sz="2000" dirty="0">
-                <a:solidFill>
-                  <a:srgbClr val="202122"/>
-                </a:solidFill>
-                <a:latin typeface="Arial" panose="020B0604020202020204" pitchFamily="34" charset="0"/>
-              </a:rPr>
-              <a:t>Keine Verteilungsannahme für die Zufallsfehler</a:t>
-            </a:r>
-          </a:p>
-          <a:p>
-            <a:pPr marL="342900" indent="-342900">
-              <a:buFontTx/>
-              <a:buChar char="-"/>
-            </a:pPr>
-            <a:endParaRPr lang="es-ES" sz="2000" dirty="0"/>
+              <a:t>Die Residuenannahme wird verletzt</a:t>
+            </a:r>
           </a:p>
         </p:txBody>
       </p:sp>
     </p:spTree>
     <p:extLst>
       <p:ext uri="{BB962C8B-B14F-4D97-AF65-F5344CB8AC3E}">
-        <p14:creationId xmlns:p14="http://schemas.microsoft.com/office/powerpoint/2010/main" val="2483198659"/>
+        <p14:creationId xmlns:p14="http://schemas.microsoft.com/office/powerpoint/2010/main" val="2859449679"/>
       </p:ext>
     </p:extLst>
   </p:cSld>
@@ -4381,47 +4971,6 @@
       </p:grpSpPr>
       <p:sp>
         <p:nvSpPr>
-          <p:cNvPr id="3" name="Inhaltsplatzhalter 2">
-            <a:extLst>
-              <a:ext uri="{FF2B5EF4-FFF2-40B4-BE49-F238E27FC236}">
-                <a16:creationId xmlns:a16="http://schemas.microsoft.com/office/drawing/2014/main" id="{EF2F12AA-717C-400F-AC63-EA5D78A3C047}"/>
-              </a:ext>
-            </a:extLst>
-          </p:cNvPr>
-          <p:cNvSpPr>
-            <a:spLocks noGrp="1"/>
-          </p:cNvSpPr>
-          <p:nvPr>
-            <p:ph idx="1"/>
-          </p:nvPr>
-        </p:nvSpPr>
-        <p:spPr>
-          <a:xfrm>
-            <a:off x="2332358" y="1871109"/>
-            <a:ext cx="7527284" cy="3115781"/>
-          </a:xfrm>
-        </p:spPr>
-        <p:txBody>
-          <a:bodyPr>
-            <a:normAutofit/>
-          </a:bodyPr>
-          <a:lstStyle/>
-          <a:p>
-            <a:pPr marL="0" indent="0">
-              <a:buNone/>
-            </a:pPr>
-            <a:endParaRPr lang="de-DE" dirty="0"/>
-          </a:p>
-          <a:p>
-            <a:pPr marL="0" indent="0">
-              <a:buNone/>
-            </a:pPr>
-            <a:endParaRPr lang="de-DE" dirty="0"/>
-          </a:p>
-        </p:txBody>
-      </p:sp>
-      <p:sp>
-        <p:nvSpPr>
           <p:cNvPr id="4" name="Foliennummernplatzhalter 3">
             <a:extLst>
               <a:ext uri="{FF2B5EF4-FFF2-40B4-BE49-F238E27FC236}">
@@ -4510,7 +5059,7 @@
         </p:nvSpPr>
         <p:spPr>
           <a:xfrm>
-            <a:off x="990600" y="-56099"/>
+            <a:off x="860639" y="-235612"/>
             <a:ext cx="10515600" cy="1325563"/>
           </a:xfrm>
           <a:prstGeom prst="rect">
@@ -4547,7 +5096,7 @@
                 <a:latin typeface="Arial" panose="020B0604020202020204" pitchFamily="34" charset="0"/>
                 <a:cs typeface="Arial" panose="020B0604020202020204" pitchFamily="34" charset="0"/>
               </a:rPr>
-              <a:t>Konzept der Methodik</a:t>
+              <a:t>Konzept - Erste Ergebnisse und Erfahrungen</a:t>
             </a:r>
           </a:p>
         </p:txBody>
@@ -4588,12 +5137,48 @@
           </a:p>
         </p:txBody>
       </p:sp>
-      <p:sp>
-        <p:nvSpPr>
-          <p:cNvPr id="2" name="Textfeld 1">
-            <a:extLst>
-              <a:ext uri="{FF2B5EF4-FFF2-40B4-BE49-F238E27FC236}">
-                <a16:creationId xmlns:a16="http://schemas.microsoft.com/office/drawing/2014/main" id="{FBC09E3C-B24F-44E8-A8FE-9DE4A3E580EC}"/>
+      <p:pic>
+        <p:nvPicPr>
+          <p:cNvPr id="12" name="Grafik 11">
+            <a:extLst>
+              <a:ext uri="{FF2B5EF4-FFF2-40B4-BE49-F238E27FC236}">
+                <a16:creationId xmlns:a16="http://schemas.microsoft.com/office/drawing/2014/main" id="{AAFC44AA-7AAC-4D4A-AB01-82A7446A3F51}"/>
+              </a:ext>
+            </a:extLst>
+          </p:cNvPr>
+          <p:cNvPicPr>
+            <a:picLocks noChangeAspect="1"/>
+          </p:cNvPicPr>
+          <p:nvPr/>
+        </p:nvPicPr>
+        <p:blipFill>
+          <a:blip r:embed="rId2">
+            <a:extLst>
+              <a:ext uri="{28A0092B-C50C-407E-A947-70E740481C1C}">
+                <a14:useLocalDpi xmlns:a14="http://schemas.microsoft.com/office/drawing/2010/main" val="0"/>
+              </a:ext>
+            </a:extLst>
+          </a:blip>
+          <a:stretch>
+            <a:fillRect/>
+          </a:stretch>
+        </p:blipFill>
+        <p:spPr>
+          <a:xfrm>
+            <a:off x="562219" y="1633494"/>
+            <a:ext cx="7063878" cy="4414924"/>
+          </a:xfrm>
+          <a:prstGeom prst="rect">
+            <a:avLst/>
+          </a:prstGeom>
+        </p:spPr>
+      </p:pic>
+      <p:sp>
+        <p:nvSpPr>
+          <p:cNvPr id="13" name="Textfeld 12">
+            <a:extLst>
+              <a:ext uri="{FF2B5EF4-FFF2-40B4-BE49-F238E27FC236}">
+                <a16:creationId xmlns:a16="http://schemas.microsoft.com/office/drawing/2014/main" id="{52A50109-D42B-49F6-82F0-616FDCBEBBE7}"/>
               </a:ext>
             </a:extLst>
           </p:cNvPr>
@@ -4602,8 +5187,8 @@
         </p:nvSpPr>
         <p:spPr>
           <a:xfrm>
-            <a:off x="953589" y="1626326"/>
-            <a:ext cx="9535885" cy="2246769"/>
+            <a:off x="8007545" y="3215319"/>
+            <a:ext cx="3949310" cy="1015663"/>
           </a:xfrm>
           <a:prstGeom prst="rect">
             <a:avLst/>
@@ -4616,68 +5201,120 @@
           </a:bodyPr>
           <a:lstStyle/>
           <a:p>
-            <a:r>
-              <a:rPr lang="es-ES" sz="2000" b="1" u="sng" dirty="0">
-                <a:sym typeface="Wingdings" panose="05000000000000000000" pitchFamily="2" charset="2"/>
-              </a:rPr>
-              <a:t>Unser Vorgehen:</a:t>
-            </a:r>
-          </a:p>
-          <a:p>
-            <a:pPr marL="342900" indent="-342900">
+            <a:pPr marL="285750" indent="-285750">
               <a:buFont typeface="Arial" panose="020B0604020202020204" pitchFamily="34" charset="0"/>
               <a:buChar char="•"/>
             </a:pPr>
             <a:r>
+              <a:rPr lang="es-ES" sz="2000" dirty="0"/>
+              <a:t>Daten sind Exponentialverteilt</a:t>
+            </a:r>
+          </a:p>
+          <a:p>
+            <a:endParaRPr lang="es-ES" sz="2000" dirty="0"/>
+          </a:p>
+          <a:p>
+            <a:r>
               <a:rPr lang="es-ES" sz="2000" dirty="0">
                 <a:sym typeface="Wingdings" panose="05000000000000000000" pitchFamily="2" charset="2"/>
               </a:rPr>
-              <a:t>Datensatz aufbereitet...</a:t>
-            </a:r>
-          </a:p>
-          <a:p>
-            <a:endParaRPr lang="es-ES" sz="2000" b="1" u="sng" dirty="0">
-              <a:sym typeface="Wingdings" panose="05000000000000000000" pitchFamily="2" charset="2"/>
-            </a:endParaRPr>
-          </a:p>
-          <a:p>
-            <a:endParaRPr lang="es-ES" sz="2000" b="1" u="sng" dirty="0">
-              <a:sym typeface="Wingdings" panose="05000000000000000000" pitchFamily="2" charset="2"/>
-            </a:endParaRPr>
-          </a:p>
-          <a:p>
-            <a:r>
-              <a:rPr lang="es-ES" sz="2000" b="1" u="sng" dirty="0">
-                <a:sym typeface="Wingdings" panose="05000000000000000000" pitchFamily="2" charset="2"/>
+              <a:t> Annahme für folgende Modelle</a:t>
+            </a:r>
+            <a:endParaRPr lang="es-ES" sz="2000" dirty="0"/>
+          </a:p>
+        </p:txBody>
+      </p:sp>
+      <p:sp>
+        <p:nvSpPr>
+          <p:cNvPr id="15" name="Rechteck 14">
+            <a:extLst>
+              <a:ext uri="{FF2B5EF4-FFF2-40B4-BE49-F238E27FC236}">
+                <a16:creationId xmlns:a16="http://schemas.microsoft.com/office/drawing/2014/main" id="{B2AFAE58-CC0D-4EB3-BD1A-97502FCC7DDB}"/>
+              </a:ext>
+            </a:extLst>
+          </p:cNvPr>
+          <p:cNvSpPr/>
+          <p:nvPr/>
+        </p:nvSpPr>
+        <p:spPr>
+          <a:xfrm rot="16200000">
+            <a:off x="-160652" y="3688555"/>
+            <a:ext cx="1873679" cy="304801"/>
+          </a:xfrm>
+          <a:prstGeom prst="rect">
+            <a:avLst/>
+          </a:prstGeom>
+          <a:solidFill>
+            <a:schemeClr val="bg1"/>
+          </a:solidFill>
+          <a:ln>
+            <a:solidFill>
+              <a:schemeClr val="bg1"/>
+            </a:solidFill>
+          </a:ln>
+        </p:spPr>
+        <p:style>
+          <a:lnRef idx="2">
+            <a:schemeClr val="accent1">
+              <a:shade val="50000"/>
+            </a:schemeClr>
+          </a:lnRef>
+          <a:fillRef idx="1">
+            <a:schemeClr val="accent1"/>
+          </a:fillRef>
+          <a:effectRef idx="0">
+            <a:schemeClr val="accent1"/>
+          </a:effectRef>
+          <a:fontRef idx="minor">
+            <a:schemeClr val="lt1"/>
+          </a:fontRef>
+        </p:style>
+        <p:txBody>
+          <a:bodyPr rtlCol="0" anchor="ctr"/>
+          <a:lstStyle/>
+          <a:p>
+            <a:r>
+              <a:rPr lang="es-ES" dirty="0">
+                <a:solidFill>
+                  <a:schemeClr val="tx1"/>
+                </a:solidFill>
               </a:rPr>
-              <a:t>Quantilsregression:</a:t>
-            </a:r>
-          </a:p>
-          <a:p>
-            <a:endParaRPr lang="es-ES" sz="2000" b="1" u="sng" dirty="0">
-              <a:sym typeface="Wingdings" panose="05000000000000000000" pitchFamily="2" charset="2"/>
-            </a:endParaRPr>
-          </a:p>
-          <a:p>
-            <a:pPr marL="342900" indent="-342900">
-              <a:buFont typeface="Arial" panose="020B0604020202020204" pitchFamily="34" charset="0"/>
-              <a:buChar char="•"/>
-            </a:pPr>
-            <a:r>
-              <a:rPr lang="es-ES" sz="2000" dirty="0"/>
-              <a:t>Erstellt in R mit dem Paket </a:t>
-            </a:r>
-            <a:r>
-              <a:rPr lang="es-ES" sz="2000" b="1" i="1" dirty="0"/>
-              <a:t>quantreg</a:t>
-            </a:r>
-            <a:r>
-              <a:rPr lang="es-ES" sz="2000" dirty="0"/>
-              <a:t> und der Funktion </a:t>
-            </a:r>
-            <a:r>
-              <a:rPr lang="es-ES" sz="2000" b="1" i="1" dirty="0"/>
-              <a:t>rq</a:t>
+              <a:t>Absolute Anzahl</a:t>
+            </a:r>
+          </a:p>
+        </p:txBody>
+      </p:sp>
+      <p:sp>
+        <p:nvSpPr>
+          <p:cNvPr id="16" name="Textfeld 15">
+            <a:extLst>
+              <a:ext uri="{FF2B5EF4-FFF2-40B4-BE49-F238E27FC236}">
+                <a16:creationId xmlns:a16="http://schemas.microsoft.com/office/drawing/2014/main" id="{C162446A-2827-4B3A-80D5-154CE40C4E8F}"/>
+              </a:ext>
+            </a:extLst>
+          </p:cNvPr>
+          <p:cNvSpPr txBox="1"/>
+          <p:nvPr/>
+        </p:nvSpPr>
+        <p:spPr>
+          <a:xfrm>
+            <a:off x="1153124" y="1264162"/>
+            <a:ext cx="6627691" cy="369332"/>
+          </a:xfrm>
+          <a:prstGeom prst="rect">
+            <a:avLst/>
+          </a:prstGeom>
+          <a:noFill/>
+        </p:spPr>
+        <p:txBody>
+          <a:bodyPr wrap="square" rtlCol="0">
+            <a:spAutoFit/>
+          </a:bodyPr>
+          <a:lstStyle/>
+          <a:p>
+            <a:r>
+              <a:rPr lang="es-ES" dirty="0"/>
+              <a:t>Häufigkeitsverteilung der getriggerten Erdbeben nach Magnitude</a:t>
             </a:r>
           </a:p>
         </p:txBody>
@@ -4685,7 +5322,7 @@
     </p:spTree>
     <p:extLst>
       <p:ext uri="{BB962C8B-B14F-4D97-AF65-F5344CB8AC3E}">
-        <p14:creationId xmlns:p14="http://schemas.microsoft.com/office/powerpoint/2010/main" val="323745129"/>
+        <p14:creationId xmlns:p14="http://schemas.microsoft.com/office/powerpoint/2010/main" val="2041959648"/>
       </p:ext>
     </p:extLst>
   </p:cSld>
@@ -4714,86 +5351,6 @@
       </p:grpSpPr>
       <p:sp>
         <p:nvSpPr>
-          <p:cNvPr id="3" name="Inhaltsplatzhalter 2">
-            <a:extLst>
-              <a:ext uri="{FF2B5EF4-FFF2-40B4-BE49-F238E27FC236}">
-                <a16:creationId xmlns:a16="http://schemas.microsoft.com/office/drawing/2014/main" id="{EF2F12AA-717C-400F-AC63-EA5D78A3C047}"/>
-              </a:ext>
-            </a:extLst>
-          </p:cNvPr>
-          <p:cNvSpPr>
-            <a:spLocks noGrp="1"/>
-          </p:cNvSpPr>
-          <p:nvPr>
-            <p:ph idx="1"/>
-          </p:nvPr>
-        </p:nvSpPr>
-        <p:spPr>
-          <a:xfrm>
-            <a:off x="1002052" y="1844675"/>
-            <a:ext cx="11065988" cy="4351338"/>
-          </a:xfrm>
-        </p:spPr>
-        <p:txBody>
-          <a:bodyPr>
-            <a:normAutofit/>
-          </a:bodyPr>
-          <a:lstStyle/>
-          <a:p>
-            <a:r>
-              <a:rPr lang="es-ES" dirty="0">
-                <a:latin typeface="Arial" panose="020B0604020202020204" pitchFamily="34" charset="0"/>
-                <a:cs typeface="Arial" panose="020B0604020202020204" pitchFamily="34" charset="0"/>
-              </a:rPr>
-              <a:t>Hintergrund und Inhalt des Projektes</a:t>
-            </a:r>
-          </a:p>
-          <a:p>
-            <a:r>
-              <a:rPr lang="es-ES" dirty="0">
-                <a:latin typeface="Arial" panose="020B0604020202020204" pitchFamily="34" charset="0"/>
-                <a:cs typeface="Arial" panose="020B0604020202020204" pitchFamily="34" charset="0"/>
-              </a:rPr>
-              <a:t>Fragestellung</a:t>
-            </a:r>
-          </a:p>
-          <a:p>
-            <a:r>
-              <a:rPr lang="es-ES" dirty="0">
-                <a:latin typeface="Arial" panose="020B0604020202020204" pitchFamily="34" charset="0"/>
-                <a:cs typeface="Arial" panose="020B0604020202020204" pitchFamily="34" charset="0"/>
-              </a:rPr>
-              <a:t>Konzept der Methodik</a:t>
-            </a:r>
-          </a:p>
-          <a:p>
-            <a:r>
-              <a:rPr lang="es-ES" b="1" dirty="0">
-                <a:latin typeface="Arial" panose="020B0604020202020204" pitchFamily="34" charset="0"/>
-                <a:cs typeface="Arial" panose="020B0604020202020204" pitchFamily="34" charset="0"/>
-              </a:rPr>
-              <a:t>Erste Ergebnisse und Erfahrungen</a:t>
-            </a:r>
-          </a:p>
-          <a:p>
-            <a:r>
-              <a:rPr lang="es-ES" dirty="0">
-                <a:latin typeface="Arial" panose="020B0604020202020204" pitchFamily="34" charset="0"/>
-                <a:cs typeface="Arial" panose="020B0604020202020204" pitchFamily="34" charset="0"/>
-              </a:rPr>
-              <a:t>Fragen und Anregungen = Diskussion</a:t>
-            </a:r>
-          </a:p>
-          <a:p>
-            <a:pPr marL="0" indent="0">
-              <a:buNone/>
-            </a:pPr>
-            <a:endParaRPr lang="es-ES" dirty="0"/>
-          </a:p>
-        </p:txBody>
-      </p:sp>
-      <p:sp>
-        <p:nvSpPr>
           <p:cNvPr id="4" name="Foliennummernplatzhalter 3">
             <a:extLst>
               <a:ext uri="{FF2B5EF4-FFF2-40B4-BE49-F238E27FC236}">
@@ -4882,7 +5439,7 @@
         </p:nvSpPr>
         <p:spPr>
           <a:xfrm>
-            <a:off x="838200" y="-140245"/>
+            <a:off x="838200" y="0"/>
             <a:ext cx="10515600" cy="1325563"/>
           </a:xfrm>
           <a:prstGeom prst="rect">
@@ -4915,25 +5472,21 @@
           <a:p>
             <a:pPr algn="ctr"/>
             <a:r>
-              <a:rPr lang="es-ES" sz="3600" u="sng" dirty="0" err="1">
+              <a:rPr lang="es-ES" sz="3600" u="sng" dirty="0">
                 <a:latin typeface="Arial" panose="020B0604020202020204" pitchFamily="34" charset="0"/>
                 <a:cs typeface="Arial" panose="020B0604020202020204" pitchFamily="34" charset="0"/>
               </a:rPr>
-              <a:t>Gliederung</a:t>
-            </a:r>
-            <a:endParaRPr lang="es-ES" sz="3600" u="sng" dirty="0">
-              <a:latin typeface="Arial" panose="020B0604020202020204" pitchFamily="34" charset="0"/>
-              <a:cs typeface="Arial" panose="020B0604020202020204" pitchFamily="34" charset="0"/>
-            </a:endParaRPr>
-          </a:p>
-        </p:txBody>
-      </p:sp>
-      <p:sp>
-        <p:nvSpPr>
-          <p:cNvPr id="10" name="Fußzeilenplatzhalter 4">
-            <a:extLst>
-              <a:ext uri="{FF2B5EF4-FFF2-40B4-BE49-F238E27FC236}">
-                <a16:creationId xmlns:a16="http://schemas.microsoft.com/office/drawing/2014/main" id="{CA3F2EDC-1E9F-40FC-ABFA-3C46B88C1DC8}"/>
+              <a:t>Konzept - Erste Ergebnisse und Erfahrungen</a:t>
+            </a:r>
+          </a:p>
+        </p:txBody>
+      </p:sp>
+      <p:sp>
+        <p:nvSpPr>
+          <p:cNvPr id="7" name="Fußzeilenplatzhalter 4">
+            <a:extLst>
+              <a:ext uri="{FF2B5EF4-FFF2-40B4-BE49-F238E27FC236}">
+                <a16:creationId xmlns:a16="http://schemas.microsoft.com/office/drawing/2014/main" id="{00D96A0B-DFF8-4590-A342-4EE02B81294A}"/>
               </a:ext>
             </a:extLst>
           </p:cNvPr>
@@ -4964,10 +5517,873 @@
           </a:p>
         </p:txBody>
       </p:sp>
+      <p:sp>
+        <p:nvSpPr>
+          <p:cNvPr id="13" name="Textfeld 12">
+            <a:extLst>
+              <a:ext uri="{FF2B5EF4-FFF2-40B4-BE49-F238E27FC236}">
+                <a16:creationId xmlns:a16="http://schemas.microsoft.com/office/drawing/2014/main" id="{66CE7794-4E1E-4AC1-9537-CB023BF8A48D}"/>
+              </a:ext>
+            </a:extLst>
+          </p:cNvPr>
+          <p:cNvSpPr txBox="1"/>
+          <p:nvPr/>
+        </p:nvSpPr>
+        <p:spPr>
+          <a:xfrm>
+            <a:off x="7287151" y="1352239"/>
+            <a:ext cx="4734685" cy="1631216"/>
+          </a:xfrm>
+          <a:prstGeom prst="rect">
+            <a:avLst/>
+          </a:prstGeom>
+          <a:noFill/>
+        </p:spPr>
+        <p:txBody>
+          <a:bodyPr wrap="square" rtlCol="0">
+            <a:spAutoFit/>
+          </a:bodyPr>
+          <a:lstStyle/>
+          <a:p>
+            <a:r>
+              <a:rPr lang="de-DE" sz="2000" i="0" u="sng" dirty="0">
+                <a:solidFill>
+                  <a:srgbClr val="202122"/>
+                </a:solidFill>
+                <a:effectLst/>
+              </a:rPr>
+              <a:t>Generalisierte additives </a:t>
+            </a:r>
+            <a:r>
+              <a:rPr lang="de-DE" sz="2000" u="sng" dirty="0">
+                <a:solidFill>
+                  <a:srgbClr val="202122"/>
+                </a:solidFill>
+              </a:rPr>
+              <a:t>Regressionsm</a:t>
+            </a:r>
+            <a:r>
+              <a:rPr lang="de-DE" sz="2000" i="0" u="sng" dirty="0">
+                <a:solidFill>
+                  <a:srgbClr val="202122"/>
+                </a:solidFill>
+                <a:effectLst/>
+              </a:rPr>
+              <a:t>odelle für Lokations-, Skalen- und Formparameter (</a:t>
+            </a:r>
+            <a:r>
+              <a:rPr lang="de-DE" sz="2000" i="0" u="sng" dirty="0" err="1">
+                <a:solidFill>
+                  <a:srgbClr val="202122"/>
+                </a:solidFill>
+                <a:effectLst/>
+              </a:rPr>
+              <a:t>gamlss</a:t>
+            </a:r>
+            <a:r>
+              <a:rPr lang="de-DE" sz="2000" i="0" u="sng" dirty="0">
+                <a:solidFill>
+                  <a:srgbClr val="202122"/>
+                </a:solidFill>
+                <a:effectLst/>
+              </a:rPr>
+              <a:t>)</a:t>
+            </a:r>
+          </a:p>
+          <a:p>
+            <a:endParaRPr lang="de-DE" sz="2000" dirty="0">
+              <a:solidFill>
+                <a:srgbClr val="202122"/>
+              </a:solidFill>
+            </a:endParaRPr>
+          </a:p>
+          <a:p>
+            <a:pPr marL="342900" indent="-342900">
+              <a:buFont typeface="Arial" panose="020B0604020202020204" pitchFamily="34" charset="0"/>
+              <a:buChar char="•"/>
+            </a:pPr>
+            <a:endParaRPr lang="es-ES" sz="2000" dirty="0"/>
+          </a:p>
+        </p:txBody>
+      </p:sp>
+      <p:sp>
+        <p:nvSpPr>
+          <p:cNvPr id="11" name="Rechteck 10">
+            <a:extLst>
+              <a:ext uri="{FF2B5EF4-FFF2-40B4-BE49-F238E27FC236}">
+                <a16:creationId xmlns:a16="http://schemas.microsoft.com/office/drawing/2014/main" id="{D7BC7F64-B758-49EA-9421-3D9342579597}"/>
+              </a:ext>
+            </a:extLst>
+          </p:cNvPr>
+          <p:cNvSpPr/>
+          <p:nvPr/>
+        </p:nvSpPr>
+        <p:spPr>
+          <a:xfrm>
+            <a:off x="425723" y="1284430"/>
+            <a:ext cx="5941418" cy="460223"/>
+          </a:xfrm>
+          <a:prstGeom prst="rect">
+            <a:avLst/>
+          </a:prstGeom>
+          <a:solidFill>
+            <a:schemeClr val="bg1">
+              <a:lumMod val="85000"/>
+            </a:schemeClr>
+          </a:solidFill>
+          <a:ln>
+            <a:solidFill>
+              <a:schemeClr val="bg1"/>
+            </a:solidFill>
+          </a:ln>
+        </p:spPr>
+        <p:style>
+          <a:lnRef idx="2">
+            <a:schemeClr val="accent1">
+              <a:shade val="50000"/>
+            </a:schemeClr>
+          </a:lnRef>
+          <a:fillRef idx="1">
+            <a:schemeClr val="accent1"/>
+          </a:fillRef>
+          <a:effectRef idx="0">
+            <a:schemeClr val="accent1"/>
+          </a:effectRef>
+          <a:fontRef idx="minor">
+            <a:schemeClr val="lt1"/>
+          </a:fontRef>
+        </p:style>
+        <p:txBody>
+          <a:bodyPr rtlCol="0" anchor="ctr"/>
+          <a:lstStyle/>
+          <a:p>
+            <a:pPr algn="ctr"/>
+            <a:r>
+              <a:rPr lang="es-ES" dirty="0">
+                <a:solidFill>
+                  <a:schemeClr val="accent1">
+                    <a:lumMod val="75000"/>
+                  </a:schemeClr>
+                </a:solidFill>
+              </a:rPr>
+              <a:t>Getriggerte Magnitude  ~  Triggernde Magnitude</a:t>
+            </a:r>
+            <a:endParaRPr lang="es-ES" dirty="0">
+              <a:solidFill>
+                <a:schemeClr val="tx1"/>
+              </a:solidFill>
+            </a:endParaRPr>
+          </a:p>
+        </p:txBody>
+      </p:sp>
+      <p:graphicFrame>
+        <p:nvGraphicFramePr>
+          <p:cNvPr id="12" name="Tabelle 10">
+            <a:extLst>
+              <a:ext uri="{FF2B5EF4-FFF2-40B4-BE49-F238E27FC236}">
+                <a16:creationId xmlns:a16="http://schemas.microsoft.com/office/drawing/2014/main" id="{A60A8C69-2A7D-4E04-AF87-83BCC661526B}"/>
+              </a:ext>
+            </a:extLst>
+          </p:cNvPr>
+          <p:cNvGraphicFramePr>
+            <a:graphicFrameLocks noGrp="1"/>
+          </p:cNvGraphicFramePr>
+          <p:nvPr>
+            <p:extLst>
+              <p:ext uri="{D42A27DB-BD31-4B8C-83A1-F6EECF244321}">
+                <p14:modId xmlns:p14="http://schemas.microsoft.com/office/powerpoint/2010/main" val="2009346779"/>
+              </p:ext>
+            </p:extLst>
+          </p:nvPr>
+        </p:nvGraphicFramePr>
+        <p:xfrm>
+          <a:off x="425722" y="1871912"/>
+          <a:ext cx="5941419" cy="1127492"/>
+        </p:xfrm>
+        <a:graphic>
+          <a:graphicData uri="http://schemas.openxmlformats.org/drawingml/2006/table">
+            <a:tbl>
+              <a:tblPr firstRow="1" bandRow="1">
+                <a:tableStyleId>{5C22544A-7EE6-4342-B048-85BDC9FD1C3A}</a:tableStyleId>
+              </a:tblPr>
+              <a:tblGrid>
+                <a:gridCol w="3832128">
+                  <a:extLst>
+                    <a:ext uri="{9D8B030D-6E8A-4147-A177-3AD203B41FA5}">
+                      <a16:colId xmlns:a16="http://schemas.microsoft.com/office/drawing/2014/main" val="480744698"/>
+                    </a:ext>
+                  </a:extLst>
+                </a:gridCol>
+                <a:gridCol w="2109291">
+                  <a:extLst>
+                    <a:ext uri="{9D8B030D-6E8A-4147-A177-3AD203B41FA5}">
+                      <a16:colId xmlns:a16="http://schemas.microsoft.com/office/drawing/2014/main" val="3561967604"/>
+                    </a:ext>
+                  </a:extLst>
+                </a:gridCol>
+              </a:tblGrid>
+              <a:tr h="380866">
+                <a:tc>
+                  <a:txBody>
+                    <a:bodyPr/>
+                    <a:lstStyle/>
+                    <a:p>
+                      <a:r>
+                        <a:rPr lang="es-ES" b="0" dirty="0">
+                          <a:solidFill>
+                            <a:schemeClr val="tx1"/>
+                          </a:solidFill>
+                        </a:rPr>
+                        <a:t>Exp (Beta von triggernder Magnitude)</a:t>
+                      </a:r>
+                    </a:p>
+                  </a:txBody>
+                  <a:tcPr>
+                    <a:solidFill>
+                      <a:schemeClr val="bg1">
+                        <a:lumMod val="95000"/>
+                      </a:schemeClr>
+                    </a:solidFill>
+                  </a:tcPr>
+                </a:tc>
+                <a:tc>
+                  <a:txBody>
+                    <a:bodyPr/>
+                    <a:lstStyle/>
+                    <a:p>
+                      <a:r>
+                        <a:rPr lang="es-ES" b="0" dirty="0">
+                          <a:solidFill>
+                            <a:schemeClr val="tx1"/>
+                          </a:solidFill>
+                        </a:rPr>
+                        <a:t>1.016170 ***</a:t>
+                      </a:r>
+                    </a:p>
+                  </a:txBody>
+                  <a:tcPr>
+                    <a:solidFill>
+                      <a:schemeClr val="bg1">
+                        <a:lumMod val="95000"/>
+                      </a:schemeClr>
+                    </a:solidFill>
+                  </a:tcPr>
+                </a:tc>
+                <a:extLst>
+                  <a:ext uri="{0D108BD9-81ED-4DB2-BD59-A6C34878D82A}">
+                    <a16:rowId xmlns:a16="http://schemas.microsoft.com/office/drawing/2014/main" val="1114050487"/>
+                  </a:ext>
+                </a:extLst>
+              </a:tr>
+              <a:tr h="380866">
+                <a:tc>
+                  <a:txBody>
+                    <a:bodyPr/>
+                    <a:lstStyle/>
+                    <a:p>
+                      <a:r>
+                        <a:rPr lang="es-ES" b="0" dirty="0">
+                          <a:solidFill>
+                            <a:schemeClr val="tx1"/>
+                          </a:solidFill>
+                        </a:rPr>
+                        <a:t>Devianz </a:t>
+                      </a:r>
+                    </a:p>
+                  </a:txBody>
+                  <a:tcPr>
+                    <a:solidFill>
+                      <a:schemeClr val="bg1">
+                        <a:lumMod val="95000"/>
+                      </a:schemeClr>
+                    </a:solidFill>
+                  </a:tcPr>
+                </a:tc>
+                <a:tc>
+                  <a:txBody>
+                    <a:bodyPr/>
+                    <a:lstStyle/>
+                    <a:p>
+                      <a:r>
+                        <a:rPr lang="es-ES" b="0" dirty="0">
+                          <a:solidFill>
+                            <a:schemeClr val="tx1"/>
+                          </a:solidFill>
+                        </a:rPr>
+                        <a:t>8794</a:t>
+                      </a:r>
+                    </a:p>
+                  </a:txBody>
+                  <a:tcPr>
+                    <a:solidFill>
+                      <a:schemeClr val="bg1">
+                        <a:lumMod val="95000"/>
+                      </a:schemeClr>
+                    </a:solidFill>
+                  </a:tcPr>
+                </a:tc>
+                <a:extLst>
+                  <a:ext uri="{0D108BD9-81ED-4DB2-BD59-A6C34878D82A}">
+                    <a16:rowId xmlns:a16="http://schemas.microsoft.com/office/drawing/2014/main" val="745532817"/>
+                  </a:ext>
+                </a:extLst>
+              </a:tr>
+              <a:tr h="232370">
+                <a:tc>
+                  <a:txBody>
+                    <a:bodyPr/>
+                    <a:lstStyle/>
+                    <a:p>
+                      <a:r>
+                        <a:rPr lang="es-ES" dirty="0"/>
+                        <a:t>AIC</a:t>
+                      </a:r>
+                      <a:endParaRPr lang="es-ES" baseline="30000" dirty="0"/>
+                    </a:p>
+                  </a:txBody>
+                  <a:tcPr>
+                    <a:solidFill>
+                      <a:schemeClr val="bg1">
+                        <a:lumMod val="95000"/>
+                      </a:schemeClr>
+                    </a:solidFill>
+                  </a:tcPr>
+                </a:tc>
+                <a:tc>
+                  <a:txBody>
+                    <a:bodyPr/>
+                    <a:lstStyle/>
+                    <a:p>
+                      <a:r>
+                        <a:rPr lang="es-ES" dirty="0"/>
+                        <a:t>8800</a:t>
+                      </a:r>
+                    </a:p>
+                  </a:txBody>
+                  <a:tcPr>
+                    <a:solidFill>
+                      <a:schemeClr val="bg1">
+                        <a:lumMod val="95000"/>
+                      </a:schemeClr>
+                    </a:solidFill>
+                  </a:tcPr>
+                </a:tc>
+                <a:extLst>
+                  <a:ext uri="{0D108BD9-81ED-4DB2-BD59-A6C34878D82A}">
+                    <a16:rowId xmlns:a16="http://schemas.microsoft.com/office/drawing/2014/main" val="1599703956"/>
+                  </a:ext>
+                </a:extLst>
+              </a:tr>
+            </a:tbl>
+          </a:graphicData>
+        </a:graphic>
+      </p:graphicFrame>
+      <p:sp>
+        <p:nvSpPr>
+          <p:cNvPr id="14" name="AutoShape 2" descr="Bildergebnis für mexiko  flagge">
+            <a:extLst>
+              <a:ext uri="{FF2B5EF4-FFF2-40B4-BE49-F238E27FC236}">
+                <a16:creationId xmlns:a16="http://schemas.microsoft.com/office/drawing/2014/main" id="{9BDAEAEA-0E51-489A-8BED-9F8C2D1BA6FA}"/>
+              </a:ext>
+            </a:extLst>
+          </p:cNvPr>
+          <p:cNvSpPr>
+            <a:spLocks noChangeAspect="1" noChangeArrowheads="1"/>
+          </p:cNvSpPr>
+          <p:nvPr/>
+        </p:nvSpPr>
+        <p:spPr bwMode="auto">
+          <a:xfrm>
+            <a:off x="5835144" y="5408911"/>
+            <a:ext cx="304800" cy="304800"/>
+          </a:xfrm>
+          <a:prstGeom prst="rect">
+            <a:avLst/>
+          </a:prstGeom>
+          <a:noFill/>
+          <a:extLst>
+            <a:ext uri="{909E8E84-426E-40DD-AFC4-6F175D3DCCD1}">
+              <a14:hiddenFill xmlns:a14="http://schemas.microsoft.com/office/drawing/2010/main">
+                <a:solidFill>
+                  <a:srgbClr val="FFFFFF"/>
+                </a:solidFill>
+              </a14:hiddenFill>
+            </a:ext>
+          </a:extLst>
+        </p:spPr>
+        <p:txBody>
+          <a:bodyPr vert="horz" wrap="square" lIns="91440" tIns="45720" rIns="91440" bIns="45720" numCol="1" anchor="t" anchorCtr="0" compatLnSpc="1">
+            <a:prstTxWarp prst="textNoShape">
+              <a:avLst/>
+            </a:prstTxWarp>
+          </a:bodyPr>
+          <a:lstStyle/>
+          <a:p>
+            <a:endParaRPr lang="es-ES"/>
+          </a:p>
+        </p:txBody>
+      </p:sp>
+      <p:sp>
+        <p:nvSpPr>
+          <p:cNvPr id="15" name="Textfeld 14">
+            <a:extLst>
+              <a:ext uri="{FF2B5EF4-FFF2-40B4-BE49-F238E27FC236}">
+                <a16:creationId xmlns:a16="http://schemas.microsoft.com/office/drawing/2014/main" id="{C2DFA3A2-EE53-426E-A03F-D70274F2D303}"/>
+              </a:ext>
+            </a:extLst>
+          </p:cNvPr>
+          <p:cNvSpPr txBox="1"/>
+          <p:nvPr/>
+        </p:nvSpPr>
+        <p:spPr>
+          <a:xfrm>
+            <a:off x="7287151" y="3581400"/>
+            <a:ext cx="4196142" cy="2246769"/>
+          </a:xfrm>
+          <a:prstGeom prst="rect">
+            <a:avLst/>
+          </a:prstGeom>
+          <a:noFill/>
+        </p:spPr>
+        <p:txBody>
+          <a:bodyPr wrap="square" rtlCol="0">
+            <a:spAutoFit/>
+          </a:bodyPr>
+          <a:lstStyle/>
+          <a:p>
+            <a:r>
+              <a:rPr lang="de-DE" sz="2000" i="0" u="sng" dirty="0">
+                <a:solidFill>
+                  <a:srgbClr val="202122"/>
+                </a:solidFill>
+                <a:effectLst/>
+              </a:rPr>
+              <a:t>Generalisierte additives </a:t>
+            </a:r>
+            <a:r>
+              <a:rPr lang="de-DE" sz="2000" u="sng" dirty="0">
+                <a:solidFill>
+                  <a:srgbClr val="202122"/>
+                </a:solidFill>
+              </a:rPr>
+              <a:t>Regressionsm</a:t>
+            </a:r>
+            <a:r>
+              <a:rPr lang="de-DE" sz="2000" i="0" u="sng" dirty="0">
+                <a:solidFill>
+                  <a:srgbClr val="202122"/>
+                </a:solidFill>
+                <a:effectLst/>
+              </a:rPr>
+              <a:t>odelle für Lokations-, Skalen- und Formparameter (</a:t>
+            </a:r>
+            <a:r>
+              <a:rPr lang="de-DE" sz="2000" i="0" u="sng" dirty="0" err="1">
+                <a:solidFill>
+                  <a:srgbClr val="202122"/>
+                </a:solidFill>
+                <a:effectLst/>
+              </a:rPr>
+              <a:t>gamlss</a:t>
+            </a:r>
+            <a:r>
+              <a:rPr lang="de-DE" sz="2000" i="0" u="sng" dirty="0">
+                <a:solidFill>
+                  <a:srgbClr val="202122"/>
+                </a:solidFill>
+                <a:effectLst/>
+              </a:rPr>
+              <a:t>)</a:t>
+            </a:r>
+            <a:endParaRPr lang="de-DE" sz="2000" dirty="0">
+              <a:solidFill>
+                <a:srgbClr val="202122"/>
+              </a:solidFill>
+            </a:endParaRPr>
+          </a:p>
+          <a:p>
+            <a:pPr marL="342900" indent="-342900">
+              <a:buFont typeface="Wingdings" panose="05000000000000000000" pitchFamily="2" charset="2"/>
+              <a:buChar char="à"/>
+            </a:pPr>
+            <a:r>
+              <a:rPr lang="de-DE" sz="2000" dirty="0">
+                <a:solidFill>
+                  <a:srgbClr val="202122"/>
+                </a:solidFill>
+                <a:sym typeface="Wingdings" panose="05000000000000000000" pitchFamily="2" charset="2"/>
+              </a:rPr>
+              <a:t>Mit allen Kovariablen</a:t>
+            </a:r>
+          </a:p>
+          <a:p>
+            <a:endParaRPr lang="de-DE" sz="2000" dirty="0">
+              <a:solidFill>
+                <a:srgbClr val="202122"/>
+              </a:solidFill>
+              <a:sym typeface="Wingdings" panose="05000000000000000000" pitchFamily="2" charset="2"/>
+            </a:endParaRPr>
+          </a:p>
+          <a:p>
+            <a:pPr marL="342900" indent="-342900">
+              <a:buFont typeface="Arial" panose="020B0604020202020204" pitchFamily="34" charset="0"/>
+              <a:buChar char="•"/>
+            </a:pPr>
+            <a:r>
+              <a:rPr lang="de-DE" sz="2000" dirty="0">
+                <a:solidFill>
+                  <a:srgbClr val="202122"/>
+                </a:solidFill>
+                <a:sym typeface="Wingdings" panose="05000000000000000000" pitchFamily="2" charset="2"/>
+              </a:rPr>
+              <a:t>Etwas bessere Modellanpassung mit Kovariablen</a:t>
+            </a:r>
+            <a:endParaRPr lang="es-ES" sz="2000" dirty="0"/>
+          </a:p>
+        </p:txBody>
+      </p:sp>
+      <p:sp>
+        <p:nvSpPr>
+          <p:cNvPr id="16" name="Rechteck 15">
+            <a:extLst>
+              <a:ext uri="{FF2B5EF4-FFF2-40B4-BE49-F238E27FC236}">
+                <a16:creationId xmlns:a16="http://schemas.microsoft.com/office/drawing/2014/main" id="{6DCF6093-AD23-4D75-9C6E-85041BA28BA7}"/>
+              </a:ext>
+            </a:extLst>
+          </p:cNvPr>
+          <p:cNvSpPr/>
+          <p:nvPr/>
+        </p:nvSpPr>
+        <p:spPr>
+          <a:xfrm>
+            <a:off x="425722" y="3581400"/>
+            <a:ext cx="6006867" cy="932224"/>
+          </a:xfrm>
+          <a:prstGeom prst="rect">
+            <a:avLst/>
+          </a:prstGeom>
+          <a:solidFill>
+            <a:schemeClr val="bg1">
+              <a:lumMod val="85000"/>
+            </a:schemeClr>
+          </a:solidFill>
+          <a:ln>
+            <a:solidFill>
+              <a:schemeClr val="bg1"/>
+            </a:solidFill>
+          </a:ln>
+        </p:spPr>
+        <p:style>
+          <a:lnRef idx="2">
+            <a:schemeClr val="accent1">
+              <a:shade val="50000"/>
+            </a:schemeClr>
+          </a:lnRef>
+          <a:fillRef idx="1">
+            <a:schemeClr val="accent1"/>
+          </a:fillRef>
+          <a:effectRef idx="0">
+            <a:schemeClr val="accent1"/>
+          </a:effectRef>
+          <a:fontRef idx="minor">
+            <a:schemeClr val="lt1"/>
+          </a:fontRef>
+        </p:style>
+        <p:txBody>
+          <a:bodyPr rtlCol="0" anchor="ctr"/>
+          <a:lstStyle/>
+          <a:p>
+            <a:pPr algn="ctr"/>
+            <a:r>
+              <a:rPr lang="es-ES" dirty="0">
+                <a:solidFill>
+                  <a:schemeClr val="accent1">
+                    <a:lumMod val="75000"/>
+                  </a:schemeClr>
+                </a:solidFill>
+              </a:rPr>
+              <a:t>Getriggerte Magnitude  ~  Triggernde Magnitude </a:t>
+            </a:r>
+            <a:r>
+              <a:rPr lang="es-ES" dirty="0">
+                <a:solidFill>
+                  <a:schemeClr val="tx1"/>
+                </a:solidFill>
+              </a:rPr>
+              <a:t>+ </a:t>
+            </a:r>
+            <a:r>
+              <a:rPr lang="es-ES" dirty="0">
+                <a:solidFill>
+                  <a:schemeClr val="accent2">
+                    <a:lumMod val="75000"/>
+                  </a:schemeClr>
+                </a:solidFill>
+              </a:rPr>
+              <a:t>Tiefe</a:t>
+            </a:r>
+            <a:r>
+              <a:rPr lang="es-ES" dirty="0">
+                <a:solidFill>
+                  <a:schemeClr val="tx1"/>
+                </a:solidFill>
+              </a:rPr>
+              <a:t> + </a:t>
+            </a:r>
+            <a:r>
+              <a:rPr lang="es-ES" dirty="0">
+                <a:solidFill>
+                  <a:schemeClr val="accent2">
+                    <a:lumMod val="75000"/>
+                  </a:schemeClr>
+                </a:solidFill>
+              </a:rPr>
+              <a:t>dip</a:t>
+            </a:r>
+            <a:r>
+              <a:rPr lang="es-ES" dirty="0">
+                <a:solidFill>
+                  <a:schemeClr val="tx1"/>
+                </a:solidFill>
+              </a:rPr>
+              <a:t> + </a:t>
+            </a:r>
+            <a:r>
+              <a:rPr lang="es-ES" dirty="0">
+                <a:solidFill>
+                  <a:schemeClr val="accent2">
+                    <a:lumMod val="75000"/>
+                  </a:schemeClr>
+                </a:solidFill>
+              </a:rPr>
+              <a:t>rake</a:t>
+            </a:r>
+            <a:r>
+              <a:rPr lang="es-ES" dirty="0">
+                <a:solidFill>
+                  <a:schemeClr val="tx1"/>
+                </a:solidFill>
+              </a:rPr>
+              <a:t> + </a:t>
+            </a:r>
+            <a:r>
+              <a:rPr lang="es-ES" dirty="0">
+                <a:solidFill>
+                  <a:schemeClr val="accent2">
+                    <a:lumMod val="75000"/>
+                  </a:schemeClr>
+                </a:solidFill>
+              </a:rPr>
+              <a:t>strainRate</a:t>
+            </a:r>
+            <a:r>
+              <a:rPr lang="es-ES" dirty="0">
+                <a:solidFill>
+                  <a:schemeClr val="tx1"/>
+                </a:solidFill>
+              </a:rPr>
+              <a:t> + heatFlow + crustalThick + mantleThick + elevation </a:t>
+            </a:r>
+          </a:p>
+        </p:txBody>
+      </p:sp>
+      <p:graphicFrame>
+        <p:nvGraphicFramePr>
+          <p:cNvPr id="17" name="Tabelle 10">
+            <a:extLst>
+              <a:ext uri="{FF2B5EF4-FFF2-40B4-BE49-F238E27FC236}">
+                <a16:creationId xmlns:a16="http://schemas.microsoft.com/office/drawing/2014/main" id="{FD9F0044-63F5-4747-84C5-416722291871}"/>
+              </a:ext>
+            </a:extLst>
+          </p:cNvPr>
+          <p:cNvGraphicFramePr>
+            <a:graphicFrameLocks noGrp="1"/>
+          </p:cNvGraphicFramePr>
+          <p:nvPr>
+            <p:extLst>
+              <p:ext uri="{D42A27DB-BD31-4B8C-83A1-F6EECF244321}">
+                <p14:modId xmlns:p14="http://schemas.microsoft.com/office/powerpoint/2010/main" val="3717417237"/>
+              </p:ext>
+            </p:extLst>
+          </p:nvPr>
+        </p:nvGraphicFramePr>
+        <p:xfrm>
+          <a:off x="425722" y="4646143"/>
+          <a:ext cx="6006867" cy="1142598"/>
+        </p:xfrm>
+        <a:graphic>
+          <a:graphicData uri="http://schemas.openxmlformats.org/drawingml/2006/table">
+            <a:tbl>
+              <a:tblPr firstRow="1" bandRow="1">
+                <a:tableStyleId>{5C22544A-7EE6-4342-B048-85BDC9FD1C3A}</a:tableStyleId>
+              </a:tblPr>
+              <a:tblGrid>
+                <a:gridCol w="3712453">
+                  <a:extLst>
+                    <a:ext uri="{9D8B030D-6E8A-4147-A177-3AD203B41FA5}">
+                      <a16:colId xmlns:a16="http://schemas.microsoft.com/office/drawing/2014/main" val="480744698"/>
+                    </a:ext>
+                  </a:extLst>
+                </a:gridCol>
+                <a:gridCol w="2294414">
+                  <a:extLst>
+                    <a:ext uri="{9D8B030D-6E8A-4147-A177-3AD203B41FA5}">
+                      <a16:colId xmlns:a16="http://schemas.microsoft.com/office/drawing/2014/main" val="3561967604"/>
+                    </a:ext>
+                  </a:extLst>
+                </a:gridCol>
+              </a:tblGrid>
+              <a:tr h="380866">
+                <a:tc>
+                  <a:txBody>
+                    <a:bodyPr/>
+                    <a:lstStyle/>
+                    <a:p>
+                      <a:r>
+                        <a:rPr lang="es-ES" b="0" dirty="0">
+                          <a:solidFill>
+                            <a:schemeClr val="tx1"/>
+                          </a:solidFill>
+                        </a:rPr>
+                        <a:t>Exp (Beta von triggernder Magnitude)</a:t>
+                      </a:r>
+                    </a:p>
+                  </a:txBody>
+                  <a:tcPr>
+                    <a:solidFill>
+                      <a:schemeClr val="bg1">
+                        <a:lumMod val="95000"/>
+                      </a:schemeClr>
+                    </a:solidFill>
+                  </a:tcPr>
+                </a:tc>
+                <a:tc>
+                  <a:txBody>
+                    <a:bodyPr/>
+                    <a:lstStyle/>
+                    <a:p>
+                      <a:r>
+                        <a:rPr lang="es-ES" b="0" dirty="0">
+                          <a:solidFill>
+                            <a:schemeClr val="tx1"/>
+                          </a:solidFill>
+                        </a:rPr>
+                        <a:t>1.0142 ***</a:t>
+                      </a:r>
+                    </a:p>
+                  </a:txBody>
+                  <a:tcPr>
+                    <a:solidFill>
+                      <a:schemeClr val="bg1">
+                        <a:lumMod val="95000"/>
+                      </a:schemeClr>
+                    </a:solidFill>
+                  </a:tcPr>
+                </a:tc>
+                <a:extLst>
+                  <a:ext uri="{0D108BD9-81ED-4DB2-BD59-A6C34878D82A}">
+                    <a16:rowId xmlns:a16="http://schemas.microsoft.com/office/drawing/2014/main" val="1114050487"/>
+                  </a:ext>
+                </a:extLst>
+              </a:tr>
+              <a:tr h="380866">
+                <a:tc>
+                  <a:txBody>
+                    <a:bodyPr/>
+                    <a:lstStyle/>
+                    <a:p>
+                      <a:r>
+                        <a:rPr lang="es-ES" baseline="0" dirty="0"/>
+                        <a:t>Devianz  </a:t>
+                      </a:r>
+                    </a:p>
+                  </a:txBody>
+                  <a:tcPr>
+                    <a:solidFill>
+                      <a:schemeClr val="bg1">
+                        <a:lumMod val="95000"/>
+                      </a:schemeClr>
+                    </a:solidFill>
+                  </a:tcPr>
+                </a:tc>
+                <a:tc>
+                  <a:txBody>
+                    <a:bodyPr/>
+                    <a:lstStyle/>
+                    <a:p>
+                      <a:r>
+                        <a:rPr lang="es-ES" dirty="0"/>
+                        <a:t>8729</a:t>
+                      </a:r>
+                    </a:p>
+                  </a:txBody>
+                  <a:tcPr>
+                    <a:solidFill>
+                      <a:schemeClr val="bg1">
+                        <a:lumMod val="95000"/>
+                      </a:schemeClr>
+                    </a:solidFill>
+                  </a:tcPr>
+                </a:tc>
+                <a:extLst>
+                  <a:ext uri="{0D108BD9-81ED-4DB2-BD59-A6C34878D82A}">
+                    <a16:rowId xmlns:a16="http://schemas.microsoft.com/office/drawing/2014/main" val="1023855115"/>
+                  </a:ext>
+                </a:extLst>
+              </a:tr>
+              <a:tr h="380866">
+                <a:tc>
+                  <a:txBody>
+                    <a:bodyPr/>
+                    <a:lstStyle/>
+                    <a:p>
+                      <a:r>
+                        <a:rPr lang="es-ES" baseline="0" dirty="0"/>
+                        <a:t>AIC</a:t>
+                      </a:r>
+                    </a:p>
+                  </a:txBody>
+                  <a:tcPr>
+                    <a:solidFill>
+                      <a:schemeClr val="bg1">
+                        <a:lumMod val="95000"/>
+                      </a:schemeClr>
+                    </a:solidFill>
+                  </a:tcPr>
+                </a:tc>
+                <a:tc>
+                  <a:txBody>
+                    <a:bodyPr/>
+                    <a:lstStyle/>
+                    <a:p>
+                      <a:r>
+                        <a:rPr lang="es-ES" dirty="0"/>
+                        <a:t>8753</a:t>
+                      </a:r>
+                    </a:p>
+                  </a:txBody>
+                  <a:tcPr>
+                    <a:solidFill>
+                      <a:schemeClr val="bg1">
+                        <a:lumMod val="95000"/>
+                      </a:schemeClr>
+                    </a:solidFill>
+                  </a:tcPr>
+                </a:tc>
+                <a:extLst>
+                  <a:ext uri="{0D108BD9-81ED-4DB2-BD59-A6C34878D82A}">
+                    <a16:rowId xmlns:a16="http://schemas.microsoft.com/office/drawing/2014/main" val="947361390"/>
+                  </a:ext>
+                </a:extLst>
+              </a:tr>
+            </a:tbl>
+          </a:graphicData>
+        </a:graphic>
+      </p:graphicFrame>
     </p:spTree>
     <p:extLst>
       <p:ext uri="{BB962C8B-B14F-4D97-AF65-F5344CB8AC3E}">
-        <p14:creationId xmlns:p14="http://schemas.microsoft.com/office/powerpoint/2010/main" val="3640284442"/>
+        <p14:creationId xmlns:p14="http://schemas.microsoft.com/office/powerpoint/2010/main" val="4128610856"/>
       </p:ext>
     </p:extLst>
   </p:cSld>
@@ -5012,7 +6428,7 @@
         </p:nvSpPr>
         <p:spPr>
           <a:xfrm>
-            <a:off x="2332358" y="1871109"/>
+            <a:off x="2551141" y="1601838"/>
             <a:ext cx="7527284" cy="3115781"/>
           </a:xfrm>
         </p:spPr>
@@ -5162,7 +6578,7 @@
                 <a:latin typeface="Arial" panose="020B0604020202020204" pitchFamily="34" charset="0"/>
                 <a:cs typeface="Arial" panose="020B0604020202020204" pitchFamily="34" charset="0"/>
               </a:rPr>
-              <a:t>Erste Ergebnisse und Erfahrungen</a:t>
+              <a:t>Konzept - Erste Ergebnisse und Erfahrungen</a:t>
             </a:r>
           </a:p>
         </p:txBody>
@@ -5203,10 +6619,198 @@
           </a:p>
         </p:txBody>
       </p:sp>
+      <p:pic>
+        <p:nvPicPr>
+          <p:cNvPr id="5" name="Grafik 4">
+            <a:extLst>
+              <a:ext uri="{FF2B5EF4-FFF2-40B4-BE49-F238E27FC236}">
+                <a16:creationId xmlns:a16="http://schemas.microsoft.com/office/drawing/2014/main" id="{E471A445-EE63-4E34-9EBD-69835D91E66D}"/>
+              </a:ext>
+            </a:extLst>
+          </p:cNvPr>
+          <p:cNvPicPr>
+            <a:picLocks noChangeAspect="1"/>
+          </p:cNvPicPr>
+          <p:nvPr/>
+        </p:nvPicPr>
+        <p:blipFill rotWithShape="1">
+          <a:blip r:embed="rId2"/>
+          <a:srcRect l="44351" t="17604" r="22177" b="44271"/>
+          <a:stretch/>
+        </p:blipFill>
+        <p:spPr>
+          <a:xfrm>
+            <a:off x="367621" y="1504585"/>
+            <a:ext cx="5238782" cy="3977994"/>
+          </a:xfrm>
+          <a:prstGeom prst="rect">
+            <a:avLst/>
+          </a:prstGeom>
+        </p:spPr>
+      </p:pic>
+      <p:pic>
+        <p:nvPicPr>
+          <p:cNvPr id="10" name="Grafik 9">
+            <a:extLst>
+              <a:ext uri="{FF2B5EF4-FFF2-40B4-BE49-F238E27FC236}">
+                <a16:creationId xmlns:a16="http://schemas.microsoft.com/office/drawing/2014/main" id="{87053F59-0E99-4E4A-A7AB-8E60C8D03060}"/>
+              </a:ext>
+            </a:extLst>
+          </p:cNvPr>
+          <p:cNvPicPr>
+            <a:picLocks noChangeAspect="1"/>
+          </p:cNvPicPr>
+          <p:nvPr/>
+        </p:nvPicPr>
+        <p:blipFill rotWithShape="1">
+          <a:blip r:embed="rId2"/>
+          <a:srcRect l="44074" t="55845" r="22454" b="6887"/>
+          <a:stretch/>
+        </p:blipFill>
+        <p:spPr>
+          <a:xfrm>
+            <a:off x="6385399" y="1474966"/>
+            <a:ext cx="5438980" cy="4037231"/>
+          </a:xfrm>
+          <a:prstGeom prst="rect">
+            <a:avLst/>
+          </a:prstGeom>
+        </p:spPr>
+      </p:pic>
+      <p:sp>
+        <p:nvSpPr>
+          <p:cNvPr id="11" name="Textfeld 10">
+            <a:extLst>
+              <a:ext uri="{FF2B5EF4-FFF2-40B4-BE49-F238E27FC236}">
+                <a16:creationId xmlns:a16="http://schemas.microsoft.com/office/drawing/2014/main" id="{C21A254A-30EB-4E75-9DF5-1F4DB060A1A6}"/>
+              </a:ext>
+            </a:extLst>
+          </p:cNvPr>
+          <p:cNvSpPr txBox="1"/>
+          <p:nvPr/>
+        </p:nvSpPr>
+        <p:spPr>
+          <a:xfrm>
+            <a:off x="274881" y="1135253"/>
+            <a:ext cx="4998346" cy="369332"/>
+          </a:xfrm>
+          <a:prstGeom prst="rect">
+            <a:avLst/>
+          </a:prstGeom>
+          <a:noFill/>
+        </p:spPr>
+        <p:txBody>
+          <a:bodyPr wrap="square" rtlCol="0">
+            <a:spAutoFit/>
+          </a:bodyPr>
+          <a:lstStyle/>
+          <a:p>
+            <a:r>
+              <a:rPr lang="es-ES" dirty="0"/>
+              <a:t>Residuenplot für das  gamlss - Modell</a:t>
+            </a:r>
+          </a:p>
+        </p:txBody>
+      </p:sp>
+      <p:sp>
+        <p:nvSpPr>
+          <p:cNvPr id="12" name="Rechteck 11">
+            <a:extLst>
+              <a:ext uri="{FF2B5EF4-FFF2-40B4-BE49-F238E27FC236}">
+                <a16:creationId xmlns:a16="http://schemas.microsoft.com/office/drawing/2014/main" id="{F46099AB-5B72-41D5-8DE0-B6788CF72517}"/>
+              </a:ext>
+            </a:extLst>
+          </p:cNvPr>
+          <p:cNvSpPr/>
+          <p:nvPr/>
+        </p:nvSpPr>
+        <p:spPr>
+          <a:xfrm>
+            <a:off x="4123214" y="5639069"/>
+            <a:ext cx="4616879" cy="1160168"/>
+          </a:xfrm>
+          <a:prstGeom prst="rect">
+            <a:avLst/>
+          </a:prstGeom>
+          <a:solidFill>
+            <a:schemeClr val="accent4">
+              <a:lumMod val="40000"/>
+              <a:lumOff val="60000"/>
+            </a:schemeClr>
+          </a:solidFill>
+          <a:ln>
+            <a:noFill/>
+          </a:ln>
+        </p:spPr>
+        <p:style>
+          <a:lnRef idx="2">
+            <a:schemeClr val="accent1">
+              <a:shade val="50000"/>
+            </a:schemeClr>
+          </a:lnRef>
+          <a:fillRef idx="1">
+            <a:schemeClr val="accent1"/>
+          </a:fillRef>
+          <a:effectRef idx="0">
+            <a:schemeClr val="accent1"/>
+          </a:effectRef>
+          <a:fontRef idx="minor">
+            <a:schemeClr val="lt1"/>
+          </a:fontRef>
+        </p:style>
+        <p:txBody>
+          <a:bodyPr rtlCol="0" anchor="ctr"/>
+          <a:lstStyle/>
+          <a:p>
+            <a:pPr algn="ctr"/>
+            <a:r>
+              <a:rPr lang="es-ES" dirty="0">
+                <a:solidFill>
+                  <a:schemeClr val="tx1"/>
+                </a:solidFill>
+              </a:rPr>
+              <a:t>Probleme:</a:t>
+            </a:r>
+          </a:p>
+          <a:p>
+            <a:pPr algn="ctr"/>
+            <a:r>
+              <a:rPr lang="es-ES" dirty="0">
+                <a:solidFill>
+                  <a:schemeClr val="tx1"/>
+                </a:solidFill>
+              </a:rPr>
+              <a:t>Residuen sind nicht normalverteilt</a:t>
+            </a:r>
+          </a:p>
+          <a:p>
+            <a:pPr algn="ctr"/>
+            <a:r>
+              <a:rPr lang="es-ES" dirty="0">
+                <a:solidFill>
+                  <a:schemeClr val="tx1"/>
+                </a:solidFill>
+              </a:rPr>
+              <a:t>Streuung nicht gleichmäßig</a:t>
+            </a:r>
+          </a:p>
+          <a:p>
+            <a:pPr algn="ctr"/>
+            <a:r>
+              <a:rPr lang="es-ES" dirty="0">
+                <a:solidFill>
+                  <a:schemeClr val="tx1"/>
+                </a:solidFill>
+              </a:rPr>
+              <a:t>Fehlende Interaktion?</a:t>
+            </a:r>
+          </a:p>
+        </p:txBody>
+      </p:sp>
     </p:spTree>
     <p:extLst>
       <p:ext uri="{BB962C8B-B14F-4D97-AF65-F5344CB8AC3E}">
-        <p14:creationId xmlns:p14="http://schemas.microsoft.com/office/powerpoint/2010/main" val="234327054"/>
+        <p14:creationId xmlns:p14="http://schemas.microsoft.com/office/powerpoint/2010/main" val="3043342410"/>
       </p:ext>
     </p:extLst>
   </p:cSld>
@@ -5233,86 +6837,41 @@
           <a:chExt cx="0" cy="0"/>
         </a:xfrm>
       </p:grpSpPr>
-      <p:sp>
-        <p:nvSpPr>
-          <p:cNvPr id="3" name="Inhaltsplatzhalter 2">
-            <a:extLst>
-              <a:ext uri="{FF2B5EF4-FFF2-40B4-BE49-F238E27FC236}">
-                <a16:creationId xmlns:a16="http://schemas.microsoft.com/office/drawing/2014/main" id="{EF2F12AA-717C-400F-AC63-EA5D78A3C047}"/>
-              </a:ext>
-            </a:extLst>
-          </p:cNvPr>
-          <p:cNvSpPr>
-            <a:spLocks noGrp="1"/>
-          </p:cNvSpPr>
-          <p:nvPr>
-            <p:ph idx="1"/>
-          </p:nvPr>
-        </p:nvSpPr>
+      <p:pic>
+        <p:nvPicPr>
+          <p:cNvPr id="21" name="Grafik 20">
+            <a:extLst>
+              <a:ext uri="{FF2B5EF4-FFF2-40B4-BE49-F238E27FC236}">
+                <a16:creationId xmlns:a16="http://schemas.microsoft.com/office/drawing/2014/main" id="{86F369EC-30A5-4A98-82EC-CB512AE2E6EC}"/>
+              </a:ext>
+            </a:extLst>
+          </p:cNvPr>
+          <p:cNvPicPr>
+            <a:picLocks noChangeAspect="1"/>
+          </p:cNvPicPr>
+          <p:nvPr/>
+        </p:nvPicPr>
+        <p:blipFill rotWithShape="1">
+          <a:blip r:embed="rId2">
+            <a:extLst>
+              <a:ext uri="{28A0092B-C50C-407E-A947-70E740481C1C}">
+                <a14:useLocalDpi xmlns:a14="http://schemas.microsoft.com/office/drawing/2010/main" val="0"/>
+              </a:ext>
+            </a:extLst>
+          </a:blip>
+          <a:srcRect t="7368"/>
+          <a:stretch/>
+        </p:blipFill>
         <p:spPr>
           <a:xfrm>
-            <a:off x="1002052" y="1844675"/>
-            <a:ext cx="11065988" cy="4351338"/>
-          </a:xfrm>
-        </p:spPr>
-        <p:txBody>
-          <a:bodyPr>
-            <a:normAutofit/>
-          </a:bodyPr>
-          <a:lstStyle/>
-          <a:p>
-            <a:r>
-              <a:rPr lang="es-ES" dirty="0">
-                <a:latin typeface="Arial" panose="020B0604020202020204" pitchFamily="34" charset="0"/>
-                <a:cs typeface="Arial" panose="020B0604020202020204" pitchFamily="34" charset="0"/>
-              </a:rPr>
-              <a:t>Hintergrund und Inhalt des Projektes</a:t>
-            </a:r>
-          </a:p>
-          <a:p>
-            <a:r>
-              <a:rPr lang="es-ES" dirty="0">
-                <a:latin typeface="Arial" panose="020B0604020202020204" pitchFamily="34" charset="0"/>
-                <a:cs typeface="Arial" panose="020B0604020202020204" pitchFamily="34" charset="0"/>
-              </a:rPr>
-              <a:t>Fragestellung</a:t>
-            </a:r>
-          </a:p>
-          <a:p>
-            <a:r>
-              <a:rPr lang="es-ES" dirty="0">
-                <a:latin typeface="Arial" panose="020B0604020202020204" pitchFamily="34" charset="0"/>
-                <a:cs typeface="Arial" panose="020B0604020202020204" pitchFamily="34" charset="0"/>
-              </a:rPr>
-              <a:t>Konzept der Methodik</a:t>
-            </a:r>
-          </a:p>
-          <a:p>
-            <a:r>
-              <a:rPr lang="es-ES" dirty="0">
-                <a:latin typeface="Arial" panose="020B0604020202020204" pitchFamily="34" charset="0"/>
-                <a:cs typeface="Arial" panose="020B0604020202020204" pitchFamily="34" charset="0"/>
-              </a:rPr>
-              <a:t>Erste Ergebnisse und Erfahrungen</a:t>
-            </a:r>
-          </a:p>
-          <a:p>
-            <a:r>
-              <a:rPr lang="es-ES" b="1" dirty="0">
-                <a:latin typeface="Arial" panose="020B0604020202020204" pitchFamily="34" charset="0"/>
-                <a:cs typeface="Arial" panose="020B0604020202020204" pitchFamily="34" charset="0"/>
-              </a:rPr>
-              <a:t>Fragen und Anregungen = Diskussion</a:t>
-            </a:r>
-          </a:p>
-          <a:p>
-            <a:pPr marL="0" indent="0">
-              <a:buNone/>
-            </a:pPr>
-            <a:endParaRPr lang="es-ES" dirty="0"/>
-          </a:p>
-        </p:txBody>
-      </p:sp>
+            <a:off x="5943600" y="1395057"/>
+            <a:ext cx="5776708" cy="5351084"/>
+          </a:xfrm>
+          <a:prstGeom prst="rect">
+            <a:avLst/>
+          </a:prstGeom>
+        </p:spPr>
+      </p:pic>
       <p:sp>
         <p:nvSpPr>
           <p:cNvPr id="4" name="Foliennummernplatzhalter 3">
@@ -5403,7 +6962,7 @@
         </p:nvSpPr>
         <p:spPr>
           <a:xfrm>
-            <a:off x="838200" y="-140245"/>
+            <a:off x="838200" y="-45495"/>
             <a:ext cx="10515600" cy="1325563"/>
           </a:xfrm>
           <a:prstGeom prst="rect">
@@ -5436,25 +6995,21 @@
           <a:p>
             <a:pPr algn="ctr"/>
             <a:r>
-              <a:rPr lang="es-ES" sz="3600" u="sng" dirty="0" err="1">
+              <a:rPr lang="es-ES" sz="3600" u="sng" dirty="0">
                 <a:latin typeface="Arial" panose="020B0604020202020204" pitchFamily="34" charset="0"/>
                 <a:cs typeface="Arial" panose="020B0604020202020204" pitchFamily="34" charset="0"/>
               </a:rPr>
-              <a:t>Gliederung</a:t>
-            </a:r>
-            <a:endParaRPr lang="es-ES" sz="3600" u="sng" dirty="0">
-              <a:latin typeface="Arial" panose="020B0604020202020204" pitchFamily="34" charset="0"/>
-              <a:cs typeface="Arial" panose="020B0604020202020204" pitchFamily="34" charset="0"/>
-            </a:endParaRPr>
-          </a:p>
-        </p:txBody>
-      </p:sp>
-      <p:sp>
-        <p:nvSpPr>
-          <p:cNvPr id="10" name="Fußzeilenplatzhalter 4">
-            <a:extLst>
-              <a:ext uri="{FF2B5EF4-FFF2-40B4-BE49-F238E27FC236}">
-                <a16:creationId xmlns:a16="http://schemas.microsoft.com/office/drawing/2014/main" id="{CA3F2EDC-1E9F-40FC-ABFA-3C46B88C1DC8}"/>
+              <a:t>Konzept - Erste Ergebnisse und Erfahrungen</a:t>
+            </a:r>
+          </a:p>
+        </p:txBody>
+      </p:sp>
+      <p:sp>
+        <p:nvSpPr>
+          <p:cNvPr id="7" name="Fußzeilenplatzhalter 4">
+            <a:extLst>
+              <a:ext uri="{FF2B5EF4-FFF2-40B4-BE49-F238E27FC236}">
+                <a16:creationId xmlns:a16="http://schemas.microsoft.com/office/drawing/2014/main" id="{00D96A0B-DFF8-4590-A342-4EE02B81294A}"/>
               </a:ext>
             </a:extLst>
           </p:cNvPr>
@@ -5485,10 +7040,308 @@
           </a:p>
         </p:txBody>
       </p:sp>
+      <p:sp>
+        <p:nvSpPr>
+          <p:cNvPr id="2" name="Textfeld 1">
+            <a:extLst>
+              <a:ext uri="{FF2B5EF4-FFF2-40B4-BE49-F238E27FC236}">
+                <a16:creationId xmlns:a16="http://schemas.microsoft.com/office/drawing/2014/main" id="{3F1E7EDB-100D-498C-ACAA-0DBEAD1968E1}"/>
+              </a:ext>
+            </a:extLst>
+          </p:cNvPr>
+          <p:cNvSpPr txBox="1"/>
+          <p:nvPr/>
+        </p:nvSpPr>
+        <p:spPr>
+          <a:xfrm>
+            <a:off x="488054" y="1438673"/>
+            <a:ext cx="4768344" cy="1323439"/>
+          </a:xfrm>
+          <a:prstGeom prst="rect">
+            <a:avLst/>
+          </a:prstGeom>
+          <a:noFill/>
+        </p:spPr>
+        <p:txBody>
+          <a:bodyPr wrap="square" rtlCol="0">
+            <a:spAutoFit/>
+          </a:bodyPr>
+          <a:lstStyle/>
+          <a:p>
+            <a:r>
+              <a:rPr lang="es-ES" sz="2000" u="sng" dirty="0"/>
+              <a:t>Quantilsregression</a:t>
+            </a:r>
+          </a:p>
+          <a:p>
+            <a:pPr marL="342900" indent="-342900">
+              <a:buFont typeface="Calibri" panose="020F0502020204030204" pitchFamily="34" charset="0"/>
+              <a:buChar char="+"/>
+            </a:pPr>
+            <a:r>
+              <a:rPr lang="es-ES" sz="2000" dirty="0"/>
+              <a:t>Keine Verteilungsannahmen</a:t>
+            </a:r>
+          </a:p>
+          <a:p>
+            <a:pPr marL="342900" indent="-342900">
+              <a:buFont typeface="Calibri" panose="020F0502020204030204" pitchFamily="34" charset="0"/>
+              <a:buChar char="+"/>
+            </a:pPr>
+            <a:r>
+              <a:rPr lang="es-ES" sz="2000" dirty="0"/>
+              <a:t>Schätzung von bedingten Quantilen</a:t>
+            </a:r>
+          </a:p>
+          <a:p>
+            <a:pPr marL="342900" indent="-342900">
+              <a:buFont typeface="Calibri" panose="020F0502020204030204" pitchFamily="34" charset="0"/>
+              <a:buChar char="+"/>
+            </a:pPr>
+            <a:r>
+              <a:rPr lang="es-ES" sz="2000" dirty="0"/>
+              <a:t>Robust gegenüber Ausreißern</a:t>
+            </a:r>
+          </a:p>
+        </p:txBody>
+      </p:sp>
+      <p:sp>
+        <p:nvSpPr>
+          <p:cNvPr id="14" name="Rechteck 13">
+            <a:extLst>
+              <a:ext uri="{FF2B5EF4-FFF2-40B4-BE49-F238E27FC236}">
+                <a16:creationId xmlns:a16="http://schemas.microsoft.com/office/drawing/2014/main" id="{5AB5B8FD-6022-42B5-8756-8427830F708E}"/>
+              </a:ext>
+            </a:extLst>
+          </p:cNvPr>
+          <p:cNvSpPr/>
+          <p:nvPr/>
+        </p:nvSpPr>
+        <p:spPr>
+          <a:xfrm>
+            <a:off x="350614" y="3320543"/>
+            <a:ext cx="5043224" cy="521713"/>
+          </a:xfrm>
+          <a:prstGeom prst="rect">
+            <a:avLst/>
+          </a:prstGeom>
+          <a:solidFill>
+            <a:schemeClr val="bg1">
+              <a:lumMod val="85000"/>
+            </a:schemeClr>
+          </a:solidFill>
+          <a:ln>
+            <a:solidFill>
+              <a:schemeClr val="bg1"/>
+            </a:solidFill>
+          </a:ln>
+        </p:spPr>
+        <p:style>
+          <a:lnRef idx="2">
+            <a:schemeClr val="accent1">
+              <a:shade val="50000"/>
+            </a:schemeClr>
+          </a:lnRef>
+          <a:fillRef idx="1">
+            <a:schemeClr val="accent1"/>
+          </a:fillRef>
+          <a:effectRef idx="0">
+            <a:schemeClr val="accent1"/>
+          </a:effectRef>
+          <a:fontRef idx="minor">
+            <a:schemeClr val="lt1"/>
+          </a:fontRef>
+        </p:style>
+        <p:txBody>
+          <a:bodyPr rtlCol="0" anchor="ctr"/>
+          <a:lstStyle/>
+          <a:p>
+            <a:pPr algn="ctr"/>
+            <a:r>
+              <a:rPr lang="es-ES" dirty="0">
+                <a:solidFill>
+                  <a:schemeClr val="accent1">
+                    <a:lumMod val="75000"/>
+                  </a:schemeClr>
+                </a:solidFill>
+              </a:rPr>
+              <a:t>Getriggerte Magnitude  ~  Triggernde Magnitude</a:t>
+            </a:r>
+          </a:p>
+        </p:txBody>
+      </p:sp>
+      <p:sp>
+        <p:nvSpPr>
+          <p:cNvPr id="16" name="Textfeld 15">
+            <a:extLst>
+              <a:ext uri="{FF2B5EF4-FFF2-40B4-BE49-F238E27FC236}">
+                <a16:creationId xmlns:a16="http://schemas.microsoft.com/office/drawing/2014/main" id="{4D6D0545-8843-4B5B-8DAB-E07B35A17AB3}"/>
+              </a:ext>
+            </a:extLst>
+          </p:cNvPr>
+          <p:cNvSpPr txBox="1"/>
+          <p:nvPr/>
+        </p:nvSpPr>
+        <p:spPr>
+          <a:xfrm>
+            <a:off x="350614" y="4028429"/>
+            <a:ext cx="4162484" cy="1200329"/>
+          </a:xfrm>
+          <a:prstGeom prst="rect">
+            <a:avLst/>
+          </a:prstGeom>
+          <a:noFill/>
+        </p:spPr>
+        <p:txBody>
+          <a:bodyPr wrap="square" rtlCol="0">
+            <a:spAutoFit/>
+          </a:bodyPr>
+          <a:lstStyle/>
+          <a:p>
+            <a:pPr marL="285750" indent="-285750">
+              <a:buFont typeface="Wingdings" panose="05000000000000000000" pitchFamily="2" charset="2"/>
+              <a:buChar char="à"/>
+            </a:pPr>
+            <a:r>
+              <a:rPr lang="es-ES" dirty="0"/>
+              <a:t>Koeffizienten der triggernden Magnitude wächst mit den Quantilen</a:t>
+            </a:r>
+          </a:p>
+          <a:p>
+            <a:pPr marL="285750" indent="-285750">
+              <a:buFont typeface="Wingdings" panose="05000000000000000000" pitchFamily="2" charset="2"/>
+              <a:buChar char="à"/>
+            </a:pPr>
+            <a:r>
+              <a:rPr lang="es-ES" dirty="0"/>
+              <a:t>Mittelwertsregression unter- bzw. überschätzt </a:t>
+            </a:r>
+          </a:p>
+        </p:txBody>
+      </p:sp>
+      <p:sp>
+        <p:nvSpPr>
+          <p:cNvPr id="22" name="Textfeld 21">
+            <a:extLst>
+              <a:ext uri="{FF2B5EF4-FFF2-40B4-BE49-F238E27FC236}">
+                <a16:creationId xmlns:a16="http://schemas.microsoft.com/office/drawing/2014/main" id="{A3A8676F-E135-49BF-96CA-627DC64D2437}"/>
+              </a:ext>
+            </a:extLst>
+          </p:cNvPr>
+          <p:cNvSpPr txBox="1"/>
+          <p:nvPr/>
+        </p:nvSpPr>
+        <p:spPr>
+          <a:xfrm>
+            <a:off x="6331147" y="1022254"/>
+            <a:ext cx="5572415" cy="400110"/>
+          </a:xfrm>
+          <a:prstGeom prst="rect">
+            <a:avLst/>
+          </a:prstGeom>
+          <a:noFill/>
+        </p:spPr>
+        <p:txBody>
+          <a:bodyPr wrap="square" rtlCol="0">
+            <a:spAutoFit/>
+          </a:bodyPr>
+          <a:lstStyle/>
+          <a:p>
+            <a:r>
+              <a:rPr lang="es-ES" sz="2000" u="sng" dirty="0"/>
+              <a:t>Vergleich Quantilsregression vs. Lineare Regression</a:t>
+            </a:r>
+          </a:p>
+        </p:txBody>
+      </p:sp>
+      <p:sp>
+        <p:nvSpPr>
+          <p:cNvPr id="13" name="Rechteck 12">
+            <a:extLst>
+              <a:ext uri="{FF2B5EF4-FFF2-40B4-BE49-F238E27FC236}">
+                <a16:creationId xmlns:a16="http://schemas.microsoft.com/office/drawing/2014/main" id="{E529B924-04BD-4056-B3FC-37802B97938F}"/>
+              </a:ext>
+            </a:extLst>
+          </p:cNvPr>
+          <p:cNvSpPr/>
+          <p:nvPr/>
+        </p:nvSpPr>
+        <p:spPr>
+          <a:xfrm>
+            <a:off x="2510392" y="5144042"/>
+            <a:ext cx="3158327" cy="1160168"/>
+          </a:xfrm>
+          <a:prstGeom prst="rect">
+            <a:avLst/>
+          </a:prstGeom>
+          <a:solidFill>
+            <a:schemeClr val="accent4">
+              <a:lumMod val="40000"/>
+              <a:lumOff val="60000"/>
+            </a:schemeClr>
+          </a:solidFill>
+          <a:ln>
+            <a:noFill/>
+          </a:ln>
+        </p:spPr>
+        <p:style>
+          <a:lnRef idx="2">
+            <a:schemeClr val="accent1">
+              <a:shade val="50000"/>
+            </a:schemeClr>
+          </a:lnRef>
+          <a:fillRef idx="1">
+            <a:schemeClr val="accent1"/>
+          </a:fillRef>
+          <a:effectRef idx="0">
+            <a:schemeClr val="accent1"/>
+          </a:effectRef>
+          <a:fontRef idx="minor">
+            <a:schemeClr val="lt1"/>
+          </a:fontRef>
+        </p:style>
+        <p:txBody>
+          <a:bodyPr rtlCol="0" anchor="ctr"/>
+          <a:lstStyle/>
+          <a:p>
+            <a:pPr algn="ctr"/>
+            <a:r>
+              <a:rPr lang="es-ES" dirty="0">
+                <a:solidFill>
+                  <a:schemeClr val="tx1"/>
+                </a:solidFill>
+              </a:rPr>
+              <a:t>Probleme:</a:t>
+            </a:r>
+          </a:p>
+          <a:p>
+            <a:pPr algn="ctr"/>
+            <a:r>
+              <a:rPr lang="es-ES" dirty="0">
+                <a:solidFill>
+                  <a:schemeClr val="tx1"/>
+                </a:solidFill>
+              </a:rPr>
+              <a:t>Modelgüte?</a:t>
+            </a:r>
+          </a:p>
+          <a:p>
+            <a:pPr algn="ctr"/>
+            <a:r>
+              <a:rPr lang="es-ES" dirty="0">
+                <a:solidFill>
+                  <a:schemeClr val="tx1"/>
+                </a:solidFill>
+              </a:rPr>
+              <a:t>Wie viele Quantile sinnvoll?</a:t>
+            </a:r>
+          </a:p>
+        </p:txBody>
+      </p:sp>
     </p:spTree>
     <p:extLst>
       <p:ext uri="{BB962C8B-B14F-4D97-AF65-F5344CB8AC3E}">
-        <p14:creationId xmlns:p14="http://schemas.microsoft.com/office/powerpoint/2010/main" val="1763848810"/>
+        <p14:creationId xmlns:p14="http://schemas.microsoft.com/office/powerpoint/2010/main" val="4127144547"/>
       </p:ext>
     </p:extLst>
   </p:cSld>
@@ -5587,51 +7440,6 @@
       </p:sp>
       <p:sp>
         <p:nvSpPr>
-          <p:cNvPr id="6" name="AutoShape 2" descr="Bildergebnis für mexiko  flagge">
-            <a:extLst>
-              <a:ext uri="{FF2B5EF4-FFF2-40B4-BE49-F238E27FC236}">
-                <a16:creationId xmlns:a16="http://schemas.microsoft.com/office/drawing/2014/main" id="{857C175E-0782-4771-83B5-FE30477F5ADE}"/>
-              </a:ext>
-            </a:extLst>
-          </p:cNvPr>
-          <p:cNvSpPr>
-            <a:spLocks noChangeAspect="1" noChangeArrowheads="1"/>
-          </p:cNvSpPr>
-          <p:nvPr/>
-        </p:nvSpPr>
-        <p:spPr bwMode="auto">
-          <a:xfrm>
-            <a:off x="5943600" y="3276600"/>
-            <a:ext cx="304800" cy="304800"/>
-          </a:xfrm>
-          <a:prstGeom prst="rect">
-            <a:avLst/>
-          </a:prstGeom>
-          <a:noFill/>
-          <a:extLst>
-            <a:ext uri="{909E8E84-426E-40DD-AFC4-6F175D3DCCD1}">
-              <a14:hiddenFill xmlns:a14="http://schemas.microsoft.com/office/drawing/2010/main">
-                <a:solidFill>
-                  <a:srgbClr val="FFFFFF"/>
-                </a:solidFill>
-              </a14:hiddenFill>
-            </a:ext>
-          </a:extLst>
-        </p:spPr>
-        <p:txBody>
-          <a:bodyPr vert="horz" wrap="square" lIns="91440" tIns="45720" rIns="91440" bIns="45720" numCol="1" anchor="t" anchorCtr="0" compatLnSpc="1">
-            <a:prstTxWarp prst="textNoShape">
-              <a:avLst/>
-            </a:prstTxWarp>
-          </a:bodyPr>
-          <a:lstStyle/>
-          <a:p>
-            <a:endParaRPr lang="es-ES"/>
-          </a:p>
-        </p:txBody>
-      </p:sp>
-      <p:sp>
-        <p:nvSpPr>
           <p:cNvPr id="9" name="Titel 26">
             <a:extLst>
               <a:ext uri="{FF2B5EF4-FFF2-40B4-BE49-F238E27FC236}">
@@ -5646,7 +7454,7 @@
         </p:nvSpPr>
         <p:spPr>
           <a:xfrm>
-            <a:off x="838200" y="0"/>
+            <a:off x="838200" y="84464"/>
             <a:ext cx="10515600" cy="1325563"/>
           </a:xfrm>
           <a:prstGeom prst="rect">
@@ -5683,7 +7491,7 @@
                 <a:latin typeface="Arial" panose="020B0604020202020204" pitchFamily="34" charset="0"/>
                 <a:cs typeface="Arial" panose="020B0604020202020204" pitchFamily="34" charset="0"/>
               </a:rPr>
-              <a:t>Fragen und Anregungen</a:t>
+              <a:t>Konzept – Erste Ergebnisse und Erfahrungen</a:t>
             </a:r>
           </a:p>
         </p:txBody>
@@ -5738,8 +7546,8 @@
         </p:nvSpPr>
         <p:spPr>
           <a:xfrm>
-            <a:off x="891961" y="1497821"/>
-            <a:ext cx="10305232" cy="646331"/>
+            <a:off x="838200" y="1672707"/>
+            <a:ext cx="10305232" cy="2769989"/>
           </a:xfrm>
           <a:prstGeom prst="rect">
             <a:avLst/>
@@ -5752,14 +7560,63 @@
           </a:bodyPr>
           <a:lstStyle/>
           <a:p>
-            <a:pPr marL="285750" indent="-285750">
+            <a:r>
+              <a:rPr lang="es-ES" sz="2000" b="1" u="sng" dirty="0"/>
+              <a:t>Ausblick</a:t>
+            </a:r>
+          </a:p>
+          <a:p>
+            <a:pPr marL="342900" indent="-342900">
               <a:buFont typeface="Arial" panose="020B0604020202020204" pitchFamily="34" charset="0"/>
               <a:buChar char="•"/>
             </a:pPr>
             <a:r>
-              <a:rPr lang="es-ES" dirty="0"/>
-              <a:t>Wie finden Sie unsere Herangehenweise?</a:t>
-            </a:r>
+              <a:rPr lang="es-ES" sz="2000" dirty="0"/>
+              <a:t>Variablenselektion</a:t>
+            </a:r>
+          </a:p>
+          <a:p>
+            <a:pPr marL="342900" indent="-342900">
+              <a:buFont typeface="Arial" panose="020B0604020202020204" pitchFamily="34" charset="0"/>
+              <a:buChar char="•"/>
+            </a:pPr>
+            <a:r>
+              <a:rPr lang="es-ES" sz="2000" dirty="0"/>
+              <a:t>Modell weiter spezifizieren</a:t>
+            </a:r>
+          </a:p>
+          <a:p>
+            <a:pPr marL="342900" indent="-342900">
+              <a:buFont typeface="Arial" panose="020B0604020202020204" pitchFamily="34" charset="0"/>
+              <a:buChar char="•"/>
+            </a:pPr>
+            <a:r>
+              <a:rPr lang="es-ES" sz="2000" dirty="0"/>
+              <a:t>Zeitliche Komponente zwischen triggernden und getriggernden Erdbeben</a:t>
+            </a:r>
+          </a:p>
+          <a:p>
+            <a:pPr marL="342900" indent="-342900">
+              <a:buFont typeface="Arial" panose="020B0604020202020204" pitchFamily="34" charset="0"/>
+              <a:buChar char="•"/>
+            </a:pPr>
+            <a:r>
+              <a:rPr lang="es-ES" sz="2000" dirty="0"/>
+              <a:t>Blindheitsphase (Shortterm-Incompleteness) berücksichtigen</a:t>
+            </a:r>
+          </a:p>
+          <a:p>
+            <a:pPr marL="342900" indent="-342900">
+              <a:buFont typeface="Arial" panose="020B0604020202020204" pitchFamily="34" charset="0"/>
+              <a:buChar char="•"/>
+            </a:pPr>
+            <a:r>
+              <a:rPr lang="es-ES" sz="2000" dirty="0"/>
+              <a:t>Vergleich mit den Kalifornien-Daten </a:t>
+            </a:r>
+          </a:p>
+          <a:p>
+            <a:endParaRPr lang="es-ES" dirty="0"/>
           </a:p>
           <a:p>
             <a:pPr marL="285750" indent="-285750">
@@ -5768,12 +7625,19 @@
             </a:pPr>
             <a:endParaRPr lang="es-ES" dirty="0"/>
           </a:p>
+          <a:p>
+            <a:pPr marL="285750" indent="-285750">
+              <a:buFont typeface="Arial" panose="020B0604020202020204" pitchFamily="34" charset="0"/>
+              <a:buChar char="•"/>
+            </a:pPr>
+            <a:endParaRPr lang="es-ES" dirty="0"/>
+          </a:p>
         </p:txBody>
       </p:sp>
     </p:spTree>
     <p:extLst>
       <p:ext uri="{BB962C8B-B14F-4D97-AF65-F5344CB8AC3E}">
-        <p14:creationId xmlns:p14="http://schemas.microsoft.com/office/powerpoint/2010/main" val="3774258167"/>
+        <p14:creationId xmlns:p14="http://schemas.microsoft.com/office/powerpoint/2010/main" val="653498290"/>
       </p:ext>
     </p:extLst>
   </p:cSld>
@@ -5802,10 +7666,76 @@
       </p:grpSpPr>
       <p:sp>
         <p:nvSpPr>
+          <p:cNvPr id="3" name="Inhaltsplatzhalter 2">
+            <a:extLst>
+              <a:ext uri="{FF2B5EF4-FFF2-40B4-BE49-F238E27FC236}">
+                <a16:creationId xmlns:a16="http://schemas.microsoft.com/office/drawing/2014/main" id="{EF2F12AA-717C-400F-AC63-EA5D78A3C047}"/>
+              </a:ext>
+            </a:extLst>
+          </p:cNvPr>
+          <p:cNvSpPr>
+            <a:spLocks noGrp="1"/>
+          </p:cNvSpPr>
+          <p:nvPr>
+            <p:ph idx="1"/>
+          </p:nvPr>
+        </p:nvSpPr>
+        <p:spPr>
+          <a:xfrm>
+            <a:off x="1002052" y="1844675"/>
+            <a:ext cx="11065988" cy="4351338"/>
+          </a:xfrm>
+        </p:spPr>
+        <p:txBody>
+          <a:bodyPr>
+            <a:normAutofit/>
+          </a:bodyPr>
+          <a:lstStyle/>
+          <a:p>
+            <a:r>
+              <a:rPr lang="es-ES" dirty="0">
+                <a:latin typeface="Arial" panose="020B0604020202020204" pitchFamily="34" charset="0"/>
+                <a:cs typeface="Arial" panose="020B0604020202020204" pitchFamily="34" charset="0"/>
+              </a:rPr>
+              <a:t>Hintergrund und Inhalt des Projektes</a:t>
+            </a:r>
+          </a:p>
+          <a:p>
+            <a:r>
+              <a:rPr lang="es-ES" dirty="0">
+                <a:latin typeface="Arial" panose="020B0604020202020204" pitchFamily="34" charset="0"/>
+                <a:cs typeface="Arial" panose="020B0604020202020204" pitchFamily="34" charset="0"/>
+              </a:rPr>
+              <a:t>Fragestellung</a:t>
+            </a:r>
+          </a:p>
+          <a:p>
+            <a:r>
+              <a:rPr lang="es-ES" dirty="0">
+                <a:latin typeface="Arial" panose="020B0604020202020204" pitchFamily="34" charset="0"/>
+                <a:cs typeface="Arial" panose="020B0604020202020204" pitchFamily="34" charset="0"/>
+              </a:rPr>
+              <a:t>Konzept - Erste Ergebnisse und Erfahrungen</a:t>
+            </a:r>
+          </a:p>
+          <a:p>
+            <a:r>
+              <a:rPr lang="es-ES" b="1" dirty="0">
+                <a:latin typeface="Arial" panose="020B0604020202020204" pitchFamily="34" charset="0"/>
+                <a:cs typeface="Arial" panose="020B0604020202020204" pitchFamily="34" charset="0"/>
+              </a:rPr>
+              <a:t>Fragen und Anregungen</a:t>
+            </a:r>
+            <a:endParaRPr lang="es-ES" dirty="0"/>
+          </a:p>
+        </p:txBody>
+      </p:sp>
+      <p:sp>
+        <p:nvSpPr>
           <p:cNvPr id="4" name="Foliennummernplatzhalter 3">
             <a:extLst>
               <a:ext uri="{FF2B5EF4-FFF2-40B4-BE49-F238E27FC236}">
-                <a16:creationId xmlns:a16="http://schemas.microsoft.com/office/drawing/2014/main" id="{1EBBF429-5D0D-4D24-8F6A-EB726CCA6871}"/>
+                <a16:creationId xmlns:a16="http://schemas.microsoft.com/office/drawing/2014/main" id="{38F51045-17B2-4CC8-80FB-808D3D232D7E}"/>
               </a:ext>
             </a:extLst>
           </p:cNvPr>
@@ -5829,41 +7759,119 @@
           </a:p>
         </p:txBody>
       </p:sp>
-      <p:pic>
-        <p:nvPicPr>
-          <p:cNvPr id="5" name="Grafik 4">
-            <a:extLst>
-              <a:ext uri="{FF2B5EF4-FFF2-40B4-BE49-F238E27FC236}">
-                <a16:creationId xmlns:a16="http://schemas.microsoft.com/office/drawing/2014/main" id="{C9408D68-BFE2-481B-A870-C98F97E042C7}"/>
-              </a:ext>
-            </a:extLst>
-          </p:cNvPr>
-          <p:cNvPicPr>
-            <a:picLocks noChangeAspect="1"/>
-          </p:cNvPicPr>
+      <p:sp>
+        <p:nvSpPr>
+          <p:cNvPr id="6" name="AutoShape 2" descr="Bildergebnis für mexiko  flagge">
+            <a:extLst>
+              <a:ext uri="{FF2B5EF4-FFF2-40B4-BE49-F238E27FC236}">
+                <a16:creationId xmlns:a16="http://schemas.microsoft.com/office/drawing/2014/main" id="{857C175E-0782-4771-83B5-FE30477F5ADE}"/>
+              </a:ext>
+            </a:extLst>
+          </p:cNvPr>
+          <p:cNvSpPr>
+            <a:spLocks noChangeAspect="1" noChangeArrowheads="1"/>
+          </p:cNvSpPr>
           <p:nvPr/>
-        </p:nvPicPr>
-        <p:blipFill rotWithShape="1">
-          <a:blip r:embed="rId2"/>
-          <a:srcRect l="25143" r="21756"/>
-          <a:stretch/>
-        </p:blipFill>
-        <p:spPr>
-          <a:xfrm>
-            <a:off x="4045524" y="853896"/>
-            <a:ext cx="4240289" cy="4958618"/>
+        </p:nvSpPr>
+        <p:spPr bwMode="auto">
+          <a:xfrm>
+            <a:off x="5943600" y="3276600"/>
+            <a:ext cx="304800" cy="304800"/>
           </a:xfrm>
           <a:prstGeom prst="rect">
             <a:avLst/>
           </a:prstGeom>
-        </p:spPr>
-      </p:pic>
-      <p:sp>
-        <p:nvSpPr>
-          <p:cNvPr id="6" name="Fußzeilenplatzhalter 4">
-            <a:extLst>
-              <a:ext uri="{FF2B5EF4-FFF2-40B4-BE49-F238E27FC236}">
-                <a16:creationId xmlns:a16="http://schemas.microsoft.com/office/drawing/2014/main" id="{467E54F3-6625-480B-969F-63214D9D176B}"/>
+          <a:noFill/>
+          <a:extLst>
+            <a:ext uri="{909E8E84-426E-40DD-AFC4-6F175D3DCCD1}">
+              <a14:hiddenFill xmlns:a14="http://schemas.microsoft.com/office/drawing/2010/main">
+                <a:solidFill>
+                  <a:srgbClr val="FFFFFF"/>
+                </a:solidFill>
+              </a14:hiddenFill>
+            </a:ext>
+          </a:extLst>
+        </p:spPr>
+        <p:txBody>
+          <a:bodyPr vert="horz" wrap="square" lIns="91440" tIns="45720" rIns="91440" bIns="45720" numCol="1" anchor="t" anchorCtr="0" compatLnSpc="1">
+            <a:prstTxWarp prst="textNoShape">
+              <a:avLst/>
+            </a:prstTxWarp>
+          </a:bodyPr>
+          <a:lstStyle/>
+          <a:p>
+            <a:endParaRPr lang="es-ES"/>
+          </a:p>
+        </p:txBody>
+      </p:sp>
+      <p:sp>
+        <p:nvSpPr>
+          <p:cNvPr id="9" name="Titel 26">
+            <a:extLst>
+              <a:ext uri="{FF2B5EF4-FFF2-40B4-BE49-F238E27FC236}">
+                <a16:creationId xmlns:a16="http://schemas.microsoft.com/office/drawing/2014/main" id="{2EB3946F-2FEF-7647-9117-E92EBCA1223B}"/>
+              </a:ext>
+            </a:extLst>
+          </p:cNvPr>
+          <p:cNvSpPr txBox="1">
+            <a:spLocks/>
+          </p:cNvSpPr>
+          <p:nvPr/>
+        </p:nvSpPr>
+        <p:spPr>
+          <a:xfrm>
+            <a:off x="838200" y="-140245"/>
+            <a:ext cx="10515600" cy="1325563"/>
+          </a:xfrm>
+          <a:prstGeom prst="rect">
+            <a:avLst/>
+          </a:prstGeom>
+        </p:spPr>
+        <p:txBody>
+          <a:bodyPr vert="horz" lIns="91440" tIns="45720" rIns="91440" bIns="45720" rtlCol="0" anchor="ctr">
+            <a:normAutofit/>
+          </a:bodyPr>
+          <a:lstStyle>
+            <a:lvl1pPr algn="l" defTabSz="914400" rtl="0" eaLnBrk="1" latinLnBrk="0" hangingPunct="1">
+              <a:lnSpc>
+                <a:spcPct val="90000"/>
+              </a:lnSpc>
+              <a:spcBef>
+                <a:spcPct val="0"/>
+              </a:spcBef>
+              <a:buNone/>
+              <a:defRPr sz="4400" kern="1200">
+                <a:solidFill>
+                  <a:schemeClr val="tx1"/>
+                </a:solidFill>
+                <a:latin typeface="+mj-lt"/>
+                <a:ea typeface="+mj-ea"/>
+                <a:cs typeface="+mj-cs"/>
+              </a:defRPr>
+            </a:lvl1pPr>
+          </a:lstStyle>
+          <a:p>
+            <a:pPr algn="ctr"/>
+            <a:r>
+              <a:rPr lang="es-ES" sz="3600" u="sng" dirty="0" err="1">
+                <a:latin typeface="Arial" panose="020B0604020202020204" pitchFamily="34" charset="0"/>
+                <a:cs typeface="Arial" panose="020B0604020202020204" pitchFamily="34" charset="0"/>
+              </a:rPr>
+              <a:t>Gliederung</a:t>
+            </a:r>
+            <a:endParaRPr lang="es-ES" sz="3600" u="sng" dirty="0">
+              <a:latin typeface="Arial" panose="020B0604020202020204" pitchFamily="34" charset="0"/>
+              <a:cs typeface="Arial" panose="020B0604020202020204" pitchFamily="34" charset="0"/>
+            </a:endParaRPr>
+          </a:p>
+        </p:txBody>
+      </p:sp>
+      <p:sp>
+        <p:nvSpPr>
+          <p:cNvPr id="10" name="Fußzeilenplatzhalter 4">
+            <a:extLst>
+              <a:ext uri="{FF2B5EF4-FFF2-40B4-BE49-F238E27FC236}">
+                <a16:creationId xmlns:a16="http://schemas.microsoft.com/office/drawing/2014/main" id="{CA3F2EDC-1E9F-40FC-ABFA-3C46B88C1DC8}"/>
               </a:ext>
             </a:extLst>
           </p:cNvPr>
@@ -5897,7 +7905,7 @@
     </p:spTree>
     <p:extLst>
       <p:ext uri="{BB962C8B-B14F-4D97-AF65-F5344CB8AC3E}">
-        <p14:creationId xmlns:p14="http://schemas.microsoft.com/office/powerpoint/2010/main" val="3472446521"/>
+        <p14:creationId xmlns:p14="http://schemas.microsoft.com/office/powerpoint/2010/main" val="1763848810"/>
       </p:ext>
     </p:extLst>
   </p:cSld>
@@ -5926,47 +7934,10 @@
       </p:grpSpPr>
       <p:sp>
         <p:nvSpPr>
-          <p:cNvPr id="5" name="Titel 4">
-            <a:extLst>
-              <a:ext uri="{FF2B5EF4-FFF2-40B4-BE49-F238E27FC236}">
-                <a16:creationId xmlns:a16="http://schemas.microsoft.com/office/drawing/2014/main" id="{A8DB802E-A859-4E59-A5B1-AEA2DD50647F}"/>
-              </a:ext>
-            </a:extLst>
-          </p:cNvPr>
-          <p:cNvSpPr>
-            <a:spLocks noGrp="1"/>
-          </p:cNvSpPr>
-          <p:nvPr>
-            <p:ph type="title"/>
-          </p:nvPr>
-        </p:nvSpPr>
-        <p:spPr>
-          <a:xfrm>
-            <a:off x="838199" y="1155102"/>
-            <a:ext cx="10515600" cy="2852737"/>
-          </a:xfrm>
-        </p:spPr>
-        <p:txBody>
-          <a:bodyPr/>
-          <a:lstStyle/>
-          <a:p>
-            <a:pPr algn="ctr"/>
-            <a:r>
-              <a:rPr lang="es-ES" dirty="0">
-                <a:latin typeface="Arial" panose="020B0604020202020204" pitchFamily="34" charset="0"/>
-                <a:cs typeface="Arial" panose="020B0604020202020204" pitchFamily="34" charset="0"/>
-              </a:rPr>
-              <a:t>Vielen Dank für Ihre Aufmerksamkeit</a:t>
-            </a:r>
-          </a:p>
-        </p:txBody>
-      </p:sp>
-      <p:sp>
-        <p:nvSpPr>
           <p:cNvPr id="4" name="Foliennummernplatzhalter 3">
             <a:extLst>
               <a:ext uri="{FF2B5EF4-FFF2-40B4-BE49-F238E27FC236}">
-                <a16:creationId xmlns:a16="http://schemas.microsoft.com/office/drawing/2014/main" id="{EEAB57F1-19EE-42C8-ADFF-9A10CBE81510}"/>
+                <a16:creationId xmlns:a16="http://schemas.microsoft.com/office/drawing/2014/main" id="{38F51045-17B2-4CC8-80FB-808D3D232D7E}"/>
               </a:ext>
             </a:extLst>
           </p:cNvPr>
@@ -5992,10 +7963,113 @@
       </p:sp>
       <p:sp>
         <p:nvSpPr>
+          <p:cNvPr id="6" name="AutoShape 2" descr="Bildergebnis für mexiko  flagge">
+            <a:extLst>
+              <a:ext uri="{FF2B5EF4-FFF2-40B4-BE49-F238E27FC236}">
+                <a16:creationId xmlns:a16="http://schemas.microsoft.com/office/drawing/2014/main" id="{857C175E-0782-4771-83B5-FE30477F5ADE}"/>
+              </a:ext>
+            </a:extLst>
+          </p:cNvPr>
+          <p:cNvSpPr>
+            <a:spLocks noChangeAspect="1" noChangeArrowheads="1"/>
+          </p:cNvSpPr>
+          <p:nvPr/>
+        </p:nvSpPr>
+        <p:spPr bwMode="auto">
+          <a:xfrm>
+            <a:off x="5943600" y="3276600"/>
+            <a:ext cx="304800" cy="304800"/>
+          </a:xfrm>
+          <a:prstGeom prst="rect">
+            <a:avLst/>
+          </a:prstGeom>
+          <a:noFill/>
+          <a:extLst>
+            <a:ext uri="{909E8E84-426E-40DD-AFC4-6F175D3DCCD1}">
+              <a14:hiddenFill xmlns:a14="http://schemas.microsoft.com/office/drawing/2010/main">
+                <a:solidFill>
+                  <a:srgbClr val="FFFFFF"/>
+                </a:solidFill>
+              </a14:hiddenFill>
+            </a:ext>
+          </a:extLst>
+        </p:spPr>
+        <p:txBody>
+          <a:bodyPr vert="horz" wrap="square" lIns="91440" tIns="45720" rIns="91440" bIns="45720" numCol="1" anchor="t" anchorCtr="0" compatLnSpc="1">
+            <a:prstTxWarp prst="textNoShape">
+              <a:avLst/>
+            </a:prstTxWarp>
+          </a:bodyPr>
+          <a:lstStyle/>
+          <a:p>
+            <a:endParaRPr lang="es-ES"/>
+          </a:p>
+        </p:txBody>
+      </p:sp>
+      <p:sp>
+        <p:nvSpPr>
+          <p:cNvPr id="9" name="Titel 26">
+            <a:extLst>
+              <a:ext uri="{FF2B5EF4-FFF2-40B4-BE49-F238E27FC236}">
+                <a16:creationId xmlns:a16="http://schemas.microsoft.com/office/drawing/2014/main" id="{2EB3946F-2FEF-7647-9117-E92EBCA1223B}"/>
+              </a:ext>
+            </a:extLst>
+          </p:cNvPr>
+          <p:cNvSpPr txBox="1">
+            <a:spLocks/>
+          </p:cNvSpPr>
+          <p:nvPr/>
+        </p:nvSpPr>
+        <p:spPr>
+          <a:xfrm>
+            <a:off x="838200" y="0"/>
+            <a:ext cx="10515600" cy="1325563"/>
+          </a:xfrm>
+          <a:prstGeom prst="rect">
+            <a:avLst/>
+          </a:prstGeom>
+        </p:spPr>
+        <p:txBody>
+          <a:bodyPr vert="horz" lIns="91440" tIns="45720" rIns="91440" bIns="45720" rtlCol="0" anchor="ctr">
+            <a:normAutofit/>
+          </a:bodyPr>
+          <a:lstStyle>
+            <a:lvl1pPr algn="l" defTabSz="914400" rtl="0" eaLnBrk="1" latinLnBrk="0" hangingPunct="1">
+              <a:lnSpc>
+                <a:spcPct val="90000"/>
+              </a:lnSpc>
+              <a:spcBef>
+                <a:spcPct val="0"/>
+              </a:spcBef>
+              <a:buNone/>
+              <a:defRPr sz="4400" kern="1200">
+                <a:solidFill>
+                  <a:schemeClr val="tx1"/>
+                </a:solidFill>
+                <a:latin typeface="+mj-lt"/>
+                <a:ea typeface="+mj-ea"/>
+                <a:cs typeface="+mj-cs"/>
+              </a:defRPr>
+            </a:lvl1pPr>
+          </a:lstStyle>
+          <a:p>
+            <a:pPr algn="ctr"/>
+            <a:r>
+              <a:rPr lang="es-ES" sz="3600" u="sng" dirty="0">
+                <a:latin typeface="Arial" panose="020B0604020202020204" pitchFamily="34" charset="0"/>
+                <a:cs typeface="Arial" panose="020B0604020202020204" pitchFamily="34" charset="0"/>
+              </a:rPr>
+              <a:t>Diskussion</a:t>
+            </a:r>
+          </a:p>
+        </p:txBody>
+      </p:sp>
+      <p:sp>
+        <p:nvSpPr>
           <p:cNvPr id="7" name="Fußzeilenplatzhalter 4">
             <a:extLst>
               <a:ext uri="{FF2B5EF4-FFF2-40B4-BE49-F238E27FC236}">
-                <a16:creationId xmlns:a16="http://schemas.microsoft.com/office/drawing/2014/main" id="{8F2BB6AB-4477-4547-A17E-6370F0F6C6FC}"/>
+                <a16:creationId xmlns:a16="http://schemas.microsoft.com/office/drawing/2014/main" id="{00D96A0B-DFF8-4590-A342-4EE02B81294A}"/>
               </a:ext>
             </a:extLst>
           </p:cNvPr>
@@ -6026,10 +8100,240 @@
           </a:p>
         </p:txBody>
       </p:sp>
+      <p:sp>
+        <p:nvSpPr>
+          <p:cNvPr id="8" name="Rechteck 7">
+            <a:extLst>
+              <a:ext uri="{FF2B5EF4-FFF2-40B4-BE49-F238E27FC236}">
+                <a16:creationId xmlns:a16="http://schemas.microsoft.com/office/drawing/2014/main" id="{F6F448F6-6421-41FF-BFBC-567C0EF94811}"/>
+              </a:ext>
+            </a:extLst>
+          </p:cNvPr>
+          <p:cNvSpPr/>
+          <p:nvPr/>
+        </p:nvSpPr>
+        <p:spPr>
+          <a:xfrm>
+            <a:off x="1077083" y="1553297"/>
+            <a:ext cx="10176207" cy="1219405"/>
+          </a:xfrm>
+          <a:prstGeom prst="rect">
+            <a:avLst/>
+          </a:prstGeom>
+          <a:solidFill>
+            <a:schemeClr val="accent4">
+              <a:lumMod val="40000"/>
+              <a:lumOff val="60000"/>
+            </a:schemeClr>
+          </a:solidFill>
+          <a:ln>
+            <a:noFill/>
+          </a:ln>
+        </p:spPr>
+        <p:style>
+          <a:lnRef idx="2">
+            <a:schemeClr val="accent1">
+              <a:shade val="50000"/>
+            </a:schemeClr>
+          </a:lnRef>
+          <a:fillRef idx="1">
+            <a:schemeClr val="accent1"/>
+          </a:fillRef>
+          <a:effectRef idx="0">
+            <a:schemeClr val="accent1"/>
+          </a:effectRef>
+          <a:fontRef idx="minor">
+            <a:schemeClr val="lt1"/>
+          </a:fontRef>
+        </p:style>
+        <p:txBody>
+          <a:bodyPr rtlCol="0" anchor="ctr"/>
+          <a:lstStyle/>
+          <a:p>
+            <a:pPr algn="ctr"/>
+            <a:r>
+              <a:rPr lang="es-ES" dirty="0">
+                <a:solidFill>
+                  <a:schemeClr val="tx1"/>
+                </a:solidFill>
+              </a:rPr>
+              <a:t>Beobachtete Werte werden nicht gut geschätzt</a:t>
+            </a:r>
+          </a:p>
+          <a:p>
+            <a:pPr algn="ctr"/>
+            <a:r>
+              <a:rPr lang="es-ES" dirty="0">
+                <a:solidFill>
+                  <a:schemeClr val="tx1"/>
+                </a:solidFill>
+              </a:rPr>
+              <a:t>Die Residuenannahme wird verletzt</a:t>
+            </a:r>
+          </a:p>
+        </p:txBody>
+      </p:sp>
+      <p:sp>
+        <p:nvSpPr>
+          <p:cNvPr id="10" name="Rechteck 9">
+            <a:extLst>
+              <a:ext uri="{FF2B5EF4-FFF2-40B4-BE49-F238E27FC236}">
+                <a16:creationId xmlns:a16="http://schemas.microsoft.com/office/drawing/2014/main" id="{8159772E-8D75-4D54-88AE-9E6505C67A26}"/>
+              </a:ext>
+            </a:extLst>
+          </p:cNvPr>
+          <p:cNvSpPr/>
+          <p:nvPr/>
+        </p:nvSpPr>
+        <p:spPr>
+          <a:xfrm>
+            <a:off x="1077084" y="2976674"/>
+            <a:ext cx="10176206" cy="1160168"/>
+          </a:xfrm>
+          <a:prstGeom prst="rect">
+            <a:avLst/>
+          </a:prstGeom>
+          <a:solidFill>
+            <a:schemeClr val="accent4">
+              <a:lumMod val="40000"/>
+              <a:lumOff val="60000"/>
+            </a:schemeClr>
+          </a:solidFill>
+          <a:ln>
+            <a:noFill/>
+          </a:ln>
+        </p:spPr>
+        <p:style>
+          <a:lnRef idx="2">
+            <a:schemeClr val="accent1">
+              <a:shade val="50000"/>
+            </a:schemeClr>
+          </a:lnRef>
+          <a:fillRef idx="1">
+            <a:schemeClr val="accent1"/>
+          </a:fillRef>
+          <a:effectRef idx="0">
+            <a:schemeClr val="accent1"/>
+          </a:effectRef>
+          <a:fontRef idx="minor">
+            <a:schemeClr val="lt1"/>
+          </a:fontRef>
+        </p:style>
+        <p:txBody>
+          <a:bodyPr rtlCol="0" anchor="ctr"/>
+          <a:lstStyle/>
+          <a:p>
+            <a:pPr algn="ctr"/>
+            <a:r>
+              <a:rPr lang="es-ES" dirty="0">
+                <a:solidFill>
+                  <a:schemeClr val="tx1"/>
+                </a:solidFill>
+              </a:rPr>
+              <a:t>Residuen sind nicht normalverteilt</a:t>
+            </a:r>
+          </a:p>
+          <a:p>
+            <a:pPr algn="ctr"/>
+            <a:r>
+              <a:rPr lang="es-ES" dirty="0">
+                <a:solidFill>
+                  <a:schemeClr val="tx1"/>
+                </a:solidFill>
+              </a:rPr>
+              <a:t>Streuung nicht gleichmäßig</a:t>
+            </a:r>
+          </a:p>
+          <a:p>
+            <a:pPr algn="ctr"/>
+            <a:r>
+              <a:rPr lang="es-ES" dirty="0">
+                <a:solidFill>
+                  <a:schemeClr val="tx1"/>
+                </a:solidFill>
+              </a:rPr>
+              <a:t>Fehlende Interaktion?</a:t>
+            </a:r>
+          </a:p>
+        </p:txBody>
+      </p:sp>
+      <p:sp>
+        <p:nvSpPr>
+          <p:cNvPr id="11" name="Rechteck 10">
+            <a:extLst>
+              <a:ext uri="{FF2B5EF4-FFF2-40B4-BE49-F238E27FC236}">
+                <a16:creationId xmlns:a16="http://schemas.microsoft.com/office/drawing/2014/main" id="{A347707B-234A-4542-85F5-B62AC2587A65}"/>
+              </a:ext>
+            </a:extLst>
+          </p:cNvPr>
+          <p:cNvSpPr/>
+          <p:nvPr/>
+        </p:nvSpPr>
+        <p:spPr>
+          <a:xfrm>
+            <a:off x="1077083" y="4360194"/>
+            <a:ext cx="10176206" cy="1160168"/>
+          </a:xfrm>
+          <a:prstGeom prst="rect">
+            <a:avLst/>
+          </a:prstGeom>
+          <a:solidFill>
+            <a:schemeClr val="accent4">
+              <a:lumMod val="40000"/>
+              <a:lumOff val="60000"/>
+            </a:schemeClr>
+          </a:solidFill>
+          <a:ln>
+            <a:noFill/>
+          </a:ln>
+        </p:spPr>
+        <p:style>
+          <a:lnRef idx="2">
+            <a:schemeClr val="accent1">
+              <a:shade val="50000"/>
+            </a:schemeClr>
+          </a:lnRef>
+          <a:fillRef idx="1">
+            <a:schemeClr val="accent1"/>
+          </a:fillRef>
+          <a:effectRef idx="0">
+            <a:schemeClr val="accent1"/>
+          </a:effectRef>
+          <a:fontRef idx="minor">
+            <a:schemeClr val="lt1"/>
+          </a:fontRef>
+        </p:style>
+        <p:txBody>
+          <a:bodyPr rtlCol="0" anchor="ctr"/>
+          <a:lstStyle/>
+          <a:p>
+            <a:pPr algn="ctr"/>
+            <a:r>
+              <a:rPr lang="es-ES" dirty="0">
+                <a:solidFill>
+                  <a:schemeClr val="tx1"/>
+                </a:solidFill>
+              </a:rPr>
+              <a:t>Modelgüte?</a:t>
+            </a:r>
+          </a:p>
+          <a:p>
+            <a:pPr algn="ctr"/>
+            <a:r>
+              <a:rPr lang="es-ES" dirty="0">
+                <a:solidFill>
+                  <a:schemeClr val="tx1"/>
+                </a:solidFill>
+              </a:rPr>
+              <a:t>Wie viele Quantile sinnvoll?</a:t>
+            </a:r>
+          </a:p>
+        </p:txBody>
+      </p:sp>
     </p:spTree>
     <p:extLst>
       <p:ext uri="{BB962C8B-B14F-4D97-AF65-F5344CB8AC3E}">
-        <p14:creationId xmlns:p14="http://schemas.microsoft.com/office/powerpoint/2010/main" val="2483290529"/>
+        <p14:creationId xmlns:p14="http://schemas.microsoft.com/office/powerpoint/2010/main" val="3774258167"/>
       </p:ext>
     </p:extLst>
   </p:cSld>
@@ -6058,10 +8362,10 @@
       </p:grpSpPr>
       <p:sp>
         <p:nvSpPr>
-          <p:cNvPr id="2" name="Titel 1">
-            <a:extLst>
-              <a:ext uri="{FF2B5EF4-FFF2-40B4-BE49-F238E27FC236}">
-                <a16:creationId xmlns:a16="http://schemas.microsoft.com/office/drawing/2014/main" id="{95C7EC47-19F9-4F5F-A0DF-0AC100ECC05F}"/>
+          <p:cNvPr id="5" name="Titel 4">
+            <a:extLst>
+              <a:ext uri="{FF2B5EF4-FFF2-40B4-BE49-F238E27FC236}">
+                <a16:creationId xmlns:a16="http://schemas.microsoft.com/office/drawing/2014/main" id="{A8DB802E-A859-4E59-A5B1-AEA2DD50647F}"/>
               </a:ext>
             </a:extLst>
           </p:cNvPr>
@@ -6072,24 +8376,33 @@
             <p:ph type="title"/>
           </p:nvPr>
         </p:nvSpPr>
-        <p:spPr/>
+        <p:spPr>
+          <a:xfrm>
+            <a:off x="883078" y="2002631"/>
+            <a:ext cx="10515600" cy="2852737"/>
+          </a:xfrm>
+        </p:spPr>
         <p:txBody>
           <a:bodyPr/>
           <a:lstStyle/>
           <a:p>
-            <a:r>
-              <a:rPr lang="es-ES" dirty="0"/>
-              <a:t>Bild Quelle</a:t>
-            </a:r>
-          </a:p>
-        </p:txBody>
-      </p:sp>
-      <p:sp>
-        <p:nvSpPr>
-          <p:cNvPr id="3" name="Inhaltsplatzhalter 2">
-            <a:extLst>
-              <a:ext uri="{FF2B5EF4-FFF2-40B4-BE49-F238E27FC236}">
-                <a16:creationId xmlns:a16="http://schemas.microsoft.com/office/drawing/2014/main" id="{E2F678CF-5466-4897-8C93-9EE266D9BB6F}"/>
+            <a:pPr algn="ctr"/>
+            <a:r>
+              <a:rPr lang="es-ES" dirty="0">
+                <a:latin typeface="Arial" panose="020B0604020202020204" pitchFamily="34" charset="0"/>
+                <a:cs typeface="Arial" panose="020B0604020202020204" pitchFamily="34" charset="0"/>
+              </a:rPr>
+              <a:t>Vielen Dank für eure Aufmerksamkeit, eure Ideen und Anregungen</a:t>
+            </a:r>
+          </a:p>
+        </p:txBody>
+      </p:sp>
+      <p:sp>
+        <p:nvSpPr>
+          <p:cNvPr id="4" name="Foliennummernplatzhalter 3">
+            <a:extLst>
+              <a:ext uri="{FF2B5EF4-FFF2-40B4-BE49-F238E27FC236}">
+                <a16:creationId xmlns:a16="http://schemas.microsoft.com/office/drawing/2014/main" id="{EEAB57F1-19EE-42C8-ADFF-9A10CBE81510}"/>
               </a:ext>
             </a:extLst>
           </p:cNvPr>
@@ -6097,7 +8410,7 @@
             <a:spLocks noGrp="1"/>
           </p:cNvSpPr>
           <p:nvPr>
-            <p:ph idx="1"/>
+            <p:ph type="sldNum" sz="quarter" idx="12"/>
           </p:nvPr>
         </p:nvSpPr>
         <p:spPr/>
@@ -6105,19 +8418,20 @@
           <a:bodyPr/>
           <a:lstStyle/>
           <a:p>
-            <a:r>
-              <a:rPr lang="es-ES" dirty="0"/>
-              <a:t>https://geohilfe.de/physische-geographie/geomorphologie/tektonik-und-vulkanismus/erdbeben-definition-entstehung-und-arten/</a:t>
-            </a:r>
-          </a:p>
-        </p:txBody>
-      </p:sp>
-      <p:sp>
-        <p:nvSpPr>
-          <p:cNvPr id="4" name="Fußzeilenplatzhalter 4">
-            <a:extLst>
-              <a:ext uri="{FF2B5EF4-FFF2-40B4-BE49-F238E27FC236}">
-                <a16:creationId xmlns:a16="http://schemas.microsoft.com/office/drawing/2014/main" id="{F170A0BB-D0B6-4FCD-9DE8-A0688B72FE09}"/>
+            <a:fld id="{5C76D808-3489-4ED6-8F45-9C53BCBA6C6D}" type="slidenum">
+              <a:rPr lang="es-ES" b="1" smtClean="0"/>
+              <a:t>19</a:t>
+            </a:fld>
+            <a:endParaRPr lang="es-ES" b="1" dirty="0"/>
+          </a:p>
+        </p:txBody>
+      </p:sp>
+      <p:sp>
+        <p:nvSpPr>
+          <p:cNvPr id="7" name="Fußzeilenplatzhalter 4">
+            <a:extLst>
+              <a:ext uri="{FF2B5EF4-FFF2-40B4-BE49-F238E27FC236}">
+                <a16:creationId xmlns:a16="http://schemas.microsoft.com/office/drawing/2014/main" id="{8F2BB6AB-4477-4547-A17E-6370F0F6C6FC}"/>
               </a:ext>
             </a:extLst>
           </p:cNvPr>
@@ -6151,7 +8465,7 @@
     </p:spTree>
     <p:extLst>
       <p:ext uri="{BB962C8B-B14F-4D97-AF65-F5344CB8AC3E}">
-        <p14:creationId xmlns:p14="http://schemas.microsoft.com/office/powerpoint/2010/main" val="2499159389"/>
+        <p14:creationId xmlns:p14="http://schemas.microsoft.com/office/powerpoint/2010/main" val="2483290529"/>
       </p:ext>
     </p:extLst>
   </p:cSld>
@@ -6229,7 +8543,7 @@
                 <a:latin typeface="Arial" panose="020B0604020202020204" pitchFamily="34" charset="0"/>
                 <a:cs typeface="Arial" panose="020B0604020202020204" pitchFamily="34" charset="0"/>
               </a:rPr>
-              <a:t>Konzept der Methodik</a:t>
+              <a:t>Konzept - Erste Ergebnisse und Erfahrungen</a:t>
             </a:r>
           </a:p>
           <a:p>
@@ -6238,22 +8552,8 @@
                 <a:latin typeface="Arial" panose="020B0604020202020204" pitchFamily="34" charset="0"/>
                 <a:cs typeface="Arial" panose="020B0604020202020204" pitchFamily="34" charset="0"/>
               </a:rPr>
-              <a:t>Erste Ergebnisse und Erfahrungen</a:t>
-            </a:r>
-          </a:p>
-          <a:p>
-            <a:r>
-              <a:rPr lang="es-ES" dirty="0">
-                <a:latin typeface="Arial" panose="020B0604020202020204" pitchFamily="34" charset="0"/>
-                <a:cs typeface="Arial" panose="020B0604020202020204" pitchFamily="34" charset="0"/>
-              </a:rPr>
-              <a:t>Fragen und Anregungen = Diskussion</a:t>
-            </a:r>
-          </a:p>
-          <a:p>
-            <a:pPr marL="0" indent="0">
-              <a:buNone/>
-            </a:pPr>
+              <a:t>Fragen und Anregungen</a:t>
+            </a:r>
             <a:endParaRPr lang="es-ES" dirty="0"/>
           </a:p>
         </p:txBody>
@@ -6434,6 +8734,1748 @@
     <p:extLst>
       <p:ext uri="{BB962C8B-B14F-4D97-AF65-F5344CB8AC3E}">
         <p14:creationId xmlns:p14="http://schemas.microsoft.com/office/powerpoint/2010/main" val="1697044440"/>
+      </p:ext>
+    </p:extLst>
+  </p:cSld>
+  <p:clrMapOvr>
+    <a:masterClrMapping/>
+  </p:clrMapOvr>
+</p:sld>
+</file>
+
+<file path=ppt/slides/slide20.xml><?xml version="1.0" encoding="utf-8"?>
+<p:sld xmlns:a="http://schemas.openxmlformats.org/drawingml/2006/main" xmlns:r="http://schemas.openxmlformats.org/officeDocument/2006/relationships" xmlns:p="http://schemas.openxmlformats.org/presentationml/2006/main">
+  <p:cSld>
+    <p:spTree>
+      <p:nvGrpSpPr>
+        <p:cNvPr id="1" name=""/>
+        <p:cNvGrpSpPr/>
+        <p:nvPr/>
+      </p:nvGrpSpPr>
+      <p:grpSpPr>
+        <a:xfrm>
+          <a:off x="0" y="0"/>
+          <a:ext cx="0" cy="0"/>
+          <a:chOff x="0" y="0"/>
+          <a:chExt cx="0" cy="0"/>
+        </a:xfrm>
+      </p:grpSpPr>
+      <p:sp>
+        <p:nvSpPr>
+          <p:cNvPr id="5" name="Titel 4">
+            <a:extLst>
+              <a:ext uri="{FF2B5EF4-FFF2-40B4-BE49-F238E27FC236}">
+                <a16:creationId xmlns:a16="http://schemas.microsoft.com/office/drawing/2014/main" id="{A8DB802E-A859-4E59-A5B1-AEA2DD50647F}"/>
+              </a:ext>
+            </a:extLst>
+          </p:cNvPr>
+          <p:cNvSpPr>
+            <a:spLocks noGrp="1"/>
+          </p:cNvSpPr>
+          <p:nvPr>
+            <p:ph type="title"/>
+          </p:nvPr>
+        </p:nvSpPr>
+        <p:spPr>
+          <a:xfrm>
+            <a:off x="838200" y="1116353"/>
+            <a:ext cx="10515600" cy="1303908"/>
+          </a:xfrm>
+        </p:spPr>
+        <p:txBody>
+          <a:bodyPr/>
+          <a:lstStyle/>
+          <a:p>
+            <a:pPr algn="ctr"/>
+            <a:r>
+              <a:rPr lang="es-ES" dirty="0">
+                <a:latin typeface="Arial" panose="020B0604020202020204" pitchFamily="34" charset="0"/>
+                <a:cs typeface="Arial" panose="020B0604020202020204" pitchFamily="34" charset="0"/>
+              </a:rPr>
+              <a:t>Anhang</a:t>
+            </a:r>
+          </a:p>
+        </p:txBody>
+      </p:sp>
+      <p:sp>
+        <p:nvSpPr>
+          <p:cNvPr id="4" name="Foliennummernplatzhalter 3">
+            <a:extLst>
+              <a:ext uri="{FF2B5EF4-FFF2-40B4-BE49-F238E27FC236}">
+                <a16:creationId xmlns:a16="http://schemas.microsoft.com/office/drawing/2014/main" id="{EEAB57F1-19EE-42C8-ADFF-9A10CBE81510}"/>
+              </a:ext>
+            </a:extLst>
+          </p:cNvPr>
+          <p:cNvSpPr>
+            <a:spLocks noGrp="1"/>
+          </p:cNvSpPr>
+          <p:nvPr>
+            <p:ph type="sldNum" sz="quarter" idx="12"/>
+          </p:nvPr>
+        </p:nvSpPr>
+        <p:spPr/>
+        <p:txBody>
+          <a:bodyPr/>
+          <a:lstStyle/>
+          <a:p>
+            <a:fld id="{5C76D808-3489-4ED6-8F45-9C53BCBA6C6D}" type="slidenum">
+              <a:rPr lang="es-ES" b="1" smtClean="0"/>
+              <a:t>20</a:t>
+            </a:fld>
+            <a:endParaRPr lang="es-ES" b="1" dirty="0"/>
+          </a:p>
+        </p:txBody>
+      </p:sp>
+      <p:sp>
+        <p:nvSpPr>
+          <p:cNvPr id="7" name="Fußzeilenplatzhalter 4">
+            <a:extLst>
+              <a:ext uri="{FF2B5EF4-FFF2-40B4-BE49-F238E27FC236}">
+                <a16:creationId xmlns:a16="http://schemas.microsoft.com/office/drawing/2014/main" id="{8F2BB6AB-4477-4547-A17E-6370F0F6C6FC}"/>
+              </a:ext>
+            </a:extLst>
+          </p:cNvPr>
+          <p:cNvSpPr>
+            <a:spLocks noGrp="1"/>
+          </p:cNvSpPr>
+          <p:nvPr>
+            <p:ph type="ftr" sz="quarter" idx="11"/>
+          </p:nvPr>
+        </p:nvSpPr>
+        <p:spPr>
+          <a:xfrm>
+            <a:off x="117806" y="6356350"/>
+            <a:ext cx="4050287" cy="365125"/>
+          </a:xfrm>
+        </p:spPr>
+        <p:txBody>
+          <a:bodyPr/>
+          <a:lstStyle/>
+          <a:p>
+            <a:r>
+              <a:rPr lang="es-ES" dirty="0">
+                <a:latin typeface="Arial" panose="020B0604020202020204" pitchFamily="34" charset="0"/>
+                <a:cs typeface="Arial" panose="020B0604020202020204" pitchFamily="34" charset="0"/>
+              </a:rPr>
+              <a:t>Getriggerte Erdbeben – Orzelek, Reichmeier, Riedlberger</a:t>
+            </a:r>
+          </a:p>
+        </p:txBody>
+      </p:sp>
+    </p:spTree>
+    <p:extLst>
+      <p:ext uri="{BB962C8B-B14F-4D97-AF65-F5344CB8AC3E}">
+        <p14:creationId xmlns:p14="http://schemas.microsoft.com/office/powerpoint/2010/main" val="1406681596"/>
+      </p:ext>
+    </p:extLst>
+  </p:cSld>
+  <p:clrMapOvr>
+    <a:masterClrMapping/>
+  </p:clrMapOvr>
+</p:sld>
+</file>
+
+<file path=ppt/slides/slide21.xml><?xml version="1.0" encoding="utf-8"?>
+<p:sld xmlns:a="http://schemas.openxmlformats.org/drawingml/2006/main" xmlns:r="http://schemas.openxmlformats.org/officeDocument/2006/relationships" xmlns:p="http://schemas.openxmlformats.org/presentationml/2006/main">
+  <p:cSld>
+    <p:spTree>
+      <p:nvGrpSpPr>
+        <p:cNvPr id="1" name=""/>
+        <p:cNvGrpSpPr/>
+        <p:nvPr/>
+      </p:nvGrpSpPr>
+      <p:grpSpPr>
+        <a:xfrm>
+          <a:off x="0" y="0"/>
+          <a:ext cx="0" cy="0"/>
+          <a:chOff x="0" y="0"/>
+          <a:chExt cx="0" cy="0"/>
+        </a:xfrm>
+      </p:grpSpPr>
+      <p:sp>
+        <p:nvSpPr>
+          <p:cNvPr id="4" name="Foliennummernplatzhalter 3">
+            <a:extLst>
+              <a:ext uri="{FF2B5EF4-FFF2-40B4-BE49-F238E27FC236}">
+                <a16:creationId xmlns:a16="http://schemas.microsoft.com/office/drawing/2014/main" id="{38F51045-17B2-4CC8-80FB-808D3D232D7E}"/>
+              </a:ext>
+            </a:extLst>
+          </p:cNvPr>
+          <p:cNvSpPr>
+            <a:spLocks noGrp="1"/>
+          </p:cNvSpPr>
+          <p:nvPr>
+            <p:ph type="sldNum" sz="quarter" idx="12"/>
+          </p:nvPr>
+        </p:nvSpPr>
+        <p:spPr/>
+        <p:txBody>
+          <a:bodyPr/>
+          <a:lstStyle/>
+          <a:p>
+            <a:fld id="{5C76D808-3489-4ED6-8F45-9C53BCBA6C6D}" type="slidenum">
+              <a:rPr lang="es-ES" b="1" smtClean="0"/>
+              <a:t>21</a:t>
+            </a:fld>
+            <a:endParaRPr lang="es-ES" b="1" dirty="0"/>
+          </a:p>
+        </p:txBody>
+      </p:sp>
+      <p:sp>
+        <p:nvSpPr>
+          <p:cNvPr id="6" name="AutoShape 2" descr="Bildergebnis für mexiko  flagge">
+            <a:extLst>
+              <a:ext uri="{FF2B5EF4-FFF2-40B4-BE49-F238E27FC236}">
+                <a16:creationId xmlns:a16="http://schemas.microsoft.com/office/drawing/2014/main" id="{857C175E-0782-4771-83B5-FE30477F5ADE}"/>
+              </a:ext>
+            </a:extLst>
+          </p:cNvPr>
+          <p:cNvSpPr>
+            <a:spLocks noChangeAspect="1" noChangeArrowheads="1"/>
+          </p:cNvSpPr>
+          <p:nvPr/>
+        </p:nvSpPr>
+        <p:spPr bwMode="auto">
+          <a:xfrm>
+            <a:off x="6364335" y="3775874"/>
+            <a:ext cx="309507" cy="304800"/>
+          </a:xfrm>
+          <a:prstGeom prst="rect">
+            <a:avLst/>
+          </a:prstGeom>
+          <a:noFill/>
+          <a:extLst>
+            <a:ext uri="{909E8E84-426E-40DD-AFC4-6F175D3DCCD1}">
+              <a14:hiddenFill xmlns:a14="http://schemas.microsoft.com/office/drawing/2010/main">
+                <a:solidFill>
+                  <a:srgbClr val="FFFFFF"/>
+                </a:solidFill>
+              </a14:hiddenFill>
+            </a:ext>
+          </a:extLst>
+        </p:spPr>
+        <p:txBody>
+          <a:bodyPr vert="horz" wrap="square" lIns="91440" tIns="45720" rIns="91440" bIns="45720" numCol="1" anchor="t" anchorCtr="0" compatLnSpc="1">
+            <a:prstTxWarp prst="textNoShape">
+              <a:avLst/>
+            </a:prstTxWarp>
+          </a:bodyPr>
+          <a:lstStyle/>
+          <a:p>
+            <a:endParaRPr lang="es-ES"/>
+          </a:p>
+        </p:txBody>
+      </p:sp>
+      <p:sp>
+        <p:nvSpPr>
+          <p:cNvPr id="7" name="Fußzeilenplatzhalter 4">
+            <a:extLst>
+              <a:ext uri="{FF2B5EF4-FFF2-40B4-BE49-F238E27FC236}">
+                <a16:creationId xmlns:a16="http://schemas.microsoft.com/office/drawing/2014/main" id="{00D96A0B-DFF8-4590-A342-4EE02B81294A}"/>
+              </a:ext>
+            </a:extLst>
+          </p:cNvPr>
+          <p:cNvSpPr>
+            <a:spLocks noGrp="1"/>
+          </p:cNvSpPr>
+          <p:nvPr>
+            <p:ph type="ftr" sz="quarter" idx="11"/>
+          </p:nvPr>
+        </p:nvSpPr>
+        <p:spPr>
+          <a:xfrm>
+            <a:off x="117806" y="6356350"/>
+            <a:ext cx="4050287" cy="365125"/>
+          </a:xfrm>
+        </p:spPr>
+        <p:txBody>
+          <a:bodyPr/>
+          <a:lstStyle/>
+          <a:p>
+            <a:r>
+              <a:rPr lang="es-ES" dirty="0">
+                <a:latin typeface="Arial" panose="020B0604020202020204" pitchFamily="34" charset="0"/>
+                <a:cs typeface="Arial" panose="020B0604020202020204" pitchFamily="34" charset="0"/>
+              </a:rPr>
+              <a:t>Getriggerte Erdbeben – Orzelek, Reichmeier, Riedlberger</a:t>
+            </a:r>
+          </a:p>
+        </p:txBody>
+      </p:sp>
+      <p:sp>
+        <p:nvSpPr>
+          <p:cNvPr id="11" name="Textfeld 10">
+            <a:extLst>
+              <a:ext uri="{FF2B5EF4-FFF2-40B4-BE49-F238E27FC236}">
+                <a16:creationId xmlns:a16="http://schemas.microsoft.com/office/drawing/2014/main" id="{670A1FE9-4660-4CFB-A854-3286A8877FFA}"/>
+              </a:ext>
+            </a:extLst>
+          </p:cNvPr>
+          <p:cNvSpPr txBox="1"/>
+          <p:nvPr/>
+        </p:nvSpPr>
+        <p:spPr>
+          <a:xfrm>
+            <a:off x="7825225" y="1638066"/>
+            <a:ext cx="2743200" cy="2554545"/>
+          </a:xfrm>
+          <a:prstGeom prst="rect">
+            <a:avLst/>
+          </a:prstGeom>
+          <a:noFill/>
+        </p:spPr>
+        <p:txBody>
+          <a:bodyPr wrap="square" rtlCol="0">
+            <a:spAutoFit/>
+          </a:bodyPr>
+          <a:lstStyle/>
+          <a:p>
+            <a:r>
+              <a:rPr lang="es-ES" sz="2000" u="sng" dirty="0"/>
+              <a:t>Generalisiertes lineares Regressionsmodell</a:t>
+            </a:r>
+          </a:p>
+          <a:p>
+            <a:endParaRPr lang="es-ES" sz="2000" dirty="0"/>
+          </a:p>
+          <a:p>
+            <a:pPr marL="342900" indent="-342900">
+              <a:buFont typeface="Arial" panose="020B0604020202020204" pitchFamily="34" charset="0"/>
+              <a:buChar char="•"/>
+            </a:pPr>
+            <a:r>
+              <a:rPr lang="es-ES" sz="2000" dirty="0"/>
+              <a:t>AIC ist </a:t>
+            </a:r>
+          </a:p>
+          <a:p>
+            <a:pPr marL="342900" indent="-342900">
+              <a:buFont typeface="Arial" panose="020B0604020202020204" pitchFamily="34" charset="0"/>
+              <a:buChar char="•"/>
+            </a:pPr>
+            <a:r>
+              <a:rPr lang="es-ES" sz="2000" dirty="0"/>
+              <a:t>Dispersions Parameter ist bei 0 </a:t>
+            </a:r>
+            <a:r>
+              <a:rPr lang="es-ES" sz="2000" dirty="0">
+                <a:sym typeface="Wingdings" panose="05000000000000000000" pitchFamily="2" charset="2"/>
+              </a:rPr>
+              <a:t> geringe Streuung ums Zentrum</a:t>
+            </a:r>
+            <a:endParaRPr lang="es-ES" sz="2000" dirty="0"/>
+          </a:p>
+        </p:txBody>
+      </p:sp>
+      <p:sp>
+        <p:nvSpPr>
+          <p:cNvPr id="8" name="Rechteck 7">
+            <a:extLst>
+              <a:ext uri="{FF2B5EF4-FFF2-40B4-BE49-F238E27FC236}">
+                <a16:creationId xmlns:a16="http://schemas.microsoft.com/office/drawing/2014/main" id="{947E8E50-C7D7-4008-A48B-53CE73435768}"/>
+              </a:ext>
+            </a:extLst>
+          </p:cNvPr>
+          <p:cNvSpPr/>
+          <p:nvPr/>
+        </p:nvSpPr>
+        <p:spPr>
+          <a:xfrm>
+            <a:off x="998859" y="1787999"/>
+            <a:ext cx="5757839" cy="932224"/>
+          </a:xfrm>
+          <a:prstGeom prst="rect">
+            <a:avLst/>
+          </a:prstGeom>
+          <a:solidFill>
+            <a:schemeClr val="bg1">
+              <a:lumMod val="85000"/>
+            </a:schemeClr>
+          </a:solidFill>
+          <a:ln>
+            <a:solidFill>
+              <a:schemeClr val="bg1"/>
+            </a:solidFill>
+          </a:ln>
+        </p:spPr>
+        <p:style>
+          <a:lnRef idx="2">
+            <a:schemeClr val="accent1">
+              <a:shade val="50000"/>
+            </a:schemeClr>
+          </a:lnRef>
+          <a:fillRef idx="1">
+            <a:schemeClr val="accent1"/>
+          </a:fillRef>
+          <a:effectRef idx="0">
+            <a:schemeClr val="accent1"/>
+          </a:effectRef>
+          <a:fontRef idx="minor">
+            <a:schemeClr val="lt1"/>
+          </a:fontRef>
+        </p:style>
+        <p:txBody>
+          <a:bodyPr rtlCol="0" anchor="ctr"/>
+          <a:lstStyle/>
+          <a:p>
+            <a:pPr algn="ctr"/>
+            <a:r>
+              <a:rPr lang="es-ES" dirty="0">
+                <a:solidFill>
+                  <a:schemeClr val="accent1">
+                    <a:lumMod val="75000"/>
+                  </a:schemeClr>
+                </a:solidFill>
+              </a:rPr>
+              <a:t>Getriggerte Magnitude  ~  Triggernde Magnitude </a:t>
+            </a:r>
+            <a:r>
+              <a:rPr lang="es-ES" dirty="0">
+                <a:solidFill>
+                  <a:schemeClr val="tx1"/>
+                </a:solidFill>
+              </a:rPr>
+              <a:t>+ Tiefe + dip + rake + strainRate + heatFlow + crustalThick + mantleThick + elevation </a:t>
+            </a:r>
+          </a:p>
+        </p:txBody>
+      </p:sp>
+      <p:graphicFrame>
+        <p:nvGraphicFramePr>
+          <p:cNvPr id="10" name="Tabelle 10">
+            <a:extLst>
+              <a:ext uri="{FF2B5EF4-FFF2-40B4-BE49-F238E27FC236}">
+                <a16:creationId xmlns:a16="http://schemas.microsoft.com/office/drawing/2014/main" id="{80B048E1-DAEE-46C7-96F8-9E0E9CE57E9F}"/>
+              </a:ext>
+            </a:extLst>
+          </p:cNvPr>
+          <p:cNvGraphicFramePr>
+            <a:graphicFrameLocks noGrp="1"/>
+          </p:cNvGraphicFramePr>
+          <p:nvPr>
+            <p:extLst>
+              <p:ext uri="{D42A27DB-BD31-4B8C-83A1-F6EECF244321}">
+                <p14:modId xmlns:p14="http://schemas.microsoft.com/office/powerpoint/2010/main" val="3138870661"/>
+              </p:ext>
+            </p:extLst>
+          </p:nvPr>
+        </p:nvGraphicFramePr>
+        <p:xfrm>
+          <a:off x="998858" y="2852742"/>
+          <a:ext cx="5757839" cy="761732"/>
+        </p:xfrm>
+        <a:graphic>
+          <a:graphicData uri="http://schemas.openxmlformats.org/drawingml/2006/table">
+            <a:tbl>
+              <a:tblPr firstRow="1" bandRow="1">
+                <a:tableStyleId>{5C22544A-7EE6-4342-B048-85BDC9FD1C3A}</a:tableStyleId>
+              </a:tblPr>
+              <a:tblGrid>
+                <a:gridCol w="3412564">
+                  <a:extLst>
+                    <a:ext uri="{9D8B030D-6E8A-4147-A177-3AD203B41FA5}">
+                      <a16:colId xmlns:a16="http://schemas.microsoft.com/office/drawing/2014/main" val="480744698"/>
+                    </a:ext>
+                  </a:extLst>
+                </a:gridCol>
+                <a:gridCol w="2345275">
+                  <a:extLst>
+                    <a:ext uri="{9D8B030D-6E8A-4147-A177-3AD203B41FA5}">
+                      <a16:colId xmlns:a16="http://schemas.microsoft.com/office/drawing/2014/main" val="3561967604"/>
+                    </a:ext>
+                  </a:extLst>
+                </a:gridCol>
+              </a:tblGrid>
+              <a:tr h="380866">
+                <a:tc>
+                  <a:txBody>
+                    <a:bodyPr/>
+                    <a:lstStyle/>
+                    <a:p>
+                      <a:r>
+                        <a:rPr lang="es-ES" b="0" dirty="0">
+                          <a:solidFill>
+                            <a:schemeClr val="tx1"/>
+                          </a:solidFill>
+                        </a:rPr>
+                        <a:t>Beta von triggernder Magnitude</a:t>
+                      </a:r>
+                    </a:p>
+                  </a:txBody>
+                  <a:tcPr>
+                    <a:solidFill>
+                      <a:schemeClr val="bg1">
+                        <a:lumMod val="95000"/>
+                      </a:schemeClr>
+                    </a:solidFill>
+                  </a:tcPr>
+                </a:tc>
+                <a:tc>
+                  <a:txBody>
+                    <a:bodyPr/>
+                    <a:lstStyle/>
+                    <a:p>
+                      <a:r>
+                        <a:rPr lang="es-ES" b="0" dirty="0">
+                          <a:solidFill>
+                            <a:schemeClr val="tx1"/>
+                          </a:solidFill>
+                        </a:rPr>
+                        <a:t>1.004 ***</a:t>
+                      </a:r>
+                    </a:p>
+                  </a:txBody>
+                  <a:tcPr>
+                    <a:solidFill>
+                      <a:schemeClr val="bg1">
+                        <a:lumMod val="95000"/>
+                      </a:schemeClr>
+                    </a:solidFill>
+                  </a:tcPr>
+                </a:tc>
+                <a:extLst>
+                  <a:ext uri="{0D108BD9-81ED-4DB2-BD59-A6C34878D82A}">
+                    <a16:rowId xmlns:a16="http://schemas.microsoft.com/office/drawing/2014/main" val="1114050487"/>
+                  </a:ext>
+                </a:extLst>
+              </a:tr>
+              <a:tr h="380866">
+                <a:tc>
+                  <a:txBody>
+                    <a:bodyPr/>
+                    <a:lstStyle/>
+                    <a:p>
+                      <a:r>
+                        <a:rPr lang="es-ES" baseline="0" dirty="0"/>
+                        <a:t>AIC</a:t>
+                      </a:r>
+                    </a:p>
+                  </a:txBody>
+                  <a:tcPr>
+                    <a:solidFill>
+                      <a:schemeClr val="bg1">
+                        <a:lumMod val="95000"/>
+                      </a:schemeClr>
+                    </a:solidFill>
+                  </a:tcPr>
+                </a:tc>
+                <a:tc>
+                  <a:txBody>
+                    <a:bodyPr/>
+                    <a:lstStyle/>
+                    <a:p>
+                      <a:r>
+                        <a:rPr lang="es-ES" dirty="0"/>
+                        <a:t>8761</a:t>
+                      </a:r>
+                    </a:p>
+                  </a:txBody>
+                  <a:tcPr>
+                    <a:solidFill>
+                      <a:schemeClr val="bg1">
+                        <a:lumMod val="95000"/>
+                      </a:schemeClr>
+                    </a:solidFill>
+                  </a:tcPr>
+                </a:tc>
+                <a:extLst>
+                  <a:ext uri="{0D108BD9-81ED-4DB2-BD59-A6C34878D82A}">
+                    <a16:rowId xmlns:a16="http://schemas.microsoft.com/office/drawing/2014/main" val="1599703956"/>
+                  </a:ext>
+                </a:extLst>
+              </a:tr>
+            </a:tbl>
+          </a:graphicData>
+        </a:graphic>
+      </p:graphicFrame>
+    </p:spTree>
+    <p:extLst>
+      <p:ext uri="{BB962C8B-B14F-4D97-AF65-F5344CB8AC3E}">
+        <p14:creationId xmlns:p14="http://schemas.microsoft.com/office/powerpoint/2010/main" val="815569283"/>
+      </p:ext>
+    </p:extLst>
+  </p:cSld>
+  <p:clrMapOvr>
+    <a:masterClrMapping/>
+  </p:clrMapOvr>
+</p:sld>
+</file>
+
+<file path=ppt/slides/slide22.xml><?xml version="1.0" encoding="utf-8"?>
+<p:sld xmlns:a="http://schemas.openxmlformats.org/drawingml/2006/main" xmlns:r="http://schemas.openxmlformats.org/officeDocument/2006/relationships" xmlns:p="http://schemas.openxmlformats.org/presentationml/2006/main">
+  <p:cSld>
+    <p:spTree>
+      <p:nvGrpSpPr>
+        <p:cNvPr id="1" name=""/>
+        <p:cNvGrpSpPr/>
+        <p:nvPr/>
+      </p:nvGrpSpPr>
+      <p:grpSpPr>
+        <a:xfrm>
+          <a:off x="0" y="0"/>
+          <a:ext cx="0" cy="0"/>
+          <a:chOff x="0" y="0"/>
+          <a:chExt cx="0" cy="0"/>
+        </a:xfrm>
+      </p:grpSpPr>
+      <p:sp>
+        <p:nvSpPr>
+          <p:cNvPr id="4" name="Foliennummernplatzhalter 3">
+            <a:extLst>
+              <a:ext uri="{FF2B5EF4-FFF2-40B4-BE49-F238E27FC236}">
+                <a16:creationId xmlns:a16="http://schemas.microsoft.com/office/drawing/2014/main" id="{38F51045-17B2-4CC8-80FB-808D3D232D7E}"/>
+              </a:ext>
+            </a:extLst>
+          </p:cNvPr>
+          <p:cNvSpPr>
+            <a:spLocks noGrp="1"/>
+          </p:cNvSpPr>
+          <p:nvPr>
+            <p:ph type="sldNum" sz="quarter" idx="12"/>
+          </p:nvPr>
+        </p:nvSpPr>
+        <p:spPr/>
+        <p:txBody>
+          <a:bodyPr/>
+          <a:lstStyle/>
+          <a:p>
+            <a:fld id="{5C76D808-3489-4ED6-8F45-9C53BCBA6C6D}" type="slidenum">
+              <a:rPr lang="es-ES" b="1" smtClean="0"/>
+              <a:t>22</a:t>
+            </a:fld>
+            <a:endParaRPr lang="es-ES" b="1" dirty="0"/>
+          </a:p>
+        </p:txBody>
+      </p:sp>
+      <p:sp>
+        <p:nvSpPr>
+          <p:cNvPr id="7" name="Fußzeilenplatzhalter 4">
+            <a:extLst>
+              <a:ext uri="{FF2B5EF4-FFF2-40B4-BE49-F238E27FC236}">
+                <a16:creationId xmlns:a16="http://schemas.microsoft.com/office/drawing/2014/main" id="{00D96A0B-DFF8-4590-A342-4EE02B81294A}"/>
+              </a:ext>
+            </a:extLst>
+          </p:cNvPr>
+          <p:cNvSpPr>
+            <a:spLocks noGrp="1"/>
+          </p:cNvSpPr>
+          <p:nvPr>
+            <p:ph type="ftr" sz="quarter" idx="11"/>
+          </p:nvPr>
+        </p:nvSpPr>
+        <p:spPr>
+          <a:xfrm>
+            <a:off x="117806" y="6356350"/>
+            <a:ext cx="4050287" cy="365125"/>
+          </a:xfrm>
+        </p:spPr>
+        <p:txBody>
+          <a:bodyPr/>
+          <a:lstStyle/>
+          <a:p>
+            <a:r>
+              <a:rPr lang="es-ES" dirty="0">
+                <a:latin typeface="Arial" panose="020B0604020202020204" pitchFamily="34" charset="0"/>
+                <a:cs typeface="Arial" panose="020B0604020202020204" pitchFamily="34" charset="0"/>
+              </a:rPr>
+              <a:t>Getriggerte Erdbeben – Orzelek, Reichmeier, Riedlberger</a:t>
+            </a:r>
+          </a:p>
+        </p:txBody>
+      </p:sp>
+      <p:pic>
+        <p:nvPicPr>
+          <p:cNvPr id="9" name="Grafik 8" descr="Ein Bild, das Text enthält.&#10;&#10;Automatisch generierte Beschreibung">
+            <a:extLst>
+              <a:ext uri="{FF2B5EF4-FFF2-40B4-BE49-F238E27FC236}">
+                <a16:creationId xmlns:a16="http://schemas.microsoft.com/office/drawing/2014/main" id="{35911466-D1D2-4590-8855-024AA26251DF}"/>
+              </a:ext>
+            </a:extLst>
+          </p:cNvPr>
+          <p:cNvPicPr>
+            <a:picLocks noChangeAspect="1"/>
+          </p:cNvPicPr>
+          <p:nvPr/>
+        </p:nvPicPr>
+        <p:blipFill>
+          <a:blip r:embed="rId2">
+            <a:extLst>
+              <a:ext uri="{28A0092B-C50C-407E-A947-70E740481C1C}">
+                <a14:useLocalDpi xmlns:a14="http://schemas.microsoft.com/office/drawing/2010/main" val="0"/>
+              </a:ext>
+            </a:extLst>
+          </a:blip>
+          <a:stretch>
+            <a:fillRect/>
+          </a:stretch>
+        </p:blipFill>
+        <p:spPr>
+          <a:xfrm>
+            <a:off x="660500" y="1277274"/>
+            <a:ext cx="8054338" cy="4282053"/>
+          </a:xfrm>
+          <a:prstGeom prst="rect">
+            <a:avLst/>
+          </a:prstGeom>
+        </p:spPr>
+      </p:pic>
+      <p:sp>
+        <p:nvSpPr>
+          <p:cNvPr id="2" name="Textfeld 1">
+            <a:extLst>
+              <a:ext uri="{FF2B5EF4-FFF2-40B4-BE49-F238E27FC236}">
+                <a16:creationId xmlns:a16="http://schemas.microsoft.com/office/drawing/2014/main" id="{1A006824-F8E9-4779-B81A-4CDC779E8659}"/>
+              </a:ext>
+            </a:extLst>
+          </p:cNvPr>
+          <p:cNvSpPr txBox="1"/>
+          <p:nvPr/>
+        </p:nvSpPr>
+        <p:spPr>
+          <a:xfrm>
+            <a:off x="600250" y="785374"/>
+            <a:ext cx="3730528" cy="369332"/>
+          </a:xfrm>
+          <a:prstGeom prst="rect">
+            <a:avLst/>
+          </a:prstGeom>
+          <a:noFill/>
+        </p:spPr>
+        <p:txBody>
+          <a:bodyPr wrap="square" rtlCol="0">
+            <a:spAutoFit/>
+          </a:bodyPr>
+          <a:lstStyle/>
+          <a:p>
+            <a:r>
+              <a:rPr lang="es-ES" dirty="0"/>
+              <a:t>R Output – Einfaches lineares Modell</a:t>
+            </a:r>
+          </a:p>
+        </p:txBody>
+      </p:sp>
+    </p:spTree>
+    <p:extLst>
+      <p:ext uri="{BB962C8B-B14F-4D97-AF65-F5344CB8AC3E}">
+        <p14:creationId xmlns:p14="http://schemas.microsoft.com/office/powerpoint/2010/main" val="4279145559"/>
+      </p:ext>
+    </p:extLst>
+  </p:cSld>
+  <p:clrMapOvr>
+    <a:masterClrMapping/>
+  </p:clrMapOvr>
+</p:sld>
+</file>
+
+<file path=ppt/slides/slide23.xml><?xml version="1.0" encoding="utf-8"?>
+<p:sld xmlns:a="http://schemas.openxmlformats.org/drawingml/2006/main" xmlns:r="http://schemas.openxmlformats.org/officeDocument/2006/relationships" xmlns:p="http://schemas.openxmlformats.org/presentationml/2006/main">
+  <p:cSld>
+    <p:spTree>
+      <p:nvGrpSpPr>
+        <p:cNvPr id="1" name=""/>
+        <p:cNvGrpSpPr/>
+        <p:nvPr/>
+      </p:nvGrpSpPr>
+      <p:grpSpPr>
+        <a:xfrm>
+          <a:off x="0" y="0"/>
+          <a:ext cx="0" cy="0"/>
+          <a:chOff x="0" y="0"/>
+          <a:chExt cx="0" cy="0"/>
+        </a:xfrm>
+      </p:grpSpPr>
+      <p:sp>
+        <p:nvSpPr>
+          <p:cNvPr id="4" name="Foliennummernplatzhalter 3">
+            <a:extLst>
+              <a:ext uri="{FF2B5EF4-FFF2-40B4-BE49-F238E27FC236}">
+                <a16:creationId xmlns:a16="http://schemas.microsoft.com/office/drawing/2014/main" id="{38F51045-17B2-4CC8-80FB-808D3D232D7E}"/>
+              </a:ext>
+            </a:extLst>
+          </p:cNvPr>
+          <p:cNvSpPr>
+            <a:spLocks noGrp="1"/>
+          </p:cNvSpPr>
+          <p:nvPr>
+            <p:ph type="sldNum" sz="quarter" idx="12"/>
+          </p:nvPr>
+        </p:nvSpPr>
+        <p:spPr/>
+        <p:txBody>
+          <a:bodyPr/>
+          <a:lstStyle/>
+          <a:p>
+            <a:fld id="{5C76D808-3489-4ED6-8F45-9C53BCBA6C6D}" type="slidenum">
+              <a:rPr lang="es-ES" b="1" smtClean="0"/>
+              <a:t>23</a:t>
+            </a:fld>
+            <a:endParaRPr lang="es-ES" b="1" dirty="0"/>
+          </a:p>
+        </p:txBody>
+      </p:sp>
+      <p:sp>
+        <p:nvSpPr>
+          <p:cNvPr id="7" name="Fußzeilenplatzhalter 4">
+            <a:extLst>
+              <a:ext uri="{FF2B5EF4-FFF2-40B4-BE49-F238E27FC236}">
+                <a16:creationId xmlns:a16="http://schemas.microsoft.com/office/drawing/2014/main" id="{00D96A0B-DFF8-4590-A342-4EE02B81294A}"/>
+              </a:ext>
+            </a:extLst>
+          </p:cNvPr>
+          <p:cNvSpPr>
+            <a:spLocks noGrp="1"/>
+          </p:cNvSpPr>
+          <p:nvPr>
+            <p:ph type="ftr" sz="quarter" idx="11"/>
+          </p:nvPr>
+        </p:nvSpPr>
+        <p:spPr>
+          <a:xfrm>
+            <a:off x="117806" y="6356350"/>
+            <a:ext cx="4050287" cy="365125"/>
+          </a:xfrm>
+        </p:spPr>
+        <p:txBody>
+          <a:bodyPr/>
+          <a:lstStyle/>
+          <a:p>
+            <a:r>
+              <a:rPr lang="es-ES" dirty="0">
+                <a:latin typeface="Arial" panose="020B0604020202020204" pitchFamily="34" charset="0"/>
+                <a:cs typeface="Arial" panose="020B0604020202020204" pitchFamily="34" charset="0"/>
+              </a:rPr>
+              <a:t>Getriggerte Erdbeben – Orzelek, Reichmeier, Riedlberger</a:t>
+            </a:r>
+          </a:p>
+        </p:txBody>
+      </p:sp>
+      <p:pic>
+        <p:nvPicPr>
+          <p:cNvPr id="5" name="Grafik 4" descr="Ein Bild, das Text enthält.&#10;&#10;Automatisch generierte Beschreibung">
+            <a:extLst>
+              <a:ext uri="{FF2B5EF4-FFF2-40B4-BE49-F238E27FC236}">
+                <a16:creationId xmlns:a16="http://schemas.microsoft.com/office/drawing/2014/main" id="{EA201108-8B4E-4AC8-88B1-641C7557955D}"/>
+              </a:ext>
+            </a:extLst>
+          </p:cNvPr>
+          <p:cNvPicPr>
+            <a:picLocks noChangeAspect="1"/>
+          </p:cNvPicPr>
+          <p:nvPr/>
+        </p:nvPicPr>
+        <p:blipFill>
+          <a:blip r:embed="rId2">
+            <a:extLst>
+              <a:ext uri="{28A0092B-C50C-407E-A947-70E740481C1C}">
+                <a14:useLocalDpi xmlns:a14="http://schemas.microsoft.com/office/drawing/2010/main" val="0"/>
+              </a:ext>
+            </a:extLst>
+          </a:blip>
+          <a:stretch>
+            <a:fillRect/>
+          </a:stretch>
+        </p:blipFill>
+        <p:spPr>
+          <a:xfrm>
+            <a:off x="510495" y="1205100"/>
+            <a:ext cx="7106642" cy="4715533"/>
+          </a:xfrm>
+          <a:prstGeom prst="rect">
+            <a:avLst/>
+          </a:prstGeom>
+        </p:spPr>
+      </p:pic>
+      <p:sp>
+        <p:nvSpPr>
+          <p:cNvPr id="2" name="Textfeld 1">
+            <a:extLst>
+              <a:ext uri="{FF2B5EF4-FFF2-40B4-BE49-F238E27FC236}">
+                <a16:creationId xmlns:a16="http://schemas.microsoft.com/office/drawing/2014/main" id="{782B962D-8E4B-417E-B62D-2485AD8CCF48}"/>
+              </a:ext>
+            </a:extLst>
+          </p:cNvPr>
+          <p:cNvSpPr txBox="1"/>
+          <p:nvPr/>
+        </p:nvSpPr>
+        <p:spPr>
+          <a:xfrm>
+            <a:off x="426346" y="684398"/>
+            <a:ext cx="4740294" cy="369332"/>
+          </a:xfrm>
+          <a:prstGeom prst="rect">
+            <a:avLst/>
+          </a:prstGeom>
+          <a:noFill/>
+        </p:spPr>
+        <p:txBody>
+          <a:bodyPr wrap="square" rtlCol="0">
+            <a:spAutoFit/>
+          </a:bodyPr>
+          <a:lstStyle/>
+          <a:p>
+            <a:r>
+              <a:rPr lang="es-ES" dirty="0"/>
+              <a:t>R Output – Multiples Lineares Regressionsmodell</a:t>
+            </a:r>
+          </a:p>
+        </p:txBody>
+      </p:sp>
+    </p:spTree>
+    <p:extLst>
+      <p:ext uri="{BB962C8B-B14F-4D97-AF65-F5344CB8AC3E}">
+        <p14:creationId xmlns:p14="http://schemas.microsoft.com/office/powerpoint/2010/main" val="3582835954"/>
+      </p:ext>
+    </p:extLst>
+  </p:cSld>
+  <p:clrMapOvr>
+    <a:masterClrMapping/>
+  </p:clrMapOvr>
+</p:sld>
+</file>
+
+<file path=ppt/slides/slide24.xml><?xml version="1.0" encoding="utf-8"?>
+<p:sld xmlns:a="http://schemas.openxmlformats.org/drawingml/2006/main" xmlns:r="http://schemas.openxmlformats.org/officeDocument/2006/relationships" xmlns:p="http://schemas.openxmlformats.org/presentationml/2006/main">
+  <p:cSld>
+    <p:spTree>
+      <p:nvGrpSpPr>
+        <p:cNvPr id="1" name=""/>
+        <p:cNvGrpSpPr/>
+        <p:nvPr/>
+      </p:nvGrpSpPr>
+      <p:grpSpPr>
+        <a:xfrm>
+          <a:off x="0" y="0"/>
+          <a:ext cx="0" cy="0"/>
+          <a:chOff x="0" y="0"/>
+          <a:chExt cx="0" cy="0"/>
+        </a:xfrm>
+      </p:grpSpPr>
+      <p:sp>
+        <p:nvSpPr>
+          <p:cNvPr id="4" name="Foliennummernplatzhalter 3">
+            <a:extLst>
+              <a:ext uri="{FF2B5EF4-FFF2-40B4-BE49-F238E27FC236}">
+                <a16:creationId xmlns:a16="http://schemas.microsoft.com/office/drawing/2014/main" id="{38F51045-17B2-4CC8-80FB-808D3D232D7E}"/>
+              </a:ext>
+            </a:extLst>
+          </p:cNvPr>
+          <p:cNvSpPr>
+            <a:spLocks noGrp="1"/>
+          </p:cNvSpPr>
+          <p:nvPr>
+            <p:ph type="sldNum" sz="quarter" idx="12"/>
+          </p:nvPr>
+        </p:nvSpPr>
+        <p:spPr/>
+        <p:txBody>
+          <a:bodyPr/>
+          <a:lstStyle/>
+          <a:p>
+            <a:fld id="{5C76D808-3489-4ED6-8F45-9C53BCBA6C6D}" type="slidenum">
+              <a:rPr lang="es-ES" b="1" smtClean="0"/>
+              <a:t>24</a:t>
+            </a:fld>
+            <a:endParaRPr lang="es-ES" b="1" dirty="0"/>
+          </a:p>
+        </p:txBody>
+      </p:sp>
+      <p:sp>
+        <p:nvSpPr>
+          <p:cNvPr id="7" name="Fußzeilenplatzhalter 4">
+            <a:extLst>
+              <a:ext uri="{FF2B5EF4-FFF2-40B4-BE49-F238E27FC236}">
+                <a16:creationId xmlns:a16="http://schemas.microsoft.com/office/drawing/2014/main" id="{00D96A0B-DFF8-4590-A342-4EE02B81294A}"/>
+              </a:ext>
+            </a:extLst>
+          </p:cNvPr>
+          <p:cNvSpPr>
+            <a:spLocks noGrp="1"/>
+          </p:cNvSpPr>
+          <p:nvPr>
+            <p:ph type="ftr" sz="quarter" idx="11"/>
+          </p:nvPr>
+        </p:nvSpPr>
+        <p:spPr>
+          <a:xfrm>
+            <a:off x="117806" y="6356350"/>
+            <a:ext cx="4050287" cy="365125"/>
+          </a:xfrm>
+        </p:spPr>
+        <p:txBody>
+          <a:bodyPr/>
+          <a:lstStyle/>
+          <a:p>
+            <a:r>
+              <a:rPr lang="es-ES" dirty="0">
+                <a:latin typeface="Arial" panose="020B0604020202020204" pitchFamily="34" charset="0"/>
+                <a:cs typeface="Arial" panose="020B0604020202020204" pitchFamily="34" charset="0"/>
+              </a:rPr>
+              <a:t>Getriggerte Erdbeben – Orzelek, Reichmeier, Riedlberger</a:t>
+            </a:r>
+          </a:p>
+        </p:txBody>
+      </p:sp>
+      <p:pic>
+        <p:nvPicPr>
+          <p:cNvPr id="5" name="Grafik 4" descr="Ein Bild, das Text enthält.&#10;&#10;Automatisch generierte Beschreibung">
+            <a:extLst>
+              <a:ext uri="{FF2B5EF4-FFF2-40B4-BE49-F238E27FC236}">
+                <a16:creationId xmlns:a16="http://schemas.microsoft.com/office/drawing/2014/main" id="{8C1F0721-C290-4905-8F70-3AE45071E9AC}"/>
+              </a:ext>
+            </a:extLst>
+          </p:cNvPr>
+          <p:cNvPicPr>
+            <a:picLocks noChangeAspect="1"/>
+          </p:cNvPicPr>
+          <p:nvPr/>
+        </p:nvPicPr>
+        <p:blipFill>
+          <a:blip r:embed="rId2">
+            <a:extLst>
+              <a:ext uri="{28A0092B-C50C-407E-A947-70E740481C1C}">
+                <a14:useLocalDpi xmlns:a14="http://schemas.microsoft.com/office/drawing/2010/main" val="0"/>
+              </a:ext>
+            </a:extLst>
+          </a:blip>
+          <a:stretch>
+            <a:fillRect/>
+          </a:stretch>
+        </p:blipFill>
+        <p:spPr>
+          <a:xfrm>
+            <a:off x="430418" y="1151718"/>
+            <a:ext cx="7050934" cy="4554563"/>
+          </a:xfrm>
+          <a:prstGeom prst="rect">
+            <a:avLst/>
+          </a:prstGeom>
+        </p:spPr>
+      </p:pic>
+      <p:sp>
+        <p:nvSpPr>
+          <p:cNvPr id="2" name="Textfeld 1">
+            <a:extLst>
+              <a:ext uri="{FF2B5EF4-FFF2-40B4-BE49-F238E27FC236}">
+                <a16:creationId xmlns:a16="http://schemas.microsoft.com/office/drawing/2014/main" id="{4A278EEC-1657-43C3-9DEE-A6CE0AA2A20D}"/>
+              </a:ext>
+            </a:extLst>
+          </p:cNvPr>
+          <p:cNvSpPr txBox="1"/>
+          <p:nvPr/>
+        </p:nvSpPr>
+        <p:spPr>
+          <a:xfrm>
+            <a:off x="347808" y="650738"/>
+            <a:ext cx="9503029" cy="646331"/>
+          </a:xfrm>
+          <a:prstGeom prst="rect">
+            <a:avLst/>
+          </a:prstGeom>
+          <a:noFill/>
+        </p:spPr>
+        <p:txBody>
+          <a:bodyPr wrap="square" rtlCol="0">
+            <a:spAutoFit/>
+          </a:bodyPr>
+          <a:lstStyle/>
+          <a:p>
+            <a:r>
+              <a:rPr lang="es-ES" dirty="0"/>
+              <a:t>R Output - </a:t>
+            </a:r>
+            <a:r>
+              <a:rPr lang="de-DE" sz="1800" i="0" dirty="0">
+                <a:solidFill>
+                  <a:srgbClr val="202122"/>
+                </a:solidFill>
+                <a:effectLst/>
+              </a:rPr>
+              <a:t>Generalisierte additives </a:t>
+            </a:r>
+            <a:r>
+              <a:rPr lang="de-DE" sz="1800" dirty="0">
+                <a:solidFill>
+                  <a:srgbClr val="202122"/>
+                </a:solidFill>
+              </a:rPr>
+              <a:t>Regressionsm</a:t>
+            </a:r>
+            <a:r>
+              <a:rPr lang="de-DE" sz="1800" i="0" dirty="0">
+                <a:solidFill>
+                  <a:srgbClr val="202122"/>
+                </a:solidFill>
+                <a:effectLst/>
+              </a:rPr>
+              <a:t>odelle für Lokations-, Skalen- und Formparameter</a:t>
+            </a:r>
+          </a:p>
+          <a:p>
+            <a:endParaRPr lang="es-ES" dirty="0"/>
+          </a:p>
+        </p:txBody>
+      </p:sp>
+    </p:spTree>
+    <p:extLst>
+      <p:ext uri="{BB962C8B-B14F-4D97-AF65-F5344CB8AC3E}">
+        <p14:creationId xmlns:p14="http://schemas.microsoft.com/office/powerpoint/2010/main" val="1440610214"/>
+      </p:ext>
+    </p:extLst>
+  </p:cSld>
+  <p:clrMapOvr>
+    <a:masterClrMapping/>
+  </p:clrMapOvr>
+</p:sld>
+</file>
+
+<file path=ppt/slides/slide25.xml><?xml version="1.0" encoding="utf-8"?>
+<p:sld xmlns:a="http://schemas.openxmlformats.org/drawingml/2006/main" xmlns:r="http://schemas.openxmlformats.org/officeDocument/2006/relationships" xmlns:p="http://schemas.openxmlformats.org/presentationml/2006/main">
+  <p:cSld>
+    <p:spTree>
+      <p:nvGrpSpPr>
+        <p:cNvPr id="1" name=""/>
+        <p:cNvGrpSpPr/>
+        <p:nvPr/>
+      </p:nvGrpSpPr>
+      <p:grpSpPr>
+        <a:xfrm>
+          <a:off x="0" y="0"/>
+          <a:ext cx="0" cy="0"/>
+          <a:chOff x="0" y="0"/>
+          <a:chExt cx="0" cy="0"/>
+        </a:xfrm>
+      </p:grpSpPr>
+      <p:sp>
+        <p:nvSpPr>
+          <p:cNvPr id="4" name="Foliennummernplatzhalter 3">
+            <a:extLst>
+              <a:ext uri="{FF2B5EF4-FFF2-40B4-BE49-F238E27FC236}">
+                <a16:creationId xmlns:a16="http://schemas.microsoft.com/office/drawing/2014/main" id="{38F51045-17B2-4CC8-80FB-808D3D232D7E}"/>
+              </a:ext>
+            </a:extLst>
+          </p:cNvPr>
+          <p:cNvSpPr>
+            <a:spLocks noGrp="1"/>
+          </p:cNvSpPr>
+          <p:nvPr>
+            <p:ph type="sldNum" sz="quarter" idx="12"/>
+          </p:nvPr>
+        </p:nvSpPr>
+        <p:spPr/>
+        <p:txBody>
+          <a:bodyPr/>
+          <a:lstStyle/>
+          <a:p>
+            <a:fld id="{5C76D808-3489-4ED6-8F45-9C53BCBA6C6D}" type="slidenum">
+              <a:rPr lang="es-ES" b="1" smtClean="0"/>
+              <a:t>25</a:t>
+            </a:fld>
+            <a:endParaRPr lang="es-ES" b="1" dirty="0"/>
+          </a:p>
+        </p:txBody>
+      </p:sp>
+      <p:sp>
+        <p:nvSpPr>
+          <p:cNvPr id="7" name="Fußzeilenplatzhalter 4">
+            <a:extLst>
+              <a:ext uri="{FF2B5EF4-FFF2-40B4-BE49-F238E27FC236}">
+                <a16:creationId xmlns:a16="http://schemas.microsoft.com/office/drawing/2014/main" id="{00D96A0B-DFF8-4590-A342-4EE02B81294A}"/>
+              </a:ext>
+            </a:extLst>
+          </p:cNvPr>
+          <p:cNvSpPr>
+            <a:spLocks noGrp="1"/>
+          </p:cNvSpPr>
+          <p:nvPr>
+            <p:ph type="ftr" sz="quarter" idx="11"/>
+          </p:nvPr>
+        </p:nvSpPr>
+        <p:spPr>
+          <a:xfrm>
+            <a:off x="117806" y="6356350"/>
+            <a:ext cx="4050287" cy="365125"/>
+          </a:xfrm>
+        </p:spPr>
+        <p:txBody>
+          <a:bodyPr/>
+          <a:lstStyle/>
+          <a:p>
+            <a:r>
+              <a:rPr lang="es-ES" dirty="0">
+                <a:latin typeface="Arial" panose="020B0604020202020204" pitchFamily="34" charset="0"/>
+                <a:cs typeface="Arial" panose="020B0604020202020204" pitchFamily="34" charset="0"/>
+              </a:rPr>
+              <a:t>Getriggerte Erdbeben – Orzelek, Reichmeier, Riedlberger</a:t>
+            </a:r>
+          </a:p>
+        </p:txBody>
+      </p:sp>
+      <p:pic>
+        <p:nvPicPr>
+          <p:cNvPr id="5" name="Grafik 4" descr="Ein Bild, das Text enthält.&#10;&#10;Automatisch generierte Beschreibung">
+            <a:extLst>
+              <a:ext uri="{FF2B5EF4-FFF2-40B4-BE49-F238E27FC236}">
+                <a16:creationId xmlns:a16="http://schemas.microsoft.com/office/drawing/2014/main" id="{ABA14269-F1B7-4EFD-B95D-3285F8F659A6}"/>
+              </a:ext>
+            </a:extLst>
+          </p:cNvPr>
+          <p:cNvPicPr>
+            <a:picLocks noChangeAspect="1"/>
+          </p:cNvPicPr>
+          <p:nvPr/>
+        </p:nvPicPr>
+        <p:blipFill>
+          <a:blip r:embed="rId2">
+            <a:extLst>
+              <a:ext uri="{28A0092B-C50C-407E-A947-70E740481C1C}">
+                <a14:useLocalDpi xmlns:a14="http://schemas.microsoft.com/office/drawing/2010/main" val="0"/>
+              </a:ext>
+            </a:extLst>
+          </a:blip>
+          <a:stretch>
+            <a:fillRect/>
+          </a:stretch>
+        </p:blipFill>
+        <p:spPr>
+          <a:xfrm>
+            <a:off x="409518" y="1171260"/>
+            <a:ext cx="8011643" cy="4515480"/>
+          </a:xfrm>
+          <a:prstGeom prst="rect">
+            <a:avLst/>
+          </a:prstGeom>
+        </p:spPr>
+      </p:pic>
+      <p:sp>
+        <p:nvSpPr>
+          <p:cNvPr id="6" name="Textfeld 5">
+            <a:extLst>
+              <a:ext uri="{FF2B5EF4-FFF2-40B4-BE49-F238E27FC236}">
+                <a16:creationId xmlns:a16="http://schemas.microsoft.com/office/drawing/2014/main" id="{C804634C-E286-497A-9B2A-8477E35AC67E}"/>
+              </a:ext>
+            </a:extLst>
+          </p:cNvPr>
+          <p:cNvSpPr txBox="1"/>
+          <p:nvPr/>
+        </p:nvSpPr>
+        <p:spPr>
+          <a:xfrm>
+            <a:off x="347808" y="650738"/>
+            <a:ext cx="11724516" cy="646331"/>
+          </a:xfrm>
+          <a:prstGeom prst="rect">
+            <a:avLst/>
+          </a:prstGeom>
+          <a:noFill/>
+        </p:spPr>
+        <p:txBody>
+          <a:bodyPr wrap="square" rtlCol="0">
+            <a:spAutoFit/>
+          </a:bodyPr>
+          <a:lstStyle/>
+          <a:p>
+            <a:r>
+              <a:rPr lang="es-ES" dirty="0"/>
+              <a:t>R Output - </a:t>
+            </a:r>
+            <a:r>
+              <a:rPr lang="de-DE" sz="1800" i="0" dirty="0">
+                <a:solidFill>
+                  <a:srgbClr val="202122"/>
+                </a:solidFill>
+                <a:effectLst/>
+              </a:rPr>
+              <a:t>Generalisierte additives </a:t>
+            </a:r>
+            <a:r>
+              <a:rPr lang="de-DE" sz="1800" dirty="0">
+                <a:solidFill>
+                  <a:srgbClr val="202122"/>
+                </a:solidFill>
+              </a:rPr>
+              <a:t>Regressionsm</a:t>
+            </a:r>
+            <a:r>
+              <a:rPr lang="de-DE" sz="1800" i="0" dirty="0">
+                <a:solidFill>
+                  <a:srgbClr val="202122"/>
+                </a:solidFill>
+                <a:effectLst/>
+              </a:rPr>
+              <a:t>odelle (mit Kovariablen) für Lokations-, Skalen- und Formparameter</a:t>
+            </a:r>
+          </a:p>
+          <a:p>
+            <a:endParaRPr lang="es-ES" dirty="0"/>
+          </a:p>
+        </p:txBody>
+      </p:sp>
+    </p:spTree>
+    <p:extLst>
+      <p:ext uri="{BB962C8B-B14F-4D97-AF65-F5344CB8AC3E}">
+        <p14:creationId xmlns:p14="http://schemas.microsoft.com/office/powerpoint/2010/main" val="3703683230"/>
+      </p:ext>
+    </p:extLst>
+  </p:cSld>
+  <p:clrMapOvr>
+    <a:masterClrMapping/>
+  </p:clrMapOvr>
+</p:sld>
+</file>
+
+<file path=ppt/slides/slide26.xml><?xml version="1.0" encoding="utf-8"?>
+<p:sld xmlns:a="http://schemas.openxmlformats.org/drawingml/2006/main" xmlns:r="http://schemas.openxmlformats.org/officeDocument/2006/relationships" xmlns:p="http://schemas.openxmlformats.org/presentationml/2006/main">
+  <p:cSld>
+    <p:spTree>
+      <p:nvGrpSpPr>
+        <p:cNvPr id="1" name=""/>
+        <p:cNvGrpSpPr/>
+        <p:nvPr/>
+      </p:nvGrpSpPr>
+      <p:grpSpPr>
+        <a:xfrm>
+          <a:off x="0" y="0"/>
+          <a:ext cx="0" cy="0"/>
+          <a:chOff x="0" y="0"/>
+          <a:chExt cx="0" cy="0"/>
+        </a:xfrm>
+      </p:grpSpPr>
+      <p:pic>
+        <p:nvPicPr>
+          <p:cNvPr id="4" name="Grafik 3">
+            <a:extLst>
+              <a:ext uri="{FF2B5EF4-FFF2-40B4-BE49-F238E27FC236}">
+                <a16:creationId xmlns:a16="http://schemas.microsoft.com/office/drawing/2014/main" id="{9AC7F0E4-C069-4D28-A0D2-708DCF5ADA32}"/>
+              </a:ext>
+            </a:extLst>
+          </p:cNvPr>
+          <p:cNvPicPr>
+            <a:picLocks noChangeAspect="1"/>
+          </p:cNvPicPr>
+          <p:nvPr/>
+        </p:nvPicPr>
+        <p:blipFill rotWithShape="1">
+          <a:blip r:embed="rId2">
+            <a:extLst>
+              <a:ext uri="{28A0092B-C50C-407E-A947-70E740481C1C}">
+                <a14:useLocalDpi xmlns:a14="http://schemas.microsoft.com/office/drawing/2010/main" val="0"/>
+              </a:ext>
+            </a:extLst>
+          </a:blip>
+          <a:srcRect l="631" t="16739" r="5257" b="4106"/>
+          <a:stretch/>
+        </p:blipFill>
+        <p:spPr>
+          <a:xfrm>
+            <a:off x="254391" y="644964"/>
+            <a:ext cx="5841609" cy="3158492"/>
+          </a:xfrm>
+          <a:prstGeom prst="rect">
+            <a:avLst/>
+          </a:prstGeom>
+        </p:spPr>
+      </p:pic>
+      <p:pic>
+        <p:nvPicPr>
+          <p:cNvPr id="5" name="Grafik 4">
+            <a:extLst>
+              <a:ext uri="{FF2B5EF4-FFF2-40B4-BE49-F238E27FC236}">
+                <a16:creationId xmlns:a16="http://schemas.microsoft.com/office/drawing/2014/main" id="{EDE5EF7B-3E70-4F82-9E22-0167A380AFBA}"/>
+              </a:ext>
+            </a:extLst>
+          </p:cNvPr>
+          <p:cNvPicPr>
+            <a:picLocks noChangeAspect="1"/>
+          </p:cNvPicPr>
+          <p:nvPr/>
+        </p:nvPicPr>
+        <p:blipFill rotWithShape="1">
+          <a:blip r:embed="rId3">
+            <a:extLst>
+              <a:ext uri="{28A0092B-C50C-407E-A947-70E740481C1C}">
+                <a14:useLocalDpi xmlns:a14="http://schemas.microsoft.com/office/drawing/2010/main" val="0"/>
+              </a:ext>
+            </a:extLst>
+          </a:blip>
+          <a:srcRect t="16338" r="4400" b="4507"/>
+          <a:stretch/>
+        </p:blipFill>
+        <p:spPr>
+          <a:xfrm>
+            <a:off x="5562536" y="3298791"/>
+            <a:ext cx="6375073" cy="3393282"/>
+          </a:xfrm>
+          <a:prstGeom prst="rect">
+            <a:avLst/>
+          </a:prstGeom>
+        </p:spPr>
+      </p:pic>
+      <p:sp>
+        <p:nvSpPr>
+          <p:cNvPr id="6" name="Textfeld 5">
+            <a:extLst>
+              <a:ext uri="{FF2B5EF4-FFF2-40B4-BE49-F238E27FC236}">
+                <a16:creationId xmlns:a16="http://schemas.microsoft.com/office/drawing/2014/main" id="{0EEE6220-C320-4490-AE7E-18BF8819398A}"/>
+              </a:ext>
+            </a:extLst>
+          </p:cNvPr>
+          <p:cNvSpPr txBox="1"/>
+          <p:nvPr/>
+        </p:nvSpPr>
+        <p:spPr>
+          <a:xfrm>
+            <a:off x="863912" y="328612"/>
+            <a:ext cx="5475180" cy="369332"/>
+          </a:xfrm>
+          <a:prstGeom prst="rect">
+            <a:avLst/>
+          </a:prstGeom>
+          <a:noFill/>
+        </p:spPr>
+        <p:txBody>
+          <a:bodyPr wrap="square" rtlCol="0">
+            <a:spAutoFit/>
+          </a:bodyPr>
+          <a:lstStyle/>
+          <a:p>
+            <a:r>
+              <a:rPr lang="es-ES" dirty="0"/>
+              <a:t>Residuenplot des multiples lineares Regressionsmodell</a:t>
+            </a:r>
+          </a:p>
+        </p:txBody>
+      </p:sp>
+      <p:sp>
+        <p:nvSpPr>
+          <p:cNvPr id="7" name="Textfeld 6">
+            <a:extLst>
+              <a:ext uri="{FF2B5EF4-FFF2-40B4-BE49-F238E27FC236}">
+                <a16:creationId xmlns:a16="http://schemas.microsoft.com/office/drawing/2014/main" id="{88CB40A6-82BD-4AD6-9619-CA577924D7C2}"/>
+              </a:ext>
+            </a:extLst>
+          </p:cNvPr>
+          <p:cNvSpPr txBox="1"/>
+          <p:nvPr/>
+        </p:nvSpPr>
+        <p:spPr>
+          <a:xfrm>
+            <a:off x="7191784" y="2929459"/>
+            <a:ext cx="4745825" cy="369332"/>
+          </a:xfrm>
+          <a:prstGeom prst="rect">
+            <a:avLst/>
+          </a:prstGeom>
+          <a:noFill/>
+        </p:spPr>
+        <p:txBody>
+          <a:bodyPr wrap="square" rtlCol="0">
+            <a:spAutoFit/>
+          </a:bodyPr>
+          <a:lstStyle/>
+          <a:p>
+            <a:r>
+              <a:rPr lang="es-ES" dirty="0"/>
+              <a:t>Residuenplot es Generalisierten linearen Modell</a:t>
+            </a:r>
+          </a:p>
+        </p:txBody>
+      </p:sp>
+    </p:spTree>
+    <p:extLst>
+      <p:ext uri="{BB962C8B-B14F-4D97-AF65-F5344CB8AC3E}">
+        <p14:creationId xmlns:p14="http://schemas.microsoft.com/office/powerpoint/2010/main" val="2849106887"/>
+      </p:ext>
+    </p:extLst>
+  </p:cSld>
+  <p:clrMapOvr>
+    <a:masterClrMapping/>
+  </p:clrMapOvr>
+</p:sld>
+</file>
+
+<file path=ppt/slides/slide27.xml><?xml version="1.0" encoding="utf-8"?>
+<p:sld xmlns:a="http://schemas.openxmlformats.org/drawingml/2006/main" xmlns:r="http://schemas.openxmlformats.org/officeDocument/2006/relationships" xmlns:p="http://schemas.openxmlformats.org/presentationml/2006/main">
+  <p:cSld>
+    <p:spTree>
+      <p:nvGrpSpPr>
+        <p:cNvPr id="1" name=""/>
+        <p:cNvGrpSpPr/>
+        <p:nvPr/>
+      </p:nvGrpSpPr>
+      <p:grpSpPr>
+        <a:xfrm>
+          <a:off x="0" y="0"/>
+          <a:ext cx="0" cy="0"/>
+          <a:chOff x="0" y="0"/>
+          <a:chExt cx="0" cy="0"/>
+        </a:xfrm>
+      </p:grpSpPr>
+      <p:sp>
+        <p:nvSpPr>
+          <p:cNvPr id="4" name="Foliennummernplatzhalter 3">
+            <a:extLst>
+              <a:ext uri="{FF2B5EF4-FFF2-40B4-BE49-F238E27FC236}">
+                <a16:creationId xmlns:a16="http://schemas.microsoft.com/office/drawing/2014/main" id="{38F51045-17B2-4CC8-80FB-808D3D232D7E}"/>
+              </a:ext>
+            </a:extLst>
+          </p:cNvPr>
+          <p:cNvSpPr>
+            <a:spLocks noGrp="1"/>
+          </p:cNvSpPr>
+          <p:nvPr>
+            <p:ph type="sldNum" sz="quarter" idx="12"/>
+          </p:nvPr>
+        </p:nvSpPr>
+        <p:spPr/>
+        <p:txBody>
+          <a:bodyPr/>
+          <a:lstStyle/>
+          <a:p>
+            <a:fld id="{5C76D808-3489-4ED6-8F45-9C53BCBA6C6D}" type="slidenum">
+              <a:rPr lang="es-ES" b="1" smtClean="0"/>
+              <a:t>27</a:t>
+            </a:fld>
+            <a:endParaRPr lang="es-ES" b="1" dirty="0"/>
+          </a:p>
+        </p:txBody>
+      </p:sp>
+      <p:sp>
+        <p:nvSpPr>
+          <p:cNvPr id="7" name="Fußzeilenplatzhalter 4">
+            <a:extLst>
+              <a:ext uri="{FF2B5EF4-FFF2-40B4-BE49-F238E27FC236}">
+                <a16:creationId xmlns:a16="http://schemas.microsoft.com/office/drawing/2014/main" id="{00D96A0B-DFF8-4590-A342-4EE02B81294A}"/>
+              </a:ext>
+            </a:extLst>
+          </p:cNvPr>
+          <p:cNvSpPr>
+            <a:spLocks noGrp="1"/>
+          </p:cNvSpPr>
+          <p:nvPr>
+            <p:ph type="ftr" sz="quarter" idx="11"/>
+          </p:nvPr>
+        </p:nvSpPr>
+        <p:spPr>
+          <a:xfrm>
+            <a:off x="117806" y="6356350"/>
+            <a:ext cx="4050287" cy="365125"/>
+          </a:xfrm>
+        </p:spPr>
+        <p:txBody>
+          <a:bodyPr/>
+          <a:lstStyle/>
+          <a:p>
+            <a:r>
+              <a:rPr lang="es-ES" dirty="0">
+                <a:latin typeface="Arial" panose="020B0604020202020204" pitchFamily="34" charset="0"/>
+                <a:cs typeface="Arial" panose="020B0604020202020204" pitchFamily="34" charset="0"/>
+              </a:rPr>
+              <a:t>Getriggerte Erdbeben – Orzelek, Reichmeier, Riedlberger</a:t>
+            </a:r>
+          </a:p>
+        </p:txBody>
+      </p:sp>
+      <p:pic>
+        <p:nvPicPr>
+          <p:cNvPr id="5" name="Grafik 4" descr="Ein Bild, das Text enthält.&#10;&#10;Automatisch generierte Beschreibung">
+            <a:extLst>
+              <a:ext uri="{FF2B5EF4-FFF2-40B4-BE49-F238E27FC236}">
+                <a16:creationId xmlns:a16="http://schemas.microsoft.com/office/drawing/2014/main" id="{9CC74AC1-297F-4022-8A34-E84E04437C54}"/>
+              </a:ext>
+            </a:extLst>
+          </p:cNvPr>
+          <p:cNvPicPr>
+            <a:picLocks noChangeAspect="1"/>
+          </p:cNvPicPr>
+          <p:nvPr/>
+        </p:nvPicPr>
+        <p:blipFill>
+          <a:blip r:embed="rId2">
+            <a:extLst>
+              <a:ext uri="{28A0092B-C50C-407E-A947-70E740481C1C}">
+                <a14:useLocalDpi xmlns:a14="http://schemas.microsoft.com/office/drawing/2010/main" val="0"/>
+              </a:ext>
+            </a:extLst>
+          </a:blip>
+          <a:stretch>
+            <a:fillRect/>
+          </a:stretch>
+        </p:blipFill>
+        <p:spPr>
+          <a:xfrm>
+            <a:off x="488617" y="1493490"/>
+            <a:ext cx="11059992" cy="1619957"/>
+          </a:xfrm>
+          <a:prstGeom prst="rect">
+            <a:avLst/>
+          </a:prstGeom>
+        </p:spPr>
+      </p:pic>
+      <p:sp>
+        <p:nvSpPr>
+          <p:cNvPr id="2" name="Textfeld 1">
+            <a:extLst>
+              <a:ext uri="{FF2B5EF4-FFF2-40B4-BE49-F238E27FC236}">
+                <a16:creationId xmlns:a16="http://schemas.microsoft.com/office/drawing/2014/main" id="{6D4F4C52-9A36-4EF4-BA8C-7276B33715AD}"/>
+              </a:ext>
+            </a:extLst>
+          </p:cNvPr>
+          <p:cNvSpPr txBox="1"/>
+          <p:nvPr/>
+        </p:nvSpPr>
+        <p:spPr>
+          <a:xfrm>
+            <a:off x="555935" y="939280"/>
+            <a:ext cx="3370936" cy="369332"/>
+          </a:xfrm>
+          <a:prstGeom prst="rect">
+            <a:avLst/>
+          </a:prstGeom>
+          <a:noFill/>
+        </p:spPr>
+        <p:txBody>
+          <a:bodyPr wrap="square" rtlCol="0">
+            <a:spAutoFit/>
+          </a:bodyPr>
+          <a:lstStyle/>
+          <a:p>
+            <a:r>
+              <a:rPr lang="es-ES" dirty="0"/>
+              <a:t>R Output - Quantilsregression</a:t>
+            </a:r>
+          </a:p>
+        </p:txBody>
+      </p:sp>
+    </p:spTree>
+    <p:extLst>
+      <p:ext uri="{BB962C8B-B14F-4D97-AF65-F5344CB8AC3E}">
+        <p14:creationId xmlns:p14="http://schemas.microsoft.com/office/powerpoint/2010/main" val="3961227562"/>
+      </p:ext>
+    </p:extLst>
+  </p:cSld>
+  <p:clrMapOvr>
+    <a:masterClrMapping/>
+  </p:clrMapOvr>
+</p:sld>
+</file>
+
+<file path=ppt/slides/slide28.xml><?xml version="1.0" encoding="utf-8"?>
+<p:sld xmlns:a="http://schemas.openxmlformats.org/drawingml/2006/main" xmlns:r="http://schemas.openxmlformats.org/officeDocument/2006/relationships" xmlns:p="http://schemas.openxmlformats.org/presentationml/2006/main">
+  <p:cSld>
+    <p:spTree>
+      <p:nvGrpSpPr>
+        <p:cNvPr id="1" name=""/>
+        <p:cNvGrpSpPr/>
+        <p:nvPr/>
+      </p:nvGrpSpPr>
+      <p:grpSpPr>
+        <a:xfrm>
+          <a:off x="0" y="0"/>
+          <a:ext cx="0" cy="0"/>
+          <a:chOff x="0" y="0"/>
+          <a:chExt cx="0" cy="0"/>
+        </a:xfrm>
+      </p:grpSpPr>
+      <p:sp>
+        <p:nvSpPr>
+          <p:cNvPr id="2" name="Titel 1">
+            <a:extLst>
+              <a:ext uri="{FF2B5EF4-FFF2-40B4-BE49-F238E27FC236}">
+                <a16:creationId xmlns:a16="http://schemas.microsoft.com/office/drawing/2014/main" id="{95C7EC47-19F9-4F5F-A0DF-0AC100ECC05F}"/>
+              </a:ext>
+            </a:extLst>
+          </p:cNvPr>
+          <p:cNvSpPr>
+            <a:spLocks noGrp="1"/>
+          </p:cNvSpPr>
+          <p:nvPr>
+            <p:ph type="title"/>
+          </p:nvPr>
+        </p:nvSpPr>
+        <p:spPr/>
+        <p:txBody>
+          <a:bodyPr>
+            <a:normAutofit/>
+          </a:bodyPr>
+          <a:lstStyle/>
+          <a:p>
+            <a:r>
+              <a:rPr lang="es-ES" sz="3600" dirty="0"/>
+              <a:t>Bild Quelle</a:t>
+            </a:r>
+          </a:p>
+        </p:txBody>
+      </p:sp>
+      <p:sp>
+        <p:nvSpPr>
+          <p:cNvPr id="3" name="Inhaltsplatzhalter 2">
+            <a:extLst>
+              <a:ext uri="{FF2B5EF4-FFF2-40B4-BE49-F238E27FC236}">
+                <a16:creationId xmlns:a16="http://schemas.microsoft.com/office/drawing/2014/main" id="{E2F678CF-5466-4897-8C93-9EE266D9BB6F}"/>
+              </a:ext>
+            </a:extLst>
+          </p:cNvPr>
+          <p:cNvSpPr>
+            <a:spLocks noGrp="1"/>
+          </p:cNvSpPr>
+          <p:nvPr>
+            <p:ph idx="1"/>
+          </p:nvPr>
+        </p:nvSpPr>
+        <p:spPr/>
+        <p:txBody>
+          <a:bodyPr>
+            <a:normAutofit/>
+          </a:bodyPr>
+          <a:lstStyle/>
+          <a:p>
+            <a:r>
+              <a:rPr lang="es-ES" sz="2000" dirty="0"/>
+              <a:t>https://geohilfe.de/physische-geographie/geomorphologie/tektonik-und-vulkanismus/erdbeben-definition-entstehung-und-arten/</a:t>
+            </a:r>
+          </a:p>
+        </p:txBody>
+      </p:sp>
+      <p:sp>
+        <p:nvSpPr>
+          <p:cNvPr id="4" name="Fußzeilenplatzhalter 4">
+            <a:extLst>
+              <a:ext uri="{FF2B5EF4-FFF2-40B4-BE49-F238E27FC236}">
+                <a16:creationId xmlns:a16="http://schemas.microsoft.com/office/drawing/2014/main" id="{F170A0BB-D0B6-4FCD-9DE8-A0688B72FE09}"/>
+              </a:ext>
+            </a:extLst>
+          </p:cNvPr>
+          <p:cNvSpPr>
+            <a:spLocks noGrp="1"/>
+          </p:cNvSpPr>
+          <p:nvPr>
+            <p:ph type="ftr" sz="quarter" idx="11"/>
+          </p:nvPr>
+        </p:nvSpPr>
+        <p:spPr>
+          <a:xfrm>
+            <a:off x="117806" y="6356350"/>
+            <a:ext cx="4050287" cy="365125"/>
+          </a:xfrm>
+        </p:spPr>
+        <p:txBody>
+          <a:bodyPr/>
+          <a:lstStyle/>
+          <a:p>
+            <a:r>
+              <a:rPr lang="es-ES" dirty="0">
+                <a:latin typeface="Arial" panose="020B0604020202020204" pitchFamily="34" charset="0"/>
+                <a:cs typeface="Arial" panose="020B0604020202020204" pitchFamily="34" charset="0"/>
+              </a:rPr>
+              <a:t>Getriggerte Erdbeben – Orzelek, Reichmeier, Riedlberger</a:t>
+            </a:r>
+          </a:p>
+        </p:txBody>
+      </p:sp>
+    </p:spTree>
+    <p:extLst>
+      <p:ext uri="{BB962C8B-B14F-4D97-AF65-F5344CB8AC3E}">
+        <p14:creationId xmlns:p14="http://schemas.microsoft.com/office/powerpoint/2010/main" val="2499159389"/>
       </p:ext>
     </p:extLst>
   </p:cSld>
@@ -7060,10 +11102,10 @@
       </p:grpSpPr>
       <p:sp>
         <p:nvSpPr>
-          <p:cNvPr id="3" name="Inhaltsplatzhalter 2">
-            <a:extLst>
-              <a:ext uri="{FF2B5EF4-FFF2-40B4-BE49-F238E27FC236}">
-                <a16:creationId xmlns:a16="http://schemas.microsoft.com/office/drawing/2014/main" id="{EF2F12AA-717C-400F-AC63-EA5D78A3C047}"/>
+          <p:cNvPr id="7" name="Fußzeilenplatzhalter 4">
+            <a:extLst>
+              <a:ext uri="{FF2B5EF4-FFF2-40B4-BE49-F238E27FC236}">
+                <a16:creationId xmlns:a16="http://schemas.microsoft.com/office/drawing/2014/main" id="{43BA6792-790F-48E5-A873-086A5823D09A}"/>
               </a:ext>
             </a:extLst>
           </p:cNvPr>
@@ -7071,160 +11113,26 @@
             <a:spLocks noGrp="1"/>
           </p:cNvSpPr>
           <p:nvPr>
-            <p:ph idx="1"/>
+            <p:ph type="ftr" sz="quarter" idx="11"/>
           </p:nvPr>
         </p:nvSpPr>
         <p:spPr>
           <a:xfrm>
-            <a:off x="410605" y="1405730"/>
-            <a:ext cx="11566351" cy="4950619"/>
-          </a:xfrm>
-        </p:spPr>
-        <p:txBody>
-          <a:bodyPr>
-            <a:normAutofit/>
-          </a:bodyPr>
-          <a:lstStyle/>
-          <a:p>
-            <a:pPr marL="0" indent="0">
-              <a:buNone/>
-            </a:pPr>
-            <a:r>
-              <a:rPr lang="de-DE" sz="2000" u="sng" dirty="0"/>
-              <a:t>Erklärung der Thematik: </a:t>
-            </a:r>
-          </a:p>
-          <a:p>
-            <a:pPr marL="0" indent="0">
-              <a:buNone/>
-            </a:pPr>
-            <a:endParaRPr lang="de-DE" sz="2000" u="sng" dirty="0"/>
-          </a:p>
-          <a:p>
-            <a:pPr>
-              <a:lnSpc>
-                <a:spcPct val="120000"/>
-              </a:lnSpc>
-            </a:pPr>
-            <a:r>
-              <a:rPr lang="de-DE" sz="2000" b="1" dirty="0">
-                <a:solidFill>
-                  <a:srgbClr val="202124"/>
-                </a:solidFill>
+            <a:off x="84140" y="6373153"/>
+            <a:ext cx="4114800" cy="365125"/>
+          </a:xfrm>
+        </p:spPr>
+        <p:txBody>
+          <a:bodyPr/>
+          <a:lstStyle/>
+          <a:p>
+            <a:r>
+              <a:rPr lang="es-ES" dirty="0">
+                <a:latin typeface="Arial" panose="020B0604020202020204" pitchFamily="34" charset="0"/>
+                <a:cs typeface="Arial" panose="020B0604020202020204" pitchFamily="34" charset="0"/>
               </a:rPr>
-              <a:t>Magnitude</a:t>
-            </a:r>
-            <a:r>
-              <a:rPr lang="de-DE" sz="2000" dirty="0">
-                <a:solidFill>
-                  <a:srgbClr val="202124"/>
-                </a:solidFill>
-              </a:rPr>
-              <a:t>: Maß für freigesetzte Energie die bei Erdbeben entsteht </a:t>
-            </a:r>
-          </a:p>
-          <a:p>
-            <a:pPr>
-              <a:lnSpc>
-                <a:spcPct val="120000"/>
-              </a:lnSpc>
-            </a:pPr>
-            <a:r>
-              <a:rPr lang="de-DE" sz="2000" dirty="0">
-                <a:solidFill>
-                  <a:srgbClr val="202124"/>
-                </a:solidFill>
-              </a:rPr>
-              <a:t>Erbeben treten oft in </a:t>
-            </a:r>
-            <a:r>
-              <a:rPr lang="de-DE" sz="2000" b="1" dirty="0">
-                <a:solidFill>
-                  <a:srgbClr val="202124"/>
-                </a:solidFill>
-              </a:rPr>
-              <a:t>Clustern</a:t>
-            </a:r>
-            <a:r>
-              <a:rPr lang="de-DE" sz="2000" dirty="0">
-                <a:solidFill>
-                  <a:srgbClr val="202124"/>
-                </a:solidFill>
-              </a:rPr>
-              <a:t> auf</a:t>
-            </a:r>
-          </a:p>
-          <a:p>
-            <a:pPr>
-              <a:lnSpc>
-                <a:spcPct val="120000"/>
-              </a:lnSpc>
-            </a:pPr>
-            <a:r>
-              <a:rPr lang="de-DE" sz="2000" b="1" dirty="0"/>
-              <a:t>Hauptbeben</a:t>
-            </a:r>
-            <a:r>
-              <a:rPr lang="de-DE" sz="2000" dirty="0"/>
-              <a:t> ist das stärkstes Erdbeben eines Erdbebenclusters </a:t>
-            </a:r>
-          </a:p>
-          <a:p>
-            <a:pPr>
-              <a:lnSpc>
-                <a:spcPct val="120000"/>
-              </a:lnSpc>
-            </a:pPr>
-            <a:r>
-              <a:rPr lang="de-DE" sz="2000" b="1" dirty="0"/>
-              <a:t>Shortterm-</a:t>
-            </a:r>
-            <a:r>
-              <a:rPr lang="de-DE" sz="2000" b="1" dirty="0" err="1"/>
-              <a:t>incompleteness</a:t>
-            </a:r>
-            <a:r>
-              <a:rPr lang="de-DE" sz="2000" dirty="0"/>
-              <a:t>: nicht vollständig erfasste Erdbeben nach einem starken Erdbeben (n= 616) Japan</a:t>
-            </a:r>
-          </a:p>
-          <a:p>
-            <a:pPr>
-              <a:lnSpc>
-                <a:spcPct val="120000"/>
-              </a:lnSpc>
-            </a:pPr>
-            <a:r>
-              <a:rPr lang="de-DE" sz="2000" b="1" dirty="0"/>
-              <a:t>Single-Events</a:t>
-            </a:r>
-            <a:r>
-              <a:rPr lang="de-DE" sz="2000" dirty="0"/>
-              <a:t>: Erdbeben, die kein weiteres Erdbeben triggern und nicht getriggert wurden (n= 4975) Japan</a:t>
-            </a:r>
-          </a:p>
-          <a:p>
-            <a:pPr>
-              <a:lnSpc>
-                <a:spcPct val="120000"/>
-              </a:lnSpc>
-            </a:pPr>
-            <a:r>
-              <a:rPr lang="de-DE" sz="1300" dirty="0"/>
-              <a:t>Gutenberg-Richter-Gesetz: Abschätzung der Anzahl an Erdbeben mit einer bestimmten Magnitude </a:t>
-            </a:r>
-          </a:p>
-          <a:p>
-            <a:pPr marL="0" indent="0">
-              <a:buNone/>
-            </a:pPr>
-            <a:endParaRPr lang="de-DE" dirty="0"/>
-          </a:p>
-          <a:p>
-            <a:pPr marL="0" indent="0">
-              <a:buNone/>
-            </a:pPr>
-            <a:endParaRPr lang="de-DE" dirty="0"/>
+              <a:t>Getriggerte Erdbeben – Orzelek, Reichmeier, Riedlberger</a:t>
+            </a:r>
           </a:p>
         </p:txBody>
       </p:sp>
@@ -7254,51 +11162,6 @@
               <a:t>5</a:t>
             </a:fld>
             <a:endParaRPr lang="es-ES" b="1" dirty="0"/>
-          </a:p>
-        </p:txBody>
-      </p:sp>
-      <p:sp>
-        <p:nvSpPr>
-          <p:cNvPr id="6" name="AutoShape 2" descr="Bildergebnis für mexiko  flagge">
-            <a:extLst>
-              <a:ext uri="{FF2B5EF4-FFF2-40B4-BE49-F238E27FC236}">
-                <a16:creationId xmlns:a16="http://schemas.microsoft.com/office/drawing/2014/main" id="{857C175E-0782-4771-83B5-FE30477F5ADE}"/>
-              </a:ext>
-            </a:extLst>
-          </p:cNvPr>
-          <p:cNvSpPr>
-            <a:spLocks noChangeAspect="1" noChangeArrowheads="1"/>
-          </p:cNvSpPr>
-          <p:nvPr/>
-        </p:nvSpPr>
-        <p:spPr bwMode="auto">
-          <a:xfrm>
-            <a:off x="5945776" y="3278776"/>
-            <a:ext cx="302623" cy="302623"/>
-          </a:xfrm>
-          <a:prstGeom prst="rect">
-            <a:avLst/>
-          </a:prstGeom>
-          <a:noFill/>
-          <a:extLst>
-            <a:ext uri="{909E8E84-426E-40DD-AFC4-6F175D3DCCD1}">
-              <a14:hiddenFill xmlns:a14="http://schemas.microsoft.com/office/drawing/2010/main">
-                <a:solidFill>
-                  <a:srgbClr val="FFFFFF"/>
-                </a:solidFill>
-              </a14:hiddenFill>
-            </a:ext>
-          </a:extLst>
-        </p:spPr>
-        <p:txBody>
-          <a:bodyPr vert="horz" wrap="square" lIns="91440" tIns="45720" rIns="91440" bIns="45720" numCol="1" anchor="t" anchorCtr="0" compatLnSpc="1">
-            <a:prstTxWarp prst="textNoShape">
-              <a:avLst/>
-            </a:prstTxWarp>
-          </a:bodyPr>
-          <a:lstStyle/>
-          <a:p>
-            <a:endParaRPr lang="es-ES"/>
           </a:p>
         </p:txBody>
       </p:sp>
@@ -7360,268 +11223,27 @@
           </a:p>
         </p:txBody>
       </p:sp>
-      <p:sp>
-        <p:nvSpPr>
-          <p:cNvPr id="7" name="Fußzeilenplatzhalter 4">
-            <a:extLst>
-              <a:ext uri="{FF2B5EF4-FFF2-40B4-BE49-F238E27FC236}">
-                <a16:creationId xmlns:a16="http://schemas.microsoft.com/office/drawing/2014/main" id="{43BA6792-790F-48E5-A873-086A5823D09A}"/>
-              </a:ext>
-            </a:extLst>
-          </p:cNvPr>
-          <p:cNvSpPr>
-            <a:spLocks noGrp="1"/>
-          </p:cNvSpPr>
-          <p:nvPr>
-            <p:ph type="ftr" sz="quarter" idx="11"/>
-          </p:nvPr>
-        </p:nvSpPr>
-        <p:spPr>
-          <a:xfrm>
-            <a:off x="117806" y="6356350"/>
-            <a:ext cx="4050287" cy="365125"/>
-          </a:xfrm>
-        </p:spPr>
-        <p:txBody>
-          <a:bodyPr/>
-          <a:lstStyle/>
-          <a:p>
-            <a:r>
-              <a:rPr lang="es-ES" dirty="0">
-                <a:latin typeface="Arial" panose="020B0604020202020204" pitchFamily="34" charset="0"/>
-                <a:cs typeface="Arial" panose="020B0604020202020204" pitchFamily="34" charset="0"/>
-              </a:rPr>
-              <a:t>Getriggerte Erdbeben – Orzelek, Reichmeier, Riedlberger</a:t>
-            </a:r>
-          </a:p>
-        </p:txBody>
-      </p:sp>
-    </p:spTree>
-    <p:extLst>
-      <p:ext uri="{BB962C8B-B14F-4D97-AF65-F5344CB8AC3E}">
-        <p14:creationId xmlns:p14="http://schemas.microsoft.com/office/powerpoint/2010/main" val="72194258"/>
-      </p:ext>
-    </p:extLst>
-  </p:cSld>
-  <p:clrMapOvr>
-    <a:masterClrMapping/>
-  </p:clrMapOvr>
-</p:sld>
-</file>
-
-<file path=ppt/slides/slide6.xml><?xml version="1.0" encoding="utf-8"?>
-<p:sld xmlns:a="http://schemas.openxmlformats.org/drawingml/2006/main" xmlns:r="http://schemas.openxmlformats.org/officeDocument/2006/relationships" xmlns:p="http://schemas.openxmlformats.org/presentationml/2006/main">
-  <p:cSld>
-    <p:spTree>
-      <p:nvGrpSpPr>
-        <p:cNvPr id="1" name=""/>
-        <p:cNvGrpSpPr/>
-        <p:nvPr/>
-      </p:nvGrpSpPr>
-      <p:grpSpPr>
-        <a:xfrm>
-          <a:off x="0" y="0"/>
-          <a:ext cx="0" cy="0"/>
-          <a:chOff x="0" y="0"/>
-          <a:chExt cx="0" cy="0"/>
-        </a:xfrm>
-      </p:grpSpPr>
-      <p:sp>
-        <p:nvSpPr>
-          <p:cNvPr id="7" name="Fußzeilenplatzhalter 4">
-            <a:extLst>
-              <a:ext uri="{FF2B5EF4-FFF2-40B4-BE49-F238E27FC236}">
-                <a16:creationId xmlns:a16="http://schemas.microsoft.com/office/drawing/2014/main" id="{43BA6792-790F-48E5-A873-086A5823D09A}"/>
-              </a:ext>
-            </a:extLst>
-          </p:cNvPr>
-          <p:cNvSpPr>
-            <a:spLocks noGrp="1"/>
-          </p:cNvSpPr>
-          <p:nvPr>
-            <p:ph type="ftr" sz="quarter" idx="11"/>
-          </p:nvPr>
-        </p:nvSpPr>
-        <p:spPr>
-          <a:xfrm>
-            <a:off x="84140" y="6373153"/>
-            <a:ext cx="4114800" cy="365125"/>
-          </a:xfrm>
-        </p:spPr>
-        <p:txBody>
-          <a:bodyPr/>
-          <a:lstStyle/>
-          <a:p>
-            <a:r>
-              <a:rPr lang="es-ES" dirty="0">
-                <a:latin typeface="Arial" panose="020B0604020202020204" pitchFamily="34" charset="0"/>
-                <a:cs typeface="Arial" panose="020B0604020202020204" pitchFamily="34" charset="0"/>
-              </a:rPr>
-              <a:t>Getriggerte Erdbeben – Orzelek, Reichmeier, Riedlberger</a:t>
-            </a:r>
-          </a:p>
-        </p:txBody>
-      </p:sp>
-      <p:sp>
-        <p:nvSpPr>
-          <p:cNvPr id="4" name="Foliennummernplatzhalter 3">
-            <a:extLst>
-              <a:ext uri="{FF2B5EF4-FFF2-40B4-BE49-F238E27FC236}">
-                <a16:creationId xmlns:a16="http://schemas.microsoft.com/office/drawing/2014/main" id="{38F51045-17B2-4CC8-80FB-808D3D232D7E}"/>
-              </a:ext>
-            </a:extLst>
-          </p:cNvPr>
-          <p:cNvSpPr>
-            <a:spLocks noGrp="1"/>
-          </p:cNvSpPr>
-          <p:nvPr>
-            <p:ph type="sldNum" sz="quarter" idx="12"/>
-          </p:nvPr>
-        </p:nvSpPr>
-        <p:spPr/>
-        <p:txBody>
-          <a:bodyPr/>
-          <a:lstStyle/>
-          <a:p>
-            <a:fld id="{5C76D808-3489-4ED6-8F45-9C53BCBA6C6D}" type="slidenum">
-              <a:rPr lang="es-ES" b="1" smtClean="0"/>
-              <a:t>6</a:t>
-            </a:fld>
-            <a:endParaRPr lang="es-ES" b="1" dirty="0"/>
-          </a:p>
-        </p:txBody>
-      </p:sp>
-      <p:sp>
-        <p:nvSpPr>
-          <p:cNvPr id="6" name="AutoShape 2" descr="Bildergebnis für mexiko  flagge">
-            <a:extLst>
-              <a:ext uri="{FF2B5EF4-FFF2-40B4-BE49-F238E27FC236}">
-                <a16:creationId xmlns:a16="http://schemas.microsoft.com/office/drawing/2014/main" id="{857C175E-0782-4771-83B5-FE30477F5ADE}"/>
-              </a:ext>
-            </a:extLst>
-          </p:cNvPr>
-          <p:cNvSpPr>
-            <a:spLocks noChangeAspect="1" noChangeArrowheads="1"/>
-          </p:cNvSpPr>
-          <p:nvPr/>
-        </p:nvSpPr>
-        <p:spPr bwMode="auto">
-          <a:xfrm>
-            <a:off x="5945776" y="3278776"/>
-            <a:ext cx="302623" cy="302623"/>
-          </a:xfrm>
-          <a:prstGeom prst="rect">
-            <a:avLst/>
-          </a:prstGeom>
-          <a:noFill/>
-          <a:extLst>
-            <a:ext uri="{909E8E84-426E-40DD-AFC4-6F175D3DCCD1}">
-              <a14:hiddenFill xmlns:a14="http://schemas.microsoft.com/office/drawing/2010/main">
-                <a:solidFill>
-                  <a:srgbClr val="FFFFFF"/>
-                </a:solidFill>
-              </a14:hiddenFill>
-            </a:ext>
-          </a:extLst>
-        </p:spPr>
-        <p:txBody>
-          <a:bodyPr vert="horz" wrap="square" lIns="91440" tIns="45720" rIns="91440" bIns="45720" numCol="1" anchor="t" anchorCtr="0" compatLnSpc="1">
-            <a:prstTxWarp prst="textNoShape">
-              <a:avLst/>
-            </a:prstTxWarp>
-          </a:bodyPr>
-          <a:lstStyle/>
-          <a:p>
-            <a:endParaRPr lang="es-ES"/>
-          </a:p>
-        </p:txBody>
-      </p:sp>
-      <p:sp>
-        <p:nvSpPr>
-          <p:cNvPr id="9" name="Titel 26">
-            <a:extLst>
-              <a:ext uri="{FF2B5EF4-FFF2-40B4-BE49-F238E27FC236}">
-                <a16:creationId xmlns:a16="http://schemas.microsoft.com/office/drawing/2014/main" id="{2EB3946F-2FEF-7647-9117-E92EBCA1223B}"/>
-              </a:ext>
-            </a:extLst>
-          </p:cNvPr>
-          <p:cNvSpPr txBox="1">
-            <a:spLocks/>
-          </p:cNvSpPr>
-          <p:nvPr/>
-        </p:nvSpPr>
-        <p:spPr>
-          <a:xfrm>
-            <a:off x="838200" y="0"/>
-            <a:ext cx="10515600" cy="1325563"/>
-          </a:xfrm>
-          <a:prstGeom prst="rect">
-            <a:avLst/>
-          </a:prstGeom>
-        </p:spPr>
-        <p:txBody>
-          <a:bodyPr vert="horz" lIns="91440" tIns="45720" rIns="91440" bIns="45720" rtlCol="0" anchor="ctr">
-            <a:normAutofit/>
-          </a:bodyPr>
-          <a:lstStyle>
-            <a:lvl1pPr algn="l" defTabSz="914400" rtl="0" eaLnBrk="1" latinLnBrk="0" hangingPunct="1">
-              <a:lnSpc>
-                <a:spcPct val="90000"/>
-              </a:lnSpc>
-              <a:spcBef>
-                <a:spcPct val="0"/>
-              </a:spcBef>
-              <a:buNone/>
-              <a:defRPr sz="4400" kern="1200">
-                <a:solidFill>
-                  <a:schemeClr val="tx1"/>
-                </a:solidFill>
-                <a:latin typeface="+mj-lt"/>
-                <a:ea typeface="+mj-ea"/>
-                <a:cs typeface="+mj-cs"/>
-              </a:defRPr>
-            </a:lvl1pPr>
-          </a:lstStyle>
-          <a:p>
-            <a:pPr algn="ctr"/>
-            <a:r>
-              <a:rPr lang="es-ES" sz="3600" u="sng" dirty="0">
-                <a:latin typeface="Arial" panose="020B0604020202020204" pitchFamily="34" charset="0"/>
-                <a:cs typeface="Arial" panose="020B0604020202020204" pitchFamily="34" charset="0"/>
-              </a:rPr>
-              <a:t>Hintergrund und Inhalt des Projektes</a:t>
-            </a:r>
-          </a:p>
-        </p:txBody>
-      </p:sp>
       <p:cxnSp>
         <p:nvCxnSpPr>
-          <p:cNvPr id="21" name="Gerade Verbindung mit Pfeil 20">
-            <a:extLst>
-              <a:ext uri="{FF2B5EF4-FFF2-40B4-BE49-F238E27FC236}">
-                <a16:creationId xmlns:a16="http://schemas.microsoft.com/office/drawing/2014/main" id="{97AAA95F-E84B-450C-8977-3AC041D205D1}"/>
-              </a:ext>
-            </a:extLst>
-          </p:cNvPr>
-          <p:cNvCxnSpPr>
-            <a:cxnSpLocks/>
-          </p:cNvCxnSpPr>
+          <p:cNvPr id="1025" name="Gerade Verbindung mit Pfeil 1024">
+            <a:extLst>
+              <a:ext uri="{FF2B5EF4-FFF2-40B4-BE49-F238E27FC236}">
+                <a16:creationId xmlns:a16="http://schemas.microsoft.com/office/drawing/2014/main" id="{3F33A6BD-E1AE-4CCE-AE82-F531B8C6918E}"/>
+              </a:ext>
+            </a:extLst>
+          </p:cNvPr>
+          <p:cNvCxnSpPr/>
           <p:nvPr/>
         </p:nvCxnSpPr>
         <p:spPr>
           <a:xfrm>
-            <a:off x="6086891" y="1014824"/>
-            <a:ext cx="9109" cy="265974"/>
+            <a:off x="6248399" y="-786936"/>
+            <a:ext cx="41367" cy="9696"/>
           </a:xfrm>
           <a:prstGeom prst="straightConnector1">
             <a:avLst/>
           </a:prstGeom>
           <a:ln>
-            <a:solidFill>
-              <a:schemeClr val="accent2">
-                <a:lumMod val="75000"/>
-              </a:schemeClr>
-            </a:solidFill>
             <a:tailEnd type="triangle"/>
           </a:ln>
         </p:spPr>
@@ -7640,27 +11262,79 @@
           </a:fontRef>
         </p:style>
       </p:cxnSp>
+      <p:sp>
+        <p:nvSpPr>
+          <p:cNvPr id="6" name="AutoShape 2" descr="Bildergebnis für mexiko  flagge">
+            <a:extLst>
+              <a:ext uri="{FF2B5EF4-FFF2-40B4-BE49-F238E27FC236}">
+                <a16:creationId xmlns:a16="http://schemas.microsoft.com/office/drawing/2014/main" id="{857C175E-0782-4771-83B5-FE30477F5ADE}"/>
+              </a:ext>
+            </a:extLst>
+          </p:cNvPr>
+          <p:cNvSpPr>
+            <a:spLocks noChangeAspect="1" noChangeArrowheads="1"/>
+          </p:cNvSpPr>
+          <p:nvPr/>
+        </p:nvSpPr>
+        <p:spPr bwMode="auto">
+          <a:xfrm>
+            <a:off x="3860329" y="3323655"/>
+            <a:ext cx="302623" cy="302623"/>
+          </a:xfrm>
+          <a:prstGeom prst="rect">
+            <a:avLst/>
+          </a:prstGeom>
+          <a:noFill/>
+          <a:extLst>
+            <a:ext uri="{909E8E84-426E-40DD-AFC4-6F175D3DCCD1}">
+              <a14:hiddenFill xmlns:a14="http://schemas.microsoft.com/office/drawing/2010/main">
+                <a:solidFill>
+                  <a:srgbClr val="FFFFFF"/>
+                </a:solidFill>
+              </a14:hiddenFill>
+            </a:ext>
+          </a:extLst>
+        </p:spPr>
+        <p:txBody>
+          <a:bodyPr vert="horz" wrap="square" lIns="91440" tIns="45720" rIns="91440" bIns="45720" numCol="1" anchor="t" anchorCtr="0" compatLnSpc="1">
+            <a:prstTxWarp prst="textNoShape">
+              <a:avLst/>
+            </a:prstTxWarp>
+          </a:bodyPr>
+          <a:lstStyle/>
+          <a:p>
+            <a:endParaRPr lang="es-ES"/>
+          </a:p>
+        </p:txBody>
+      </p:sp>
       <p:cxnSp>
         <p:nvCxnSpPr>
-          <p:cNvPr id="1025" name="Gerade Verbindung mit Pfeil 1024">
-            <a:extLst>
-              <a:ext uri="{FF2B5EF4-FFF2-40B4-BE49-F238E27FC236}">
-                <a16:creationId xmlns:a16="http://schemas.microsoft.com/office/drawing/2014/main" id="{3F33A6BD-E1AE-4CCE-AE82-F531B8C6918E}"/>
-              </a:ext>
-            </a:extLst>
-          </p:cNvPr>
-          <p:cNvCxnSpPr/>
+          <p:cNvPr id="21" name="Gerade Verbindung mit Pfeil 20">
+            <a:extLst>
+              <a:ext uri="{FF2B5EF4-FFF2-40B4-BE49-F238E27FC236}">
+                <a16:creationId xmlns:a16="http://schemas.microsoft.com/office/drawing/2014/main" id="{97AAA95F-E84B-450C-8977-3AC041D205D1}"/>
+              </a:ext>
+            </a:extLst>
+          </p:cNvPr>
+          <p:cNvCxnSpPr>
+            <a:cxnSpLocks/>
+          </p:cNvCxnSpPr>
           <p:nvPr/>
         </p:nvCxnSpPr>
         <p:spPr>
           <a:xfrm>
-            <a:off x="6248399" y="-786936"/>
-            <a:ext cx="41367" cy="9696"/>
+            <a:off x="4001444" y="1059703"/>
+            <a:ext cx="9109" cy="265974"/>
           </a:xfrm>
           <a:prstGeom prst="straightConnector1">
             <a:avLst/>
           </a:prstGeom>
           <a:ln>
+            <a:solidFill>
+              <a:schemeClr val="accent2">
+                <a:lumMod val="75000"/>
+              </a:schemeClr>
+            </a:solidFill>
             <a:tailEnd type="triangle"/>
           </a:ln>
         </p:spPr>
@@ -7693,7 +11367,7 @@
         </p:nvGrpSpPr>
         <p:grpSpPr>
           <a:xfrm>
-            <a:off x="5630385" y="1325563"/>
+            <a:off x="3544938" y="1370442"/>
             <a:ext cx="931229" cy="512444"/>
             <a:chOff x="5630385" y="1325563"/>
             <a:chExt cx="931229" cy="512444"/>
@@ -7803,7 +11477,7 @@
         </p:nvGrpSpPr>
         <p:grpSpPr>
           <a:xfrm>
-            <a:off x="5630385" y="2039882"/>
+            <a:off x="3544938" y="2084761"/>
             <a:ext cx="931229" cy="512444"/>
             <a:chOff x="5630385" y="1325563"/>
             <a:chExt cx="931229" cy="512444"/>
@@ -7913,7 +11587,7 @@
         </p:nvGrpSpPr>
         <p:grpSpPr>
           <a:xfrm>
-            <a:off x="5630385" y="2757971"/>
+            <a:off x="3544938" y="2802850"/>
             <a:ext cx="931229" cy="512444"/>
             <a:chOff x="5630385" y="1325563"/>
             <a:chExt cx="931229" cy="512444"/>
@@ -8023,7 +11697,7 @@
         </p:nvGrpSpPr>
         <p:grpSpPr>
           <a:xfrm>
-            <a:off x="3941862" y="3518366"/>
+            <a:off x="1856415" y="3563374"/>
             <a:ext cx="931229" cy="512444"/>
             <a:chOff x="5630385" y="1325563"/>
             <a:chExt cx="931229" cy="512444"/>
@@ -8043,7 +11717,7 @@
           </p:nvSpPr>
           <p:spPr>
             <a:xfrm>
-              <a:off x="5731990" y="1391675"/>
+              <a:off x="5731990" y="1391678"/>
               <a:ext cx="728019" cy="338554"/>
             </a:xfrm>
             <a:prstGeom prst="rect">
@@ -8058,7 +11732,11 @@
             <a:lstStyle/>
             <a:p>
               <a:r>
-                <a:rPr lang="es-ES" sz="1600" dirty="0"/>
+                <a:rPr lang="es-ES" sz="1600" dirty="0">
+                  <a:solidFill>
+                    <a:srgbClr val="FF0000"/>
+                  </a:solidFill>
+                </a:rPr>
                 <a:t>Mag:8</a:t>
               </a:r>
             </a:p>
@@ -8133,7 +11811,7 @@
         </p:nvGrpSpPr>
         <p:grpSpPr>
           <a:xfrm>
-            <a:off x="5255027" y="3496004"/>
+            <a:off x="3169580" y="3540883"/>
             <a:ext cx="931229" cy="512444"/>
             <a:chOff x="5630385" y="1325563"/>
             <a:chExt cx="931229" cy="512444"/>
@@ -8243,7 +11921,7 @@
         </p:nvGrpSpPr>
         <p:grpSpPr>
           <a:xfrm>
-            <a:off x="6568192" y="3489585"/>
+            <a:off x="4482745" y="3534464"/>
             <a:ext cx="931229" cy="512444"/>
             <a:chOff x="5630385" y="1325563"/>
             <a:chExt cx="931229" cy="512444"/>
@@ -8353,7 +12031,7 @@
         </p:nvGrpSpPr>
         <p:grpSpPr>
           <a:xfrm>
-            <a:off x="7881357" y="3514168"/>
+            <a:off x="5795910" y="3559047"/>
             <a:ext cx="931229" cy="512444"/>
             <a:chOff x="5630385" y="1325563"/>
             <a:chExt cx="931229" cy="512444"/>
@@ -8463,7 +12141,7 @@
         </p:nvGrpSpPr>
         <p:grpSpPr>
           <a:xfrm>
-            <a:off x="4715357" y="4234037"/>
+            <a:off x="2629910" y="4278916"/>
             <a:ext cx="931229" cy="512444"/>
             <a:chOff x="5630385" y="1325563"/>
             <a:chExt cx="931229" cy="512444"/>
@@ -8573,7 +12251,7 @@
         </p:nvGrpSpPr>
         <p:grpSpPr>
           <a:xfrm>
-            <a:off x="5945776" y="4221199"/>
+            <a:off x="3860329" y="4266078"/>
             <a:ext cx="931229" cy="512444"/>
             <a:chOff x="5630385" y="1325563"/>
             <a:chExt cx="931229" cy="512444"/>
@@ -8683,7 +12361,7 @@
         </p:nvGrpSpPr>
         <p:grpSpPr>
           <a:xfrm>
-            <a:off x="3369316" y="5661870"/>
+            <a:off x="1283869" y="5706749"/>
             <a:ext cx="931229" cy="512444"/>
             <a:chOff x="5630385" y="1325563"/>
             <a:chExt cx="931229" cy="512444"/>
@@ -8793,7 +12471,7 @@
         </p:nvGrpSpPr>
         <p:grpSpPr>
           <a:xfrm>
-            <a:off x="3369316" y="4949708"/>
+            <a:off x="1283869" y="4994587"/>
             <a:ext cx="931229" cy="512444"/>
             <a:chOff x="5630385" y="1325563"/>
             <a:chExt cx="931229" cy="512444"/>
@@ -8903,7 +12581,7 @@
         </p:nvGrpSpPr>
         <p:grpSpPr>
           <a:xfrm>
-            <a:off x="3369316" y="4234037"/>
+            <a:off x="1283869" y="4278916"/>
             <a:ext cx="931229" cy="512444"/>
             <a:chOff x="5630385" y="1325563"/>
             <a:chExt cx="931229" cy="512444"/>
@@ -9015,7 +12693,7 @@
         </p:nvCxnSpPr>
         <p:spPr>
           <a:xfrm>
-            <a:off x="6086891" y="1767193"/>
+            <a:off x="4001444" y="1812072"/>
             <a:ext cx="9109" cy="265974"/>
           </a:xfrm>
           <a:prstGeom prst="straightConnector1">
@@ -9061,7 +12739,7 @@
         </p:nvCxnSpPr>
         <p:spPr>
           <a:xfrm>
-            <a:off x="6082336" y="2440094"/>
+            <a:off x="3996889" y="2484973"/>
             <a:ext cx="9109" cy="265974"/>
           </a:xfrm>
           <a:prstGeom prst="straightConnector1">
@@ -9107,7 +12785,7 @@
         </p:nvCxnSpPr>
         <p:spPr>
           <a:xfrm rot="16200000" flipH="1">
-            <a:off x="6455319" y="2911097"/>
+            <a:off x="4369872" y="2955976"/>
             <a:ext cx="219170" cy="937807"/>
           </a:xfrm>
           <a:prstGeom prst="bentConnector3">
@@ -9153,7 +12831,7 @@
         </p:nvCxnSpPr>
         <p:spPr>
           <a:xfrm rot="16200000" flipH="1">
-            <a:off x="7099612" y="2266807"/>
+            <a:off x="5014165" y="2311686"/>
             <a:ext cx="243753" cy="2250972"/>
           </a:xfrm>
           <a:prstGeom prst="bentConnector3">
@@ -9199,7 +12877,7 @@
         </p:nvCxnSpPr>
         <p:spPr>
           <a:xfrm rot="5400000">
-            <a:off x="5795528" y="3195532"/>
+            <a:off x="3710081" y="3240411"/>
             <a:ext cx="225589" cy="375358"/>
           </a:xfrm>
           <a:prstGeom prst="bentConnector3">
@@ -9245,7 +12923,7 @@
         </p:nvCxnSpPr>
         <p:spPr>
           <a:xfrm rot="5400000">
-            <a:off x="5127766" y="2550131"/>
+            <a:off x="3042319" y="2595010"/>
             <a:ext cx="247951" cy="1688523"/>
           </a:xfrm>
           <a:prstGeom prst="bentConnector3">
@@ -9291,7 +12969,7 @@
         </p:nvCxnSpPr>
         <p:spPr>
           <a:xfrm rot="5400000">
-            <a:off x="5338013" y="3851408"/>
+            <a:off x="3252566" y="3896287"/>
             <a:ext cx="225589" cy="539670"/>
           </a:xfrm>
           <a:prstGeom prst="bentConnector3">
@@ -9338,7 +13016,7 @@
         </p:nvCxnSpPr>
         <p:spPr>
           <a:xfrm rot="16200000" flipH="1">
-            <a:off x="5959641" y="3769448"/>
+            <a:off x="3874194" y="3814327"/>
             <a:ext cx="212751" cy="690749"/>
           </a:xfrm>
           <a:prstGeom prst="bentConnector3">
@@ -9385,8 +13063,8 @@
         </p:nvCxnSpPr>
         <p:spPr>
           <a:xfrm rot="5400000">
-            <a:off x="4019591" y="3846150"/>
-            <a:ext cx="203227" cy="572546"/>
+            <a:off x="1934208" y="3891094"/>
+            <a:ext cx="203098" cy="572546"/>
           </a:xfrm>
           <a:prstGeom prst="bentConnector3">
             <a:avLst/>
@@ -9431,7 +13109,7 @@
         </p:nvCxnSpPr>
         <p:spPr>
           <a:xfrm>
-            <a:off x="3825821" y="4675526"/>
+            <a:off x="1740374" y="4720405"/>
             <a:ext cx="9109" cy="265974"/>
           </a:xfrm>
           <a:prstGeom prst="straightConnector1">
@@ -9477,7 +13155,7 @@
         </p:nvCxnSpPr>
         <p:spPr>
           <a:xfrm>
-            <a:off x="3816712" y="5354230"/>
+            <a:off x="1731265" y="5399109"/>
             <a:ext cx="9109" cy="265974"/>
           </a:xfrm>
           <a:prstGeom prst="straightConnector1">
@@ -9521,9 +13199,9 @@
         </p:nvGrpSpPr>
         <p:grpSpPr>
           <a:xfrm>
-            <a:off x="2894592" y="1520723"/>
+            <a:off x="1608141" y="1393388"/>
             <a:ext cx="931229" cy="512444"/>
-            <a:chOff x="5630385" y="1325563"/>
+            <a:chOff x="6429381" y="1153349"/>
             <a:chExt cx="931229" cy="512444"/>
           </a:xfrm>
         </p:grpSpPr>
@@ -9541,7 +13219,7 @@
           </p:nvSpPr>
           <p:spPr>
             <a:xfrm>
-              <a:off x="5731990" y="1391675"/>
+              <a:off x="6512134" y="1240581"/>
               <a:ext cx="728019" cy="338554"/>
             </a:xfrm>
             <a:prstGeom prst="rect">
@@ -9576,7 +13254,7 @@
           </p:nvSpPr>
           <p:spPr>
             <a:xfrm>
-              <a:off x="5630385" y="1325563"/>
+              <a:off x="6429381" y="1153349"/>
               <a:ext cx="931229" cy="512444"/>
             </a:xfrm>
             <a:prstGeom prst="roundRect">
@@ -9631,9 +13309,9 @@
         </p:nvGrpSpPr>
         <p:grpSpPr>
           <a:xfrm>
-            <a:off x="1598797" y="1538906"/>
+            <a:off x="380143" y="1393388"/>
             <a:ext cx="931229" cy="512444"/>
-            <a:chOff x="5630385" y="1325563"/>
+            <a:chOff x="6497178" y="1135166"/>
             <a:chExt cx="931229" cy="512444"/>
           </a:xfrm>
         </p:grpSpPr>
@@ -9651,7 +13329,7 @@
           </p:nvSpPr>
           <p:spPr>
             <a:xfrm>
-              <a:off x="5731990" y="1391675"/>
+              <a:off x="6591771" y="1215620"/>
               <a:ext cx="728019" cy="338554"/>
             </a:xfrm>
             <a:prstGeom prst="rect">
@@ -9686,7 +13364,7 @@
           </p:nvSpPr>
           <p:spPr>
             <a:xfrm>
-              <a:off x="5630385" y="1325563"/>
+              <a:off x="6497178" y="1135166"/>
               <a:ext cx="931229" cy="512444"/>
             </a:xfrm>
             <a:prstGeom prst="roundRect">
@@ -9722,7 +13400,7 @@
             <a:lstStyle/>
             <a:p>
               <a:pPr algn="ctr"/>
-              <a:endParaRPr lang="es-ES"/>
+              <a:endParaRPr lang="es-ES" dirty="0"/>
             </a:p>
           </p:txBody>
         </p:sp>
@@ -9741,7 +13419,7 @@
         </p:nvSpPr>
         <p:spPr>
           <a:xfrm>
-            <a:off x="3120234" y="4083115"/>
+            <a:off x="1025678" y="4200514"/>
             <a:ext cx="1411174" cy="2223926"/>
           </a:xfrm>
           <a:prstGeom prst="ellipse">
@@ -9780,6 +13458,264 @@
           </a:p>
         </p:txBody>
       </p:sp>
+      <p:sp>
+        <p:nvSpPr>
+          <p:cNvPr id="64" name="Textfeld 63">
+            <a:extLst>
+              <a:ext uri="{FF2B5EF4-FFF2-40B4-BE49-F238E27FC236}">
+                <a16:creationId xmlns:a16="http://schemas.microsoft.com/office/drawing/2014/main" id="{2D9A1C0A-F363-4700-A756-DA4CD12D6515}"/>
+              </a:ext>
+            </a:extLst>
+          </p:cNvPr>
+          <p:cNvSpPr txBox="1"/>
+          <p:nvPr/>
+        </p:nvSpPr>
+        <p:spPr>
+          <a:xfrm>
+            <a:off x="5413974" y="1436554"/>
+            <a:ext cx="6713078" cy="806375"/>
+          </a:xfrm>
+          <a:prstGeom prst="rect">
+            <a:avLst/>
+          </a:prstGeom>
+          <a:noFill/>
+        </p:spPr>
+        <p:txBody>
+          <a:bodyPr wrap="square">
+            <a:spAutoFit/>
+          </a:bodyPr>
+          <a:lstStyle/>
+          <a:p>
+            <a:pPr marL="342900" indent="-342900">
+              <a:lnSpc>
+                <a:spcPct val="120000"/>
+              </a:lnSpc>
+              <a:buFont typeface="Arial" panose="020B0604020202020204" pitchFamily="34" charset="0"/>
+              <a:buChar char="•"/>
+            </a:pPr>
+            <a:r>
+              <a:rPr lang="de-DE" sz="2000" b="1" dirty="0">
+                <a:solidFill>
+                  <a:srgbClr val="202124"/>
+                </a:solidFill>
+              </a:rPr>
+              <a:t>Magnitude</a:t>
+            </a:r>
+            <a:r>
+              <a:rPr lang="de-DE" sz="2000" dirty="0">
+                <a:solidFill>
+                  <a:srgbClr val="202124"/>
+                </a:solidFill>
+              </a:rPr>
+              <a:t>: Maß für freigesetzte Energie die bei Erdbeben entsteht </a:t>
+            </a:r>
+          </a:p>
+        </p:txBody>
+      </p:sp>
+      <p:sp>
+        <p:nvSpPr>
+          <p:cNvPr id="67" name="Textfeld 66">
+            <a:extLst>
+              <a:ext uri="{FF2B5EF4-FFF2-40B4-BE49-F238E27FC236}">
+                <a16:creationId xmlns:a16="http://schemas.microsoft.com/office/drawing/2014/main" id="{9A37BFF6-0162-4AD8-A874-072C000D1F62}"/>
+              </a:ext>
+            </a:extLst>
+          </p:cNvPr>
+          <p:cNvSpPr txBox="1"/>
+          <p:nvPr/>
+        </p:nvSpPr>
+        <p:spPr>
+          <a:xfrm>
+            <a:off x="5409419" y="2134575"/>
+            <a:ext cx="6153968" cy="437043"/>
+          </a:xfrm>
+          <a:prstGeom prst="rect">
+            <a:avLst/>
+          </a:prstGeom>
+          <a:noFill/>
+        </p:spPr>
+        <p:txBody>
+          <a:bodyPr wrap="square">
+            <a:spAutoFit/>
+          </a:bodyPr>
+          <a:lstStyle/>
+          <a:p>
+            <a:pPr marL="342900" indent="-342900">
+              <a:lnSpc>
+                <a:spcPct val="120000"/>
+              </a:lnSpc>
+              <a:buFont typeface="Arial" panose="020B0604020202020204" pitchFamily="34" charset="0"/>
+              <a:buChar char="•"/>
+            </a:pPr>
+            <a:r>
+              <a:rPr lang="de-DE" sz="2000" dirty="0">
+                <a:solidFill>
+                  <a:srgbClr val="202124"/>
+                </a:solidFill>
+              </a:rPr>
+              <a:t>Erbeben treten oft in </a:t>
+            </a:r>
+            <a:r>
+              <a:rPr lang="de-DE" sz="2000" b="1" dirty="0">
+                <a:solidFill>
+                  <a:srgbClr val="202124"/>
+                </a:solidFill>
+              </a:rPr>
+              <a:t>Clustern</a:t>
+            </a:r>
+            <a:r>
+              <a:rPr lang="de-DE" sz="2000" dirty="0">
+                <a:solidFill>
+                  <a:srgbClr val="202124"/>
+                </a:solidFill>
+              </a:rPr>
+              <a:t> auf</a:t>
+            </a:r>
+          </a:p>
+        </p:txBody>
+      </p:sp>
+      <p:sp>
+        <p:nvSpPr>
+          <p:cNvPr id="68" name="Textfeld 67">
+            <a:extLst>
+              <a:ext uri="{FF2B5EF4-FFF2-40B4-BE49-F238E27FC236}">
+                <a16:creationId xmlns:a16="http://schemas.microsoft.com/office/drawing/2014/main" id="{2807D787-3F03-4664-A8C3-FE87505D38A3}"/>
+              </a:ext>
+            </a:extLst>
+          </p:cNvPr>
+          <p:cNvSpPr txBox="1"/>
+          <p:nvPr/>
+        </p:nvSpPr>
+        <p:spPr>
+          <a:xfrm>
+            <a:off x="5409419" y="2583547"/>
+            <a:ext cx="6153968" cy="806375"/>
+          </a:xfrm>
+          <a:prstGeom prst="rect">
+            <a:avLst/>
+          </a:prstGeom>
+          <a:noFill/>
+        </p:spPr>
+        <p:txBody>
+          <a:bodyPr wrap="square">
+            <a:spAutoFit/>
+          </a:bodyPr>
+          <a:lstStyle/>
+          <a:p>
+            <a:pPr marL="342900" indent="-342900">
+              <a:lnSpc>
+                <a:spcPct val="120000"/>
+              </a:lnSpc>
+              <a:buFont typeface="Arial" panose="020B0604020202020204" pitchFamily="34" charset="0"/>
+              <a:buChar char="•"/>
+            </a:pPr>
+            <a:r>
+              <a:rPr lang="de-DE" sz="2000" b="1" dirty="0"/>
+              <a:t>Hauptbeben</a:t>
+            </a:r>
+            <a:r>
+              <a:rPr lang="de-DE" sz="2000" dirty="0"/>
+              <a:t> ist das stärkstes Erdbeben eines Erdbebenclusters </a:t>
+            </a:r>
+          </a:p>
+        </p:txBody>
+      </p:sp>
+      <p:sp>
+        <p:nvSpPr>
+          <p:cNvPr id="71" name="Textfeld 70">
+            <a:extLst>
+              <a:ext uri="{FF2B5EF4-FFF2-40B4-BE49-F238E27FC236}">
+                <a16:creationId xmlns:a16="http://schemas.microsoft.com/office/drawing/2014/main" id="{24B992F2-2337-4998-8176-B783E19256A5}"/>
+              </a:ext>
+            </a:extLst>
+          </p:cNvPr>
+          <p:cNvSpPr txBox="1"/>
+          <p:nvPr/>
+        </p:nvSpPr>
+        <p:spPr>
+          <a:xfrm>
+            <a:off x="5409419" y="4348291"/>
+            <a:ext cx="6153968" cy="1175706"/>
+          </a:xfrm>
+          <a:prstGeom prst="rect">
+            <a:avLst/>
+          </a:prstGeom>
+          <a:noFill/>
+        </p:spPr>
+        <p:txBody>
+          <a:bodyPr wrap="square">
+            <a:spAutoFit/>
+          </a:bodyPr>
+          <a:lstStyle/>
+          <a:p>
+            <a:pPr marL="342900" indent="-342900">
+              <a:lnSpc>
+                <a:spcPct val="120000"/>
+              </a:lnSpc>
+              <a:buFont typeface="Arial" panose="020B0604020202020204" pitchFamily="34" charset="0"/>
+              <a:buChar char="•"/>
+            </a:pPr>
+            <a:r>
+              <a:rPr lang="de-DE" sz="2000" b="1" dirty="0"/>
+              <a:t>Shortterm-</a:t>
+            </a:r>
+            <a:r>
+              <a:rPr lang="de-DE" sz="2000" b="1" dirty="0" err="1"/>
+              <a:t>incompleteness</a:t>
+            </a:r>
+            <a:r>
+              <a:rPr lang="de-DE" sz="2000" dirty="0"/>
+              <a:t>: nicht vollständig erfasste Erdbeben nach einem starken Erdbeben (n= 616) Japan</a:t>
+            </a:r>
+          </a:p>
+        </p:txBody>
+      </p:sp>
+      <p:sp>
+        <p:nvSpPr>
+          <p:cNvPr id="72" name="Textfeld 71">
+            <a:extLst>
+              <a:ext uri="{FF2B5EF4-FFF2-40B4-BE49-F238E27FC236}">
+                <a16:creationId xmlns:a16="http://schemas.microsoft.com/office/drawing/2014/main" id="{491B048E-695F-41A3-BA43-3CDFA840AFD5}"/>
+              </a:ext>
+            </a:extLst>
+          </p:cNvPr>
+          <p:cNvSpPr txBox="1"/>
+          <p:nvPr/>
+        </p:nvSpPr>
+        <p:spPr>
+          <a:xfrm>
+            <a:off x="5409419" y="5479488"/>
+            <a:ext cx="6153968" cy="806375"/>
+          </a:xfrm>
+          <a:prstGeom prst="rect">
+            <a:avLst/>
+          </a:prstGeom>
+          <a:noFill/>
+        </p:spPr>
+        <p:txBody>
+          <a:bodyPr wrap="square">
+            <a:spAutoFit/>
+          </a:bodyPr>
+          <a:lstStyle/>
+          <a:p>
+            <a:pPr marL="342900" indent="-342900">
+              <a:lnSpc>
+                <a:spcPct val="120000"/>
+              </a:lnSpc>
+              <a:buFont typeface="Arial" panose="020B0604020202020204" pitchFamily="34" charset="0"/>
+              <a:buChar char="•"/>
+            </a:pPr>
+            <a:r>
+              <a:rPr lang="de-DE" sz="2000" b="1" dirty="0"/>
+              <a:t>Single-Events</a:t>
+            </a:r>
+            <a:r>
+              <a:rPr lang="de-DE" sz="2000" dirty="0"/>
+              <a:t>: Erdbeben, die kein weiteres Erdbeben triggern und nicht getriggert wurden (n= 4975) Japan</a:t>
+            </a:r>
+          </a:p>
+        </p:txBody>
+      </p:sp>
     </p:spTree>
     <p:extLst>
       <p:ext uri="{BB962C8B-B14F-4D97-AF65-F5344CB8AC3E}">
@@ -9790,10 +13726,648 @@
   <p:clrMapOvr>
     <a:masterClrMapping/>
   </p:clrMapOvr>
+  <p:timing>
+    <p:tnLst>
+      <p:par>
+        <p:cTn id="1" dur="indefinite" restart="never" nodeType="tmRoot">
+          <p:childTnLst>
+            <p:seq concurrent="1" nextAc="seek">
+              <p:cTn id="2" dur="indefinite" nodeType="mainSeq">
+                <p:childTnLst>
+                  <p:par>
+                    <p:cTn id="3" fill="hold">
+                      <p:stCondLst>
+                        <p:cond delay="indefinite"/>
+                      </p:stCondLst>
+                      <p:childTnLst>
+                        <p:par>
+                          <p:cTn id="4" fill="hold">
+                            <p:stCondLst>
+                              <p:cond delay="0"/>
+                            </p:stCondLst>
+                            <p:childTnLst>
+                              <p:par>
+                                <p:cTn id="5" presetID="1" presetClass="entr" presetSubtype="0" fill="hold" grpId="0" nodeType="clickEffect">
+                                  <p:stCondLst>
+                                    <p:cond delay="0"/>
+                                  </p:stCondLst>
+                                  <p:childTnLst>
+                                    <p:set>
+                                      <p:cBhvr>
+                                        <p:cTn id="6" dur="1" fill="hold">
+                                          <p:stCondLst>
+                                            <p:cond delay="0"/>
+                                          </p:stCondLst>
+                                        </p:cTn>
+                                        <p:tgtEl>
+                                          <p:spTgt spid="64"/>
+                                        </p:tgtEl>
+                                        <p:attrNameLst>
+                                          <p:attrName>style.visibility</p:attrName>
+                                        </p:attrNameLst>
+                                      </p:cBhvr>
+                                      <p:to>
+                                        <p:strVal val="visible"/>
+                                      </p:to>
+                                    </p:set>
+                                  </p:childTnLst>
+                                </p:cTn>
+                              </p:par>
+                            </p:childTnLst>
+                          </p:cTn>
+                        </p:par>
+                      </p:childTnLst>
+                    </p:cTn>
+                  </p:par>
+                  <p:par>
+                    <p:cTn id="7" fill="hold">
+                      <p:stCondLst>
+                        <p:cond delay="indefinite"/>
+                      </p:stCondLst>
+                      <p:childTnLst>
+                        <p:par>
+                          <p:cTn id="8" fill="hold">
+                            <p:stCondLst>
+                              <p:cond delay="0"/>
+                            </p:stCondLst>
+                            <p:childTnLst>
+                              <p:par>
+                                <p:cTn id="9" presetID="9" presetClass="emph" presetSubtype="0" grpId="1" nodeType="clickEffect">
+                                  <p:stCondLst>
+                                    <p:cond delay="0"/>
+                                  </p:stCondLst>
+                                  <p:childTnLst>
+                                    <p:set>
+                                      <p:cBhvr>
+                                        <p:cTn id="10" dur="indefinite"/>
+                                        <p:tgtEl>
+                                          <p:spTgt spid="64"/>
+                                        </p:tgtEl>
+                                        <p:attrNameLst>
+                                          <p:attrName>style.opacity</p:attrName>
+                                        </p:attrNameLst>
+                                      </p:cBhvr>
+                                      <p:to>
+                                        <p:strVal val="0.5"/>
+                                      </p:to>
+                                    </p:set>
+                                    <p:animEffect filter="image" prLst="opacity: 0.5">
+                                      <p:cBhvr rctx="IE">
+                                        <p:cTn id="11" dur="indefinite"/>
+                                        <p:tgtEl>
+                                          <p:spTgt spid="64"/>
+                                        </p:tgtEl>
+                                      </p:cBhvr>
+                                    </p:animEffect>
+                                  </p:childTnLst>
+                                </p:cTn>
+                              </p:par>
+                            </p:childTnLst>
+                          </p:cTn>
+                        </p:par>
+                      </p:childTnLst>
+                    </p:cTn>
+                  </p:par>
+                  <p:par>
+                    <p:cTn id="12" fill="hold">
+                      <p:stCondLst>
+                        <p:cond delay="indefinite"/>
+                      </p:stCondLst>
+                      <p:childTnLst>
+                        <p:par>
+                          <p:cTn id="13" fill="hold">
+                            <p:stCondLst>
+                              <p:cond delay="0"/>
+                            </p:stCondLst>
+                            <p:childTnLst>
+                              <p:par>
+                                <p:cTn id="14" presetID="1" presetClass="entr" presetSubtype="0" fill="hold" grpId="0" nodeType="clickEffect">
+                                  <p:stCondLst>
+                                    <p:cond delay="0"/>
+                                  </p:stCondLst>
+                                  <p:childTnLst>
+                                    <p:set>
+                                      <p:cBhvr>
+                                        <p:cTn id="15" dur="1" fill="hold">
+                                          <p:stCondLst>
+                                            <p:cond delay="0"/>
+                                          </p:stCondLst>
+                                        </p:cTn>
+                                        <p:tgtEl>
+                                          <p:spTgt spid="67"/>
+                                        </p:tgtEl>
+                                        <p:attrNameLst>
+                                          <p:attrName>style.visibility</p:attrName>
+                                        </p:attrNameLst>
+                                      </p:cBhvr>
+                                      <p:to>
+                                        <p:strVal val="visible"/>
+                                      </p:to>
+                                    </p:set>
+                                  </p:childTnLst>
+                                </p:cTn>
+                              </p:par>
+                            </p:childTnLst>
+                          </p:cTn>
+                        </p:par>
+                      </p:childTnLst>
+                    </p:cTn>
+                  </p:par>
+                  <p:par>
+                    <p:cTn id="16" fill="hold">
+                      <p:stCondLst>
+                        <p:cond delay="indefinite"/>
+                      </p:stCondLst>
+                      <p:childTnLst>
+                        <p:par>
+                          <p:cTn id="17" fill="hold">
+                            <p:stCondLst>
+                              <p:cond delay="0"/>
+                            </p:stCondLst>
+                            <p:childTnLst>
+                              <p:par>
+                                <p:cTn id="18" presetID="9" presetClass="emph" presetSubtype="0" grpId="1" nodeType="clickEffect">
+                                  <p:stCondLst>
+                                    <p:cond delay="0"/>
+                                  </p:stCondLst>
+                                  <p:childTnLst>
+                                    <p:set>
+                                      <p:cBhvr>
+                                        <p:cTn id="19" dur="indefinite"/>
+                                        <p:tgtEl>
+                                          <p:spTgt spid="67"/>
+                                        </p:tgtEl>
+                                        <p:attrNameLst>
+                                          <p:attrName>style.opacity</p:attrName>
+                                        </p:attrNameLst>
+                                      </p:cBhvr>
+                                      <p:to>
+                                        <p:strVal val="0.5"/>
+                                      </p:to>
+                                    </p:set>
+                                    <p:animEffect filter="image" prLst="opacity: 0.5">
+                                      <p:cBhvr rctx="IE">
+                                        <p:cTn id="20" dur="indefinite"/>
+                                        <p:tgtEl>
+                                          <p:spTgt spid="67"/>
+                                        </p:tgtEl>
+                                      </p:cBhvr>
+                                    </p:animEffect>
+                                  </p:childTnLst>
+                                </p:cTn>
+                              </p:par>
+                            </p:childTnLst>
+                          </p:cTn>
+                        </p:par>
+                      </p:childTnLst>
+                    </p:cTn>
+                  </p:par>
+                  <p:par>
+                    <p:cTn id="21" fill="hold">
+                      <p:stCondLst>
+                        <p:cond delay="indefinite"/>
+                      </p:stCondLst>
+                      <p:childTnLst>
+                        <p:par>
+                          <p:cTn id="22" fill="hold">
+                            <p:stCondLst>
+                              <p:cond delay="0"/>
+                            </p:stCondLst>
+                            <p:childTnLst>
+                              <p:par>
+                                <p:cTn id="23" presetID="1" presetClass="entr" presetSubtype="0" fill="hold" grpId="0" nodeType="clickEffect">
+                                  <p:stCondLst>
+                                    <p:cond delay="0"/>
+                                  </p:stCondLst>
+                                  <p:childTnLst>
+                                    <p:set>
+                                      <p:cBhvr>
+                                        <p:cTn id="24" dur="1" fill="hold">
+                                          <p:stCondLst>
+                                            <p:cond delay="0"/>
+                                          </p:stCondLst>
+                                        </p:cTn>
+                                        <p:tgtEl>
+                                          <p:spTgt spid="68"/>
+                                        </p:tgtEl>
+                                        <p:attrNameLst>
+                                          <p:attrName>style.visibility</p:attrName>
+                                        </p:attrNameLst>
+                                      </p:cBhvr>
+                                      <p:to>
+                                        <p:strVal val="visible"/>
+                                      </p:to>
+                                    </p:set>
+                                  </p:childTnLst>
+                                </p:cTn>
+                              </p:par>
+                            </p:childTnLst>
+                          </p:cTn>
+                        </p:par>
+                      </p:childTnLst>
+                    </p:cTn>
+                  </p:par>
+                  <p:par>
+                    <p:cTn id="25" fill="hold">
+                      <p:stCondLst>
+                        <p:cond delay="indefinite"/>
+                      </p:stCondLst>
+                      <p:childTnLst>
+                        <p:par>
+                          <p:cTn id="26" fill="hold">
+                            <p:stCondLst>
+                              <p:cond delay="0"/>
+                            </p:stCondLst>
+                            <p:childTnLst>
+                              <p:par>
+                                <p:cTn id="27" presetID="26" presetClass="emph" presetSubtype="0" fill="hold" nodeType="clickEffect">
+                                  <p:stCondLst>
+                                    <p:cond delay="0"/>
+                                  </p:stCondLst>
+                                  <p:childTnLst>
+                                    <p:animEffect transition="out" filter="fade">
+                                      <p:cBhvr>
+                                        <p:cTn id="28" dur="500" tmFilter="0, 0; .2, .5; .8, .5; 1, 0"/>
+                                        <p:tgtEl>
+                                          <p:spTgt spid="65"/>
+                                        </p:tgtEl>
+                                      </p:cBhvr>
+                                    </p:animEffect>
+                                    <p:animScale>
+                                      <p:cBhvr>
+                                        <p:cTn id="29" dur="250" autoRev="1" fill="hold"/>
+                                        <p:tgtEl>
+                                          <p:spTgt spid="65"/>
+                                        </p:tgtEl>
+                                      </p:cBhvr>
+                                      <p:by x="105000" y="105000"/>
+                                    </p:animScale>
+                                  </p:childTnLst>
+                                </p:cTn>
+                              </p:par>
+                            </p:childTnLst>
+                          </p:cTn>
+                        </p:par>
+                      </p:childTnLst>
+                    </p:cTn>
+                  </p:par>
+                  <p:par>
+                    <p:cTn id="30" fill="hold">
+                      <p:stCondLst>
+                        <p:cond delay="indefinite"/>
+                      </p:stCondLst>
+                      <p:childTnLst>
+                        <p:par>
+                          <p:cTn id="31" fill="hold">
+                            <p:stCondLst>
+                              <p:cond delay="0"/>
+                            </p:stCondLst>
+                            <p:childTnLst>
+                              <p:par>
+                                <p:cTn id="32" presetID="9" presetClass="emph" presetSubtype="0" grpId="1" nodeType="clickEffect">
+                                  <p:stCondLst>
+                                    <p:cond delay="0"/>
+                                  </p:stCondLst>
+                                  <p:childTnLst>
+                                    <p:set>
+                                      <p:cBhvr>
+                                        <p:cTn id="33" dur="indefinite"/>
+                                        <p:tgtEl>
+                                          <p:spTgt spid="68"/>
+                                        </p:tgtEl>
+                                        <p:attrNameLst>
+                                          <p:attrName>style.opacity</p:attrName>
+                                        </p:attrNameLst>
+                                      </p:cBhvr>
+                                      <p:to>
+                                        <p:strVal val="0.5"/>
+                                      </p:to>
+                                    </p:set>
+                                    <p:animEffect filter="image" prLst="opacity: 0.5">
+                                      <p:cBhvr rctx="IE">
+                                        <p:cTn id="34" dur="indefinite"/>
+                                        <p:tgtEl>
+                                          <p:spTgt spid="68"/>
+                                        </p:tgtEl>
+                                      </p:cBhvr>
+                                    </p:animEffect>
+                                  </p:childTnLst>
+                                </p:cTn>
+                              </p:par>
+                            </p:childTnLst>
+                          </p:cTn>
+                        </p:par>
+                      </p:childTnLst>
+                    </p:cTn>
+                  </p:par>
+                  <p:par>
+                    <p:cTn id="35" fill="hold">
+                      <p:stCondLst>
+                        <p:cond delay="indefinite"/>
+                      </p:stCondLst>
+                      <p:childTnLst>
+                        <p:par>
+                          <p:cTn id="36" fill="hold">
+                            <p:stCondLst>
+                              <p:cond delay="0"/>
+                            </p:stCondLst>
+                            <p:childTnLst>
+                              <p:par>
+                                <p:cTn id="37" presetID="1" presetClass="entr" presetSubtype="0" fill="hold" grpId="0" nodeType="clickEffect">
+                                  <p:stCondLst>
+                                    <p:cond delay="0"/>
+                                  </p:stCondLst>
+                                  <p:childTnLst>
+                                    <p:set>
+                                      <p:cBhvr>
+                                        <p:cTn id="38" dur="1" fill="hold">
+                                          <p:stCondLst>
+                                            <p:cond delay="0"/>
+                                          </p:stCondLst>
+                                        </p:cTn>
+                                        <p:tgtEl>
+                                          <p:spTgt spid="71"/>
+                                        </p:tgtEl>
+                                        <p:attrNameLst>
+                                          <p:attrName>style.visibility</p:attrName>
+                                        </p:attrNameLst>
+                                      </p:cBhvr>
+                                      <p:to>
+                                        <p:strVal val="visible"/>
+                                      </p:to>
+                                    </p:set>
+                                  </p:childTnLst>
+                                </p:cTn>
+                              </p:par>
+                              <p:par>
+                                <p:cTn id="39" presetID="1" presetClass="entr" presetSubtype="0" fill="hold" grpId="0" nodeType="withEffect">
+                                  <p:stCondLst>
+                                    <p:cond delay="0"/>
+                                  </p:stCondLst>
+                                  <p:childTnLst>
+                                    <p:set>
+                                      <p:cBhvr>
+                                        <p:cTn id="40" dur="1" fill="hold">
+                                          <p:stCondLst>
+                                            <p:cond delay="0"/>
+                                          </p:stCondLst>
+                                        </p:cTn>
+                                        <p:tgtEl>
+                                          <p:spTgt spid="47"/>
+                                        </p:tgtEl>
+                                        <p:attrNameLst>
+                                          <p:attrName>style.visibility</p:attrName>
+                                        </p:attrNameLst>
+                                      </p:cBhvr>
+                                      <p:to>
+                                        <p:strVal val="visible"/>
+                                      </p:to>
+                                    </p:set>
+                                  </p:childTnLst>
+                                </p:cTn>
+                              </p:par>
+                            </p:childTnLst>
+                          </p:cTn>
+                        </p:par>
+                      </p:childTnLst>
+                    </p:cTn>
+                  </p:par>
+                  <p:par>
+                    <p:cTn id="41" fill="hold">
+                      <p:stCondLst>
+                        <p:cond delay="indefinite"/>
+                      </p:stCondLst>
+                      <p:childTnLst>
+                        <p:par>
+                          <p:cTn id="42" fill="hold">
+                            <p:stCondLst>
+                              <p:cond delay="0"/>
+                            </p:stCondLst>
+                            <p:childTnLst>
+                              <p:par>
+                                <p:cTn id="43" presetID="9" presetClass="emph" presetSubtype="0" grpId="1" nodeType="clickEffect">
+                                  <p:stCondLst>
+                                    <p:cond delay="0"/>
+                                  </p:stCondLst>
+                                  <p:childTnLst>
+                                    <p:set>
+                                      <p:cBhvr>
+                                        <p:cTn id="44" dur="indefinite"/>
+                                        <p:tgtEl>
+                                          <p:spTgt spid="71"/>
+                                        </p:tgtEl>
+                                        <p:attrNameLst>
+                                          <p:attrName>style.opacity</p:attrName>
+                                        </p:attrNameLst>
+                                      </p:cBhvr>
+                                      <p:to>
+                                        <p:strVal val="0.5"/>
+                                      </p:to>
+                                    </p:set>
+                                    <p:animEffect filter="image" prLst="opacity: 0.5">
+                                      <p:cBhvr rctx="IE">
+                                        <p:cTn id="45" dur="indefinite"/>
+                                        <p:tgtEl>
+                                          <p:spTgt spid="71"/>
+                                        </p:tgtEl>
+                                      </p:cBhvr>
+                                    </p:animEffect>
+                                  </p:childTnLst>
+                                </p:cTn>
+                              </p:par>
+                            </p:childTnLst>
+                          </p:cTn>
+                        </p:par>
+                      </p:childTnLst>
+                    </p:cTn>
+                  </p:par>
+                  <p:par>
+                    <p:cTn id="46" fill="hold">
+                      <p:stCondLst>
+                        <p:cond delay="indefinite"/>
+                      </p:stCondLst>
+                      <p:childTnLst>
+                        <p:par>
+                          <p:cTn id="47" fill="hold">
+                            <p:stCondLst>
+                              <p:cond delay="0"/>
+                            </p:stCondLst>
+                            <p:childTnLst>
+                              <p:par>
+                                <p:cTn id="48" presetID="1" presetClass="entr" presetSubtype="0" fill="hold" grpId="0" nodeType="clickEffect">
+                                  <p:stCondLst>
+                                    <p:cond delay="0"/>
+                                  </p:stCondLst>
+                                  <p:childTnLst>
+                                    <p:set>
+                                      <p:cBhvr>
+                                        <p:cTn id="49" dur="1" fill="hold">
+                                          <p:stCondLst>
+                                            <p:cond delay="0"/>
+                                          </p:stCondLst>
+                                        </p:cTn>
+                                        <p:tgtEl>
+                                          <p:spTgt spid="72"/>
+                                        </p:tgtEl>
+                                        <p:attrNameLst>
+                                          <p:attrName>style.visibility</p:attrName>
+                                        </p:attrNameLst>
+                                      </p:cBhvr>
+                                      <p:to>
+                                        <p:strVal val="visible"/>
+                                      </p:to>
+                                    </p:set>
+                                  </p:childTnLst>
+                                </p:cTn>
+                              </p:par>
+                              <p:par>
+                                <p:cTn id="50" presetID="1" presetClass="entr" presetSubtype="0" fill="hold" nodeType="withEffect">
+                                  <p:stCondLst>
+                                    <p:cond delay="0"/>
+                                  </p:stCondLst>
+                                  <p:childTnLst>
+                                    <p:set>
+                                      <p:cBhvr>
+                                        <p:cTn id="51" dur="1" fill="hold">
+                                          <p:stCondLst>
+                                            <p:cond delay="0"/>
+                                          </p:stCondLst>
+                                        </p:cTn>
+                                        <p:tgtEl>
+                                          <p:spTgt spid="112"/>
+                                        </p:tgtEl>
+                                        <p:attrNameLst>
+                                          <p:attrName>style.visibility</p:attrName>
+                                        </p:attrNameLst>
+                                      </p:cBhvr>
+                                      <p:to>
+                                        <p:strVal val="visible"/>
+                                      </p:to>
+                                    </p:set>
+                                  </p:childTnLst>
+                                </p:cTn>
+                              </p:par>
+                              <p:par>
+                                <p:cTn id="52" presetID="1" presetClass="entr" presetSubtype="0" fill="hold" nodeType="withEffect">
+                                  <p:stCondLst>
+                                    <p:cond delay="0"/>
+                                  </p:stCondLst>
+                                  <p:childTnLst>
+                                    <p:set>
+                                      <p:cBhvr>
+                                        <p:cTn id="53" dur="1" fill="hold">
+                                          <p:stCondLst>
+                                            <p:cond delay="0"/>
+                                          </p:stCondLst>
+                                        </p:cTn>
+                                        <p:tgtEl>
+                                          <p:spTgt spid="106"/>
+                                        </p:tgtEl>
+                                        <p:attrNameLst>
+                                          <p:attrName>style.visibility</p:attrName>
+                                        </p:attrNameLst>
+                                      </p:cBhvr>
+                                      <p:to>
+                                        <p:strVal val="visible"/>
+                                      </p:to>
+                                    </p:set>
+                                  </p:childTnLst>
+                                </p:cTn>
+                              </p:par>
+                            </p:childTnLst>
+                          </p:cTn>
+                        </p:par>
+                      </p:childTnLst>
+                    </p:cTn>
+                  </p:par>
+                  <p:par>
+                    <p:cTn id="54" fill="hold">
+                      <p:stCondLst>
+                        <p:cond delay="indefinite"/>
+                      </p:stCondLst>
+                      <p:childTnLst>
+                        <p:par>
+                          <p:cTn id="55" fill="hold">
+                            <p:stCondLst>
+                              <p:cond delay="0"/>
+                            </p:stCondLst>
+                            <p:childTnLst>
+                              <p:par>
+                                <p:cTn id="56" presetID="9" presetClass="emph" presetSubtype="0" grpId="1" nodeType="clickEffect">
+                                  <p:stCondLst>
+                                    <p:cond delay="0"/>
+                                  </p:stCondLst>
+                                  <p:childTnLst>
+                                    <p:set>
+                                      <p:cBhvr>
+                                        <p:cTn id="57" dur="indefinite"/>
+                                        <p:tgtEl>
+                                          <p:spTgt spid="72"/>
+                                        </p:tgtEl>
+                                        <p:attrNameLst>
+                                          <p:attrName>style.opacity</p:attrName>
+                                        </p:attrNameLst>
+                                      </p:cBhvr>
+                                      <p:to>
+                                        <p:strVal val="0.5"/>
+                                      </p:to>
+                                    </p:set>
+                                    <p:animEffect filter="image" prLst="opacity: 0.5">
+                                      <p:cBhvr rctx="IE">
+                                        <p:cTn id="58" dur="indefinite"/>
+                                        <p:tgtEl>
+                                          <p:spTgt spid="72"/>
+                                        </p:tgtEl>
+                                      </p:cBhvr>
+                                    </p:animEffect>
+                                  </p:childTnLst>
+                                </p:cTn>
+                              </p:par>
+                            </p:childTnLst>
+                          </p:cTn>
+                        </p:par>
+                      </p:childTnLst>
+                    </p:cTn>
+                  </p:par>
+                </p:childTnLst>
+              </p:cTn>
+              <p:prevCondLst>
+                <p:cond evt="onPrev" delay="0">
+                  <p:tgtEl>
+                    <p:sldTgt/>
+                  </p:tgtEl>
+                </p:cond>
+              </p:prevCondLst>
+              <p:nextCondLst>
+                <p:cond evt="onNext" delay="0">
+                  <p:tgtEl>
+                    <p:sldTgt/>
+                  </p:tgtEl>
+                </p:cond>
+              </p:nextCondLst>
+            </p:seq>
+          </p:childTnLst>
+        </p:cTn>
+      </p:par>
+    </p:tnLst>
+    <p:bldLst>
+      <p:bldP spid="47" grpId="0" animBg="1"/>
+      <p:bldP spid="64" grpId="0"/>
+      <p:bldP spid="64" grpId="1"/>
+      <p:bldP spid="67" grpId="0"/>
+      <p:bldP spid="67" grpId="1"/>
+      <p:bldP spid="68" grpId="0"/>
+      <p:bldP spid="68" grpId="1"/>
+      <p:bldP spid="71" grpId="0"/>
+      <p:bldP spid="71" grpId="1"/>
+      <p:bldP spid="72" grpId="0"/>
+      <p:bldP spid="72" grpId="1"/>
+    </p:bldLst>
+  </p:timing>
 </p:sld>
 </file>
 
-<file path=ppt/slides/slide7.xml><?xml version="1.0" encoding="utf-8"?>
+<file path=ppt/slides/slide6.xml><?xml version="1.0" encoding="utf-8"?>
 <p:sld xmlns:a="http://schemas.openxmlformats.org/drawingml/2006/main" xmlns:r="http://schemas.openxmlformats.org/officeDocument/2006/relationships" xmlns:p="http://schemas.openxmlformats.org/presentationml/2006/main">
   <p:cSld>
     <p:spTree>
@@ -9830,37 +14404,54 @@
             </p:nvSpPr>
             <p:spPr>
               <a:xfrm>
-                <a:off x="500363" y="1405731"/>
-                <a:ext cx="11065988" cy="4478966"/>
+                <a:off x="838200" y="1384657"/>
+                <a:ext cx="10515600" cy="4701994"/>
               </a:xfrm>
             </p:spPr>
             <p:txBody>
               <a:bodyPr>
-                <a:normAutofit/>
+                <a:normAutofit fontScale="47500" lnSpcReduction="20000"/>
               </a:bodyPr>
               <a:lstStyle/>
               <a:p>
                 <a:pPr marL="0" indent="0">
+                  <a:lnSpc>
+                    <a:spcPct val="120000"/>
+                  </a:lnSpc>
                   <a:buNone/>
                 </a:pPr>
                 <a:r>
-                  <a:rPr lang="de-DE" sz="2000" u="sng" dirty="0"/>
-                  <a:t>Erklärung der relevantesten Variablen des Datensatzes: </a:t>
+                  <a:rPr lang="de-DE" sz="4200" u="sng" dirty="0"/>
+                  <a:t>Erklärung der relevantesten Variablen des Datensatzes (Japan): </a:t>
                 </a:r>
               </a:p>
               <a:p>
+                <a:pPr marL="0" indent="0">
+                  <a:lnSpc>
+                    <a:spcPct val="120000"/>
+                  </a:lnSpc>
+                  <a:buNone/>
+                </a:pPr>
+                <a:endParaRPr lang="de-DE" sz="4200" u="sng" dirty="0"/>
+              </a:p>
+              <a:p>
+                <a:pPr>
+                  <a:lnSpc>
+                    <a:spcPct val="120000"/>
+                  </a:lnSpc>
+                </a:pPr>
                 <a:r>
-                  <a:rPr lang="de-DE" sz="2000" b="1" dirty="0" err="1"/>
+                  <a:rPr lang="de-DE" sz="4200" b="1" dirty="0" err="1"/>
                   <a:t>eventID</a:t>
                 </a:r>
                 <a:r>
-                  <a:rPr lang="de-DE" sz="2000" dirty="0"/>
-                  <a:t>: Zugeordnete Nummer </a:t>
+                  <a:rPr lang="de-DE" sz="4200" dirty="0"/>
+                  <a:t>: Zugeordnete Nummer  </a:t>
                 </a:r>
                 <a14:m>
                   <m:oMath xmlns:m="http://schemas.openxmlformats.org/officeDocument/2006/math">
                     <m:r>
-                      <a:rPr lang="de-DE" sz="2000" i="1" smtClean="0">
+                      <a:rPr lang="de-DE" sz="4200" i="1" smtClean="0">
                         <a:latin typeface="Cambria Math" panose="02040503050406030204" pitchFamily="18" charset="0"/>
                         <a:ea typeface="Cambria Math" panose="02040503050406030204" pitchFamily="18" charset="0"/>
                       </a:rPr>
@@ -9869,33 +14460,50 @@
                   </m:oMath>
                 </a14:m>
                 <a:r>
-                  <a:rPr lang="de-DE" sz="2000" dirty="0"/>
+                  <a:rPr lang="de-DE" sz="4200" dirty="0"/>
                   <a:t> [1 – 16687]</a:t>
                 </a:r>
               </a:p>
               <a:p>
+                <a:pPr>
+                  <a:lnSpc>
+                    <a:spcPct val="120000"/>
+                  </a:lnSpc>
+                </a:pPr>
                 <a:r>
-                  <a:rPr lang="de-DE" sz="2000" b="1" dirty="0"/>
+                  <a:rPr lang="de-DE" sz="4200" b="1" dirty="0"/>
                   <a:t>t</a:t>
                 </a:r>
                 <a:r>
-                  <a:rPr lang="de-DE" sz="2000" dirty="0"/>
-                  <a:t>: Tagesabstände zum ersten Erdbeben des Datensatzes [0 – 6165]</a:t>
+                  <a:rPr lang="de-DE" sz="4200" dirty="0"/>
+                  <a:t>: Tagesabstände zum ersten Erdbeben des Datensatzes  [0 – 6165]</a:t>
                 </a:r>
               </a:p>
               <a:p>
+                <a:pPr>
+                  <a:lnSpc>
+                    <a:spcPct val="120000"/>
+                  </a:lnSpc>
+                </a:pPr>
                 <a:r>
-                  <a:rPr lang="de-DE" sz="2000" b="1" dirty="0"/>
+                  <a:rPr lang="de-DE" sz="4200" b="1" dirty="0"/>
                   <a:t>mag</a:t>
                 </a:r>
                 <a:r>
-                  <a:rPr lang="de-DE" sz="2000" dirty="0"/>
+                  <a:rPr lang="de-DE" sz="4200" dirty="0"/>
                   <a:t>: Magnitude eines Erdbebens </a:t>
                 </a:r>
                 <a14:m>
                   <m:oMath xmlns:m="http://schemas.openxmlformats.org/officeDocument/2006/math">
                     <m:r>
-                      <a:rPr lang="de-DE" sz="2000" i="1" smtClean="0">
+                      <a:rPr lang="de-DE" sz="4200" b="0" i="0" smtClean="0">
+                        <a:latin typeface="Cambria Math" panose="02040503050406030204" pitchFamily="18" charset="0"/>
+                        <a:ea typeface="Cambria Math" panose="02040503050406030204" pitchFamily="18" charset="0"/>
+                      </a:rPr>
+                      <m:t> </m:t>
+                    </m:r>
+                    <m:r>
+                      <a:rPr lang="de-DE" sz="4200" i="1" smtClean="0">
                         <a:latin typeface="Cambria Math" panose="02040503050406030204" pitchFamily="18" charset="0"/>
                         <a:ea typeface="Cambria Math" panose="02040503050406030204" pitchFamily="18" charset="0"/>
                       </a:rPr>
@@ -9904,38 +14512,43 @@
                   </m:oMath>
                 </a14:m>
                 <a:r>
-                  <a:rPr lang="de-DE" sz="2000" dirty="0"/>
+                  <a:rPr lang="de-DE" sz="4200" dirty="0"/>
                   <a:t> [4.0 ; 8.7]</a:t>
                 </a:r>
               </a:p>
               <a:p>
+                <a:pPr>
+                  <a:lnSpc>
+                    <a:spcPct val="120000"/>
+                  </a:lnSpc>
+                </a:pPr>
                 <a:r>
-                  <a:rPr lang="de-DE" sz="2000" b="1" dirty="0" err="1"/>
+                  <a:rPr lang="de-DE" sz="4200" b="1" dirty="0" err="1"/>
                   <a:t>isBlind</a:t>
                 </a:r>
                 <a:r>
-                  <a:rPr lang="de-DE" sz="2000" dirty="0"/>
+                  <a:rPr lang="de-DE" sz="4200" dirty="0"/>
                   <a:t>: Erdbeben, die während der Shortterm-</a:t>
                 </a:r>
                 <a:r>
-                  <a:rPr lang="de-DE" sz="2000" dirty="0" err="1"/>
-                  <a:t>incompleteness</a:t>
+                  <a:rPr lang="de-DE" sz="4200" dirty="0" err="1"/>
+                  <a:t>Incompleteness</a:t>
                 </a:r>
                 <a:r>
-                  <a:rPr lang="de-DE" sz="2000" dirty="0"/>
-                  <a:t> aufgetreten sind </a:t>
+                  <a:rPr lang="de-DE" sz="4200" dirty="0"/>
+                  <a:t> aufgetreten sind  </a:t>
                 </a:r>
                 <a14:m>
                   <m:oMath xmlns:m="http://schemas.openxmlformats.org/officeDocument/2006/math">
                     <m:r>
-                      <a:rPr lang="de-DE" sz="2000" i="1" smtClean="0">
+                      <a:rPr lang="de-DE" sz="4200" i="1" smtClean="0">
                         <a:latin typeface="Cambria Math" panose="02040503050406030204" pitchFamily="18" charset="0"/>
                         <a:ea typeface="Cambria Math" panose="02040503050406030204" pitchFamily="18" charset="0"/>
                       </a:rPr>
                       <m:t>∈</m:t>
                     </m:r>
                     <m:r>
-                      <a:rPr lang="de-DE" sz="2000" b="0" i="1" smtClean="0">
+                      <a:rPr lang="de-DE" sz="4200" b="0" i="1" smtClean="0">
                         <a:latin typeface="Cambria Math" panose="02040503050406030204" pitchFamily="18" charset="0"/>
                         <a:ea typeface="Cambria Math" panose="02040503050406030204" pitchFamily="18" charset="0"/>
                       </a:rPr>
@@ -9944,30 +14557,35 @@
                   </m:oMath>
                 </a14:m>
                 <a:r>
-                  <a:rPr lang="de-DE" sz="2000" dirty="0"/>
+                  <a:rPr lang="de-DE" sz="4200" dirty="0"/>
                   <a:t>[TRUE ; FALSE]</a:t>
                 </a:r>
               </a:p>
               <a:p>
+                <a:pPr>
+                  <a:lnSpc>
+                    <a:spcPct val="120000"/>
+                  </a:lnSpc>
+                </a:pPr>
                 <a:r>
-                  <a:rPr lang="de-DE" sz="2000" b="1" dirty="0"/>
+                  <a:rPr lang="de-DE" sz="4200" b="1" dirty="0"/>
                   <a:t>distanceMeasure</a:t>
                 </a:r>
                 <a:r>
-                  <a:rPr lang="de-DE" sz="2000" dirty="0"/>
-                  <a:t>: Wahrscheinlichkeit ob Erdbeben getriggert wurde </a:t>
+                  <a:rPr lang="de-DE" sz="4200" dirty="0"/>
+                  <a:t>: Wahrscheinlichkeit ob Erdbeben getriggert wurde  </a:t>
                 </a:r>
                 <a14:m>
                   <m:oMath xmlns:m="http://schemas.openxmlformats.org/officeDocument/2006/math">
                     <m:r>
-                      <a:rPr lang="de-DE" sz="2000" i="1" smtClean="0">
+                      <a:rPr lang="de-DE" sz="4200" i="1" smtClean="0">
                         <a:latin typeface="Cambria Math" panose="02040503050406030204" pitchFamily="18" charset="0"/>
                         <a:ea typeface="Cambria Math" panose="02040503050406030204" pitchFamily="18" charset="0"/>
                       </a:rPr>
                       <m:t>∈</m:t>
                     </m:r>
                     <m:r>
-                      <a:rPr lang="de-DE" sz="2000" b="0" i="1" smtClean="0">
+                      <a:rPr lang="de-DE" sz="4200" b="0" i="1" smtClean="0">
                         <a:latin typeface="Cambria Math" panose="02040503050406030204" pitchFamily="18" charset="0"/>
                         <a:ea typeface="Cambria Math" panose="02040503050406030204" pitchFamily="18" charset="0"/>
                       </a:rPr>
@@ -9976,42 +14594,65 @@
                   </m:oMath>
                 </a14:m>
                 <a:r>
-                  <a:rPr lang="de-DE" sz="2000" dirty="0"/>
+                  <a:rPr lang="de-DE" sz="4200" dirty="0"/>
                   <a:t>[0 ; 1] </a:t>
                 </a:r>
               </a:p>
               <a:p>
+                <a:pPr>
+                  <a:lnSpc>
+                    <a:spcPct val="120000"/>
+                  </a:lnSpc>
+                </a:pPr>
                 <a:r>
-                  <a:rPr lang="de-DE" sz="2000" b="1" dirty="0"/>
+                  <a:rPr lang="de-DE" sz="4200" b="1" dirty="0"/>
                   <a:t>TriggeredFrom</a:t>
                 </a:r>
                 <a:r>
-                  <a:rPr lang="de-DE" sz="2000" dirty="0"/>
+                  <a:rPr lang="de-DE" sz="4200" dirty="0"/>
                   <a:t>: </a:t>
                 </a:r>
                 <a:r>
-                  <a:rPr lang="de-DE" sz="2000" dirty="0" err="1"/>
+                  <a:rPr lang="de-DE" sz="4200" dirty="0" err="1"/>
                   <a:t>EventID</a:t>
                 </a:r>
                 <a:r>
-                  <a:rPr lang="de-DE" sz="2000" dirty="0"/>
+                  <a:rPr lang="de-DE" sz="4200" dirty="0"/>
                   <a:t> des triggernden Erdbeben, falls distanceMeasure ≥ 0,5</a:t>
                 </a:r>
               </a:p>
               <a:p>
                 <a:pPr marL="0" indent="0">
+                  <a:lnSpc>
+                    <a:spcPct val="120000"/>
+                  </a:lnSpc>
                   <a:buNone/>
                 </a:pPr>
                 <a:r>
-                  <a:rPr lang="de-DE" sz="2000" dirty="0"/>
+                  <a:rPr lang="de-DE" sz="4200" dirty="0"/>
                   <a:t>     für -1 </a:t>
                 </a:r>
                 <a:r>
-                  <a:rPr lang="de-DE" sz="2000" dirty="0">
+                  <a:rPr lang="de-DE" sz="4200" dirty="0">
                     <a:sym typeface="Wingdings" panose="05000000000000000000" pitchFamily="2" charset="2"/>
                   </a:rPr>
                   <a:t> Erdbeben wurde nicht getriggert</a:t>
                 </a:r>
+              </a:p>
+              <a:p>
+                <a:pPr>
+                  <a:lnSpc>
+                    <a:spcPct val="120000"/>
+                  </a:lnSpc>
+                </a:pPr>
+                <a:r>
+                  <a:rPr lang="de-DE" sz="4200" dirty="0">
+                    <a:sym typeface="Wingdings" panose="05000000000000000000" pitchFamily="2" charset="2"/>
+                  </a:rPr>
+                  <a:t>Kovariablen wie z.B.: Tiefe, Dicke des Erdmantels/Erdkruste, Steigungswinkel der Platten, Höhe der Erdoberfläche über den Meeresspiegel, Wärmefluss aus dem Erdinnern an die Oberfläche</a:t>
+                </a:r>
+              </a:p>
+              <a:p>
                 <a:endParaRPr lang="de-DE" dirty="0"/>
               </a:p>
             </p:txBody>
@@ -10036,13 +14677,13 @@
             </p:nvSpPr>
             <p:spPr>
               <a:xfrm>
-                <a:off x="500363" y="1405731"/>
-                <a:ext cx="11065988" cy="4478966"/>
+                <a:off x="838200" y="1384657"/>
+                <a:ext cx="10515600" cy="4701994"/>
               </a:xfrm>
               <a:blipFill>
                 <a:blip r:embed="rId2"/>
                 <a:stretch>
-                  <a:fillRect l="-551" t="-1499"/>
+                  <a:fillRect l="-638" t="-649"/>
                 </a:stretch>
               </a:blipFill>
             </p:spPr>
@@ -10084,7 +14725,7 @@
           <a:p>
             <a:fld id="{5C76D808-3489-4ED6-8F45-9C53BCBA6C6D}" type="slidenum">
               <a:rPr lang="es-ES" b="1" smtClean="0"/>
-              <a:t>7</a:t>
+              <a:t>6</a:t>
             </a:fld>
             <a:endParaRPr lang="es-ES" b="1" dirty="0"/>
           </a:p>
@@ -10233,6 +14874,279 @@
     <p:extLst>
       <p:ext uri="{BB962C8B-B14F-4D97-AF65-F5344CB8AC3E}">
         <p14:creationId xmlns:p14="http://schemas.microsoft.com/office/powerpoint/2010/main" val="1253906246"/>
+      </p:ext>
+    </p:extLst>
+  </p:cSld>
+  <p:clrMapOvr>
+    <a:masterClrMapping/>
+  </p:clrMapOvr>
+</p:sld>
+</file>
+
+<file path=ppt/slides/slide7.xml><?xml version="1.0" encoding="utf-8"?>
+<p:sld xmlns:a="http://schemas.openxmlformats.org/drawingml/2006/main" xmlns:r="http://schemas.openxmlformats.org/officeDocument/2006/relationships" xmlns:p="http://schemas.openxmlformats.org/presentationml/2006/main">
+  <p:cSld>
+    <p:spTree>
+      <p:nvGrpSpPr>
+        <p:cNvPr id="1" name=""/>
+        <p:cNvGrpSpPr/>
+        <p:nvPr/>
+      </p:nvGrpSpPr>
+      <p:grpSpPr>
+        <a:xfrm>
+          <a:off x="0" y="0"/>
+          <a:ext cx="0" cy="0"/>
+          <a:chOff x="0" y="0"/>
+          <a:chExt cx="0" cy="0"/>
+        </a:xfrm>
+      </p:grpSpPr>
+      <p:sp>
+        <p:nvSpPr>
+          <p:cNvPr id="3" name="Inhaltsplatzhalter 2">
+            <a:extLst>
+              <a:ext uri="{FF2B5EF4-FFF2-40B4-BE49-F238E27FC236}">
+                <a16:creationId xmlns:a16="http://schemas.microsoft.com/office/drawing/2014/main" id="{EF2F12AA-717C-400F-AC63-EA5D78A3C047}"/>
+              </a:ext>
+            </a:extLst>
+          </p:cNvPr>
+          <p:cNvSpPr>
+            <a:spLocks noGrp="1"/>
+          </p:cNvSpPr>
+          <p:nvPr>
+            <p:ph idx="1"/>
+          </p:nvPr>
+        </p:nvSpPr>
+        <p:spPr>
+          <a:xfrm>
+            <a:off x="1002052" y="1844675"/>
+            <a:ext cx="11065988" cy="4351338"/>
+          </a:xfrm>
+        </p:spPr>
+        <p:txBody>
+          <a:bodyPr>
+            <a:normAutofit/>
+          </a:bodyPr>
+          <a:lstStyle/>
+          <a:p>
+            <a:r>
+              <a:rPr lang="es-ES" dirty="0">
+                <a:latin typeface="Arial" panose="020B0604020202020204" pitchFamily="34" charset="0"/>
+                <a:cs typeface="Arial" panose="020B0604020202020204" pitchFamily="34" charset="0"/>
+              </a:rPr>
+              <a:t>Hintergrund und Inhalt des Projektes</a:t>
+            </a:r>
+          </a:p>
+          <a:p>
+            <a:r>
+              <a:rPr lang="es-ES" b="1" dirty="0">
+                <a:latin typeface="Arial" panose="020B0604020202020204" pitchFamily="34" charset="0"/>
+                <a:cs typeface="Arial" panose="020B0604020202020204" pitchFamily="34" charset="0"/>
+              </a:rPr>
+              <a:t>Fragestellung</a:t>
+            </a:r>
+          </a:p>
+          <a:p>
+            <a:r>
+              <a:rPr lang="es-ES" dirty="0">
+                <a:latin typeface="Arial" panose="020B0604020202020204" pitchFamily="34" charset="0"/>
+                <a:cs typeface="Arial" panose="020B0604020202020204" pitchFamily="34" charset="0"/>
+              </a:rPr>
+              <a:t>Konzept - Erste Ergebnisse und Erfahrungen</a:t>
+            </a:r>
+          </a:p>
+          <a:p>
+            <a:r>
+              <a:rPr lang="es-ES" dirty="0">
+                <a:latin typeface="Arial" panose="020B0604020202020204" pitchFamily="34" charset="0"/>
+                <a:cs typeface="Arial" panose="020B0604020202020204" pitchFamily="34" charset="0"/>
+              </a:rPr>
+              <a:t>Fragen und Anregungen</a:t>
+            </a:r>
+          </a:p>
+          <a:p>
+            <a:pPr marL="0" indent="0">
+              <a:buNone/>
+            </a:pPr>
+            <a:endParaRPr lang="es-ES" dirty="0"/>
+          </a:p>
+        </p:txBody>
+      </p:sp>
+      <p:sp>
+        <p:nvSpPr>
+          <p:cNvPr id="4" name="Foliennummernplatzhalter 3">
+            <a:extLst>
+              <a:ext uri="{FF2B5EF4-FFF2-40B4-BE49-F238E27FC236}">
+                <a16:creationId xmlns:a16="http://schemas.microsoft.com/office/drawing/2014/main" id="{38F51045-17B2-4CC8-80FB-808D3D232D7E}"/>
+              </a:ext>
+            </a:extLst>
+          </p:cNvPr>
+          <p:cNvSpPr>
+            <a:spLocks noGrp="1"/>
+          </p:cNvSpPr>
+          <p:nvPr>
+            <p:ph type="sldNum" sz="quarter" idx="12"/>
+          </p:nvPr>
+        </p:nvSpPr>
+        <p:spPr/>
+        <p:txBody>
+          <a:bodyPr/>
+          <a:lstStyle/>
+          <a:p>
+            <a:fld id="{5C76D808-3489-4ED6-8F45-9C53BCBA6C6D}" type="slidenum">
+              <a:rPr lang="es-ES" b="1" smtClean="0"/>
+              <a:t>7</a:t>
+            </a:fld>
+            <a:endParaRPr lang="es-ES" b="1" dirty="0"/>
+          </a:p>
+        </p:txBody>
+      </p:sp>
+      <p:sp>
+        <p:nvSpPr>
+          <p:cNvPr id="6" name="AutoShape 2" descr="Bildergebnis für mexiko  flagge">
+            <a:extLst>
+              <a:ext uri="{FF2B5EF4-FFF2-40B4-BE49-F238E27FC236}">
+                <a16:creationId xmlns:a16="http://schemas.microsoft.com/office/drawing/2014/main" id="{857C175E-0782-4771-83B5-FE30477F5ADE}"/>
+              </a:ext>
+            </a:extLst>
+          </p:cNvPr>
+          <p:cNvSpPr>
+            <a:spLocks noChangeAspect="1" noChangeArrowheads="1"/>
+          </p:cNvSpPr>
+          <p:nvPr/>
+        </p:nvSpPr>
+        <p:spPr bwMode="auto">
+          <a:xfrm>
+            <a:off x="5943600" y="3276600"/>
+            <a:ext cx="304800" cy="304800"/>
+          </a:xfrm>
+          <a:prstGeom prst="rect">
+            <a:avLst/>
+          </a:prstGeom>
+          <a:noFill/>
+          <a:extLst>
+            <a:ext uri="{909E8E84-426E-40DD-AFC4-6F175D3DCCD1}">
+              <a14:hiddenFill xmlns:a14="http://schemas.microsoft.com/office/drawing/2010/main">
+                <a:solidFill>
+                  <a:srgbClr val="FFFFFF"/>
+                </a:solidFill>
+              </a14:hiddenFill>
+            </a:ext>
+          </a:extLst>
+        </p:spPr>
+        <p:txBody>
+          <a:bodyPr vert="horz" wrap="square" lIns="91440" tIns="45720" rIns="91440" bIns="45720" numCol="1" anchor="t" anchorCtr="0" compatLnSpc="1">
+            <a:prstTxWarp prst="textNoShape">
+              <a:avLst/>
+            </a:prstTxWarp>
+          </a:bodyPr>
+          <a:lstStyle/>
+          <a:p>
+            <a:endParaRPr lang="es-ES"/>
+          </a:p>
+        </p:txBody>
+      </p:sp>
+      <p:sp>
+        <p:nvSpPr>
+          <p:cNvPr id="9" name="Titel 26">
+            <a:extLst>
+              <a:ext uri="{FF2B5EF4-FFF2-40B4-BE49-F238E27FC236}">
+                <a16:creationId xmlns:a16="http://schemas.microsoft.com/office/drawing/2014/main" id="{2EB3946F-2FEF-7647-9117-E92EBCA1223B}"/>
+              </a:ext>
+            </a:extLst>
+          </p:cNvPr>
+          <p:cNvSpPr txBox="1">
+            <a:spLocks/>
+          </p:cNvSpPr>
+          <p:nvPr/>
+        </p:nvSpPr>
+        <p:spPr>
+          <a:xfrm>
+            <a:off x="838200" y="0"/>
+            <a:ext cx="10515600" cy="1325563"/>
+          </a:xfrm>
+          <a:prstGeom prst="rect">
+            <a:avLst/>
+          </a:prstGeom>
+        </p:spPr>
+        <p:txBody>
+          <a:bodyPr vert="horz" lIns="91440" tIns="45720" rIns="91440" bIns="45720" rtlCol="0" anchor="ctr">
+            <a:normAutofit/>
+          </a:bodyPr>
+          <a:lstStyle>
+            <a:lvl1pPr algn="l" defTabSz="914400" rtl="0" eaLnBrk="1" latinLnBrk="0" hangingPunct="1">
+              <a:lnSpc>
+                <a:spcPct val="90000"/>
+              </a:lnSpc>
+              <a:spcBef>
+                <a:spcPct val="0"/>
+              </a:spcBef>
+              <a:buNone/>
+              <a:defRPr sz="4400" kern="1200">
+                <a:solidFill>
+                  <a:schemeClr val="tx1"/>
+                </a:solidFill>
+                <a:latin typeface="+mj-lt"/>
+                <a:ea typeface="+mj-ea"/>
+                <a:cs typeface="+mj-cs"/>
+              </a:defRPr>
+            </a:lvl1pPr>
+          </a:lstStyle>
+          <a:p>
+            <a:pPr algn="ctr"/>
+            <a:r>
+              <a:rPr lang="es-ES" sz="3600" u="sng" dirty="0" err="1">
+                <a:latin typeface="Arial" panose="020B0604020202020204" pitchFamily="34" charset="0"/>
+                <a:cs typeface="Arial" panose="020B0604020202020204" pitchFamily="34" charset="0"/>
+              </a:rPr>
+              <a:t>Gliederung</a:t>
+            </a:r>
+            <a:endParaRPr lang="es-ES" sz="3600" u="sng" dirty="0">
+              <a:latin typeface="Arial" panose="020B0604020202020204" pitchFamily="34" charset="0"/>
+              <a:cs typeface="Arial" panose="020B0604020202020204" pitchFamily="34" charset="0"/>
+            </a:endParaRPr>
+          </a:p>
+        </p:txBody>
+      </p:sp>
+      <p:sp>
+        <p:nvSpPr>
+          <p:cNvPr id="10" name="Fußzeilenplatzhalter 4">
+            <a:extLst>
+              <a:ext uri="{FF2B5EF4-FFF2-40B4-BE49-F238E27FC236}">
+                <a16:creationId xmlns:a16="http://schemas.microsoft.com/office/drawing/2014/main" id="{CA3F2EDC-1E9F-40FC-ABFA-3C46B88C1DC8}"/>
+              </a:ext>
+            </a:extLst>
+          </p:cNvPr>
+          <p:cNvSpPr>
+            <a:spLocks noGrp="1"/>
+          </p:cNvSpPr>
+          <p:nvPr>
+            <p:ph type="ftr" sz="quarter" idx="11"/>
+          </p:nvPr>
+        </p:nvSpPr>
+        <p:spPr>
+          <a:xfrm>
+            <a:off x="117806" y="6356350"/>
+            <a:ext cx="4050287" cy="365125"/>
+          </a:xfrm>
+        </p:spPr>
+        <p:txBody>
+          <a:bodyPr/>
+          <a:lstStyle/>
+          <a:p>
+            <a:r>
+              <a:rPr lang="es-ES" dirty="0">
+                <a:latin typeface="Arial" panose="020B0604020202020204" pitchFamily="34" charset="0"/>
+                <a:cs typeface="Arial" panose="020B0604020202020204" pitchFamily="34" charset="0"/>
+              </a:rPr>
+              <a:t>Getriggerte Erdbeben – Orzelek, Reichmeier, Riedlberger</a:t>
+            </a:r>
+          </a:p>
+        </p:txBody>
+      </p:sp>
+    </p:spTree>
+    <p:extLst>
+      <p:ext uri="{BB962C8B-B14F-4D97-AF65-F5344CB8AC3E}">
+        <p14:creationId xmlns:p14="http://schemas.microsoft.com/office/powerpoint/2010/main" val="432243120"/>
       </p:ext>
     </p:extLst>
   </p:cSld>
@@ -10261,90 +15175,10 @@
       </p:grpSpPr>
       <p:sp>
         <p:nvSpPr>
-          <p:cNvPr id="3" name="Inhaltsplatzhalter 2">
-            <a:extLst>
-              <a:ext uri="{FF2B5EF4-FFF2-40B4-BE49-F238E27FC236}">
-                <a16:creationId xmlns:a16="http://schemas.microsoft.com/office/drawing/2014/main" id="{EF2F12AA-717C-400F-AC63-EA5D78A3C047}"/>
-              </a:ext>
-            </a:extLst>
-          </p:cNvPr>
-          <p:cNvSpPr>
-            <a:spLocks noGrp="1"/>
-          </p:cNvSpPr>
-          <p:nvPr>
-            <p:ph idx="1"/>
-          </p:nvPr>
-        </p:nvSpPr>
-        <p:spPr>
-          <a:xfrm>
-            <a:off x="1002052" y="1844675"/>
-            <a:ext cx="11065988" cy="4351338"/>
-          </a:xfrm>
-        </p:spPr>
-        <p:txBody>
-          <a:bodyPr>
-            <a:normAutofit/>
-          </a:bodyPr>
-          <a:lstStyle/>
-          <a:p>
-            <a:r>
-              <a:rPr lang="es-ES" dirty="0">
-                <a:latin typeface="Arial" panose="020B0604020202020204" pitchFamily="34" charset="0"/>
-                <a:cs typeface="Arial" panose="020B0604020202020204" pitchFamily="34" charset="0"/>
-              </a:rPr>
-              <a:t>Hintergrund und Inhalt des Projektes</a:t>
-            </a:r>
-          </a:p>
-          <a:p>
-            <a:r>
-              <a:rPr lang="es-ES" b="1" dirty="0">
-                <a:latin typeface="Arial" panose="020B0604020202020204" pitchFamily="34" charset="0"/>
-                <a:cs typeface="Arial" panose="020B0604020202020204" pitchFamily="34" charset="0"/>
-              </a:rPr>
-              <a:t>Fragestellung</a:t>
-            </a:r>
-          </a:p>
-          <a:p>
-            <a:r>
-              <a:rPr lang="es-ES" dirty="0">
-                <a:latin typeface="Arial" panose="020B0604020202020204" pitchFamily="34" charset="0"/>
-                <a:cs typeface="Arial" panose="020B0604020202020204" pitchFamily="34" charset="0"/>
-              </a:rPr>
-              <a:t>Konzept der Methodik</a:t>
-            </a:r>
-          </a:p>
-          <a:p>
-            <a:r>
-              <a:rPr lang="es-ES" dirty="0">
-                <a:latin typeface="Arial" panose="020B0604020202020204" pitchFamily="34" charset="0"/>
-                <a:cs typeface="Arial" panose="020B0604020202020204" pitchFamily="34" charset="0"/>
-              </a:rPr>
-              <a:t>Erste Ergebnisse und Erfahrungen</a:t>
-            </a:r>
-          </a:p>
-          <a:p>
-            <a:r>
-              <a:rPr lang="es-ES" dirty="0">
-                <a:latin typeface="Arial" panose="020B0604020202020204" pitchFamily="34" charset="0"/>
-                <a:cs typeface="Arial" panose="020B0604020202020204" pitchFamily="34" charset="0"/>
-              </a:rPr>
-              <a:t>Fragen und Anregungen = Diskussion</a:t>
-            </a:r>
-          </a:p>
-          <a:p>
-            <a:pPr marL="0" indent="0">
-              <a:buNone/>
-            </a:pPr>
-            <a:endParaRPr lang="es-ES" dirty="0"/>
-          </a:p>
-        </p:txBody>
-      </p:sp>
-      <p:sp>
-        <p:nvSpPr>
-          <p:cNvPr id="4" name="Foliennummernplatzhalter 3">
-            <a:extLst>
-              <a:ext uri="{FF2B5EF4-FFF2-40B4-BE49-F238E27FC236}">
-                <a16:creationId xmlns:a16="http://schemas.microsoft.com/office/drawing/2014/main" id="{38F51045-17B2-4CC8-80FB-808D3D232D7E}"/>
+          <p:cNvPr id="3" name="Foliennummernplatzhalter 2">
+            <a:extLst>
+              <a:ext uri="{FF2B5EF4-FFF2-40B4-BE49-F238E27FC236}">
+                <a16:creationId xmlns:a16="http://schemas.microsoft.com/office/drawing/2014/main" id="{D23D1CC6-5366-4CFD-9779-1EB3AE161A1A}"/>
               </a:ext>
             </a:extLst>
           </p:cNvPr>
@@ -10355,208 +15189,6 @@
             <p:ph type="sldNum" sz="quarter" idx="12"/>
           </p:nvPr>
         </p:nvSpPr>
-        <p:spPr/>
-        <p:txBody>
-          <a:bodyPr/>
-          <a:lstStyle/>
-          <a:p>
-            <a:fld id="{5C76D808-3489-4ED6-8F45-9C53BCBA6C6D}" type="slidenum">
-              <a:rPr lang="es-ES" b="1" smtClean="0"/>
-              <a:t>8</a:t>
-            </a:fld>
-            <a:endParaRPr lang="es-ES" b="1" dirty="0"/>
-          </a:p>
-        </p:txBody>
-      </p:sp>
-      <p:sp>
-        <p:nvSpPr>
-          <p:cNvPr id="6" name="AutoShape 2" descr="Bildergebnis für mexiko  flagge">
-            <a:extLst>
-              <a:ext uri="{FF2B5EF4-FFF2-40B4-BE49-F238E27FC236}">
-                <a16:creationId xmlns:a16="http://schemas.microsoft.com/office/drawing/2014/main" id="{857C175E-0782-4771-83B5-FE30477F5ADE}"/>
-              </a:ext>
-            </a:extLst>
-          </p:cNvPr>
-          <p:cNvSpPr>
-            <a:spLocks noChangeAspect="1" noChangeArrowheads="1"/>
-          </p:cNvSpPr>
-          <p:nvPr/>
-        </p:nvSpPr>
-        <p:spPr bwMode="auto">
-          <a:xfrm>
-            <a:off x="5943600" y="3276600"/>
-            <a:ext cx="304800" cy="304800"/>
-          </a:xfrm>
-          <a:prstGeom prst="rect">
-            <a:avLst/>
-          </a:prstGeom>
-          <a:noFill/>
-          <a:extLst>
-            <a:ext uri="{909E8E84-426E-40DD-AFC4-6F175D3DCCD1}">
-              <a14:hiddenFill xmlns:a14="http://schemas.microsoft.com/office/drawing/2010/main">
-                <a:solidFill>
-                  <a:srgbClr val="FFFFFF"/>
-                </a:solidFill>
-              </a14:hiddenFill>
-            </a:ext>
-          </a:extLst>
-        </p:spPr>
-        <p:txBody>
-          <a:bodyPr vert="horz" wrap="square" lIns="91440" tIns="45720" rIns="91440" bIns="45720" numCol="1" anchor="t" anchorCtr="0" compatLnSpc="1">
-            <a:prstTxWarp prst="textNoShape">
-              <a:avLst/>
-            </a:prstTxWarp>
-          </a:bodyPr>
-          <a:lstStyle/>
-          <a:p>
-            <a:endParaRPr lang="es-ES"/>
-          </a:p>
-        </p:txBody>
-      </p:sp>
-      <p:sp>
-        <p:nvSpPr>
-          <p:cNvPr id="9" name="Titel 26">
-            <a:extLst>
-              <a:ext uri="{FF2B5EF4-FFF2-40B4-BE49-F238E27FC236}">
-                <a16:creationId xmlns:a16="http://schemas.microsoft.com/office/drawing/2014/main" id="{2EB3946F-2FEF-7647-9117-E92EBCA1223B}"/>
-              </a:ext>
-            </a:extLst>
-          </p:cNvPr>
-          <p:cNvSpPr txBox="1">
-            <a:spLocks/>
-          </p:cNvSpPr>
-          <p:nvPr/>
-        </p:nvSpPr>
-        <p:spPr>
-          <a:xfrm>
-            <a:off x="838200" y="-140245"/>
-            <a:ext cx="10515600" cy="1325563"/>
-          </a:xfrm>
-          <a:prstGeom prst="rect">
-            <a:avLst/>
-          </a:prstGeom>
-        </p:spPr>
-        <p:txBody>
-          <a:bodyPr vert="horz" lIns="91440" tIns="45720" rIns="91440" bIns="45720" rtlCol="0" anchor="ctr">
-            <a:normAutofit/>
-          </a:bodyPr>
-          <a:lstStyle>
-            <a:lvl1pPr algn="l" defTabSz="914400" rtl="0" eaLnBrk="1" latinLnBrk="0" hangingPunct="1">
-              <a:lnSpc>
-                <a:spcPct val="90000"/>
-              </a:lnSpc>
-              <a:spcBef>
-                <a:spcPct val="0"/>
-              </a:spcBef>
-              <a:buNone/>
-              <a:defRPr sz="4400" kern="1200">
-                <a:solidFill>
-                  <a:schemeClr val="tx1"/>
-                </a:solidFill>
-                <a:latin typeface="+mj-lt"/>
-                <a:ea typeface="+mj-ea"/>
-                <a:cs typeface="+mj-cs"/>
-              </a:defRPr>
-            </a:lvl1pPr>
-          </a:lstStyle>
-          <a:p>
-            <a:pPr algn="ctr"/>
-            <a:r>
-              <a:rPr lang="es-ES" sz="3600" u="sng" dirty="0" err="1">
-                <a:latin typeface="Arial" panose="020B0604020202020204" pitchFamily="34" charset="0"/>
-                <a:cs typeface="Arial" panose="020B0604020202020204" pitchFamily="34" charset="0"/>
-              </a:rPr>
-              <a:t>Gliederung</a:t>
-            </a:r>
-            <a:endParaRPr lang="es-ES" sz="3600" u="sng" dirty="0">
-              <a:latin typeface="Arial" panose="020B0604020202020204" pitchFamily="34" charset="0"/>
-              <a:cs typeface="Arial" panose="020B0604020202020204" pitchFamily="34" charset="0"/>
-            </a:endParaRPr>
-          </a:p>
-        </p:txBody>
-      </p:sp>
-      <p:sp>
-        <p:nvSpPr>
-          <p:cNvPr id="10" name="Fußzeilenplatzhalter 4">
-            <a:extLst>
-              <a:ext uri="{FF2B5EF4-FFF2-40B4-BE49-F238E27FC236}">
-                <a16:creationId xmlns:a16="http://schemas.microsoft.com/office/drawing/2014/main" id="{CA3F2EDC-1E9F-40FC-ABFA-3C46B88C1DC8}"/>
-              </a:ext>
-            </a:extLst>
-          </p:cNvPr>
-          <p:cNvSpPr>
-            <a:spLocks noGrp="1"/>
-          </p:cNvSpPr>
-          <p:nvPr>
-            <p:ph type="ftr" sz="quarter" idx="11"/>
-          </p:nvPr>
-        </p:nvSpPr>
-        <p:spPr>
-          <a:xfrm>
-            <a:off x="117806" y="6356350"/>
-            <a:ext cx="4050287" cy="365125"/>
-          </a:xfrm>
-        </p:spPr>
-        <p:txBody>
-          <a:bodyPr/>
-          <a:lstStyle/>
-          <a:p>
-            <a:r>
-              <a:rPr lang="es-ES" dirty="0">
-                <a:latin typeface="Arial" panose="020B0604020202020204" pitchFamily="34" charset="0"/>
-                <a:cs typeface="Arial" panose="020B0604020202020204" pitchFamily="34" charset="0"/>
-              </a:rPr>
-              <a:t>Getriggerte Erdbeben – Orzelek, Reichmeier, Riedlberger</a:t>
-            </a:r>
-          </a:p>
-        </p:txBody>
-      </p:sp>
-    </p:spTree>
-    <p:extLst>
-      <p:ext uri="{BB962C8B-B14F-4D97-AF65-F5344CB8AC3E}">
-        <p14:creationId xmlns:p14="http://schemas.microsoft.com/office/powerpoint/2010/main" val="432243120"/>
-      </p:ext>
-    </p:extLst>
-  </p:cSld>
-  <p:clrMapOvr>
-    <a:masterClrMapping/>
-  </p:clrMapOvr>
-</p:sld>
-</file>
-
-<file path=ppt/slides/slide9.xml><?xml version="1.0" encoding="utf-8"?>
-<p:sld xmlns:a="http://schemas.openxmlformats.org/drawingml/2006/main" xmlns:r="http://schemas.openxmlformats.org/officeDocument/2006/relationships" xmlns:p="http://schemas.openxmlformats.org/presentationml/2006/main">
-  <p:cSld>
-    <p:spTree>
-      <p:nvGrpSpPr>
-        <p:cNvPr id="1" name=""/>
-        <p:cNvGrpSpPr/>
-        <p:nvPr/>
-      </p:nvGrpSpPr>
-      <p:grpSpPr>
-        <a:xfrm>
-          <a:off x="0" y="0"/>
-          <a:ext cx="0" cy="0"/>
-          <a:chOff x="0" y="0"/>
-          <a:chExt cx="0" cy="0"/>
-        </a:xfrm>
-      </p:grpSpPr>
-      <p:sp>
-        <p:nvSpPr>
-          <p:cNvPr id="3" name="Foliennummernplatzhalter 2">
-            <a:extLst>
-              <a:ext uri="{FF2B5EF4-FFF2-40B4-BE49-F238E27FC236}">
-                <a16:creationId xmlns:a16="http://schemas.microsoft.com/office/drawing/2014/main" id="{D23D1CC6-5366-4CFD-9779-1EB3AE161A1A}"/>
-              </a:ext>
-            </a:extLst>
-          </p:cNvPr>
-          <p:cNvSpPr>
-            <a:spLocks noGrp="1"/>
-          </p:cNvSpPr>
-          <p:nvPr>
-            <p:ph type="sldNum" sz="quarter" idx="12"/>
-          </p:nvPr>
-        </p:nvSpPr>
         <p:spPr>
           <a:xfrm>
             <a:off x="8610600" y="6356350"/>
@@ -10572,7 +15204,7 @@
             <a:fld id="{5C76D808-3489-4ED6-8F45-9C53BCBA6C6D}" type="slidenum">
               <a:rPr lang="es-ES" b="1"/>
               <a:pPr/>
-              <a:t>9</a:t>
+              <a:t>8</a:t>
             </a:fld>
             <a:endParaRPr lang="es-ES" b="1" dirty="0"/>
           </a:p>
@@ -10730,7 +15362,18 @@
                   <a:schemeClr val="tx1"/>
                 </a:solidFill>
               </a:rPr>
-              <a:t>stark hängt der Zusammenhang davon ab, ob man die sogenannte “Short-term-</a:t>
+              <a:t>stark hängt der Zusammenhang davon ab, ob man die sogenannte </a:t>
+            </a:r>
+          </a:p>
+          <a:p>
+            <a:pPr algn="ctr"/>
+            <a:r>
+              <a:rPr lang="de-DE" sz="2400" dirty="0">
+                <a:solidFill>
+                  <a:schemeClr val="tx1"/>
+                </a:solidFill>
+              </a:rPr>
+              <a:t>“Shortterm-</a:t>
             </a:r>
             <a:r>
               <a:rPr lang="de-DE" sz="2400" dirty="0" err="1">
@@ -10738,7 +15381,7 @@
                   <a:schemeClr val="tx1"/>
                 </a:solidFill>
               </a:rPr>
-              <a:t>incompleteness</a:t>
+              <a:t>Incompleteness</a:t>
             </a:r>
             <a:r>
               <a:rPr lang="de-DE" sz="2400" dirty="0">
@@ -11102,6 +15745,274 @@
       <p:bldP spid="12" grpId="0" animBg="1"/>
     </p:bldLst>
   </p:timing>
+</p:sld>
+</file>
+
+<file path=ppt/slides/slide9.xml><?xml version="1.0" encoding="utf-8"?>
+<p:sld xmlns:a="http://schemas.openxmlformats.org/drawingml/2006/main" xmlns:r="http://schemas.openxmlformats.org/officeDocument/2006/relationships" xmlns:p="http://schemas.openxmlformats.org/presentationml/2006/main">
+  <p:cSld>
+    <p:spTree>
+      <p:nvGrpSpPr>
+        <p:cNvPr id="1" name=""/>
+        <p:cNvGrpSpPr/>
+        <p:nvPr/>
+      </p:nvGrpSpPr>
+      <p:grpSpPr>
+        <a:xfrm>
+          <a:off x="0" y="0"/>
+          <a:ext cx="0" cy="0"/>
+          <a:chOff x="0" y="0"/>
+          <a:chExt cx="0" cy="0"/>
+        </a:xfrm>
+      </p:grpSpPr>
+      <p:sp>
+        <p:nvSpPr>
+          <p:cNvPr id="3" name="Inhaltsplatzhalter 2">
+            <a:extLst>
+              <a:ext uri="{FF2B5EF4-FFF2-40B4-BE49-F238E27FC236}">
+                <a16:creationId xmlns:a16="http://schemas.microsoft.com/office/drawing/2014/main" id="{EF2F12AA-717C-400F-AC63-EA5D78A3C047}"/>
+              </a:ext>
+            </a:extLst>
+          </p:cNvPr>
+          <p:cNvSpPr>
+            <a:spLocks noGrp="1"/>
+          </p:cNvSpPr>
+          <p:nvPr>
+            <p:ph idx="1"/>
+          </p:nvPr>
+        </p:nvSpPr>
+        <p:spPr>
+          <a:xfrm>
+            <a:off x="1002052" y="1844675"/>
+            <a:ext cx="11065988" cy="4351338"/>
+          </a:xfrm>
+        </p:spPr>
+        <p:txBody>
+          <a:bodyPr>
+            <a:normAutofit/>
+          </a:bodyPr>
+          <a:lstStyle/>
+          <a:p>
+            <a:r>
+              <a:rPr lang="es-ES" dirty="0">
+                <a:latin typeface="Arial" panose="020B0604020202020204" pitchFamily="34" charset="0"/>
+                <a:cs typeface="Arial" panose="020B0604020202020204" pitchFamily="34" charset="0"/>
+              </a:rPr>
+              <a:t>Hintergrund und Inhalt des Projektes</a:t>
+            </a:r>
+          </a:p>
+          <a:p>
+            <a:r>
+              <a:rPr lang="es-ES" dirty="0">
+                <a:latin typeface="Arial" panose="020B0604020202020204" pitchFamily="34" charset="0"/>
+                <a:cs typeface="Arial" panose="020B0604020202020204" pitchFamily="34" charset="0"/>
+              </a:rPr>
+              <a:t>Fragestellung</a:t>
+            </a:r>
+          </a:p>
+          <a:p>
+            <a:r>
+              <a:rPr lang="es-ES" b="1" dirty="0">
+                <a:latin typeface="Arial" panose="020B0604020202020204" pitchFamily="34" charset="0"/>
+                <a:cs typeface="Arial" panose="020B0604020202020204" pitchFamily="34" charset="0"/>
+              </a:rPr>
+              <a:t>Konzept - Erste Ergebnisse und Erfahrungen </a:t>
+            </a:r>
+          </a:p>
+          <a:p>
+            <a:r>
+              <a:rPr lang="es-ES" dirty="0">
+                <a:latin typeface="Arial" panose="020B0604020202020204" pitchFamily="34" charset="0"/>
+                <a:cs typeface="Arial" panose="020B0604020202020204" pitchFamily="34" charset="0"/>
+              </a:rPr>
+              <a:t>Fragen und Anregungen</a:t>
+            </a:r>
+            <a:endParaRPr lang="es-ES" dirty="0"/>
+          </a:p>
+        </p:txBody>
+      </p:sp>
+      <p:sp>
+        <p:nvSpPr>
+          <p:cNvPr id="4" name="Foliennummernplatzhalter 3">
+            <a:extLst>
+              <a:ext uri="{FF2B5EF4-FFF2-40B4-BE49-F238E27FC236}">
+                <a16:creationId xmlns:a16="http://schemas.microsoft.com/office/drawing/2014/main" id="{38F51045-17B2-4CC8-80FB-808D3D232D7E}"/>
+              </a:ext>
+            </a:extLst>
+          </p:cNvPr>
+          <p:cNvSpPr>
+            <a:spLocks noGrp="1"/>
+          </p:cNvSpPr>
+          <p:nvPr>
+            <p:ph type="sldNum" sz="quarter" idx="12"/>
+          </p:nvPr>
+        </p:nvSpPr>
+        <p:spPr/>
+        <p:txBody>
+          <a:bodyPr/>
+          <a:lstStyle/>
+          <a:p>
+            <a:fld id="{5C76D808-3489-4ED6-8F45-9C53BCBA6C6D}" type="slidenum">
+              <a:rPr lang="es-ES" b="1" smtClean="0"/>
+              <a:t>9</a:t>
+            </a:fld>
+            <a:endParaRPr lang="es-ES" b="1" dirty="0"/>
+          </a:p>
+        </p:txBody>
+      </p:sp>
+      <p:sp>
+        <p:nvSpPr>
+          <p:cNvPr id="6" name="AutoShape 2" descr="Bildergebnis für mexiko  flagge">
+            <a:extLst>
+              <a:ext uri="{FF2B5EF4-FFF2-40B4-BE49-F238E27FC236}">
+                <a16:creationId xmlns:a16="http://schemas.microsoft.com/office/drawing/2014/main" id="{857C175E-0782-4771-83B5-FE30477F5ADE}"/>
+              </a:ext>
+            </a:extLst>
+          </p:cNvPr>
+          <p:cNvSpPr>
+            <a:spLocks noChangeAspect="1" noChangeArrowheads="1"/>
+          </p:cNvSpPr>
+          <p:nvPr/>
+        </p:nvSpPr>
+        <p:spPr bwMode="auto">
+          <a:xfrm>
+            <a:off x="5943600" y="3276600"/>
+            <a:ext cx="304800" cy="304800"/>
+          </a:xfrm>
+          <a:prstGeom prst="rect">
+            <a:avLst/>
+          </a:prstGeom>
+          <a:noFill/>
+          <a:extLst>
+            <a:ext uri="{909E8E84-426E-40DD-AFC4-6F175D3DCCD1}">
+              <a14:hiddenFill xmlns:a14="http://schemas.microsoft.com/office/drawing/2010/main">
+                <a:solidFill>
+                  <a:srgbClr val="FFFFFF"/>
+                </a:solidFill>
+              </a14:hiddenFill>
+            </a:ext>
+          </a:extLst>
+        </p:spPr>
+        <p:txBody>
+          <a:bodyPr vert="horz" wrap="square" lIns="91440" tIns="45720" rIns="91440" bIns="45720" numCol="1" anchor="t" anchorCtr="0" compatLnSpc="1">
+            <a:prstTxWarp prst="textNoShape">
+              <a:avLst/>
+            </a:prstTxWarp>
+          </a:bodyPr>
+          <a:lstStyle/>
+          <a:p>
+            <a:endParaRPr lang="es-ES"/>
+          </a:p>
+        </p:txBody>
+      </p:sp>
+      <p:sp>
+        <p:nvSpPr>
+          <p:cNvPr id="9" name="Titel 26">
+            <a:extLst>
+              <a:ext uri="{FF2B5EF4-FFF2-40B4-BE49-F238E27FC236}">
+                <a16:creationId xmlns:a16="http://schemas.microsoft.com/office/drawing/2014/main" id="{2EB3946F-2FEF-7647-9117-E92EBCA1223B}"/>
+              </a:ext>
+            </a:extLst>
+          </p:cNvPr>
+          <p:cNvSpPr txBox="1">
+            <a:spLocks/>
+          </p:cNvSpPr>
+          <p:nvPr/>
+        </p:nvSpPr>
+        <p:spPr>
+          <a:xfrm>
+            <a:off x="838200" y="0"/>
+            <a:ext cx="10515600" cy="1325563"/>
+          </a:xfrm>
+          <a:prstGeom prst="rect">
+            <a:avLst/>
+          </a:prstGeom>
+        </p:spPr>
+        <p:txBody>
+          <a:bodyPr vert="horz" lIns="91440" tIns="45720" rIns="91440" bIns="45720" rtlCol="0" anchor="ctr">
+            <a:normAutofit/>
+          </a:bodyPr>
+          <a:lstStyle>
+            <a:lvl1pPr algn="l" defTabSz="914400" rtl="0" eaLnBrk="1" latinLnBrk="0" hangingPunct="1">
+              <a:lnSpc>
+                <a:spcPct val="90000"/>
+              </a:lnSpc>
+              <a:spcBef>
+                <a:spcPct val="0"/>
+              </a:spcBef>
+              <a:buNone/>
+              <a:defRPr sz="4400" kern="1200">
+                <a:solidFill>
+                  <a:schemeClr val="tx1"/>
+                </a:solidFill>
+                <a:latin typeface="+mj-lt"/>
+                <a:ea typeface="+mj-ea"/>
+                <a:cs typeface="+mj-cs"/>
+              </a:defRPr>
+            </a:lvl1pPr>
+          </a:lstStyle>
+          <a:p>
+            <a:pPr algn="ctr"/>
+            <a:r>
+              <a:rPr lang="es-ES" sz="3600" u="sng" dirty="0" err="1">
+                <a:latin typeface="Arial" panose="020B0604020202020204" pitchFamily="34" charset="0"/>
+                <a:cs typeface="Arial" panose="020B0604020202020204" pitchFamily="34" charset="0"/>
+              </a:rPr>
+              <a:t>Gliederung</a:t>
+            </a:r>
+            <a:endParaRPr lang="es-ES" sz="3600" u="sng" dirty="0">
+              <a:latin typeface="Arial" panose="020B0604020202020204" pitchFamily="34" charset="0"/>
+              <a:cs typeface="Arial" panose="020B0604020202020204" pitchFamily="34" charset="0"/>
+            </a:endParaRPr>
+          </a:p>
+        </p:txBody>
+      </p:sp>
+      <p:sp>
+        <p:nvSpPr>
+          <p:cNvPr id="10" name="Fußzeilenplatzhalter 4">
+            <a:extLst>
+              <a:ext uri="{FF2B5EF4-FFF2-40B4-BE49-F238E27FC236}">
+                <a16:creationId xmlns:a16="http://schemas.microsoft.com/office/drawing/2014/main" id="{CA3F2EDC-1E9F-40FC-ABFA-3C46B88C1DC8}"/>
+              </a:ext>
+            </a:extLst>
+          </p:cNvPr>
+          <p:cNvSpPr>
+            <a:spLocks noGrp="1"/>
+          </p:cNvSpPr>
+          <p:nvPr>
+            <p:ph type="ftr" sz="quarter" idx="11"/>
+          </p:nvPr>
+        </p:nvSpPr>
+        <p:spPr>
+          <a:xfrm>
+            <a:off x="117806" y="6356350"/>
+            <a:ext cx="4050287" cy="365125"/>
+          </a:xfrm>
+        </p:spPr>
+        <p:txBody>
+          <a:bodyPr/>
+          <a:lstStyle/>
+          <a:p>
+            <a:r>
+              <a:rPr lang="es-ES" dirty="0">
+                <a:latin typeface="Arial" panose="020B0604020202020204" pitchFamily="34" charset="0"/>
+                <a:cs typeface="Arial" panose="020B0604020202020204" pitchFamily="34" charset="0"/>
+              </a:rPr>
+              <a:t>Getriggerte Erdbeben – Orzelek, Reichmeier, Riedlberger</a:t>
+            </a:r>
+          </a:p>
+        </p:txBody>
+      </p:sp>
+    </p:spTree>
+    <p:extLst>
+      <p:ext uri="{BB962C8B-B14F-4D97-AF65-F5344CB8AC3E}">
+        <p14:creationId xmlns:p14="http://schemas.microsoft.com/office/powerpoint/2010/main" val="3640284442"/>
+      </p:ext>
+    </p:extLst>
+  </p:cSld>
+  <p:clrMapOvr>
+    <a:masterClrMapping/>
+  </p:clrMapOvr>
 </p:sld>
 </file>
 

--- a/PP.pptx
+++ b/PP.pptx
@@ -14,25 +14,27 @@
     <p:sldId id="261" r:id="rId8"/>
     <p:sldId id="260" r:id="rId9"/>
     <p:sldId id="269" r:id="rId10"/>
-    <p:sldId id="271" r:id="rId11"/>
-    <p:sldId id="290" r:id="rId12"/>
-    <p:sldId id="291" r:id="rId13"/>
-    <p:sldId id="283" r:id="rId14"/>
-    <p:sldId id="280" r:id="rId15"/>
-    <p:sldId id="286" r:id="rId16"/>
-    <p:sldId id="304" r:id="rId17"/>
-    <p:sldId id="270" r:id="rId18"/>
-    <p:sldId id="273" r:id="rId19"/>
-    <p:sldId id="267" r:id="rId20"/>
-    <p:sldId id="296" r:id="rId21"/>
-    <p:sldId id="288" r:id="rId22"/>
-    <p:sldId id="297" r:id="rId23"/>
-    <p:sldId id="298" r:id="rId24"/>
-    <p:sldId id="299" r:id="rId25"/>
-    <p:sldId id="300" r:id="rId26"/>
-    <p:sldId id="292" r:id="rId27"/>
-    <p:sldId id="302" r:id="rId28"/>
-    <p:sldId id="259" r:id="rId29"/>
+    <p:sldId id="306" r:id="rId11"/>
+    <p:sldId id="271" r:id="rId12"/>
+    <p:sldId id="290" r:id="rId13"/>
+    <p:sldId id="305" r:id="rId14"/>
+    <p:sldId id="291" r:id="rId15"/>
+    <p:sldId id="283" r:id="rId16"/>
+    <p:sldId id="280" r:id="rId17"/>
+    <p:sldId id="286" r:id="rId18"/>
+    <p:sldId id="304" r:id="rId19"/>
+    <p:sldId id="270" r:id="rId20"/>
+    <p:sldId id="273" r:id="rId21"/>
+    <p:sldId id="267" r:id="rId22"/>
+    <p:sldId id="296" r:id="rId23"/>
+    <p:sldId id="288" r:id="rId24"/>
+    <p:sldId id="297" r:id="rId25"/>
+    <p:sldId id="298" r:id="rId26"/>
+    <p:sldId id="299" r:id="rId27"/>
+    <p:sldId id="300" r:id="rId28"/>
+    <p:sldId id="292" r:id="rId29"/>
+    <p:sldId id="302" r:id="rId30"/>
+    <p:sldId id="259" r:id="rId31"/>
   </p:sldIdLst>
   <p:sldSz cx="12192000" cy="6858000"/>
   <p:notesSz cx="6858000" cy="9144000"/>
@@ -3884,12 +3886,48 @@
           </a:p>
         </p:txBody>
       </p:sp>
-      <p:sp>
-        <p:nvSpPr>
-          <p:cNvPr id="8" name="Textfeld 7">
-            <a:extLst>
-              <a:ext uri="{FF2B5EF4-FFF2-40B4-BE49-F238E27FC236}">
-                <a16:creationId xmlns:a16="http://schemas.microsoft.com/office/drawing/2014/main" id="{606EC3B3-7C55-407B-9219-764DFB52658B}"/>
+      <p:pic>
+        <p:nvPicPr>
+          <p:cNvPr id="5" name="Grafik 4">
+            <a:extLst>
+              <a:ext uri="{FF2B5EF4-FFF2-40B4-BE49-F238E27FC236}">
+                <a16:creationId xmlns:a16="http://schemas.microsoft.com/office/drawing/2014/main" id="{F6B66969-5D5F-4B36-ABFE-F697C6270580}"/>
+              </a:ext>
+            </a:extLst>
+          </p:cNvPr>
+          <p:cNvPicPr>
+            <a:picLocks noChangeAspect="1"/>
+          </p:cNvPicPr>
+          <p:nvPr/>
+        </p:nvPicPr>
+        <p:blipFill>
+          <a:blip r:embed="rId2">
+            <a:extLst>
+              <a:ext uri="{28A0092B-C50C-407E-A947-70E740481C1C}">
+                <a14:useLocalDpi xmlns:a14="http://schemas.microsoft.com/office/drawing/2010/main" val="0"/>
+              </a:ext>
+            </a:extLst>
+          </a:blip>
+          <a:stretch>
+            <a:fillRect/>
+          </a:stretch>
+        </p:blipFill>
+        <p:spPr>
+          <a:xfrm>
+            <a:off x="844189" y="1104539"/>
+            <a:ext cx="5251811" cy="5251811"/>
+          </a:xfrm>
+          <a:prstGeom prst="rect">
+            <a:avLst/>
+          </a:prstGeom>
+        </p:spPr>
+      </p:pic>
+      <p:sp>
+        <p:nvSpPr>
+          <p:cNvPr id="11" name="Textfeld 10">
+            <a:extLst>
+              <a:ext uri="{FF2B5EF4-FFF2-40B4-BE49-F238E27FC236}">
+                <a16:creationId xmlns:a16="http://schemas.microsoft.com/office/drawing/2014/main" id="{76922289-079C-4639-B53D-E5BCEF94D5F6}"/>
               </a:ext>
             </a:extLst>
           </p:cNvPr>
@@ -3898,8 +3936,8 @@
         </p:nvSpPr>
         <p:spPr>
           <a:xfrm>
-            <a:off x="7332029" y="1195444"/>
-            <a:ext cx="3825894" cy="2769989"/>
+            <a:off x="6613071" y="2196420"/>
+            <a:ext cx="4278085" cy="1015663"/>
           </a:xfrm>
           <a:prstGeom prst="rect">
             <a:avLst/>
@@ -3913,6 +3951,245 @@
           <a:lstStyle/>
           <a:p>
             <a:r>
+              <a:rPr lang="es-ES" sz="2000" dirty="0">
+                <a:sym typeface="Wingdings" panose="05000000000000000000" pitchFamily="2" charset="2"/>
+              </a:rPr>
+              <a:t> </a:t>
+            </a:r>
+            <a:r>
+              <a:rPr lang="es-ES" sz="2000" dirty="0"/>
+              <a:t>Leicht positiver Einfluss von triggernder Magnitude auf getriggerte Magnitude</a:t>
+            </a:r>
+          </a:p>
+        </p:txBody>
+      </p:sp>
+    </p:spTree>
+    <p:extLst>
+      <p:ext uri="{BB962C8B-B14F-4D97-AF65-F5344CB8AC3E}">
+        <p14:creationId xmlns:p14="http://schemas.microsoft.com/office/powerpoint/2010/main" val="2738989005"/>
+      </p:ext>
+    </p:extLst>
+  </p:cSld>
+  <p:clrMapOvr>
+    <a:masterClrMapping/>
+  </p:clrMapOvr>
+</p:sld>
+</file>
+
+<file path=ppt/slides/slide11.xml><?xml version="1.0" encoding="utf-8"?>
+<p:sld xmlns:a="http://schemas.openxmlformats.org/drawingml/2006/main" xmlns:r="http://schemas.openxmlformats.org/officeDocument/2006/relationships" xmlns:p="http://schemas.openxmlformats.org/presentationml/2006/main">
+  <p:cSld>
+    <p:spTree>
+      <p:nvGrpSpPr>
+        <p:cNvPr id="1" name=""/>
+        <p:cNvGrpSpPr/>
+        <p:nvPr/>
+      </p:nvGrpSpPr>
+      <p:grpSpPr>
+        <a:xfrm>
+          <a:off x="0" y="0"/>
+          <a:ext cx="0" cy="0"/>
+          <a:chOff x="0" y="0"/>
+          <a:chExt cx="0" cy="0"/>
+        </a:xfrm>
+      </p:grpSpPr>
+      <p:sp>
+        <p:nvSpPr>
+          <p:cNvPr id="4" name="Foliennummernplatzhalter 3">
+            <a:extLst>
+              <a:ext uri="{FF2B5EF4-FFF2-40B4-BE49-F238E27FC236}">
+                <a16:creationId xmlns:a16="http://schemas.microsoft.com/office/drawing/2014/main" id="{38F51045-17B2-4CC8-80FB-808D3D232D7E}"/>
+              </a:ext>
+            </a:extLst>
+          </p:cNvPr>
+          <p:cNvSpPr>
+            <a:spLocks noGrp="1"/>
+          </p:cNvSpPr>
+          <p:nvPr>
+            <p:ph type="sldNum" sz="quarter" idx="12"/>
+          </p:nvPr>
+        </p:nvSpPr>
+        <p:spPr/>
+        <p:txBody>
+          <a:bodyPr/>
+          <a:lstStyle/>
+          <a:p>
+            <a:fld id="{5C76D808-3489-4ED6-8F45-9C53BCBA6C6D}" type="slidenum">
+              <a:rPr lang="es-ES" b="1" smtClean="0"/>
+              <a:t>11</a:t>
+            </a:fld>
+            <a:endParaRPr lang="es-ES" b="1" dirty="0"/>
+          </a:p>
+        </p:txBody>
+      </p:sp>
+      <p:sp>
+        <p:nvSpPr>
+          <p:cNvPr id="6" name="AutoShape 2" descr="Bildergebnis für mexiko  flagge">
+            <a:extLst>
+              <a:ext uri="{FF2B5EF4-FFF2-40B4-BE49-F238E27FC236}">
+                <a16:creationId xmlns:a16="http://schemas.microsoft.com/office/drawing/2014/main" id="{857C175E-0782-4771-83B5-FE30477F5ADE}"/>
+              </a:ext>
+            </a:extLst>
+          </p:cNvPr>
+          <p:cNvSpPr>
+            <a:spLocks noChangeAspect="1" noChangeArrowheads="1"/>
+          </p:cNvSpPr>
+          <p:nvPr/>
+        </p:nvSpPr>
+        <p:spPr bwMode="auto">
+          <a:xfrm>
+            <a:off x="5943600" y="3276600"/>
+            <a:ext cx="304800" cy="304800"/>
+          </a:xfrm>
+          <a:prstGeom prst="rect">
+            <a:avLst/>
+          </a:prstGeom>
+          <a:noFill/>
+          <a:extLst>
+            <a:ext uri="{909E8E84-426E-40DD-AFC4-6F175D3DCCD1}">
+              <a14:hiddenFill xmlns:a14="http://schemas.microsoft.com/office/drawing/2010/main">
+                <a:solidFill>
+                  <a:srgbClr val="FFFFFF"/>
+                </a:solidFill>
+              </a14:hiddenFill>
+            </a:ext>
+          </a:extLst>
+        </p:spPr>
+        <p:txBody>
+          <a:bodyPr vert="horz" wrap="square" lIns="91440" tIns="45720" rIns="91440" bIns="45720" numCol="1" anchor="t" anchorCtr="0" compatLnSpc="1">
+            <a:prstTxWarp prst="textNoShape">
+              <a:avLst/>
+            </a:prstTxWarp>
+          </a:bodyPr>
+          <a:lstStyle/>
+          <a:p>
+            <a:endParaRPr lang="es-ES"/>
+          </a:p>
+        </p:txBody>
+      </p:sp>
+      <p:sp>
+        <p:nvSpPr>
+          <p:cNvPr id="9" name="Titel 26">
+            <a:extLst>
+              <a:ext uri="{FF2B5EF4-FFF2-40B4-BE49-F238E27FC236}">
+                <a16:creationId xmlns:a16="http://schemas.microsoft.com/office/drawing/2014/main" id="{2EB3946F-2FEF-7647-9117-E92EBCA1223B}"/>
+              </a:ext>
+            </a:extLst>
+          </p:cNvPr>
+          <p:cNvSpPr txBox="1">
+            <a:spLocks/>
+          </p:cNvSpPr>
+          <p:nvPr/>
+        </p:nvSpPr>
+        <p:spPr>
+          <a:xfrm>
+            <a:off x="838200" y="0"/>
+            <a:ext cx="10515600" cy="1325563"/>
+          </a:xfrm>
+          <a:prstGeom prst="rect">
+            <a:avLst/>
+          </a:prstGeom>
+        </p:spPr>
+        <p:txBody>
+          <a:bodyPr vert="horz" lIns="91440" tIns="45720" rIns="91440" bIns="45720" rtlCol="0" anchor="ctr">
+            <a:normAutofit/>
+          </a:bodyPr>
+          <a:lstStyle>
+            <a:lvl1pPr algn="l" defTabSz="914400" rtl="0" eaLnBrk="1" latinLnBrk="0" hangingPunct="1">
+              <a:lnSpc>
+                <a:spcPct val="90000"/>
+              </a:lnSpc>
+              <a:spcBef>
+                <a:spcPct val="0"/>
+              </a:spcBef>
+              <a:buNone/>
+              <a:defRPr sz="4400" kern="1200">
+                <a:solidFill>
+                  <a:schemeClr val="tx1"/>
+                </a:solidFill>
+                <a:latin typeface="+mj-lt"/>
+                <a:ea typeface="+mj-ea"/>
+                <a:cs typeface="+mj-cs"/>
+              </a:defRPr>
+            </a:lvl1pPr>
+          </a:lstStyle>
+          <a:p>
+            <a:pPr algn="ctr"/>
+            <a:r>
+              <a:rPr lang="es-ES" sz="3600" u="sng" dirty="0">
+                <a:latin typeface="Arial" panose="020B0604020202020204" pitchFamily="34" charset="0"/>
+                <a:cs typeface="Arial" panose="020B0604020202020204" pitchFamily="34" charset="0"/>
+              </a:rPr>
+              <a:t>Konzept - Erste Ergebnisse und Erfahrungen</a:t>
+            </a:r>
+          </a:p>
+        </p:txBody>
+      </p:sp>
+      <p:sp>
+        <p:nvSpPr>
+          <p:cNvPr id="7" name="Fußzeilenplatzhalter 4">
+            <a:extLst>
+              <a:ext uri="{FF2B5EF4-FFF2-40B4-BE49-F238E27FC236}">
+                <a16:creationId xmlns:a16="http://schemas.microsoft.com/office/drawing/2014/main" id="{00D96A0B-DFF8-4590-A342-4EE02B81294A}"/>
+              </a:ext>
+            </a:extLst>
+          </p:cNvPr>
+          <p:cNvSpPr>
+            <a:spLocks noGrp="1"/>
+          </p:cNvSpPr>
+          <p:nvPr>
+            <p:ph type="ftr" sz="quarter" idx="11"/>
+          </p:nvPr>
+        </p:nvSpPr>
+        <p:spPr>
+          <a:xfrm>
+            <a:off x="117806" y="6356350"/>
+            <a:ext cx="4050287" cy="365125"/>
+          </a:xfrm>
+        </p:spPr>
+        <p:txBody>
+          <a:bodyPr/>
+          <a:lstStyle/>
+          <a:p>
+            <a:r>
+              <a:rPr lang="es-ES" dirty="0">
+                <a:latin typeface="Arial" panose="020B0604020202020204" pitchFamily="34" charset="0"/>
+                <a:cs typeface="Arial" panose="020B0604020202020204" pitchFamily="34" charset="0"/>
+              </a:rPr>
+              <a:t>Getriggerte Erdbeben – Orzelek, Reichmeier, Riedlberger</a:t>
+            </a:r>
+          </a:p>
+        </p:txBody>
+      </p:sp>
+      <p:sp>
+        <p:nvSpPr>
+          <p:cNvPr id="8" name="Textfeld 7">
+            <a:extLst>
+              <a:ext uri="{FF2B5EF4-FFF2-40B4-BE49-F238E27FC236}">
+                <a16:creationId xmlns:a16="http://schemas.microsoft.com/office/drawing/2014/main" id="{606EC3B3-7C55-407B-9219-764DFB52658B}"/>
+              </a:ext>
+            </a:extLst>
+          </p:cNvPr>
+          <p:cNvSpPr txBox="1"/>
+          <p:nvPr/>
+        </p:nvSpPr>
+        <p:spPr>
+          <a:xfrm>
+            <a:off x="7332029" y="1195444"/>
+            <a:ext cx="3825894" cy="2769989"/>
+          </a:xfrm>
+          <a:prstGeom prst="rect">
+            <a:avLst/>
+          </a:prstGeom>
+          <a:noFill/>
+        </p:spPr>
+        <p:txBody>
+          <a:bodyPr wrap="square" rtlCol="0">
+            <a:spAutoFit/>
+          </a:bodyPr>
+          <a:lstStyle/>
+          <a:p>
+            <a:r>
               <a:rPr lang="es-ES" sz="2000" u="sng" dirty="0"/>
               <a:t>Einfache lineare Regression (lm)</a:t>
             </a:r>
@@ -3927,17 +4204,7 @@
             </a:pPr>
             <a:r>
               <a:rPr lang="es-ES" sz="2000" dirty="0"/>
-              <a:t>Geringer positiver Einfluss</a:t>
-            </a:r>
-          </a:p>
-          <a:p>
-            <a:pPr marL="285750" indent="-285750">
-              <a:buFont typeface="Arial" panose="020B0604020202020204" pitchFamily="34" charset="0"/>
-              <a:buChar char="•"/>
-            </a:pPr>
-            <a:r>
-              <a:rPr lang="es-ES" sz="2000" dirty="0"/>
-              <a:t>signifikant</a:t>
+              <a:t>Geringer positiver, signifikanter Einfluss</a:t>
             </a:r>
           </a:p>
           <a:p>
@@ -4583,10 +4850,244 @@
   <p:clrMapOvr>
     <a:masterClrMapping/>
   </p:clrMapOvr>
+  <p:timing>
+    <p:tnLst>
+      <p:par>
+        <p:cTn id="1" dur="indefinite" restart="never" nodeType="tmRoot">
+          <p:childTnLst>
+            <p:seq concurrent="1" nextAc="seek">
+              <p:cTn id="2" dur="indefinite" nodeType="mainSeq">
+                <p:childTnLst>
+                  <p:par>
+                    <p:cTn id="3" fill="hold">
+                      <p:stCondLst>
+                        <p:cond delay="indefinite"/>
+                      </p:stCondLst>
+                      <p:childTnLst>
+                        <p:par>
+                          <p:cTn id="4" fill="hold">
+                            <p:stCondLst>
+                              <p:cond delay="0"/>
+                            </p:stCondLst>
+                            <p:childTnLst>
+                              <p:par>
+                                <p:cTn id="5" presetID="1" presetClass="entr" presetSubtype="0" fill="hold" grpId="0" nodeType="clickEffect">
+                                  <p:stCondLst>
+                                    <p:cond delay="0"/>
+                                  </p:stCondLst>
+                                  <p:childTnLst>
+                                    <p:set>
+                                      <p:cBhvr>
+                                        <p:cTn id="6" dur="1" fill="hold">
+                                          <p:stCondLst>
+                                            <p:cond delay="0"/>
+                                          </p:stCondLst>
+                                        </p:cTn>
+                                        <p:tgtEl>
+                                          <p:spTgt spid="2"/>
+                                        </p:tgtEl>
+                                        <p:attrNameLst>
+                                          <p:attrName>style.visibility</p:attrName>
+                                        </p:attrNameLst>
+                                      </p:cBhvr>
+                                      <p:to>
+                                        <p:strVal val="visible"/>
+                                      </p:to>
+                                    </p:set>
+                                  </p:childTnLst>
+                                </p:cTn>
+                              </p:par>
+                              <p:par>
+                                <p:cTn id="7" presetID="1" presetClass="entr" presetSubtype="0" fill="hold" nodeType="withEffect">
+                                  <p:stCondLst>
+                                    <p:cond delay="0"/>
+                                  </p:stCondLst>
+                                  <p:childTnLst>
+                                    <p:set>
+                                      <p:cBhvr>
+                                        <p:cTn id="8" dur="1" fill="hold">
+                                          <p:stCondLst>
+                                            <p:cond delay="0"/>
+                                          </p:stCondLst>
+                                        </p:cTn>
+                                        <p:tgtEl>
+                                          <p:spTgt spid="10"/>
+                                        </p:tgtEl>
+                                        <p:attrNameLst>
+                                          <p:attrName>style.visibility</p:attrName>
+                                        </p:attrNameLst>
+                                      </p:cBhvr>
+                                      <p:to>
+                                        <p:strVal val="visible"/>
+                                      </p:to>
+                                    </p:set>
+                                  </p:childTnLst>
+                                </p:cTn>
+                              </p:par>
+                              <p:par>
+                                <p:cTn id="9" presetID="1" presetClass="entr" presetSubtype="0" fill="hold" grpId="0" nodeType="withEffect">
+                                  <p:stCondLst>
+                                    <p:cond delay="0"/>
+                                  </p:stCondLst>
+                                  <p:childTnLst>
+                                    <p:set>
+                                      <p:cBhvr>
+                                        <p:cTn id="10" dur="1" fill="hold">
+                                          <p:stCondLst>
+                                            <p:cond delay="0"/>
+                                          </p:stCondLst>
+                                        </p:cTn>
+                                        <p:tgtEl>
+                                          <p:spTgt spid="8"/>
+                                        </p:tgtEl>
+                                        <p:attrNameLst>
+                                          <p:attrName>style.visibility</p:attrName>
+                                        </p:attrNameLst>
+                                      </p:cBhvr>
+                                      <p:to>
+                                        <p:strVal val="visible"/>
+                                      </p:to>
+                                    </p:set>
+                                  </p:childTnLst>
+                                </p:cTn>
+                              </p:par>
+                            </p:childTnLst>
+                          </p:cTn>
+                        </p:par>
+                      </p:childTnLst>
+                    </p:cTn>
+                  </p:par>
+                  <p:par>
+                    <p:cTn id="11" fill="hold">
+                      <p:stCondLst>
+                        <p:cond delay="indefinite"/>
+                      </p:stCondLst>
+                      <p:childTnLst>
+                        <p:par>
+                          <p:cTn id="12" fill="hold">
+                            <p:stCondLst>
+                              <p:cond delay="0"/>
+                            </p:stCondLst>
+                            <p:childTnLst>
+                              <p:par>
+                                <p:cTn id="13" presetID="1" presetClass="entr" presetSubtype="0" fill="hold" grpId="0" nodeType="clickEffect">
+                                  <p:stCondLst>
+                                    <p:cond delay="0"/>
+                                  </p:stCondLst>
+                                  <p:childTnLst>
+                                    <p:set>
+                                      <p:cBhvr>
+                                        <p:cTn id="14" dur="1" fill="hold">
+                                          <p:stCondLst>
+                                            <p:cond delay="0"/>
+                                          </p:stCondLst>
+                                        </p:cTn>
+                                        <p:tgtEl>
+                                          <p:spTgt spid="16"/>
+                                        </p:tgtEl>
+                                        <p:attrNameLst>
+                                          <p:attrName>style.visibility</p:attrName>
+                                        </p:attrNameLst>
+                                      </p:cBhvr>
+                                      <p:to>
+                                        <p:strVal val="visible"/>
+                                      </p:to>
+                                    </p:set>
+                                  </p:childTnLst>
+                                </p:cTn>
+                              </p:par>
+                              <p:par>
+                                <p:cTn id="15" presetID="1" presetClass="entr" presetSubtype="0" fill="hold" nodeType="withEffect">
+                                  <p:stCondLst>
+                                    <p:cond delay="0"/>
+                                  </p:stCondLst>
+                                  <p:childTnLst>
+                                    <p:set>
+                                      <p:cBhvr>
+                                        <p:cTn id="16" dur="1" fill="hold">
+                                          <p:stCondLst>
+                                            <p:cond delay="0"/>
+                                          </p:stCondLst>
+                                        </p:cTn>
+                                        <p:tgtEl>
+                                          <p:spTgt spid="17"/>
+                                        </p:tgtEl>
+                                        <p:attrNameLst>
+                                          <p:attrName>style.visibility</p:attrName>
+                                        </p:attrNameLst>
+                                      </p:cBhvr>
+                                      <p:to>
+                                        <p:strVal val="visible"/>
+                                      </p:to>
+                                    </p:set>
+                                  </p:childTnLst>
+                                </p:cTn>
+                              </p:par>
+                              <p:par>
+                                <p:cTn id="17" presetID="1" presetClass="entr" presetSubtype="0" fill="hold" grpId="0" nodeType="withEffect">
+                                  <p:stCondLst>
+                                    <p:cond delay="0"/>
+                                  </p:stCondLst>
+                                  <p:childTnLst>
+                                    <p:set>
+                                      <p:cBhvr>
+                                        <p:cTn id="18" dur="1" fill="hold">
+                                          <p:stCondLst>
+                                            <p:cond delay="0"/>
+                                          </p:stCondLst>
+                                        </p:cTn>
+                                        <p:tgtEl>
+                                          <p:spTgt spid="13"/>
+                                        </p:tgtEl>
+                                        <p:attrNameLst>
+                                          <p:attrName>style.visibility</p:attrName>
+                                        </p:attrNameLst>
+                                      </p:cBhvr>
+                                      <p:to>
+                                        <p:strVal val="visible"/>
+                                      </p:to>
+                                    </p:set>
+                                  </p:childTnLst>
+                                </p:cTn>
+                              </p:par>
+                            </p:childTnLst>
+                          </p:cTn>
+                        </p:par>
+                      </p:childTnLst>
+                    </p:cTn>
+                  </p:par>
+                </p:childTnLst>
+              </p:cTn>
+              <p:prevCondLst>
+                <p:cond evt="onPrev" delay="0">
+                  <p:tgtEl>
+                    <p:sldTgt/>
+                  </p:tgtEl>
+                </p:cond>
+              </p:prevCondLst>
+              <p:nextCondLst>
+                <p:cond evt="onNext" delay="0">
+                  <p:tgtEl>
+                    <p:sldTgt/>
+                  </p:tgtEl>
+                </p:cond>
+              </p:nextCondLst>
+            </p:seq>
+          </p:childTnLst>
+        </p:cTn>
+      </p:par>
+    </p:tnLst>
+    <p:bldLst>
+      <p:bldP spid="8" grpId="0"/>
+      <p:bldP spid="2" grpId="0" animBg="1"/>
+      <p:bldP spid="13" grpId="0"/>
+      <p:bldP spid="16" grpId="0" animBg="1"/>
+    </p:bldLst>
+  </p:timing>
 </p:sld>
 </file>
 
-<file path=ppt/slides/slide11.xml><?xml version="1.0" encoding="utf-8"?>
+<file path=ppt/slides/slide12.xml><?xml version="1.0" encoding="utf-8"?>
 <p:sld xmlns:a="http://schemas.openxmlformats.org/drawingml/2006/main" xmlns:r="http://schemas.openxmlformats.org/officeDocument/2006/relationships" xmlns:p="http://schemas.openxmlformats.org/presentationml/2006/main">
   <p:cSld>
     <p:spTree>
@@ -4626,7 +5127,7 @@
           <a:p>
             <a:fld id="{5C76D808-3489-4ED6-8F45-9C53BCBA6C6D}" type="slidenum">
               <a:rPr lang="es-ES" b="1" smtClean="0"/>
-              <a:t>11</a:t>
+              <a:t>12</a:t>
             </a:fld>
             <a:endParaRPr lang="es-ES" b="1" dirty="0"/>
           </a:p>
@@ -4837,7 +5338,7 @@
           <a:p>
             <a:r>
               <a:rPr lang="es-ES" sz="2000" u="sng" dirty="0"/>
-              <a:t>Residuenplot für das multiple lineare Modell</a:t>
+              <a:t>Plot für das multiple lineare Modell</a:t>
             </a:r>
           </a:p>
           <a:p>
@@ -4855,474 +5356,10 @@
           </a:p>
         </p:txBody>
       </p:sp>
-      <p:sp>
-        <p:nvSpPr>
-          <p:cNvPr id="2" name="Rechteck 1">
-            <a:extLst>
-              <a:ext uri="{FF2B5EF4-FFF2-40B4-BE49-F238E27FC236}">
-                <a16:creationId xmlns:a16="http://schemas.microsoft.com/office/drawing/2014/main" id="{E28DA305-2D87-4F69-A305-5A39476E5037}"/>
-              </a:ext>
-            </a:extLst>
-          </p:cNvPr>
-          <p:cNvSpPr/>
-          <p:nvPr/>
-        </p:nvSpPr>
-        <p:spPr>
-          <a:xfrm>
-            <a:off x="6950561" y="4975907"/>
-            <a:ext cx="4908588" cy="1219405"/>
-          </a:xfrm>
-          <a:prstGeom prst="rect">
-            <a:avLst/>
-          </a:prstGeom>
-          <a:solidFill>
-            <a:schemeClr val="accent4">
-              <a:lumMod val="40000"/>
-              <a:lumOff val="60000"/>
-            </a:schemeClr>
-          </a:solidFill>
-          <a:ln>
-            <a:noFill/>
-          </a:ln>
-        </p:spPr>
-        <p:style>
-          <a:lnRef idx="2">
-            <a:schemeClr val="accent1">
-              <a:shade val="50000"/>
-            </a:schemeClr>
-          </a:lnRef>
-          <a:fillRef idx="1">
-            <a:schemeClr val="accent1"/>
-          </a:fillRef>
-          <a:effectRef idx="0">
-            <a:schemeClr val="accent1"/>
-          </a:effectRef>
-          <a:fontRef idx="minor">
-            <a:schemeClr val="lt1"/>
-          </a:fontRef>
-        </p:style>
-        <p:txBody>
-          <a:bodyPr rtlCol="0" anchor="ctr"/>
-          <a:lstStyle/>
-          <a:p>
-            <a:pPr algn="ctr"/>
-            <a:r>
-              <a:rPr lang="es-ES" dirty="0">
-                <a:solidFill>
-                  <a:schemeClr val="tx1"/>
-                </a:solidFill>
-              </a:rPr>
-              <a:t>Probleme:</a:t>
-            </a:r>
-          </a:p>
-          <a:p>
-            <a:pPr algn="ctr"/>
-            <a:r>
-              <a:rPr lang="es-ES" dirty="0">
-                <a:solidFill>
-                  <a:schemeClr val="tx1"/>
-                </a:solidFill>
-              </a:rPr>
-              <a:t>Beobachtete Werte werden nicht gut geschätzt</a:t>
-            </a:r>
-          </a:p>
-          <a:p>
-            <a:pPr algn="ctr"/>
-            <a:r>
-              <a:rPr lang="es-ES" dirty="0">
-                <a:solidFill>
-                  <a:schemeClr val="tx1"/>
-                </a:solidFill>
-              </a:rPr>
-              <a:t>Die Residuenannahme wird verletzt</a:t>
-            </a:r>
-          </a:p>
-        </p:txBody>
-      </p:sp>
     </p:spTree>
     <p:extLst>
       <p:ext uri="{BB962C8B-B14F-4D97-AF65-F5344CB8AC3E}">
         <p14:creationId xmlns:p14="http://schemas.microsoft.com/office/powerpoint/2010/main" val="2859449679"/>
-      </p:ext>
-    </p:extLst>
-  </p:cSld>
-  <p:clrMapOvr>
-    <a:masterClrMapping/>
-  </p:clrMapOvr>
-</p:sld>
-</file>
-
-<file path=ppt/slides/slide12.xml><?xml version="1.0" encoding="utf-8"?>
-<p:sld xmlns:a="http://schemas.openxmlformats.org/drawingml/2006/main" xmlns:r="http://schemas.openxmlformats.org/officeDocument/2006/relationships" xmlns:p="http://schemas.openxmlformats.org/presentationml/2006/main">
-  <p:cSld>
-    <p:spTree>
-      <p:nvGrpSpPr>
-        <p:cNvPr id="1" name=""/>
-        <p:cNvGrpSpPr/>
-        <p:nvPr/>
-      </p:nvGrpSpPr>
-      <p:grpSpPr>
-        <a:xfrm>
-          <a:off x="0" y="0"/>
-          <a:ext cx="0" cy="0"/>
-          <a:chOff x="0" y="0"/>
-          <a:chExt cx="0" cy="0"/>
-        </a:xfrm>
-      </p:grpSpPr>
-      <p:sp>
-        <p:nvSpPr>
-          <p:cNvPr id="4" name="Foliennummernplatzhalter 3">
-            <a:extLst>
-              <a:ext uri="{FF2B5EF4-FFF2-40B4-BE49-F238E27FC236}">
-                <a16:creationId xmlns:a16="http://schemas.microsoft.com/office/drawing/2014/main" id="{38F51045-17B2-4CC8-80FB-808D3D232D7E}"/>
-              </a:ext>
-            </a:extLst>
-          </p:cNvPr>
-          <p:cNvSpPr>
-            <a:spLocks noGrp="1"/>
-          </p:cNvSpPr>
-          <p:nvPr>
-            <p:ph type="sldNum" sz="quarter" idx="12"/>
-          </p:nvPr>
-        </p:nvSpPr>
-        <p:spPr/>
-        <p:txBody>
-          <a:bodyPr/>
-          <a:lstStyle/>
-          <a:p>
-            <a:fld id="{5C76D808-3489-4ED6-8F45-9C53BCBA6C6D}" type="slidenum">
-              <a:rPr lang="es-ES" b="1" smtClean="0"/>
-              <a:t>12</a:t>
-            </a:fld>
-            <a:endParaRPr lang="es-ES" b="1" dirty="0"/>
-          </a:p>
-        </p:txBody>
-      </p:sp>
-      <p:sp>
-        <p:nvSpPr>
-          <p:cNvPr id="6" name="AutoShape 2" descr="Bildergebnis für mexiko  flagge">
-            <a:extLst>
-              <a:ext uri="{FF2B5EF4-FFF2-40B4-BE49-F238E27FC236}">
-                <a16:creationId xmlns:a16="http://schemas.microsoft.com/office/drawing/2014/main" id="{857C175E-0782-4771-83B5-FE30477F5ADE}"/>
-              </a:ext>
-            </a:extLst>
-          </p:cNvPr>
-          <p:cNvSpPr>
-            <a:spLocks noChangeAspect="1" noChangeArrowheads="1"/>
-          </p:cNvSpPr>
-          <p:nvPr/>
-        </p:nvSpPr>
-        <p:spPr bwMode="auto">
-          <a:xfrm>
-            <a:off x="5943600" y="3276600"/>
-            <a:ext cx="304800" cy="304800"/>
-          </a:xfrm>
-          <a:prstGeom prst="rect">
-            <a:avLst/>
-          </a:prstGeom>
-          <a:noFill/>
-          <a:extLst>
-            <a:ext uri="{909E8E84-426E-40DD-AFC4-6F175D3DCCD1}">
-              <a14:hiddenFill xmlns:a14="http://schemas.microsoft.com/office/drawing/2010/main">
-                <a:solidFill>
-                  <a:srgbClr val="FFFFFF"/>
-                </a:solidFill>
-              </a14:hiddenFill>
-            </a:ext>
-          </a:extLst>
-        </p:spPr>
-        <p:txBody>
-          <a:bodyPr vert="horz" wrap="square" lIns="91440" tIns="45720" rIns="91440" bIns="45720" numCol="1" anchor="t" anchorCtr="0" compatLnSpc="1">
-            <a:prstTxWarp prst="textNoShape">
-              <a:avLst/>
-            </a:prstTxWarp>
-          </a:bodyPr>
-          <a:lstStyle/>
-          <a:p>
-            <a:endParaRPr lang="es-ES"/>
-          </a:p>
-        </p:txBody>
-      </p:sp>
-      <p:sp>
-        <p:nvSpPr>
-          <p:cNvPr id="9" name="Titel 26">
-            <a:extLst>
-              <a:ext uri="{FF2B5EF4-FFF2-40B4-BE49-F238E27FC236}">
-                <a16:creationId xmlns:a16="http://schemas.microsoft.com/office/drawing/2014/main" id="{2EB3946F-2FEF-7647-9117-E92EBCA1223B}"/>
-              </a:ext>
-            </a:extLst>
-          </p:cNvPr>
-          <p:cNvSpPr txBox="1">
-            <a:spLocks/>
-          </p:cNvSpPr>
-          <p:nvPr/>
-        </p:nvSpPr>
-        <p:spPr>
-          <a:xfrm>
-            <a:off x="860639" y="-235612"/>
-            <a:ext cx="10515600" cy="1325563"/>
-          </a:xfrm>
-          <a:prstGeom prst="rect">
-            <a:avLst/>
-          </a:prstGeom>
-        </p:spPr>
-        <p:txBody>
-          <a:bodyPr vert="horz" lIns="91440" tIns="45720" rIns="91440" bIns="45720" rtlCol="0" anchor="ctr">
-            <a:normAutofit/>
-          </a:bodyPr>
-          <a:lstStyle>
-            <a:lvl1pPr algn="l" defTabSz="914400" rtl="0" eaLnBrk="1" latinLnBrk="0" hangingPunct="1">
-              <a:lnSpc>
-                <a:spcPct val="90000"/>
-              </a:lnSpc>
-              <a:spcBef>
-                <a:spcPct val="0"/>
-              </a:spcBef>
-              <a:buNone/>
-              <a:defRPr sz="4400" kern="1200">
-                <a:solidFill>
-                  <a:schemeClr val="tx1"/>
-                </a:solidFill>
-                <a:latin typeface="+mj-lt"/>
-                <a:ea typeface="+mj-ea"/>
-                <a:cs typeface="+mj-cs"/>
-              </a:defRPr>
-            </a:lvl1pPr>
-          </a:lstStyle>
-          <a:p>
-            <a:pPr algn="ctr"/>
-            <a:r>
-              <a:rPr lang="es-ES" sz="3600" u="sng" dirty="0">
-                <a:latin typeface="Arial" panose="020B0604020202020204" pitchFamily="34" charset="0"/>
-                <a:cs typeface="Arial" panose="020B0604020202020204" pitchFamily="34" charset="0"/>
-              </a:rPr>
-              <a:t>Konzept - Erste Ergebnisse und Erfahrungen</a:t>
-            </a:r>
-          </a:p>
-        </p:txBody>
-      </p:sp>
-      <p:sp>
-        <p:nvSpPr>
-          <p:cNvPr id="7" name="Fußzeilenplatzhalter 4">
-            <a:extLst>
-              <a:ext uri="{FF2B5EF4-FFF2-40B4-BE49-F238E27FC236}">
-                <a16:creationId xmlns:a16="http://schemas.microsoft.com/office/drawing/2014/main" id="{00D96A0B-DFF8-4590-A342-4EE02B81294A}"/>
-              </a:ext>
-            </a:extLst>
-          </p:cNvPr>
-          <p:cNvSpPr>
-            <a:spLocks noGrp="1"/>
-          </p:cNvSpPr>
-          <p:nvPr>
-            <p:ph type="ftr" sz="quarter" idx="11"/>
-          </p:nvPr>
-        </p:nvSpPr>
-        <p:spPr>
-          <a:xfrm>
-            <a:off x="117806" y="6356350"/>
-            <a:ext cx="4050287" cy="365125"/>
-          </a:xfrm>
-        </p:spPr>
-        <p:txBody>
-          <a:bodyPr/>
-          <a:lstStyle/>
-          <a:p>
-            <a:r>
-              <a:rPr lang="es-ES" dirty="0">
-                <a:latin typeface="Arial" panose="020B0604020202020204" pitchFamily="34" charset="0"/>
-                <a:cs typeface="Arial" panose="020B0604020202020204" pitchFamily="34" charset="0"/>
-              </a:rPr>
-              <a:t>Getriggerte Erdbeben – Orzelek, Reichmeier, Riedlberger</a:t>
-            </a:r>
-          </a:p>
-        </p:txBody>
-      </p:sp>
-      <p:pic>
-        <p:nvPicPr>
-          <p:cNvPr id="12" name="Grafik 11">
-            <a:extLst>
-              <a:ext uri="{FF2B5EF4-FFF2-40B4-BE49-F238E27FC236}">
-                <a16:creationId xmlns:a16="http://schemas.microsoft.com/office/drawing/2014/main" id="{AAFC44AA-7AAC-4D4A-AB01-82A7446A3F51}"/>
-              </a:ext>
-            </a:extLst>
-          </p:cNvPr>
-          <p:cNvPicPr>
-            <a:picLocks noChangeAspect="1"/>
-          </p:cNvPicPr>
-          <p:nvPr/>
-        </p:nvPicPr>
-        <p:blipFill>
-          <a:blip r:embed="rId2">
-            <a:extLst>
-              <a:ext uri="{28A0092B-C50C-407E-A947-70E740481C1C}">
-                <a14:useLocalDpi xmlns:a14="http://schemas.microsoft.com/office/drawing/2010/main" val="0"/>
-              </a:ext>
-            </a:extLst>
-          </a:blip>
-          <a:stretch>
-            <a:fillRect/>
-          </a:stretch>
-        </p:blipFill>
-        <p:spPr>
-          <a:xfrm>
-            <a:off x="562219" y="1633494"/>
-            <a:ext cx="7063878" cy="4414924"/>
-          </a:xfrm>
-          <a:prstGeom prst="rect">
-            <a:avLst/>
-          </a:prstGeom>
-        </p:spPr>
-      </p:pic>
-      <p:sp>
-        <p:nvSpPr>
-          <p:cNvPr id="13" name="Textfeld 12">
-            <a:extLst>
-              <a:ext uri="{FF2B5EF4-FFF2-40B4-BE49-F238E27FC236}">
-                <a16:creationId xmlns:a16="http://schemas.microsoft.com/office/drawing/2014/main" id="{52A50109-D42B-49F6-82F0-616FDCBEBBE7}"/>
-              </a:ext>
-            </a:extLst>
-          </p:cNvPr>
-          <p:cNvSpPr txBox="1"/>
-          <p:nvPr/>
-        </p:nvSpPr>
-        <p:spPr>
-          <a:xfrm>
-            <a:off x="8007545" y="3215319"/>
-            <a:ext cx="3949310" cy="1015663"/>
-          </a:xfrm>
-          <a:prstGeom prst="rect">
-            <a:avLst/>
-          </a:prstGeom>
-          <a:noFill/>
-        </p:spPr>
-        <p:txBody>
-          <a:bodyPr wrap="square" rtlCol="0">
-            <a:spAutoFit/>
-          </a:bodyPr>
-          <a:lstStyle/>
-          <a:p>
-            <a:pPr marL="285750" indent="-285750">
-              <a:buFont typeface="Arial" panose="020B0604020202020204" pitchFamily="34" charset="0"/>
-              <a:buChar char="•"/>
-            </a:pPr>
-            <a:r>
-              <a:rPr lang="es-ES" sz="2000" dirty="0"/>
-              <a:t>Daten sind Exponentialverteilt</a:t>
-            </a:r>
-          </a:p>
-          <a:p>
-            <a:endParaRPr lang="es-ES" sz="2000" dirty="0"/>
-          </a:p>
-          <a:p>
-            <a:r>
-              <a:rPr lang="es-ES" sz="2000" dirty="0">
-                <a:sym typeface="Wingdings" panose="05000000000000000000" pitchFamily="2" charset="2"/>
-              </a:rPr>
-              <a:t> Annahme für folgende Modelle</a:t>
-            </a:r>
-            <a:endParaRPr lang="es-ES" sz="2000" dirty="0"/>
-          </a:p>
-        </p:txBody>
-      </p:sp>
-      <p:sp>
-        <p:nvSpPr>
-          <p:cNvPr id="15" name="Rechteck 14">
-            <a:extLst>
-              <a:ext uri="{FF2B5EF4-FFF2-40B4-BE49-F238E27FC236}">
-                <a16:creationId xmlns:a16="http://schemas.microsoft.com/office/drawing/2014/main" id="{B2AFAE58-CC0D-4EB3-BD1A-97502FCC7DDB}"/>
-              </a:ext>
-            </a:extLst>
-          </p:cNvPr>
-          <p:cNvSpPr/>
-          <p:nvPr/>
-        </p:nvSpPr>
-        <p:spPr>
-          <a:xfrm rot="16200000">
-            <a:off x="-160652" y="3688555"/>
-            <a:ext cx="1873679" cy="304801"/>
-          </a:xfrm>
-          <a:prstGeom prst="rect">
-            <a:avLst/>
-          </a:prstGeom>
-          <a:solidFill>
-            <a:schemeClr val="bg1"/>
-          </a:solidFill>
-          <a:ln>
-            <a:solidFill>
-              <a:schemeClr val="bg1"/>
-            </a:solidFill>
-          </a:ln>
-        </p:spPr>
-        <p:style>
-          <a:lnRef idx="2">
-            <a:schemeClr val="accent1">
-              <a:shade val="50000"/>
-            </a:schemeClr>
-          </a:lnRef>
-          <a:fillRef idx="1">
-            <a:schemeClr val="accent1"/>
-          </a:fillRef>
-          <a:effectRef idx="0">
-            <a:schemeClr val="accent1"/>
-          </a:effectRef>
-          <a:fontRef idx="minor">
-            <a:schemeClr val="lt1"/>
-          </a:fontRef>
-        </p:style>
-        <p:txBody>
-          <a:bodyPr rtlCol="0" anchor="ctr"/>
-          <a:lstStyle/>
-          <a:p>
-            <a:r>
-              <a:rPr lang="es-ES" dirty="0">
-                <a:solidFill>
-                  <a:schemeClr val="tx1"/>
-                </a:solidFill>
-              </a:rPr>
-              <a:t>Absolute Anzahl</a:t>
-            </a:r>
-          </a:p>
-        </p:txBody>
-      </p:sp>
-      <p:sp>
-        <p:nvSpPr>
-          <p:cNvPr id="16" name="Textfeld 15">
-            <a:extLst>
-              <a:ext uri="{FF2B5EF4-FFF2-40B4-BE49-F238E27FC236}">
-                <a16:creationId xmlns:a16="http://schemas.microsoft.com/office/drawing/2014/main" id="{C162446A-2827-4B3A-80D5-154CE40C4E8F}"/>
-              </a:ext>
-            </a:extLst>
-          </p:cNvPr>
-          <p:cNvSpPr txBox="1"/>
-          <p:nvPr/>
-        </p:nvSpPr>
-        <p:spPr>
-          <a:xfrm>
-            <a:off x="1153124" y="1264162"/>
-            <a:ext cx="6627691" cy="369332"/>
-          </a:xfrm>
-          <a:prstGeom prst="rect">
-            <a:avLst/>
-          </a:prstGeom>
-          <a:noFill/>
-        </p:spPr>
-        <p:txBody>
-          <a:bodyPr wrap="square" rtlCol="0">
-            <a:spAutoFit/>
-          </a:bodyPr>
-          <a:lstStyle/>
-          <a:p>
-            <a:r>
-              <a:rPr lang="es-ES" dirty="0"/>
-              <a:t>Häufigkeitsverteilung der getriggerten Erdbeben nach Magnitude</a:t>
-            </a:r>
-          </a:p>
-        </p:txBody>
-      </p:sp>
-    </p:spTree>
-    <p:extLst>
-      <p:ext uri="{BB962C8B-B14F-4D97-AF65-F5344CB8AC3E}">
-        <p14:creationId xmlns:p14="http://schemas.microsoft.com/office/powerpoint/2010/main" val="2041959648"/>
       </p:ext>
     </p:extLst>
   </p:cSld>
@@ -5373,6 +5410,782 @@
             <a:fld id="{5C76D808-3489-4ED6-8F45-9C53BCBA6C6D}" type="slidenum">
               <a:rPr lang="es-ES" b="1" smtClean="0"/>
               <a:t>13</a:t>
+            </a:fld>
+            <a:endParaRPr lang="es-ES" b="1" dirty="0"/>
+          </a:p>
+        </p:txBody>
+      </p:sp>
+      <p:sp>
+        <p:nvSpPr>
+          <p:cNvPr id="9" name="Titel 26">
+            <a:extLst>
+              <a:ext uri="{FF2B5EF4-FFF2-40B4-BE49-F238E27FC236}">
+                <a16:creationId xmlns:a16="http://schemas.microsoft.com/office/drawing/2014/main" id="{2EB3946F-2FEF-7647-9117-E92EBCA1223B}"/>
+              </a:ext>
+            </a:extLst>
+          </p:cNvPr>
+          <p:cNvSpPr txBox="1">
+            <a:spLocks/>
+          </p:cNvSpPr>
+          <p:nvPr/>
+        </p:nvSpPr>
+        <p:spPr>
+          <a:xfrm>
+            <a:off x="838200" y="0"/>
+            <a:ext cx="10515600" cy="1325563"/>
+          </a:xfrm>
+          <a:prstGeom prst="rect">
+            <a:avLst/>
+          </a:prstGeom>
+        </p:spPr>
+        <p:txBody>
+          <a:bodyPr vert="horz" lIns="91440" tIns="45720" rIns="91440" bIns="45720" rtlCol="0" anchor="ctr">
+            <a:normAutofit/>
+          </a:bodyPr>
+          <a:lstStyle>
+            <a:lvl1pPr algn="l" defTabSz="914400" rtl="0" eaLnBrk="1" latinLnBrk="0" hangingPunct="1">
+              <a:lnSpc>
+                <a:spcPct val="90000"/>
+              </a:lnSpc>
+              <a:spcBef>
+                <a:spcPct val="0"/>
+              </a:spcBef>
+              <a:buNone/>
+              <a:defRPr sz="4400" kern="1200">
+                <a:solidFill>
+                  <a:schemeClr val="tx1"/>
+                </a:solidFill>
+                <a:latin typeface="+mj-lt"/>
+                <a:ea typeface="+mj-ea"/>
+                <a:cs typeface="+mj-cs"/>
+              </a:defRPr>
+            </a:lvl1pPr>
+          </a:lstStyle>
+          <a:p>
+            <a:pPr algn="ctr"/>
+            <a:r>
+              <a:rPr lang="es-ES" sz="3600" u="sng" dirty="0">
+                <a:latin typeface="Arial" panose="020B0604020202020204" pitchFamily="34" charset="0"/>
+                <a:cs typeface="Arial" panose="020B0604020202020204" pitchFamily="34" charset="0"/>
+              </a:rPr>
+              <a:t>Konzept - Erste Ergebnisse und Erfahrungen</a:t>
+            </a:r>
+          </a:p>
+        </p:txBody>
+      </p:sp>
+      <p:sp>
+        <p:nvSpPr>
+          <p:cNvPr id="7" name="Fußzeilenplatzhalter 4">
+            <a:extLst>
+              <a:ext uri="{FF2B5EF4-FFF2-40B4-BE49-F238E27FC236}">
+                <a16:creationId xmlns:a16="http://schemas.microsoft.com/office/drawing/2014/main" id="{00D96A0B-DFF8-4590-A342-4EE02B81294A}"/>
+              </a:ext>
+            </a:extLst>
+          </p:cNvPr>
+          <p:cNvSpPr>
+            <a:spLocks noGrp="1"/>
+          </p:cNvSpPr>
+          <p:nvPr>
+            <p:ph type="ftr" sz="quarter" idx="11"/>
+          </p:nvPr>
+        </p:nvSpPr>
+        <p:spPr>
+          <a:xfrm>
+            <a:off x="117806" y="6356350"/>
+            <a:ext cx="4050287" cy="365125"/>
+          </a:xfrm>
+        </p:spPr>
+        <p:txBody>
+          <a:bodyPr/>
+          <a:lstStyle/>
+          <a:p>
+            <a:r>
+              <a:rPr lang="es-ES" dirty="0">
+                <a:latin typeface="Arial" panose="020B0604020202020204" pitchFamily="34" charset="0"/>
+                <a:cs typeface="Arial" panose="020B0604020202020204" pitchFamily="34" charset="0"/>
+              </a:rPr>
+              <a:t>Getriggerte Erdbeben – Orzelek, Reichmeier, Riedlberger</a:t>
+            </a:r>
+          </a:p>
+        </p:txBody>
+      </p:sp>
+      <p:sp>
+        <p:nvSpPr>
+          <p:cNvPr id="2" name="Rechteck 1">
+            <a:extLst>
+              <a:ext uri="{FF2B5EF4-FFF2-40B4-BE49-F238E27FC236}">
+                <a16:creationId xmlns:a16="http://schemas.microsoft.com/office/drawing/2014/main" id="{E28DA305-2D87-4F69-A305-5A39476E5037}"/>
+              </a:ext>
+            </a:extLst>
+          </p:cNvPr>
+          <p:cNvSpPr/>
+          <p:nvPr/>
+        </p:nvSpPr>
+        <p:spPr>
+          <a:xfrm>
+            <a:off x="6623990" y="4981350"/>
+            <a:ext cx="4908588" cy="1219405"/>
+          </a:xfrm>
+          <a:prstGeom prst="rect">
+            <a:avLst/>
+          </a:prstGeom>
+          <a:solidFill>
+            <a:schemeClr val="accent4">
+              <a:lumMod val="40000"/>
+              <a:lumOff val="60000"/>
+            </a:schemeClr>
+          </a:solidFill>
+          <a:ln>
+            <a:noFill/>
+          </a:ln>
+        </p:spPr>
+        <p:style>
+          <a:lnRef idx="2">
+            <a:schemeClr val="accent1">
+              <a:shade val="50000"/>
+            </a:schemeClr>
+          </a:lnRef>
+          <a:fillRef idx="1">
+            <a:schemeClr val="accent1"/>
+          </a:fillRef>
+          <a:effectRef idx="0">
+            <a:schemeClr val="accent1"/>
+          </a:effectRef>
+          <a:fontRef idx="minor">
+            <a:schemeClr val="lt1"/>
+          </a:fontRef>
+        </p:style>
+        <p:txBody>
+          <a:bodyPr rtlCol="0" anchor="ctr"/>
+          <a:lstStyle/>
+          <a:p>
+            <a:pPr algn="ctr"/>
+            <a:r>
+              <a:rPr lang="es-ES" dirty="0">
+                <a:solidFill>
+                  <a:schemeClr val="tx1"/>
+                </a:solidFill>
+              </a:rPr>
+              <a:t>Probleme:</a:t>
+            </a:r>
+          </a:p>
+          <a:p>
+            <a:pPr algn="ctr"/>
+            <a:r>
+              <a:rPr lang="es-ES" dirty="0">
+                <a:solidFill>
+                  <a:schemeClr val="tx1"/>
+                </a:solidFill>
+              </a:rPr>
+              <a:t>Beobachtete Werte werden nicht gut geschätzt</a:t>
+            </a:r>
+          </a:p>
+          <a:p>
+            <a:pPr algn="ctr"/>
+            <a:r>
+              <a:rPr lang="es-ES" dirty="0">
+                <a:solidFill>
+                  <a:schemeClr val="tx1"/>
+                </a:solidFill>
+              </a:rPr>
+              <a:t>Die Residuenannahme wird verletzt</a:t>
+            </a:r>
+          </a:p>
+        </p:txBody>
+      </p:sp>
+      <p:sp>
+        <p:nvSpPr>
+          <p:cNvPr id="8" name="Textfeld 7">
+            <a:extLst>
+              <a:ext uri="{FF2B5EF4-FFF2-40B4-BE49-F238E27FC236}">
+                <a16:creationId xmlns:a16="http://schemas.microsoft.com/office/drawing/2014/main" id="{7D41606C-2E58-43EF-BECC-FA07E010FC5B}"/>
+              </a:ext>
+            </a:extLst>
+          </p:cNvPr>
+          <p:cNvSpPr txBox="1"/>
+          <p:nvPr/>
+        </p:nvSpPr>
+        <p:spPr>
+          <a:xfrm>
+            <a:off x="5943599" y="1665514"/>
+            <a:ext cx="3815444" cy="707886"/>
+          </a:xfrm>
+          <a:prstGeom prst="rect">
+            <a:avLst/>
+          </a:prstGeom>
+          <a:noFill/>
+        </p:spPr>
+        <p:txBody>
+          <a:bodyPr wrap="square" rtlCol="0">
+            <a:spAutoFit/>
+          </a:bodyPr>
+          <a:lstStyle/>
+          <a:p>
+            <a:r>
+              <a:rPr lang="es-ES" sz="2000" u="sng" dirty="0"/>
+              <a:t>Residuenplot </a:t>
+            </a:r>
+          </a:p>
+          <a:p>
+            <a:pPr marL="342900" indent="-342900">
+              <a:buFont typeface="Arial" panose="020B0604020202020204" pitchFamily="34" charset="0"/>
+              <a:buChar char="•"/>
+            </a:pPr>
+            <a:r>
+              <a:rPr lang="es-ES" sz="2000" dirty="0"/>
+              <a:t>Keine zufällige Streuung um 0</a:t>
+            </a:r>
+          </a:p>
+        </p:txBody>
+      </p:sp>
+      <p:pic>
+        <p:nvPicPr>
+          <p:cNvPr id="11" name="Grafik 10">
+            <a:extLst>
+              <a:ext uri="{FF2B5EF4-FFF2-40B4-BE49-F238E27FC236}">
+                <a16:creationId xmlns:a16="http://schemas.microsoft.com/office/drawing/2014/main" id="{703E8091-D49D-4E36-B713-2C813413A801}"/>
+              </a:ext>
+            </a:extLst>
+          </p:cNvPr>
+          <p:cNvPicPr>
+            <a:picLocks noChangeAspect="1"/>
+          </p:cNvPicPr>
+          <p:nvPr/>
+        </p:nvPicPr>
+        <p:blipFill>
+          <a:blip r:embed="rId2">
+            <a:extLst>
+              <a:ext uri="{28A0092B-C50C-407E-A947-70E740481C1C}">
+                <a14:useLocalDpi xmlns:a14="http://schemas.microsoft.com/office/drawing/2010/main" val="0"/>
+              </a:ext>
+            </a:extLst>
+          </a:blip>
+          <a:stretch>
+            <a:fillRect/>
+          </a:stretch>
+        </p:blipFill>
+        <p:spPr>
+          <a:xfrm>
+            <a:off x="917050" y="1077840"/>
+            <a:ext cx="4050287" cy="5278510"/>
+          </a:xfrm>
+          <a:prstGeom prst="rect">
+            <a:avLst/>
+          </a:prstGeom>
+        </p:spPr>
+      </p:pic>
+    </p:spTree>
+    <p:extLst>
+      <p:ext uri="{BB962C8B-B14F-4D97-AF65-F5344CB8AC3E}">
+        <p14:creationId xmlns:p14="http://schemas.microsoft.com/office/powerpoint/2010/main" val="621566191"/>
+      </p:ext>
+    </p:extLst>
+  </p:cSld>
+  <p:clrMapOvr>
+    <a:masterClrMapping/>
+  </p:clrMapOvr>
+  <p:timing>
+    <p:tnLst>
+      <p:par>
+        <p:cTn id="1" dur="indefinite" restart="never" nodeType="tmRoot">
+          <p:childTnLst>
+            <p:seq concurrent="1" nextAc="seek">
+              <p:cTn id="2" dur="indefinite" nodeType="mainSeq">
+                <p:childTnLst>
+                  <p:par>
+                    <p:cTn id="3" fill="hold">
+                      <p:stCondLst>
+                        <p:cond delay="indefinite"/>
+                      </p:stCondLst>
+                      <p:childTnLst>
+                        <p:par>
+                          <p:cTn id="4" fill="hold">
+                            <p:stCondLst>
+                              <p:cond delay="0"/>
+                            </p:stCondLst>
+                            <p:childTnLst>
+                              <p:par>
+                                <p:cTn id="5" presetID="1" presetClass="entr" presetSubtype="0" fill="hold" grpId="0" nodeType="clickEffect">
+                                  <p:stCondLst>
+                                    <p:cond delay="0"/>
+                                  </p:stCondLst>
+                                  <p:childTnLst>
+                                    <p:set>
+                                      <p:cBhvr>
+                                        <p:cTn id="6" dur="1" fill="hold">
+                                          <p:stCondLst>
+                                            <p:cond delay="0"/>
+                                          </p:stCondLst>
+                                        </p:cTn>
+                                        <p:tgtEl>
+                                          <p:spTgt spid="2"/>
+                                        </p:tgtEl>
+                                        <p:attrNameLst>
+                                          <p:attrName>style.visibility</p:attrName>
+                                        </p:attrNameLst>
+                                      </p:cBhvr>
+                                      <p:to>
+                                        <p:strVal val="visible"/>
+                                      </p:to>
+                                    </p:set>
+                                  </p:childTnLst>
+                                </p:cTn>
+                              </p:par>
+                            </p:childTnLst>
+                          </p:cTn>
+                        </p:par>
+                      </p:childTnLst>
+                    </p:cTn>
+                  </p:par>
+                </p:childTnLst>
+              </p:cTn>
+              <p:prevCondLst>
+                <p:cond evt="onPrev" delay="0">
+                  <p:tgtEl>
+                    <p:sldTgt/>
+                  </p:tgtEl>
+                </p:cond>
+              </p:prevCondLst>
+              <p:nextCondLst>
+                <p:cond evt="onNext" delay="0">
+                  <p:tgtEl>
+                    <p:sldTgt/>
+                  </p:tgtEl>
+                </p:cond>
+              </p:nextCondLst>
+            </p:seq>
+          </p:childTnLst>
+        </p:cTn>
+      </p:par>
+    </p:tnLst>
+    <p:bldLst>
+      <p:bldP spid="2" grpId="0" animBg="1"/>
+    </p:bldLst>
+  </p:timing>
+</p:sld>
+</file>
+
+<file path=ppt/slides/slide14.xml><?xml version="1.0" encoding="utf-8"?>
+<p:sld xmlns:a="http://schemas.openxmlformats.org/drawingml/2006/main" xmlns:r="http://schemas.openxmlformats.org/officeDocument/2006/relationships" xmlns:p="http://schemas.openxmlformats.org/presentationml/2006/main">
+  <p:cSld>
+    <p:spTree>
+      <p:nvGrpSpPr>
+        <p:cNvPr id="1" name=""/>
+        <p:cNvGrpSpPr/>
+        <p:nvPr/>
+      </p:nvGrpSpPr>
+      <p:grpSpPr>
+        <a:xfrm>
+          <a:off x="0" y="0"/>
+          <a:ext cx="0" cy="0"/>
+          <a:chOff x="0" y="0"/>
+          <a:chExt cx="0" cy="0"/>
+        </a:xfrm>
+      </p:grpSpPr>
+      <p:sp>
+        <p:nvSpPr>
+          <p:cNvPr id="4" name="Foliennummernplatzhalter 3">
+            <a:extLst>
+              <a:ext uri="{FF2B5EF4-FFF2-40B4-BE49-F238E27FC236}">
+                <a16:creationId xmlns:a16="http://schemas.microsoft.com/office/drawing/2014/main" id="{38F51045-17B2-4CC8-80FB-808D3D232D7E}"/>
+              </a:ext>
+            </a:extLst>
+          </p:cNvPr>
+          <p:cNvSpPr>
+            <a:spLocks noGrp="1"/>
+          </p:cNvSpPr>
+          <p:nvPr>
+            <p:ph type="sldNum" sz="quarter" idx="12"/>
+          </p:nvPr>
+        </p:nvSpPr>
+        <p:spPr/>
+        <p:txBody>
+          <a:bodyPr/>
+          <a:lstStyle/>
+          <a:p>
+            <a:fld id="{5C76D808-3489-4ED6-8F45-9C53BCBA6C6D}" type="slidenum">
+              <a:rPr lang="es-ES" b="1" smtClean="0"/>
+              <a:t>14</a:t>
+            </a:fld>
+            <a:endParaRPr lang="es-ES" b="1" dirty="0"/>
+          </a:p>
+        </p:txBody>
+      </p:sp>
+      <p:sp>
+        <p:nvSpPr>
+          <p:cNvPr id="6" name="AutoShape 2" descr="Bildergebnis für mexiko  flagge">
+            <a:extLst>
+              <a:ext uri="{FF2B5EF4-FFF2-40B4-BE49-F238E27FC236}">
+                <a16:creationId xmlns:a16="http://schemas.microsoft.com/office/drawing/2014/main" id="{857C175E-0782-4771-83B5-FE30477F5ADE}"/>
+              </a:ext>
+            </a:extLst>
+          </p:cNvPr>
+          <p:cNvSpPr>
+            <a:spLocks noChangeAspect="1" noChangeArrowheads="1"/>
+          </p:cNvSpPr>
+          <p:nvPr/>
+        </p:nvSpPr>
+        <p:spPr bwMode="auto">
+          <a:xfrm>
+            <a:off x="5943600" y="3276600"/>
+            <a:ext cx="304800" cy="304800"/>
+          </a:xfrm>
+          <a:prstGeom prst="rect">
+            <a:avLst/>
+          </a:prstGeom>
+          <a:noFill/>
+          <a:extLst>
+            <a:ext uri="{909E8E84-426E-40DD-AFC4-6F175D3DCCD1}">
+              <a14:hiddenFill xmlns:a14="http://schemas.microsoft.com/office/drawing/2010/main">
+                <a:solidFill>
+                  <a:srgbClr val="FFFFFF"/>
+                </a:solidFill>
+              </a14:hiddenFill>
+            </a:ext>
+          </a:extLst>
+        </p:spPr>
+        <p:txBody>
+          <a:bodyPr vert="horz" wrap="square" lIns="91440" tIns="45720" rIns="91440" bIns="45720" numCol="1" anchor="t" anchorCtr="0" compatLnSpc="1">
+            <a:prstTxWarp prst="textNoShape">
+              <a:avLst/>
+            </a:prstTxWarp>
+          </a:bodyPr>
+          <a:lstStyle/>
+          <a:p>
+            <a:endParaRPr lang="es-ES"/>
+          </a:p>
+        </p:txBody>
+      </p:sp>
+      <p:sp>
+        <p:nvSpPr>
+          <p:cNvPr id="9" name="Titel 26">
+            <a:extLst>
+              <a:ext uri="{FF2B5EF4-FFF2-40B4-BE49-F238E27FC236}">
+                <a16:creationId xmlns:a16="http://schemas.microsoft.com/office/drawing/2014/main" id="{2EB3946F-2FEF-7647-9117-E92EBCA1223B}"/>
+              </a:ext>
+            </a:extLst>
+          </p:cNvPr>
+          <p:cNvSpPr txBox="1">
+            <a:spLocks/>
+          </p:cNvSpPr>
+          <p:nvPr/>
+        </p:nvSpPr>
+        <p:spPr>
+          <a:xfrm>
+            <a:off x="860639" y="-235612"/>
+            <a:ext cx="10515600" cy="1325563"/>
+          </a:xfrm>
+          <a:prstGeom prst="rect">
+            <a:avLst/>
+          </a:prstGeom>
+        </p:spPr>
+        <p:txBody>
+          <a:bodyPr vert="horz" lIns="91440" tIns="45720" rIns="91440" bIns="45720" rtlCol="0" anchor="ctr">
+            <a:normAutofit/>
+          </a:bodyPr>
+          <a:lstStyle>
+            <a:lvl1pPr algn="l" defTabSz="914400" rtl="0" eaLnBrk="1" latinLnBrk="0" hangingPunct="1">
+              <a:lnSpc>
+                <a:spcPct val="90000"/>
+              </a:lnSpc>
+              <a:spcBef>
+                <a:spcPct val="0"/>
+              </a:spcBef>
+              <a:buNone/>
+              <a:defRPr sz="4400" kern="1200">
+                <a:solidFill>
+                  <a:schemeClr val="tx1"/>
+                </a:solidFill>
+                <a:latin typeface="+mj-lt"/>
+                <a:ea typeface="+mj-ea"/>
+                <a:cs typeface="+mj-cs"/>
+              </a:defRPr>
+            </a:lvl1pPr>
+          </a:lstStyle>
+          <a:p>
+            <a:pPr algn="ctr"/>
+            <a:r>
+              <a:rPr lang="es-ES" sz="3600" u="sng" dirty="0">
+                <a:latin typeface="Arial" panose="020B0604020202020204" pitchFamily="34" charset="0"/>
+                <a:cs typeface="Arial" panose="020B0604020202020204" pitchFamily="34" charset="0"/>
+              </a:rPr>
+              <a:t>Konzept - Erste Ergebnisse und Erfahrungen</a:t>
+            </a:r>
+          </a:p>
+        </p:txBody>
+      </p:sp>
+      <p:sp>
+        <p:nvSpPr>
+          <p:cNvPr id="7" name="Fußzeilenplatzhalter 4">
+            <a:extLst>
+              <a:ext uri="{FF2B5EF4-FFF2-40B4-BE49-F238E27FC236}">
+                <a16:creationId xmlns:a16="http://schemas.microsoft.com/office/drawing/2014/main" id="{00D96A0B-DFF8-4590-A342-4EE02B81294A}"/>
+              </a:ext>
+            </a:extLst>
+          </p:cNvPr>
+          <p:cNvSpPr>
+            <a:spLocks noGrp="1"/>
+          </p:cNvSpPr>
+          <p:nvPr>
+            <p:ph type="ftr" sz="quarter" idx="11"/>
+          </p:nvPr>
+        </p:nvSpPr>
+        <p:spPr>
+          <a:xfrm>
+            <a:off x="117806" y="6356350"/>
+            <a:ext cx="4050287" cy="365125"/>
+          </a:xfrm>
+        </p:spPr>
+        <p:txBody>
+          <a:bodyPr/>
+          <a:lstStyle/>
+          <a:p>
+            <a:r>
+              <a:rPr lang="es-ES" dirty="0">
+                <a:latin typeface="Arial" panose="020B0604020202020204" pitchFamily="34" charset="0"/>
+                <a:cs typeface="Arial" panose="020B0604020202020204" pitchFamily="34" charset="0"/>
+              </a:rPr>
+              <a:t>Getriggerte Erdbeben – Orzelek, Reichmeier, Riedlberger</a:t>
+            </a:r>
+          </a:p>
+        </p:txBody>
+      </p:sp>
+      <p:pic>
+        <p:nvPicPr>
+          <p:cNvPr id="12" name="Grafik 11">
+            <a:extLst>
+              <a:ext uri="{FF2B5EF4-FFF2-40B4-BE49-F238E27FC236}">
+                <a16:creationId xmlns:a16="http://schemas.microsoft.com/office/drawing/2014/main" id="{AAFC44AA-7AAC-4D4A-AB01-82A7446A3F51}"/>
+              </a:ext>
+            </a:extLst>
+          </p:cNvPr>
+          <p:cNvPicPr>
+            <a:picLocks noChangeAspect="1"/>
+          </p:cNvPicPr>
+          <p:nvPr/>
+        </p:nvPicPr>
+        <p:blipFill>
+          <a:blip r:embed="rId2">
+            <a:extLst>
+              <a:ext uri="{28A0092B-C50C-407E-A947-70E740481C1C}">
+                <a14:useLocalDpi xmlns:a14="http://schemas.microsoft.com/office/drawing/2010/main" val="0"/>
+              </a:ext>
+            </a:extLst>
+          </a:blip>
+          <a:stretch>
+            <a:fillRect/>
+          </a:stretch>
+        </p:blipFill>
+        <p:spPr>
+          <a:xfrm>
+            <a:off x="562219" y="1633494"/>
+            <a:ext cx="7063878" cy="4414924"/>
+          </a:xfrm>
+          <a:prstGeom prst="rect">
+            <a:avLst/>
+          </a:prstGeom>
+        </p:spPr>
+      </p:pic>
+      <p:sp>
+        <p:nvSpPr>
+          <p:cNvPr id="13" name="Textfeld 12">
+            <a:extLst>
+              <a:ext uri="{FF2B5EF4-FFF2-40B4-BE49-F238E27FC236}">
+                <a16:creationId xmlns:a16="http://schemas.microsoft.com/office/drawing/2014/main" id="{52A50109-D42B-49F6-82F0-616FDCBEBBE7}"/>
+              </a:ext>
+            </a:extLst>
+          </p:cNvPr>
+          <p:cNvSpPr txBox="1"/>
+          <p:nvPr/>
+        </p:nvSpPr>
+        <p:spPr>
+          <a:xfrm>
+            <a:off x="8007545" y="3215319"/>
+            <a:ext cx="3949310" cy="1015663"/>
+          </a:xfrm>
+          <a:prstGeom prst="rect">
+            <a:avLst/>
+          </a:prstGeom>
+          <a:noFill/>
+        </p:spPr>
+        <p:txBody>
+          <a:bodyPr wrap="square" rtlCol="0">
+            <a:spAutoFit/>
+          </a:bodyPr>
+          <a:lstStyle/>
+          <a:p>
+            <a:pPr marL="285750" indent="-285750">
+              <a:buFont typeface="Arial" panose="020B0604020202020204" pitchFamily="34" charset="0"/>
+              <a:buChar char="•"/>
+            </a:pPr>
+            <a:r>
+              <a:rPr lang="es-ES" sz="2000" dirty="0"/>
+              <a:t>Daten sind Exponentialverteilt</a:t>
+            </a:r>
+          </a:p>
+          <a:p>
+            <a:endParaRPr lang="es-ES" sz="2000" dirty="0"/>
+          </a:p>
+          <a:p>
+            <a:r>
+              <a:rPr lang="es-ES" sz="2000" dirty="0">
+                <a:sym typeface="Wingdings" panose="05000000000000000000" pitchFamily="2" charset="2"/>
+              </a:rPr>
+              <a:t> Annahme für folgende Modelle</a:t>
+            </a:r>
+            <a:endParaRPr lang="es-ES" sz="2000" dirty="0"/>
+          </a:p>
+        </p:txBody>
+      </p:sp>
+      <p:sp>
+        <p:nvSpPr>
+          <p:cNvPr id="15" name="Rechteck 14">
+            <a:extLst>
+              <a:ext uri="{FF2B5EF4-FFF2-40B4-BE49-F238E27FC236}">
+                <a16:creationId xmlns:a16="http://schemas.microsoft.com/office/drawing/2014/main" id="{B2AFAE58-CC0D-4EB3-BD1A-97502FCC7DDB}"/>
+              </a:ext>
+            </a:extLst>
+          </p:cNvPr>
+          <p:cNvSpPr/>
+          <p:nvPr/>
+        </p:nvSpPr>
+        <p:spPr>
+          <a:xfrm rot="16200000">
+            <a:off x="-160652" y="3688555"/>
+            <a:ext cx="1873679" cy="304801"/>
+          </a:xfrm>
+          <a:prstGeom prst="rect">
+            <a:avLst/>
+          </a:prstGeom>
+          <a:solidFill>
+            <a:schemeClr val="bg1"/>
+          </a:solidFill>
+          <a:ln>
+            <a:solidFill>
+              <a:schemeClr val="bg1"/>
+            </a:solidFill>
+          </a:ln>
+        </p:spPr>
+        <p:style>
+          <a:lnRef idx="2">
+            <a:schemeClr val="accent1">
+              <a:shade val="50000"/>
+            </a:schemeClr>
+          </a:lnRef>
+          <a:fillRef idx="1">
+            <a:schemeClr val="accent1"/>
+          </a:fillRef>
+          <a:effectRef idx="0">
+            <a:schemeClr val="accent1"/>
+          </a:effectRef>
+          <a:fontRef idx="minor">
+            <a:schemeClr val="lt1"/>
+          </a:fontRef>
+        </p:style>
+        <p:txBody>
+          <a:bodyPr rtlCol="0" anchor="ctr"/>
+          <a:lstStyle/>
+          <a:p>
+            <a:r>
+              <a:rPr lang="es-ES" dirty="0">
+                <a:solidFill>
+                  <a:schemeClr val="tx1"/>
+                </a:solidFill>
+              </a:rPr>
+              <a:t>Absolute Anzahl</a:t>
+            </a:r>
+          </a:p>
+        </p:txBody>
+      </p:sp>
+      <p:sp>
+        <p:nvSpPr>
+          <p:cNvPr id="16" name="Textfeld 15">
+            <a:extLst>
+              <a:ext uri="{FF2B5EF4-FFF2-40B4-BE49-F238E27FC236}">
+                <a16:creationId xmlns:a16="http://schemas.microsoft.com/office/drawing/2014/main" id="{C162446A-2827-4B3A-80D5-154CE40C4E8F}"/>
+              </a:ext>
+            </a:extLst>
+          </p:cNvPr>
+          <p:cNvSpPr txBox="1"/>
+          <p:nvPr/>
+        </p:nvSpPr>
+        <p:spPr>
+          <a:xfrm>
+            <a:off x="1153124" y="1264162"/>
+            <a:ext cx="6627691" cy="369332"/>
+          </a:xfrm>
+          <a:prstGeom prst="rect">
+            <a:avLst/>
+          </a:prstGeom>
+          <a:noFill/>
+        </p:spPr>
+        <p:txBody>
+          <a:bodyPr wrap="square" rtlCol="0">
+            <a:spAutoFit/>
+          </a:bodyPr>
+          <a:lstStyle/>
+          <a:p>
+            <a:r>
+              <a:rPr lang="es-ES" dirty="0"/>
+              <a:t>Häufigkeitsverteilung der getriggerten Erdbeben nach Magnitude</a:t>
+            </a:r>
+          </a:p>
+        </p:txBody>
+      </p:sp>
+    </p:spTree>
+    <p:extLst>
+      <p:ext uri="{BB962C8B-B14F-4D97-AF65-F5344CB8AC3E}">
+        <p14:creationId xmlns:p14="http://schemas.microsoft.com/office/powerpoint/2010/main" val="2041959648"/>
+      </p:ext>
+    </p:extLst>
+  </p:cSld>
+  <p:clrMapOvr>
+    <a:masterClrMapping/>
+  </p:clrMapOvr>
+</p:sld>
+</file>
+
+<file path=ppt/slides/slide15.xml><?xml version="1.0" encoding="utf-8"?>
+<p:sld xmlns:a="http://schemas.openxmlformats.org/drawingml/2006/main" xmlns:r="http://schemas.openxmlformats.org/officeDocument/2006/relationships" xmlns:p="http://schemas.openxmlformats.org/presentationml/2006/main">
+  <p:cSld>
+    <p:spTree>
+      <p:nvGrpSpPr>
+        <p:cNvPr id="1" name=""/>
+        <p:cNvGrpSpPr/>
+        <p:nvPr/>
+      </p:nvGrpSpPr>
+      <p:grpSpPr>
+        <a:xfrm>
+          <a:off x="0" y="0"/>
+          <a:ext cx="0" cy="0"/>
+          <a:chOff x="0" y="0"/>
+          <a:chExt cx="0" cy="0"/>
+        </a:xfrm>
+      </p:grpSpPr>
+      <p:sp>
+        <p:nvSpPr>
+          <p:cNvPr id="4" name="Foliennummernplatzhalter 3">
+            <a:extLst>
+              <a:ext uri="{FF2B5EF4-FFF2-40B4-BE49-F238E27FC236}">
+                <a16:creationId xmlns:a16="http://schemas.microsoft.com/office/drawing/2014/main" id="{38F51045-17B2-4CC8-80FB-808D3D232D7E}"/>
+              </a:ext>
+            </a:extLst>
+          </p:cNvPr>
+          <p:cNvSpPr>
+            <a:spLocks noGrp="1"/>
+          </p:cNvSpPr>
+          <p:nvPr>
+            <p:ph type="sldNum" sz="quarter" idx="12"/>
+          </p:nvPr>
+        </p:nvSpPr>
+        <p:spPr/>
+        <p:txBody>
+          <a:bodyPr/>
+          <a:lstStyle/>
+          <a:p>
+            <a:fld id="{5C76D808-3489-4ED6-8F45-9C53BCBA6C6D}" type="slidenum">
+              <a:rPr lang="es-ES" b="1" smtClean="0"/>
+              <a:t>15</a:t>
             </a:fld>
             <a:endParaRPr lang="es-ES" b="1" dirty="0"/>
           </a:p>
@@ -6390,10 +7203,244 @@
   <p:clrMapOvr>
     <a:masterClrMapping/>
   </p:clrMapOvr>
+  <p:timing>
+    <p:tnLst>
+      <p:par>
+        <p:cTn id="1" dur="indefinite" restart="never" nodeType="tmRoot">
+          <p:childTnLst>
+            <p:seq concurrent="1" nextAc="seek">
+              <p:cTn id="2" dur="indefinite" nodeType="mainSeq">
+                <p:childTnLst>
+                  <p:par>
+                    <p:cTn id="3" fill="hold">
+                      <p:stCondLst>
+                        <p:cond delay="indefinite"/>
+                      </p:stCondLst>
+                      <p:childTnLst>
+                        <p:par>
+                          <p:cTn id="4" fill="hold">
+                            <p:stCondLst>
+                              <p:cond delay="0"/>
+                            </p:stCondLst>
+                            <p:childTnLst>
+                              <p:par>
+                                <p:cTn id="5" presetID="1" presetClass="entr" presetSubtype="0" fill="hold" grpId="0" nodeType="clickEffect">
+                                  <p:stCondLst>
+                                    <p:cond delay="0"/>
+                                  </p:stCondLst>
+                                  <p:childTnLst>
+                                    <p:set>
+                                      <p:cBhvr>
+                                        <p:cTn id="6" dur="1" fill="hold">
+                                          <p:stCondLst>
+                                            <p:cond delay="0"/>
+                                          </p:stCondLst>
+                                        </p:cTn>
+                                        <p:tgtEl>
+                                          <p:spTgt spid="11"/>
+                                        </p:tgtEl>
+                                        <p:attrNameLst>
+                                          <p:attrName>style.visibility</p:attrName>
+                                        </p:attrNameLst>
+                                      </p:cBhvr>
+                                      <p:to>
+                                        <p:strVal val="visible"/>
+                                      </p:to>
+                                    </p:set>
+                                  </p:childTnLst>
+                                </p:cTn>
+                              </p:par>
+                              <p:par>
+                                <p:cTn id="7" presetID="1" presetClass="entr" presetSubtype="0" fill="hold" nodeType="withEffect">
+                                  <p:stCondLst>
+                                    <p:cond delay="0"/>
+                                  </p:stCondLst>
+                                  <p:childTnLst>
+                                    <p:set>
+                                      <p:cBhvr>
+                                        <p:cTn id="8" dur="1" fill="hold">
+                                          <p:stCondLst>
+                                            <p:cond delay="0"/>
+                                          </p:stCondLst>
+                                        </p:cTn>
+                                        <p:tgtEl>
+                                          <p:spTgt spid="12"/>
+                                        </p:tgtEl>
+                                        <p:attrNameLst>
+                                          <p:attrName>style.visibility</p:attrName>
+                                        </p:attrNameLst>
+                                      </p:cBhvr>
+                                      <p:to>
+                                        <p:strVal val="visible"/>
+                                      </p:to>
+                                    </p:set>
+                                  </p:childTnLst>
+                                </p:cTn>
+                              </p:par>
+                              <p:par>
+                                <p:cTn id="9" presetID="1" presetClass="entr" presetSubtype="0" fill="hold" grpId="0" nodeType="withEffect">
+                                  <p:stCondLst>
+                                    <p:cond delay="0"/>
+                                  </p:stCondLst>
+                                  <p:childTnLst>
+                                    <p:set>
+                                      <p:cBhvr>
+                                        <p:cTn id="10" dur="1" fill="hold">
+                                          <p:stCondLst>
+                                            <p:cond delay="0"/>
+                                          </p:stCondLst>
+                                        </p:cTn>
+                                        <p:tgtEl>
+                                          <p:spTgt spid="13"/>
+                                        </p:tgtEl>
+                                        <p:attrNameLst>
+                                          <p:attrName>style.visibility</p:attrName>
+                                        </p:attrNameLst>
+                                      </p:cBhvr>
+                                      <p:to>
+                                        <p:strVal val="visible"/>
+                                      </p:to>
+                                    </p:set>
+                                  </p:childTnLst>
+                                </p:cTn>
+                              </p:par>
+                            </p:childTnLst>
+                          </p:cTn>
+                        </p:par>
+                      </p:childTnLst>
+                    </p:cTn>
+                  </p:par>
+                  <p:par>
+                    <p:cTn id="11" fill="hold">
+                      <p:stCondLst>
+                        <p:cond delay="indefinite"/>
+                      </p:stCondLst>
+                      <p:childTnLst>
+                        <p:par>
+                          <p:cTn id="12" fill="hold">
+                            <p:stCondLst>
+                              <p:cond delay="0"/>
+                            </p:stCondLst>
+                            <p:childTnLst>
+                              <p:par>
+                                <p:cTn id="13" presetID="1" presetClass="entr" presetSubtype="0" fill="hold" grpId="0" nodeType="clickEffect">
+                                  <p:stCondLst>
+                                    <p:cond delay="0"/>
+                                  </p:stCondLst>
+                                  <p:childTnLst>
+                                    <p:set>
+                                      <p:cBhvr>
+                                        <p:cTn id="14" dur="1" fill="hold">
+                                          <p:stCondLst>
+                                            <p:cond delay="0"/>
+                                          </p:stCondLst>
+                                        </p:cTn>
+                                        <p:tgtEl>
+                                          <p:spTgt spid="16"/>
+                                        </p:tgtEl>
+                                        <p:attrNameLst>
+                                          <p:attrName>style.visibility</p:attrName>
+                                        </p:attrNameLst>
+                                      </p:cBhvr>
+                                      <p:to>
+                                        <p:strVal val="visible"/>
+                                      </p:to>
+                                    </p:set>
+                                  </p:childTnLst>
+                                </p:cTn>
+                              </p:par>
+                              <p:par>
+                                <p:cTn id="15" presetID="1" presetClass="entr" presetSubtype="0" fill="hold" nodeType="withEffect">
+                                  <p:stCondLst>
+                                    <p:cond delay="0"/>
+                                  </p:stCondLst>
+                                  <p:childTnLst>
+                                    <p:set>
+                                      <p:cBhvr>
+                                        <p:cTn id="16" dur="1" fill="hold">
+                                          <p:stCondLst>
+                                            <p:cond delay="0"/>
+                                          </p:stCondLst>
+                                        </p:cTn>
+                                        <p:tgtEl>
+                                          <p:spTgt spid="17"/>
+                                        </p:tgtEl>
+                                        <p:attrNameLst>
+                                          <p:attrName>style.visibility</p:attrName>
+                                        </p:attrNameLst>
+                                      </p:cBhvr>
+                                      <p:to>
+                                        <p:strVal val="visible"/>
+                                      </p:to>
+                                    </p:set>
+                                  </p:childTnLst>
+                                </p:cTn>
+                              </p:par>
+                              <p:par>
+                                <p:cTn id="17" presetID="1" presetClass="entr" presetSubtype="0" fill="hold" grpId="0" nodeType="withEffect">
+                                  <p:stCondLst>
+                                    <p:cond delay="0"/>
+                                  </p:stCondLst>
+                                  <p:childTnLst>
+                                    <p:set>
+                                      <p:cBhvr>
+                                        <p:cTn id="18" dur="1" fill="hold">
+                                          <p:stCondLst>
+                                            <p:cond delay="0"/>
+                                          </p:stCondLst>
+                                        </p:cTn>
+                                        <p:tgtEl>
+                                          <p:spTgt spid="15"/>
+                                        </p:tgtEl>
+                                        <p:attrNameLst>
+                                          <p:attrName>style.visibility</p:attrName>
+                                        </p:attrNameLst>
+                                      </p:cBhvr>
+                                      <p:to>
+                                        <p:strVal val="visible"/>
+                                      </p:to>
+                                    </p:set>
+                                  </p:childTnLst>
+                                </p:cTn>
+                              </p:par>
+                            </p:childTnLst>
+                          </p:cTn>
+                        </p:par>
+                      </p:childTnLst>
+                    </p:cTn>
+                  </p:par>
+                </p:childTnLst>
+              </p:cTn>
+              <p:prevCondLst>
+                <p:cond evt="onPrev" delay="0">
+                  <p:tgtEl>
+                    <p:sldTgt/>
+                  </p:tgtEl>
+                </p:cond>
+              </p:prevCondLst>
+              <p:nextCondLst>
+                <p:cond evt="onNext" delay="0">
+                  <p:tgtEl>
+                    <p:sldTgt/>
+                  </p:tgtEl>
+                </p:cond>
+              </p:nextCondLst>
+            </p:seq>
+          </p:childTnLst>
+        </p:cTn>
+      </p:par>
+    </p:tnLst>
+    <p:bldLst>
+      <p:bldP spid="13" grpId="0"/>
+      <p:bldP spid="11" grpId="0" animBg="1"/>
+      <p:bldP spid="15" grpId="0"/>
+      <p:bldP spid="16" grpId="0" animBg="1"/>
+    </p:bldLst>
+  </p:timing>
 </p:sld>
 </file>
 
-<file path=ppt/slides/slide14.xml><?xml version="1.0" encoding="utf-8"?>
+<file path=ppt/slides/slide16.xml><?xml version="1.0" encoding="utf-8"?>
 <p:sld xmlns:a="http://schemas.openxmlformats.org/drawingml/2006/main" xmlns:r="http://schemas.openxmlformats.org/officeDocument/2006/relationships" xmlns:p="http://schemas.openxmlformats.org/presentationml/2006/main">
   <p:cSld>
     <p:spTree>
@@ -6474,7 +7521,7 @@
           <a:p>
             <a:fld id="{5C76D808-3489-4ED6-8F45-9C53BCBA6C6D}" type="slidenum">
               <a:rPr lang="es-ES" b="1" smtClean="0"/>
-              <a:t>14</a:t>
+              <a:t>16</a:t>
             </a:fld>
             <a:endParaRPr lang="es-ES" b="1" dirty="0"/>
           </a:p>
@@ -6817,10 +7864,88 @@
   <p:clrMapOvr>
     <a:masterClrMapping/>
   </p:clrMapOvr>
+  <p:timing>
+    <p:tnLst>
+      <p:par>
+        <p:cTn id="1" dur="indefinite" restart="never" nodeType="tmRoot">
+          <p:childTnLst>
+            <p:seq concurrent="1" nextAc="seek">
+              <p:cTn id="2" dur="indefinite" nodeType="mainSeq">
+                <p:childTnLst>
+                  <p:par>
+                    <p:cTn id="3" fill="hold">
+                      <p:stCondLst>
+                        <p:cond delay="indefinite"/>
+                      </p:stCondLst>
+                      <p:childTnLst>
+                        <p:par>
+                          <p:cTn id="4" fill="hold">
+                            <p:stCondLst>
+                              <p:cond delay="0"/>
+                            </p:stCondLst>
+                            <p:childTnLst>
+                              <p:par>
+                                <p:cTn id="5" presetID="1" presetClass="entr" presetSubtype="0" fill="hold" grpId="0" nodeType="clickEffect">
+                                  <p:stCondLst>
+                                    <p:cond delay="0"/>
+                                  </p:stCondLst>
+                                  <p:childTnLst>
+                                    <p:set>
+                                      <p:cBhvr>
+                                        <p:cTn id="6" dur="1" fill="hold">
+                                          <p:stCondLst>
+                                            <p:cond delay="0"/>
+                                          </p:stCondLst>
+                                        </p:cTn>
+                                        <p:tgtEl>
+                                          <p:spTgt spid="12"/>
+                                        </p:tgtEl>
+                                        <p:attrNameLst>
+                                          <p:attrName>style.visibility</p:attrName>
+                                        </p:attrNameLst>
+                                      </p:cBhvr>
+                                      <p:to>
+                                        <p:strVal val="visible"/>
+                                      </p:to>
+                                    </p:set>
+                                  </p:childTnLst>
+                                </p:cTn>
+                              </p:par>
+                            </p:childTnLst>
+                          </p:cTn>
+                        </p:par>
+                      </p:childTnLst>
+                    </p:cTn>
+                  </p:par>
+                </p:childTnLst>
+              </p:cTn>
+              <p:prevCondLst>
+                <p:cond evt="onPrev" delay="0">
+                  <p:tgtEl>
+                    <p:sldTgt/>
+                  </p:tgtEl>
+                </p:cond>
+              </p:prevCondLst>
+              <p:nextCondLst>
+                <p:cond evt="onNext" delay="0">
+                  <p:tgtEl>
+                    <p:sldTgt/>
+                  </p:tgtEl>
+                </p:cond>
+              </p:nextCondLst>
+            </p:seq>
+          </p:childTnLst>
+        </p:cTn>
+      </p:par>
+    </p:tnLst>
+    <p:bldLst>
+      <p:bldP spid="12" grpId="0" animBg="1"/>
+    </p:bldLst>
+  </p:timing>
 </p:sld>
 </file>
 
-<file path=ppt/slides/slide15.xml><?xml version="1.0" encoding="utf-8"?>
+<file path=ppt/slides/slide17.xml><?xml version="1.0" encoding="utf-8"?>
 <p:sld xmlns:a="http://schemas.openxmlformats.org/drawingml/2006/main" xmlns:r="http://schemas.openxmlformats.org/officeDocument/2006/relationships" xmlns:p="http://schemas.openxmlformats.org/presentationml/2006/main">
   <p:cSld>
     <p:spTree>
@@ -6837,6 +7962,90 @@
           <a:chExt cx="0" cy="0"/>
         </a:xfrm>
       </p:grpSpPr>
+      <p:sp>
+        <p:nvSpPr>
+          <p:cNvPr id="13" name="Rechteck 12">
+            <a:extLst>
+              <a:ext uri="{FF2B5EF4-FFF2-40B4-BE49-F238E27FC236}">
+                <a16:creationId xmlns:a16="http://schemas.microsoft.com/office/drawing/2014/main" id="{E529B924-04BD-4056-B3FC-37802B97938F}"/>
+              </a:ext>
+            </a:extLst>
+          </p:cNvPr>
+          <p:cNvSpPr/>
+          <p:nvPr/>
+        </p:nvSpPr>
+        <p:spPr>
+          <a:xfrm>
+            <a:off x="3241205" y="5214257"/>
+            <a:ext cx="2743200" cy="1162390"/>
+          </a:xfrm>
+          <a:prstGeom prst="rect">
+            <a:avLst/>
+          </a:prstGeom>
+          <a:solidFill>
+            <a:schemeClr val="accent4">
+              <a:lumMod val="40000"/>
+              <a:lumOff val="60000"/>
+            </a:schemeClr>
+          </a:solidFill>
+          <a:ln>
+            <a:noFill/>
+          </a:ln>
+        </p:spPr>
+        <p:style>
+          <a:lnRef idx="2">
+            <a:schemeClr val="accent1">
+              <a:shade val="50000"/>
+            </a:schemeClr>
+          </a:lnRef>
+          <a:fillRef idx="1">
+            <a:schemeClr val="accent1"/>
+          </a:fillRef>
+          <a:effectRef idx="0">
+            <a:schemeClr val="accent1"/>
+          </a:effectRef>
+          <a:fontRef idx="minor">
+            <a:schemeClr val="lt1"/>
+          </a:fontRef>
+        </p:style>
+        <p:txBody>
+          <a:bodyPr rtlCol="0" anchor="ctr"/>
+          <a:lstStyle/>
+          <a:p>
+            <a:pPr algn="ctr"/>
+            <a:r>
+              <a:rPr lang="es-ES" dirty="0">
+                <a:solidFill>
+                  <a:schemeClr val="tx1"/>
+                </a:solidFill>
+              </a:rPr>
+              <a:t>Probleme:</a:t>
+            </a:r>
+          </a:p>
+          <a:p>
+            <a:pPr algn="ctr"/>
+            <a:r>
+              <a:rPr lang="es-ES" dirty="0">
+                <a:solidFill>
+                  <a:schemeClr val="tx1"/>
+                </a:solidFill>
+              </a:rPr>
+              <a:t>Modelgüte?</a:t>
+            </a:r>
+          </a:p>
+          <a:p>
+            <a:pPr algn="ctr"/>
+            <a:r>
+              <a:rPr lang="es-ES" dirty="0">
+                <a:solidFill>
+                  <a:schemeClr val="tx1"/>
+                </a:solidFill>
+              </a:rPr>
+              <a:t>Wie viele Quantile sinnvoll?</a:t>
+            </a:r>
+          </a:p>
+        </p:txBody>
+      </p:sp>
       <p:pic>
         <p:nvPicPr>
           <p:cNvPr id="21" name="Grafik 20">
@@ -6895,7 +8104,7 @@
           <a:p>
             <a:fld id="{5C76D808-3489-4ED6-8F45-9C53BCBA6C6D}" type="slidenum">
               <a:rPr lang="es-ES" b="1" smtClean="0"/>
-              <a:t>15</a:t>
+              <a:t>17</a:t>
             </a:fld>
             <a:endParaRPr lang="es-ES" b="1" dirty="0"/>
           </a:p>
@@ -7119,7 +8328,7 @@
         </p:nvSpPr>
         <p:spPr>
           <a:xfrm>
-            <a:off x="350614" y="3320543"/>
+            <a:off x="350614" y="3065051"/>
             <a:ext cx="5043224" cy="521713"/>
           </a:xfrm>
           <a:prstGeom prst="rect">
@@ -7184,8 +8393,8 @@
         </p:nvSpPr>
         <p:spPr>
           <a:xfrm>
-            <a:off x="350614" y="4028429"/>
-            <a:ext cx="4162484" cy="1200329"/>
+            <a:off x="350614" y="3765238"/>
+            <a:ext cx="4162484" cy="2031325"/>
           </a:xfrm>
           <a:prstGeom prst="rect">
             <a:avLst/>
@@ -7217,6 +8426,40 @@
               <a:t>Mittelwertsregression unter- bzw. überschätzt </a:t>
             </a:r>
           </a:p>
+          <a:p>
+            <a:pPr marL="285750" indent="-285750">
+              <a:buFont typeface="Wingdings" panose="05000000000000000000" pitchFamily="2" charset="2"/>
+              <a:buChar char="à"/>
+            </a:pPr>
+            <a:r>
+              <a:rPr lang="es-ES" dirty="0"/>
+              <a:t>Für 0.1 – Quantil: 2.77*10</a:t>
+            </a:r>
+            <a:r>
+              <a:rPr lang="es-ES" baseline="30000" dirty="0"/>
+              <a:t>-17</a:t>
+            </a:r>
+          </a:p>
+          <a:p>
+            <a:pPr marL="285750" indent="-285750">
+              <a:buFont typeface="Wingdings" panose="05000000000000000000" pitchFamily="2" charset="2"/>
+              <a:buChar char="à"/>
+            </a:pPr>
+            <a:r>
+              <a:rPr lang="es-ES" dirty="0"/>
+              <a:t>Für 0.9 – Quantil: 0.92</a:t>
+            </a:r>
+          </a:p>
+          <a:p>
+            <a:pPr marL="285750" indent="-285750">
+              <a:buFont typeface="Wingdings" panose="05000000000000000000" pitchFamily="2" charset="2"/>
+              <a:buChar char="à"/>
+            </a:pPr>
+            <a:r>
+              <a:rPr lang="es-ES" dirty="0"/>
+              <a:t>Lineares Modell: 0.072478</a:t>
+            </a:r>
+          </a:p>
         </p:txBody>
       </p:sp>
       <p:sp>
@@ -7250,90 +8493,6 @@
             <a:r>
               <a:rPr lang="es-ES" sz="2000" u="sng" dirty="0"/>
               <a:t>Vergleich Quantilsregression vs. Lineare Regression</a:t>
-            </a:r>
-          </a:p>
-        </p:txBody>
-      </p:sp>
-      <p:sp>
-        <p:nvSpPr>
-          <p:cNvPr id="13" name="Rechteck 12">
-            <a:extLst>
-              <a:ext uri="{FF2B5EF4-FFF2-40B4-BE49-F238E27FC236}">
-                <a16:creationId xmlns:a16="http://schemas.microsoft.com/office/drawing/2014/main" id="{E529B924-04BD-4056-B3FC-37802B97938F}"/>
-              </a:ext>
-            </a:extLst>
-          </p:cNvPr>
-          <p:cNvSpPr/>
-          <p:nvPr/>
-        </p:nvSpPr>
-        <p:spPr>
-          <a:xfrm>
-            <a:off x="2510392" y="5144042"/>
-            <a:ext cx="3158327" cy="1160168"/>
-          </a:xfrm>
-          <a:prstGeom prst="rect">
-            <a:avLst/>
-          </a:prstGeom>
-          <a:solidFill>
-            <a:schemeClr val="accent4">
-              <a:lumMod val="40000"/>
-              <a:lumOff val="60000"/>
-            </a:schemeClr>
-          </a:solidFill>
-          <a:ln>
-            <a:noFill/>
-          </a:ln>
-        </p:spPr>
-        <p:style>
-          <a:lnRef idx="2">
-            <a:schemeClr val="accent1">
-              <a:shade val="50000"/>
-            </a:schemeClr>
-          </a:lnRef>
-          <a:fillRef idx="1">
-            <a:schemeClr val="accent1"/>
-          </a:fillRef>
-          <a:effectRef idx="0">
-            <a:schemeClr val="accent1"/>
-          </a:effectRef>
-          <a:fontRef idx="minor">
-            <a:schemeClr val="lt1"/>
-          </a:fontRef>
-        </p:style>
-        <p:txBody>
-          <a:bodyPr rtlCol="0" anchor="ctr"/>
-          <a:lstStyle/>
-          <a:p>
-            <a:pPr algn="ctr"/>
-            <a:r>
-              <a:rPr lang="es-ES" dirty="0">
-                <a:solidFill>
-                  <a:schemeClr val="tx1"/>
-                </a:solidFill>
-              </a:rPr>
-              <a:t>Probleme:</a:t>
-            </a:r>
-          </a:p>
-          <a:p>
-            <a:pPr algn="ctr"/>
-            <a:r>
-              <a:rPr lang="es-ES" dirty="0">
-                <a:solidFill>
-                  <a:schemeClr val="tx1"/>
-                </a:solidFill>
-              </a:rPr>
-              <a:t>Modelgüte?</a:t>
-            </a:r>
-          </a:p>
-          <a:p>
-            <a:pPr algn="ctr"/>
-            <a:r>
-              <a:rPr lang="es-ES" dirty="0">
-                <a:solidFill>
-                  <a:schemeClr val="tx1"/>
-                </a:solidFill>
-              </a:rPr>
-              <a:t>Wie viele Quantile sinnvoll?</a:t>
             </a:r>
           </a:p>
         </p:txBody>
@@ -7348,10 +8507,281 @@
   <p:clrMapOvr>
     <a:masterClrMapping/>
   </p:clrMapOvr>
+  <p:timing>
+    <p:tnLst>
+      <p:par>
+        <p:cTn id="1" dur="indefinite" restart="never" nodeType="tmRoot">
+          <p:childTnLst>
+            <p:seq concurrent="1" nextAc="seek">
+              <p:cTn id="2" dur="indefinite" nodeType="mainSeq">
+                <p:childTnLst>
+                  <p:par>
+                    <p:cTn id="3" fill="hold">
+                      <p:stCondLst>
+                        <p:cond delay="indefinite"/>
+                      </p:stCondLst>
+                      <p:childTnLst>
+                        <p:par>
+                          <p:cTn id="4" fill="hold">
+                            <p:stCondLst>
+                              <p:cond delay="0"/>
+                            </p:stCondLst>
+                            <p:childTnLst>
+                              <p:par>
+                                <p:cTn id="5" presetID="1" presetClass="entr" presetSubtype="0" fill="hold" grpId="0" nodeType="clickEffect">
+                                  <p:stCondLst>
+                                    <p:cond delay="0"/>
+                                  </p:stCondLst>
+                                  <p:childTnLst>
+                                    <p:set>
+                                      <p:cBhvr>
+                                        <p:cTn id="6" dur="1" fill="hold">
+                                          <p:stCondLst>
+                                            <p:cond delay="0"/>
+                                          </p:stCondLst>
+                                        </p:cTn>
+                                        <p:tgtEl>
+                                          <p:spTgt spid="2"/>
+                                        </p:tgtEl>
+                                        <p:attrNameLst>
+                                          <p:attrName>style.visibility</p:attrName>
+                                        </p:attrNameLst>
+                                      </p:cBhvr>
+                                      <p:to>
+                                        <p:strVal val="visible"/>
+                                      </p:to>
+                                    </p:set>
+                                  </p:childTnLst>
+                                </p:cTn>
+                              </p:par>
+                            </p:childTnLst>
+                          </p:cTn>
+                        </p:par>
+                      </p:childTnLst>
+                    </p:cTn>
+                  </p:par>
+                  <p:par>
+                    <p:cTn id="7" fill="hold">
+                      <p:stCondLst>
+                        <p:cond delay="indefinite"/>
+                      </p:stCondLst>
+                      <p:childTnLst>
+                        <p:par>
+                          <p:cTn id="8" fill="hold">
+                            <p:stCondLst>
+                              <p:cond delay="0"/>
+                            </p:stCondLst>
+                            <p:childTnLst>
+                              <p:par>
+                                <p:cTn id="9" presetID="1" presetClass="entr" presetSubtype="0" fill="hold" grpId="0" nodeType="clickEffect">
+                                  <p:stCondLst>
+                                    <p:cond delay="0"/>
+                                  </p:stCondLst>
+                                  <p:childTnLst>
+                                    <p:set>
+                                      <p:cBhvr>
+                                        <p:cTn id="10" dur="1" fill="hold">
+                                          <p:stCondLst>
+                                            <p:cond delay="0"/>
+                                          </p:stCondLst>
+                                        </p:cTn>
+                                        <p:tgtEl>
+                                          <p:spTgt spid="14"/>
+                                        </p:tgtEl>
+                                        <p:attrNameLst>
+                                          <p:attrName>style.visibility</p:attrName>
+                                        </p:attrNameLst>
+                                      </p:cBhvr>
+                                      <p:to>
+                                        <p:strVal val="visible"/>
+                                      </p:to>
+                                    </p:set>
+                                  </p:childTnLst>
+                                </p:cTn>
+                              </p:par>
+                              <p:par>
+                                <p:cTn id="11" presetID="1" presetClass="entr" presetSubtype="0" fill="hold" nodeType="withEffect">
+                                  <p:stCondLst>
+                                    <p:cond delay="0"/>
+                                  </p:stCondLst>
+                                  <p:childTnLst>
+                                    <p:set>
+                                      <p:cBhvr>
+                                        <p:cTn id="12" dur="1" fill="hold">
+                                          <p:stCondLst>
+                                            <p:cond delay="0"/>
+                                          </p:stCondLst>
+                                        </p:cTn>
+                                        <p:tgtEl>
+                                          <p:spTgt spid="21"/>
+                                        </p:tgtEl>
+                                        <p:attrNameLst>
+                                          <p:attrName>style.visibility</p:attrName>
+                                        </p:attrNameLst>
+                                      </p:cBhvr>
+                                      <p:to>
+                                        <p:strVal val="visible"/>
+                                      </p:to>
+                                    </p:set>
+                                  </p:childTnLst>
+                                </p:cTn>
+                              </p:par>
+                              <p:par>
+                                <p:cTn id="13" presetID="1" presetClass="entr" presetSubtype="0" fill="hold" grpId="0" nodeType="withEffect">
+                                  <p:stCondLst>
+                                    <p:cond delay="0"/>
+                                  </p:stCondLst>
+                                  <p:childTnLst>
+                                    <p:set>
+                                      <p:cBhvr>
+                                        <p:cTn id="14" dur="1" fill="hold">
+                                          <p:stCondLst>
+                                            <p:cond delay="0"/>
+                                          </p:stCondLst>
+                                        </p:cTn>
+                                        <p:tgtEl>
+                                          <p:spTgt spid="22"/>
+                                        </p:tgtEl>
+                                        <p:attrNameLst>
+                                          <p:attrName>style.visibility</p:attrName>
+                                        </p:attrNameLst>
+                                      </p:cBhvr>
+                                      <p:to>
+                                        <p:strVal val="visible"/>
+                                      </p:to>
+                                    </p:set>
+                                  </p:childTnLst>
+                                </p:cTn>
+                              </p:par>
+                            </p:childTnLst>
+                          </p:cTn>
+                        </p:par>
+                      </p:childTnLst>
+                    </p:cTn>
+                  </p:par>
+                  <p:par>
+                    <p:cTn id="15" fill="hold">
+                      <p:stCondLst>
+                        <p:cond delay="indefinite"/>
+                      </p:stCondLst>
+                      <p:childTnLst>
+                        <p:par>
+                          <p:cTn id="16" fill="hold">
+                            <p:stCondLst>
+                              <p:cond delay="0"/>
+                            </p:stCondLst>
+                            <p:childTnLst>
+                              <p:par>
+                                <p:cTn id="17" presetID="1" presetClass="entr" presetSubtype="0" fill="hold" grpId="0" nodeType="clickEffect">
+                                  <p:stCondLst>
+                                    <p:cond delay="0"/>
+                                  </p:stCondLst>
+                                  <p:childTnLst>
+                                    <p:set>
+                                      <p:cBhvr>
+                                        <p:cTn id="18" dur="1" fill="hold">
+                                          <p:stCondLst>
+                                            <p:cond delay="0"/>
+                                          </p:stCondLst>
+                                        </p:cTn>
+                                        <p:tgtEl>
+                                          <p:spTgt spid="16"/>
+                                        </p:tgtEl>
+                                        <p:attrNameLst>
+                                          <p:attrName>style.visibility</p:attrName>
+                                        </p:attrNameLst>
+                                      </p:cBhvr>
+                                      <p:to>
+                                        <p:strVal val="visible"/>
+                                      </p:to>
+                                    </p:set>
+                                  </p:childTnLst>
+                                </p:cTn>
+                              </p:par>
+                            </p:childTnLst>
+                          </p:cTn>
+                        </p:par>
+                      </p:childTnLst>
+                    </p:cTn>
+                  </p:par>
+                  <p:par>
+                    <p:cTn id="19" fill="hold">
+                      <p:stCondLst>
+                        <p:cond delay="indefinite"/>
+                      </p:stCondLst>
+                      <p:childTnLst>
+                        <p:par>
+                          <p:cTn id="20" fill="hold">
+                            <p:stCondLst>
+                              <p:cond delay="0"/>
+                            </p:stCondLst>
+                            <p:childTnLst>
+                              <p:par>
+                                <p:cTn id="21" presetID="1" presetClass="entr" presetSubtype="0" fill="hold" grpId="0" nodeType="clickEffect">
+                                  <p:stCondLst>
+                                    <p:cond delay="0"/>
+                                  </p:stCondLst>
+                                  <p:childTnLst>
+                                    <p:set>
+                                      <p:cBhvr>
+                                        <p:cTn id="22" dur="1" fill="hold">
+                                          <p:stCondLst>
+                                            <p:cond delay="0"/>
+                                          </p:stCondLst>
+                                        </p:cTn>
+                                        <p:tgtEl>
+                                          <p:spTgt spid="13"/>
+                                        </p:tgtEl>
+                                        <p:attrNameLst>
+                                          <p:attrName>style.visibility</p:attrName>
+                                        </p:attrNameLst>
+                                      </p:cBhvr>
+                                      <p:to>
+                                        <p:strVal val="visible"/>
+                                      </p:to>
+                                    </p:set>
+                                  </p:childTnLst>
+                                </p:cTn>
+                              </p:par>
+                            </p:childTnLst>
+                          </p:cTn>
+                        </p:par>
+                      </p:childTnLst>
+                    </p:cTn>
+                  </p:par>
+                </p:childTnLst>
+              </p:cTn>
+              <p:prevCondLst>
+                <p:cond evt="onPrev" delay="0">
+                  <p:tgtEl>
+                    <p:sldTgt/>
+                  </p:tgtEl>
+                </p:cond>
+              </p:prevCondLst>
+              <p:nextCondLst>
+                <p:cond evt="onNext" delay="0">
+                  <p:tgtEl>
+                    <p:sldTgt/>
+                  </p:tgtEl>
+                </p:cond>
+              </p:nextCondLst>
+            </p:seq>
+          </p:childTnLst>
+        </p:cTn>
+      </p:par>
+    </p:tnLst>
+    <p:bldLst>
+      <p:bldP spid="13" grpId="0" animBg="1"/>
+      <p:bldP spid="2" grpId="0"/>
+      <p:bldP spid="14" grpId="0" animBg="1"/>
+      <p:bldP spid="16" grpId="0"/>
+      <p:bldP spid="22" grpId="0"/>
+    </p:bldLst>
+  </p:timing>
 </p:sld>
 </file>
 
-<file path=ppt/slides/slide16.xml><?xml version="1.0" encoding="utf-8"?>
+<file path=ppt/slides/slide18.xml><?xml version="1.0" encoding="utf-8"?>
 <p:sld xmlns:a="http://schemas.openxmlformats.org/drawingml/2006/main" xmlns:r="http://schemas.openxmlformats.org/officeDocument/2006/relationships" xmlns:p="http://schemas.openxmlformats.org/presentationml/2006/main">
   <p:cSld>
     <p:spTree>
@@ -7432,7 +8862,7 @@
           <a:p>
             <a:fld id="{5C76D808-3489-4ED6-8F45-9C53BCBA6C6D}" type="slidenum">
               <a:rPr lang="es-ES" b="1" smtClean="0"/>
-              <a:t>16</a:t>
+              <a:t>18</a:t>
             </a:fld>
             <a:endParaRPr lang="es-ES" b="1" dirty="0"/>
           </a:p>
@@ -7546,8 +8976,8 @@
         </p:nvSpPr>
         <p:spPr>
           <a:xfrm>
-            <a:off x="838200" y="1672707"/>
-            <a:ext cx="10305232" cy="2769989"/>
+            <a:off x="1472109" y="1913929"/>
+            <a:ext cx="8793854" cy="3693319"/>
           </a:xfrm>
           <a:prstGeom prst="rect">
             <a:avLst/>
@@ -7560,6 +8990,11 @@
           </a:bodyPr>
           <a:lstStyle/>
           <a:p>
+            <a:pPr>
+              <a:lnSpc>
+                <a:spcPct val="150000"/>
+              </a:lnSpc>
+            </a:pPr>
             <a:r>
               <a:rPr lang="es-ES" sz="2000" b="1" u="sng" dirty="0"/>
               <a:t>Ausblick</a:t>
@@ -7567,6 +9002,9 @@
           </a:p>
           <a:p>
             <a:pPr marL="342900" indent="-342900">
+              <a:lnSpc>
+                <a:spcPct val="150000"/>
+              </a:lnSpc>
               <a:buFont typeface="Arial" panose="020B0604020202020204" pitchFamily="34" charset="0"/>
               <a:buChar char="•"/>
             </a:pPr>
@@ -7577,6 +9015,9 @@
           </a:p>
           <a:p>
             <a:pPr marL="342900" indent="-342900">
+              <a:lnSpc>
+                <a:spcPct val="150000"/>
+              </a:lnSpc>
               <a:buFont typeface="Arial" panose="020B0604020202020204" pitchFamily="34" charset="0"/>
               <a:buChar char="•"/>
             </a:pPr>
@@ -7587,16 +9028,22 @@
           </a:p>
           <a:p>
             <a:pPr marL="342900" indent="-342900">
+              <a:lnSpc>
+                <a:spcPct val="150000"/>
+              </a:lnSpc>
               <a:buFont typeface="Arial" panose="020B0604020202020204" pitchFamily="34" charset="0"/>
               <a:buChar char="•"/>
             </a:pPr>
             <a:r>
               <a:rPr lang="es-ES" sz="2000" dirty="0"/>
-              <a:t>Zeitliche Komponente zwischen triggernden und getriggernden Erdbeben</a:t>
+              <a:t>Zeitliche Komponente zwischen triggernden und getriggerten Erdbeben</a:t>
             </a:r>
           </a:p>
           <a:p>
             <a:pPr marL="342900" indent="-342900">
+              <a:lnSpc>
+                <a:spcPct val="150000"/>
+              </a:lnSpc>
               <a:buFont typeface="Arial" panose="020B0604020202020204" pitchFamily="34" charset="0"/>
               <a:buChar char="•"/>
             </a:pPr>
@@ -7607,6 +9054,9 @@
           </a:p>
           <a:p>
             <a:pPr marL="342900" indent="-342900">
+              <a:lnSpc>
+                <a:spcPct val="150000"/>
+              </a:lnSpc>
               <a:buFont typeface="Arial" panose="020B0604020202020204" pitchFamily="34" charset="0"/>
               <a:buChar char="•"/>
             </a:pPr>
@@ -7638,702 +9088,6 @@
     <p:extLst>
       <p:ext uri="{BB962C8B-B14F-4D97-AF65-F5344CB8AC3E}">
         <p14:creationId xmlns:p14="http://schemas.microsoft.com/office/powerpoint/2010/main" val="653498290"/>
-      </p:ext>
-    </p:extLst>
-  </p:cSld>
-  <p:clrMapOvr>
-    <a:masterClrMapping/>
-  </p:clrMapOvr>
-</p:sld>
-</file>
-
-<file path=ppt/slides/slide17.xml><?xml version="1.0" encoding="utf-8"?>
-<p:sld xmlns:a="http://schemas.openxmlformats.org/drawingml/2006/main" xmlns:r="http://schemas.openxmlformats.org/officeDocument/2006/relationships" xmlns:p="http://schemas.openxmlformats.org/presentationml/2006/main">
-  <p:cSld>
-    <p:spTree>
-      <p:nvGrpSpPr>
-        <p:cNvPr id="1" name=""/>
-        <p:cNvGrpSpPr/>
-        <p:nvPr/>
-      </p:nvGrpSpPr>
-      <p:grpSpPr>
-        <a:xfrm>
-          <a:off x="0" y="0"/>
-          <a:ext cx="0" cy="0"/>
-          <a:chOff x="0" y="0"/>
-          <a:chExt cx="0" cy="0"/>
-        </a:xfrm>
-      </p:grpSpPr>
-      <p:sp>
-        <p:nvSpPr>
-          <p:cNvPr id="3" name="Inhaltsplatzhalter 2">
-            <a:extLst>
-              <a:ext uri="{FF2B5EF4-FFF2-40B4-BE49-F238E27FC236}">
-                <a16:creationId xmlns:a16="http://schemas.microsoft.com/office/drawing/2014/main" id="{EF2F12AA-717C-400F-AC63-EA5D78A3C047}"/>
-              </a:ext>
-            </a:extLst>
-          </p:cNvPr>
-          <p:cNvSpPr>
-            <a:spLocks noGrp="1"/>
-          </p:cNvSpPr>
-          <p:nvPr>
-            <p:ph idx="1"/>
-          </p:nvPr>
-        </p:nvSpPr>
-        <p:spPr>
-          <a:xfrm>
-            <a:off x="1002052" y="1844675"/>
-            <a:ext cx="11065988" cy="4351338"/>
-          </a:xfrm>
-        </p:spPr>
-        <p:txBody>
-          <a:bodyPr>
-            <a:normAutofit/>
-          </a:bodyPr>
-          <a:lstStyle/>
-          <a:p>
-            <a:r>
-              <a:rPr lang="es-ES" dirty="0">
-                <a:latin typeface="Arial" panose="020B0604020202020204" pitchFamily="34" charset="0"/>
-                <a:cs typeface="Arial" panose="020B0604020202020204" pitchFamily="34" charset="0"/>
-              </a:rPr>
-              <a:t>Hintergrund und Inhalt des Projektes</a:t>
-            </a:r>
-          </a:p>
-          <a:p>
-            <a:r>
-              <a:rPr lang="es-ES" dirty="0">
-                <a:latin typeface="Arial" panose="020B0604020202020204" pitchFamily="34" charset="0"/>
-                <a:cs typeface="Arial" panose="020B0604020202020204" pitchFamily="34" charset="0"/>
-              </a:rPr>
-              <a:t>Fragestellung</a:t>
-            </a:r>
-          </a:p>
-          <a:p>
-            <a:r>
-              <a:rPr lang="es-ES" dirty="0">
-                <a:latin typeface="Arial" panose="020B0604020202020204" pitchFamily="34" charset="0"/>
-                <a:cs typeface="Arial" panose="020B0604020202020204" pitchFamily="34" charset="0"/>
-              </a:rPr>
-              <a:t>Konzept - Erste Ergebnisse und Erfahrungen</a:t>
-            </a:r>
-          </a:p>
-          <a:p>
-            <a:r>
-              <a:rPr lang="es-ES" b="1" dirty="0">
-                <a:latin typeface="Arial" panose="020B0604020202020204" pitchFamily="34" charset="0"/>
-                <a:cs typeface="Arial" panose="020B0604020202020204" pitchFamily="34" charset="0"/>
-              </a:rPr>
-              <a:t>Fragen und Anregungen</a:t>
-            </a:r>
-            <a:endParaRPr lang="es-ES" dirty="0"/>
-          </a:p>
-        </p:txBody>
-      </p:sp>
-      <p:sp>
-        <p:nvSpPr>
-          <p:cNvPr id="4" name="Foliennummernplatzhalter 3">
-            <a:extLst>
-              <a:ext uri="{FF2B5EF4-FFF2-40B4-BE49-F238E27FC236}">
-                <a16:creationId xmlns:a16="http://schemas.microsoft.com/office/drawing/2014/main" id="{38F51045-17B2-4CC8-80FB-808D3D232D7E}"/>
-              </a:ext>
-            </a:extLst>
-          </p:cNvPr>
-          <p:cNvSpPr>
-            <a:spLocks noGrp="1"/>
-          </p:cNvSpPr>
-          <p:nvPr>
-            <p:ph type="sldNum" sz="quarter" idx="12"/>
-          </p:nvPr>
-        </p:nvSpPr>
-        <p:spPr/>
-        <p:txBody>
-          <a:bodyPr/>
-          <a:lstStyle/>
-          <a:p>
-            <a:fld id="{5C76D808-3489-4ED6-8F45-9C53BCBA6C6D}" type="slidenum">
-              <a:rPr lang="es-ES" b="1" smtClean="0"/>
-              <a:t>17</a:t>
-            </a:fld>
-            <a:endParaRPr lang="es-ES" b="1" dirty="0"/>
-          </a:p>
-        </p:txBody>
-      </p:sp>
-      <p:sp>
-        <p:nvSpPr>
-          <p:cNvPr id="6" name="AutoShape 2" descr="Bildergebnis für mexiko  flagge">
-            <a:extLst>
-              <a:ext uri="{FF2B5EF4-FFF2-40B4-BE49-F238E27FC236}">
-                <a16:creationId xmlns:a16="http://schemas.microsoft.com/office/drawing/2014/main" id="{857C175E-0782-4771-83B5-FE30477F5ADE}"/>
-              </a:ext>
-            </a:extLst>
-          </p:cNvPr>
-          <p:cNvSpPr>
-            <a:spLocks noChangeAspect="1" noChangeArrowheads="1"/>
-          </p:cNvSpPr>
-          <p:nvPr/>
-        </p:nvSpPr>
-        <p:spPr bwMode="auto">
-          <a:xfrm>
-            <a:off x="5943600" y="3276600"/>
-            <a:ext cx="304800" cy="304800"/>
-          </a:xfrm>
-          <a:prstGeom prst="rect">
-            <a:avLst/>
-          </a:prstGeom>
-          <a:noFill/>
-          <a:extLst>
-            <a:ext uri="{909E8E84-426E-40DD-AFC4-6F175D3DCCD1}">
-              <a14:hiddenFill xmlns:a14="http://schemas.microsoft.com/office/drawing/2010/main">
-                <a:solidFill>
-                  <a:srgbClr val="FFFFFF"/>
-                </a:solidFill>
-              </a14:hiddenFill>
-            </a:ext>
-          </a:extLst>
-        </p:spPr>
-        <p:txBody>
-          <a:bodyPr vert="horz" wrap="square" lIns="91440" tIns="45720" rIns="91440" bIns="45720" numCol="1" anchor="t" anchorCtr="0" compatLnSpc="1">
-            <a:prstTxWarp prst="textNoShape">
-              <a:avLst/>
-            </a:prstTxWarp>
-          </a:bodyPr>
-          <a:lstStyle/>
-          <a:p>
-            <a:endParaRPr lang="es-ES"/>
-          </a:p>
-        </p:txBody>
-      </p:sp>
-      <p:sp>
-        <p:nvSpPr>
-          <p:cNvPr id="9" name="Titel 26">
-            <a:extLst>
-              <a:ext uri="{FF2B5EF4-FFF2-40B4-BE49-F238E27FC236}">
-                <a16:creationId xmlns:a16="http://schemas.microsoft.com/office/drawing/2014/main" id="{2EB3946F-2FEF-7647-9117-E92EBCA1223B}"/>
-              </a:ext>
-            </a:extLst>
-          </p:cNvPr>
-          <p:cNvSpPr txBox="1">
-            <a:spLocks/>
-          </p:cNvSpPr>
-          <p:nvPr/>
-        </p:nvSpPr>
-        <p:spPr>
-          <a:xfrm>
-            <a:off x="838200" y="-140245"/>
-            <a:ext cx="10515600" cy="1325563"/>
-          </a:xfrm>
-          <a:prstGeom prst="rect">
-            <a:avLst/>
-          </a:prstGeom>
-        </p:spPr>
-        <p:txBody>
-          <a:bodyPr vert="horz" lIns="91440" tIns="45720" rIns="91440" bIns="45720" rtlCol="0" anchor="ctr">
-            <a:normAutofit/>
-          </a:bodyPr>
-          <a:lstStyle>
-            <a:lvl1pPr algn="l" defTabSz="914400" rtl="0" eaLnBrk="1" latinLnBrk="0" hangingPunct="1">
-              <a:lnSpc>
-                <a:spcPct val="90000"/>
-              </a:lnSpc>
-              <a:spcBef>
-                <a:spcPct val="0"/>
-              </a:spcBef>
-              <a:buNone/>
-              <a:defRPr sz="4400" kern="1200">
-                <a:solidFill>
-                  <a:schemeClr val="tx1"/>
-                </a:solidFill>
-                <a:latin typeface="+mj-lt"/>
-                <a:ea typeface="+mj-ea"/>
-                <a:cs typeface="+mj-cs"/>
-              </a:defRPr>
-            </a:lvl1pPr>
-          </a:lstStyle>
-          <a:p>
-            <a:pPr algn="ctr"/>
-            <a:r>
-              <a:rPr lang="es-ES" sz="3600" u="sng" dirty="0" err="1">
-                <a:latin typeface="Arial" panose="020B0604020202020204" pitchFamily="34" charset="0"/>
-                <a:cs typeface="Arial" panose="020B0604020202020204" pitchFamily="34" charset="0"/>
-              </a:rPr>
-              <a:t>Gliederung</a:t>
-            </a:r>
-            <a:endParaRPr lang="es-ES" sz="3600" u="sng" dirty="0">
-              <a:latin typeface="Arial" panose="020B0604020202020204" pitchFamily="34" charset="0"/>
-              <a:cs typeface="Arial" panose="020B0604020202020204" pitchFamily="34" charset="0"/>
-            </a:endParaRPr>
-          </a:p>
-        </p:txBody>
-      </p:sp>
-      <p:sp>
-        <p:nvSpPr>
-          <p:cNvPr id="10" name="Fußzeilenplatzhalter 4">
-            <a:extLst>
-              <a:ext uri="{FF2B5EF4-FFF2-40B4-BE49-F238E27FC236}">
-                <a16:creationId xmlns:a16="http://schemas.microsoft.com/office/drawing/2014/main" id="{CA3F2EDC-1E9F-40FC-ABFA-3C46B88C1DC8}"/>
-              </a:ext>
-            </a:extLst>
-          </p:cNvPr>
-          <p:cNvSpPr>
-            <a:spLocks noGrp="1"/>
-          </p:cNvSpPr>
-          <p:nvPr>
-            <p:ph type="ftr" sz="quarter" idx="11"/>
-          </p:nvPr>
-        </p:nvSpPr>
-        <p:spPr>
-          <a:xfrm>
-            <a:off x="117806" y="6356350"/>
-            <a:ext cx="4050287" cy="365125"/>
-          </a:xfrm>
-        </p:spPr>
-        <p:txBody>
-          <a:bodyPr/>
-          <a:lstStyle/>
-          <a:p>
-            <a:r>
-              <a:rPr lang="es-ES" dirty="0">
-                <a:latin typeface="Arial" panose="020B0604020202020204" pitchFamily="34" charset="0"/>
-                <a:cs typeface="Arial" panose="020B0604020202020204" pitchFamily="34" charset="0"/>
-              </a:rPr>
-              <a:t>Getriggerte Erdbeben – Orzelek, Reichmeier, Riedlberger</a:t>
-            </a:r>
-          </a:p>
-        </p:txBody>
-      </p:sp>
-    </p:spTree>
-    <p:extLst>
-      <p:ext uri="{BB962C8B-B14F-4D97-AF65-F5344CB8AC3E}">
-        <p14:creationId xmlns:p14="http://schemas.microsoft.com/office/powerpoint/2010/main" val="1763848810"/>
-      </p:ext>
-    </p:extLst>
-  </p:cSld>
-  <p:clrMapOvr>
-    <a:masterClrMapping/>
-  </p:clrMapOvr>
-</p:sld>
-</file>
-
-<file path=ppt/slides/slide18.xml><?xml version="1.0" encoding="utf-8"?>
-<p:sld xmlns:a="http://schemas.openxmlformats.org/drawingml/2006/main" xmlns:r="http://schemas.openxmlformats.org/officeDocument/2006/relationships" xmlns:p="http://schemas.openxmlformats.org/presentationml/2006/main">
-  <p:cSld>
-    <p:spTree>
-      <p:nvGrpSpPr>
-        <p:cNvPr id="1" name=""/>
-        <p:cNvGrpSpPr/>
-        <p:nvPr/>
-      </p:nvGrpSpPr>
-      <p:grpSpPr>
-        <a:xfrm>
-          <a:off x="0" y="0"/>
-          <a:ext cx="0" cy="0"/>
-          <a:chOff x="0" y="0"/>
-          <a:chExt cx="0" cy="0"/>
-        </a:xfrm>
-      </p:grpSpPr>
-      <p:sp>
-        <p:nvSpPr>
-          <p:cNvPr id="4" name="Foliennummernplatzhalter 3">
-            <a:extLst>
-              <a:ext uri="{FF2B5EF4-FFF2-40B4-BE49-F238E27FC236}">
-                <a16:creationId xmlns:a16="http://schemas.microsoft.com/office/drawing/2014/main" id="{38F51045-17B2-4CC8-80FB-808D3D232D7E}"/>
-              </a:ext>
-            </a:extLst>
-          </p:cNvPr>
-          <p:cNvSpPr>
-            <a:spLocks noGrp="1"/>
-          </p:cNvSpPr>
-          <p:nvPr>
-            <p:ph type="sldNum" sz="quarter" idx="12"/>
-          </p:nvPr>
-        </p:nvSpPr>
-        <p:spPr/>
-        <p:txBody>
-          <a:bodyPr/>
-          <a:lstStyle/>
-          <a:p>
-            <a:fld id="{5C76D808-3489-4ED6-8F45-9C53BCBA6C6D}" type="slidenum">
-              <a:rPr lang="es-ES" b="1" smtClean="0"/>
-              <a:t>18</a:t>
-            </a:fld>
-            <a:endParaRPr lang="es-ES" b="1" dirty="0"/>
-          </a:p>
-        </p:txBody>
-      </p:sp>
-      <p:sp>
-        <p:nvSpPr>
-          <p:cNvPr id="6" name="AutoShape 2" descr="Bildergebnis für mexiko  flagge">
-            <a:extLst>
-              <a:ext uri="{FF2B5EF4-FFF2-40B4-BE49-F238E27FC236}">
-                <a16:creationId xmlns:a16="http://schemas.microsoft.com/office/drawing/2014/main" id="{857C175E-0782-4771-83B5-FE30477F5ADE}"/>
-              </a:ext>
-            </a:extLst>
-          </p:cNvPr>
-          <p:cNvSpPr>
-            <a:spLocks noChangeAspect="1" noChangeArrowheads="1"/>
-          </p:cNvSpPr>
-          <p:nvPr/>
-        </p:nvSpPr>
-        <p:spPr bwMode="auto">
-          <a:xfrm>
-            <a:off x="5943600" y="3276600"/>
-            <a:ext cx="304800" cy="304800"/>
-          </a:xfrm>
-          <a:prstGeom prst="rect">
-            <a:avLst/>
-          </a:prstGeom>
-          <a:noFill/>
-          <a:extLst>
-            <a:ext uri="{909E8E84-426E-40DD-AFC4-6F175D3DCCD1}">
-              <a14:hiddenFill xmlns:a14="http://schemas.microsoft.com/office/drawing/2010/main">
-                <a:solidFill>
-                  <a:srgbClr val="FFFFFF"/>
-                </a:solidFill>
-              </a14:hiddenFill>
-            </a:ext>
-          </a:extLst>
-        </p:spPr>
-        <p:txBody>
-          <a:bodyPr vert="horz" wrap="square" lIns="91440" tIns="45720" rIns="91440" bIns="45720" numCol="1" anchor="t" anchorCtr="0" compatLnSpc="1">
-            <a:prstTxWarp prst="textNoShape">
-              <a:avLst/>
-            </a:prstTxWarp>
-          </a:bodyPr>
-          <a:lstStyle/>
-          <a:p>
-            <a:endParaRPr lang="es-ES"/>
-          </a:p>
-        </p:txBody>
-      </p:sp>
-      <p:sp>
-        <p:nvSpPr>
-          <p:cNvPr id="9" name="Titel 26">
-            <a:extLst>
-              <a:ext uri="{FF2B5EF4-FFF2-40B4-BE49-F238E27FC236}">
-                <a16:creationId xmlns:a16="http://schemas.microsoft.com/office/drawing/2014/main" id="{2EB3946F-2FEF-7647-9117-E92EBCA1223B}"/>
-              </a:ext>
-            </a:extLst>
-          </p:cNvPr>
-          <p:cNvSpPr txBox="1">
-            <a:spLocks/>
-          </p:cNvSpPr>
-          <p:nvPr/>
-        </p:nvSpPr>
-        <p:spPr>
-          <a:xfrm>
-            <a:off x="838200" y="0"/>
-            <a:ext cx="10515600" cy="1325563"/>
-          </a:xfrm>
-          <a:prstGeom prst="rect">
-            <a:avLst/>
-          </a:prstGeom>
-        </p:spPr>
-        <p:txBody>
-          <a:bodyPr vert="horz" lIns="91440" tIns="45720" rIns="91440" bIns="45720" rtlCol="0" anchor="ctr">
-            <a:normAutofit/>
-          </a:bodyPr>
-          <a:lstStyle>
-            <a:lvl1pPr algn="l" defTabSz="914400" rtl="0" eaLnBrk="1" latinLnBrk="0" hangingPunct="1">
-              <a:lnSpc>
-                <a:spcPct val="90000"/>
-              </a:lnSpc>
-              <a:spcBef>
-                <a:spcPct val="0"/>
-              </a:spcBef>
-              <a:buNone/>
-              <a:defRPr sz="4400" kern="1200">
-                <a:solidFill>
-                  <a:schemeClr val="tx1"/>
-                </a:solidFill>
-                <a:latin typeface="+mj-lt"/>
-                <a:ea typeface="+mj-ea"/>
-                <a:cs typeface="+mj-cs"/>
-              </a:defRPr>
-            </a:lvl1pPr>
-          </a:lstStyle>
-          <a:p>
-            <a:pPr algn="ctr"/>
-            <a:r>
-              <a:rPr lang="es-ES" sz="3600" u="sng" dirty="0">
-                <a:latin typeface="Arial" panose="020B0604020202020204" pitchFamily="34" charset="0"/>
-                <a:cs typeface="Arial" panose="020B0604020202020204" pitchFamily="34" charset="0"/>
-              </a:rPr>
-              <a:t>Diskussion</a:t>
-            </a:r>
-          </a:p>
-        </p:txBody>
-      </p:sp>
-      <p:sp>
-        <p:nvSpPr>
-          <p:cNvPr id="7" name="Fußzeilenplatzhalter 4">
-            <a:extLst>
-              <a:ext uri="{FF2B5EF4-FFF2-40B4-BE49-F238E27FC236}">
-                <a16:creationId xmlns:a16="http://schemas.microsoft.com/office/drawing/2014/main" id="{00D96A0B-DFF8-4590-A342-4EE02B81294A}"/>
-              </a:ext>
-            </a:extLst>
-          </p:cNvPr>
-          <p:cNvSpPr>
-            <a:spLocks noGrp="1"/>
-          </p:cNvSpPr>
-          <p:nvPr>
-            <p:ph type="ftr" sz="quarter" idx="11"/>
-          </p:nvPr>
-        </p:nvSpPr>
-        <p:spPr>
-          <a:xfrm>
-            <a:off x="117806" y="6356350"/>
-            <a:ext cx="4050287" cy="365125"/>
-          </a:xfrm>
-        </p:spPr>
-        <p:txBody>
-          <a:bodyPr/>
-          <a:lstStyle/>
-          <a:p>
-            <a:r>
-              <a:rPr lang="es-ES" dirty="0">
-                <a:latin typeface="Arial" panose="020B0604020202020204" pitchFamily="34" charset="0"/>
-                <a:cs typeface="Arial" panose="020B0604020202020204" pitchFamily="34" charset="0"/>
-              </a:rPr>
-              <a:t>Getriggerte Erdbeben – Orzelek, Reichmeier, Riedlberger</a:t>
-            </a:r>
-          </a:p>
-        </p:txBody>
-      </p:sp>
-      <p:sp>
-        <p:nvSpPr>
-          <p:cNvPr id="8" name="Rechteck 7">
-            <a:extLst>
-              <a:ext uri="{FF2B5EF4-FFF2-40B4-BE49-F238E27FC236}">
-                <a16:creationId xmlns:a16="http://schemas.microsoft.com/office/drawing/2014/main" id="{F6F448F6-6421-41FF-BFBC-567C0EF94811}"/>
-              </a:ext>
-            </a:extLst>
-          </p:cNvPr>
-          <p:cNvSpPr/>
-          <p:nvPr/>
-        </p:nvSpPr>
-        <p:spPr>
-          <a:xfrm>
-            <a:off x="1077083" y="1553297"/>
-            <a:ext cx="10176207" cy="1219405"/>
-          </a:xfrm>
-          <a:prstGeom prst="rect">
-            <a:avLst/>
-          </a:prstGeom>
-          <a:solidFill>
-            <a:schemeClr val="accent4">
-              <a:lumMod val="40000"/>
-              <a:lumOff val="60000"/>
-            </a:schemeClr>
-          </a:solidFill>
-          <a:ln>
-            <a:noFill/>
-          </a:ln>
-        </p:spPr>
-        <p:style>
-          <a:lnRef idx="2">
-            <a:schemeClr val="accent1">
-              <a:shade val="50000"/>
-            </a:schemeClr>
-          </a:lnRef>
-          <a:fillRef idx="1">
-            <a:schemeClr val="accent1"/>
-          </a:fillRef>
-          <a:effectRef idx="0">
-            <a:schemeClr val="accent1"/>
-          </a:effectRef>
-          <a:fontRef idx="minor">
-            <a:schemeClr val="lt1"/>
-          </a:fontRef>
-        </p:style>
-        <p:txBody>
-          <a:bodyPr rtlCol="0" anchor="ctr"/>
-          <a:lstStyle/>
-          <a:p>
-            <a:pPr algn="ctr"/>
-            <a:r>
-              <a:rPr lang="es-ES" dirty="0">
-                <a:solidFill>
-                  <a:schemeClr val="tx1"/>
-                </a:solidFill>
-              </a:rPr>
-              <a:t>Beobachtete Werte werden nicht gut geschätzt</a:t>
-            </a:r>
-          </a:p>
-          <a:p>
-            <a:pPr algn="ctr"/>
-            <a:r>
-              <a:rPr lang="es-ES" dirty="0">
-                <a:solidFill>
-                  <a:schemeClr val="tx1"/>
-                </a:solidFill>
-              </a:rPr>
-              <a:t>Die Residuenannahme wird verletzt</a:t>
-            </a:r>
-          </a:p>
-        </p:txBody>
-      </p:sp>
-      <p:sp>
-        <p:nvSpPr>
-          <p:cNvPr id="10" name="Rechteck 9">
-            <a:extLst>
-              <a:ext uri="{FF2B5EF4-FFF2-40B4-BE49-F238E27FC236}">
-                <a16:creationId xmlns:a16="http://schemas.microsoft.com/office/drawing/2014/main" id="{8159772E-8D75-4D54-88AE-9E6505C67A26}"/>
-              </a:ext>
-            </a:extLst>
-          </p:cNvPr>
-          <p:cNvSpPr/>
-          <p:nvPr/>
-        </p:nvSpPr>
-        <p:spPr>
-          <a:xfrm>
-            <a:off x="1077084" y="2976674"/>
-            <a:ext cx="10176206" cy="1160168"/>
-          </a:xfrm>
-          <a:prstGeom prst="rect">
-            <a:avLst/>
-          </a:prstGeom>
-          <a:solidFill>
-            <a:schemeClr val="accent4">
-              <a:lumMod val="40000"/>
-              <a:lumOff val="60000"/>
-            </a:schemeClr>
-          </a:solidFill>
-          <a:ln>
-            <a:noFill/>
-          </a:ln>
-        </p:spPr>
-        <p:style>
-          <a:lnRef idx="2">
-            <a:schemeClr val="accent1">
-              <a:shade val="50000"/>
-            </a:schemeClr>
-          </a:lnRef>
-          <a:fillRef idx="1">
-            <a:schemeClr val="accent1"/>
-          </a:fillRef>
-          <a:effectRef idx="0">
-            <a:schemeClr val="accent1"/>
-          </a:effectRef>
-          <a:fontRef idx="minor">
-            <a:schemeClr val="lt1"/>
-          </a:fontRef>
-        </p:style>
-        <p:txBody>
-          <a:bodyPr rtlCol="0" anchor="ctr"/>
-          <a:lstStyle/>
-          <a:p>
-            <a:pPr algn="ctr"/>
-            <a:r>
-              <a:rPr lang="es-ES" dirty="0">
-                <a:solidFill>
-                  <a:schemeClr val="tx1"/>
-                </a:solidFill>
-              </a:rPr>
-              <a:t>Residuen sind nicht normalverteilt</a:t>
-            </a:r>
-          </a:p>
-          <a:p>
-            <a:pPr algn="ctr"/>
-            <a:r>
-              <a:rPr lang="es-ES" dirty="0">
-                <a:solidFill>
-                  <a:schemeClr val="tx1"/>
-                </a:solidFill>
-              </a:rPr>
-              <a:t>Streuung nicht gleichmäßig</a:t>
-            </a:r>
-          </a:p>
-          <a:p>
-            <a:pPr algn="ctr"/>
-            <a:r>
-              <a:rPr lang="es-ES" dirty="0">
-                <a:solidFill>
-                  <a:schemeClr val="tx1"/>
-                </a:solidFill>
-              </a:rPr>
-              <a:t>Fehlende Interaktion?</a:t>
-            </a:r>
-          </a:p>
-        </p:txBody>
-      </p:sp>
-      <p:sp>
-        <p:nvSpPr>
-          <p:cNvPr id="11" name="Rechteck 10">
-            <a:extLst>
-              <a:ext uri="{FF2B5EF4-FFF2-40B4-BE49-F238E27FC236}">
-                <a16:creationId xmlns:a16="http://schemas.microsoft.com/office/drawing/2014/main" id="{A347707B-234A-4542-85F5-B62AC2587A65}"/>
-              </a:ext>
-            </a:extLst>
-          </p:cNvPr>
-          <p:cNvSpPr/>
-          <p:nvPr/>
-        </p:nvSpPr>
-        <p:spPr>
-          <a:xfrm>
-            <a:off x="1077083" y="4360194"/>
-            <a:ext cx="10176206" cy="1160168"/>
-          </a:xfrm>
-          <a:prstGeom prst="rect">
-            <a:avLst/>
-          </a:prstGeom>
-          <a:solidFill>
-            <a:schemeClr val="accent4">
-              <a:lumMod val="40000"/>
-              <a:lumOff val="60000"/>
-            </a:schemeClr>
-          </a:solidFill>
-          <a:ln>
-            <a:noFill/>
-          </a:ln>
-        </p:spPr>
-        <p:style>
-          <a:lnRef idx="2">
-            <a:schemeClr val="accent1">
-              <a:shade val="50000"/>
-            </a:schemeClr>
-          </a:lnRef>
-          <a:fillRef idx="1">
-            <a:schemeClr val="accent1"/>
-          </a:fillRef>
-          <a:effectRef idx="0">
-            <a:schemeClr val="accent1"/>
-          </a:effectRef>
-          <a:fontRef idx="minor">
-            <a:schemeClr val="lt1"/>
-          </a:fontRef>
-        </p:style>
-        <p:txBody>
-          <a:bodyPr rtlCol="0" anchor="ctr"/>
-          <a:lstStyle/>
-          <a:p>
-            <a:pPr algn="ctr"/>
-            <a:r>
-              <a:rPr lang="es-ES" dirty="0">
-                <a:solidFill>
-                  <a:schemeClr val="tx1"/>
-                </a:solidFill>
-              </a:rPr>
-              <a:t>Modelgüte?</a:t>
-            </a:r>
-          </a:p>
-          <a:p>
-            <a:pPr algn="ctr"/>
-            <a:r>
-              <a:rPr lang="es-ES" dirty="0">
-                <a:solidFill>
-                  <a:schemeClr val="tx1"/>
-                </a:solidFill>
-              </a:rPr>
-              <a:t>Wie viele Quantile sinnvoll?</a:t>
-            </a:r>
-          </a:p>
-        </p:txBody>
-      </p:sp>
-    </p:spTree>
-    <p:extLst>
-      <p:ext uri="{BB962C8B-B14F-4D97-AF65-F5344CB8AC3E}">
-        <p14:creationId xmlns:p14="http://schemas.microsoft.com/office/powerpoint/2010/main" val="3774258167"/>
       </p:ext>
     </p:extLst>
   </p:cSld>
@@ -8362,10 +9116,10 @@
       </p:grpSpPr>
       <p:sp>
         <p:nvSpPr>
-          <p:cNvPr id="5" name="Titel 4">
-            <a:extLst>
-              <a:ext uri="{FF2B5EF4-FFF2-40B4-BE49-F238E27FC236}">
-                <a16:creationId xmlns:a16="http://schemas.microsoft.com/office/drawing/2014/main" id="{A8DB802E-A859-4E59-A5B1-AEA2DD50647F}"/>
+          <p:cNvPr id="3" name="Inhaltsplatzhalter 2">
+            <a:extLst>
+              <a:ext uri="{FF2B5EF4-FFF2-40B4-BE49-F238E27FC236}">
+                <a16:creationId xmlns:a16="http://schemas.microsoft.com/office/drawing/2014/main" id="{EF2F12AA-717C-400F-AC63-EA5D78A3C047}"/>
               </a:ext>
             </a:extLst>
           </p:cNvPr>
@@ -8373,26 +9127,54 @@
             <a:spLocks noGrp="1"/>
           </p:cNvSpPr>
           <p:nvPr>
-            <p:ph type="title"/>
+            <p:ph idx="1"/>
           </p:nvPr>
         </p:nvSpPr>
         <p:spPr>
           <a:xfrm>
-            <a:off x="883078" y="2002631"/>
-            <a:ext cx="10515600" cy="2852737"/>
-          </a:xfrm>
-        </p:spPr>
-        <p:txBody>
-          <a:bodyPr/>
-          <a:lstStyle/>
-          <a:p>
-            <a:pPr algn="ctr"/>
+            <a:off x="1002052" y="1844675"/>
+            <a:ext cx="11065988" cy="4351338"/>
+          </a:xfrm>
+        </p:spPr>
+        <p:txBody>
+          <a:bodyPr>
+            <a:normAutofit/>
+          </a:bodyPr>
+          <a:lstStyle/>
+          <a:p>
             <a:r>
               <a:rPr lang="es-ES" dirty="0">
                 <a:latin typeface="Arial" panose="020B0604020202020204" pitchFamily="34" charset="0"/>
                 <a:cs typeface="Arial" panose="020B0604020202020204" pitchFamily="34" charset="0"/>
               </a:rPr>
-              <a:t>Vielen Dank für eure Aufmerksamkeit, eure Ideen und Anregungen</a:t>
+              <a:t>Hintergrund und Inhalt des Projektes</a:t>
+            </a:r>
+          </a:p>
+          <a:p>
+            <a:r>
+              <a:rPr lang="es-ES" dirty="0">
+                <a:latin typeface="Arial" panose="020B0604020202020204" pitchFamily="34" charset="0"/>
+                <a:cs typeface="Arial" panose="020B0604020202020204" pitchFamily="34" charset="0"/>
+              </a:rPr>
+              <a:t>Fragestellung</a:t>
+            </a:r>
+          </a:p>
+          <a:p>
+            <a:r>
+              <a:rPr lang="es-ES" dirty="0">
+                <a:latin typeface="Arial" panose="020B0604020202020204" pitchFamily="34" charset="0"/>
+                <a:cs typeface="Arial" panose="020B0604020202020204" pitchFamily="34" charset="0"/>
+              </a:rPr>
+              <a:t>Konzept - Erste Ergebnisse und Erfahrungen</a:t>
+            </a:r>
+          </a:p>
+          <a:p>
+            <a:r>
+              <a:rPr lang="es-ES" b="1" dirty="0">
+                <a:latin typeface="Arial" panose="020B0604020202020204" pitchFamily="34" charset="0"/>
+                <a:cs typeface="Arial" panose="020B0604020202020204" pitchFamily="34" charset="0"/>
+              </a:rPr>
+              <a:t>Diskussion</a:t>
             </a:r>
           </a:p>
         </p:txBody>
@@ -8402,7 +9184,7 @@
           <p:cNvPr id="4" name="Foliennummernplatzhalter 3">
             <a:extLst>
               <a:ext uri="{FF2B5EF4-FFF2-40B4-BE49-F238E27FC236}">
-                <a16:creationId xmlns:a16="http://schemas.microsoft.com/office/drawing/2014/main" id="{EEAB57F1-19EE-42C8-ADFF-9A10CBE81510}"/>
+                <a16:creationId xmlns:a16="http://schemas.microsoft.com/office/drawing/2014/main" id="{38F51045-17B2-4CC8-80FB-808D3D232D7E}"/>
               </a:ext>
             </a:extLst>
           </p:cNvPr>
@@ -8428,10 +9210,117 @@
       </p:sp>
       <p:sp>
         <p:nvSpPr>
-          <p:cNvPr id="7" name="Fußzeilenplatzhalter 4">
-            <a:extLst>
-              <a:ext uri="{FF2B5EF4-FFF2-40B4-BE49-F238E27FC236}">
-                <a16:creationId xmlns:a16="http://schemas.microsoft.com/office/drawing/2014/main" id="{8F2BB6AB-4477-4547-A17E-6370F0F6C6FC}"/>
+          <p:cNvPr id="6" name="AutoShape 2" descr="Bildergebnis für mexiko  flagge">
+            <a:extLst>
+              <a:ext uri="{FF2B5EF4-FFF2-40B4-BE49-F238E27FC236}">
+                <a16:creationId xmlns:a16="http://schemas.microsoft.com/office/drawing/2014/main" id="{857C175E-0782-4771-83B5-FE30477F5ADE}"/>
+              </a:ext>
+            </a:extLst>
+          </p:cNvPr>
+          <p:cNvSpPr>
+            <a:spLocks noChangeAspect="1" noChangeArrowheads="1"/>
+          </p:cNvSpPr>
+          <p:nvPr/>
+        </p:nvSpPr>
+        <p:spPr bwMode="auto">
+          <a:xfrm>
+            <a:off x="5943600" y="3276600"/>
+            <a:ext cx="304800" cy="304800"/>
+          </a:xfrm>
+          <a:prstGeom prst="rect">
+            <a:avLst/>
+          </a:prstGeom>
+          <a:noFill/>
+          <a:extLst>
+            <a:ext uri="{909E8E84-426E-40DD-AFC4-6F175D3DCCD1}">
+              <a14:hiddenFill xmlns:a14="http://schemas.microsoft.com/office/drawing/2010/main">
+                <a:solidFill>
+                  <a:srgbClr val="FFFFFF"/>
+                </a:solidFill>
+              </a14:hiddenFill>
+            </a:ext>
+          </a:extLst>
+        </p:spPr>
+        <p:txBody>
+          <a:bodyPr vert="horz" wrap="square" lIns="91440" tIns="45720" rIns="91440" bIns="45720" numCol="1" anchor="t" anchorCtr="0" compatLnSpc="1">
+            <a:prstTxWarp prst="textNoShape">
+              <a:avLst/>
+            </a:prstTxWarp>
+          </a:bodyPr>
+          <a:lstStyle/>
+          <a:p>
+            <a:endParaRPr lang="es-ES"/>
+          </a:p>
+        </p:txBody>
+      </p:sp>
+      <p:sp>
+        <p:nvSpPr>
+          <p:cNvPr id="9" name="Titel 26">
+            <a:extLst>
+              <a:ext uri="{FF2B5EF4-FFF2-40B4-BE49-F238E27FC236}">
+                <a16:creationId xmlns:a16="http://schemas.microsoft.com/office/drawing/2014/main" id="{2EB3946F-2FEF-7647-9117-E92EBCA1223B}"/>
+              </a:ext>
+            </a:extLst>
+          </p:cNvPr>
+          <p:cNvSpPr txBox="1">
+            <a:spLocks/>
+          </p:cNvSpPr>
+          <p:nvPr/>
+        </p:nvSpPr>
+        <p:spPr>
+          <a:xfrm>
+            <a:off x="838200" y="-140245"/>
+            <a:ext cx="10515600" cy="1325563"/>
+          </a:xfrm>
+          <a:prstGeom prst="rect">
+            <a:avLst/>
+          </a:prstGeom>
+        </p:spPr>
+        <p:txBody>
+          <a:bodyPr vert="horz" lIns="91440" tIns="45720" rIns="91440" bIns="45720" rtlCol="0" anchor="ctr">
+            <a:normAutofit/>
+          </a:bodyPr>
+          <a:lstStyle>
+            <a:lvl1pPr algn="l" defTabSz="914400" rtl="0" eaLnBrk="1" latinLnBrk="0" hangingPunct="1">
+              <a:lnSpc>
+                <a:spcPct val="90000"/>
+              </a:lnSpc>
+              <a:spcBef>
+                <a:spcPct val="0"/>
+              </a:spcBef>
+              <a:buNone/>
+              <a:defRPr sz="4400" kern="1200">
+                <a:solidFill>
+                  <a:schemeClr val="tx1"/>
+                </a:solidFill>
+                <a:latin typeface="+mj-lt"/>
+                <a:ea typeface="+mj-ea"/>
+                <a:cs typeface="+mj-cs"/>
+              </a:defRPr>
+            </a:lvl1pPr>
+          </a:lstStyle>
+          <a:p>
+            <a:pPr algn="ctr"/>
+            <a:r>
+              <a:rPr lang="es-ES" sz="3600" u="sng" dirty="0" err="1">
+                <a:latin typeface="Arial" panose="020B0604020202020204" pitchFamily="34" charset="0"/>
+                <a:cs typeface="Arial" panose="020B0604020202020204" pitchFamily="34" charset="0"/>
+              </a:rPr>
+              <a:t>Gliederung</a:t>
+            </a:r>
+            <a:endParaRPr lang="es-ES" sz="3600" u="sng" dirty="0">
+              <a:latin typeface="Arial" panose="020B0604020202020204" pitchFamily="34" charset="0"/>
+              <a:cs typeface="Arial" panose="020B0604020202020204" pitchFamily="34" charset="0"/>
+            </a:endParaRPr>
+          </a:p>
+        </p:txBody>
+      </p:sp>
+      <p:sp>
+        <p:nvSpPr>
+          <p:cNvPr id="10" name="Fußzeilenplatzhalter 4">
+            <a:extLst>
+              <a:ext uri="{FF2B5EF4-FFF2-40B4-BE49-F238E27FC236}">
+                <a16:creationId xmlns:a16="http://schemas.microsoft.com/office/drawing/2014/main" id="{CA3F2EDC-1E9F-40FC-ABFA-3C46B88C1DC8}"/>
               </a:ext>
             </a:extLst>
           </p:cNvPr>
@@ -8465,7 +9354,7 @@
     </p:spTree>
     <p:extLst>
       <p:ext uri="{BB962C8B-B14F-4D97-AF65-F5344CB8AC3E}">
-        <p14:creationId xmlns:p14="http://schemas.microsoft.com/office/powerpoint/2010/main" val="2483290529"/>
+        <p14:creationId xmlns:p14="http://schemas.microsoft.com/office/powerpoint/2010/main" val="1763848810"/>
       </p:ext>
     </p:extLst>
   </p:cSld>
@@ -8552,9 +9441,8 @@
                 <a:latin typeface="Arial" panose="020B0604020202020204" pitchFamily="34" charset="0"/>
                 <a:cs typeface="Arial" panose="020B0604020202020204" pitchFamily="34" charset="0"/>
               </a:rPr>
-              <a:t>Fragen und Anregungen</a:t>
-            </a:r>
-            <a:endParaRPr lang="es-ES" dirty="0"/>
+              <a:t>Diskussion</a:t>
+            </a:r>
           </a:p>
         </p:txBody>
       </p:sp>
@@ -8762,47 +9650,10 @@
       </p:grpSpPr>
       <p:sp>
         <p:nvSpPr>
-          <p:cNvPr id="5" name="Titel 4">
-            <a:extLst>
-              <a:ext uri="{FF2B5EF4-FFF2-40B4-BE49-F238E27FC236}">
-                <a16:creationId xmlns:a16="http://schemas.microsoft.com/office/drawing/2014/main" id="{A8DB802E-A859-4E59-A5B1-AEA2DD50647F}"/>
-              </a:ext>
-            </a:extLst>
-          </p:cNvPr>
-          <p:cNvSpPr>
-            <a:spLocks noGrp="1"/>
-          </p:cNvSpPr>
-          <p:nvPr>
-            <p:ph type="title"/>
-          </p:nvPr>
-        </p:nvSpPr>
-        <p:spPr>
-          <a:xfrm>
-            <a:off x="838200" y="1116353"/>
-            <a:ext cx="10515600" cy="1303908"/>
-          </a:xfrm>
-        </p:spPr>
-        <p:txBody>
-          <a:bodyPr/>
-          <a:lstStyle/>
-          <a:p>
-            <a:pPr algn="ctr"/>
-            <a:r>
-              <a:rPr lang="es-ES" dirty="0">
-                <a:latin typeface="Arial" panose="020B0604020202020204" pitchFamily="34" charset="0"/>
-                <a:cs typeface="Arial" panose="020B0604020202020204" pitchFamily="34" charset="0"/>
-              </a:rPr>
-              <a:t>Anhang</a:t>
-            </a:r>
-          </a:p>
-        </p:txBody>
-      </p:sp>
-      <p:sp>
-        <p:nvSpPr>
           <p:cNvPr id="4" name="Foliennummernplatzhalter 3">
             <a:extLst>
               <a:ext uri="{FF2B5EF4-FFF2-40B4-BE49-F238E27FC236}">
-                <a16:creationId xmlns:a16="http://schemas.microsoft.com/office/drawing/2014/main" id="{EEAB57F1-19EE-42C8-ADFF-9A10CBE81510}"/>
+                <a16:creationId xmlns:a16="http://schemas.microsoft.com/office/drawing/2014/main" id="{38F51045-17B2-4CC8-80FB-808D3D232D7E}"/>
               </a:ext>
             </a:extLst>
           </p:cNvPr>
@@ -8828,10 +9679,113 @@
       </p:sp>
       <p:sp>
         <p:nvSpPr>
+          <p:cNvPr id="6" name="AutoShape 2" descr="Bildergebnis für mexiko  flagge">
+            <a:extLst>
+              <a:ext uri="{FF2B5EF4-FFF2-40B4-BE49-F238E27FC236}">
+                <a16:creationId xmlns:a16="http://schemas.microsoft.com/office/drawing/2014/main" id="{857C175E-0782-4771-83B5-FE30477F5ADE}"/>
+              </a:ext>
+            </a:extLst>
+          </p:cNvPr>
+          <p:cNvSpPr>
+            <a:spLocks noChangeAspect="1" noChangeArrowheads="1"/>
+          </p:cNvSpPr>
+          <p:nvPr/>
+        </p:nvSpPr>
+        <p:spPr bwMode="auto">
+          <a:xfrm>
+            <a:off x="5943600" y="3276600"/>
+            <a:ext cx="304800" cy="304800"/>
+          </a:xfrm>
+          <a:prstGeom prst="rect">
+            <a:avLst/>
+          </a:prstGeom>
+          <a:noFill/>
+          <a:extLst>
+            <a:ext uri="{909E8E84-426E-40DD-AFC4-6F175D3DCCD1}">
+              <a14:hiddenFill xmlns:a14="http://schemas.microsoft.com/office/drawing/2010/main">
+                <a:solidFill>
+                  <a:srgbClr val="FFFFFF"/>
+                </a:solidFill>
+              </a14:hiddenFill>
+            </a:ext>
+          </a:extLst>
+        </p:spPr>
+        <p:txBody>
+          <a:bodyPr vert="horz" wrap="square" lIns="91440" tIns="45720" rIns="91440" bIns="45720" numCol="1" anchor="t" anchorCtr="0" compatLnSpc="1">
+            <a:prstTxWarp prst="textNoShape">
+              <a:avLst/>
+            </a:prstTxWarp>
+          </a:bodyPr>
+          <a:lstStyle/>
+          <a:p>
+            <a:endParaRPr lang="es-ES"/>
+          </a:p>
+        </p:txBody>
+      </p:sp>
+      <p:sp>
+        <p:nvSpPr>
+          <p:cNvPr id="9" name="Titel 26">
+            <a:extLst>
+              <a:ext uri="{FF2B5EF4-FFF2-40B4-BE49-F238E27FC236}">
+                <a16:creationId xmlns:a16="http://schemas.microsoft.com/office/drawing/2014/main" id="{2EB3946F-2FEF-7647-9117-E92EBCA1223B}"/>
+              </a:ext>
+            </a:extLst>
+          </p:cNvPr>
+          <p:cNvSpPr txBox="1">
+            <a:spLocks/>
+          </p:cNvSpPr>
+          <p:nvPr/>
+        </p:nvSpPr>
+        <p:spPr>
+          <a:xfrm>
+            <a:off x="838200" y="0"/>
+            <a:ext cx="10515600" cy="1325563"/>
+          </a:xfrm>
+          <a:prstGeom prst="rect">
+            <a:avLst/>
+          </a:prstGeom>
+        </p:spPr>
+        <p:txBody>
+          <a:bodyPr vert="horz" lIns="91440" tIns="45720" rIns="91440" bIns="45720" rtlCol="0" anchor="ctr">
+            <a:normAutofit/>
+          </a:bodyPr>
+          <a:lstStyle>
+            <a:lvl1pPr algn="l" defTabSz="914400" rtl="0" eaLnBrk="1" latinLnBrk="0" hangingPunct="1">
+              <a:lnSpc>
+                <a:spcPct val="90000"/>
+              </a:lnSpc>
+              <a:spcBef>
+                <a:spcPct val="0"/>
+              </a:spcBef>
+              <a:buNone/>
+              <a:defRPr sz="4400" kern="1200">
+                <a:solidFill>
+                  <a:schemeClr val="tx1"/>
+                </a:solidFill>
+                <a:latin typeface="+mj-lt"/>
+                <a:ea typeface="+mj-ea"/>
+                <a:cs typeface="+mj-cs"/>
+              </a:defRPr>
+            </a:lvl1pPr>
+          </a:lstStyle>
+          <a:p>
+            <a:pPr algn="ctr"/>
+            <a:r>
+              <a:rPr lang="es-ES" sz="3600" u="sng" dirty="0">
+                <a:latin typeface="Arial" panose="020B0604020202020204" pitchFamily="34" charset="0"/>
+                <a:cs typeface="Arial" panose="020B0604020202020204" pitchFamily="34" charset="0"/>
+              </a:rPr>
+              <a:t>Diskussion</a:t>
+            </a:r>
+          </a:p>
+        </p:txBody>
+      </p:sp>
+      <p:sp>
+        <p:nvSpPr>
           <p:cNvPr id="7" name="Fußzeilenplatzhalter 4">
             <a:extLst>
               <a:ext uri="{FF2B5EF4-FFF2-40B4-BE49-F238E27FC236}">
-                <a16:creationId xmlns:a16="http://schemas.microsoft.com/office/drawing/2014/main" id="{8F2BB6AB-4477-4547-A17E-6370F0F6C6FC}"/>
+                <a16:creationId xmlns:a16="http://schemas.microsoft.com/office/drawing/2014/main" id="{00D96A0B-DFF8-4590-A342-4EE02B81294A}"/>
               </a:ext>
             </a:extLst>
           </p:cNvPr>
@@ -8862,10 +9816,279 @@
           </a:p>
         </p:txBody>
       </p:sp>
+      <p:sp>
+        <p:nvSpPr>
+          <p:cNvPr id="8" name="Rechteck 7">
+            <a:extLst>
+              <a:ext uri="{FF2B5EF4-FFF2-40B4-BE49-F238E27FC236}">
+                <a16:creationId xmlns:a16="http://schemas.microsoft.com/office/drawing/2014/main" id="{F6F448F6-6421-41FF-BFBC-567C0EF94811}"/>
+              </a:ext>
+            </a:extLst>
+          </p:cNvPr>
+          <p:cNvSpPr/>
+          <p:nvPr/>
+        </p:nvSpPr>
+        <p:spPr>
+          <a:xfrm>
+            <a:off x="587527" y="1553297"/>
+            <a:ext cx="11016945" cy="1219405"/>
+          </a:xfrm>
+          <a:prstGeom prst="rect">
+            <a:avLst/>
+          </a:prstGeom>
+          <a:solidFill>
+            <a:schemeClr val="accent4">
+              <a:lumMod val="40000"/>
+              <a:lumOff val="60000"/>
+            </a:schemeClr>
+          </a:solidFill>
+          <a:ln>
+            <a:noFill/>
+          </a:ln>
+        </p:spPr>
+        <p:style>
+          <a:lnRef idx="2">
+            <a:schemeClr val="accent1">
+              <a:shade val="50000"/>
+            </a:schemeClr>
+          </a:lnRef>
+          <a:fillRef idx="1">
+            <a:schemeClr val="accent1"/>
+          </a:fillRef>
+          <a:effectRef idx="0">
+            <a:schemeClr val="accent1"/>
+          </a:effectRef>
+          <a:fontRef idx="minor">
+            <a:schemeClr val="lt1"/>
+          </a:fontRef>
+        </p:style>
+        <p:txBody>
+          <a:bodyPr rtlCol="0" anchor="ctr"/>
+          <a:lstStyle/>
+          <a:p>
+            <a:pPr algn="ctr"/>
+            <a:r>
+              <a:rPr lang="es-ES" sz="2400" dirty="0">
+                <a:solidFill>
+                  <a:schemeClr val="tx1"/>
+                </a:solidFill>
+              </a:rPr>
+              <a:t>Beobachtete Werte werden nicht gut geschätzt bei der linearen Regression </a:t>
+            </a:r>
+          </a:p>
+          <a:p>
+            <a:pPr algn="ctr"/>
+            <a:r>
+              <a:rPr lang="es-ES" sz="2400" dirty="0">
+                <a:solidFill>
+                  <a:schemeClr val="tx1"/>
+                </a:solidFill>
+              </a:rPr>
+              <a:t>Die Residuenannahme wird verletzt</a:t>
+            </a:r>
+          </a:p>
+        </p:txBody>
+      </p:sp>
+      <p:sp>
+        <p:nvSpPr>
+          <p:cNvPr id="10" name="Rechteck 9">
+            <a:extLst>
+              <a:ext uri="{FF2B5EF4-FFF2-40B4-BE49-F238E27FC236}">
+                <a16:creationId xmlns:a16="http://schemas.microsoft.com/office/drawing/2014/main" id="{8159772E-8D75-4D54-88AE-9E6505C67A26}"/>
+              </a:ext>
+            </a:extLst>
+          </p:cNvPr>
+          <p:cNvSpPr/>
+          <p:nvPr/>
+        </p:nvSpPr>
+        <p:spPr>
+          <a:xfrm>
+            <a:off x="587527" y="2889640"/>
+            <a:ext cx="11016945" cy="1383520"/>
+          </a:xfrm>
+          <a:prstGeom prst="rect">
+            <a:avLst/>
+          </a:prstGeom>
+          <a:solidFill>
+            <a:schemeClr val="accent4">
+              <a:lumMod val="40000"/>
+              <a:lumOff val="60000"/>
+            </a:schemeClr>
+          </a:solidFill>
+          <a:ln>
+            <a:noFill/>
+          </a:ln>
+        </p:spPr>
+        <p:style>
+          <a:lnRef idx="2">
+            <a:schemeClr val="accent1">
+              <a:shade val="50000"/>
+            </a:schemeClr>
+          </a:lnRef>
+          <a:fillRef idx="1">
+            <a:schemeClr val="accent1"/>
+          </a:fillRef>
+          <a:effectRef idx="0">
+            <a:schemeClr val="accent1"/>
+          </a:effectRef>
+          <a:fontRef idx="minor">
+            <a:schemeClr val="lt1"/>
+          </a:fontRef>
+        </p:style>
+        <p:txBody>
+          <a:bodyPr rtlCol="0" anchor="ctr"/>
+          <a:lstStyle/>
+          <a:p>
+            <a:pPr algn="ctr"/>
+            <a:r>
+              <a:rPr lang="es-ES" sz="2400" dirty="0">
+                <a:solidFill>
+                  <a:schemeClr val="tx1"/>
+                </a:solidFill>
+              </a:rPr>
+              <a:t>Residuen sind nicht normalverteilt beim </a:t>
+            </a:r>
+            <a:r>
+              <a:rPr lang="de-DE" sz="2400" dirty="0">
+                <a:solidFill>
+                  <a:srgbClr val="202122"/>
+                </a:solidFill>
+              </a:rPr>
+              <a:t>g</a:t>
+            </a:r>
+            <a:r>
+              <a:rPr lang="de-DE" sz="2400" i="0" dirty="0">
+                <a:solidFill>
+                  <a:srgbClr val="202122"/>
+                </a:solidFill>
+                <a:effectLst/>
+              </a:rPr>
+              <a:t>eneralisierten additiven </a:t>
+            </a:r>
+            <a:r>
+              <a:rPr lang="de-DE" sz="2400" dirty="0">
+                <a:solidFill>
+                  <a:srgbClr val="202122"/>
+                </a:solidFill>
+              </a:rPr>
+              <a:t>Regressionsm</a:t>
+            </a:r>
+            <a:r>
+              <a:rPr lang="de-DE" sz="2400" i="0" dirty="0">
+                <a:solidFill>
+                  <a:srgbClr val="202122"/>
+                </a:solidFill>
+                <a:effectLst/>
+              </a:rPr>
+              <a:t>odell </a:t>
+            </a:r>
+            <a:endParaRPr lang="es-ES" sz="2400" dirty="0">
+              <a:solidFill>
+                <a:schemeClr val="tx1"/>
+              </a:solidFill>
+            </a:endParaRPr>
+          </a:p>
+          <a:p>
+            <a:pPr algn="ctr"/>
+            <a:r>
+              <a:rPr lang="es-ES" sz="2400" dirty="0">
+                <a:solidFill>
+                  <a:schemeClr val="tx1"/>
+                </a:solidFill>
+              </a:rPr>
+              <a:t>Residuenstreuung nicht gleichmäßig</a:t>
+            </a:r>
+          </a:p>
+          <a:p>
+            <a:pPr algn="ctr"/>
+            <a:r>
+              <a:rPr lang="es-ES" sz="2400" dirty="0">
+                <a:solidFill>
+                  <a:schemeClr val="tx1"/>
+                </a:solidFill>
+              </a:rPr>
+              <a:t>Fehlende Interaktion?</a:t>
+            </a:r>
+          </a:p>
+        </p:txBody>
+      </p:sp>
+      <p:sp>
+        <p:nvSpPr>
+          <p:cNvPr id="11" name="Rechteck 10">
+            <a:extLst>
+              <a:ext uri="{FF2B5EF4-FFF2-40B4-BE49-F238E27FC236}">
+                <a16:creationId xmlns:a16="http://schemas.microsoft.com/office/drawing/2014/main" id="{A347707B-234A-4542-85F5-B62AC2587A65}"/>
+              </a:ext>
+            </a:extLst>
+          </p:cNvPr>
+          <p:cNvSpPr/>
+          <p:nvPr/>
+        </p:nvSpPr>
+        <p:spPr>
+          <a:xfrm>
+            <a:off x="587527" y="4390098"/>
+            <a:ext cx="11016945" cy="1160168"/>
+          </a:xfrm>
+          <a:prstGeom prst="rect">
+            <a:avLst/>
+          </a:prstGeom>
+          <a:solidFill>
+            <a:schemeClr val="accent4">
+              <a:lumMod val="40000"/>
+              <a:lumOff val="60000"/>
+            </a:schemeClr>
+          </a:solidFill>
+          <a:ln>
+            <a:noFill/>
+          </a:ln>
+        </p:spPr>
+        <p:style>
+          <a:lnRef idx="2">
+            <a:schemeClr val="accent1">
+              <a:shade val="50000"/>
+            </a:schemeClr>
+          </a:lnRef>
+          <a:fillRef idx="1">
+            <a:schemeClr val="accent1"/>
+          </a:fillRef>
+          <a:effectRef idx="0">
+            <a:schemeClr val="accent1"/>
+          </a:effectRef>
+          <a:fontRef idx="minor">
+            <a:schemeClr val="lt1"/>
+          </a:fontRef>
+        </p:style>
+        <p:txBody>
+          <a:bodyPr rtlCol="0" anchor="ctr"/>
+          <a:lstStyle/>
+          <a:p>
+            <a:pPr algn="ctr"/>
+            <a:r>
+              <a:rPr lang="es-ES" sz="2400" dirty="0">
+                <a:solidFill>
+                  <a:schemeClr val="tx1"/>
+                </a:solidFill>
+              </a:rPr>
+              <a:t>Modelgüte bei der Quantilsregression?</a:t>
+            </a:r>
+          </a:p>
+          <a:p>
+            <a:pPr algn="ctr"/>
+            <a:r>
+              <a:rPr lang="es-ES" sz="2400" dirty="0">
+                <a:solidFill>
+                  <a:schemeClr val="tx1"/>
+                </a:solidFill>
+              </a:rPr>
+              <a:t>Wie viele Quantile sind sinnvoll?</a:t>
+            </a:r>
+          </a:p>
+        </p:txBody>
+      </p:sp>
     </p:spTree>
     <p:extLst>
       <p:ext uri="{BB962C8B-B14F-4D97-AF65-F5344CB8AC3E}">
-        <p14:creationId xmlns:p14="http://schemas.microsoft.com/office/powerpoint/2010/main" val="1406681596"/>
+        <p14:creationId xmlns:p14="http://schemas.microsoft.com/office/powerpoint/2010/main" val="3774258167"/>
       </p:ext>
     </p:extLst>
   </p:cSld>
@@ -8894,10 +10117,47 @@
       </p:grpSpPr>
       <p:sp>
         <p:nvSpPr>
+          <p:cNvPr id="5" name="Titel 4">
+            <a:extLst>
+              <a:ext uri="{FF2B5EF4-FFF2-40B4-BE49-F238E27FC236}">
+                <a16:creationId xmlns:a16="http://schemas.microsoft.com/office/drawing/2014/main" id="{A8DB802E-A859-4E59-A5B1-AEA2DD50647F}"/>
+              </a:ext>
+            </a:extLst>
+          </p:cNvPr>
+          <p:cNvSpPr>
+            <a:spLocks noGrp="1"/>
+          </p:cNvSpPr>
+          <p:nvPr>
+            <p:ph type="title"/>
+          </p:nvPr>
+        </p:nvSpPr>
+        <p:spPr>
+          <a:xfrm>
+            <a:off x="883078" y="2002631"/>
+            <a:ext cx="10515600" cy="2852737"/>
+          </a:xfrm>
+        </p:spPr>
+        <p:txBody>
+          <a:bodyPr/>
+          <a:lstStyle/>
+          <a:p>
+            <a:pPr algn="ctr"/>
+            <a:r>
+              <a:rPr lang="es-ES" dirty="0">
+                <a:latin typeface="Arial" panose="020B0604020202020204" pitchFamily="34" charset="0"/>
+                <a:cs typeface="Arial" panose="020B0604020202020204" pitchFamily="34" charset="0"/>
+              </a:rPr>
+              <a:t>Vielen Dank für eure Aufmerksamkeit, eure Ideen und Anregungen</a:t>
+            </a:r>
+          </a:p>
+        </p:txBody>
+      </p:sp>
+      <p:sp>
+        <p:nvSpPr>
           <p:cNvPr id="4" name="Foliennummernplatzhalter 3">
             <a:extLst>
               <a:ext uri="{FF2B5EF4-FFF2-40B4-BE49-F238E27FC236}">
-                <a16:creationId xmlns:a16="http://schemas.microsoft.com/office/drawing/2014/main" id="{38F51045-17B2-4CC8-80FB-808D3D232D7E}"/>
+                <a16:creationId xmlns:a16="http://schemas.microsoft.com/office/drawing/2014/main" id="{EEAB57F1-19EE-42C8-ADFF-9A10CBE81510}"/>
               </a:ext>
             </a:extLst>
           </p:cNvPr>
@@ -8916,6 +10176,233 @@
             <a:fld id="{5C76D808-3489-4ED6-8F45-9C53BCBA6C6D}" type="slidenum">
               <a:rPr lang="es-ES" b="1" smtClean="0"/>
               <a:t>21</a:t>
+            </a:fld>
+            <a:endParaRPr lang="es-ES" b="1" dirty="0"/>
+          </a:p>
+        </p:txBody>
+      </p:sp>
+      <p:sp>
+        <p:nvSpPr>
+          <p:cNvPr id="7" name="Fußzeilenplatzhalter 4">
+            <a:extLst>
+              <a:ext uri="{FF2B5EF4-FFF2-40B4-BE49-F238E27FC236}">
+                <a16:creationId xmlns:a16="http://schemas.microsoft.com/office/drawing/2014/main" id="{8F2BB6AB-4477-4547-A17E-6370F0F6C6FC}"/>
+              </a:ext>
+            </a:extLst>
+          </p:cNvPr>
+          <p:cNvSpPr>
+            <a:spLocks noGrp="1"/>
+          </p:cNvSpPr>
+          <p:nvPr>
+            <p:ph type="ftr" sz="quarter" idx="11"/>
+          </p:nvPr>
+        </p:nvSpPr>
+        <p:spPr>
+          <a:xfrm>
+            <a:off x="117806" y="6356350"/>
+            <a:ext cx="4050287" cy="365125"/>
+          </a:xfrm>
+        </p:spPr>
+        <p:txBody>
+          <a:bodyPr/>
+          <a:lstStyle/>
+          <a:p>
+            <a:r>
+              <a:rPr lang="es-ES" dirty="0">
+                <a:latin typeface="Arial" panose="020B0604020202020204" pitchFamily="34" charset="0"/>
+                <a:cs typeface="Arial" panose="020B0604020202020204" pitchFamily="34" charset="0"/>
+              </a:rPr>
+              <a:t>Getriggerte Erdbeben – Orzelek, Reichmeier, Riedlberger</a:t>
+            </a:r>
+          </a:p>
+        </p:txBody>
+      </p:sp>
+    </p:spTree>
+    <p:extLst>
+      <p:ext uri="{BB962C8B-B14F-4D97-AF65-F5344CB8AC3E}">
+        <p14:creationId xmlns:p14="http://schemas.microsoft.com/office/powerpoint/2010/main" val="2483290529"/>
+      </p:ext>
+    </p:extLst>
+  </p:cSld>
+  <p:clrMapOvr>
+    <a:masterClrMapping/>
+  </p:clrMapOvr>
+</p:sld>
+</file>
+
+<file path=ppt/slides/slide22.xml><?xml version="1.0" encoding="utf-8"?>
+<p:sld xmlns:a="http://schemas.openxmlformats.org/drawingml/2006/main" xmlns:r="http://schemas.openxmlformats.org/officeDocument/2006/relationships" xmlns:p="http://schemas.openxmlformats.org/presentationml/2006/main">
+  <p:cSld>
+    <p:spTree>
+      <p:nvGrpSpPr>
+        <p:cNvPr id="1" name=""/>
+        <p:cNvGrpSpPr/>
+        <p:nvPr/>
+      </p:nvGrpSpPr>
+      <p:grpSpPr>
+        <a:xfrm>
+          <a:off x="0" y="0"/>
+          <a:ext cx="0" cy="0"/>
+          <a:chOff x="0" y="0"/>
+          <a:chExt cx="0" cy="0"/>
+        </a:xfrm>
+      </p:grpSpPr>
+      <p:sp>
+        <p:nvSpPr>
+          <p:cNvPr id="5" name="Titel 4">
+            <a:extLst>
+              <a:ext uri="{FF2B5EF4-FFF2-40B4-BE49-F238E27FC236}">
+                <a16:creationId xmlns:a16="http://schemas.microsoft.com/office/drawing/2014/main" id="{A8DB802E-A859-4E59-A5B1-AEA2DD50647F}"/>
+              </a:ext>
+            </a:extLst>
+          </p:cNvPr>
+          <p:cNvSpPr>
+            <a:spLocks noGrp="1"/>
+          </p:cNvSpPr>
+          <p:nvPr>
+            <p:ph type="title"/>
+          </p:nvPr>
+        </p:nvSpPr>
+        <p:spPr>
+          <a:xfrm>
+            <a:off x="838200" y="1116353"/>
+            <a:ext cx="10515600" cy="1303908"/>
+          </a:xfrm>
+        </p:spPr>
+        <p:txBody>
+          <a:bodyPr/>
+          <a:lstStyle/>
+          <a:p>
+            <a:pPr algn="ctr"/>
+            <a:r>
+              <a:rPr lang="es-ES" dirty="0">
+                <a:latin typeface="Arial" panose="020B0604020202020204" pitchFamily="34" charset="0"/>
+                <a:cs typeface="Arial" panose="020B0604020202020204" pitchFamily="34" charset="0"/>
+              </a:rPr>
+              <a:t>Anhang</a:t>
+            </a:r>
+          </a:p>
+        </p:txBody>
+      </p:sp>
+      <p:sp>
+        <p:nvSpPr>
+          <p:cNvPr id="4" name="Foliennummernplatzhalter 3">
+            <a:extLst>
+              <a:ext uri="{FF2B5EF4-FFF2-40B4-BE49-F238E27FC236}">
+                <a16:creationId xmlns:a16="http://schemas.microsoft.com/office/drawing/2014/main" id="{EEAB57F1-19EE-42C8-ADFF-9A10CBE81510}"/>
+              </a:ext>
+            </a:extLst>
+          </p:cNvPr>
+          <p:cNvSpPr>
+            <a:spLocks noGrp="1"/>
+          </p:cNvSpPr>
+          <p:nvPr>
+            <p:ph type="sldNum" sz="quarter" idx="12"/>
+          </p:nvPr>
+        </p:nvSpPr>
+        <p:spPr/>
+        <p:txBody>
+          <a:bodyPr/>
+          <a:lstStyle/>
+          <a:p>
+            <a:fld id="{5C76D808-3489-4ED6-8F45-9C53BCBA6C6D}" type="slidenum">
+              <a:rPr lang="es-ES" b="1" smtClean="0"/>
+              <a:t>22</a:t>
+            </a:fld>
+            <a:endParaRPr lang="es-ES" b="1" dirty="0"/>
+          </a:p>
+        </p:txBody>
+      </p:sp>
+      <p:sp>
+        <p:nvSpPr>
+          <p:cNvPr id="7" name="Fußzeilenplatzhalter 4">
+            <a:extLst>
+              <a:ext uri="{FF2B5EF4-FFF2-40B4-BE49-F238E27FC236}">
+                <a16:creationId xmlns:a16="http://schemas.microsoft.com/office/drawing/2014/main" id="{8F2BB6AB-4477-4547-A17E-6370F0F6C6FC}"/>
+              </a:ext>
+            </a:extLst>
+          </p:cNvPr>
+          <p:cNvSpPr>
+            <a:spLocks noGrp="1"/>
+          </p:cNvSpPr>
+          <p:nvPr>
+            <p:ph type="ftr" sz="quarter" idx="11"/>
+          </p:nvPr>
+        </p:nvSpPr>
+        <p:spPr>
+          <a:xfrm>
+            <a:off x="117806" y="6356350"/>
+            <a:ext cx="4050287" cy="365125"/>
+          </a:xfrm>
+        </p:spPr>
+        <p:txBody>
+          <a:bodyPr/>
+          <a:lstStyle/>
+          <a:p>
+            <a:r>
+              <a:rPr lang="es-ES" dirty="0">
+                <a:latin typeface="Arial" panose="020B0604020202020204" pitchFamily="34" charset="0"/>
+                <a:cs typeface="Arial" panose="020B0604020202020204" pitchFamily="34" charset="0"/>
+              </a:rPr>
+              <a:t>Getriggerte Erdbeben – Orzelek, Reichmeier, Riedlberger</a:t>
+            </a:r>
+          </a:p>
+        </p:txBody>
+      </p:sp>
+    </p:spTree>
+    <p:extLst>
+      <p:ext uri="{BB962C8B-B14F-4D97-AF65-F5344CB8AC3E}">
+        <p14:creationId xmlns:p14="http://schemas.microsoft.com/office/powerpoint/2010/main" val="1406681596"/>
+      </p:ext>
+    </p:extLst>
+  </p:cSld>
+  <p:clrMapOvr>
+    <a:masterClrMapping/>
+  </p:clrMapOvr>
+</p:sld>
+</file>
+
+<file path=ppt/slides/slide23.xml><?xml version="1.0" encoding="utf-8"?>
+<p:sld xmlns:a="http://schemas.openxmlformats.org/drawingml/2006/main" xmlns:r="http://schemas.openxmlformats.org/officeDocument/2006/relationships" xmlns:p="http://schemas.openxmlformats.org/presentationml/2006/main">
+  <p:cSld>
+    <p:spTree>
+      <p:nvGrpSpPr>
+        <p:cNvPr id="1" name=""/>
+        <p:cNvGrpSpPr/>
+        <p:nvPr/>
+      </p:nvGrpSpPr>
+      <p:grpSpPr>
+        <a:xfrm>
+          <a:off x="0" y="0"/>
+          <a:ext cx="0" cy="0"/>
+          <a:chOff x="0" y="0"/>
+          <a:chExt cx="0" cy="0"/>
+        </a:xfrm>
+      </p:grpSpPr>
+      <p:sp>
+        <p:nvSpPr>
+          <p:cNvPr id="4" name="Foliennummernplatzhalter 3">
+            <a:extLst>
+              <a:ext uri="{FF2B5EF4-FFF2-40B4-BE49-F238E27FC236}">
+                <a16:creationId xmlns:a16="http://schemas.microsoft.com/office/drawing/2014/main" id="{38F51045-17B2-4CC8-80FB-808D3D232D7E}"/>
+              </a:ext>
+            </a:extLst>
+          </p:cNvPr>
+          <p:cNvSpPr>
+            <a:spLocks noGrp="1"/>
+          </p:cNvSpPr>
+          <p:nvPr>
+            <p:ph type="sldNum" sz="quarter" idx="12"/>
+          </p:nvPr>
+        </p:nvSpPr>
+        <p:spPr/>
+        <p:txBody>
+          <a:bodyPr/>
+          <a:lstStyle/>
+          <a:p>
+            <a:fld id="{5C76D808-3489-4ED6-8F45-9C53BCBA6C6D}" type="slidenum">
+              <a:rPr lang="es-ES" b="1" smtClean="0"/>
+              <a:t>23</a:t>
             </a:fld>
             <a:endParaRPr lang="es-ES" b="1" dirty="0"/>
           </a:p>
@@ -9301,338 +10788,6 @@
 </p:sld>
 </file>
 
-<file path=ppt/slides/slide22.xml><?xml version="1.0" encoding="utf-8"?>
-<p:sld xmlns:a="http://schemas.openxmlformats.org/drawingml/2006/main" xmlns:r="http://schemas.openxmlformats.org/officeDocument/2006/relationships" xmlns:p="http://schemas.openxmlformats.org/presentationml/2006/main">
-  <p:cSld>
-    <p:spTree>
-      <p:nvGrpSpPr>
-        <p:cNvPr id="1" name=""/>
-        <p:cNvGrpSpPr/>
-        <p:nvPr/>
-      </p:nvGrpSpPr>
-      <p:grpSpPr>
-        <a:xfrm>
-          <a:off x="0" y="0"/>
-          <a:ext cx="0" cy="0"/>
-          <a:chOff x="0" y="0"/>
-          <a:chExt cx="0" cy="0"/>
-        </a:xfrm>
-      </p:grpSpPr>
-      <p:sp>
-        <p:nvSpPr>
-          <p:cNvPr id="4" name="Foliennummernplatzhalter 3">
-            <a:extLst>
-              <a:ext uri="{FF2B5EF4-FFF2-40B4-BE49-F238E27FC236}">
-                <a16:creationId xmlns:a16="http://schemas.microsoft.com/office/drawing/2014/main" id="{38F51045-17B2-4CC8-80FB-808D3D232D7E}"/>
-              </a:ext>
-            </a:extLst>
-          </p:cNvPr>
-          <p:cNvSpPr>
-            <a:spLocks noGrp="1"/>
-          </p:cNvSpPr>
-          <p:nvPr>
-            <p:ph type="sldNum" sz="quarter" idx="12"/>
-          </p:nvPr>
-        </p:nvSpPr>
-        <p:spPr/>
-        <p:txBody>
-          <a:bodyPr/>
-          <a:lstStyle/>
-          <a:p>
-            <a:fld id="{5C76D808-3489-4ED6-8F45-9C53BCBA6C6D}" type="slidenum">
-              <a:rPr lang="es-ES" b="1" smtClean="0"/>
-              <a:t>22</a:t>
-            </a:fld>
-            <a:endParaRPr lang="es-ES" b="1" dirty="0"/>
-          </a:p>
-        </p:txBody>
-      </p:sp>
-      <p:sp>
-        <p:nvSpPr>
-          <p:cNvPr id="7" name="Fußzeilenplatzhalter 4">
-            <a:extLst>
-              <a:ext uri="{FF2B5EF4-FFF2-40B4-BE49-F238E27FC236}">
-                <a16:creationId xmlns:a16="http://schemas.microsoft.com/office/drawing/2014/main" id="{00D96A0B-DFF8-4590-A342-4EE02B81294A}"/>
-              </a:ext>
-            </a:extLst>
-          </p:cNvPr>
-          <p:cNvSpPr>
-            <a:spLocks noGrp="1"/>
-          </p:cNvSpPr>
-          <p:nvPr>
-            <p:ph type="ftr" sz="quarter" idx="11"/>
-          </p:nvPr>
-        </p:nvSpPr>
-        <p:spPr>
-          <a:xfrm>
-            <a:off x="117806" y="6356350"/>
-            <a:ext cx="4050287" cy="365125"/>
-          </a:xfrm>
-        </p:spPr>
-        <p:txBody>
-          <a:bodyPr/>
-          <a:lstStyle/>
-          <a:p>
-            <a:r>
-              <a:rPr lang="es-ES" dirty="0">
-                <a:latin typeface="Arial" panose="020B0604020202020204" pitchFamily="34" charset="0"/>
-                <a:cs typeface="Arial" panose="020B0604020202020204" pitchFamily="34" charset="0"/>
-              </a:rPr>
-              <a:t>Getriggerte Erdbeben – Orzelek, Reichmeier, Riedlberger</a:t>
-            </a:r>
-          </a:p>
-        </p:txBody>
-      </p:sp>
-      <p:pic>
-        <p:nvPicPr>
-          <p:cNvPr id="9" name="Grafik 8" descr="Ein Bild, das Text enthält.&#10;&#10;Automatisch generierte Beschreibung">
-            <a:extLst>
-              <a:ext uri="{FF2B5EF4-FFF2-40B4-BE49-F238E27FC236}">
-                <a16:creationId xmlns:a16="http://schemas.microsoft.com/office/drawing/2014/main" id="{35911466-D1D2-4590-8855-024AA26251DF}"/>
-              </a:ext>
-            </a:extLst>
-          </p:cNvPr>
-          <p:cNvPicPr>
-            <a:picLocks noChangeAspect="1"/>
-          </p:cNvPicPr>
-          <p:nvPr/>
-        </p:nvPicPr>
-        <p:blipFill>
-          <a:blip r:embed="rId2">
-            <a:extLst>
-              <a:ext uri="{28A0092B-C50C-407E-A947-70E740481C1C}">
-                <a14:useLocalDpi xmlns:a14="http://schemas.microsoft.com/office/drawing/2010/main" val="0"/>
-              </a:ext>
-            </a:extLst>
-          </a:blip>
-          <a:stretch>
-            <a:fillRect/>
-          </a:stretch>
-        </p:blipFill>
-        <p:spPr>
-          <a:xfrm>
-            <a:off x="660500" y="1277274"/>
-            <a:ext cx="8054338" cy="4282053"/>
-          </a:xfrm>
-          <a:prstGeom prst="rect">
-            <a:avLst/>
-          </a:prstGeom>
-        </p:spPr>
-      </p:pic>
-      <p:sp>
-        <p:nvSpPr>
-          <p:cNvPr id="2" name="Textfeld 1">
-            <a:extLst>
-              <a:ext uri="{FF2B5EF4-FFF2-40B4-BE49-F238E27FC236}">
-                <a16:creationId xmlns:a16="http://schemas.microsoft.com/office/drawing/2014/main" id="{1A006824-F8E9-4779-B81A-4CDC779E8659}"/>
-              </a:ext>
-            </a:extLst>
-          </p:cNvPr>
-          <p:cNvSpPr txBox="1"/>
-          <p:nvPr/>
-        </p:nvSpPr>
-        <p:spPr>
-          <a:xfrm>
-            <a:off x="600250" y="785374"/>
-            <a:ext cx="3730528" cy="369332"/>
-          </a:xfrm>
-          <a:prstGeom prst="rect">
-            <a:avLst/>
-          </a:prstGeom>
-          <a:noFill/>
-        </p:spPr>
-        <p:txBody>
-          <a:bodyPr wrap="square" rtlCol="0">
-            <a:spAutoFit/>
-          </a:bodyPr>
-          <a:lstStyle/>
-          <a:p>
-            <a:r>
-              <a:rPr lang="es-ES" dirty="0"/>
-              <a:t>R Output – Einfaches lineares Modell</a:t>
-            </a:r>
-          </a:p>
-        </p:txBody>
-      </p:sp>
-    </p:spTree>
-    <p:extLst>
-      <p:ext uri="{BB962C8B-B14F-4D97-AF65-F5344CB8AC3E}">
-        <p14:creationId xmlns:p14="http://schemas.microsoft.com/office/powerpoint/2010/main" val="4279145559"/>
-      </p:ext>
-    </p:extLst>
-  </p:cSld>
-  <p:clrMapOvr>
-    <a:masterClrMapping/>
-  </p:clrMapOvr>
-</p:sld>
-</file>
-
-<file path=ppt/slides/slide23.xml><?xml version="1.0" encoding="utf-8"?>
-<p:sld xmlns:a="http://schemas.openxmlformats.org/drawingml/2006/main" xmlns:r="http://schemas.openxmlformats.org/officeDocument/2006/relationships" xmlns:p="http://schemas.openxmlformats.org/presentationml/2006/main">
-  <p:cSld>
-    <p:spTree>
-      <p:nvGrpSpPr>
-        <p:cNvPr id="1" name=""/>
-        <p:cNvGrpSpPr/>
-        <p:nvPr/>
-      </p:nvGrpSpPr>
-      <p:grpSpPr>
-        <a:xfrm>
-          <a:off x="0" y="0"/>
-          <a:ext cx="0" cy="0"/>
-          <a:chOff x="0" y="0"/>
-          <a:chExt cx="0" cy="0"/>
-        </a:xfrm>
-      </p:grpSpPr>
-      <p:sp>
-        <p:nvSpPr>
-          <p:cNvPr id="4" name="Foliennummernplatzhalter 3">
-            <a:extLst>
-              <a:ext uri="{FF2B5EF4-FFF2-40B4-BE49-F238E27FC236}">
-                <a16:creationId xmlns:a16="http://schemas.microsoft.com/office/drawing/2014/main" id="{38F51045-17B2-4CC8-80FB-808D3D232D7E}"/>
-              </a:ext>
-            </a:extLst>
-          </p:cNvPr>
-          <p:cNvSpPr>
-            <a:spLocks noGrp="1"/>
-          </p:cNvSpPr>
-          <p:nvPr>
-            <p:ph type="sldNum" sz="quarter" idx="12"/>
-          </p:nvPr>
-        </p:nvSpPr>
-        <p:spPr/>
-        <p:txBody>
-          <a:bodyPr/>
-          <a:lstStyle/>
-          <a:p>
-            <a:fld id="{5C76D808-3489-4ED6-8F45-9C53BCBA6C6D}" type="slidenum">
-              <a:rPr lang="es-ES" b="1" smtClean="0"/>
-              <a:t>23</a:t>
-            </a:fld>
-            <a:endParaRPr lang="es-ES" b="1" dirty="0"/>
-          </a:p>
-        </p:txBody>
-      </p:sp>
-      <p:sp>
-        <p:nvSpPr>
-          <p:cNvPr id="7" name="Fußzeilenplatzhalter 4">
-            <a:extLst>
-              <a:ext uri="{FF2B5EF4-FFF2-40B4-BE49-F238E27FC236}">
-                <a16:creationId xmlns:a16="http://schemas.microsoft.com/office/drawing/2014/main" id="{00D96A0B-DFF8-4590-A342-4EE02B81294A}"/>
-              </a:ext>
-            </a:extLst>
-          </p:cNvPr>
-          <p:cNvSpPr>
-            <a:spLocks noGrp="1"/>
-          </p:cNvSpPr>
-          <p:nvPr>
-            <p:ph type="ftr" sz="quarter" idx="11"/>
-          </p:nvPr>
-        </p:nvSpPr>
-        <p:spPr>
-          <a:xfrm>
-            <a:off x="117806" y="6356350"/>
-            <a:ext cx="4050287" cy="365125"/>
-          </a:xfrm>
-        </p:spPr>
-        <p:txBody>
-          <a:bodyPr/>
-          <a:lstStyle/>
-          <a:p>
-            <a:r>
-              <a:rPr lang="es-ES" dirty="0">
-                <a:latin typeface="Arial" panose="020B0604020202020204" pitchFamily="34" charset="0"/>
-                <a:cs typeface="Arial" panose="020B0604020202020204" pitchFamily="34" charset="0"/>
-              </a:rPr>
-              <a:t>Getriggerte Erdbeben – Orzelek, Reichmeier, Riedlberger</a:t>
-            </a:r>
-          </a:p>
-        </p:txBody>
-      </p:sp>
-      <p:pic>
-        <p:nvPicPr>
-          <p:cNvPr id="5" name="Grafik 4" descr="Ein Bild, das Text enthält.&#10;&#10;Automatisch generierte Beschreibung">
-            <a:extLst>
-              <a:ext uri="{FF2B5EF4-FFF2-40B4-BE49-F238E27FC236}">
-                <a16:creationId xmlns:a16="http://schemas.microsoft.com/office/drawing/2014/main" id="{EA201108-8B4E-4AC8-88B1-641C7557955D}"/>
-              </a:ext>
-            </a:extLst>
-          </p:cNvPr>
-          <p:cNvPicPr>
-            <a:picLocks noChangeAspect="1"/>
-          </p:cNvPicPr>
-          <p:nvPr/>
-        </p:nvPicPr>
-        <p:blipFill>
-          <a:blip r:embed="rId2">
-            <a:extLst>
-              <a:ext uri="{28A0092B-C50C-407E-A947-70E740481C1C}">
-                <a14:useLocalDpi xmlns:a14="http://schemas.microsoft.com/office/drawing/2010/main" val="0"/>
-              </a:ext>
-            </a:extLst>
-          </a:blip>
-          <a:stretch>
-            <a:fillRect/>
-          </a:stretch>
-        </p:blipFill>
-        <p:spPr>
-          <a:xfrm>
-            <a:off x="510495" y="1205100"/>
-            <a:ext cx="7106642" cy="4715533"/>
-          </a:xfrm>
-          <a:prstGeom prst="rect">
-            <a:avLst/>
-          </a:prstGeom>
-        </p:spPr>
-      </p:pic>
-      <p:sp>
-        <p:nvSpPr>
-          <p:cNvPr id="2" name="Textfeld 1">
-            <a:extLst>
-              <a:ext uri="{FF2B5EF4-FFF2-40B4-BE49-F238E27FC236}">
-                <a16:creationId xmlns:a16="http://schemas.microsoft.com/office/drawing/2014/main" id="{782B962D-8E4B-417E-B62D-2485AD8CCF48}"/>
-              </a:ext>
-            </a:extLst>
-          </p:cNvPr>
-          <p:cNvSpPr txBox="1"/>
-          <p:nvPr/>
-        </p:nvSpPr>
-        <p:spPr>
-          <a:xfrm>
-            <a:off x="426346" y="684398"/>
-            <a:ext cx="4740294" cy="369332"/>
-          </a:xfrm>
-          <a:prstGeom prst="rect">
-            <a:avLst/>
-          </a:prstGeom>
-          <a:noFill/>
-        </p:spPr>
-        <p:txBody>
-          <a:bodyPr wrap="square" rtlCol="0">
-            <a:spAutoFit/>
-          </a:bodyPr>
-          <a:lstStyle/>
-          <a:p>
-            <a:r>
-              <a:rPr lang="es-ES" dirty="0"/>
-              <a:t>R Output – Multiples Lineares Regressionsmodell</a:t>
-            </a:r>
-          </a:p>
-        </p:txBody>
-      </p:sp>
-    </p:spTree>
-    <p:extLst>
-      <p:ext uri="{BB962C8B-B14F-4D97-AF65-F5344CB8AC3E}">
-        <p14:creationId xmlns:p14="http://schemas.microsoft.com/office/powerpoint/2010/main" val="3582835954"/>
-      </p:ext>
-    </p:extLst>
-  </p:cSld>
-  <p:clrMapOvr>
-    <a:masterClrMapping/>
-  </p:clrMapOvr>
-</p:sld>
-</file>
-
 <file path=ppt/slides/slide24.xml><?xml version="1.0" encoding="utf-8"?>
 <p:sld xmlns:a="http://schemas.openxmlformats.org/drawingml/2006/main" xmlns:r="http://schemas.openxmlformats.org/officeDocument/2006/relationships" xmlns:p="http://schemas.openxmlformats.org/presentationml/2006/main">
   <p:cSld>
@@ -9717,10 +10872,10 @@
       </p:sp>
       <p:pic>
         <p:nvPicPr>
-          <p:cNvPr id="5" name="Grafik 4" descr="Ein Bild, das Text enthält.&#10;&#10;Automatisch generierte Beschreibung">
-            <a:extLst>
-              <a:ext uri="{FF2B5EF4-FFF2-40B4-BE49-F238E27FC236}">
-                <a16:creationId xmlns:a16="http://schemas.microsoft.com/office/drawing/2014/main" id="{8C1F0721-C290-4905-8F70-3AE45071E9AC}"/>
+          <p:cNvPr id="9" name="Grafik 8" descr="Ein Bild, das Text enthält.&#10;&#10;Automatisch generierte Beschreibung">
+            <a:extLst>
+              <a:ext uri="{FF2B5EF4-FFF2-40B4-BE49-F238E27FC236}">
+                <a16:creationId xmlns:a16="http://schemas.microsoft.com/office/drawing/2014/main" id="{35911466-D1D2-4590-8855-024AA26251DF}"/>
               </a:ext>
             </a:extLst>
           </p:cNvPr>
@@ -9743,8 +10898,8 @@
         </p:blipFill>
         <p:spPr>
           <a:xfrm>
-            <a:off x="430418" y="1151718"/>
-            <a:ext cx="7050934" cy="4554563"/>
+            <a:off x="660500" y="1277274"/>
+            <a:ext cx="8054338" cy="4282053"/>
           </a:xfrm>
           <a:prstGeom prst="rect">
             <a:avLst/>
@@ -9756,7 +10911,7 @@
           <p:cNvPr id="2" name="Textfeld 1">
             <a:extLst>
               <a:ext uri="{FF2B5EF4-FFF2-40B4-BE49-F238E27FC236}">
-                <a16:creationId xmlns:a16="http://schemas.microsoft.com/office/drawing/2014/main" id="{4A278EEC-1657-43C3-9DEE-A6CE0AA2A20D}"/>
+                <a16:creationId xmlns:a16="http://schemas.microsoft.com/office/drawing/2014/main" id="{1A006824-F8E9-4779-B81A-4CDC779E8659}"/>
               </a:ext>
             </a:extLst>
           </p:cNvPr>
@@ -9765,8 +10920,8 @@
         </p:nvSpPr>
         <p:spPr>
           <a:xfrm>
-            <a:off x="347808" y="650738"/>
-            <a:ext cx="9503029" cy="646331"/>
+            <a:off x="600250" y="785374"/>
+            <a:ext cx="3730528" cy="369332"/>
           </a:xfrm>
           <a:prstGeom prst="rect">
             <a:avLst/>
@@ -9781,44 +10936,15 @@
           <a:p>
             <a:r>
               <a:rPr lang="es-ES" dirty="0"/>
-              <a:t>R Output - </a:t>
-            </a:r>
-            <a:r>
-              <a:rPr lang="de-DE" sz="1800" i="0" dirty="0">
-                <a:solidFill>
-                  <a:srgbClr val="202122"/>
-                </a:solidFill>
-                <a:effectLst/>
-              </a:rPr>
-              <a:t>Generalisierte additives </a:t>
-            </a:r>
-            <a:r>
-              <a:rPr lang="de-DE" sz="1800" dirty="0">
-                <a:solidFill>
-                  <a:srgbClr val="202122"/>
-                </a:solidFill>
-              </a:rPr>
-              <a:t>Regressionsm</a:t>
-            </a:r>
-            <a:r>
-              <a:rPr lang="de-DE" sz="1800" i="0" dirty="0">
-                <a:solidFill>
-                  <a:srgbClr val="202122"/>
-                </a:solidFill>
-                <a:effectLst/>
-              </a:rPr>
-              <a:t>odelle für Lokations-, Skalen- und Formparameter</a:t>
-            </a:r>
-          </a:p>
-          <a:p>
-            <a:endParaRPr lang="es-ES" dirty="0"/>
+              <a:t>R Output – Einfaches lineares Modell</a:t>
+            </a:r>
           </a:p>
         </p:txBody>
       </p:sp>
     </p:spTree>
     <p:extLst>
       <p:ext uri="{BB962C8B-B14F-4D97-AF65-F5344CB8AC3E}">
-        <p14:creationId xmlns:p14="http://schemas.microsoft.com/office/powerpoint/2010/main" val="1440610214"/>
+        <p14:creationId xmlns:p14="http://schemas.microsoft.com/office/powerpoint/2010/main" val="4279145559"/>
       </p:ext>
     </p:extLst>
   </p:cSld>
@@ -9915,7 +11041,7 @@
           <p:cNvPr id="5" name="Grafik 4" descr="Ein Bild, das Text enthält.&#10;&#10;Automatisch generierte Beschreibung">
             <a:extLst>
               <a:ext uri="{FF2B5EF4-FFF2-40B4-BE49-F238E27FC236}">
-                <a16:creationId xmlns:a16="http://schemas.microsoft.com/office/drawing/2014/main" id="{ABA14269-F1B7-4EFD-B95D-3285F8F659A6}"/>
+                <a16:creationId xmlns:a16="http://schemas.microsoft.com/office/drawing/2014/main" id="{EA201108-8B4E-4AC8-88B1-641C7557955D}"/>
               </a:ext>
             </a:extLst>
           </p:cNvPr>
@@ -9938,8 +11064,8 @@
         </p:blipFill>
         <p:spPr>
           <a:xfrm>
-            <a:off x="409518" y="1171260"/>
-            <a:ext cx="8011643" cy="4515480"/>
+            <a:off x="510495" y="1205100"/>
+            <a:ext cx="7106642" cy="4715533"/>
           </a:xfrm>
           <a:prstGeom prst="rect">
             <a:avLst/>
@@ -9948,10 +11074,10 @@
       </p:pic>
       <p:sp>
         <p:nvSpPr>
-          <p:cNvPr id="6" name="Textfeld 5">
-            <a:extLst>
-              <a:ext uri="{FF2B5EF4-FFF2-40B4-BE49-F238E27FC236}">
-                <a16:creationId xmlns:a16="http://schemas.microsoft.com/office/drawing/2014/main" id="{C804634C-E286-497A-9B2A-8477E35AC67E}"/>
+          <p:cNvPr id="2" name="Textfeld 1">
+            <a:extLst>
+              <a:ext uri="{FF2B5EF4-FFF2-40B4-BE49-F238E27FC236}">
+                <a16:creationId xmlns:a16="http://schemas.microsoft.com/office/drawing/2014/main" id="{782B962D-8E4B-417E-B62D-2485AD8CCF48}"/>
               </a:ext>
             </a:extLst>
           </p:cNvPr>
@@ -9960,8 +11086,8 @@
         </p:nvSpPr>
         <p:spPr>
           <a:xfrm>
-            <a:off x="347808" y="650738"/>
-            <a:ext cx="11724516" cy="646331"/>
+            <a:off x="426346" y="684398"/>
+            <a:ext cx="4740294" cy="369332"/>
           </a:xfrm>
           <a:prstGeom prst="rect">
             <a:avLst/>
@@ -9976,44 +11102,15 @@
           <a:p>
             <a:r>
               <a:rPr lang="es-ES" dirty="0"/>
-              <a:t>R Output - </a:t>
-            </a:r>
-            <a:r>
-              <a:rPr lang="de-DE" sz="1800" i="0" dirty="0">
-                <a:solidFill>
-                  <a:srgbClr val="202122"/>
-                </a:solidFill>
-                <a:effectLst/>
-              </a:rPr>
-              <a:t>Generalisierte additives </a:t>
-            </a:r>
-            <a:r>
-              <a:rPr lang="de-DE" sz="1800" dirty="0">
-                <a:solidFill>
-                  <a:srgbClr val="202122"/>
-                </a:solidFill>
-              </a:rPr>
-              <a:t>Regressionsm</a:t>
-            </a:r>
-            <a:r>
-              <a:rPr lang="de-DE" sz="1800" i="0" dirty="0">
-                <a:solidFill>
-                  <a:srgbClr val="202122"/>
-                </a:solidFill>
-                <a:effectLst/>
-              </a:rPr>
-              <a:t>odelle (mit Kovariablen) für Lokations-, Skalen- und Formparameter</a:t>
-            </a:r>
-          </a:p>
-          <a:p>
-            <a:endParaRPr lang="es-ES" dirty="0"/>
+              <a:t>R Output – Multiples Lineares Regressionsmodell</a:t>
+            </a:r>
           </a:p>
         </p:txBody>
       </p:sp>
     </p:spTree>
     <p:extLst>
       <p:ext uri="{BB962C8B-B14F-4D97-AF65-F5344CB8AC3E}">
-        <p14:creationId xmlns:p14="http://schemas.microsoft.com/office/powerpoint/2010/main" val="3703683230"/>
+        <p14:creationId xmlns:p14="http://schemas.microsoft.com/office/powerpoint/2010/main" val="3582835954"/>
       </p:ext>
     </p:extLst>
   </p:cSld>
@@ -10040,12 +11137,77 @@
           <a:chExt cx="0" cy="0"/>
         </a:xfrm>
       </p:grpSpPr>
+      <p:sp>
+        <p:nvSpPr>
+          <p:cNvPr id="4" name="Foliennummernplatzhalter 3">
+            <a:extLst>
+              <a:ext uri="{FF2B5EF4-FFF2-40B4-BE49-F238E27FC236}">
+                <a16:creationId xmlns:a16="http://schemas.microsoft.com/office/drawing/2014/main" id="{38F51045-17B2-4CC8-80FB-808D3D232D7E}"/>
+              </a:ext>
+            </a:extLst>
+          </p:cNvPr>
+          <p:cNvSpPr>
+            <a:spLocks noGrp="1"/>
+          </p:cNvSpPr>
+          <p:nvPr>
+            <p:ph type="sldNum" sz="quarter" idx="12"/>
+          </p:nvPr>
+        </p:nvSpPr>
+        <p:spPr/>
+        <p:txBody>
+          <a:bodyPr/>
+          <a:lstStyle/>
+          <a:p>
+            <a:fld id="{5C76D808-3489-4ED6-8F45-9C53BCBA6C6D}" type="slidenum">
+              <a:rPr lang="es-ES" b="1" smtClean="0"/>
+              <a:t>26</a:t>
+            </a:fld>
+            <a:endParaRPr lang="es-ES" b="1" dirty="0"/>
+          </a:p>
+        </p:txBody>
+      </p:sp>
+      <p:sp>
+        <p:nvSpPr>
+          <p:cNvPr id="7" name="Fußzeilenplatzhalter 4">
+            <a:extLst>
+              <a:ext uri="{FF2B5EF4-FFF2-40B4-BE49-F238E27FC236}">
+                <a16:creationId xmlns:a16="http://schemas.microsoft.com/office/drawing/2014/main" id="{00D96A0B-DFF8-4590-A342-4EE02B81294A}"/>
+              </a:ext>
+            </a:extLst>
+          </p:cNvPr>
+          <p:cNvSpPr>
+            <a:spLocks noGrp="1"/>
+          </p:cNvSpPr>
+          <p:nvPr>
+            <p:ph type="ftr" sz="quarter" idx="11"/>
+          </p:nvPr>
+        </p:nvSpPr>
+        <p:spPr>
+          <a:xfrm>
+            <a:off x="117806" y="6356350"/>
+            <a:ext cx="4050287" cy="365125"/>
+          </a:xfrm>
+        </p:spPr>
+        <p:txBody>
+          <a:bodyPr/>
+          <a:lstStyle/>
+          <a:p>
+            <a:r>
+              <a:rPr lang="es-ES" dirty="0">
+                <a:latin typeface="Arial" panose="020B0604020202020204" pitchFamily="34" charset="0"/>
+                <a:cs typeface="Arial" panose="020B0604020202020204" pitchFamily="34" charset="0"/>
+              </a:rPr>
+              <a:t>Getriggerte Erdbeben – Orzelek, Reichmeier, Riedlberger</a:t>
+            </a:r>
+          </a:p>
+        </p:txBody>
+      </p:sp>
       <p:pic>
         <p:nvPicPr>
-          <p:cNvPr id="4" name="Grafik 3">
-            <a:extLst>
-              <a:ext uri="{FF2B5EF4-FFF2-40B4-BE49-F238E27FC236}">
-                <a16:creationId xmlns:a16="http://schemas.microsoft.com/office/drawing/2014/main" id="{9AC7F0E4-C069-4D28-A0D2-708DCF5ADA32}"/>
+          <p:cNvPr id="5" name="Grafik 4" descr="Ein Bild, das Text enthält.&#10;&#10;Automatisch generierte Beschreibung">
+            <a:extLst>
+              <a:ext uri="{FF2B5EF4-FFF2-40B4-BE49-F238E27FC236}">
+                <a16:creationId xmlns:a16="http://schemas.microsoft.com/office/drawing/2014/main" id="{8C1F0721-C290-4905-8F70-3AE45071E9AC}"/>
               </a:ext>
             </a:extLst>
           </p:cNvPr>
@@ -10054,7 +11216,7 @@
           </p:cNvPicPr>
           <p:nvPr/>
         </p:nvPicPr>
-        <p:blipFill rotWithShape="1">
+        <p:blipFill>
           <a:blip r:embed="rId2">
             <a:extLst>
               <a:ext uri="{28A0092B-C50C-407E-A947-70E740481C1C}">
@@ -10062,60 +11224,26 @@
               </a:ext>
             </a:extLst>
           </a:blip>
-          <a:srcRect l="631" t="16739" r="5257" b="4106"/>
-          <a:stretch/>
+          <a:stretch>
+            <a:fillRect/>
+          </a:stretch>
         </p:blipFill>
         <p:spPr>
           <a:xfrm>
-            <a:off x="254391" y="644964"/>
-            <a:ext cx="5841609" cy="3158492"/>
+            <a:off x="430418" y="1151718"/>
+            <a:ext cx="7050934" cy="4554563"/>
           </a:xfrm>
           <a:prstGeom prst="rect">
             <a:avLst/>
           </a:prstGeom>
         </p:spPr>
       </p:pic>
-      <p:pic>
-        <p:nvPicPr>
-          <p:cNvPr id="5" name="Grafik 4">
-            <a:extLst>
-              <a:ext uri="{FF2B5EF4-FFF2-40B4-BE49-F238E27FC236}">
-                <a16:creationId xmlns:a16="http://schemas.microsoft.com/office/drawing/2014/main" id="{EDE5EF7B-3E70-4F82-9E22-0167A380AFBA}"/>
-              </a:ext>
-            </a:extLst>
-          </p:cNvPr>
-          <p:cNvPicPr>
-            <a:picLocks noChangeAspect="1"/>
-          </p:cNvPicPr>
-          <p:nvPr/>
-        </p:nvPicPr>
-        <p:blipFill rotWithShape="1">
-          <a:blip r:embed="rId3">
-            <a:extLst>
-              <a:ext uri="{28A0092B-C50C-407E-A947-70E740481C1C}">
-                <a14:useLocalDpi xmlns:a14="http://schemas.microsoft.com/office/drawing/2010/main" val="0"/>
-              </a:ext>
-            </a:extLst>
-          </a:blip>
-          <a:srcRect t="16338" r="4400" b="4507"/>
-          <a:stretch/>
-        </p:blipFill>
-        <p:spPr>
-          <a:xfrm>
-            <a:off x="5562536" y="3298791"/>
-            <a:ext cx="6375073" cy="3393282"/>
-          </a:xfrm>
-          <a:prstGeom prst="rect">
-            <a:avLst/>
-          </a:prstGeom>
-        </p:spPr>
-      </p:pic>
-      <p:sp>
-        <p:nvSpPr>
-          <p:cNvPr id="6" name="Textfeld 5">
-            <a:extLst>
-              <a:ext uri="{FF2B5EF4-FFF2-40B4-BE49-F238E27FC236}">
-                <a16:creationId xmlns:a16="http://schemas.microsoft.com/office/drawing/2014/main" id="{0EEE6220-C320-4490-AE7E-18BF8819398A}"/>
+      <p:sp>
+        <p:nvSpPr>
+          <p:cNvPr id="2" name="Textfeld 1">
+            <a:extLst>
+              <a:ext uri="{FF2B5EF4-FFF2-40B4-BE49-F238E27FC236}">
+                <a16:creationId xmlns:a16="http://schemas.microsoft.com/office/drawing/2014/main" id="{4A278EEC-1657-43C3-9DEE-A6CE0AA2A20D}"/>
               </a:ext>
             </a:extLst>
           </p:cNvPr>
@@ -10124,8 +11252,8 @@
         </p:nvSpPr>
         <p:spPr>
           <a:xfrm>
-            <a:off x="863912" y="328612"/>
-            <a:ext cx="5475180" cy="369332"/>
+            <a:off x="347808" y="650738"/>
+            <a:ext cx="9503029" cy="646331"/>
           </a:xfrm>
           <a:prstGeom prst="rect">
             <a:avLst/>
@@ -10140,50 +11268,44 @@
           <a:p>
             <a:r>
               <a:rPr lang="es-ES" dirty="0"/>
-              <a:t>Residuenplot des multiples lineares Regressionsmodell</a:t>
-            </a:r>
-          </a:p>
-        </p:txBody>
-      </p:sp>
-      <p:sp>
-        <p:nvSpPr>
-          <p:cNvPr id="7" name="Textfeld 6">
-            <a:extLst>
-              <a:ext uri="{FF2B5EF4-FFF2-40B4-BE49-F238E27FC236}">
-                <a16:creationId xmlns:a16="http://schemas.microsoft.com/office/drawing/2014/main" id="{88CB40A6-82BD-4AD6-9619-CA577924D7C2}"/>
-              </a:ext>
-            </a:extLst>
-          </p:cNvPr>
-          <p:cNvSpPr txBox="1"/>
-          <p:nvPr/>
-        </p:nvSpPr>
-        <p:spPr>
-          <a:xfrm>
-            <a:off x="7191784" y="2929459"/>
-            <a:ext cx="4745825" cy="369332"/>
-          </a:xfrm>
-          <a:prstGeom prst="rect">
-            <a:avLst/>
-          </a:prstGeom>
-          <a:noFill/>
-        </p:spPr>
-        <p:txBody>
-          <a:bodyPr wrap="square" rtlCol="0">
-            <a:spAutoFit/>
-          </a:bodyPr>
-          <a:lstStyle/>
-          <a:p>
-            <a:r>
-              <a:rPr lang="es-ES" dirty="0"/>
-              <a:t>Residuenplot es Generalisierten linearen Modell</a:t>
-            </a:r>
+              <a:t>R Output - </a:t>
+            </a:r>
+            <a:r>
+              <a:rPr lang="de-DE" sz="1800" i="0" dirty="0">
+                <a:solidFill>
+                  <a:srgbClr val="202122"/>
+                </a:solidFill>
+                <a:effectLst/>
+              </a:rPr>
+              <a:t>Generalisierte additives </a:t>
+            </a:r>
+            <a:r>
+              <a:rPr lang="de-DE" sz="1800" dirty="0">
+                <a:solidFill>
+                  <a:srgbClr val="202122"/>
+                </a:solidFill>
+              </a:rPr>
+              <a:t>Regressionsm</a:t>
+            </a:r>
+            <a:r>
+              <a:rPr lang="de-DE" sz="1800" i="0" dirty="0">
+                <a:solidFill>
+                  <a:srgbClr val="202122"/>
+                </a:solidFill>
+                <a:effectLst/>
+              </a:rPr>
+              <a:t>odelle für Lokations-, Skalen- und Formparameter</a:t>
+            </a:r>
+          </a:p>
+          <a:p>
+            <a:endParaRPr lang="es-ES" dirty="0"/>
           </a:p>
         </p:txBody>
       </p:sp>
     </p:spTree>
     <p:extLst>
       <p:ext uri="{BB962C8B-B14F-4D97-AF65-F5344CB8AC3E}">
-        <p14:creationId xmlns:p14="http://schemas.microsoft.com/office/powerpoint/2010/main" val="2849106887"/>
+        <p14:creationId xmlns:p14="http://schemas.microsoft.com/office/powerpoint/2010/main" val="1440610214"/>
       </p:ext>
     </p:extLst>
   </p:cSld>
@@ -10280,7 +11402,7 @@
           <p:cNvPr id="5" name="Grafik 4" descr="Ein Bild, das Text enthält.&#10;&#10;Automatisch generierte Beschreibung">
             <a:extLst>
               <a:ext uri="{FF2B5EF4-FFF2-40B4-BE49-F238E27FC236}">
-                <a16:creationId xmlns:a16="http://schemas.microsoft.com/office/drawing/2014/main" id="{9CC74AC1-297F-4022-8A34-E84E04437C54}"/>
+                <a16:creationId xmlns:a16="http://schemas.microsoft.com/office/drawing/2014/main" id="{ABA14269-F1B7-4EFD-B95D-3285F8F659A6}"/>
               </a:ext>
             </a:extLst>
           </p:cNvPr>
@@ -10303,8 +11425,8 @@
         </p:blipFill>
         <p:spPr>
           <a:xfrm>
-            <a:off x="488617" y="1493490"/>
-            <a:ext cx="11059992" cy="1619957"/>
+            <a:off x="409518" y="1171260"/>
+            <a:ext cx="8011643" cy="4515480"/>
           </a:xfrm>
           <a:prstGeom prst="rect">
             <a:avLst/>
@@ -10313,10 +11435,10 @@
       </p:pic>
       <p:sp>
         <p:nvSpPr>
-          <p:cNvPr id="2" name="Textfeld 1">
-            <a:extLst>
-              <a:ext uri="{FF2B5EF4-FFF2-40B4-BE49-F238E27FC236}">
-                <a16:creationId xmlns:a16="http://schemas.microsoft.com/office/drawing/2014/main" id="{6D4F4C52-9A36-4EF4-BA8C-7276B33715AD}"/>
+          <p:cNvPr id="6" name="Textfeld 5">
+            <a:extLst>
+              <a:ext uri="{FF2B5EF4-FFF2-40B4-BE49-F238E27FC236}">
+                <a16:creationId xmlns:a16="http://schemas.microsoft.com/office/drawing/2014/main" id="{C804634C-E286-497A-9B2A-8477E35AC67E}"/>
               </a:ext>
             </a:extLst>
           </p:cNvPr>
@@ -10325,8 +11447,8 @@
         </p:nvSpPr>
         <p:spPr>
           <a:xfrm>
-            <a:off x="555935" y="939280"/>
-            <a:ext cx="3370936" cy="369332"/>
+            <a:off x="347808" y="650738"/>
+            <a:ext cx="11724516" cy="646331"/>
           </a:xfrm>
           <a:prstGeom prst="rect">
             <a:avLst/>
@@ -10341,15 +11463,44 @@
           <a:p>
             <a:r>
               <a:rPr lang="es-ES" dirty="0"/>
-              <a:t>R Output - Quantilsregression</a:t>
-            </a:r>
+              <a:t>R Output - </a:t>
+            </a:r>
+            <a:r>
+              <a:rPr lang="de-DE" sz="1800" i="0" dirty="0">
+                <a:solidFill>
+                  <a:srgbClr val="202122"/>
+                </a:solidFill>
+                <a:effectLst/>
+              </a:rPr>
+              <a:t>Generalisierte additives </a:t>
+            </a:r>
+            <a:r>
+              <a:rPr lang="de-DE" sz="1800" dirty="0">
+                <a:solidFill>
+                  <a:srgbClr val="202122"/>
+                </a:solidFill>
+              </a:rPr>
+              <a:t>Regressionsm</a:t>
+            </a:r>
+            <a:r>
+              <a:rPr lang="de-DE" sz="1800" i="0" dirty="0">
+                <a:solidFill>
+                  <a:srgbClr val="202122"/>
+                </a:solidFill>
+                <a:effectLst/>
+              </a:rPr>
+              <a:t>odelle (mit Kovariablen) für Lokations-, Skalen- und Formparameter</a:t>
+            </a:r>
+          </a:p>
+          <a:p>
+            <a:endParaRPr lang="es-ES" dirty="0"/>
           </a:p>
         </p:txBody>
       </p:sp>
     </p:spTree>
     <p:extLst>
       <p:ext uri="{BB962C8B-B14F-4D97-AF65-F5344CB8AC3E}">
-        <p14:creationId xmlns:p14="http://schemas.microsoft.com/office/powerpoint/2010/main" val="3961227562"/>
+        <p14:creationId xmlns:p14="http://schemas.microsoft.com/office/powerpoint/2010/main" val="3703683230"/>
       </p:ext>
     </p:extLst>
   </p:cSld>
@@ -10376,12 +11527,182 @@
           <a:chExt cx="0" cy="0"/>
         </a:xfrm>
       </p:grpSpPr>
-      <p:sp>
-        <p:nvSpPr>
-          <p:cNvPr id="2" name="Titel 1">
-            <a:extLst>
-              <a:ext uri="{FF2B5EF4-FFF2-40B4-BE49-F238E27FC236}">
-                <a16:creationId xmlns:a16="http://schemas.microsoft.com/office/drawing/2014/main" id="{95C7EC47-19F9-4F5F-A0DF-0AC100ECC05F}"/>
+      <p:pic>
+        <p:nvPicPr>
+          <p:cNvPr id="4" name="Grafik 3">
+            <a:extLst>
+              <a:ext uri="{FF2B5EF4-FFF2-40B4-BE49-F238E27FC236}">
+                <a16:creationId xmlns:a16="http://schemas.microsoft.com/office/drawing/2014/main" id="{9AC7F0E4-C069-4D28-A0D2-708DCF5ADA32}"/>
+              </a:ext>
+            </a:extLst>
+          </p:cNvPr>
+          <p:cNvPicPr>
+            <a:picLocks noChangeAspect="1"/>
+          </p:cNvPicPr>
+          <p:nvPr/>
+        </p:nvPicPr>
+        <p:blipFill rotWithShape="1">
+          <a:blip r:embed="rId2">
+            <a:extLst>
+              <a:ext uri="{28A0092B-C50C-407E-A947-70E740481C1C}">
+                <a14:useLocalDpi xmlns:a14="http://schemas.microsoft.com/office/drawing/2010/main" val="0"/>
+              </a:ext>
+            </a:extLst>
+          </a:blip>
+          <a:srcRect l="631" t="16739" r="5257" b="4106"/>
+          <a:stretch/>
+        </p:blipFill>
+        <p:spPr>
+          <a:xfrm>
+            <a:off x="254391" y="644964"/>
+            <a:ext cx="5841609" cy="3158492"/>
+          </a:xfrm>
+          <a:prstGeom prst="rect">
+            <a:avLst/>
+          </a:prstGeom>
+        </p:spPr>
+      </p:pic>
+      <p:pic>
+        <p:nvPicPr>
+          <p:cNvPr id="5" name="Grafik 4">
+            <a:extLst>
+              <a:ext uri="{FF2B5EF4-FFF2-40B4-BE49-F238E27FC236}">
+                <a16:creationId xmlns:a16="http://schemas.microsoft.com/office/drawing/2014/main" id="{EDE5EF7B-3E70-4F82-9E22-0167A380AFBA}"/>
+              </a:ext>
+            </a:extLst>
+          </p:cNvPr>
+          <p:cNvPicPr>
+            <a:picLocks noChangeAspect="1"/>
+          </p:cNvPicPr>
+          <p:nvPr/>
+        </p:nvPicPr>
+        <p:blipFill rotWithShape="1">
+          <a:blip r:embed="rId3">
+            <a:extLst>
+              <a:ext uri="{28A0092B-C50C-407E-A947-70E740481C1C}">
+                <a14:useLocalDpi xmlns:a14="http://schemas.microsoft.com/office/drawing/2010/main" val="0"/>
+              </a:ext>
+            </a:extLst>
+          </a:blip>
+          <a:srcRect t="16338" r="4400" b="4507"/>
+          <a:stretch/>
+        </p:blipFill>
+        <p:spPr>
+          <a:xfrm>
+            <a:off x="5562536" y="3298791"/>
+            <a:ext cx="6375073" cy="3393282"/>
+          </a:xfrm>
+          <a:prstGeom prst="rect">
+            <a:avLst/>
+          </a:prstGeom>
+        </p:spPr>
+      </p:pic>
+      <p:sp>
+        <p:nvSpPr>
+          <p:cNvPr id="6" name="Textfeld 5">
+            <a:extLst>
+              <a:ext uri="{FF2B5EF4-FFF2-40B4-BE49-F238E27FC236}">
+                <a16:creationId xmlns:a16="http://schemas.microsoft.com/office/drawing/2014/main" id="{0EEE6220-C320-4490-AE7E-18BF8819398A}"/>
+              </a:ext>
+            </a:extLst>
+          </p:cNvPr>
+          <p:cNvSpPr txBox="1"/>
+          <p:nvPr/>
+        </p:nvSpPr>
+        <p:spPr>
+          <a:xfrm>
+            <a:off x="863912" y="328612"/>
+            <a:ext cx="5475180" cy="369332"/>
+          </a:xfrm>
+          <a:prstGeom prst="rect">
+            <a:avLst/>
+          </a:prstGeom>
+          <a:noFill/>
+        </p:spPr>
+        <p:txBody>
+          <a:bodyPr wrap="square" rtlCol="0">
+            <a:spAutoFit/>
+          </a:bodyPr>
+          <a:lstStyle/>
+          <a:p>
+            <a:r>
+              <a:rPr lang="es-ES" dirty="0"/>
+              <a:t>Residuenplot des multiples lineares Regressionsmodell</a:t>
+            </a:r>
+          </a:p>
+        </p:txBody>
+      </p:sp>
+      <p:sp>
+        <p:nvSpPr>
+          <p:cNvPr id="7" name="Textfeld 6">
+            <a:extLst>
+              <a:ext uri="{FF2B5EF4-FFF2-40B4-BE49-F238E27FC236}">
+                <a16:creationId xmlns:a16="http://schemas.microsoft.com/office/drawing/2014/main" id="{88CB40A6-82BD-4AD6-9619-CA577924D7C2}"/>
+              </a:ext>
+            </a:extLst>
+          </p:cNvPr>
+          <p:cNvSpPr txBox="1"/>
+          <p:nvPr/>
+        </p:nvSpPr>
+        <p:spPr>
+          <a:xfrm>
+            <a:off x="7191784" y="2929459"/>
+            <a:ext cx="4745825" cy="369332"/>
+          </a:xfrm>
+          <a:prstGeom prst="rect">
+            <a:avLst/>
+          </a:prstGeom>
+          <a:noFill/>
+        </p:spPr>
+        <p:txBody>
+          <a:bodyPr wrap="square" rtlCol="0">
+            <a:spAutoFit/>
+          </a:bodyPr>
+          <a:lstStyle/>
+          <a:p>
+            <a:r>
+              <a:rPr lang="es-ES" dirty="0"/>
+              <a:t>Residuenplot für Generalisierten linearen Modell</a:t>
+            </a:r>
+          </a:p>
+        </p:txBody>
+      </p:sp>
+    </p:spTree>
+    <p:extLst>
+      <p:ext uri="{BB962C8B-B14F-4D97-AF65-F5344CB8AC3E}">
+        <p14:creationId xmlns:p14="http://schemas.microsoft.com/office/powerpoint/2010/main" val="2849106887"/>
+      </p:ext>
+    </p:extLst>
+  </p:cSld>
+  <p:clrMapOvr>
+    <a:masterClrMapping/>
+  </p:clrMapOvr>
+</p:sld>
+</file>
+
+<file path=ppt/slides/slide29.xml><?xml version="1.0" encoding="utf-8"?>
+<p:sld xmlns:a="http://schemas.openxmlformats.org/drawingml/2006/main" xmlns:r="http://schemas.openxmlformats.org/officeDocument/2006/relationships" xmlns:p="http://schemas.openxmlformats.org/presentationml/2006/main">
+  <p:cSld>
+    <p:spTree>
+      <p:nvGrpSpPr>
+        <p:cNvPr id="1" name=""/>
+        <p:cNvGrpSpPr/>
+        <p:nvPr/>
+      </p:nvGrpSpPr>
+      <p:grpSpPr>
+        <a:xfrm>
+          <a:off x="0" y="0"/>
+          <a:ext cx="0" cy="0"/>
+          <a:chOff x="0" y="0"/>
+          <a:chExt cx="0" cy="0"/>
+        </a:xfrm>
+      </p:grpSpPr>
+      <p:sp>
+        <p:nvSpPr>
+          <p:cNvPr id="4" name="Foliennummernplatzhalter 3">
+            <a:extLst>
+              <a:ext uri="{FF2B5EF4-FFF2-40B4-BE49-F238E27FC236}">
+                <a16:creationId xmlns:a16="http://schemas.microsoft.com/office/drawing/2014/main" id="{38F51045-17B2-4CC8-80FB-808D3D232D7E}"/>
               </a:ext>
             </a:extLst>
           </p:cNvPr>
@@ -10389,59 +11710,28 @@
             <a:spLocks noGrp="1"/>
           </p:cNvSpPr>
           <p:nvPr>
-            <p:ph type="title"/>
+            <p:ph type="sldNum" sz="quarter" idx="12"/>
           </p:nvPr>
         </p:nvSpPr>
         <p:spPr/>
         <p:txBody>
-          <a:bodyPr>
-            <a:normAutofit/>
-          </a:bodyPr>
-          <a:lstStyle/>
-          <a:p>
-            <a:r>
-              <a:rPr lang="es-ES" sz="3600" dirty="0"/>
-              <a:t>Bild Quelle</a:t>
-            </a:r>
-          </a:p>
-        </p:txBody>
-      </p:sp>
-      <p:sp>
-        <p:nvSpPr>
-          <p:cNvPr id="3" name="Inhaltsplatzhalter 2">
-            <a:extLst>
-              <a:ext uri="{FF2B5EF4-FFF2-40B4-BE49-F238E27FC236}">
-                <a16:creationId xmlns:a16="http://schemas.microsoft.com/office/drawing/2014/main" id="{E2F678CF-5466-4897-8C93-9EE266D9BB6F}"/>
-              </a:ext>
-            </a:extLst>
-          </p:cNvPr>
-          <p:cNvSpPr>
-            <a:spLocks noGrp="1"/>
-          </p:cNvSpPr>
-          <p:nvPr>
-            <p:ph idx="1"/>
-          </p:nvPr>
-        </p:nvSpPr>
-        <p:spPr/>
-        <p:txBody>
-          <a:bodyPr>
-            <a:normAutofit/>
-          </a:bodyPr>
-          <a:lstStyle/>
-          <a:p>
-            <a:r>
-              <a:rPr lang="es-ES" sz="2000" dirty="0"/>
-              <a:t>https://geohilfe.de/physische-geographie/geomorphologie/tektonik-und-vulkanismus/erdbeben-definition-entstehung-und-arten/</a:t>
-            </a:r>
-          </a:p>
-        </p:txBody>
-      </p:sp>
-      <p:sp>
-        <p:nvSpPr>
-          <p:cNvPr id="4" name="Fußzeilenplatzhalter 4">
-            <a:extLst>
-              <a:ext uri="{FF2B5EF4-FFF2-40B4-BE49-F238E27FC236}">
-                <a16:creationId xmlns:a16="http://schemas.microsoft.com/office/drawing/2014/main" id="{F170A0BB-D0B6-4FCD-9DE8-A0688B72FE09}"/>
+          <a:bodyPr/>
+          <a:lstStyle/>
+          <a:p>
+            <a:fld id="{5C76D808-3489-4ED6-8F45-9C53BCBA6C6D}" type="slidenum">
+              <a:rPr lang="es-ES" b="1" smtClean="0"/>
+              <a:t>29</a:t>
+            </a:fld>
+            <a:endParaRPr lang="es-ES" b="1" dirty="0"/>
+          </a:p>
+        </p:txBody>
+      </p:sp>
+      <p:sp>
+        <p:nvSpPr>
+          <p:cNvPr id="7" name="Fußzeilenplatzhalter 4">
+            <a:extLst>
+              <a:ext uri="{FF2B5EF4-FFF2-40B4-BE49-F238E27FC236}">
+                <a16:creationId xmlns:a16="http://schemas.microsoft.com/office/drawing/2014/main" id="{00D96A0B-DFF8-4590-A342-4EE02B81294A}"/>
               </a:ext>
             </a:extLst>
           </p:cNvPr>
@@ -10472,10 +11762,81 @@
           </a:p>
         </p:txBody>
       </p:sp>
+      <p:pic>
+        <p:nvPicPr>
+          <p:cNvPr id="5" name="Grafik 4" descr="Ein Bild, das Text enthält.&#10;&#10;Automatisch generierte Beschreibung">
+            <a:extLst>
+              <a:ext uri="{FF2B5EF4-FFF2-40B4-BE49-F238E27FC236}">
+                <a16:creationId xmlns:a16="http://schemas.microsoft.com/office/drawing/2014/main" id="{9CC74AC1-297F-4022-8A34-E84E04437C54}"/>
+              </a:ext>
+            </a:extLst>
+          </p:cNvPr>
+          <p:cNvPicPr>
+            <a:picLocks noChangeAspect="1"/>
+          </p:cNvPicPr>
+          <p:nvPr/>
+        </p:nvPicPr>
+        <p:blipFill>
+          <a:blip r:embed="rId2">
+            <a:extLst>
+              <a:ext uri="{28A0092B-C50C-407E-A947-70E740481C1C}">
+                <a14:useLocalDpi xmlns:a14="http://schemas.microsoft.com/office/drawing/2010/main" val="0"/>
+              </a:ext>
+            </a:extLst>
+          </a:blip>
+          <a:stretch>
+            <a:fillRect/>
+          </a:stretch>
+        </p:blipFill>
+        <p:spPr>
+          <a:xfrm>
+            <a:off x="488617" y="1493490"/>
+            <a:ext cx="11059992" cy="1619957"/>
+          </a:xfrm>
+          <a:prstGeom prst="rect">
+            <a:avLst/>
+          </a:prstGeom>
+        </p:spPr>
+      </p:pic>
+      <p:sp>
+        <p:nvSpPr>
+          <p:cNvPr id="2" name="Textfeld 1">
+            <a:extLst>
+              <a:ext uri="{FF2B5EF4-FFF2-40B4-BE49-F238E27FC236}">
+                <a16:creationId xmlns:a16="http://schemas.microsoft.com/office/drawing/2014/main" id="{6D4F4C52-9A36-4EF4-BA8C-7276B33715AD}"/>
+              </a:ext>
+            </a:extLst>
+          </p:cNvPr>
+          <p:cNvSpPr txBox="1"/>
+          <p:nvPr/>
+        </p:nvSpPr>
+        <p:spPr>
+          <a:xfrm>
+            <a:off x="555935" y="939280"/>
+            <a:ext cx="3370936" cy="369332"/>
+          </a:xfrm>
+          <a:prstGeom prst="rect">
+            <a:avLst/>
+          </a:prstGeom>
+          <a:noFill/>
+        </p:spPr>
+        <p:txBody>
+          <a:bodyPr wrap="square" rtlCol="0">
+            <a:spAutoFit/>
+          </a:bodyPr>
+          <a:lstStyle/>
+          <a:p>
+            <a:r>
+              <a:rPr lang="es-ES" dirty="0"/>
+              <a:t>R Output - Quantilsregression</a:t>
+            </a:r>
+          </a:p>
+        </p:txBody>
+      </p:sp>
     </p:spTree>
     <p:extLst>
       <p:ext uri="{BB962C8B-B14F-4D97-AF65-F5344CB8AC3E}">
-        <p14:creationId xmlns:p14="http://schemas.microsoft.com/office/powerpoint/2010/main" val="2499159389"/>
+        <p14:creationId xmlns:p14="http://schemas.microsoft.com/office/powerpoint/2010/main" val="3961227562"/>
       </p:ext>
     </p:extLst>
   </p:cSld>
@@ -10531,28 +11892,36 @@
           <a:lstStyle/>
           <a:p>
             <a:r>
-              <a:rPr lang="de-DE" dirty="0"/>
-              <a:t>Die Doktorarbeit des Projektpartners, in Kooperation mit der Munich RE untersucht unter anderem wie oft Erdbeben ähnlich starke Nachbeben triggern</a:t>
-            </a:r>
-          </a:p>
-          <a:p>
-            <a:r>
-              <a:rPr lang="de-DE" dirty="0"/>
-              <a:t>“Erdbeben-</a:t>
-            </a:r>
-            <a:r>
-              <a:rPr lang="de-DE" dirty="0" err="1"/>
-              <a:t>Doublets</a:t>
-            </a:r>
-            <a:r>
-              <a:rPr lang="de-DE" dirty="0"/>
-              <a:t>“ sind für (Rück)Versicherungen interessant, um Schäden abzuschätzen</a:t>
-            </a:r>
-          </a:p>
-          <a:p>
-            <a:r>
-              <a:rPr lang="de-DE" dirty="0"/>
-              <a:t>Sie stellen einen Schadenmultiplikator für das Risikomanagement dar</a:t>
+              <a:rPr lang="de-DE" sz="2400" dirty="0"/>
+              <a:t>Doktorarbeit untersucht </a:t>
+            </a:r>
+            <a:r>
+              <a:rPr lang="de-DE" sz="2400" dirty="0" err="1"/>
+              <a:t>u.A</a:t>
+            </a:r>
+            <a:r>
+              <a:rPr lang="de-DE" sz="2400" dirty="0"/>
+              <a:t> wie oft Erdbeben ähnlich starke Nachbeben triggern</a:t>
+            </a:r>
+          </a:p>
+          <a:p>
+            <a:r>
+              <a:rPr lang="de-DE" sz="2400" dirty="0"/>
+              <a:t>„Erdbeben-</a:t>
+            </a:r>
+            <a:r>
+              <a:rPr lang="de-DE" sz="2400" dirty="0" err="1"/>
+              <a:t>doublets</a:t>
+            </a:r>
+            <a:r>
+              <a:rPr lang="de-DE" sz="2400" dirty="0"/>
+              <a:t>“ wichtig zur Schadensabschätzung </a:t>
+            </a:r>
+          </a:p>
+          <a:p>
+            <a:r>
+              <a:rPr lang="de-DE" sz="2400" dirty="0"/>
+              <a:t>Interessant für (Rück)Versicherungen</a:t>
             </a:r>
           </a:p>
           <a:p>
@@ -10747,6 +12116,132 @@
     <p:extLst>
       <p:ext uri="{BB962C8B-B14F-4D97-AF65-F5344CB8AC3E}">
         <p14:creationId xmlns:p14="http://schemas.microsoft.com/office/powerpoint/2010/main" val="1072445958"/>
+      </p:ext>
+    </p:extLst>
+  </p:cSld>
+  <p:clrMapOvr>
+    <a:masterClrMapping/>
+  </p:clrMapOvr>
+</p:sld>
+</file>
+
+<file path=ppt/slides/slide30.xml><?xml version="1.0" encoding="utf-8"?>
+<p:sld xmlns:a="http://schemas.openxmlformats.org/drawingml/2006/main" xmlns:r="http://schemas.openxmlformats.org/officeDocument/2006/relationships" xmlns:p="http://schemas.openxmlformats.org/presentationml/2006/main">
+  <p:cSld>
+    <p:spTree>
+      <p:nvGrpSpPr>
+        <p:cNvPr id="1" name=""/>
+        <p:cNvGrpSpPr/>
+        <p:nvPr/>
+      </p:nvGrpSpPr>
+      <p:grpSpPr>
+        <a:xfrm>
+          <a:off x="0" y="0"/>
+          <a:ext cx="0" cy="0"/>
+          <a:chOff x="0" y="0"/>
+          <a:chExt cx="0" cy="0"/>
+        </a:xfrm>
+      </p:grpSpPr>
+      <p:sp>
+        <p:nvSpPr>
+          <p:cNvPr id="2" name="Titel 1">
+            <a:extLst>
+              <a:ext uri="{FF2B5EF4-FFF2-40B4-BE49-F238E27FC236}">
+                <a16:creationId xmlns:a16="http://schemas.microsoft.com/office/drawing/2014/main" id="{95C7EC47-19F9-4F5F-A0DF-0AC100ECC05F}"/>
+              </a:ext>
+            </a:extLst>
+          </p:cNvPr>
+          <p:cNvSpPr>
+            <a:spLocks noGrp="1"/>
+          </p:cNvSpPr>
+          <p:nvPr>
+            <p:ph type="title"/>
+          </p:nvPr>
+        </p:nvSpPr>
+        <p:spPr/>
+        <p:txBody>
+          <a:bodyPr>
+            <a:normAutofit/>
+          </a:bodyPr>
+          <a:lstStyle/>
+          <a:p>
+            <a:r>
+              <a:rPr lang="es-ES" sz="3600" dirty="0"/>
+              <a:t>Bild Quelle</a:t>
+            </a:r>
+          </a:p>
+        </p:txBody>
+      </p:sp>
+      <p:sp>
+        <p:nvSpPr>
+          <p:cNvPr id="3" name="Inhaltsplatzhalter 2">
+            <a:extLst>
+              <a:ext uri="{FF2B5EF4-FFF2-40B4-BE49-F238E27FC236}">
+                <a16:creationId xmlns:a16="http://schemas.microsoft.com/office/drawing/2014/main" id="{E2F678CF-5466-4897-8C93-9EE266D9BB6F}"/>
+              </a:ext>
+            </a:extLst>
+          </p:cNvPr>
+          <p:cNvSpPr>
+            <a:spLocks noGrp="1"/>
+          </p:cNvSpPr>
+          <p:nvPr>
+            <p:ph idx="1"/>
+          </p:nvPr>
+        </p:nvSpPr>
+        <p:spPr/>
+        <p:txBody>
+          <a:bodyPr>
+            <a:normAutofit/>
+          </a:bodyPr>
+          <a:lstStyle/>
+          <a:p>
+            <a:r>
+              <a:rPr lang="es-ES" sz="2000" dirty="0"/>
+              <a:t>https://geohilfe.de/physische-geographie/geomorphologie/tektonik-und-vulkanismus/erdbeben-definition-entstehung-und-arten/</a:t>
+            </a:r>
+          </a:p>
+        </p:txBody>
+      </p:sp>
+      <p:sp>
+        <p:nvSpPr>
+          <p:cNvPr id="4" name="Fußzeilenplatzhalter 4">
+            <a:extLst>
+              <a:ext uri="{FF2B5EF4-FFF2-40B4-BE49-F238E27FC236}">
+                <a16:creationId xmlns:a16="http://schemas.microsoft.com/office/drawing/2014/main" id="{F170A0BB-D0B6-4FCD-9DE8-A0688B72FE09}"/>
+              </a:ext>
+            </a:extLst>
+          </p:cNvPr>
+          <p:cNvSpPr>
+            <a:spLocks noGrp="1"/>
+          </p:cNvSpPr>
+          <p:nvPr>
+            <p:ph type="ftr" sz="quarter" idx="11"/>
+          </p:nvPr>
+        </p:nvSpPr>
+        <p:spPr>
+          <a:xfrm>
+            <a:off x="117806" y="6356350"/>
+            <a:ext cx="4050287" cy="365125"/>
+          </a:xfrm>
+        </p:spPr>
+        <p:txBody>
+          <a:bodyPr/>
+          <a:lstStyle/>
+          <a:p>
+            <a:r>
+              <a:rPr lang="es-ES" dirty="0">
+                <a:latin typeface="Arial" panose="020B0604020202020204" pitchFamily="34" charset="0"/>
+                <a:cs typeface="Arial" panose="020B0604020202020204" pitchFamily="34" charset="0"/>
+              </a:rPr>
+              <a:t>Getriggerte Erdbeben – Orzelek, Reichmeier, Riedlberger</a:t>
+            </a:r>
+          </a:p>
+        </p:txBody>
+      </p:sp>
+    </p:spTree>
+    <p:extLst>
+      <p:ext uri="{BB962C8B-B14F-4D97-AF65-F5344CB8AC3E}">
+        <p14:creationId xmlns:p14="http://schemas.microsoft.com/office/powerpoint/2010/main" val="2499159389"/>
       </p:ext>
     </p:extLst>
   </p:cSld>
@@ -13665,7 +15160,7 @@
             </a:r>
             <a:r>
               <a:rPr lang="de-DE" sz="2000" dirty="0"/>
-              <a:t>: nicht vollständig erfasste Erdbeben nach einem starken Erdbeben (n= 616) Japan</a:t>
+              <a:t>: nicht vollständig erfasste Erdbeben nach einem starken Erdbeben (Japan n= 616)</a:t>
             </a:r>
           </a:p>
         </p:txBody>
@@ -13711,7 +15206,7 @@
             </a:r>
             <a:r>
               <a:rPr lang="de-DE" sz="2000" dirty="0"/>
-              <a:t>: Erdbeben, die kein weiteres Erdbeben triggern und nicht getriggert wurden (n= 4975) Japan</a:t>
+              <a:t>: Erdbeben, die kein weiteres Erdbeben triggern und nicht getriggert wurden (Japan n= 4975)</a:t>
             </a:r>
           </a:p>
         </p:txBody>
@@ -14595,7 +16090,7 @@
                 </a14:m>
                 <a:r>
                   <a:rPr lang="de-DE" sz="4200" dirty="0"/>
-                  <a:t>[0 ; 1] </a:t>
+                  <a:t> [0 ; 1] </a:t>
                 </a:r>
               </a:p>
               <a:p>
@@ -14960,14 +16455,8 @@
                 <a:latin typeface="Arial" panose="020B0604020202020204" pitchFamily="34" charset="0"/>
                 <a:cs typeface="Arial" panose="020B0604020202020204" pitchFamily="34" charset="0"/>
               </a:rPr>
-              <a:t>Fragen und Anregungen</a:t>
-            </a:r>
-          </a:p>
-          <a:p>
-            <a:pPr marL="0" indent="0">
-              <a:buNone/>
-            </a:pPr>
-            <a:endParaRPr lang="es-ES" dirty="0"/>
+              <a:t>Diskussion</a:t>
+            </a:r>
           </a:p>
         </p:txBody>
       </p:sp>
@@ -15825,9 +17314,8 @@
                 <a:latin typeface="Arial" panose="020B0604020202020204" pitchFamily="34" charset="0"/>
                 <a:cs typeface="Arial" panose="020B0604020202020204" pitchFamily="34" charset="0"/>
               </a:rPr>
-              <a:t>Fragen und Anregungen</a:t>
-            </a:r>
-            <a:endParaRPr lang="es-ES" dirty="0"/>
+              <a:t>Diskussion</a:t>
+            </a:r>
           </a:p>
         </p:txBody>
       </p:sp>
